--- a/Documents/十五音教材/閩南語之四聲八調與變調規則.pptx
+++ b/Documents/十五音教材/閩南語之四聲八調與變調規則.pptx
@@ -5,30 +5,31 @@
     <p:sldMasterId id="2147483660" r:id="rId1"/>
   </p:sldMasterIdLst>
   <p:notesMasterIdLst>
-    <p:notesMasterId r:id="rId23"/>
+    <p:notesMasterId r:id="rId24"/>
   </p:notesMasterIdLst>
   <p:sldIdLst>
     <p:sldId id="306" r:id="rId2"/>
     <p:sldId id="367" r:id="rId3"/>
-    <p:sldId id="354" r:id="rId4"/>
-    <p:sldId id="344" r:id="rId5"/>
-    <p:sldId id="355" r:id="rId6"/>
-    <p:sldId id="356" r:id="rId7"/>
-    <p:sldId id="368" r:id="rId8"/>
-    <p:sldId id="369" r:id="rId9"/>
-    <p:sldId id="358" r:id="rId10"/>
-    <p:sldId id="357" r:id="rId11"/>
-    <p:sldId id="359" r:id="rId12"/>
-    <p:sldId id="365" r:id="rId13"/>
-    <p:sldId id="322" r:id="rId14"/>
-    <p:sldId id="321" r:id="rId15"/>
+    <p:sldId id="344" r:id="rId4"/>
+    <p:sldId id="355" r:id="rId5"/>
+    <p:sldId id="356" r:id="rId6"/>
+    <p:sldId id="368" r:id="rId7"/>
+    <p:sldId id="369" r:id="rId8"/>
+    <p:sldId id="358" r:id="rId9"/>
+    <p:sldId id="357" r:id="rId10"/>
+    <p:sldId id="359" r:id="rId11"/>
+    <p:sldId id="365" r:id="rId12"/>
+    <p:sldId id="322" r:id="rId13"/>
+    <p:sldId id="321" r:id="rId14"/>
+    <p:sldId id="320" r:id="rId15"/>
     <p:sldId id="360" r:id="rId16"/>
-    <p:sldId id="320" r:id="rId17"/>
-    <p:sldId id="366" r:id="rId18"/>
-    <p:sldId id="362" r:id="rId19"/>
-    <p:sldId id="363" r:id="rId20"/>
-    <p:sldId id="370" r:id="rId21"/>
+    <p:sldId id="366" r:id="rId17"/>
+    <p:sldId id="362" r:id="rId18"/>
+    <p:sldId id="363" r:id="rId19"/>
+    <p:sldId id="370" r:id="rId20"/>
+    <p:sldId id="371" r:id="rId21"/>
     <p:sldId id="364" r:id="rId22"/>
+    <p:sldId id="372" r:id="rId23"/>
   </p:sldIdLst>
   <p:sldSz cx="6858000" cy="12192000"/>
   <p:notesSz cx="6858000" cy="9144000"/>
@@ -135,7 +136,7 @@
             <a:srgbClr val="A4A3A4"/>
           </p15:clr>
         </p15:guide>
-        <p15:guide id="2" pos="278" userDrawn="1">
+        <p15:guide id="2" pos="300" userDrawn="1">
           <p15:clr>
             <a:srgbClr val="A4A3A4"/>
           </p15:clr>
@@ -228,7 +229,7 @@
           <a:p>
             <a:fld id="{75388558-F828-4BF6-B408-79D0AC865840}" type="datetimeFigureOut">
               <a:rPr lang="zh-TW" altLang="en-US" smtClean="0"/>
-              <a:t>2025/7/25</a:t>
+              <a:t>2025/7/26</a:t>
             </a:fld>
             <a:endParaRPr lang="zh-TW" altLang="en-US"/>
           </a:p>
@@ -695,7 +696,7 @@
                 <a:latin typeface="Microsoft JhengHei UI" panose="020B0604030504040204" pitchFamily="34" charset="-120"/>
                 <a:ea typeface="Microsoft JhengHei UI" panose="020B0604030504040204" pitchFamily="34" charset="-120"/>
               </a:rPr>
-              <a:t>18</a:t>
+              <a:t>17</a:t>
             </a:fld>
             <a:endParaRPr lang="zh-TW" altLang="en-US">
               <a:latin typeface="Microsoft JhengHei UI" panose="020B0604030504040204" pitchFamily="34" charset="-120"/>
@@ -818,7 +819,7 @@
                 <a:latin typeface="Microsoft JhengHei UI" panose="020B0604030504040204" pitchFamily="34" charset="-120"/>
                 <a:ea typeface="Microsoft JhengHei UI" panose="020B0604030504040204" pitchFamily="34" charset="-120"/>
               </a:rPr>
-              <a:t>19</a:t>
+              <a:t>18</a:t>
             </a:fld>
             <a:endParaRPr lang="zh-TW" altLang="en-US">
               <a:latin typeface="Microsoft JhengHei UI" panose="020B0604030504040204" pitchFamily="34" charset="-120"/>
@@ -941,7 +942,7 @@
                 <a:latin typeface="Microsoft JhengHei UI" panose="020B0604030504040204" pitchFamily="34" charset="-120"/>
                 <a:ea typeface="Microsoft JhengHei UI" panose="020B0604030504040204" pitchFamily="34" charset="-120"/>
               </a:rPr>
-              <a:t>20</a:t>
+              <a:t>19</a:t>
             </a:fld>
             <a:endParaRPr lang="zh-TW" altLang="en-US">
               <a:latin typeface="Microsoft JhengHei UI" panose="020B0604030504040204" pitchFamily="34" charset="-120"/>
@@ -964,6 +965,129 @@
 </file>
 
 <file path=ppt/notesSlides/notesSlide13.xml><?xml version="1.0" encoding="utf-8"?>
+<p:notes xmlns:a="http://schemas.openxmlformats.org/drawingml/2006/main" xmlns:r="http://schemas.openxmlformats.org/officeDocument/2006/relationships" xmlns:p="http://schemas.openxmlformats.org/presentationml/2006/main">
+  <p:cSld>
+    <p:spTree>
+      <p:nvGrpSpPr>
+        <p:cNvPr id="1" name="">
+          <a:extLst>
+            <a:ext uri="{FF2B5EF4-FFF2-40B4-BE49-F238E27FC236}">
+              <a16:creationId xmlns:a16="http://schemas.microsoft.com/office/drawing/2014/main" id="{674EBC41-FC1A-6318-D1E1-C7CDD16B3864}"/>
+            </a:ext>
+          </a:extLst>
+        </p:cNvPr>
+        <p:cNvGrpSpPr/>
+        <p:nvPr/>
+      </p:nvGrpSpPr>
+      <p:grpSpPr>
+        <a:xfrm>
+          <a:off x="0" y="0"/>
+          <a:ext cx="0" cy="0"/>
+          <a:chOff x="0" y="0"/>
+          <a:chExt cx="0" cy="0"/>
+        </a:xfrm>
+      </p:grpSpPr>
+      <p:sp>
+        <p:nvSpPr>
+          <p:cNvPr id="2" name="投影片影像版面配置區 1">
+            <a:extLst>
+              <a:ext uri="{FF2B5EF4-FFF2-40B4-BE49-F238E27FC236}">
+                <a16:creationId xmlns:a16="http://schemas.microsoft.com/office/drawing/2014/main" id="{84F2EBBB-35E0-6AA1-8BA7-547076ACA1BE}"/>
+              </a:ext>
+            </a:extLst>
+          </p:cNvPr>
+          <p:cNvSpPr>
+            <a:spLocks noGrp="1" noRot="1" noChangeAspect="1"/>
+          </p:cNvSpPr>
+          <p:nvPr>
+            <p:ph type="sldImg"/>
+          </p:nvPr>
+        </p:nvSpPr>
+        <p:spPr>
+          <a:xfrm>
+            <a:off x="2560638" y="1143000"/>
+            <a:ext cx="1736725" cy="3086100"/>
+          </a:xfrm>
+        </p:spPr>
+      </p:sp>
+      <p:sp>
+        <p:nvSpPr>
+          <p:cNvPr id="3" name="備忘稿版面配置區 2">
+            <a:extLst>
+              <a:ext uri="{FF2B5EF4-FFF2-40B4-BE49-F238E27FC236}">
+                <a16:creationId xmlns:a16="http://schemas.microsoft.com/office/drawing/2014/main" id="{9B0EDBD0-EE8B-0861-00C1-8149EBB84222}"/>
+              </a:ext>
+            </a:extLst>
+          </p:cNvPr>
+          <p:cNvSpPr>
+            <a:spLocks noGrp="1"/>
+          </p:cNvSpPr>
+          <p:nvPr>
+            <p:ph type="body" idx="1"/>
+          </p:nvPr>
+        </p:nvSpPr>
+        <p:spPr/>
+        <p:txBody>
+          <a:bodyPr/>
+          <a:lstStyle/>
+          <a:p>
+            <a:endParaRPr lang="zh-TW" altLang="en-US">
+              <a:latin typeface="Microsoft JhengHei UI" panose="020B0604030504040204" pitchFamily="34" charset="-120"/>
+              <a:ea typeface="Microsoft JhengHei UI" panose="020B0604030504040204" pitchFamily="34" charset="-120"/>
+            </a:endParaRPr>
+          </a:p>
+        </p:txBody>
+      </p:sp>
+      <p:sp>
+        <p:nvSpPr>
+          <p:cNvPr id="4" name="投影片編號版面配置區 3">
+            <a:extLst>
+              <a:ext uri="{FF2B5EF4-FFF2-40B4-BE49-F238E27FC236}">
+                <a16:creationId xmlns:a16="http://schemas.microsoft.com/office/drawing/2014/main" id="{6AFFD259-0B6C-953F-D748-034C95623162}"/>
+              </a:ext>
+            </a:extLst>
+          </p:cNvPr>
+          <p:cNvSpPr>
+            <a:spLocks noGrp="1"/>
+          </p:cNvSpPr>
+          <p:nvPr>
+            <p:ph type="sldNum" sz="quarter" idx="5"/>
+          </p:nvPr>
+        </p:nvSpPr>
+        <p:spPr/>
+        <p:txBody>
+          <a:bodyPr/>
+          <a:lstStyle/>
+          <a:p>
+            <a:pPr rtl="0"/>
+            <a:fld id="{D5939589-3E79-4C82-AA4A-FE78234FAA59}" type="slidenum">
+              <a:rPr lang="en-US" altLang="zh-TW" smtClean="0">
+                <a:latin typeface="Microsoft JhengHei UI" panose="020B0604030504040204" pitchFamily="34" charset="-120"/>
+                <a:ea typeface="Microsoft JhengHei UI" panose="020B0604030504040204" pitchFamily="34" charset="-120"/>
+              </a:rPr>
+              <a:t>20</a:t>
+            </a:fld>
+            <a:endParaRPr lang="zh-TW" altLang="en-US">
+              <a:latin typeface="Microsoft JhengHei UI" panose="020B0604030504040204" pitchFamily="34" charset="-120"/>
+              <a:ea typeface="Microsoft JhengHei UI" panose="020B0604030504040204" pitchFamily="34" charset="-120"/>
+            </a:endParaRPr>
+          </a:p>
+        </p:txBody>
+      </p:sp>
+    </p:spTree>
+    <p:extLst>
+      <p:ext uri="{BB962C8B-B14F-4D97-AF65-F5344CB8AC3E}">
+        <p14:creationId xmlns:p14="http://schemas.microsoft.com/office/powerpoint/2010/main" val="2487275868"/>
+      </p:ext>
+    </p:extLst>
+  </p:cSld>
+  <p:clrMapOvr>
+    <a:masterClrMapping/>
+  </p:clrMapOvr>
+</p:notes>
+</file>
+
+<file path=ppt/notesSlides/notesSlide14.xml><?xml version="1.0" encoding="utf-8"?>
 <p:notes xmlns:a="http://schemas.openxmlformats.org/drawingml/2006/main" xmlns:r="http://schemas.openxmlformats.org/officeDocument/2006/relationships" xmlns:p="http://schemas.openxmlformats.org/presentationml/2006/main">
   <p:cSld>
     <p:spTree>
@@ -1077,6 +1201,129 @@
     <p:extLst>
       <p:ext uri="{BB962C8B-B14F-4D97-AF65-F5344CB8AC3E}">
         <p14:creationId xmlns:p14="http://schemas.microsoft.com/office/powerpoint/2010/main" val="1317828267"/>
+      </p:ext>
+    </p:extLst>
+  </p:cSld>
+  <p:clrMapOvr>
+    <a:masterClrMapping/>
+  </p:clrMapOvr>
+</p:notes>
+</file>
+
+<file path=ppt/notesSlides/notesSlide15.xml><?xml version="1.0" encoding="utf-8"?>
+<p:notes xmlns:a="http://schemas.openxmlformats.org/drawingml/2006/main" xmlns:r="http://schemas.openxmlformats.org/officeDocument/2006/relationships" xmlns:p="http://schemas.openxmlformats.org/presentationml/2006/main">
+  <p:cSld>
+    <p:spTree>
+      <p:nvGrpSpPr>
+        <p:cNvPr id="1" name="">
+          <a:extLst>
+            <a:ext uri="{FF2B5EF4-FFF2-40B4-BE49-F238E27FC236}">
+              <a16:creationId xmlns:a16="http://schemas.microsoft.com/office/drawing/2014/main" id="{99518C48-4CA2-91DE-83AD-4F216A7C637C}"/>
+            </a:ext>
+          </a:extLst>
+        </p:cNvPr>
+        <p:cNvGrpSpPr/>
+        <p:nvPr/>
+      </p:nvGrpSpPr>
+      <p:grpSpPr>
+        <a:xfrm>
+          <a:off x="0" y="0"/>
+          <a:ext cx="0" cy="0"/>
+          <a:chOff x="0" y="0"/>
+          <a:chExt cx="0" cy="0"/>
+        </a:xfrm>
+      </p:grpSpPr>
+      <p:sp>
+        <p:nvSpPr>
+          <p:cNvPr id="2" name="投影片影像版面配置區 1">
+            <a:extLst>
+              <a:ext uri="{FF2B5EF4-FFF2-40B4-BE49-F238E27FC236}">
+                <a16:creationId xmlns:a16="http://schemas.microsoft.com/office/drawing/2014/main" id="{3B03DD15-3280-A5C2-C1DD-83513572FA54}"/>
+              </a:ext>
+            </a:extLst>
+          </p:cNvPr>
+          <p:cNvSpPr>
+            <a:spLocks noGrp="1" noRot="1" noChangeAspect="1"/>
+          </p:cNvSpPr>
+          <p:nvPr>
+            <p:ph type="sldImg"/>
+          </p:nvPr>
+        </p:nvSpPr>
+        <p:spPr>
+          <a:xfrm>
+            <a:off x="2560638" y="1143000"/>
+            <a:ext cx="1736725" cy="3086100"/>
+          </a:xfrm>
+        </p:spPr>
+      </p:sp>
+      <p:sp>
+        <p:nvSpPr>
+          <p:cNvPr id="3" name="備忘稿版面配置區 2">
+            <a:extLst>
+              <a:ext uri="{FF2B5EF4-FFF2-40B4-BE49-F238E27FC236}">
+                <a16:creationId xmlns:a16="http://schemas.microsoft.com/office/drawing/2014/main" id="{1EEA4F72-FC1A-359F-3CAC-00AD5BCCE141}"/>
+              </a:ext>
+            </a:extLst>
+          </p:cNvPr>
+          <p:cNvSpPr>
+            <a:spLocks noGrp="1"/>
+          </p:cNvSpPr>
+          <p:nvPr>
+            <p:ph type="body" idx="1"/>
+          </p:nvPr>
+        </p:nvSpPr>
+        <p:spPr/>
+        <p:txBody>
+          <a:bodyPr/>
+          <a:lstStyle/>
+          <a:p>
+            <a:endParaRPr lang="zh-TW" altLang="en-US">
+              <a:latin typeface="Microsoft JhengHei UI" panose="020B0604030504040204" pitchFamily="34" charset="-120"/>
+              <a:ea typeface="Microsoft JhengHei UI" panose="020B0604030504040204" pitchFamily="34" charset="-120"/>
+            </a:endParaRPr>
+          </a:p>
+        </p:txBody>
+      </p:sp>
+      <p:sp>
+        <p:nvSpPr>
+          <p:cNvPr id="4" name="投影片編號版面配置區 3">
+            <a:extLst>
+              <a:ext uri="{FF2B5EF4-FFF2-40B4-BE49-F238E27FC236}">
+                <a16:creationId xmlns:a16="http://schemas.microsoft.com/office/drawing/2014/main" id="{25DD9E11-CB63-697F-B760-E471235C97E5}"/>
+              </a:ext>
+            </a:extLst>
+          </p:cNvPr>
+          <p:cNvSpPr>
+            <a:spLocks noGrp="1"/>
+          </p:cNvSpPr>
+          <p:nvPr>
+            <p:ph type="sldNum" sz="quarter" idx="5"/>
+          </p:nvPr>
+        </p:nvSpPr>
+        <p:spPr/>
+        <p:txBody>
+          <a:bodyPr/>
+          <a:lstStyle/>
+          <a:p>
+            <a:pPr rtl="0"/>
+            <a:fld id="{D5939589-3E79-4C82-AA4A-FE78234FAA59}" type="slidenum">
+              <a:rPr lang="en-US" altLang="zh-TW" smtClean="0">
+                <a:latin typeface="Microsoft JhengHei UI" panose="020B0604030504040204" pitchFamily="34" charset="-120"/>
+                <a:ea typeface="Microsoft JhengHei UI" panose="020B0604030504040204" pitchFamily="34" charset="-120"/>
+              </a:rPr>
+              <a:t>22</a:t>
+            </a:fld>
+            <a:endParaRPr lang="zh-TW" altLang="en-US">
+              <a:latin typeface="Microsoft JhengHei UI" panose="020B0604030504040204" pitchFamily="34" charset="-120"/>
+              <a:ea typeface="Microsoft JhengHei UI" panose="020B0604030504040204" pitchFamily="34" charset="-120"/>
+            </a:endParaRPr>
+          </a:p>
+        </p:txBody>
+      </p:sp>
+    </p:spTree>
+    <p:extLst>
+      <p:ext uri="{BB962C8B-B14F-4D97-AF65-F5344CB8AC3E}">
+        <p14:creationId xmlns:p14="http://schemas.microsoft.com/office/powerpoint/2010/main" val="2226583727"/>
       </p:ext>
     </p:extLst>
   </p:cSld>
@@ -1187,7 +1434,7 @@
                 <a:latin typeface="Microsoft JhengHei UI" panose="020B0604030504040204" pitchFamily="34" charset="-120"/>
                 <a:ea typeface="Microsoft JhengHei UI" panose="020B0604030504040204" pitchFamily="34" charset="-120"/>
               </a:rPr>
-              <a:t>4</a:t>
+              <a:t>3</a:t>
             </a:fld>
             <a:endParaRPr lang="zh-TW" altLang="en-US">
               <a:latin typeface="Microsoft JhengHei UI" panose="020B0604030504040204" pitchFamily="34" charset="-120"/>
@@ -1310,7 +1557,7 @@
                 <a:latin typeface="Microsoft JhengHei UI" panose="020B0604030504040204" pitchFamily="34" charset="-120"/>
                 <a:ea typeface="Microsoft JhengHei UI" panose="020B0604030504040204" pitchFamily="34" charset="-120"/>
               </a:rPr>
-              <a:t>9</a:t>
+              <a:t>8</a:t>
             </a:fld>
             <a:endParaRPr lang="zh-TW" altLang="en-US">
               <a:latin typeface="Microsoft JhengHei UI" panose="020B0604030504040204" pitchFamily="34" charset="-120"/>
@@ -1433,7 +1680,7 @@
                 <a:latin typeface="Microsoft JhengHei UI" panose="020B0604030504040204" pitchFamily="34" charset="-120"/>
                 <a:ea typeface="Microsoft JhengHei UI" panose="020B0604030504040204" pitchFamily="34" charset="-120"/>
               </a:rPr>
-              <a:t>10</a:t>
+              <a:t>9</a:t>
             </a:fld>
             <a:endParaRPr lang="zh-TW" altLang="en-US">
               <a:latin typeface="Microsoft JhengHei UI" panose="020B0604030504040204" pitchFamily="34" charset="-120"/>
@@ -1556,7 +1803,7 @@
                 <a:latin typeface="Microsoft JhengHei UI" panose="020B0604030504040204" pitchFamily="34" charset="-120"/>
                 <a:ea typeface="Microsoft JhengHei UI" panose="020B0604030504040204" pitchFamily="34" charset="-120"/>
               </a:rPr>
-              <a:t>11</a:t>
+              <a:t>10</a:t>
             </a:fld>
             <a:endParaRPr lang="zh-TW" altLang="en-US">
               <a:latin typeface="Microsoft JhengHei UI" panose="020B0604030504040204" pitchFamily="34" charset="-120"/>
@@ -1679,7 +1926,7 @@
                 <a:latin typeface="Microsoft JhengHei UI" panose="020B0604030504040204" pitchFamily="34" charset="-120"/>
                 <a:ea typeface="Microsoft JhengHei UI" panose="020B0604030504040204" pitchFamily="34" charset="-120"/>
               </a:rPr>
-              <a:t>13</a:t>
+              <a:t>12</a:t>
             </a:fld>
             <a:endParaRPr lang="zh-TW" altLang="en-US">
               <a:latin typeface="Microsoft JhengHei UI" panose="020B0604030504040204" pitchFamily="34" charset="-120"/>
@@ -1802,7 +2049,7 @@
                 <a:latin typeface="Microsoft JhengHei UI" panose="020B0604030504040204" pitchFamily="34" charset="-120"/>
                 <a:ea typeface="Microsoft JhengHei UI" panose="020B0604030504040204" pitchFamily="34" charset="-120"/>
               </a:rPr>
-              <a:t>14</a:t>
+              <a:t>13</a:t>
             </a:fld>
             <a:endParaRPr lang="zh-TW" altLang="en-US">
               <a:latin typeface="Microsoft JhengHei UI" panose="020B0604030504040204" pitchFamily="34" charset="-120"/>
@@ -1825,6 +2072,129 @@
 </file>
 
 <file path=ppt/notesSlides/notesSlide8.xml><?xml version="1.0" encoding="utf-8"?>
+<p:notes xmlns:a="http://schemas.openxmlformats.org/drawingml/2006/main" xmlns:r="http://schemas.openxmlformats.org/officeDocument/2006/relationships" xmlns:p="http://schemas.openxmlformats.org/presentationml/2006/main">
+  <p:cSld>
+    <p:spTree>
+      <p:nvGrpSpPr>
+        <p:cNvPr id="1" name="">
+          <a:extLst>
+            <a:ext uri="{FF2B5EF4-FFF2-40B4-BE49-F238E27FC236}">
+              <a16:creationId xmlns:a16="http://schemas.microsoft.com/office/drawing/2014/main" id="{BD3AD049-2D58-ADED-07C2-3B7E0DE0ED37}"/>
+            </a:ext>
+          </a:extLst>
+        </p:cNvPr>
+        <p:cNvGrpSpPr/>
+        <p:nvPr/>
+      </p:nvGrpSpPr>
+      <p:grpSpPr>
+        <a:xfrm>
+          <a:off x="0" y="0"/>
+          <a:ext cx="0" cy="0"/>
+          <a:chOff x="0" y="0"/>
+          <a:chExt cx="0" cy="0"/>
+        </a:xfrm>
+      </p:grpSpPr>
+      <p:sp>
+        <p:nvSpPr>
+          <p:cNvPr id="2" name="投影片影像版面配置區 1">
+            <a:extLst>
+              <a:ext uri="{FF2B5EF4-FFF2-40B4-BE49-F238E27FC236}">
+                <a16:creationId xmlns:a16="http://schemas.microsoft.com/office/drawing/2014/main" id="{EE16C07F-D6FC-26B9-D1F9-7DCF97433D5F}"/>
+              </a:ext>
+            </a:extLst>
+          </p:cNvPr>
+          <p:cNvSpPr>
+            <a:spLocks noGrp="1" noRot="1" noChangeAspect="1"/>
+          </p:cNvSpPr>
+          <p:nvPr>
+            <p:ph type="sldImg"/>
+          </p:nvPr>
+        </p:nvSpPr>
+        <p:spPr>
+          <a:xfrm>
+            <a:off x="2560638" y="1143000"/>
+            <a:ext cx="1736725" cy="3086100"/>
+          </a:xfrm>
+        </p:spPr>
+      </p:sp>
+      <p:sp>
+        <p:nvSpPr>
+          <p:cNvPr id="3" name="備忘稿版面配置區 2">
+            <a:extLst>
+              <a:ext uri="{FF2B5EF4-FFF2-40B4-BE49-F238E27FC236}">
+                <a16:creationId xmlns:a16="http://schemas.microsoft.com/office/drawing/2014/main" id="{8AE470F8-4AC6-8EA5-AA3A-CA7F98BBF1DD}"/>
+              </a:ext>
+            </a:extLst>
+          </p:cNvPr>
+          <p:cNvSpPr>
+            <a:spLocks noGrp="1"/>
+          </p:cNvSpPr>
+          <p:nvPr>
+            <p:ph type="body" idx="1"/>
+          </p:nvPr>
+        </p:nvSpPr>
+        <p:spPr/>
+        <p:txBody>
+          <a:bodyPr/>
+          <a:lstStyle/>
+          <a:p>
+            <a:endParaRPr lang="zh-TW" altLang="en-US" dirty="0">
+              <a:latin typeface="Microsoft JhengHei UI" panose="020B0604030504040204" pitchFamily="34" charset="-120"/>
+              <a:ea typeface="Microsoft JhengHei UI" panose="020B0604030504040204" pitchFamily="34" charset="-120"/>
+            </a:endParaRPr>
+          </a:p>
+        </p:txBody>
+      </p:sp>
+      <p:sp>
+        <p:nvSpPr>
+          <p:cNvPr id="4" name="投影片編號版面配置區 3">
+            <a:extLst>
+              <a:ext uri="{FF2B5EF4-FFF2-40B4-BE49-F238E27FC236}">
+                <a16:creationId xmlns:a16="http://schemas.microsoft.com/office/drawing/2014/main" id="{EC62FA08-905E-AE3B-AC6D-F6F3AC6DE43E}"/>
+              </a:ext>
+            </a:extLst>
+          </p:cNvPr>
+          <p:cNvSpPr>
+            <a:spLocks noGrp="1"/>
+          </p:cNvSpPr>
+          <p:nvPr>
+            <p:ph type="sldNum" sz="quarter" idx="5"/>
+          </p:nvPr>
+        </p:nvSpPr>
+        <p:spPr/>
+        <p:txBody>
+          <a:bodyPr/>
+          <a:lstStyle/>
+          <a:p>
+            <a:pPr rtl="0"/>
+            <a:fld id="{D5939589-3E79-4C82-AA4A-FE78234FAA59}" type="slidenum">
+              <a:rPr lang="en-US" altLang="zh-TW" smtClean="0">
+                <a:latin typeface="Microsoft JhengHei UI" panose="020B0604030504040204" pitchFamily="34" charset="-120"/>
+                <a:ea typeface="Microsoft JhengHei UI" panose="020B0604030504040204" pitchFamily="34" charset="-120"/>
+              </a:rPr>
+              <a:t>14</a:t>
+            </a:fld>
+            <a:endParaRPr lang="zh-TW" altLang="en-US">
+              <a:latin typeface="Microsoft JhengHei UI" panose="020B0604030504040204" pitchFamily="34" charset="-120"/>
+              <a:ea typeface="Microsoft JhengHei UI" panose="020B0604030504040204" pitchFamily="34" charset="-120"/>
+            </a:endParaRPr>
+          </a:p>
+        </p:txBody>
+      </p:sp>
+    </p:spTree>
+    <p:extLst>
+      <p:ext uri="{BB962C8B-B14F-4D97-AF65-F5344CB8AC3E}">
+        <p14:creationId xmlns:p14="http://schemas.microsoft.com/office/powerpoint/2010/main" val="792302332"/>
+      </p:ext>
+    </p:extLst>
+  </p:cSld>
+  <p:clrMapOvr>
+    <a:masterClrMapping/>
+  </p:clrMapOvr>
+</p:notes>
+</file>
+
+<file path=ppt/notesSlides/notesSlide9.xml><?xml version="1.0" encoding="utf-8"?>
 <p:notes xmlns:a="http://schemas.openxmlformats.org/drawingml/2006/main" xmlns:r="http://schemas.openxmlformats.org/officeDocument/2006/relationships" xmlns:p="http://schemas.openxmlformats.org/presentationml/2006/main">
   <p:cSld>
     <p:spTree>
@@ -1938,129 +2308,6 @@
     <p:extLst>
       <p:ext uri="{BB962C8B-B14F-4D97-AF65-F5344CB8AC3E}">
         <p14:creationId xmlns:p14="http://schemas.microsoft.com/office/powerpoint/2010/main" val="1943482580"/>
-      </p:ext>
-    </p:extLst>
-  </p:cSld>
-  <p:clrMapOvr>
-    <a:masterClrMapping/>
-  </p:clrMapOvr>
-</p:notes>
-</file>
-
-<file path=ppt/notesSlides/notesSlide9.xml><?xml version="1.0" encoding="utf-8"?>
-<p:notes xmlns:a="http://schemas.openxmlformats.org/drawingml/2006/main" xmlns:r="http://schemas.openxmlformats.org/officeDocument/2006/relationships" xmlns:p="http://schemas.openxmlformats.org/presentationml/2006/main">
-  <p:cSld>
-    <p:spTree>
-      <p:nvGrpSpPr>
-        <p:cNvPr id="1" name="">
-          <a:extLst>
-            <a:ext uri="{FF2B5EF4-FFF2-40B4-BE49-F238E27FC236}">
-              <a16:creationId xmlns:a16="http://schemas.microsoft.com/office/drawing/2014/main" id="{BD3AD049-2D58-ADED-07C2-3B7E0DE0ED37}"/>
-            </a:ext>
-          </a:extLst>
-        </p:cNvPr>
-        <p:cNvGrpSpPr/>
-        <p:nvPr/>
-      </p:nvGrpSpPr>
-      <p:grpSpPr>
-        <a:xfrm>
-          <a:off x="0" y="0"/>
-          <a:ext cx="0" cy="0"/>
-          <a:chOff x="0" y="0"/>
-          <a:chExt cx="0" cy="0"/>
-        </a:xfrm>
-      </p:grpSpPr>
-      <p:sp>
-        <p:nvSpPr>
-          <p:cNvPr id="2" name="投影片影像版面配置區 1">
-            <a:extLst>
-              <a:ext uri="{FF2B5EF4-FFF2-40B4-BE49-F238E27FC236}">
-                <a16:creationId xmlns:a16="http://schemas.microsoft.com/office/drawing/2014/main" id="{EE16C07F-D6FC-26B9-D1F9-7DCF97433D5F}"/>
-              </a:ext>
-            </a:extLst>
-          </p:cNvPr>
-          <p:cNvSpPr>
-            <a:spLocks noGrp="1" noRot="1" noChangeAspect="1"/>
-          </p:cNvSpPr>
-          <p:nvPr>
-            <p:ph type="sldImg"/>
-          </p:nvPr>
-        </p:nvSpPr>
-        <p:spPr>
-          <a:xfrm>
-            <a:off x="2560638" y="1143000"/>
-            <a:ext cx="1736725" cy="3086100"/>
-          </a:xfrm>
-        </p:spPr>
-      </p:sp>
-      <p:sp>
-        <p:nvSpPr>
-          <p:cNvPr id="3" name="備忘稿版面配置區 2">
-            <a:extLst>
-              <a:ext uri="{FF2B5EF4-FFF2-40B4-BE49-F238E27FC236}">
-                <a16:creationId xmlns:a16="http://schemas.microsoft.com/office/drawing/2014/main" id="{8AE470F8-4AC6-8EA5-AA3A-CA7F98BBF1DD}"/>
-              </a:ext>
-            </a:extLst>
-          </p:cNvPr>
-          <p:cNvSpPr>
-            <a:spLocks noGrp="1"/>
-          </p:cNvSpPr>
-          <p:nvPr>
-            <p:ph type="body" idx="1"/>
-          </p:nvPr>
-        </p:nvSpPr>
-        <p:spPr/>
-        <p:txBody>
-          <a:bodyPr/>
-          <a:lstStyle/>
-          <a:p>
-            <a:endParaRPr lang="zh-TW" altLang="en-US" dirty="0">
-              <a:latin typeface="Microsoft JhengHei UI" panose="020B0604030504040204" pitchFamily="34" charset="-120"/>
-              <a:ea typeface="Microsoft JhengHei UI" panose="020B0604030504040204" pitchFamily="34" charset="-120"/>
-            </a:endParaRPr>
-          </a:p>
-        </p:txBody>
-      </p:sp>
-      <p:sp>
-        <p:nvSpPr>
-          <p:cNvPr id="4" name="投影片編號版面配置區 3">
-            <a:extLst>
-              <a:ext uri="{FF2B5EF4-FFF2-40B4-BE49-F238E27FC236}">
-                <a16:creationId xmlns:a16="http://schemas.microsoft.com/office/drawing/2014/main" id="{EC62FA08-905E-AE3B-AC6D-F6F3AC6DE43E}"/>
-              </a:ext>
-            </a:extLst>
-          </p:cNvPr>
-          <p:cNvSpPr>
-            <a:spLocks noGrp="1"/>
-          </p:cNvSpPr>
-          <p:nvPr>
-            <p:ph type="sldNum" sz="quarter" idx="5"/>
-          </p:nvPr>
-        </p:nvSpPr>
-        <p:spPr/>
-        <p:txBody>
-          <a:bodyPr/>
-          <a:lstStyle/>
-          <a:p>
-            <a:pPr rtl="0"/>
-            <a:fld id="{D5939589-3E79-4C82-AA4A-FE78234FAA59}" type="slidenum">
-              <a:rPr lang="en-US" altLang="zh-TW" smtClean="0">
-                <a:latin typeface="Microsoft JhengHei UI" panose="020B0604030504040204" pitchFamily="34" charset="-120"/>
-                <a:ea typeface="Microsoft JhengHei UI" panose="020B0604030504040204" pitchFamily="34" charset="-120"/>
-              </a:rPr>
-              <a:t>16</a:t>
-            </a:fld>
-            <a:endParaRPr lang="zh-TW" altLang="en-US">
-              <a:latin typeface="Microsoft JhengHei UI" panose="020B0604030504040204" pitchFamily="34" charset="-120"/>
-              <a:ea typeface="Microsoft JhengHei UI" panose="020B0604030504040204" pitchFamily="34" charset="-120"/>
-            </a:endParaRPr>
-          </a:p>
-        </p:txBody>
-      </p:sp>
-    </p:spTree>
-    <p:extLst>
-      <p:ext uri="{BB962C8B-B14F-4D97-AF65-F5344CB8AC3E}">
-        <p14:creationId xmlns:p14="http://schemas.microsoft.com/office/powerpoint/2010/main" val="792302332"/>
       </p:ext>
     </p:extLst>
   </p:cSld>
@@ -2201,7 +2448,7 @@
           <a:p>
             <a:fld id="{E5BB4C20-2C23-4F1D-9433-4A3CB5968FD6}" type="datetimeFigureOut">
               <a:rPr lang="zh-TW" altLang="en-US" smtClean="0"/>
-              <a:t>2025/7/25</a:t>
+              <a:t>2025/7/26</a:t>
             </a:fld>
             <a:endParaRPr lang="zh-TW" altLang="en-US"/>
           </a:p>
@@ -2387,7 +2634,7 @@
           <a:p>
             <a:fld id="{E5BB4C20-2C23-4F1D-9433-4A3CB5968FD6}" type="datetimeFigureOut">
               <a:rPr lang="zh-TW" altLang="en-US" smtClean="0"/>
-              <a:t>2025/7/25</a:t>
+              <a:t>2025/7/26</a:t>
             </a:fld>
             <a:endParaRPr lang="zh-TW" altLang="en-US"/>
           </a:p>
@@ -2583,7 +2830,7 @@
           <a:p>
             <a:fld id="{E5BB4C20-2C23-4F1D-9433-4A3CB5968FD6}" type="datetimeFigureOut">
               <a:rPr lang="zh-TW" altLang="en-US" smtClean="0"/>
-              <a:t>2025/7/25</a:t>
+              <a:t>2025/7/26</a:t>
             </a:fld>
             <a:endParaRPr lang="zh-TW" altLang="en-US"/>
           </a:p>
@@ -3235,7 +3482,7 @@
           <a:p>
             <a:fld id="{E5BB4C20-2C23-4F1D-9433-4A3CB5968FD6}" type="datetimeFigureOut">
               <a:rPr lang="zh-TW" altLang="en-US" smtClean="0"/>
-              <a:t>2025/7/25</a:t>
+              <a:t>2025/7/26</a:t>
             </a:fld>
             <a:endParaRPr lang="zh-TW" altLang="en-US"/>
           </a:p>
@@ -3481,7 +3728,7 @@
           <a:p>
             <a:fld id="{E5BB4C20-2C23-4F1D-9433-4A3CB5968FD6}" type="datetimeFigureOut">
               <a:rPr lang="zh-TW" altLang="en-US" smtClean="0"/>
-              <a:t>2025/7/25</a:t>
+              <a:t>2025/7/26</a:t>
             </a:fld>
             <a:endParaRPr lang="zh-TW" altLang="en-US"/>
           </a:p>
@@ -3713,7 +3960,7 @@
           <a:p>
             <a:fld id="{E5BB4C20-2C23-4F1D-9433-4A3CB5968FD6}" type="datetimeFigureOut">
               <a:rPr lang="zh-TW" altLang="en-US" smtClean="0"/>
-              <a:t>2025/7/25</a:t>
+              <a:t>2025/7/26</a:t>
             </a:fld>
             <a:endParaRPr lang="zh-TW" altLang="en-US"/>
           </a:p>
@@ -4080,7 +4327,7 @@
           <a:p>
             <a:fld id="{E5BB4C20-2C23-4F1D-9433-4A3CB5968FD6}" type="datetimeFigureOut">
               <a:rPr lang="zh-TW" altLang="en-US" smtClean="0"/>
-              <a:t>2025/7/25</a:t>
+              <a:t>2025/7/26</a:t>
             </a:fld>
             <a:endParaRPr lang="zh-TW" altLang="en-US"/>
           </a:p>
@@ -4198,7 +4445,7 @@
           <a:p>
             <a:fld id="{E5BB4C20-2C23-4F1D-9433-4A3CB5968FD6}" type="datetimeFigureOut">
               <a:rPr lang="zh-TW" altLang="en-US" smtClean="0"/>
-              <a:t>2025/7/25</a:t>
+              <a:t>2025/7/26</a:t>
             </a:fld>
             <a:endParaRPr lang="zh-TW" altLang="en-US"/>
           </a:p>
@@ -4309,7 +4556,7 @@
           <a:p>
             <a:fld id="{E5BB4C20-2C23-4F1D-9433-4A3CB5968FD6}" type="datetimeFigureOut">
               <a:rPr lang="zh-TW" altLang="en-US" smtClean="0"/>
-              <a:t>2025/7/25</a:t>
+              <a:t>2025/7/26</a:t>
             </a:fld>
             <a:endParaRPr lang="zh-TW" altLang="en-US"/>
           </a:p>
@@ -4698,7 +4945,7 @@
           <a:p>
             <a:fld id="{E5BB4C20-2C23-4F1D-9433-4A3CB5968FD6}" type="datetimeFigureOut">
               <a:rPr lang="zh-TW" altLang="en-US" smtClean="0"/>
-              <a:t>2025/7/25</a:t>
+              <a:t>2025/7/26</a:t>
             </a:fld>
             <a:endParaRPr lang="zh-TW" altLang="en-US"/>
           </a:p>
@@ -4971,7 +5218,7 @@
           <a:p>
             <a:fld id="{E5BB4C20-2C23-4F1D-9433-4A3CB5968FD6}" type="datetimeFigureOut">
               <a:rPr lang="zh-TW" altLang="en-US" smtClean="0"/>
-              <a:t>2025/7/25</a:t>
+              <a:t>2025/7/26</a:t>
             </a:fld>
             <a:endParaRPr lang="zh-TW" altLang="en-US"/>
           </a:p>
@@ -5200,7 +5447,7 @@
           <a:p>
             <a:fld id="{E5BB4C20-2C23-4F1D-9433-4A3CB5968FD6}" type="datetimeFigureOut">
               <a:rPr lang="zh-TW" altLang="en-US" smtClean="0"/>
-              <a:t>2025/7/25</a:t>
+              <a:t>2025/7/26</a:t>
             </a:fld>
             <a:endParaRPr lang="zh-TW" altLang="en-US"/>
           </a:p>
@@ -5655,7 +5902,7 @@
                 <a:latin typeface="Microsoft JhengHei UI" panose="020B0604030504040204" pitchFamily="34" charset="-120"/>
                 <a:ea typeface="Microsoft JhengHei UI" panose="020B0604030504040204" pitchFamily="34" charset="-120"/>
               </a:rPr>
-              <a:t>v0.1</a:t>
+              <a:t>v0.22</a:t>
             </a:r>
             <a:endParaRPr lang="zh-TW" altLang="en-US" dirty="0">
               <a:solidFill>
@@ -5718,182 +5965,6 @@
         <p:cNvPr id="1" name="">
           <a:extLst>
             <a:ext uri="{FF2B5EF4-FFF2-40B4-BE49-F238E27FC236}">
-              <a16:creationId xmlns:a16="http://schemas.microsoft.com/office/drawing/2014/main" id="{D235AC59-D32E-93C6-A856-5410CCFDC6A8}"/>
-            </a:ext>
-          </a:extLst>
-        </p:cNvPr>
-        <p:cNvGrpSpPr/>
-        <p:nvPr/>
-      </p:nvGrpSpPr>
-      <p:grpSpPr>
-        <a:xfrm>
-          <a:off x="0" y="0"/>
-          <a:ext cx="0" cy="0"/>
-          <a:chOff x="0" y="0"/>
-          <a:chExt cx="0" cy="0"/>
-        </a:xfrm>
-      </p:grpSpPr>
-      <p:sp>
-        <p:nvSpPr>
-          <p:cNvPr id="11" name="投影片編號版面配置區 10">
-            <a:extLst>
-              <a:ext uri="{FF2B5EF4-FFF2-40B4-BE49-F238E27FC236}">
-                <a16:creationId xmlns:a16="http://schemas.microsoft.com/office/drawing/2014/main" id="{9E34CAED-452E-6B73-4DFB-C2F3B1121A4B}"/>
-              </a:ext>
-            </a:extLst>
-          </p:cNvPr>
-          <p:cNvSpPr>
-            <a:spLocks noGrp="1"/>
-          </p:cNvSpPr>
-          <p:nvPr>
-            <p:ph type="sldNum" sz="quarter" idx="12"/>
-          </p:nvPr>
-        </p:nvSpPr>
-        <p:spPr/>
-        <p:txBody>
-          <a:bodyPr rtlCol="0"/>
-          <a:lstStyle/>
-          <a:p>
-            <a:pPr rtl="0"/>
-            <a:fld id="{D8DA9DAA-006C-4F4B-980E-E3DF019B24E2}" type="slidenum">
-              <a:rPr lang="en-US" altLang="zh-TW" smtClean="0">
-                <a:latin typeface="Microsoft JhengHei UI" panose="020B0604030504040204" pitchFamily="34" charset="-120"/>
-                <a:ea typeface="Microsoft JhengHei UI" panose="020B0604030504040204" pitchFamily="34" charset="-120"/>
-              </a:rPr>
-              <a:pPr rtl="0"/>
-              <a:t>10</a:t>
-            </a:fld>
-            <a:endParaRPr lang="zh-TW" altLang="en-US">
-              <a:latin typeface="Microsoft JhengHei UI" panose="020B0604030504040204" pitchFamily="34" charset="-120"/>
-              <a:ea typeface="Microsoft JhengHei UI" panose="020B0604030504040204" pitchFamily="34" charset="-120"/>
-            </a:endParaRPr>
-          </a:p>
-        </p:txBody>
-      </p:sp>
-      <p:sp>
-        <p:nvSpPr>
-          <p:cNvPr id="7" name="標題 6">
-            <a:extLst>
-              <a:ext uri="{FF2B5EF4-FFF2-40B4-BE49-F238E27FC236}">
-                <a16:creationId xmlns:a16="http://schemas.microsoft.com/office/drawing/2014/main" id="{16009C93-8C9D-A033-4FE4-2B9415132115}"/>
-              </a:ext>
-            </a:extLst>
-          </p:cNvPr>
-          <p:cNvSpPr>
-            <a:spLocks noGrp="1"/>
-          </p:cNvSpPr>
-          <p:nvPr>
-            <p:ph type="title"/>
-          </p:nvPr>
-        </p:nvSpPr>
-        <p:spPr>
-          <a:xfrm>
-            <a:off x="237490" y="885138"/>
-            <a:ext cx="4228184" cy="509524"/>
-          </a:xfrm>
-        </p:spPr>
-        <p:txBody>
-          <a:bodyPr>
-            <a:normAutofit/>
-          </a:bodyPr>
-          <a:lstStyle/>
-          <a:p>
-            <a:r>
-              <a:rPr lang="zh-TW" altLang="en-US" dirty="0">
-                <a:latin typeface="Noto Serif TC Black" panose="02020200000000000000" pitchFamily="18" charset="-128"/>
-                <a:ea typeface="Noto Serif TC Black" panose="02020200000000000000" pitchFamily="18" charset="-128"/>
-              </a:rPr>
-              <a:t>台羅拼音之四聲八調</a:t>
-            </a:r>
-            <a:endParaRPr lang="zh-TW" altLang="en-US" dirty="0">
-              <a:solidFill>
-                <a:schemeClr val="accent5"/>
-              </a:solidFill>
-            </a:endParaRPr>
-          </a:p>
-        </p:txBody>
-      </p:sp>
-      <p:pic>
-        <p:nvPicPr>
-          <p:cNvPr id="8" name="圖片 7">
-            <a:extLst>
-              <a:ext uri="{FF2B5EF4-FFF2-40B4-BE49-F238E27FC236}">
-                <a16:creationId xmlns:a16="http://schemas.microsoft.com/office/drawing/2014/main" id="{53AA9489-2E6C-38B9-8D76-E30AB1F8FE7B}"/>
-              </a:ext>
-            </a:extLst>
-          </p:cNvPr>
-          <p:cNvPicPr>
-            <a:picLocks noChangeAspect="1"/>
-          </p:cNvPicPr>
-          <p:nvPr/>
-        </p:nvPicPr>
-        <p:blipFill>
-          <a:blip r:embed="rId3"/>
-          <a:stretch>
-            <a:fillRect/>
-          </a:stretch>
-        </p:blipFill>
-        <p:spPr>
-          <a:xfrm>
-            <a:off x="0" y="6713130"/>
-            <a:ext cx="6858000" cy="2276900"/>
-          </a:xfrm>
-          <a:prstGeom prst="rect">
-            <a:avLst/>
-          </a:prstGeom>
-        </p:spPr>
-      </p:pic>
-      <p:pic>
-        <p:nvPicPr>
-          <p:cNvPr id="9" name="圖片 8">
-            <a:extLst>
-              <a:ext uri="{FF2B5EF4-FFF2-40B4-BE49-F238E27FC236}">
-                <a16:creationId xmlns:a16="http://schemas.microsoft.com/office/drawing/2014/main" id="{E5C958BB-33FD-F036-3512-3C0EB60001CC}"/>
-              </a:ext>
-            </a:extLst>
-          </p:cNvPr>
-          <p:cNvPicPr>
-            <a:picLocks noChangeAspect="1"/>
-          </p:cNvPicPr>
-          <p:nvPr/>
-        </p:nvPicPr>
-        <p:blipFill>
-          <a:blip r:embed="rId4"/>
-          <a:stretch>
-            <a:fillRect/>
-          </a:stretch>
-        </p:blipFill>
-        <p:spPr>
-          <a:xfrm>
-            <a:off x="237490" y="1823166"/>
-            <a:ext cx="6250396" cy="4363726"/>
-          </a:xfrm>
-          <a:prstGeom prst="rect">
-            <a:avLst/>
-          </a:prstGeom>
-        </p:spPr>
-      </p:pic>
-    </p:spTree>
-    <p:extLst>
-      <p:ext uri="{BB962C8B-B14F-4D97-AF65-F5344CB8AC3E}">
-        <p14:creationId xmlns:p14="http://schemas.microsoft.com/office/powerpoint/2010/main" val="133098972"/>
-      </p:ext>
-    </p:extLst>
-  </p:cSld>
-  <p:clrMapOvr>
-    <a:masterClrMapping/>
-  </p:clrMapOvr>
-</p:sld>
-</file>
-
-<file path=ppt/slides/slide11.xml><?xml version="1.0" encoding="utf-8"?>
-<p:sld xmlns:a="http://schemas.openxmlformats.org/drawingml/2006/main" xmlns:r="http://schemas.openxmlformats.org/officeDocument/2006/relationships" xmlns:p="http://schemas.openxmlformats.org/presentationml/2006/main">
-  <p:cSld>
-    <p:spTree>
-      <p:nvGrpSpPr>
-        <p:cNvPr id="1" name="">
-          <a:extLst>
-            <a:ext uri="{FF2B5EF4-FFF2-40B4-BE49-F238E27FC236}">
               <a16:creationId xmlns:a16="http://schemas.microsoft.com/office/drawing/2014/main" id="{C55DD506-8162-C3AE-18B3-4F9D8233098C}"/>
             </a:ext>
           </a:extLst>
@@ -5937,7 +6008,7 @@
                 <a:ea typeface="Microsoft JhengHei UI" panose="020B0604030504040204" pitchFamily="34" charset="-120"/>
               </a:rPr>
               <a:pPr rtl="0"/>
-              <a:t>11</a:t>
+              <a:t>10</a:t>
             </a:fld>
             <a:endParaRPr lang="zh-TW" altLang="en-US">
               <a:latin typeface="Microsoft JhengHei UI" panose="020B0604030504040204" pitchFamily="34" charset="-120"/>
@@ -5970,7 +6041,7 @@
         </p:spPr>
         <p:txBody>
           <a:bodyPr>
-            <a:normAutofit/>
+            <a:normAutofit fontScale="90000"/>
           </a:bodyPr>
           <a:lstStyle/>
           <a:p>
@@ -6010,7 +6081,7 @@
                 <a:latin typeface="Noto Serif TC Black" panose="02020200000000000000" pitchFamily="18" charset="-128"/>
                 <a:ea typeface="Noto Serif TC Black" panose="02020200000000000000" pitchFamily="18" charset="-128"/>
               </a:rPr>
-              <a:t>，以</a:t>
+              <a:t>，以數值</a:t>
             </a:r>
             <a:r>
               <a:rPr lang="zh-TW" altLang="en-US" dirty="0">
@@ -6020,7 +6091,7 @@
                 <a:latin typeface="Noto Serif TC Black" panose="02020200000000000000" pitchFamily="18" charset="-128"/>
                 <a:ea typeface="Noto Serif TC Black" panose="02020200000000000000" pitchFamily="18" charset="-128"/>
               </a:rPr>
-              <a:t>調值</a:t>
+              <a:t>調號</a:t>
             </a:r>
             <a:r>
               <a:rPr lang="zh-TW" altLang="en-US" dirty="0">
@@ -6110,7 +6181,7 @@
 </p:sld>
 </file>
 
-<file path=ppt/slides/slide12.xml><?xml version="1.0" encoding="utf-8"?>
+<file path=ppt/slides/slide11.xml><?xml version="1.0" encoding="utf-8"?>
 <p:sld xmlns:a="http://schemas.openxmlformats.org/drawingml/2006/main" xmlns:r="http://schemas.openxmlformats.org/officeDocument/2006/relationships" xmlns:p="http://schemas.openxmlformats.org/presentationml/2006/main">
   <p:cSld>
     <p:spTree>
@@ -6222,7 +6293,7 @@
 </p:sld>
 </file>
 
-<file path=ppt/slides/slide13.xml><?xml version="1.0" encoding="utf-8"?>
+<file path=ppt/slides/slide12.xml><?xml version="1.0" encoding="utf-8"?>
 <p:sld xmlns:a="http://schemas.openxmlformats.org/drawingml/2006/main" xmlns:r="http://schemas.openxmlformats.org/officeDocument/2006/relationships" xmlns:p="http://schemas.openxmlformats.org/presentationml/2006/main">
   <p:cSld>
     <p:spTree>
@@ -6273,7 +6344,7 @@
                 <a:ea typeface="Microsoft JhengHei UI" panose="020B0604030504040204" pitchFamily="34" charset="-120"/>
               </a:rPr>
               <a:pPr rtl="0"/>
-              <a:t>13</a:t>
+              <a:t>12</a:t>
             </a:fld>
             <a:endParaRPr lang="zh-TW" altLang="en-US">
               <a:latin typeface="Microsoft JhengHei UI" panose="020B0604030504040204" pitchFamily="34" charset="-120"/>
@@ -6323,12 +6394,218 @@
           </a:p>
         </p:txBody>
       </p:sp>
+      <p:grpSp>
+        <p:nvGrpSpPr>
+          <p:cNvPr id="17" name="群組 16">
+            <a:extLst>
+              <a:ext uri="{FF2B5EF4-FFF2-40B4-BE49-F238E27FC236}">
+                <a16:creationId xmlns:a16="http://schemas.microsoft.com/office/drawing/2014/main" id="{B7876EC0-F9E5-03C1-F90D-4BF6E6093954}"/>
+              </a:ext>
+            </a:extLst>
+          </p:cNvPr>
+          <p:cNvGrpSpPr/>
+          <p:nvPr/>
+        </p:nvGrpSpPr>
+        <p:grpSpPr>
+          <a:xfrm>
+            <a:off x="453284" y="7347647"/>
+            <a:ext cx="203835" cy="1070858"/>
+            <a:chOff x="453284" y="7347647"/>
+            <a:chExt cx="203835" cy="1070858"/>
+          </a:xfrm>
+        </p:grpSpPr>
+        <p:sp>
+          <p:nvSpPr>
+            <p:cNvPr id="4" name="文字方塊 3">
+              <a:extLst>
+                <a:ext uri="{FF2B5EF4-FFF2-40B4-BE49-F238E27FC236}">
+                  <a16:creationId xmlns:a16="http://schemas.microsoft.com/office/drawing/2014/main" id="{CAA7574F-2D59-38E0-8AB0-B9F6D18DB8B5}"/>
+                </a:ext>
+              </a:extLst>
+            </p:cNvPr>
+            <p:cNvSpPr txBox="1"/>
+            <p:nvPr/>
+          </p:nvSpPr>
+          <p:spPr>
+            <a:xfrm>
+              <a:off x="453284" y="7347647"/>
+              <a:ext cx="203835" cy="246221"/>
+            </a:xfrm>
+            <a:prstGeom prst="rect">
+              <a:avLst/>
+            </a:prstGeom>
+            <a:noFill/>
+          </p:spPr>
+          <p:txBody>
+            <a:bodyPr wrap="square" lIns="36000" tIns="0" rIns="36000" bIns="0" rtlCol="0">
+              <a:spAutoFit/>
+            </a:bodyPr>
+            <a:lstStyle/>
+            <a:p>
+              <a:pPr algn="ctr"/>
+              <a:r>
+                <a:rPr lang="en-US" altLang="zh-TW" sz="1600" dirty="0"/>
+                <a:t>5</a:t>
+              </a:r>
+              <a:endParaRPr lang="zh-TW" altLang="en-US" sz="1600" dirty="0"/>
+            </a:p>
+          </p:txBody>
+        </p:sp>
+        <p:sp>
+          <p:nvSpPr>
+            <p:cNvPr id="5" name="文字方塊 4">
+              <a:extLst>
+                <a:ext uri="{FF2B5EF4-FFF2-40B4-BE49-F238E27FC236}">
+                  <a16:creationId xmlns:a16="http://schemas.microsoft.com/office/drawing/2014/main" id="{526BD331-F6A9-84D9-D241-D22E9FB59CFD}"/>
+                </a:ext>
+              </a:extLst>
+            </p:cNvPr>
+            <p:cNvSpPr txBox="1"/>
+            <p:nvPr/>
+          </p:nvSpPr>
+          <p:spPr>
+            <a:xfrm>
+              <a:off x="453284" y="7553806"/>
+              <a:ext cx="203835" cy="246221"/>
+            </a:xfrm>
+            <a:prstGeom prst="rect">
+              <a:avLst/>
+            </a:prstGeom>
+            <a:noFill/>
+          </p:spPr>
+          <p:txBody>
+            <a:bodyPr wrap="square" lIns="36000" tIns="0" rIns="36000" bIns="0" rtlCol="0">
+              <a:spAutoFit/>
+            </a:bodyPr>
+            <a:lstStyle/>
+            <a:p>
+              <a:pPr algn="ctr"/>
+              <a:r>
+                <a:rPr lang="en-US" altLang="zh-TW" sz="1600" dirty="0"/>
+                <a:t>4</a:t>
+              </a:r>
+              <a:endParaRPr lang="zh-TW" altLang="en-US" sz="1600" dirty="0"/>
+            </a:p>
+          </p:txBody>
+        </p:sp>
+        <p:sp>
+          <p:nvSpPr>
+            <p:cNvPr id="8" name="文字方塊 7">
+              <a:extLst>
+                <a:ext uri="{FF2B5EF4-FFF2-40B4-BE49-F238E27FC236}">
+                  <a16:creationId xmlns:a16="http://schemas.microsoft.com/office/drawing/2014/main" id="{3007C983-F8E8-F7D9-6C8C-E080231E793B}"/>
+                </a:ext>
+              </a:extLst>
+            </p:cNvPr>
+            <p:cNvSpPr txBox="1"/>
+            <p:nvPr/>
+          </p:nvSpPr>
+          <p:spPr>
+            <a:xfrm>
+              <a:off x="453284" y="7966124"/>
+              <a:ext cx="203835" cy="246221"/>
+            </a:xfrm>
+            <a:prstGeom prst="rect">
+              <a:avLst/>
+            </a:prstGeom>
+            <a:noFill/>
+          </p:spPr>
+          <p:txBody>
+            <a:bodyPr wrap="square" lIns="36000" tIns="0" rIns="36000" bIns="0" rtlCol="0">
+              <a:spAutoFit/>
+            </a:bodyPr>
+            <a:lstStyle/>
+            <a:p>
+              <a:pPr algn="ctr"/>
+              <a:r>
+                <a:rPr lang="en-US" altLang="zh-TW" sz="1600" dirty="0"/>
+                <a:t>2</a:t>
+              </a:r>
+              <a:endParaRPr lang="zh-TW" altLang="en-US" sz="1600" dirty="0"/>
+            </a:p>
+          </p:txBody>
+        </p:sp>
+        <p:sp>
+          <p:nvSpPr>
+            <p:cNvPr id="9" name="文字方塊 8">
+              <a:extLst>
+                <a:ext uri="{FF2B5EF4-FFF2-40B4-BE49-F238E27FC236}">
+                  <a16:creationId xmlns:a16="http://schemas.microsoft.com/office/drawing/2014/main" id="{9E7795D3-BB4F-A026-3ED1-7D5D6E22402F}"/>
+                </a:ext>
+              </a:extLst>
+            </p:cNvPr>
+            <p:cNvSpPr txBox="1"/>
+            <p:nvPr/>
+          </p:nvSpPr>
+          <p:spPr>
+            <a:xfrm>
+              <a:off x="453284" y="7759965"/>
+              <a:ext cx="203835" cy="246221"/>
+            </a:xfrm>
+            <a:prstGeom prst="rect">
+              <a:avLst/>
+            </a:prstGeom>
+            <a:noFill/>
+          </p:spPr>
+          <p:txBody>
+            <a:bodyPr wrap="square" lIns="36000" tIns="0" rIns="36000" bIns="0" rtlCol="0">
+              <a:spAutoFit/>
+            </a:bodyPr>
+            <a:lstStyle/>
+            <a:p>
+              <a:pPr algn="ctr"/>
+              <a:r>
+                <a:rPr lang="en-US" altLang="zh-TW" sz="1600" dirty="0"/>
+                <a:t>3</a:t>
+              </a:r>
+              <a:endParaRPr lang="zh-TW" altLang="en-US" sz="1600" dirty="0"/>
+            </a:p>
+          </p:txBody>
+        </p:sp>
+        <p:sp>
+          <p:nvSpPr>
+            <p:cNvPr id="12" name="文字方塊 11">
+              <a:extLst>
+                <a:ext uri="{FF2B5EF4-FFF2-40B4-BE49-F238E27FC236}">
+                  <a16:creationId xmlns:a16="http://schemas.microsoft.com/office/drawing/2014/main" id="{6B34DF4F-CB9C-6F69-7F29-69CC9DFFF8CA}"/>
+                </a:ext>
+              </a:extLst>
+            </p:cNvPr>
+            <p:cNvSpPr txBox="1"/>
+            <p:nvPr/>
+          </p:nvSpPr>
+          <p:spPr>
+            <a:xfrm>
+              <a:off x="453284" y="8172284"/>
+              <a:ext cx="203835" cy="246221"/>
+            </a:xfrm>
+            <a:prstGeom prst="rect">
+              <a:avLst/>
+            </a:prstGeom>
+            <a:noFill/>
+          </p:spPr>
+          <p:txBody>
+            <a:bodyPr wrap="square" lIns="36000" tIns="0" rIns="36000" bIns="0" rtlCol="0">
+              <a:spAutoFit/>
+            </a:bodyPr>
+            <a:lstStyle/>
+            <a:p>
+              <a:pPr algn="ctr"/>
+              <a:r>
+                <a:rPr lang="en-US" altLang="zh-TW" sz="1600" dirty="0"/>
+                <a:t>1</a:t>
+              </a:r>
+              <a:endParaRPr lang="zh-TW" altLang="en-US" sz="1600" dirty="0"/>
+            </a:p>
+          </p:txBody>
+        </p:sp>
+      </p:grpSp>
       <p:pic>
         <p:nvPicPr>
-          <p:cNvPr id="6" name="圖片 5">
-            <a:extLst>
-              <a:ext uri="{FF2B5EF4-FFF2-40B4-BE49-F238E27FC236}">
-                <a16:creationId xmlns:a16="http://schemas.microsoft.com/office/drawing/2014/main" id="{E9AEA8E2-4B4E-6AC9-14AF-FF4D6848979E}"/>
+          <p:cNvPr id="15" name="圖片 14">
+            <a:extLst>
+              <a:ext uri="{FF2B5EF4-FFF2-40B4-BE49-F238E27FC236}">
+                <a16:creationId xmlns:a16="http://schemas.microsoft.com/office/drawing/2014/main" id="{FD4BC57F-0D43-E3EC-EEAE-9EC9A6403EA0}"/>
               </a:ext>
             </a:extLst>
           </p:cNvPr>
@@ -6345,8 +6622,38 @@
         </p:blipFill>
         <p:spPr>
           <a:xfrm>
-            <a:off x="383241" y="1659293"/>
-            <a:ext cx="5918075" cy="5293230"/>
+            <a:off x="441325" y="2482850"/>
+            <a:ext cx="5810250" cy="4219575"/>
+          </a:xfrm>
+          <a:prstGeom prst="rect">
+            <a:avLst/>
+          </a:prstGeom>
+        </p:spPr>
+      </p:pic>
+      <p:pic>
+        <p:nvPicPr>
+          <p:cNvPr id="19" name="圖片 18">
+            <a:extLst>
+              <a:ext uri="{FF2B5EF4-FFF2-40B4-BE49-F238E27FC236}">
+                <a16:creationId xmlns:a16="http://schemas.microsoft.com/office/drawing/2014/main" id="{C3F22DFE-3711-C8DB-14A1-3479CE2FE7F4}"/>
+              </a:ext>
+            </a:extLst>
+          </p:cNvPr>
+          <p:cNvPicPr>
+            <a:picLocks noChangeAspect="1"/>
+          </p:cNvPicPr>
+          <p:nvPr/>
+        </p:nvPicPr>
+        <p:blipFill>
+          <a:blip r:embed="rId4"/>
+          <a:stretch>
+            <a:fillRect/>
+          </a:stretch>
+        </p:blipFill>
+        <p:spPr>
+          <a:xfrm>
+            <a:off x="615084" y="7347647"/>
+            <a:ext cx="5771429" cy="1657143"/>
           </a:xfrm>
           <a:prstGeom prst="rect">
             <a:avLst/>
@@ -6366,7 +6673,7 @@
 </p:sld>
 </file>
 
-<file path=ppt/slides/slide14.xml><?xml version="1.0" encoding="utf-8"?>
+<file path=ppt/slides/slide13.xml><?xml version="1.0" encoding="utf-8"?>
 <p:sld xmlns:a="http://schemas.openxmlformats.org/drawingml/2006/main" xmlns:r="http://schemas.openxmlformats.org/officeDocument/2006/relationships" xmlns:p="http://schemas.openxmlformats.org/presentationml/2006/main">
   <p:cSld>
     <p:spTree>
@@ -6417,7 +6724,7 @@
                 <a:ea typeface="Microsoft JhengHei UI" panose="020B0604030504040204" pitchFamily="34" charset="-120"/>
               </a:rPr>
               <a:pPr rtl="0"/>
-              <a:t>14</a:t>
+              <a:t>13</a:t>
             </a:fld>
             <a:endParaRPr lang="zh-TW" altLang="en-US">
               <a:latin typeface="Microsoft JhengHei UI" panose="020B0604030504040204" pitchFamily="34" charset="-120"/>
@@ -6609,195 +6916,7 @@
 </p:sld>
 </file>
 
-<file path=ppt/slides/slide15.xml><?xml version="1.0" encoding="utf-8"?>
-<p:sld xmlns:a="http://schemas.openxmlformats.org/drawingml/2006/main" xmlns:r="http://schemas.openxmlformats.org/officeDocument/2006/relationships" xmlns:p="http://schemas.openxmlformats.org/presentationml/2006/main">
-  <p:cSld>
-    <p:spTree>
-      <p:nvGrpSpPr>
-        <p:cNvPr id="1" name="">
-          <a:extLst>
-            <a:ext uri="{FF2B5EF4-FFF2-40B4-BE49-F238E27FC236}">
-              <a16:creationId xmlns:a16="http://schemas.microsoft.com/office/drawing/2014/main" id="{1D990DBE-5289-4349-E226-F52D71E060F6}"/>
-            </a:ext>
-          </a:extLst>
-        </p:cNvPr>
-        <p:cNvGrpSpPr/>
-        <p:nvPr/>
-      </p:nvGrpSpPr>
-      <p:grpSpPr>
-        <a:xfrm>
-          <a:off x="0" y="0"/>
-          <a:ext cx="0" cy="0"/>
-          <a:chOff x="0" y="0"/>
-          <a:chExt cx="0" cy="0"/>
-        </a:xfrm>
-      </p:grpSpPr>
-      <p:sp>
-        <p:nvSpPr>
-          <p:cNvPr id="11" name="投影片編號版面配置區 10">
-            <a:extLst>
-              <a:ext uri="{FF2B5EF4-FFF2-40B4-BE49-F238E27FC236}">
-                <a16:creationId xmlns:a16="http://schemas.microsoft.com/office/drawing/2014/main" id="{D41822CD-8F20-37A7-AD83-5E05E761F77D}"/>
-              </a:ext>
-            </a:extLst>
-          </p:cNvPr>
-          <p:cNvSpPr>
-            <a:spLocks noGrp="1"/>
-          </p:cNvSpPr>
-          <p:nvPr>
-            <p:ph type="sldNum" sz="quarter" idx="12"/>
-          </p:nvPr>
-        </p:nvSpPr>
-        <p:spPr/>
-        <p:txBody>
-          <a:bodyPr rtlCol="0"/>
-          <a:lstStyle/>
-          <a:p>
-            <a:pPr rtl="0"/>
-            <a:fld id="{D8DA9DAA-006C-4F4B-980E-E3DF019B24E2}" type="slidenum">
-              <a:rPr lang="en-US" altLang="zh-TW" smtClean="0">
-                <a:latin typeface="Microsoft JhengHei UI" panose="020B0604030504040204" pitchFamily="34" charset="-120"/>
-                <a:ea typeface="Microsoft JhengHei UI" panose="020B0604030504040204" pitchFamily="34" charset="-120"/>
-              </a:rPr>
-              <a:pPr rtl="0"/>
-              <a:t>15</a:t>
-            </a:fld>
-            <a:endParaRPr lang="zh-TW" altLang="en-US">
-              <a:latin typeface="Microsoft JhengHei UI" panose="020B0604030504040204" pitchFamily="34" charset="-120"/>
-              <a:ea typeface="Microsoft JhengHei UI" panose="020B0604030504040204" pitchFamily="34" charset="-120"/>
-            </a:endParaRPr>
-          </a:p>
-        </p:txBody>
-      </p:sp>
-      <p:sp>
-        <p:nvSpPr>
-          <p:cNvPr id="7" name="標題 6">
-            <a:extLst>
-              <a:ext uri="{FF2B5EF4-FFF2-40B4-BE49-F238E27FC236}">
-                <a16:creationId xmlns:a16="http://schemas.microsoft.com/office/drawing/2014/main" id="{D96B03C8-ADC4-DD31-CC94-4760EAAC2376}"/>
-              </a:ext>
-            </a:extLst>
-          </p:cNvPr>
-          <p:cNvSpPr>
-            <a:spLocks noGrp="1"/>
-          </p:cNvSpPr>
-          <p:nvPr>
-            <p:ph type="title"/>
-          </p:nvPr>
-        </p:nvSpPr>
-        <p:spPr>
-          <a:xfrm>
-            <a:off x="237490" y="885138"/>
-            <a:ext cx="5280808" cy="509524"/>
-          </a:xfrm>
-        </p:spPr>
-        <p:txBody>
-          <a:bodyPr/>
-          <a:lstStyle/>
-          <a:p>
-            <a:r>
-              <a:rPr lang="zh-TW" altLang="en-US" dirty="0">
-                <a:latin typeface="Noto Serif TC Black" panose="02020200000000000000" pitchFamily="18" charset="-128"/>
-                <a:ea typeface="Noto Serif TC Black" panose="02020200000000000000" pitchFamily="18" charset="-128"/>
-              </a:rPr>
-              <a:t>四聲八調：</a:t>
-            </a:r>
-            <a:r>
-              <a:rPr lang="en-US" altLang="zh-TW" dirty="0">
-                <a:latin typeface="Noto Serif TC Black" panose="02020200000000000000" pitchFamily="18" charset="-128"/>
-                <a:ea typeface="Noto Serif TC Black" panose="02020200000000000000" pitchFamily="18" charset="-128"/>
-              </a:rPr>
-              <a:t>W</a:t>
-            </a:r>
-            <a:r>
-              <a:rPr lang="zh-TW" altLang="en-US" dirty="0">
-                <a:latin typeface="Noto Serif TC Black" panose="02020200000000000000" pitchFamily="18" charset="-128"/>
-                <a:ea typeface="Noto Serif TC Black" panose="02020200000000000000" pitchFamily="18" charset="-128"/>
-              </a:rPr>
-              <a:t>助記法</a:t>
-            </a:r>
-            <a:endParaRPr lang="zh-TW" altLang="en-US" dirty="0">
-              <a:solidFill>
-                <a:schemeClr val="accent5"/>
-              </a:solidFill>
-            </a:endParaRPr>
-          </a:p>
-        </p:txBody>
-      </p:sp>
-      <p:pic>
-        <p:nvPicPr>
-          <p:cNvPr id="2" name="圖片 1">
-            <a:extLst>
-              <a:ext uri="{FF2B5EF4-FFF2-40B4-BE49-F238E27FC236}">
-                <a16:creationId xmlns:a16="http://schemas.microsoft.com/office/drawing/2014/main" id="{6AF6E595-399F-3E09-72D8-76EC87C695AD}"/>
-              </a:ext>
-            </a:extLst>
-          </p:cNvPr>
-          <p:cNvPicPr>
-            <a:picLocks noChangeAspect="1"/>
-          </p:cNvPicPr>
-          <p:nvPr/>
-        </p:nvPicPr>
-        <p:blipFill>
-          <a:blip r:embed="rId3"/>
-          <a:stretch>
-            <a:fillRect/>
-          </a:stretch>
-        </p:blipFill>
-        <p:spPr>
-          <a:xfrm>
-            <a:off x="383241" y="1659293"/>
-            <a:ext cx="5918075" cy="5293230"/>
-          </a:xfrm>
-          <a:prstGeom prst="rect">
-            <a:avLst/>
-          </a:prstGeom>
-        </p:spPr>
-      </p:pic>
-      <p:pic>
-        <p:nvPicPr>
-          <p:cNvPr id="3" name="圖片 2">
-            <a:extLst>
-              <a:ext uri="{FF2B5EF4-FFF2-40B4-BE49-F238E27FC236}">
-                <a16:creationId xmlns:a16="http://schemas.microsoft.com/office/drawing/2014/main" id="{03AD46BB-BE86-48E6-8D57-7AA089E40B97}"/>
-              </a:ext>
-            </a:extLst>
-          </p:cNvPr>
-          <p:cNvPicPr>
-            <a:picLocks noChangeAspect="1"/>
-          </p:cNvPicPr>
-          <p:nvPr/>
-        </p:nvPicPr>
-        <p:blipFill>
-          <a:blip r:embed="rId4"/>
-          <a:stretch>
-            <a:fillRect/>
-          </a:stretch>
-        </p:blipFill>
-        <p:spPr>
-          <a:xfrm>
-            <a:off x="-91177" y="8151984"/>
-            <a:ext cx="6866909" cy="3797308"/>
-          </a:xfrm>
-          <a:prstGeom prst="rect">
-            <a:avLst/>
-          </a:prstGeom>
-        </p:spPr>
-      </p:pic>
-    </p:spTree>
-    <p:extLst>
-      <p:ext uri="{BB962C8B-B14F-4D97-AF65-F5344CB8AC3E}">
-        <p14:creationId xmlns:p14="http://schemas.microsoft.com/office/powerpoint/2010/main" val="2650364132"/>
-      </p:ext>
-    </p:extLst>
-  </p:cSld>
-  <p:clrMapOvr>
-    <a:masterClrMapping/>
-  </p:clrMapOvr>
-</p:sld>
-</file>
-
-<file path=ppt/slides/slide16.xml><?xml version="1.0" encoding="utf-8"?>
+<file path=ppt/slides/slide14.xml><?xml version="1.0" encoding="utf-8"?>
 <p:sld xmlns:a="http://schemas.openxmlformats.org/drawingml/2006/main" xmlns:r="http://schemas.openxmlformats.org/officeDocument/2006/relationships" xmlns:p="http://schemas.openxmlformats.org/presentationml/2006/main">
   <p:cSld>
     <p:spTree>
@@ -6921,7 +7040,7 @@
                 <a:ea typeface="Microsoft JhengHei UI" panose="020B0604030504040204" pitchFamily="34" charset="-120"/>
               </a:rPr>
               <a:pPr rtl="0"/>
-              <a:t>16</a:t>
+              <a:t>14</a:t>
             </a:fld>
             <a:endParaRPr lang="zh-TW" altLang="en-US">
               <a:latin typeface="Microsoft JhengHei UI" panose="020B0604030504040204" pitchFamily="34" charset="-120"/>
@@ -7009,10 +7128,10 @@
       </p:pic>
       <p:pic>
         <p:nvPicPr>
-          <p:cNvPr id="3" name="圖片 2">
-            <a:extLst>
-              <a:ext uri="{FF2B5EF4-FFF2-40B4-BE49-F238E27FC236}">
-                <a16:creationId xmlns:a16="http://schemas.microsoft.com/office/drawing/2014/main" id="{57E807DE-EBCB-9F86-7D80-CC776AB759CB}"/>
+          <p:cNvPr id="4" name="圖片 3">
+            <a:extLst>
+              <a:ext uri="{FF2B5EF4-FFF2-40B4-BE49-F238E27FC236}">
+                <a16:creationId xmlns:a16="http://schemas.microsoft.com/office/drawing/2014/main" id="{E873D5E7-7EA0-E311-B862-5A8DBE0D6AE1}"/>
               </a:ext>
             </a:extLst>
           </p:cNvPr>
@@ -7029,8 +7148,8 @@
         </p:blipFill>
         <p:spPr>
           <a:xfrm>
-            <a:off x="383241" y="1659293"/>
-            <a:ext cx="5918075" cy="5293230"/>
+            <a:off x="441325" y="2482850"/>
+            <a:ext cx="5810250" cy="4219575"/>
           </a:xfrm>
           <a:prstGeom prst="rect">
             <a:avLst/>
@@ -7050,7 +7169,195 @@
 </p:sld>
 </file>
 
-<file path=ppt/slides/slide17.xml><?xml version="1.0" encoding="utf-8"?>
+<file path=ppt/slides/slide15.xml><?xml version="1.0" encoding="utf-8"?>
+<p:sld xmlns:a="http://schemas.openxmlformats.org/drawingml/2006/main" xmlns:r="http://schemas.openxmlformats.org/officeDocument/2006/relationships" xmlns:p="http://schemas.openxmlformats.org/presentationml/2006/main">
+  <p:cSld>
+    <p:spTree>
+      <p:nvGrpSpPr>
+        <p:cNvPr id="1" name="">
+          <a:extLst>
+            <a:ext uri="{FF2B5EF4-FFF2-40B4-BE49-F238E27FC236}">
+              <a16:creationId xmlns:a16="http://schemas.microsoft.com/office/drawing/2014/main" id="{1D990DBE-5289-4349-E226-F52D71E060F6}"/>
+            </a:ext>
+          </a:extLst>
+        </p:cNvPr>
+        <p:cNvGrpSpPr/>
+        <p:nvPr/>
+      </p:nvGrpSpPr>
+      <p:grpSpPr>
+        <a:xfrm>
+          <a:off x="0" y="0"/>
+          <a:ext cx="0" cy="0"/>
+          <a:chOff x="0" y="0"/>
+          <a:chExt cx="0" cy="0"/>
+        </a:xfrm>
+      </p:grpSpPr>
+      <p:sp>
+        <p:nvSpPr>
+          <p:cNvPr id="11" name="投影片編號版面配置區 10">
+            <a:extLst>
+              <a:ext uri="{FF2B5EF4-FFF2-40B4-BE49-F238E27FC236}">
+                <a16:creationId xmlns:a16="http://schemas.microsoft.com/office/drawing/2014/main" id="{D41822CD-8F20-37A7-AD83-5E05E761F77D}"/>
+              </a:ext>
+            </a:extLst>
+          </p:cNvPr>
+          <p:cNvSpPr>
+            <a:spLocks noGrp="1"/>
+          </p:cNvSpPr>
+          <p:nvPr>
+            <p:ph type="sldNum" sz="quarter" idx="12"/>
+          </p:nvPr>
+        </p:nvSpPr>
+        <p:spPr/>
+        <p:txBody>
+          <a:bodyPr rtlCol="0"/>
+          <a:lstStyle/>
+          <a:p>
+            <a:pPr rtl="0"/>
+            <a:fld id="{D8DA9DAA-006C-4F4B-980E-E3DF019B24E2}" type="slidenum">
+              <a:rPr lang="en-US" altLang="zh-TW" smtClean="0">
+                <a:latin typeface="Microsoft JhengHei UI" panose="020B0604030504040204" pitchFamily="34" charset="-120"/>
+                <a:ea typeface="Microsoft JhengHei UI" panose="020B0604030504040204" pitchFamily="34" charset="-120"/>
+              </a:rPr>
+              <a:pPr rtl="0"/>
+              <a:t>15</a:t>
+            </a:fld>
+            <a:endParaRPr lang="zh-TW" altLang="en-US">
+              <a:latin typeface="Microsoft JhengHei UI" panose="020B0604030504040204" pitchFamily="34" charset="-120"/>
+              <a:ea typeface="Microsoft JhengHei UI" panose="020B0604030504040204" pitchFamily="34" charset="-120"/>
+            </a:endParaRPr>
+          </a:p>
+        </p:txBody>
+      </p:sp>
+      <p:sp>
+        <p:nvSpPr>
+          <p:cNvPr id="7" name="標題 6">
+            <a:extLst>
+              <a:ext uri="{FF2B5EF4-FFF2-40B4-BE49-F238E27FC236}">
+                <a16:creationId xmlns:a16="http://schemas.microsoft.com/office/drawing/2014/main" id="{D96B03C8-ADC4-DD31-CC94-4760EAAC2376}"/>
+              </a:ext>
+            </a:extLst>
+          </p:cNvPr>
+          <p:cNvSpPr>
+            <a:spLocks noGrp="1"/>
+          </p:cNvSpPr>
+          <p:nvPr>
+            <p:ph type="title"/>
+          </p:nvPr>
+        </p:nvSpPr>
+        <p:spPr>
+          <a:xfrm>
+            <a:off x="237490" y="885138"/>
+            <a:ext cx="5280808" cy="509524"/>
+          </a:xfrm>
+        </p:spPr>
+        <p:txBody>
+          <a:bodyPr/>
+          <a:lstStyle/>
+          <a:p>
+            <a:r>
+              <a:rPr lang="zh-TW" altLang="en-US" dirty="0">
+                <a:latin typeface="Noto Serif TC Black" panose="02020200000000000000" pitchFamily="18" charset="-128"/>
+                <a:ea typeface="Noto Serif TC Black" panose="02020200000000000000" pitchFamily="18" charset="-128"/>
+              </a:rPr>
+              <a:t>四聲八調：</a:t>
+            </a:r>
+            <a:r>
+              <a:rPr lang="en-US" altLang="zh-TW" dirty="0">
+                <a:latin typeface="Noto Serif TC Black" panose="02020200000000000000" pitchFamily="18" charset="-128"/>
+                <a:ea typeface="Noto Serif TC Black" panose="02020200000000000000" pitchFamily="18" charset="-128"/>
+              </a:rPr>
+              <a:t>W</a:t>
+            </a:r>
+            <a:r>
+              <a:rPr lang="zh-TW" altLang="en-US" dirty="0">
+                <a:latin typeface="Noto Serif TC Black" panose="02020200000000000000" pitchFamily="18" charset="-128"/>
+                <a:ea typeface="Noto Serif TC Black" panose="02020200000000000000" pitchFamily="18" charset="-128"/>
+              </a:rPr>
+              <a:t>助記法</a:t>
+            </a:r>
+            <a:endParaRPr lang="zh-TW" altLang="en-US" dirty="0">
+              <a:solidFill>
+                <a:schemeClr val="accent5"/>
+              </a:solidFill>
+            </a:endParaRPr>
+          </a:p>
+        </p:txBody>
+      </p:sp>
+      <p:pic>
+        <p:nvPicPr>
+          <p:cNvPr id="3" name="圖片 2">
+            <a:extLst>
+              <a:ext uri="{FF2B5EF4-FFF2-40B4-BE49-F238E27FC236}">
+                <a16:creationId xmlns:a16="http://schemas.microsoft.com/office/drawing/2014/main" id="{03AD46BB-BE86-48E6-8D57-7AA089E40B97}"/>
+              </a:ext>
+            </a:extLst>
+          </p:cNvPr>
+          <p:cNvPicPr>
+            <a:picLocks noChangeAspect="1"/>
+          </p:cNvPicPr>
+          <p:nvPr/>
+        </p:nvPicPr>
+        <p:blipFill>
+          <a:blip r:embed="rId3"/>
+          <a:stretch>
+            <a:fillRect/>
+          </a:stretch>
+        </p:blipFill>
+        <p:spPr>
+          <a:xfrm>
+            <a:off x="-91177" y="8151984"/>
+            <a:ext cx="6866909" cy="3797308"/>
+          </a:xfrm>
+          <a:prstGeom prst="rect">
+            <a:avLst/>
+          </a:prstGeom>
+        </p:spPr>
+      </p:pic>
+      <p:pic>
+        <p:nvPicPr>
+          <p:cNvPr id="4" name="圖片 3">
+            <a:extLst>
+              <a:ext uri="{FF2B5EF4-FFF2-40B4-BE49-F238E27FC236}">
+                <a16:creationId xmlns:a16="http://schemas.microsoft.com/office/drawing/2014/main" id="{E551D755-1A0B-9283-E1F8-F1FDC38DD796}"/>
+              </a:ext>
+            </a:extLst>
+          </p:cNvPr>
+          <p:cNvPicPr>
+            <a:picLocks noChangeAspect="1"/>
+          </p:cNvPicPr>
+          <p:nvPr/>
+        </p:nvPicPr>
+        <p:blipFill>
+          <a:blip r:embed="rId4"/>
+          <a:stretch>
+            <a:fillRect/>
+          </a:stretch>
+        </p:blipFill>
+        <p:spPr>
+          <a:xfrm>
+            <a:off x="441325" y="2482850"/>
+            <a:ext cx="5810250" cy="4219575"/>
+          </a:xfrm>
+          <a:prstGeom prst="rect">
+            <a:avLst/>
+          </a:prstGeom>
+        </p:spPr>
+      </p:pic>
+    </p:spTree>
+    <p:extLst>
+      <p:ext uri="{BB962C8B-B14F-4D97-AF65-F5344CB8AC3E}">
+        <p14:creationId xmlns:p14="http://schemas.microsoft.com/office/powerpoint/2010/main" val="2650364132"/>
+      </p:ext>
+    </p:extLst>
+  </p:cSld>
+  <p:clrMapOvr>
+    <a:masterClrMapping/>
+  </p:clrMapOvr>
+</p:sld>
+</file>
+
+<file path=ppt/slides/slide16.xml><?xml version="1.0" encoding="utf-8"?>
 <p:sld xmlns:a="http://schemas.openxmlformats.org/drawingml/2006/main" xmlns:r="http://schemas.openxmlformats.org/officeDocument/2006/relationships" xmlns:p="http://schemas.openxmlformats.org/presentationml/2006/main">
   <p:cSld>
     <p:spTree>
@@ -7973,7 +8280,7 @@
 </p:sld>
 </file>
 
-<file path=ppt/slides/slide18.xml><?xml version="1.0" encoding="utf-8"?>
+<file path=ppt/slides/slide17.xml><?xml version="1.0" encoding="utf-8"?>
 <p:sld xmlns:a="http://schemas.openxmlformats.org/drawingml/2006/main" xmlns:r="http://schemas.openxmlformats.org/officeDocument/2006/relationships" xmlns:p="http://schemas.openxmlformats.org/presentationml/2006/main">
   <p:cSld>
     <p:spTree>
@@ -8024,7 +8331,7 @@
                 <a:ea typeface="Microsoft JhengHei UI" panose="020B0604030504040204" pitchFamily="34" charset="-120"/>
               </a:rPr>
               <a:pPr rtl="0"/>
-              <a:t>18</a:t>
+              <a:t>17</a:t>
             </a:fld>
             <a:endParaRPr lang="zh-TW" altLang="en-US">
               <a:latin typeface="Microsoft JhengHei UI" panose="020B0604030504040204" pitchFamily="34" charset="-120"/>
@@ -8133,7 +8440,7 @@
 </p:sld>
 </file>
 
-<file path=ppt/slides/slide19.xml><?xml version="1.0" encoding="utf-8"?>
+<file path=ppt/slides/slide18.xml><?xml version="1.0" encoding="utf-8"?>
 <p:sld xmlns:a="http://schemas.openxmlformats.org/drawingml/2006/main" xmlns:r="http://schemas.openxmlformats.org/officeDocument/2006/relationships" xmlns:p="http://schemas.openxmlformats.org/presentationml/2006/main">
   <p:cSld>
     <p:spTree>
@@ -8184,7 +8491,7 @@
                 <a:ea typeface="Microsoft JhengHei UI" panose="020B0604030504040204" pitchFamily="34" charset="-120"/>
               </a:rPr>
               <a:pPr rtl="0"/>
-              <a:t>19</a:t>
+              <a:t>18</a:t>
             </a:fld>
             <a:endParaRPr lang="zh-TW" altLang="en-US">
               <a:latin typeface="Microsoft JhengHei UI" panose="020B0604030504040204" pitchFamily="34" charset="-120"/>
@@ -9136,122 +9443,7 @@
 </p:sld>
 </file>
 
-<file path=ppt/slides/slide2.xml><?xml version="1.0" encoding="utf-8"?>
-<p:sld xmlns:a="http://schemas.openxmlformats.org/drawingml/2006/main" xmlns:r="http://schemas.openxmlformats.org/officeDocument/2006/relationships" xmlns:p="http://schemas.openxmlformats.org/presentationml/2006/main">
-  <p:cSld>
-    <p:spTree>
-      <p:nvGrpSpPr>
-        <p:cNvPr id="1" name="">
-          <a:extLst>
-            <a:ext uri="{FF2B5EF4-FFF2-40B4-BE49-F238E27FC236}">
-              <a16:creationId xmlns:a16="http://schemas.microsoft.com/office/drawing/2014/main" id="{B6ECE55A-5EEF-8CF8-E0E2-E10BA02B2B27}"/>
-            </a:ext>
-          </a:extLst>
-        </p:cNvPr>
-        <p:cNvGrpSpPr/>
-        <p:nvPr/>
-      </p:nvGrpSpPr>
-      <p:grpSpPr>
-        <a:xfrm>
-          <a:off x="0" y="0"/>
-          <a:ext cx="0" cy="0"/>
-          <a:chOff x="0" y="0"/>
-          <a:chExt cx="0" cy="0"/>
-        </a:xfrm>
-      </p:grpSpPr>
-      <p:sp>
-        <p:nvSpPr>
-          <p:cNvPr id="5" name="標題 4">
-            <a:extLst>
-              <a:ext uri="{FF2B5EF4-FFF2-40B4-BE49-F238E27FC236}">
-                <a16:creationId xmlns:a16="http://schemas.microsoft.com/office/drawing/2014/main" id="{1920E05B-5FC2-EEF8-EFC1-70925335C81C}"/>
-              </a:ext>
-            </a:extLst>
-          </p:cNvPr>
-          <p:cNvSpPr>
-            <a:spLocks noGrp="1"/>
-          </p:cNvSpPr>
-          <p:nvPr>
-            <p:ph type="title"/>
-          </p:nvPr>
-        </p:nvSpPr>
-        <p:spPr>
-          <a:xfrm>
-            <a:off x="467916" y="3039537"/>
-            <a:ext cx="5915025" cy="1297332"/>
-          </a:xfrm>
-        </p:spPr>
-        <p:txBody>
-          <a:bodyPr/>
-          <a:lstStyle/>
-          <a:p>
-            <a:r>
-              <a:rPr lang="zh-TW" altLang="en-US" dirty="0">
-                <a:solidFill>
-                  <a:srgbClr val="002060"/>
-                </a:solidFill>
-                <a:latin typeface="Noto Serif TC Black" panose="02020200000000000000" pitchFamily="18" charset="-128"/>
-                <a:ea typeface="Noto Serif TC Black" panose="02020200000000000000" pitchFamily="18" charset="-128"/>
-              </a:rPr>
-              <a:t>漢字標音</a:t>
-            </a:r>
-          </a:p>
-        </p:txBody>
-      </p:sp>
-      <p:sp>
-        <p:nvSpPr>
-          <p:cNvPr id="6" name="文字版面配置區 5">
-            <a:extLst>
-              <a:ext uri="{FF2B5EF4-FFF2-40B4-BE49-F238E27FC236}">
-                <a16:creationId xmlns:a16="http://schemas.microsoft.com/office/drawing/2014/main" id="{D9F158EC-38F4-324E-1331-4B4A12909804}"/>
-              </a:ext>
-            </a:extLst>
-          </p:cNvPr>
-          <p:cNvSpPr>
-            <a:spLocks noGrp="1"/>
-          </p:cNvSpPr>
-          <p:nvPr>
-            <p:ph type="body" idx="1"/>
-          </p:nvPr>
-        </p:nvSpPr>
-        <p:spPr>
-          <a:xfrm>
-            <a:off x="467915" y="4762500"/>
-            <a:ext cx="5915025" cy="2666999"/>
-          </a:xfrm>
-        </p:spPr>
-        <p:txBody>
-          <a:bodyPr/>
-          <a:lstStyle/>
-          <a:p>
-            <a:endParaRPr lang="zh-TW" altLang="en-US" b="1" dirty="0">
-              <a:effectLst>
-                <a:outerShdw blurRad="38100" dist="38100" dir="2700000" algn="tl">
-                  <a:srgbClr val="000000">
-                    <a:alpha val="43137"/>
-                  </a:srgbClr>
-                </a:outerShdw>
-              </a:effectLst>
-              <a:latin typeface="霞鶩文楷 TC" panose="02020500000000000000" pitchFamily="18" charset="-120"/>
-              <a:ea typeface="霞鶩文楷 TC" panose="02020500000000000000" pitchFamily="18" charset="-120"/>
-            </a:endParaRPr>
-          </a:p>
-        </p:txBody>
-      </p:sp>
-    </p:spTree>
-    <p:extLst>
-      <p:ext uri="{BB962C8B-B14F-4D97-AF65-F5344CB8AC3E}">
-        <p14:creationId xmlns:p14="http://schemas.microsoft.com/office/powerpoint/2010/main" val="1972069389"/>
-      </p:ext>
-    </p:extLst>
-  </p:cSld>
-  <p:clrMapOvr>
-    <a:masterClrMapping/>
-  </p:clrMapOvr>
-</p:sld>
-</file>
-
-<file path=ppt/slides/slide20.xml><?xml version="1.0" encoding="utf-8"?>
+<file path=ppt/slides/slide19.xml><?xml version="1.0" encoding="utf-8"?>
 <p:sld xmlns:a="http://schemas.openxmlformats.org/drawingml/2006/main" xmlns:r="http://schemas.openxmlformats.org/officeDocument/2006/relationships" xmlns:p="http://schemas.openxmlformats.org/presentationml/2006/main">
   <p:cSld>
     <p:spTree>
@@ -9302,7 +9494,7 @@
                 <a:ea typeface="Microsoft JhengHei UI" panose="020B0604030504040204" pitchFamily="34" charset="-120"/>
               </a:rPr>
               <a:pPr rtl="0"/>
-              <a:t>20</a:t>
+              <a:t>19</a:t>
             </a:fld>
             <a:endParaRPr lang="zh-TW" altLang="en-US">
               <a:latin typeface="Microsoft JhengHei UI" panose="020B0604030504040204" pitchFamily="34" charset="-120"/>
@@ -9441,6 +9633,744 @@
 </p:sld>
 </file>
 
+<file path=ppt/slides/slide2.xml><?xml version="1.0" encoding="utf-8"?>
+<p:sld xmlns:a="http://schemas.openxmlformats.org/drawingml/2006/main" xmlns:r="http://schemas.openxmlformats.org/officeDocument/2006/relationships" xmlns:p="http://schemas.openxmlformats.org/presentationml/2006/main">
+  <p:cSld>
+    <p:spTree>
+      <p:nvGrpSpPr>
+        <p:cNvPr id="1" name="">
+          <a:extLst>
+            <a:ext uri="{FF2B5EF4-FFF2-40B4-BE49-F238E27FC236}">
+              <a16:creationId xmlns:a16="http://schemas.microsoft.com/office/drawing/2014/main" id="{B6ECE55A-5EEF-8CF8-E0E2-E10BA02B2B27}"/>
+            </a:ext>
+          </a:extLst>
+        </p:cNvPr>
+        <p:cNvGrpSpPr/>
+        <p:nvPr/>
+      </p:nvGrpSpPr>
+      <p:grpSpPr>
+        <a:xfrm>
+          <a:off x="0" y="0"/>
+          <a:ext cx="0" cy="0"/>
+          <a:chOff x="0" y="0"/>
+          <a:chExt cx="0" cy="0"/>
+        </a:xfrm>
+      </p:grpSpPr>
+      <p:sp>
+        <p:nvSpPr>
+          <p:cNvPr id="5" name="標題 4">
+            <a:extLst>
+              <a:ext uri="{FF2B5EF4-FFF2-40B4-BE49-F238E27FC236}">
+                <a16:creationId xmlns:a16="http://schemas.microsoft.com/office/drawing/2014/main" id="{1920E05B-5FC2-EEF8-EFC1-70925335C81C}"/>
+              </a:ext>
+            </a:extLst>
+          </p:cNvPr>
+          <p:cNvSpPr>
+            <a:spLocks noGrp="1"/>
+          </p:cNvSpPr>
+          <p:nvPr>
+            <p:ph type="title"/>
+          </p:nvPr>
+        </p:nvSpPr>
+        <p:spPr>
+          <a:xfrm>
+            <a:off x="467916" y="3039537"/>
+            <a:ext cx="5915025" cy="1297332"/>
+          </a:xfrm>
+        </p:spPr>
+        <p:txBody>
+          <a:bodyPr/>
+          <a:lstStyle/>
+          <a:p>
+            <a:r>
+              <a:rPr lang="zh-TW" altLang="en-US" dirty="0">
+                <a:solidFill>
+                  <a:srgbClr val="002060"/>
+                </a:solidFill>
+                <a:latin typeface="Noto Serif TC Black" panose="02020200000000000000" pitchFamily="18" charset="-128"/>
+                <a:ea typeface="Noto Serif TC Black" panose="02020200000000000000" pitchFamily="18" charset="-128"/>
+              </a:rPr>
+              <a:t>漢字標音</a:t>
+            </a:r>
+          </a:p>
+        </p:txBody>
+      </p:sp>
+      <p:sp>
+        <p:nvSpPr>
+          <p:cNvPr id="6" name="文字版面配置區 5">
+            <a:extLst>
+              <a:ext uri="{FF2B5EF4-FFF2-40B4-BE49-F238E27FC236}">
+                <a16:creationId xmlns:a16="http://schemas.microsoft.com/office/drawing/2014/main" id="{D9F158EC-38F4-324E-1331-4B4A12909804}"/>
+              </a:ext>
+            </a:extLst>
+          </p:cNvPr>
+          <p:cNvSpPr>
+            <a:spLocks noGrp="1"/>
+          </p:cNvSpPr>
+          <p:nvPr>
+            <p:ph type="body" idx="1"/>
+          </p:nvPr>
+        </p:nvSpPr>
+        <p:spPr>
+          <a:xfrm>
+            <a:off x="467915" y="4762500"/>
+            <a:ext cx="5915025" cy="2666999"/>
+          </a:xfrm>
+        </p:spPr>
+        <p:txBody>
+          <a:bodyPr/>
+          <a:lstStyle/>
+          <a:p>
+            <a:endParaRPr lang="zh-TW" altLang="en-US" b="1" dirty="0">
+              <a:effectLst>
+                <a:outerShdw blurRad="38100" dist="38100" dir="2700000" algn="tl">
+                  <a:srgbClr val="000000">
+                    <a:alpha val="43137"/>
+                  </a:srgbClr>
+                </a:outerShdw>
+              </a:effectLst>
+              <a:latin typeface="霞鶩文楷 TC" panose="02020500000000000000" pitchFamily="18" charset="-120"/>
+              <a:ea typeface="霞鶩文楷 TC" panose="02020500000000000000" pitchFamily="18" charset="-120"/>
+            </a:endParaRPr>
+          </a:p>
+        </p:txBody>
+      </p:sp>
+    </p:spTree>
+    <p:extLst>
+      <p:ext uri="{BB962C8B-B14F-4D97-AF65-F5344CB8AC3E}">
+        <p14:creationId xmlns:p14="http://schemas.microsoft.com/office/powerpoint/2010/main" val="1972069389"/>
+      </p:ext>
+    </p:extLst>
+  </p:cSld>
+  <p:clrMapOvr>
+    <a:masterClrMapping/>
+  </p:clrMapOvr>
+</p:sld>
+</file>
+
+<file path=ppt/slides/slide20.xml><?xml version="1.0" encoding="utf-8"?>
+<p:sld xmlns:a="http://schemas.openxmlformats.org/drawingml/2006/main" xmlns:r="http://schemas.openxmlformats.org/officeDocument/2006/relationships" xmlns:p="http://schemas.openxmlformats.org/presentationml/2006/main">
+  <p:cSld>
+    <p:spTree>
+      <p:nvGrpSpPr>
+        <p:cNvPr id="1" name="">
+          <a:extLst>
+            <a:ext uri="{FF2B5EF4-FFF2-40B4-BE49-F238E27FC236}">
+              <a16:creationId xmlns:a16="http://schemas.microsoft.com/office/drawing/2014/main" id="{20D730F7-3703-894A-BAA4-B3F99B5EF0CC}"/>
+            </a:ext>
+          </a:extLst>
+        </p:cNvPr>
+        <p:cNvGrpSpPr/>
+        <p:nvPr/>
+      </p:nvGrpSpPr>
+      <p:grpSpPr>
+        <a:xfrm>
+          <a:off x="0" y="0"/>
+          <a:ext cx="0" cy="0"/>
+          <a:chOff x="0" y="0"/>
+          <a:chExt cx="0" cy="0"/>
+        </a:xfrm>
+      </p:grpSpPr>
+      <p:sp>
+        <p:nvSpPr>
+          <p:cNvPr id="7" name="標題 6">
+            <a:extLst>
+              <a:ext uri="{FF2B5EF4-FFF2-40B4-BE49-F238E27FC236}">
+                <a16:creationId xmlns:a16="http://schemas.microsoft.com/office/drawing/2014/main" id="{08BBE0A5-54C7-8F6D-350C-301DFED397F6}"/>
+              </a:ext>
+            </a:extLst>
+          </p:cNvPr>
+          <p:cNvSpPr>
+            <a:spLocks noGrp="1"/>
+          </p:cNvSpPr>
+          <p:nvPr>
+            <p:ph type="title"/>
+          </p:nvPr>
+        </p:nvSpPr>
+        <p:spPr>
+          <a:xfrm>
+            <a:off x="237489" y="885138"/>
+            <a:ext cx="6009173" cy="509524"/>
+          </a:xfrm>
+        </p:spPr>
+        <p:txBody>
+          <a:bodyPr>
+            <a:normAutofit/>
+          </a:bodyPr>
+          <a:lstStyle/>
+          <a:p>
+            <a:r>
+              <a:rPr lang="zh-TW" altLang="en-US" dirty="0">
+                <a:latin typeface="Noto Serif TC Black" panose="02020200000000000000" pitchFamily="18" charset="-128"/>
+                <a:ea typeface="Noto Serif TC Black" panose="02020200000000000000" pitchFamily="18" charset="-128"/>
+              </a:rPr>
+              <a:t>變調標註法</a:t>
+            </a:r>
+            <a:endParaRPr lang="zh-TW" altLang="en-US" dirty="0">
+              <a:solidFill>
+                <a:schemeClr val="accent5"/>
+              </a:solidFill>
+            </a:endParaRPr>
+          </a:p>
+        </p:txBody>
+      </p:sp>
+      <p:pic>
+        <p:nvPicPr>
+          <p:cNvPr id="23" name="圖片 22">
+            <a:extLst>
+              <a:ext uri="{FF2B5EF4-FFF2-40B4-BE49-F238E27FC236}">
+                <a16:creationId xmlns:a16="http://schemas.microsoft.com/office/drawing/2014/main" id="{573ECA56-5D3F-E047-D566-D575FEA40DC4}"/>
+              </a:ext>
+            </a:extLst>
+          </p:cNvPr>
+          <p:cNvPicPr>
+            <a:picLocks noChangeAspect="1"/>
+          </p:cNvPicPr>
+          <p:nvPr/>
+        </p:nvPicPr>
+        <p:blipFill>
+          <a:blip r:embed="rId3"/>
+          <a:stretch>
+            <a:fillRect/>
+          </a:stretch>
+        </p:blipFill>
+        <p:spPr>
+          <a:xfrm>
+            <a:off x="-8909" y="1402922"/>
+            <a:ext cx="6866909" cy="3797308"/>
+          </a:xfrm>
+          <a:prstGeom prst="rect">
+            <a:avLst/>
+          </a:prstGeom>
+        </p:spPr>
+      </p:pic>
+      <p:sp>
+        <p:nvSpPr>
+          <p:cNvPr id="4" name="文字方塊 3">
+            <a:extLst>
+              <a:ext uri="{FF2B5EF4-FFF2-40B4-BE49-F238E27FC236}">
+                <a16:creationId xmlns:a16="http://schemas.microsoft.com/office/drawing/2014/main" id="{C52A5465-5FEB-2C22-6819-F0A267522F93}"/>
+              </a:ext>
+            </a:extLst>
+          </p:cNvPr>
+          <p:cNvSpPr txBox="1"/>
+          <p:nvPr/>
+        </p:nvSpPr>
+        <p:spPr>
+          <a:xfrm>
+            <a:off x="175028" y="5186920"/>
+            <a:ext cx="6071634" cy="646331"/>
+          </a:xfrm>
+          <a:prstGeom prst="rect">
+            <a:avLst/>
+          </a:prstGeom>
+          <a:noFill/>
+        </p:spPr>
+        <p:txBody>
+          <a:bodyPr wrap="square" rtlCol="0">
+            <a:spAutoFit/>
+          </a:bodyPr>
+          <a:lstStyle/>
+          <a:p>
+            <a:r>
+              <a:rPr lang="en-US" altLang="zh-TW" sz="3600" dirty="0">
+                <a:solidFill>
+                  <a:schemeClr val="accent1"/>
+                </a:solidFill>
+                <a:latin typeface="Noto Serif TC Black" panose="02020200000000000000" pitchFamily="18" charset="-128"/>
+                <a:ea typeface="Noto Serif TC Black" panose="02020200000000000000" pitchFamily="18" charset="-128"/>
+              </a:rPr>
+              <a:t>【</a:t>
+            </a:r>
+            <a:r>
+              <a:rPr lang="zh-TW" altLang="en-US" sz="3600" dirty="0">
+                <a:solidFill>
+                  <a:schemeClr val="accent1"/>
+                </a:solidFill>
+                <a:latin typeface="Noto Serif TC Black" panose="02020200000000000000" pitchFamily="18" charset="-128"/>
+                <a:ea typeface="Noto Serif TC Black" panose="02020200000000000000" pitchFamily="18" charset="-128"/>
+              </a:rPr>
+              <a:t>甲式</a:t>
+            </a:r>
+            <a:r>
+              <a:rPr lang="en-US" altLang="zh-TW" sz="3600" dirty="0">
+                <a:solidFill>
+                  <a:schemeClr val="accent1"/>
+                </a:solidFill>
+                <a:latin typeface="Noto Serif TC Black" panose="02020200000000000000" pitchFamily="18" charset="-128"/>
+                <a:ea typeface="Noto Serif TC Black" panose="02020200000000000000" pitchFamily="18" charset="-128"/>
+              </a:rPr>
+              <a:t>】</a:t>
+            </a:r>
+            <a:r>
+              <a:rPr lang="zh-TW" altLang="en-US" sz="3600" dirty="0">
+                <a:solidFill>
+                  <a:schemeClr val="accent1"/>
+                </a:solidFill>
+                <a:latin typeface="Noto Serif TC Black" panose="02020200000000000000" pitchFamily="18" charset="-128"/>
+                <a:ea typeface="Noto Serif TC Black" panose="02020200000000000000" pitchFamily="18" charset="-128"/>
+              </a:rPr>
+              <a:t>：</a:t>
+            </a:r>
+          </a:p>
+        </p:txBody>
+      </p:sp>
+      <p:sp>
+        <p:nvSpPr>
+          <p:cNvPr id="5" name="圖說文字: 折線 4">
+            <a:extLst>
+              <a:ext uri="{FF2B5EF4-FFF2-40B4-BE49-F238E27FC236}">
+                <a16:creationId xmlns:a16="http://schemas.microsoft.com/office/drawing/2014/main" id="{10F1167D-17B3-CD7D-ABBA-95B7F2135C20}"/>
+              </a:ext>
+            </a:extLst>
+          </p:cNvPr>
+          <p:cNvSpPr/>
+          <p:nvPr/>
+        </p:nvSpPr>
+        <p:spPr>
+          <a:xfrm>
+            <a:off x="2134717" y="6108366"/>
+            <a:ext cx="871870" cy="500767"/>
+          </a:xfrm>
+          <a:prstGeom prst="borderCallout2">
+            <a:avLst>
+              <a:gd name="adj1" fmla="val 51613"/>
+              <a:gd name="adj2" fmla="val 102671"/>
+              <a:gd name="adj3" fmla="val 97853"/>
+              <a:gd name="adj4" fmla="val 162515"/>
+              <a:gd name="adj5" fmla="val 212410"/>
+              <a:gd name="adj6" fmla="val 162444"/>
+            </a:avLst>
+          </a:prstGeom>
+        </p:spPr>
+        <p:style>
+          <a:lnRef idx="2">
+            <a:schemeClr val="accent1">
+              <a:shade val="15000"/>
+            </a:schemeClr>
+          </a:lnRef>
+          <a:fillRef idx="1">
+            <a:schemeClr val="accent1"/>
+          </a:fillRef>
+          <a:effectRef idx="0">
+            <a:schemeClr val="accent1"/>
+          </a:effectRef>
+          <a:fontRef idx="minor">
+            <a:schemeClr val="lt1"/>
+          </a:fontRef>
+        </p:style>
+        <p:txBody>
+          <a:bodyPr rtlCol="0" anchor="ctr"/>
+          <a:lstStyle/>
+          <a:p>
+            <a:pPr algn="ctr"/>
+            <a:r>
+              <a:rPr lang="zh-TW" altLang="en-US" dirty="0">
+                <a:latin typeface="Noto Sans TC Black" panose="020B0200000000000000" pitchFamily="34" charset="-128"/>
+                <a:ea typeface="Noto Sans TC Black" panose="020B0200000000000000" pitchFamily="34" charset="-128"/>
+              </a:rPr>
+              <a:t>本調</a:t>
+            </a:r>
+          </a:p>
+        </p:txBody>
+      </p:sp>
+      <p:sp>
+        <p:nvSpPr>
+          <p:cNvPr id="6" name="圖說文字: 折線 5">
+            <a:extLst>
+              <a:ext uri="{FF2B5EF4-FFF2-40B4-BE49-F238E27FC236}">
+                <a16:creationId xmlns:a16="http://schemas.microsoft.com/office/drawing/2014/main" id="{1B966497-2333-441B-8884-3E2C4300B2ED}"/>
+              </a:ext>
+            </a:extLst>
+          </p:cNvPr>
+          <p:cNvSpPr/>
+          <p:nvPr/>
+        </p:nvSpPr>
+        <p:spPr>
+          <a:xfrm>
+            <a:off x="4563649" y="6120532"/>
+            <a:ext cx="871870" cy="500767"/>
+          </a:xfrm>
+          <a:prstGeom prst="borderCallout2">
+            <a:avLst>
+              <a:gd name="adj1" fmla="val 56527"/>
+              <a:gd name="adj2" fmla="val -3426"/>
+              <a:gd name="adj3" fmla="val 115871"/>
+              <a:gd name="adj4" fmla="val -33826"/>
+              <a:gd name="adj5" fmla="val 211986"/>
+              <a:gd name="adj6" fmla="val -32678"/>
+            </a:avLst>
+          </a:prstGeom>
+        </p:spPr>
+        <p:style>
+          <a:lnRef idx="2">
+            <a:schemeClr val="accent1">
+              <a:shade val="15000"/>
+            </a:schemeClr>
+          </a:lnRef>
+          <a:fillRef idx="1">
+            <a:schemeClr val="accent1"/>
+          </a:fillRef>
+          <a:effectRef idx="0">
+            <a:schemeClr val="accent1"/>
+          </a:effectRef>
+          <a:fontRef idx="minor">
+            <a:schemeClr val="lt1"/>
+          </a:fontRef>
+        </p:style>
+        <p:txBody>
+          <a:bodyPr rtlCol="0" anchor="ctr"/>
+          <a:lstStyle/>
+          <a:p>
+            <a:pPr algn="ctr"/>
+            <a:r>
+              <a:rPr lang="zh-TW" altLang="en-US" dirty="0">
+                <a:latin typeface="Noto Sans TC Black" panose="020B0200000000000000" pitchFamily="34" charset="-128"/>
+                <a:ea typeface="Noto Sans TC Black" panose="020B0200000000000000" pitchFamily="34" charset="-128"/>
+              </a:rPr>
+              <a:t>變調</a:t>
+            </a:r>
+          </a:p>
+        </p:txBody>
+      </p:sp>
+      <p:sp>
+        <p:nvSpPr>
+          <p:cNvPr id="9" name="文字方塊 8">
+            <a:extLst>
+              <a:ext uri="{FF2B5EF4-FFF2-40B4-BE49-F238E27FC236}">
+                <a16:creationId xmlns:a16="http://schemas.microsoft.com/office/drawing/2014/main" id="{1EE6EDB3-1228-A335-24A8-9D33EBE99E52}"/>
+              </a:ext>
+            </a:extLst>
+          </p:cNvPr>
+          <p:cNvSpPr txBox="1"/>
+          <p:nvPr/>
+        </p:nvSpPr>
+        <p:spPr>
+          <a:xfrm>
+            <a:off x="237489" y="8497669"/>
+            <a:ext cx="6071634" cy="646331"/>
+          </a:xfrm>
+          <a:prstGeom prst="rect">
+            <a:avLst/>
+          </a:prstGeom>
+          <a:noFill/>
+        </p:spPr>
+        <p:txBody>
+          <a:bodyPr wrap="square" rtlCol="0">
+            <a:spAutoFit/>
+          </a:bodyPr>
+          <a:lstStyle/>
+          <a:p>
+            <a:r>
+              <a:rPr lang="en-US" altLang="zh-TW" sz="3600" dirty="0">
+                <a:solidFill>
+                  <a:schemeClr val="accent1"/>
+                </a:solidFill>
+                <a:latin typeface="Noto Serif TC Black" panose="02020200000000000000" pitchFamily="18" charset="-128"/>
+                <a:ea typeface="Noto Serif TC Black" panose="02020200000000000000" pitchFamily="18" charset="-128"/>
+              </a:rPr>
+              <a:t>【</a:t>
+            </a:r>
+            <a:r>
+              <a:rPr lang="zh-TW" altLang="en-US" sz="3600" dirty="0">
+                <a:solidFill>
+                  <a:schemeClr val="accent1"/>
+                </a:solidFill>
+                <a:latin typeface="Noto Serif TC Black" panose="02020200000000000000" pitchFamily="18" charset="-128"/>
+                <a:ea typeface="Noto Serif TC Black" panose="02020200000000000000" pitchFamily="18" charset="-128"/>
+              </a:rPr>
+              <a:t>乙式</a:t>
+            </a:r>
+            <a:r>
+              <a:rPr lang="en-US" altLang="zh-TW" sz="3600" dirty="0">
+                <a:solidFill>
+                  <a:schemeClr val="accent1"/>
+                </a:solidFill>
+                <a:latin typeface="Noto Serif TC Black" panose="02020200000000000000" pitchFamily="18" charset="-128"/>
+                <a:ea typeface="Noto Serif TC Black" panose="02020200000000000000" pitchFamily="18" charset="-128"/>
+              </a:rPr>
+              <a:t>】</a:t>
+            </a:r>
+            <a:r>
+              <a:rPr lang="zh-TW" altLang="en-US" sz="3600" dirty="0">
+                <a:solidFill>
+                  <a:schemeClr val="accent1"/>
+                </a:solidFill>
+                <a:latin typeface="Noto Serif TC Black" panose="02020200000000000000" pitchFamily="18" charset="-128"/>
+                <a:ea typeface="Noto Serif TC Black" panose="02020200000000000000" pitchFamily="18" charset="-128"/>
+              </a:rPr>
+              <a:t>：</a:t>
+            </a:r>
+          </a:p>
+        </p:txBody>
+      </p:sp>
+      <p:sp>
+        <p:nvSpPr>
+          <p:cNvPr id="10" name="圖說文字: 折線 9">
+            <a:extLst>
+              <a:ext uri="{FF2B5EF4-FFF2-40B4-BE49-F238E27FC236}">
+                <a16:creationId xmlns:a16="http://schemas.microsoft.com/office/drawing/2014/main" id="{0190B879-1818-324A-327E-9B9156B91CAA}"/>
+              </a:ext>
+            </a:extLst>
+          </p:cNvPr>
+          <p:cNvSpPr/>
+          <p:nvPr/>
+        </p:nvSpPr>
+        <p:spPr>
+          <a:xfrm>
+            <a:off x="2301559" y="9702233"/>
+            <a:ext cx="871870" cy="500767"/>
+          </a:xfrm>
+          <a:prstGeom prst="borderCallout2">
+            <a:avLst>
+              <a:gd name="adj1" fmla="val 51613"/>
+              <a:gd name="adj2" fmla="val 102671"/>
+              <a:gd name="adj3" fmla="val 97853"/>
+              <a:gd name="adj4" fmla="val 162515"/>
+              <a:gd name="adj5" fmla="val 212410"/>
+              <a:gd name="adj6" fmla="val 162444"/>
+            </a:avLst>
+          </a:prstGeom>
+        </p:spPr>
+        <p:style>
+          <a:lnRef idx="2">
+            <a:schemeClr val="accent1">
+              <a:shade val="15000"/>
+            </a:schemeClr>
+          </a:lnRef>
+          <a:fillRef idx="1">
+            <a:schemeClr val="accent1"/>
+          </a:fillRef>
+          <a:effectRef idx="0">
+            <a:schemeClr val="accent1"/>
+          </a:effectRef>
+          <a:fontRef idx="minor">
+            <a:schemeClr val="lt1"/>
+          </a:fontRef>
+        </p:style>
+        <p:txBody>
+          <a:bodyPr rtlCol="0" anchor="ctr"/>
+          <a:lstStyle/>
+          <a:p>
+            <a:pPr algn="ctr"/>
+            <a:r>
+              <a:rPr lang="zh-TW" altLang="en-US" dirty="0">
+                <a:latin typeface="Noto Sans TC Black" panose="020B0200000000000000" pitchFamily="34" charset="-128"/>
+                <a:ea typeface="Noto Sans TC Black" panose="020B0200000000000000" pitchFamily="34" charset="-128"/>
+              </a:rPr>
+              <a:t>本調</a:t>
+            </a:r>
+          </a:p>
+        </p:txBody>
+      </p:sp>
+      <p:sp>
+        <p:nvSpPr>
+          <p:cNvPr id="12" name="圖說文字: 折線 11">
+            <a:extLst>
+              <a:ext uri="{FF2B5EF4-FFF2-40B4-BE49-F238E27FC236}">
+                <a16:creationId xmlns:a16="http://schemas.microsoft.com/office/drawing/2014/main" id="{4E96E642-B424-3B2B-342D-07F429157B9B}"/>
+              </a:ext>
+            </a:extLst>
+          </p:cNvPr>
+          <p:cNvSpPr/>
+          <p:nvPr/>
+        </p:nvSpPr>
+        <p:spPr>
+          <a:xfrm>
+            <a:off x="5322307" y="9702232"/>
+            <a:ext cx="871870" cy="500767"/>
+          </a:xfrm>
+          <a:prstGeom prst="borderCallout2">
+            <a:avLst>
+              <a:gd name="adj1" fmla="val 56527"/>
+              <a:gd name="adj2" fmla="val -3426"/>
+              <a:gd name="adj3" fmla="val 115871"/>
+              <a:gd name="adj4" fmla="val -33826"/>
+              <a:gd name="adj5" fmla="val 211986"/>
+              <a:gd name="adj6" fmla="val -32678"/>
+            </a:avLst>
+          </a:prstGeom>
+        </p:spPr>
+        <p:style>
+          <a:lnRef idx="2">
+            <a:schemeClr val="accent1">
+              <a:shade val="15000"/>
+            </a:schemeClr>
+          </a:lnRef>
+          <a:fillRef idx="1">
+            <a:schemeClr val="accent1"/>
+          </a:fillRef>
+          <a:effectRef idx="0">
+            <a:schemeClr val="accent1"/>
+          </a:effectRef>
+          <a:fontRef idx="minor">
+            <a:schemeClr val="lt1"/>
+          </a:fontRef>
+        </p:style>
+        <p:txBody>
+          <a:bodyPr rtlCol="0" anchor="ctr"/>
+          <a:lstStyle/>
+          <a:p>
+            <a:pPr algn="ctr"/>
+            <a:r>
+              <a:rPr lang="zh-TW" altLang="en-US" dirty="0">
+                <a:latin typeface="Noto Sans TC Black" panose="020B0200000000000000" pitchFamily="34" charset="-128"/>
+                <a:ea typeface="Noto Sans TC Black" panose="020B0200000000000000" pitchFamily="34" charset="-128"/>
+              </a:rPr>
+              <a:t>變調</a:t>
+            </a:r>
+          </a:p>
+        </p:txBody>
+      </p:sp>
+      <p:sp>
+        <p:nvSpPr>
+          <p:cNvPr id="15" name="文字方塊 14">
+            <a:extLst>
+              <a:ext uri="{FF2B5EF4-FFF2-40B4-BE49-F238E27FC236}">
+                <a16:creationId xmlns:a16="http://schemas.microsoft.com/office/drawing/2014/main" id="{142AD91E-0195-3510-A730-8C2FD22F0455}"/>
+              </a:ext>
+            </a:extLst>
+          </p:cNvPr>
+          <p:cNvSpPr txBox="1"/>
+          <p:nvPr/>
+        </p:nvSpPr>
+        <p:spPr>
+          <a:xfrm>
+            <a:off x="1294847" y="10405475"/>
+            <a:ext cx="5210456" cy="1569660"/>
+          </a:xfrm>
+          <a:prstGeom prst="rect">
+            <a:avLst/>
+          </a:prstGeom>
+          <a:noFill/>
+        </p:spPr>
+        <p:txBody>
+          <a:bodyPr wrap="square" rtlCol="0">
+            <a:spAutoFit/>
+          </a:bodyPr>
+          <a:lstStyle/>
+          <a:p>
+            <a:r>
+              <a:rPr lang="en-US" altLang="zh-TW" sz="9600" dirty="0">
+                <a:solidFill>
+                  <a:schemeClr val="accent3"/>
+                </a:solidFill>
+              </a:rPr>
+              <a:t>hue</a:t>
+            </a:r>
+            <a:r>
+              <a:rPr lang="en-US" altLang="zh-TW" sz="9600" dirty="0">
+                <a:solidFill>
+                  <a:srgbClr val="FF0000"/>
+                </a:solidFill>
+              </a:rPr>
+              <a:t>3</a:t>
+            </a:r>
+            <a:r>
+              <a:rPr lang="en-US" altLang="zh-TW" sz="9600" dirty="0">
+                <a:solidFill>
+                  <a:schemeClr val="accent3"/>
+                </a:solidFill>
+              </a:rPr>
+              <a:t>~</a:t>
+            </a:r>
+            <a:r>
+              <a:rPr lang="en-US" altLang="zh-TW" sz="9600" dirty="0">
+                <a:solidFill>
+                  <a:srgbClr val="FF0000"/>
+                </a:solidFill>
+              </a:rPr>
+              <a:t>2</a:t>
+            </a:r>
+            <a:endParaRPr lang="zh-TW" altLang="en-US" sz="9600" dirty="0">
+              <a:solidFill>
+                <a:srgbClr val="FF0000"/>
+              </a:solidFill>
+            </a:endParaRPr>
+          </a:p>
+        </p:txBody>
+      </p:sp>
+      <p:sp>
+        <p:nvSpPr>
+          <p:cNvPr id="16" name="文字方塊 15">
+            <a:extLst>
+              <a:ext uri="{FF2B5EF4-FFF2-40B4-BE49-F238E27FC236}">
+                <a16:creationId xmlns:a16="http://schemas.microsoft.com/office/drawing/2014/main" id="{BC6B3315-6E62-8B6C-C048-323B781C523C}"/>
+              </a:ext>
+            </a:extLst>
+          </p:cNvPr>
+          <p:cNvSpPr txBox="1"/>
+          <p:nvPr/>
+        </p:nvSpPr>
+        <p:spPr>
+          <a:xfrm>
+            <a:off x="1268413" y="6928009"/>
+            <a:ext cx="3525488" cy="1569660"/>
+          </a:xfrm>
+          <a:prstGeom prst="rect">
+            <a:avLst/>
+          </a:prstGeom>
+          <a:noFill/>
+        </p:spPr>
+        <p:txBody>
+          <a:bodyPr wrap="square" rtlCol="0">
+            <a:spAutoFit/>
+          </a:bodyPr>
+          <a:lstStyle/>
+          <a:p>
+            <a:r>
+              <a:rPr lang="en-US" altLang="zh-TW" sz="9600" dirty="0">
+                <a:solidFill>
+                  <a:schemeClr val="accent3"/>
+                </a:solidFill>
+              </a:rPr>
+              <a:t>hue</a:t>
+            </a:r>
+            <a:r>
+              <a:rPr lang="en-US" altLang="zh-TW" sz="9600" baseline="30000" dirty="0">
+                <a:solidFill>
+                  <a:srgbClr val="FF0000"/>
+                </a:solidFill>
+              </a:rPr>
+              <a:t>3</a:t>
+            </a:r>
+            <a:r>
+              <a:rPr lang="en-US" altLang="zh-TW" sz="9600" baseline="30000" dirty="0">
+                <a:solidFill>
+                  <a:schemeClr val="accent3"/>
+                </a:solidFill>
+              </a:rPr>
+              <a:t>-</a:t>
+            </a:r>
+            <a:r>
+              <a:rPr lang="en-US" altLang="zh-TW" sz="9600" baseline="30000" dirty="0">
+                <a:solidFill>
+                  <a:srgbClr val="FF0000"/>
+                </a:solidFill>
+              </a:rPr>
+              <a:t>2</a:t>
+            </a:r>
+            <a:endParaRPr lang="zh-TW" altLang="en-US" sz="9600" baseline="30000" dirty="0">
+              <a:solidFill>
+                <a:srgbClr val="FF0000"/>
+              </a:solidFill>
+            </a:endParaRPr>
+          </a:p>
+        </p:txBody>
+      </p:sp>
+    </p:spTree>
+    <p:extLst>
+      <p:ext uri="{BB962C8B-B14F-4D97-AF65-F5344CB8AC3E}">
+        <p14:creationId xmlns:p14="http://schemas.microsoft.com/office/powerpoint/2010/main" val="3672283813"/>
+      </p:ext>
+    </p:extLst>
+  </p:cSld>
+  <p:clrMapOvr>
+    <a:masterClrMapping/>
+  </p:clrMapOvr>
+</p:sld>
+</file>
+
 <file path=ppt/slides/slide21.xml><?xml version="1.0" encoding="utf-8"?>
 <p:sld xmlns:a="http://schemas.openxmlformats.org/drawingml/2006/main" xmlns:r="http://schemas.openxmlformats.org/officeDocument/2006/relationships" xmlns:p="http://schemas.openxmlformats.org/presentationml/2006/main">
   <p:cSld>
@@ -9564,12 +10494,18 @@
 </p:sld>
 </file>
 
-<file path=ppt/slides/slide3.xml><?xml version="1.0" encoding="utf-8"?>
+<file path=ppt/slides/slide22.xml><?xml version="1.0" encoding="utf-8"?>
 <p:sld xmlns:a="http://schemas.openxmlformats.org/drawingml/2006/main" xmlns:r="http://schemas.openxmlformats.org/officeDocument/2006/relationships" xmlns:p="http://schemas.openxmlformats.org/presentationml/2006/main">
   <p:cSld>
     <p:spTree>
       <p:nvGrpSpPr>
-        <p:cNvPr id="1" name=""/>
+        <p:cNvPr id="1" name="">
+          <a:extLst>
+            <a:ext uri="{FF2B5EF4-FFF2-40B4-BE49-F238E27FC236}">
+              <a16:creationId xmlns:a16="http://schemas.microsoft.com/office/drawing/2014/main" id="{38DD3EAC-6A91-42F6-6DF4-D083A146DF73}"/>
+            </a:ext>
+          </a:extLst>
+        </p:cNvPr>
         <p:cNvGrpSpPr/>
         <p:nvPr/>
       </p:nvGrpSpPr>
@@ -9583,10 +10519,10 @@
       </p:grpSpPr>
       <p:sp>
         <p:nvSpPr>
-          <p:cNvPr id="3" name="標題 2">
-            <a:extLst>
-              <a:ext uri="{FF2B5EF4-FFF2-40B4-BE49-F238E27FC236}">
-                <a16:creationId xmlns:a16="http://schemas.microsoft.com/office/drawing/2014/main" id="{4E354E56-27B5-A230-5786-E1431525E268}"/>
+          <p:cNvPr id="7" name="標題 6">
+            <a:extLst>
+              <a:ext uri="{FF2B5EF4-FFF2-40B4-BE49-F238E27FC236}">
+                <a16:creationId xmlns:a16="http://schemas.microsoft.com/office/drawing/2014/main" id="{16E89DDC-0548-46C2-8EE2-2178B35031C3}"/>
               </a:ext>
             </a:extLst>
           </p:cNvPr>
@@ -9597,54 +10533,1758 @@
             <p:ph type="title"/>
           </p:nvPr>
         </p:nvSpPr>
-        <p:spPr/>
-        <p:txBody>
-          <a:bodyPr/>
-          <a:lstStyle/>
-          <a:p>
-            <a:r>
-              <a:rPr lang="zh-TW" altLang="en-US" dirty="0"/>
-              <a:t>漢字標音</a:t>
-            </a:r>
-          </a:p>
-        </p:txBody>
-      </p:sp>
-      <p:pic>
-        <p:nvPicPr>
-          <p:cNvPr id="4" name="圖片 3">
-            <a:extLst>
-              <a:ext uri="{FF2B5EF4-FFF2-40B4-BE49-F238E27FC236}">
-                <a16:creationId xmlns:a16="http://schemas.microsoft.com/office/drawing/2014/main" id="{6A3B9304-3105-EA4D-9DC3-EC7156BF62F8}"/>
-              </a:ext>
-            </a:extLst>
-          </p:cNvPr>
-          <p:cNvPicPr>
-            <a:picLocks noChangeAspect="1"/>
-          </p:cNvPicPr>
-          <p:nvPr/>
-        </p:nvPicPr>
-        <p:blipFill>
-          <a:blip r:embed="rId2"/>
-          <a:stretch>
-            <a:fillRect/>
-          </a:stretch>
-        </p:blipFill>
         <p:spPr>
           <a:xfrm>
-            <a:off x="1390650" y="3848100"/>
-            <a:ext cx="4076700" cy="4495800"/>
+            <a:off x="441325" y="893527"/>
+            <a:ext cx="5280808" cy="509524"/>
+          </a:xfrm>
+        </p:spPr>
+        <p:txBody>
+          <a:bodyPr>
+            <a:normAutofit/>
+          </a:bodyPr>
+          <a:lstStyle/>
+          <a:p>
+            <a:r>
+              <a:rPr lang="zh-TW" altLang="en-US" dirty="0">
+                <a:latin typeface="Noto Serif TC Black" panose="02020200000000000000" pitchFamily="18" charset="-128"/>
+                <a:ea typeface="Noto Serif TC Black" panose="02020200000000000000" pitchFamily="18" charset="-128"/>
+              </a:rPr>
+              <a:t>變調實例（台灣</a:t>
+            </a:r>
+            <a:r>
+              <a:rPr lang="en-US" altLang="zh-TW" dirty="0">
+                <a:latin typeface="Noto Serif TC Black" panose="02020200000000000000" pitchFamily="18" charset="-128"/>
+                <a:ea typeface="Noto Serif TC Black" panose="02020200000000000000" pitchFamily="18" charset="-128"/>
+              </a:rPr>
+              <a:t>/</a:t>
+            </a:r>
+            <a:r>
+              <a:rPr lang="zh-TW" altLang="en-US" dirty="0">
+                <a:latin typeface="Noto Serif TC Black" panose="02020200000000000000" pitchFamily="18" charset="-128"/>
+                <a:ea typeface="Noto Serif TC Black" panose="02020200000000000000" pitchFamily="18" charset="-128"/>
+              </a:rPr>
+              <a:t>廈門腔）</a:t>
+            </a:r>
+            <a:endParaRPr lang="zh-TW" altLang="en-US" dirty="0">
+              <a:solidFill>
+                <a:schemeClr val="accent5"/>
+              </a:solidFill>
+            </a:endParaRPr>
+          </a:p>
+        </p:txBody>
+      </p:sp>
+      <p:sp>
+        <p:nvSpPr>
+          <p:cNvPr id="2" name="文字方塊 1">
+            <a:extLst>
+              <a:ext uri="{FF2B5EF4-FFF2-40B4-BE49-F238E27FC236}">
+                <a16:creationId xmlns:a16="http://schemas.microsoft.com/office/drawing/2014/main" id="{3D1E7738-D367-D8ED-0A15-FA99C2BE2075}"/>
+              </a:ext>
+            </a:extLst>
+          </p:cNvPr>
+          <p:cNvSpPr txBox="1"/>
+          <p:nvPr/>
+        </p:nvSpPr>
+        <p:spPr>
+          <a:xfrm>
+            <a:off x="476250" y="2212538"/>
+            <a:ext cx="5830388" cy="646331"/>
           </a:xfrm>
           <a:prstGeom prst="rect">
             <a:avLst/>
           </a:prstGeom>
+          <a:noFill/>
         </p:spPr>
-      </p:pic>
-      <p:sp>
-        <p:nvSpPr>
-          <p:cNvPr id="8" name="圖說文字: 折線 7">
-            <a:extLst>
-              <a:ext uri="{FF2B5EF4-FFF2-40B4-BE49-F238E27FC236}">
-                <a16:creationId xmlns:a16="http://schemas.microsoft.com/office/drawing/2014/main" id="{24B8B2A8-F372-A87C-01EE-F1408932B2D4}"/>
+        <p:txBody>
+          <a:bodyPr wrap="square" rtlCol="0">
+            <a:spAutoFit/>
+          </a:bodyPr>
+          <a:lstStyle/>
+          <a:p>
+            <a:r>
+              <a:rPr lang="zh-TW" altLang="en-US" sz="3600" dirty="0">
+                <a:solidFill>
+                  <a:srgbClr val="0070C0"/>
+                </a:solidFill>
+                <a:latin typeface="Noto Serif TC Black" panose="02020200000000000000" pitchFamily="18" charset="-128"/>
+                <a:ea typeface="Noto Serif TC Black" panose="02020200000000000000" pitchFamily="18" charset="-128"/>
+              </a:rPr>
+              <a:t>人情留一線，日後好相看。</a:t>
+            </a:r>
+          </a:p>
+        </p:txBody>
+      </p:sp>
+      <p:sp>
+        <p:nvSpPr>
+          <p:cNvPr id="3" name="文字方塊 2">
+            <a:extLst>
+              <a:ext uri="{FF2B5EF4-FFF2-40B4-BE49-F238E27FC236}">
+                <a16:creationId xmlns:a16="http://schemas.microsoft.com/office/drawing/2014/main" id="{27FA9315-58C9-A1F0-2681-C3E2F954D633}"/>
+              </a:ext>
+            </a:extLst>
+          </p:cNvPr>
+          <p:cNvSpPr txBox="1"/>
+          <p:nvPr/>
+        </p:nvSpPr>
+        <p:spPr>
+          <a:xfrm>
+            <a:off x="476250" y="4331864"/>
+            <a:ext cx="5830388" cy="830997"/>
+          </a:xfrm>
+          <a:prstGeom prst="rect">
+            <a:avLst/>
+          </a:prstGeom>
+          <a:noFill/>
+        </p:spPr>
+        <p:txBody>
+          <a:bodyPr wrap="square" rtlCol="0">
+            <a:spAutoFit/>
+          </a:bodyPr>
+          <a:lstStyle/>
+          <a:p>
+            <a:r>
+              <a:rPr lang="en-US" altLang="zh-TW" sz="2400" dirty="0">
+                <a:solidFill>
+                  <a:srgbClr val="7030A0"/>
+                </a:solidFill>
+                <a:latin typeface="Chiron Sung HK ExtraLight" pitchFamily="2" charset="-128"/>
+                <a:ea typeface="Chiron Sung HK ExtraLight" pitchFamily="2" charset="-128"/>
+              </a:rPr>
+              <a:t>Jin5-tsing5 lau5 tsit8 suann3, </a:t>
+            </a:r>
+            <a:br>
+              <a:rPr lang="en-US" altLang="zh-TW" sz="2400" dirty="0">
+                <a:solidFill>
+                  <a:srgbClr val="7030A0"/>
+                </a:solidFill>
+                <a:latin typeface="Chiron Sung HK ExtraLight" pitchFamily="2" charset="-128"/>
+                <a:ea typeface="Chiron Sung HK ExtraLight" pitchFamily="2" charset="-128"/>
+              </a:rPr>
+            </a:br>
+            <a:r>
+              <a:rPr lang="en-US" altLang="zh-TW" sz="2400" dirty="0">
+                <a:solidFill>
+                  <a:srgbClr val="7030A0"/>
+                </a:solidFill>
+                <a:latin typeface="Chiron Sung HK ExtraLight" pitchFamily="2" charset="-128"/>
+                <a:ea typeface="Chiron Sung HK ExtraLight" pitchFamily="2" charset="-128"/>
+              </a:rPr>
+              <a:t>jit8-au7 ho2 sio1 khuann3.</a:t>
+            </a:r>
+            <a:endParaRPr lang="zh-TW" altLang="en-US" sz="2400" dirty="0">
+              <a:solidFill>
+                <a:srgbClr val="7030A0"/>
+              </a:solidFill>
+              <a:latin typeface="Chiron Sung HK ExtraLight" pitchFamily="2" charset="-128"/>
+              <a:ea typeface="Chiron Sung HK ExtraLight" pitchFamily="2" charset="-128"/>
+            </a:endParaRPr>
+          </a:p>
+        </p:txBody>
+      </p:sp>
+      <p:sp>
+        <p:nvSpPr>
+          <p:cNvPr id="4" name="文字方塊 3">
+            <a:extLst>
+              <a:ext uri="{FF2B5EF4-FFF2-40B4-BE49-F238E27FC236}">
+                <a16:creationId xmlns:a16="http://schemas.microsoft.com/office/drawing/2014/main" id="{0B7DDD18-D5B4-CE9E-324A-8265AAF740C0}"/>
+              </a:ext>
+            </a:extLst>
+          </p:cNvPr>
+          <p:cNvSpPr txBox="1"/>
+          <p:nvPr/>
+        </p:nvSpPr>
+        <p:spPr>
+          <a:xfrm>
+            <a:off x="476250" y="5621834"/>
+            <a:ext cx="6002927" cy="830997"/>
+          </a:xfrm>
+          <a:prstGeom prst="rect">
+            <a:avLst/>
+          </a:prstGeom>
+          <a:noFill/>
+        </p:spPr>
+        <p:txBody>
+          <a:bodyPr wrap="square" rtlCol="0">
+            <a:spAutoFit/>
+          </a:bodyPr>
+          <a:lstStyle/>
+          <a:p>
+            <a:r>
+              <a:rPr lang="en-US" altLang="zh-TW" sz="2400" dirty="0">
+                <a:solidFill>
+                  <a:schemeClr val="accent2"/>
+                </a:solidFill>
+                <a:latin typeface="Chiron Sung HK ExtraLight" pitchFamily="2" charset="-128"/>
+                <a:ea typeface="Chiron Sung HK ExtraLight" pitchFamily="2" charset="-128"/>
+              </a:rPr>
+              <a:t>Jin5~7 tsing5 lau5~7 tsit8~4 suann3, </a:t>
+            </a:r>
+            <a:br>
+              <a:rPr lang="en-US" altLang="zh-TW" sz="2400" dirty="0">
+                <a:solidFill>
+                  <a:schemeClr val="accent2"/>
+                </a:solidFill>
+                <a:latin typeface="Chiron Sung HK ExtraLight" pitchFamily="2" charset="-128"/>
+                <a:ea typeface="Chiron Sung HK ExtraLight" pitchFamily="2" charset="-128"/>
+              </a:rPr>
+            </a:br>
+            <a:r>
+              <a:rPr lang="en-US" altLang="zh-TW" sz="2400" dirty="0">
+                <a:solidFill>
+                  <a:schemeClr val="accent2"/>
+                </a:solidFill>
+                <a:latin typeface="Chiron Sung HK ExtraLight" pitchFamily="2" charset="-128"/>
+                <a:ea typeface="Chiron Sung HK ExtraLight" pitchFamily="2" charset="-128"/>
+              </a:rPr>
+              <a:t>jit8~4 au7 ho2~1 sio1~7 khuann3.</a:t>
+            </a:r>
+            <a:endParaRPr lang="zh-TW" altLang="en-US" sz="2400" dirty="0">
+              <a:solidFill>
+                <a:schemeClr val="accent2"/>
+              </a:solidFill>
+              <a:latin typeface="Chiron Sung HK ExtraLight" pitchFamily="2" charset="-128"/>
+              <a:ea typeface="Chiron Sung HK ExtraLight" pitchFamily="2" charset="-128"/>
+            </a:endParaRPr>
+          </a:p>
+        </p:txBody>
+      </p:sp>
+      <p:sp>
+        <p:nvSpPr>
+          <p:cNvPr id="5" name="文字方塊 4">
+            <a:extLst>
+              <a:ext uri="{FF2B5EF4-FFF2-40B4-BE49-F238E27FC236}">
+                <a16:creationId xmlns:a16="http://schemas.microsoft.com/office/drawing/2014/main" id="{C8B13AF7-43C2-C1AA-7DD6-7ED7AD53B989}"/>
+              </a:ext>
+            </a:extLst>
+          </p:cNvPr>
+          <p:cNvSpPr txBox="1"/>
+          <p:nvPr/>
+        </p:nvSpPr>
+        <p:spPr>
+          <a:xfrm>
+            <a:off x="217895" y="4000961"/>
+            <a:ext cx="4676322" cy="461665"/>
+          </a:xfrm>
+          <a:prstGeom prst="rect">
+            <a:avLst/>
+          </a:prstGeom>
+          <a:noFill/>
+        </p:spPr>
+        <p:txBody>
+          <a:bodyPr wrap="square" rtlCol="0">
+            <a:spAutoFit/>
+          </a:bodyPr>
+          <a:lstStyle/>
+          <a:p>
+            <a:r>
+              <a:rPr lang="en-US" altLang="zh-TW" sz="2400" dirty="0">
+                <a:latin typeface="Noto Sans TC SemiBold" panose="020B0200000000000000" pitchFamily="34" charset="-128"/>
+                <a:ea typeface="Noto Sans TC SemiBold" panose="020B0200000000000000" pitchFamily="34" charset="-128"/>
+              </a:rPr>
+              <a:t>【</a:t>
+            </a:r>
+            <a:r>
+              <a:rPr lang="zh-TW" altLang="en-US" sz="2400" dirty="0">
+                <a:latin typeface="Noto Sans TC SemiBold" panose="020B0200000000000000" pitchFamily="34" charset="-128"/>
+                <a:ea typeface="Noto Sans TC SemiBold" panose="020B0200000000000000" pitchFamily="34" charset="-128"/>
+              </a:rPr>
+              <a:t>台羅拼音</a:t>
+            </a:r>
+            <a:r>
+              <a:rPr lang="zh-TW" altLang="en-US" sz="2400" dirty="0">
+                <a:solidFill>
+                  <a:srgbClr val="FF0000"/>
+                </a:solidFill>
+                <a:latin typeface="Noto Sans TC SemiBold" panose="020B0200000000000000" pitchFamily="34" charset="-128"/>
+                <a:ea typeface="Noto Sans TC SemiBold" panose="020B0200000000000000" pitchFamily="34" charset="-128"/>
+              </a:rPr>
+              <a:t>用調號標本調</a:t>
+            </a:r>
+            <a:r>
+              <a:rPr lang="en-US" altLang="zh-TW" sz="2400" dirty="0">
+                <a:latin typeface="Noto Sans TC SemiBold" panose="020B0200000000000000" pitchFamily="34" charset="-128"/>
+                <a:ea typeface="Noto Sans TC SemiBold" panose="020B0200000000000000" pitchFamily="34" charset="-128"/>
+              </a:rPr>
+              <a:t>】</a:t>
+            </a:r>
+            <a:r>
+              <a:rPr lang="zh-TW" altLang="en-US" sz="2400" dirty="0">
+                <a:latin typeface="Noto Sans TC SemiBold" panose="020B0200000000000000" pitchFamily="34" charset="-128"/>
+                <a:ea typeface="Noto Sans TC SemiBold" panose="020B0200000000000000" pitchFamily="34" charset="-128"/>
+              </a:rPr>
+              <a:t>：</a:t>
+            </a:r>
+          </a:p>
+        </p:txBody>
+      </p:sp>
+      <p:sp>
+        <p:nvSpPr>
+          <p:cNvPr id="6" name="文字方塊 5">
+            <a:extLst>
+              <a:ext uri="{FF2B5EF4-FFF2-40B4-BE49-F238E27FC236}">
+                <a16:creationId xmlns:a16="http://schemas.microsoft.com/office/drawing/2014/main" id="{38D0EC12-78B6-5443-7186-76B88F5D40BB}"/>
+              </a:ext>
+            </a:extLst>
+          </p:cNvPr>
+          <p:cNvSpPr txBox="1"/>
+          <p:nvPr/>
+        </p:nvSpPr>
+        <p:spPr>
+          <a:xfrm>
+            <a:off x="217895" y="5262931"/>
+            <a:ext cx="4676322" cy="461665"/>
+          </a:xfrm>
+          <a:prstGeom prst="rect">
+            <a:avLst/>
+          </a:prstGeom>
+          <a:noFill/>
+        </p:spPr>
+        <p:txBody>
+          <a:bodyPr wrap="square" rtlCol="0">
+            <a:spAutoFit/>
+          </a:bodyPr>
+          <a:lstStyle/>
+          <a:p>
+            <a:r>
+              <a:rPr lang="en-US" altLang="zh-TW" sz="2400" dirty="0">
+                <a:latin typeface="Noto Sans TC SemiBold" panose="020B0200000000000000" pitchFamily="34" charset="-128"/>
+                <a:ea typeface="Noto Sans TC SemiBold" panose="020B0200000000000000" pitchFamily="34" charset="-128"/>
+              </a:rPr>
+              <a:t>【</a:t>
+            </a:r>
+            <a:r>
+              <a:rPr lang="zh-TW" altLang="en-US" sz="2400" dirty="0">
+                <a:latin typeface="Noto Sans TC SemiBold" panose="020B0200000000000000" pitchFamily="34" charset="-128"/>
+                <a:ea typeface="Noto Sans TC SemiBold" panose="020B0200000000000000" pitchFamily="34" charset="-128"/>
+              </a:rPr>
+              <a:t>台羅拼音</a:t>
+            </a:r>
+            <a:r>
+              <a:rPr lang="zh-TW" altLang="en-US" sz="2400" dirty="0">
+                <a:solidFill>
+                  <a:srgbClr val="FF0000"/>
+                </a:solidFill>
+                <a:latin typeface="Noto Sans TC SemiBold" panose="020B0200000000000000" pitchFamily="34" charset="-128"/>
+                <a:ea typeface="Noto Sans TC SemiBold" panose="020B0200000000000000" pitchFamily="34" charset="-128"/>
+              </a:rPr>
+              <a:t>用調號標變調</a:t>
+            </a:r>
+            <a:r>
+              <a:rPr lang="en-US" altLang="zh-TW" sz="2400" dirty="0">
+                <a:latin typeface="Noto Sans TC SemiBold" panose="020B0200000000000000" pitchFamily="34" charset="-128"/>
+                <a:ea typeface="Noto Sans TC SemiBold" panose="020B0200000000000000" pitchFamily="34" charset="-128"/>
+              </a:rPr>
+              <a:t>】</a:t>
+            </a:r>
+            <a:r>
+              <a:rPr lang="zh-TW" altLang="en-US" sz="2400" dirty="0">
+                <a:latin typeface="Noto Sans TC SemiBold" panose="020B0200000000000000" pitchFamily="34" charset="-128"/>
+                <a:ea typeface="Noto Sans TC SemiBold" panose="020B0200000000000000" pitchFamily="34" charset="-128"/>
+              </a:rPr>
+              <a:t>：</a:t>
+            </a:r>
+          </a:p>
+        </p:txBody>
+      </p:sp>
+      <p:sp>
+        <p:nvSpPr>
+          <p:cNvPr id="8" name="文字方塊 7">
+            <a:extLst>
+              <a:ext uri="{FF2B5EF4-FFF2-40B4-BE49-F238E27FC236}">
+                <a16:creationId xmlns:a16="http://schemas.microsoft.com/office/drawing/2014/main" id="{7AF22ACE-C733-83B6-77AA-9D90A4CF77A6}"/>
+              </a:ext>
+            </a:extLst>
+          </p:cNvPr>
+          <p:cNvSpPr txBox="1"/>
+          <p:nvPr/>
+        </p:nvSpPr>
+        <p:spPr>
+          <a:xfrm>
+            <a:off x="476250" y="7378683"/>
+            <a:ext cx="5830388" cy="646331"/>
+          </a:xfrm>
+          <a:prstGeom prst="rect">
+            <a:avLst/>
+          </a:prstGeom>
+          <a:noFill/>
+        </p:spPr>
+        <p:txBody>
+          <a:bodyPr wrap="square" rtlCol="0">
+            <a:spAutoFit/>
+          </a:bodyPr>
+          <a:lstStyle/>
+          <a:p>
+            <a:r>
+              <a:rPr lang="zh-TW" altLang="en-US" sz="3600" dirty="0">
+                <a:solidFill>
+                  <a:srgbClr val="0070C0"/>
+                </a:solidFill>
+                <a:latin typeface="Noto Serif TC Black" panose="02020200000000000000" pitchFamily="18" charset="-128"/>
+                <a:ea typeface="Noto Serif TC Black" panose="02020200000000000000" pitchFamily="18" charset="-128"/>
+              </a:rPr>
+              <a:t>三百六十行，行行出狀元。</a:t>
+            </a:r>
+          </a:p>
+        </p:txBody>
+      </p:sp>
+      <p:sp>
+        <p:nvSpPr>
+          <p:cNvPr id="9" name="文字方塊 8">
+            <a:extLst>
+              <a:ext uri="{FF2B5EF4-FFF2-40B4-BE49-F238E27FC236}">
+                <a16:creationId xmlns:a16="http://schemas.microsoft.com/office/drawing/2014/main" id="{2D57FA94-007F-0AF6-90AC-951592D436D2}"/>
+              </a:ext>
+            </a:extLst>
+          </p:cNvPr>
+          <p:cNvSpPr txBox="1"/>
+          <p:nvPr/>
+        </p:nvSpPr>
+        <p:spPr>
+          <a:xfrm>
+            <a:off x="476250" y="9643365"/>
+            <a:ext cx="5830388" cy="830997"/>
+          </a:xfrm>
+          <a:prstGeom prst="rect">
+            <a:avLst/>
+          </a:prstGeom>
+          <a:noFill/>
+        </p:spPr>
+        <p:txBody>
+          <a:bodyPr wrap="square" rtlCol="0">
+            <a:spAutoFit/>
+          </a:bodyPr>
+          <a:lstStyle/>
+          <a:p>
+            <a:r>
+              <a:rPr lang="en-US" altLang="zh-TW" sz="2400" dirty="0">
+                <a:solidFill>
+                  <a:srgbClr val="7030A0"/>
+                </a:solidFill>
+                <a:latin typeface="Chiron Sung HK ExtraLight" pitchFamily="2" charset="-128"/>
+                <a:ea typeface="Chiron Sung HK ExtraLight" pitchFamily="2" charset="-128"/>
+              </a:rPr>
+              <a:t>Sann1-pah4 lak8-tsap8 hang5,</a:t>
+            </a:r>
+            <a:br>
+              <a:rPr lang="en-US" altLang="zh-TW" sz="2400" dirty="0">
+                <a:solidFill>
+                  <a:srgbClr val="7030A0"/>
+                </a:solidFill>
+                <a:latin typeface="Chiron Sung HK ExtraLight" pitchFamily="2" charset="-128"/>
+                <a:ea typeface="Chiron Sung HK ExtraLight" pitchFamily="2" charset="-128"/>
+              </a:rPr>
+            </a:br>
+            <a:r>
+              <a:rPr lang="en-US" altLang="zh-TW" sz="2400" dirty="0">
+                <a:solidFill>
+                  <a:srgbClr val="7030A0"/>
+                </a:solidFill>
+                <a:latin typeface="Chiron Sung HK ExtraLight" pitchFamily="2" charset="-128"/>
+                <a:ea typeface="Chiron Sung HK ExtraLight" pitchFamily="2" charset="-128"/>
+              </a:rPr>
+              <a:t>hang-hang5 tshut4 tsiong7-guan5.</a:t>
+            </a:r>
+            <a:endParaRPr lang="zh-TW" altLang="en-US" sz="2400" dirty="0">
+              <a:solidFill>
+                <a:srgbClr val="7030A0"/>
+              </a:solidFill>
+              <a:latin typeface="Chiron Sung HK ExtraLight" pitchFamily="2" charset="-128"/>
+              <a:ea typeface="Chiron Sung HK ExtraLight" pitchFamily="2" charset="-128"/>
+            </a:endParaRPr>
+          </a:p>
+        </p:txBody>
+      </p:sp>
+      <p:sp>
+        <p:nvSpPr>
+          <p:cNvPr id="10" name="文字方塊 9">
+            <a:extLst>
+              <a:ext uri="{FF2B5EF4-FFF2-40B4-BE49-F238E27FC236}">
+                <a16:creationId xmlns:a16="http://schemas.microsoft.com/office/drawing/2014/main" id="{15C37831-BB78-7CB5-3AD2-C8F5C5E1225E}"/>
+              </a:ext>
+            </a:extLst>
+          </p:cNvPr>
+          <p:cNvSpPr txBox="1"/>
+          <p:nvPr/>
+        </p:nvSpPr>
+        <p:spPr>
+          <a:xfrm>
+            <a:off x="476250" y="10933335"/>
+            <a:ext cx="6002927" cy="830997"/>
+          </a:xfrm>
+          <a:prstGeom prst="rect">
+            <a:avLst/>
+          </a:prstGeom>
+          <a:noFill/>
+        </p:spPr>
+        <p:txBody>
+          <a:bodyPr wrap="square" rtlCol="0">
+            <a:spAutoFit/>
+          </a:bodyPr>
+          <a:lstStyle/>
+          <a:p>
+            <a:r>
+              <a:rPr lang="en-US" altLang="zh-TW" sz="2400" dirty="0">
+                <a:solidFill>
+                  <a:schemeClr val="accent2"/>
+                </a:solidFill>
+                <a:latin typeface="Chiron Sung HK ExtraLight" pitchFamily="2" charset="-128"/>
+                <a:ea typeface="Chiron Sung HK ExtraLight" pitchFamily="2" charset="-128"/>
+              </a:rPr>
+              <a:t>Sann1~7 pah4~2 lak8~4 tsap8~4 hang5, </a:t>
+            </a:r>
+            <a:br>
+              <a:rPr lang="en-US" altLang="zh-TW" sz="2400">
+                <a:solidFill>
+                  <a:schemeClr val="accent2"/>
+                </a:solidFill>
+                <a:latin typeface="Chiron Sung HK ExtraLight" pitchFamily="2" charset="-128"/>
+                <a:ea typeface="Chiron Sung HK ExtraLight" pitchFamily="2" charset="-128"/>
+              </a:rPr>
+            </a:br>
+            <a:r>
+              <a:rPr lang="en-US" altLang="zh-TW" sz="2400">
+                <a:solidFill>
+                  <a:schemeClr val="accent2"/>
+                </a:solidFill>
+                <a:latin typeface="Chiron Sung HK ExtraLight" pitchFamily="2" charset="-128"/>
+                <a:ea typeface="Chiron Sung HK ExtraLight" pitchFamily="2" charset="-128"/>
+              </a:rPr>
+              <a:t>hang5~7 hang5 tshut4~8 tsiong7~3 guan5.</a:t>
+            </a:r>
+            <a:endParaRPr lang="zh-TW" altLang="en-US" sz="2400" dirty="0">
+              <a:solidFill>
+                <a:schemeClr val="accent2"/>
+              </a:solidFill>
+              <a:latin typeface="Chiron Sung HK ExtraLight" pitchFamily="2" charset="-128"/>
+              <a:ea typeface="Chiron Sung HK ExtraLight" pitchFamily="2" charset="-128"/>
+            </a:endParaRPr>
+          </a:p>
+        </p:txBody>
+      </p:sp>
+      <p:sp>
+        <p:nvSpPr>
+          <p:cNvPr id="11" name="文字方塊 10">
+            <a:extLst>
+              <a:ext uri="{FF2B5EF4-FFF2-40B4-BE49-F238E27FC236}">
+                <a16:creationId xmlns:a16="http://schemas.microsoft.com/office/drawing/2014/main" id="{7D3FA136-174E-3949-6DFD-378133D57ABF}"/>
+              </a:ext>
+            </a:extLst>
+          </p:cNvPr>
+          <p:cNvSpPr txBox="1"/>
+          <p:nvPr/>
+        </p:nvSpPr>
+        <p:spPr>
+          <a:xfrm>
+            <a:off x="217895" y="8078918"/>
+            <a:ext cx="3259818" cy="461665"/>
+          </a:xfrm>
+          <a:prstGeom prst="rect">
+            <a:avLst/>
+          </a:prstGeom>
+          <a:noFill/>
+        </p:spPr>
+        <p:txBody>
+          <a:bodyPr wrap="square" rtlCol="0">
+            <a:spAutoFit/>
+          </a:bodyPr>
+          <a:lstStyle/>
+          <a:p>
+            <a:r>
+              <a:rPr lang="en-US" altLang="zh-TW" sz="2400" dirty="0">
+                <a:latin typeface="Noto Sans TC SemiBold" panose="020B0200000000000000" pitchFamily="34" charset="-128"/>
+                <a:ea typeface="Noto Sans TC SemiBold" panose="020B0200000000000000" pitchFamily="34" charset="-128"/>
+              </a:rPr>
+              <a:t>【</a:t>
+            </a:r>
+            <a:r>
+              <a:rPr lang="zh-TW" altLang="en-US" sz="2400" dirty="0">
+                <a:latin typeface="Noto Sans TC SemiBold" panose="020B0200000000000000" pitchFamily="34" charset="-128"/>
+                <a:ea typeface="Noto Sans TC SemiBold" panose="020B0200000000000000" pitchFamily="34" charset="-128"/>
+              </a:rPr>
+              <a:t>台羅拼音</a:t>
+            </a:r>
+            <a:r>
+              <a:rPr lang="en-US" altLang="zh-TW" sz="2400" dirty="0">
+                <a:latin typeface="Noto Sans TC SemiBold" panose="020B0200000000000000" pitchFamily="34" charset="-128"/>
+                <a:ea typeface="Noto Sans TC SemiBold" panose="020B0200000000000000" pitchFamily="34" charset="-128"/>
+              </a:rPr>
+              <a:t>】</a:t>
+            </a:r>
+            <a:r>
+              <a:rPr lang="zh-TW" altLang="en-US" sz="2400" dirty="0">
+                <a:latin typeface="Noto Sans TC SemiBold" panose="020B0200000000000000" pitchFamily="34" charset="-128"/>
+                <a:ea typeface="Noto Sans TC SemiBold" panose="020B0200000000000000" pitchFamily="34" charset="-128"/>
+              </a:rPr>
+              <a:t>：</a:t>
+            </a:r>
+          </a:p>
+        </p:txBody>
+      </p:sp>
+      <p:sp>
+        <p:nvSpPr>
+          <p:cNvPr id="12" name="文字方塊 11">
+            <a:extLst>
+              <a:ext uri="{FF2B5EF4-FFF2-40B4-BE49-F238E27FC236}">
+                <a16:creationId xmlns:a16="http://schemas.microsoft.com/office/drawing/2014/main" id="{57D514EA-5E04-861A-60EA-287DF7A756E1}"/>
+              </a:ext>
+            </a:extLst>
+          </p:cNvPr>
+          <p:cNvSpPr txBox="1"/>
+          <p:nvPr/>
+        </p:nvSpPr>
+        <p:spPr>
+          <a:xfrm>
+            <a:off x="217895" y="10574432"/>
+            <a:ext cx="4789534" cy="461665"/>
+          </a:xfrm>
+          <a:prstGeom prst="rect">
+            <a:avLst/>
+          </a:prstGeom>
+          <a:noFill/>
+        </p:spPr>
+        <p:txBody>
+          <a:bodyPr wrap="square" rtlCol="0">
+            <a:spAutoFit/>
+          </a:bodyPr>
+          <a:lstStyle/>
+          <a:p>
+            <a:r>
+              <a:rPr lang="en-US" altLang="zh-TW" sz="2400" dirty="0">
+                <a:latin typeface="Noto Sans TC SemiBold" panose="020B0200000000000000" pitchFamily="34" charset="-128"/>
+                <a:ea typeface="Noto Sans TC SemiBold" panose="020B0200000000000000" pitchFamily="34" charset="-128"/>
+              </a:rPr>
+              <a:t>【</a:t>
+            </a:r>
+            <a:r>
+              <a:rPr lang="zh-TW" altLang="en-US" sz="2400" dirty="0">
+                <a:latin typeface="Noto Sans TC SemiBold" panose="020B0200000000000000" pitchFamily="34" charset="-128"/>
+                <a:ea typeface="Noto Sans TC SemiBold" panose="020B0200000000000000" pitchFamily="34" charset="-128"/>
+              </a:rPr>
+              <a:t>台羅拼音</a:t>
+            </a:r>
+            <a:r>
+              <a:rPr lang="zh-TW" altLang="en-US" sz="2400" dirty="0">
+                <a:solidFill>
+                  <a:srgbClr val="FF0000"/>
+                </a:solidFill>
+                <a:latin typeface="Noto Sans TC SemiBold" panose="020B0200000000000000" pitchFamily="34" charset="-128"/>
+                <a:ea typeface="Noto Sans TC SemiBold" panose="020B0200000000000000" pitchFamily="34" charset="-128"/>
+              </a:rPr>
+              <a:t>用調號標變調</a:t>
+            </a:r>
+            <a:r>
+              <a:rPr lang="en-US" altLang="zh-TW" sz="2400" dirty="0">
+                <a:latin typeface="Noto Sans TC SemiBold" panose="020B0200000000000000" pitchFamily="34" charset="-128"/>
+                <a:ea typeface="Noto Sans TC SemiBold" panose="020B0200000000000000" pitchFamily="34" charset="-128"/>
+              </a:rPr>
+              <a:t>】</a:t>
+            </a:r>
+            <a:r>
+              <a:rPr lang="zh-TW" altLang="en-US" sz="2400" dirty="0">
+                <a:latin typeface="Noto Sans TC SemiBold" panose="020B0200000000000000" pitchFamily="34" charset="-128"/>
+                <a:ea typeface="Noto Sans TC SemiBold" panose="020B0200000000000000" pitchFamily="34" charset="-128"/>
+              </a:rPr>
+              <a:t>：</a:t>
+            </a:r>
+          </a:p>
+        </p:txBody>
+      </p:sp>
+      <p:sp>
+        <p:nvSpPr>
+          <p:cNvPr id="14" name="文字方塊 13">
+            <a:extLst>
+              <a:ext uri="{FF2B5EF4-FFF2-40B4-BE49-F238E27FC236}">
+                <a16:creationId xmlns:a16="http://schemas.microsoft.com/office/drawing/2014/main" id="{D856A1FE-0B41-43DE-B7CA-05C84E807B0B}"/>
+              </a:ext>
+            </a:extLst>
+          </p:cNvPr>
+          <p:cNvSpPr txBox="1"/>
+          <p:nvPr/>
+        </p:nvSpPr>
+        <p:spPr>
+          <a:xfrm>
+            <a:off x="217895" y="9312462"/>
+            <a:ext cx="4240894" cy="461665"/>
+          </a:xfrm>
+          <a:prstGeom prst="rect">
+            <a:avLst/>
+          </a:prstGeom>
+          <a:noFill/>
+        </p:spPr>
+        <p:txBody>
+          <a:bodyPr wrap="square" rtlCol="0">
+            <a:spAutoFit/>
+          </a:bodyPr>
+          <a:lstStyle/>
+          <a:p>
+            <a:r>
+              <a:rPr lang="en-US" altLang="zh-TW" sz="2400" dirty="0">
+                <a:latin typeface="Noto Sans TC SemiBold" panose="020B0200000000000000" pitchFamily="34" charset="-128"/>
+                <a:ea typeface="Noto Sans TC SemiBold" panose="020B0200000000000000" pitchFamily="34" charset="-128"/>
+              </a:rPr>
+              <a:t>【</a:t>
+            </a:r>
+            <a:r>
+              <a:rPr lang="zh-TW" altLang="en-US" sz="2400" dirty="0">
+                <a:latin typeface="Noto Sans TC SemiBold" panose="020B0200000000000000" pitchFamily="34" charset="-128"/>
+                <a:ea typeface="Noto Sans TC SemiBold" panose="020B0200000000000000" pitchFamily="34" charset="-128"/>
+              </a:rPr>
+              <a:t>台羅拼音</a:t>
+            </a:r>
+            <a:r>
+              <a:rPr lang="zh-TW" altLang="en-US" sz="2400" dirty="0">
+                <a:solidFill>
+                  <a:srgbClr val="FF0000"/>
+                </a:solidFill>
+                <a:latin typeface="Noto Sans TC SemiBold" panose="020B0200000000000000" pitchFamily="34" charset="-128"/>
+                <a:ea typeface="Noto Sans TC SemiBold" panose="020B0200000000000000" pitchFamily="34" charset="-128"/>
+              </a:rPr>
+              <a:t>用調號標本調</a:t>
+            </a:r>
+            <a:r>
+              <a:rPr lang="en-US" altLang="zh-TW" sz="2400" dirty="0">
+                <a:latin typeface="Noto Sans TC SemiBold" panose="020B0200000000000000" pitchFamily="34" charset="-128"/>
+                <a:ea typeface="Noto Sans TC SemiBold" panose="020B0200000000000000" pitchFamily="34" charset="-128"/>
+              </a:rPr>
+              <a:t>】</a:t>
+            </a:r>
+            <a:r>
+              <a:rPr lang="zh-TW" altLang="en-US" sz="2400" dirty="0">
+                <a:latin typeface="Noto Sans TC SemiBold" panose="020B0200000000000000" pitchFamily="34" charset="-128"/>
+                <a:ea typeface="Noto Sans TC SemiBold" panose="020B0200000000000000" pitchFamily="34" charset="-128"/>
+              </a:rPr>
+              <a:t>：</a:t>
+            </a:r>
+          </a:p>
+        </p:txBody>
+      </p:sp>
+      <p:sp>
+        <p:nvSpPr>
+          <p:cNvPr id="15" name="文字方塊 14">
+            <a:extLst>
+              <a:ext uri="{FF2B5EF4-FFF2-40B4-BE49-F238E27FC236}">
+                <a16:creationId xmlns:a16="http://schemas.microsoft.com/office/drawing/2014/main" id="{BB2E15B6-F50A-E4A7-F884-8EBF9D9BF943}"/>
+              </a:ext>
+            </a:extLst>
+          </p:cNvPr>
+          <p:cNvSpPr txBox="1"/>
+          <p:nvPr/>
+        </p:nvSpPr>
+        <p:spPr>
+          <a:xfrm>
+            <a:off x="441325" y="8391654"/>
+            <a:ext cx="5830388" cy="830997"/>
+          </a:xfrm>
+          <a:prstGeom prst="rect">
+            <a:avLst/>
+          </a:prstGeom>
+          <a:noFill/>
+        </p:spPr>
+        <p:txBody>
+          <a:bodyPr wrap="square" rtlCol="0">
+            <a:spAutoFit/>
+          </a:bodyPr>
+          <a:lstStyle/>
+          <a:p>
+            <a:r>
+              <a:rPr lang="en-US" altLang="zh-TW" sz="2400" dirty="0">
+                <a:solidFill>
+                  <a:srgbClr val="7030A0"/>
+                </a:solidFill>
+                <a:latin typeface="Chiron Sung HK ExtraLight" pitchFamily="2" charset="-128"/>
+                <a:ea typeface="Chiron Sung HK ExtraLight" pitchFamily="2" charset="-128"/>
+              </a:rPr>
+              <a:t>Sann-</a:t>
+            </a:r>
+            <a:r>
+              <a:rPr lang="en-US" altLang="zh-TW" sz="2400" dirty="0" err="1">
+                <a:solidFill>
+                  <a:srgbClr val="7030A0"/>
+                </a:solidFill>
+                <a:latin typeface="Chiron Sung HK ExtraLight" pitchFamily="2" charset="-128"/>
+                <a:ea typeface="Chiron Sung HK ExtraLight" pitchFamily="2" charset="-128"/>
+              </a:rPr>
+              <a:t>pah</a:t>
+            </a:r>
+            <a:r>
+              <a:rPr lang="en-US" altLang="zh-TW" sz="2400" dirty="0">
+                <a:solidFill>
+                  <a:srgbClr val="7030A0"/>
+                </a:solidFill>
+                <a:latin typeface="Chiron Sung HK ExtraLight" pitchFamily="2" charset="-128"/>
+                <a:ea typeface="Chiron Sung HK ExtraLight" pitchFamily="2" charset="-128"/>
+              </a:rPr>
+              <a:t> la̍k-tsa̍p hâng ,</a:t>
+            </a:r>
+          </a:p>
+          <a:p>
+            <a:r>
+              <a:rPr lang="en-US" altLang="zh-TW" sz="2400" dirty="0">
+                <a:solidFill>
+                  <a:srgbClr val="7030A0"/>
+                </a:solidFill>
+                <a:latin typeface="Chiron Sung HK ExtraLight" pitchFamily="2" charset="-128"/>
+                <a:ea typeface="Chiron Sung HK ExtraLight" pitchFamily="2" charset="-128"/>
+              </a:rPr>
+              <a:t>hâng-hâng tshut tsiōng-guân.</a:t>
+            </a:r>
+            <a:endParaRPr lang="zh-TW" altLang="en-US" sz="2400" dirty="0">
+              <a:solidFill>
+                <a:srgbClr val="7030A0"/>
+              </a:solidFill>
+              <a:latin typeface="Chiron Sung HK ExtraLight" pitchFamily="2" charset="-128"/>
+              <a:ea typeface="Chiron Sung HK ExtraLight" pitchFamily="2" charset="-128"/>
+            </a:endParaRPr>
+          </a:p>
+        </p:txBody>
+      </p:sp>
+      <p:sp>
+        <p:nvSpPr>
+          <p:cNvPr id="16" name="文字方塊 15">
+            <a:extLst>
+              <a:ext uri="{FF2B5EF4-FFF2-40B4-BE49-F238E27FC236}">
+                <a16:creationId xmlns:a16="http://schemas.microsoft.com/office/drawing/2014/main" id="{C4CC40AA-3A9D-800E-19D0-A7E522BED571}"/>
+              </a:ext>
+            </a:extLst>
+          </p:cNvPr>
+          <p:cNvSpPr txBox="1"/>
+          <p:nvPr/>
+        </p:nvSpPr>
+        <p:spPr>
+          <a:xfrm>
+            <a:off x="217895" y="2865345"/>
+            <a:ext cx="3259818" cy="461665"/>
+          </a:xfrm>
+          <a:prstGeom prst="rect">
+            <a:avLst/>
+          </a:prstGeom>
+          <a:noFill/>
+        </p:spPr>
+        <p:txBody>
+          <a:bodyPr wrap="square" rtlCol="0">
+            <a:spAutoFit/>
+          </a:bodyPr>
+          <a:lstStyle/>
+          <a:p>
+            <a:r>
+              <a:rPr lang="en-US" altLang="zh-TW" sz="2400" dirty="0">
+                <a:latin typeface="Noto Sans TC SemiBold" panose="020B0200000000000000" pitchFamily="34" charset="-128"/>
+                <a:ea typeface="Noto Sans TC SemiBold" panose="020B0200000000000000" pitchFamily="34" charset="-128"/>
+              </a:rPr>
+              <a:t>【</a:t>
+            </a:r>
+            <a:r>
+              <a:rPr lang="zh-TW" altLang="en-US" sz="2400" dirty="0">
+                <a:latin typeface="Noto Sans TC SemiBold" panose="020B0200000000000000" pitchFamily="34" charset="-128"/>
+                <a:ea typeface="Noto Sans TC SemiBold" panose="020B0200000000000000" pitchFamily="34" charset="-128"/>
+              </a:rPr>
+              <a:t>台羅拼音</a:t>
+            </a:r>
+            <a:r>
+              <a:rPr lang="en-US" altLang="zh-TW" sz="2400" dirty="0">
+                <a:latin typeface="Noto Sans TC SemiBold" panose="020B0200000000000000" pitchFamily="34" charset="-128"/>
+                <a:ea typeface="Noto Sans TC SemiBold" panose="020B0200000000000000" pitchFamily="34" charset="-128"/>
+              </a:rPr>
+              <a:t>】</a:t>
+            </a:r>
+            <a:r>
+              <a:rPr lang="zh-TW" altLang="en-US" sz="2400" dirty="0">
+                <a:latin typeface="Noto Sans TC SemiBold" panose="020B0200000000000000" pitchFamily="34" charset="-128"/>
+                <a:ea typeface="Noto Sans TC SemiBold" panose="020B0200000000000000" pitchFamily="34" charset="-128"/>
+              </a:rPr>
+              <a:t>：</a:t>
+            </a:r>
+          </a:p>
+        </p:txBody>
+      </p:sp>
+      <p:sp>
+        <p:nvSpPr>
+          <p:cNvPr id="17" name="文字方塊 16">
+            <a:extLst>
+              <a:ext uri="{FF2B5EF4-FFF2-40B4-BE49-F238E27FC236}">
+                <a16:creationId xmlns:a16="http://schemas.microsoft.com/office/drawing/2014/main" id="{14BF1160-8D41-FDD8-1D82-D8BF9819C7D3}"/>
+              </a:ext>
+            </a:extLst>
+          </p:cNvPr>
+          <p:cNvSpPr txBox="1"/>
+          <p:nvPr/>
+        </p:nvSpPr>
+        <p:spPr>
+          <a:xfrm>
+            <a:off x="441325" y="3178081"/>
+            <a:ext cx="5830388" cy="830997"/>
+          </a:xfrm>
+          <a:prstGeom prst="rect">
+            <a:avLst/>
+          </a:prstGeom>
+          <a:noFill/>
+        </p:spPr>
+        <p:txBody>
+          <a:bodyPr wrap="square" rtlCol="0">
+            <a:spAutoFit/>
+          </a:bodyPr>
+          <a:lstStyle/>
+          <a:p>
+            <a:r>
+              <a:rPr lang="en-US" altLang="zh-TW" sz="2400" dirty="0">
+                <a:solidFill>
+                  <a:srgbClr val="7030A0"/>
+                </a:solidFill>
+                <a:latin typeface="Chiron Sung HK ExtraLight" pitchFamily="2" charset="-128"/>
+                <a:ea typeface="Chiron Sung HK ExtraLight" pitchFamily="2" charset="-128"/>
+              </a:rPr>
+              <a:t>Jîn-tsîng lâu tsi̍t suànn,</a:t>
+            </a:r>
+            <a:br>
+              <a:rPr lang="en-US" altLang="zh-TW" sz="2400" dirty="0">
+                <a:solidFill>
+                  <a:srgbClr val="7030A0"/>
+                </a:solidFill>
+                <a:latin typeface="Chiron Sung HK ExtraLight" pitchFamily="2" charset="-128"/>
+                <a:ea typeface="Chiron Sung HK ExtraLight" pitchFamily="2" charset="-128"/>
+              </a:rPr>
+            </a:br>
+            <a:r>
+              <a:rPr lang="en-US" altLang="zh-TW" sz="2400" dirty="0">
+                <a:solidFill>
+                  <a:srgbClr val="7030A0"/>
+                </a:solidFill>
+                <a:latin typeface="Chiron Sung HK ExtraLight" pitchFamily="2" charset="-128"/>
+                <a:ea typeface="Chiron Sung HK ExtraLight" pitchFamily="2" charset="-128"/>
+              </a:rPr>
+              <a:t>ji̍t-āu hó sio khuànn.</a:t>
+            </a:r>
+            <a:endParaRPr lang="zh-TW" altLang="en-US" sz="2400" dirty="0">
+              <a:solidFill>
+                <a:srgbClr val="7030A0"/>
+              </a:solidFill>
+              <a:latin typeface="Chiron Sung HK ExtraLight" pitchFamily="2" charset="-128"/>
+              <a:ea typeface="Chiron Sung HK ExtraLight" pitchFamily="2" charset="-128"/>
+            </a:endParaRPr>
+          </a:p>
+        </p:txBody>
+      </p:sp>
+    </p:spTree>
+    <p:extLst>
+      <p:ext uri="{BB962C8B-B14F-4D97-AF65-F5344CB8AC3E}">
+        <p14:creationId xmlns:p14="http://schemas.microsoft.com/office/powerpoint/2010/main" val="467180164"/>
+      </p:ext>
+    </p:extLst>
+  </p:cSld>
+  <p:clrMapOvr>
+    <a:masterClrMapping/>
+  </p:clrMapOvr>
+</p:sld>
+</file>
+
+<file path=ppt/slides/slide3.xml><?xml version="1.0" encoding="utf-8"?>
+<p:sld xmlns:a="http://schemas.openxmlformats.org/drawingml/2006/main" xmlns:r="http://schemas.openxmlformats.org/officeDocument/2006/relationships" xmlns:p="http://schemas.openxmlformats.org/presentationml/2006/main">
+  <p:cSld>
+    <p:spTree>
+      <p:nvGrpSpPr>
+        <p:cNvPr id="1" name="">
+          <a:extLst>
+            <a:ext uri="{FF2B5EF4-FFF2-40B4-BE49-F238E27FC236}">
+              <a16:creationId xmlns:a16="http://schemas.microsoft.com/office/drawing/2014/main" id="{7511E677-309A-15E1-6359-B7FD01BD154A}"/>
+            </a:ext>
+          </a:extLst>
+        </p:cNvPr>
+        <p:cNvGrpSpPr/>
+        <p:nvPr/>
+      </p:nvGrpSpPr>
+      <p:grpSpPr>
+        <a:xfrm>
+          <a:off x="0" y="0"/>
+          <a:ext cx="0" cy="0"/>
+          <a:chOff x="0" y="0"/>
+          <a:chExt cx="0" cy="0"/>
+        </a:xfrm>
+      </p:grpSpPr>
+      <p:sp>
+        <p:nvSpPr>
+          <p:cNvPr id="7" name="標題 6">
+            <a:extLst>
+              <a:ext uri="{FF2B5EF4-FFF2-40B4-BE49-F238E27FC236}">
+                <a16:creationId xmlns:a16="http://schemas.microsoft.com/office/drawing/2014/main" id="{390B4DA8-FDE8-201F-361E-84D9C0D0853B}"/>
+              </a:ext>
+            </a:extLst>
+          </p:cNvPr>
+          <p:cNvSpPr>
+            <a:spLocks noGrp="1"/>
+          </p:cNvSpPr>
+          <p:nvPr>
+            <p:ph type="title"/>
+          </p:nvPr>
+        </p:nvSpPr>
+        <p:spPr>
+          <a:xfrm>
+            <a:off x="237490" y="885138"/>
+            <a:ext cx="3482149" cy="509524"/>
+          </a:xfrm>
+        </p:spPr>
+        <p:txBody>
+          <a:bodyPr vert="horz" lIns="60960" tIns="30480" rIns="60960" bIns="30480" rtlCol="0" anchor="b">
+            <a:normAutofit/>
+          </a:bodyPr>
+          <a:lstStyle/>
+          <a:p>
+            <a:r>
+              <a:rPr lang="zh-TW" altLang="en-US" dirty="0">
+                <a:latin typeface="Noto Serif TC Black" panose="02020200000000000000" pitchFamily="18" charset="-128"/>
+                <a:ea typeface="Noto Serif TC Black" panose="02020200000000000000" pitchFamily="18" charset="-128"/>
+              </a:rPr>
+              <a:t>漢字標音</a:t>
+            </a:r>
+          </a:p>
+        </p:txBody>
+      </p:sp>
+      <p:sp>
+        <p:nvSpPr>
+          <p:cNvPr id="14" name="文字方塊 13">
+            <a:extLst>
+              <a:ext uri="{FF2B5EF4-FFF2-40B4-BE49-F238E27FC236}">
+                <a16:creationId xmlns:a16="http://schemas.microsoft.com/office/drawing/2014/main" id="{FAAAB036-A6D1-C811-22C0-BCA29211CE47}"/>
+              </a:ext>
+            </a:extLst>
+          </p:cNvPr>
+          <p:cNvSpPr txBox="1"/>
+          <p:nvPr/>
+        </p:nvSpPr>
+        <p:spPr>
+          <a:xfrm>
+            <a:off x="2722964" y="5229117"/>
+            <a:ext cx="1362774" cy="1405641"/>
+          </a:xfrm>
+          <a:prstGeom prst="rect">
+            <a:avLst/>
+          </a:prstGeom>
+          <a:noFill/>
+        </p:spPr>
+        <p:txBody>
+          <a:bodyPr wrap="square" rtlCol="0">
+            <a:spAutoFit/>
+          </a:bodyPr>
+          <a:lstStyle/>
+          <a:p>
+            <a:pPr algn="just"/>
+            <a:r>
+              <a:rPr lang="zh-TW" altLang="en-US" sz="8534" dirty="0">
+                <a:latin typeface="Noto Serif TC Black" panose="02020200000000000000" pitchFamily="18" charset="-128"/>
+                <a:ea typeface="Noto Serif TC Black" panose="02020200000000000000" pitchFamily="18" charset="-128"/>
+              </a:rPr>
+              <a:t>洞</a:t>
+            </a:r>
+          </a:p>
+        </p:txBody>
+      </p:sp>
+      <p:sp>
+        <p:nvSpPr>
+          <p:cNvPr id="20" name="文字方塊 19">
+            <a:extLst>
+              <a:ext uri="{FF2B5EF4-FFF2-40B4-BE49-F238E27FC236}">
+                <a16:creationId xmlns:a16="http://schemas.microsoft.com/office/drawing/2014/main" id="{58FA5F53-AB84-6D04-29CB-F3B218927BE2}"/>
+              </a:ext>
+            </a:extLst>
+          </p:cNvPr>
+          <p:cNvSpPr txBox="1"/>
+          <p:nvPr/>
+        </p:nvSpPr>
+        <p:spPr>
+          <a:xfrm>
+            <a:off x="619125" y="9846310"/>
+            <a:ext cx="6134826" cy="1723549"/>
+          </a:xfrm>
+          <a:prstGeom prst="rect">
+            <a:avLst/>
+          </a:prstGeom>
+          <a:noFill/>
+        </p:spPr>
+        <p:txBody>
+          <a:bodyPr wrap="square" rtlCol="0">
+            <a:spAutoFit/>
+          </a:bodyPr>
+          <a:lstStyle/>
+          <a:p>
+            <a:pPr marL="381019" indent="-381019">
+              <a:spcBef>
+                <a:spcPts val="400"/>
+              </a:spcBef>
+              <a:buFont typeface="Arial" panose="020B0604020202020204" pitchFamily="34" charset="0"/>
+              <a:buChar char="•"/>
+            </a:pPr>
+            <a:r>
+              <a:rPr lang="zh-TW" altLang="en-US" sz="2400" dirty="0">
+                <a:latin typeface="Noto Sans TC Medium" panose="020B0200000000000000" pitchFamily="34" charset="-128"/>
+                <a:ea typeface="Noto Sans TC Medium" panose="020B0200000000000000" pitchFamily="34" charset="-128"/>
+              </a:rPr>
+              <a:t>台羅拼音：</a:t>
+            </a:r>
+            <a:r>
+              <a:rPr lang="en-US" altLang="zh-TW" sz="2400" dirty="0">
+                <a:latin typeface="Noto Sans TC Medium" panose="020B0200000000000000" pitchFamily="34" charset="-128"/>
+                <a:ea typeface="Noto Sans TC Medium" panose="020B0200000000000000" pitchFamily="34" charset="-128"/>
+              </a:rPr>
+              <a:t>		</a:t>
+            </a:r>
+            <a:r>
+              <a:rPr lang="en-US" altLang="zh-TW" sz="2400" b="1" dirty="0" err="1">
+                <a:solidFill>
+                  <a:srgbClr val="7030A0"/>
+                </a:solidFill>
+                <a:latin typeface="Arial" panose="020B0604020202020204" pitchFamily="34" charset="0"/>
+              </a:rPr>
+              <a:t>t</a:t>
+            </a:r>
+            <a:r>
+              <a:rPr lang="en-US" altLang="zh-TW" sz="2400" dirty="0" err="1">
+                <a:solidFill>
+                  <a:schemeClr val="accent2"/>
+                </a:solidFill>
+                <a:latin typeface="Noto Sans TC Medium" panose="020B0200000000000000" pitchFamily="34" charset="-128"/>
+                <a:ea typeface="Noto Sans TC Medium" panose="020B0200000000000000" pitchFamily="34" charset="-128"/>
+              </a:rPr>
+              <a:t>ōng</a:t>
+            </a:r>
+            <a:r>
+              <a:rPr lang="zh-TW" altLang="en-US" sz="2400" b="1" dirty="0">
+                <a:solidFill>
+                  <a:srgbClr val="4D4E51"/>
+                </a:solidFill>
+                <a:latin typeface="Arial" panose="020B0604020202020204" pitchFamily="34" charset="0"/>
+              </a:rPr>
+              <a:t>（</a:t>
+            </a:r>
+            <a:r>
+              <a:rPr lang="en-US" altLang="zh-TW" sz="2400" dirty="0">
+                <a:solidFill>
+                  <a:schemeClr val="accent5"/>
+                </a:solidFill>
+                <a:latin typeface="Noto Sans TC Medium" panose="020B0200000000000000" pitchFamily="34" charset="-128"/>
+                <a:ea typeface="Noto Sans TC Medium" panose="020B0200000000000000" pitchFamily="34" charset="-128"/>
+              </a:rPr>
+              <a:t> tong</a:t>
+            </a:r>
+            <a:r>
+              <a:rPr lang="en-US" altLang="zh-TW" sz="2400" dirty="0">
+                <a:solidFill>
+                  <a:srgbClr val="00B050"/>
+                </a:solidFill>
+                <a:latin typeface="Noto Sans TC Medium" panose="020B0200000000000000" pitchFamily="34" charset="-128"/>
+                <a:ea typeface="Noto Sans TC Medium" panose="020B0200000000000000" pitchFamily="34" charset="-128"/>
+              </a:rPr>
+              <a:t>7 </a:t>
+            </a:r>
+            <a:r>
+              <a:rPr lang="zh-TW" altLang="en-US" sz="2400" b="1" dirty="0">
+                <a:solidFill>
+                  <a:srgbClr val="4D4E51"/>
+                </a:solidFill>
+                <a:latin typeface="Arial" panose="020B0604020202020204" pitchFamily="34" charset="0"/>
+              </a:rPr>
+              <a:t>）</a:t>
+            </a:r>
+            <a:endParaRPr lang="en-US" altLang="zh-TW" sz="2400" dirty="0">
+              <a:latin typeface="Noto Sans TC Medium" panose="020B0200000000000000" pitchFamily="34" charset="-128"/>
+              <a:ea typeface="Noto Sans TC Medium" panose="020B0200000000000000" pitchFamily="34" charset="-128"/>
+            </a:endParaRPr>
+          </a:p>
+          <a:p>
+            <a:pPr marL="381019" indent="-381019">
+              <a:spcBef>
+                <a:spcPts val="400"/>
+              </a:spcBef>
+              <a:buFont typeface="Arial" panose="020B0604020202020204" pitchFamily="34" charset="0"/>
+              <a:buChar char="•"/>
+            </a:pPr>
+            <a:r>
+              <a:rPr lang="zh-TW" altLang="en-US" sz="2400" dirty="0">
+                <a:latin typeface="Noto Sans TC Medium" panose="020B0200000000000000" pitchFamily="34" charset="-128"/>
+                <a:ea typeface="Noto Sans TC Medium" panose="020B0200000000000000" pitchFamily="34" charset="-128"/>
+              </a:rPr>
+              <a:t>寬式國際音標：</a:t>
+            </a:r>
+            <a:r>
+              <a:rPr lang="en-US" altLang="zh-TW" sz="2400" dirty="0">
+                <a:latin typeface="Noto Sans TC Medium" panose="020B0200000000000000" pitchFamily="34" charset="-128"/>
+                <a:ea typeface="Noto Sans TC Medium" panose="020B0200000000000000" pitchFamily="34" charset="-128"/>
+              </a:rPr>
+              <a:t>	</a:t>
+            </a:r>
+            <a:r>
+              <a:rPr lang="en-US" altLang="zh-TW" sz="2400" dirty="0">
+                <a:solidFill>
+                  <a:schemeClr val="accent5"/>
+                </a:solidFill>
+                <a:latin typeface="Noto Sans TC Medium" panose="020B0200000000000000" pitchFamily="34" charset="-128"/>
+                <a:ea typeface="Noto Sans TC Medium" panose="020B0200000000000000" pitchFamily="34" charset="-128"/>
+              </a:rPr>
+              <a:t>t</a:t>
+            </a:r>
+            <a:r>
+              <a:rPr lang="en-US" altLang="zh-TW" sz="2400" dirty="0">
+                <a:solidFill>
+                  <a:schemeClr val="accent2"/>
+                </a:solidFill>
+                <a:latin typeface="Noto Sans TC Medium" panose="020B0200000000000000" pitchFamily="34" charset="-128"/>
+                <a:ea typeface="Noto Sans TC Medium" panose="020B0200000000000000" pitchFamily="34" charset="-128"/>
+              </a:rPr>
+              <a:t>ɔŋ</a:t>
+            </a:r>
+            <a:r>
+              <a:rPr lang="en-US" altLang="zh-TW" sz="2400" baseline="30000" dirty="0">
+                <a:solidFill>
+                  <a:srgbClr val="00B050"/>
+                </a:solidFill>
+                <a:latin typeface="Noto Sans TC Medium" panose="020B0200000000000000" pitchFamily="34" charset="-128"/>
+                <a:ea typeface="Noto Sans TC Medium" panose="020B0200000000000000" pitchFamily="34" charset="-128"/>
+              </a:rPr>
+              <a:t>7</a:t>
+            </a:r>
+            <a:endParaRPr lang="en-US" altLang="zh-TW" sz="2400" baseline="30000" dirty="0">
+              <a:latin typeface="Noto Sans TC Medium" panose="020B0200000000000000" pitchFamily="34" charset="-128"/>
+              <a:ea typeface="Noto Sans TC Medium" panose="020B0200000000000000" pitchFamily="34" charset="-128"/>
+            </a:endParaRPr>
+          </a:p>
+          <a:p>
+            <a:pPr marL="381019" indent="-381019">
+              <a:spcBef>
+                <a:spcPts val="400"/>
+              </a:spcBef>
+              <a:buFont typeface="Arial" panose="020B0604020202020204" pitchFamily="34" charset="0"/>
+              <a:buChar char="•"/>
+            </a:pPr>
+            <a:r>
+              <a:rPr lang="zh-TW" altLang="en-US" sz="2400" dirty="0">
+                <a:latin typeface="Noto Sans TC Medium" panose="020B0200000000000000" pitchFamily="34" charset="-128"/>
+                <a:ea typeface="Noto Sans TC Medium" panose="020B0200000000000000" pitchFamily="34" charset="-128"/>
+              </a:rPr>
+              <a:t>十五音反切：</a:t>
+            </a:r>
+            <a:r>
+              <a:rPr lang="en-US" altLang="zh-TW" sz="2400" dirty="0">
+                <a:latin typeface="Noto Sans TC Medium" panose="020B0200000000000000" pitchFamily="34" charset="-128"/>
+                <a:ea typeface="Noto Sans TC Medium" panose="020B0200000000000000" pitchFamily="34" charset="-128"/>
+              </a:rPr>
+              <a:t>		</a:t>
+            </a:r>
+            <a:r>
+              <a:rPr lang="zh-TW" altLang="en-US" sz="2400" dirty="0">
+                <a:solidFill>
+                  <a:schemeClr val="accent2"/>
+                </a:solidFill>
+                <a:latin typeface="Noto Sans TC Medium" panose="020B0200000000000000" pitchFamily="34" charset="-128"/>
+                <a:ea typeface="Noto Sans TC Medium" panose="020B0200000000000000" pitchFamily="34" charset="-128"/>
+              </a:rPr>
+              <a:t>公</a:t>
+            </a:r>
+            <a:r>
+              <a:rPr lang="zh-TW" altLang="en-US" sz="2400" dirty="0">
+                <a:solidFill>
+                  <a:srgbClr val="00B050"/>
+                </a:solidFill>
+                <a:latin typeface="Noto Sans TC Medium" panose="020B0200000000000000" pitchFamily="34" charset="-128"/>
+                <a:ea typeface="Noto Sans TC Medium" panose="020B0200000000000000" pitchFamily="34" charset="-128"/>
+              </a:rPr>
+              <a:t>七</a:t>
+            </a:r>
+            <a:r>
+              <a:rPr lang="zh-TW" altLang="en-US" sz="2400" dirty="0">
+                <a:solidFill>
+                  <a:schemeClr val="accent5"/>
+                </a:solidFill>
+                <a:latin typeface="Noto Sans TC Medium" panose="020B0200000000000000" pitchFamily="34" charset="-128"/>
+                <a:ea typeface="Noto Sans TC Medium" panose="020B0200000000000000" pitchFamily="34" charset="-128"/>
+              </a:rPr>
+              <a:t>地</a:t>
+            </a:r>
+            <a:endParaRPr lang="en-US" altLang="zh-TW" sz="2400" dirty="0">
+              <a:latin typeface="Noto Sans TC Medium" panose="020B0200000000000000" pitchFamily="34" charset="-128"/>
+              <a:ea typeface="Noto Sans TC Medium" panose="020B0200000000000000" pitchFamily="34" charset="-128"/>
+            </a:endParaRPr>
+          </a:p>
+          <a:p>
+            <a:pPr marL="381019" indent="-381019">
+              <a:spcBef>
+                <a:spcPts val="400"/>
+              </a:spcBef>
+              <a:buFont typeface="Arial" panose="020B0604020202020204" pitchFamily="34" charset="0"/>
+              <a:buChar char="•"/>
+            </a:pPr>
+            <a:r>
+              <a:rPr lang="zh-TW" altLang="en-US" sz="2400" dirty="0">
+                <a:latin typeface="Noto Sans TC Medium" panose="020B0200000000000000" pitchFamily="34" charset="-128"/>
+                <a:ea typeface="Noto Sans TC Medium" panose="020B0200000000000000" pitchFamily="34" charset="-128"/>
+              </a:rPr>
+              <a:t>方音符號： </a:t>
+            </a:r>
+            <a:r>
+              <a:rPr lang="en-US" altLang="zh-TW" sz="2400" dirty="0">
+                <a:latin typeface="Noto Sans TC Medium" panose="020B0200000000000000" pitchFamily="34" charset="-128"/>
+                <a:ea typeface="Noto Sans TC Medium" panose="020B0200000000000000" pitchFamily="34" charset="-128"/>
+              </a:rPr>
+              <a:t>		</a:t>
+            </a:r>
+            <a:r>
+              <a:rPr lang="zh-CN" altLang="en-US" sz="2400" dirty="0">
+                <a:solidFill>
+                  <a:schemeClr val="accent5"/>
+                </a:solidFill>
+                <a:latin typeface="Noto Sans TC Medium" panose="020B0200000000000000" pitchFamily="34" charset="-128"/>
+                <a:ea typeface="Noto Sans TC Medium" panose="020B0200000000000000" pitchFamily="34" charset="-128"/>
+              </a:rPr>
+              <a:t>ㄉ</a:t>
+            </a:r>
+            <a:r>
+              <a:rPr lang="zh-CN" altLang="en-US" sz="2400" dirty="0">
+                <a:solidFill>
+                  <a:schemeClr val="accent2"/>
+                </a:solidFill>
+                <a:latin typeface="Noto Sans TC Medium" panose="020B0200000000000000" pitchFamily="34" charset="-128"/>
+                <a:ea typeface="Noto Sans TC Medium" panose="020B0200000000000000" pitchFamily="34" charset="-128"/>
+              </a:rPr>
+              <a:t>ㆲ</a:t>
+            </a:r>
+            <a:r>
+              <a:rPr lang="zh-CN" altLang="en-US" sz="2400" b="1" dirty="0">
+                <a:solidFill>
+                  <a:srgbClr val="00B050"/>
+                </a:solidFill>
+                <a:latin typeface="Noto Sans TC Medium" panose="020B0200000000000000" pitchFamily="34" charset="-128"/>
+                <a:ea typeface="Noto Sans TC Medium" panose="020B0200000000000000" pitchFamily="34" charset="-128"/>
+              </a:rPr>
+              <a:t>├</a:t>
+            </a:r>
+            <a:endParaRPr lang="zh-TW" altLang="en-US" sz="2400" dirty="0">
+              <a:solidFill>
+                <a:schemeClr val="accent5"/>
+              </a:solidFill>
+              <a:latin typeface="Noto Sans TC Medium" panose="020B0200000000000000" pitchFamily="34" charset="-128"/>
+              <a:ea typeface="Noto Sans TC Medium" panose="020B0200000000000000" pitchFamily="34" charset="-128"/>
+            </a:endParaRPr>
+          </a:p>
+        </p:txBody>
+      </p:sp>
+      <p:sp>
+        <p:nvSpPr>
+          <p:cNvPr id="2" name="文字方塊 1">
+            <a:extLst>
+              <a:ext uri="{FF2B5EF4-FFF2-40B4-BE49-F238E27FC236}">
+                <a16:creationId xmlns:a16="http://schemas.microsoft.com/office/drawing/2014/main" id="{2DF6E5F4-2F16-2BE9-1D2B-9DD8F87A327F}"/>
+              </a:ext>
+            </a:extLst>
+          </p:cNvPr>
+          <p:cNvSpPr txBox="1"/>
+          <p:nvPr/>
+        </p:nvSpPr>
+        <p:spPr>
+          <a:xfrm>
+            <a:off x="3899866" y="5552020"/>
+            <a:ext cx="553998" cy="830997"/>
+          </a:xfrm>
+          <a:prstGeom prst="rect">
+            <a:avLst/>
+          </a:prstGeom>
+          <a:noFill/>
+        </p:spPr>
+        <p:txBody>
+          <a:bodyPr vert="horz" wrap="square" rtlCol="0">
+            <a:spAutoFit/>
+          </a:bodyPr>
+          <a:lstStyle/>
+          <a:p>
+            <a:pPr algn="ctr"/>
+            <a:r>
+              <a:rPr lang="zh-CN" altLang="en-US" sz="2400" dirty="0">
+                <a:solidFill>
+                  <a:schemeClr val="accent5"/>
+                </a:solidFill>
+                <a:latin typeface="Noto Sans TC Medium" panose="020B0200000000000000" pitchFamily="34" charset="-128"/>
+                <a:ea typeface="Noto Sans TC Medium" panose="020B0200000000000000" pitchFamily="34" charset="-128"/>
+              </a:rPr>
+              <a:t>ㄉ</a:t>
+            </a:r>
+            <a:r>
+              <a:rPr lang="zh-CN" altLang="en-US" sz="2400" dirty="0">
+                <a:solidFill>
+                  <a:schemeClr val="accent2"/>
+                </a:solidFill>
+                <a:latin typeface="Noto Sans TC Medium" panose="020B0200000000000000" pitchFamily="34" charset="-128"/>
+                <a:ea typeface="Noto Sans TC Medium" panose="020B0200000000000000" pitchFamily="34" charset="-128"/>
+              </a:rPr>
+              <a:t>ㆲ</a:t>
+            </a:r>
+            <a:endParaRPr lang="zh-TW" altLang="en-US" sz="2400" dirty="0">
+              <a:solidFill>
+                <a:schemeClr val="accent5"/>
+              </a:solidFill>
+              <a:latin typeface="Noto Sans TC Medium" panose="020B0200000000000000" pitchFamily="34" charset="-128"/>
+              <a:ea typeface="Noto Sans TC Medium" panose="020B0200000000000000" pitchFamily="34" charset="-128"/>
+            </a:endParaRPr>
+          </a:p>
+        </p:txBody>
+      </p:sp>
+      <p:sp>
+        <p:nvSpPr>
+          <p:cNvPr id="3" name="文字方塊 2">
+            <a:extLst>
+              <a:ext uri="{FF2B5EF4-FFF2-40B4-BE49-F238E27FC236}">
+                <a16:creationId xmlns:a16="http://schemas.microsoft.com/office/drawing/2014/main" id="{1AE414BE-0CD8-A70D-DB23-9783ACC00679}"/>
+              </a:ext>
+            </a:extLst>
+          </p:cNvPr>
+          <p:cNvSpPr txBox="1"/>
+          <p:nvPr/>
+        </p:nvSpPr>
+        <p:spPr>
+          <a:xfrm>
+            <a:off x="2612537" y="6575425"/>
+            <a:ext cx="1473200" cy="461665"/>
+          </a:xfrm>
+          <a:prstGeom prst="rect">
+            <a:avLst/>
+          </a:prstGeom>
+          <a:noFill/>
+        </p:spPr>
+        <p:txBody>
+          <a:bodyPr wrap="square" rtlCol="0">
+            <a:spAutoFit/>
+          </a:bodyPr>
+          <a:lstStyle/>
+          <a:p>
+            <a:pPr algn="ctr"/>
+            <a:r>
+              <a:rPr lang="en-US" altLang="zh-TW" sz="2400" dirty="0">
+                <a:solidFill>
+                  <a:schemeClr val="accent5"/>
+                </a:solidFill>
+                <a:latin typeface="Noto Sans TC Medium" panose="020B0200000000000000" pitchFamily="34" charset="-128"/>
+                <a:ea typeface="Noto Sans TC Medium" panose="020B0200000000000000" pitchFamily="34" charset="-128"/>
+              </a:rPr>
+              <a:t>t</a:t>
+            </a:r>
+            <a:r>
+              <a:rPr lang="en-US" altLang="zh-TW" sz="2400" dirty="0">
+                <a:solidFill>
+                  <a:schemeClr val="accent2"/>
+                </a:solidFill>
+                <a:latin typeface="Noto Sans TC Medium" panose="020B0200000000000000" pitchFamily="34" charset="-128"/>
+                <a:ea typeface="Noto Sans TC Medium" panose="020B0200000000000000" pitchFamily="34" charset="-128"/>
+              </a:rPr>
+              <a:t>ɔŋ</a:t>
+            </a:r>
+            <a:r>
+              <a:rPr lang="en-US" altLang="zh-TW" sz="2400" baseline="30000" dirty="0">
+                <a:solidFill>
+                  <a:srgbClr val="00B050"/>
+                </a:solidFill>
+                <a:latin typeface="Noto Sans TC Medium" panose="020B0200000000000000" pitchFamily="34" charset="-128"/>
+                <a:ea typeface="Noto Sans TC Medium" panose="020B0200000000000000" pitchFamily="34" charset="-128"/>
+              </a:rPr>
+              <a:t>7</a:t>
+            </a:r>
+            <a:endParaRPr lang="zh-TW" altLang="en-US" sz="2400" baseline="30000" dirty="0">
+              <a:latin typeface="Noto Sans TC Medium" panose="020B0200000000000000" pitchFamily="34" charset="-128"/>
+              <a:ea typeface="Noto Sans TC Medium" panose="020B0200000000000000" pitchFamily="34" charset="-128"/>
+            </a:endParaRPr>
+          </a:p>
+        </p:txBody>
+      </p:sp>
+      <p:sp>
+        <p:nvSpPr>
+          <p:cNvPr id="5" name="文字方塊 4">
+            <a:extLst>
+              <a:ext uri="{FF2B5EF4-FFF2-40B4-BE49-F238E27FC236}">
+                <a16:creationId xmlns:a16="http://schemas.microsoft.com/office/drawing/2014/main" id="{D7B52540-4E74-18A7-8883-C81AEE98B044}"/>
+              </a:ext>
+            </a:extLst>
+          </p:cNvPr>
+          <p:cNvSpPr txBox="1"/>
+          <p:nvPr/>
+        </p:nvSpPr>
+        <p:spPr>
+          <a:xfrm>
+            <a:off x="441325" y="1980323"/>
+            <a:ext cx="5789613" cy="461665"/>
+          </a:xfrm>
+          <a:prstGeom prst="rect">
+            <a:avLst/>
+          </a:prstGeom>
+          <a:noFill/>
+        </p:spPr>
+        <p:txBody>
+          <a:bodyPr wrap="square" rtlCol="0">
+            <a:spAutoFit/>
+          </a:bodyPr>
+          <a:lstStyle/>
+          <a:p>
+            <a:r>
+              <a:rPr lang="zh-TW" altLang="en-US" sz="2400" dirty="0">
+                <a:latin typeface="Noto Sans TC Medium" panose="020B0200000000000000" pitchFamily="34" charset="-128"/>
+                <a:ea typeface="Noto Sans TC Medium" panose="020B0200000000000000" pitchFamily="34" charset="-128"/>
+              </a:rPr>
+              <a:t>漢字標音 ＝ </a:t>
+            </a:r>
+            <a:r>
+              <a:rPr lang="zh-TW" altLang="en-US" sz="2400" dirty="0">
+                <a:solidFill>
+                  <a:schemeClr val="accent5"/>
+                </a:solidFill>
+                <a:latin typeface="Noto Sans TC Medium" panose="020B0200000000000000" pitchFamily="34" charset="-128"/>
+                <a:ea typeface="Noto Sans TC Medium" panose="020B0200000000000000" pitchFamily="34" charset="-128"/>
+              </a:rPr>
+              <a:t>聲母</a:t>
+            </a:r>
+            <a:r>
+              <a:rPr lang="zh-TW" altLang="en-US" sz="2400" dirty="0">
+                <a:latin typeface="Noto Sans TC Medium" panose="020B0200000000000000" pitchFamily="34" charset="-128"/>
+                <a:ea typeface="Noto Sans TC Medium" panose="020B0200000000000000" pitchFamily="34" charset="-128"/>
+              </a:rPr>
+              <a:t> ＋ </a:t>
+            </a:r>
+            <a:r>
+              <a:rPr lang="zh-TW" altLang="en-US" sz="2400" dirty="0">
+                <a:solidFill>
+                  <a:schemeClr val="accent2"/>
+                </a:solidFill>
+                <a:latin typeface="Noto Sans TC Medium" panose="020B0200000000000000" pitchFamily="34" charset="-128"/>
+                <a:ea typeface="Noto Sans TC Medium" panose="020B0200000000000000" pitchFamily="34" charset="-128"/>
+              </a:rPr>
+              <a:t>韻母</a:t>
+            </a:r>
+            <a:r>
+              <a:rPr lang="zh-TW" altLang="en-US" sz="2400" dirty="0">
+                <a:latin typeface="Noto Sans TC Medium" panose="020B0200000000000000" pitchFamily="34" charset="-128"/>
+                <a:ea typeface="Noto Sans TC Medium" panose="020B0200000000000000" pitchFamily="34" charset="-128"/>
+              </a:rPr>
+              <a:t> ＋ </a:t>
+            </a:r>
+            <a:r>
+              <a:rPr lang="zh-TW" altLang="en-US" sz="2400" dirty="0">
+                <a:solidFill>
+                  <a:srgbClr val="00B050"/>
+                </a:solidFill>
+                <a:latin typeface="Noto Sans TC Medium" panose="020B0200000000000000" pitchFamily="34" charset="-128"/>
+                <a:ea typeface="Noto Sans TC Medium" panose="020B0200000000000000" pitchFamily="34" charset="-128"/>
+              </a:rPr>
+              <a:t>聲調</a:t>
+            </a:r>
+          </a:p>
+        </p:txBody>
+      </p:sp>
+      <p:sp>
+        <p:nvSpPr>
+          <p:cNvPr id="4" name="文字方塊 3">
+            <a:extLst>
+              <a:ext uri="{FF2B5EF4-FFF2-40B4-BE49-F238E27FC236}">
+                <a16:creationId xmlns:a16="http://schemas.microsoft.com/office/drawing/2014/main" id="{39A6B4A1-546A-08C3-98FE-F99123CDB9B2}"/>
+              </a:ext>
+            </a:extLst>
+          </p:cNvPr>
+          <p:cNvSpPr txBox="1"/>
+          <p:nvPr/>
+        </p:nvSpPr>
+        <p:spPr>
+          <a:xfrm>
+            <a:off x="2612537" y="4762186"/>
+            <a:ext cx="1473200" cy="461665"/>
+          </a:xfrm>
+          <a:prstGeom prst="rect">
+            <a:avLst/>
+          </a:prstGeom>
+          <a:noFill/>
+        </p:spPr>
+        <p:txBody>
+          <a:bodyPr wrap="square" rtlCol="0">
+            <a:spAutoFit/>
+          </a:bodyPr>
+          <a:lstStyle/>
+          <a:p>
+            <a:pPr algn="ctr"/>
+            <a:r>
+              <a:rPr lang="en-US" altLang="zh-TW" sz="2400" b="1" dirty="0">
+                <a:solidFill>
+                  <a:schemeClr val="accent5"/>
+                </a:solidFill>
+                <a:latin typeface="Arial" panose="020B0604020202020204" pitchFamily="34" charset="0"/>
+              </a:rPr>
+              <a:t> </a:t>
+            </a:r>
+            <a:r>
+              <a:rPr lang="en-US" altLang="zh-TW" sz="2400" b="1" dirty="0" err="1">
+                <a:solidFill>
+                  <a:schemeClr val="accent5"/>
+                </a:solidFill>
+                <a:latin typeface="Arial" panose="020B0604020202020204" pitchFamily="34" charset="0"/>
+              </a:rPr>
+              <a:t>t</a:t>
+            </a:r>
+            <a:r>
+              <a:rPr lang="en-US" altLang="zh-TW" sz="2400" dirty="0" err="1">
+                <a:solidFill>
+                  <a:schemeClr val="accent2"/>
+                </a:solidFill>
+                <a:latin typeface="Noto Sans TC Medium" panose="020B0200000000000000" pitchFamily="34" charset="-128"/>
+                <a:ea typeface="Noto Sans TC Medium" panose="020B0200000000000000" pitchFamily="34" charset="-128"/>
+              </a:rPr>
+              <a:t>ōng</a:t>
+            </a:r>
+            <a:r>
+              <a:rPr lang="en-US" altLang="zh-TW" sz="2400" b="1" dirty="0">
+                <a:solidFill>
+                  <a:schemeClr val="accent5"/>
+                </a:solidFill>
+                <a:latin typeface="Arial" panose="020B0604020202020204" pitchFamily="34" charset="0"/>
+              </a:rPr>
+              <a:t> </a:t>
+            </a:r>
+            <a:endParaRPr lang="zh-TW" altLang="en-US" sz="2400" dirty="0">
+              <a:solidFill>
+                <a:schemeClr val="accent2"/>
+              </a:solidFill>
+              <a:latin typeface="Noto Sans TC Medium" panose="020B0200000000000000" pitchFamily="34" charset="-128"/>
+              <a:ea typeface="Noto Sans TC Medium" panose="020B0200000000000000" pitchFamily="34" charset="-128"/>
+            </a:endParaRPr>
+          </a:p>
+        </p:txBody>
+      </p:sp>
+      <p:sp>
+        <p:nvSpPr>
+          <p:cNvPr id="10" name="文字方塊 9">
+            <a:extLst>
+              <a:ext uri="{FF2B5EF4-FFF2-40B4-BE49-F238E27FC236}">
+                <a16:creationId xmlns:a16="http://schemas.microsoft.com/office/drawing/2014/main" id="{9171564A-D963-48D2-4ABD-491C152439F9}"/>
+              </a:ext>
+            </a:extLst>
+          </p:cNvPr>
+          <p:cNvSpPr txBox="1"/>
+          <p:nvPr/>
+        </p:nvSpPr>
+        <p:spPr>
+          <a:xfrm>
+            <a:off x="4093348" y="5736685"/>
+            <a:ext cx="553998" cy="461665"/>
+          </a:xfrm>
+          <a:prstGeom prst="rect">
+            <a:avLst/>
+          </a:prstGeom>
+          <a:noFill/>
+        </p:spPr>
+        <p:txBody>
+          <a:bodyPr vert="horz" wrap="square" rtlCol="0">
+            <a:spAutoFit/>
+          </a:bodyPr>
+          <a:lstStyle/>
+          <a:p>
+            <a:pPr algn="ctr"/>
+            <a:r>
+              <a:rPr lang="zh-CN" altLang="en-US" sz="2400" b="1" dirty="0">
+                <a:solidFill>
+                  <a:srgbClr val="00B050"/>
+                </a:solidFill>
+                <a:latin typeface="Noto Sans TC Medium" panose="020B0200000000000000" pitchFamily="34" charset="-128"/>
+                <a:ea typeface="Noto Sans TC Medium" panose="020B0200000000000000" pitchFamily="34" charset="-128"/>
+              </a:rPr>
+              <a:t>├</a:t>
+            </a:r>
+            <a:endParaRPr lang="zh-TW" altLang="en-US" sz="2400" b="1" dirty="0">
+              <a:solidFill>
+                <a:srgbClr val="00B050"/>
+              </a:solidFill>
+              <a:latin typeface="Noto Sans TC Medium" panose="020B0200000000000000" pitchFamily="34" charset="-128"/>
+              <a:ea typeface="Noto Sans TC Medium" panose="020B0200000000000000" pitchFamily="34" charset="-128"/>
+            </a:endParaRPr>
+          </a:p>
+        </p:txBody>
+      </p:sp>
+      <p:sp>
+        <p:nvSpPr>
+          <p:cNvPr id="12" name="文字方塊 11">
+            <a:extLst>
+              <a:ext uri="{FF2B5EF4-FFF2-40B4-BE49-F238E27FC236}">
+                <a16:creationId xmlns:a16="http://schemas.microsoft.com/office/drawing/2014/main" id="{37AAE250-B75E-0959-110B-492296173F04}"/>
+              </a:ext>
+            </a:extLst>
+          </p:cNvPr>
+          <p:cNvSpPr txBox="1"/>
+          <p:nvPr/>
+        </p:nvSpPr>
+        <p:spPr>
+          <a:xfrm>
+            <a:off x="2210653" y="5293445"/>
+            <a:ext cx="553998" cy="1200329"/>
+          </a:xfrm>
+          <a:prstGeom prst="rect">
+            <a:avLst/>
+          </a:prstGeom>
+          <a:noFill/>
+        </p:spPr>
+        <p:txBody>
+          <a:bodyPr vert="horz" wrap="square" rtlCol="0">
+            <a:spAutoFit/>
+          </a:bodyPr>
+          <a:lstStyle/>
+          <a:p>
+            <a:pPr algn="ctr"/>
+            <a:r>
+              <a:rPr lang="zh-TW" altLang="en-US" sz="2400" dirty="0">
+                <a:solidFill>
+                  <a:schemeClr val="accent2"/>
+                </a:solidFill>
+                <a:latin typeface="Noto Sans TC Medium" panose="020B0200000000000000" pitchFamily="34" charset="-128"/>
+                <a:ea typeface="Noto Sans TC Medium" panose="020B0200000000000000" pitchFamily="34" charset="-128"/>
+              </a:rPr>
+              <a:t>公</a:t>
+            </a:r>
+            <a:endParaRPr lang="en-US" altLang="zh-TW" sz="2400" dirty="0">
+              <a:solidFill>
+                <a:schemeClr val="accent2"/>
+              </a:solidFill>
+              <a:latin typeface="Noto Sans TC Medium" panose="020B0200000000000000" pitchFamily="34" charset="-128"/>
+              <a:ea typeface="Noto Sans TC Medium" panose="020B0200000000000000" pitchFamily="34" charset="-128"/>
+            </a:endParaRPr>
+          </a:p>
+          <a:p>
+            <a:pPr algn="ctr"/>
+            <a:r>
+              <a:rPr lang="zh-TW" altLang="en-US" sz="2400" dirty="0">
+                <a:solidFill>
+                  <a:srgbClr val="00B050"/>
+                </a:solidFill>
+                <a:latin typeface="Noto Sans TC Medium" panose="020B0200000000000000" pitchFamily="34" charset="-128"/>
+                <a:ea typeface="Noto Sans TC Medium" panose="020B0200000000000000" pitchFamily="34" charset="-128"/>
+              </a:rPr>
+              <a:t>七</a:t>
+            </a:r>
+            <a:endParaRPr lang="en-US" altLang="zh-TW" sz="2400" dirty="0">
+              <a:solidFill>
+                <a:srgbClr val="00B050"/>
+              </a:solidFill>
+              <a:latin typeface="Noto Sans TC Medium" panose="020B0200000000000000" pitchFamily="34" charset="-128"/>
+              <a:ea typeface="Noto Sans TC Medium" panose="020B0200000000000000" pitchFamily="34" charset="-128"/>
+            </a:endParaRPr>
+          </a:p>
+          <a:p>
+            <a:pPr algn="ctr"/>
+            <a:r>
+              <a:rPr lang="zh-TW" altLang="en-US" sz="2400" dirty="0">
+                <a:solidFill>
+                  <a:schemeClr val="accent5"/>
+                </a:solidFill>
+                <a:latin typeface="Noto Sans TC Medium" panose="020B0200000000000000" pitchFamily="34" charset="-128"/>
+                <a:ea typeface="Noto Sans TC Medium" panose="020B0200000000000000" pitchFamily="34" charset="-128"/>
+              </a:rPr>
+              <a:t>地</a:t>
+            </a:r>
+          </a:p>
+        </p:txBody>
+      </p:sp>
+      <p:sp>
+        <p:nvSpPr>
+          <p:cNvPr id="6" name="圖說文字: 折線 5">
+            <a:extLst>
+              <a:ext uri="{FF2B5EF4-FFF2-40B4-BE49-F238E27FC236}">
+                <a16:creationId xmlns:a16="http://schemas.microsoft.com/office/drawing/2014/main" id="{375B8A2B-1CF7-47EA-A074-5130CF6F8596}"/>
               </a:ext>
             </a:extLst>
           </p:cNvPr>
@@ -9653,7 +12293,7 @@
         </p:nvSpPr>
         <p:spPr>
           <a:xfrm>
-            <a:off x="1390650" y="2847975"/>
+            <a:off x="1390650" y="3042384"/>
             <a:ext cx="4076700" cy="649110"/>
           </a:xfrm>
           <a:prstGeom prst="borderCallout2">
@@ -9700,10 +12340,10 @@
       </p:sp>
       <p:sp>
         <p:nvSpPr>
-          <p:cNvPr id="9" name="圖說文字: 折線 8">
-            <a:extLst>
-              <a:ext uri="{FF2B5EF4-FFF2-40B4-BE49-F238E27FC236}">
-                <a16:creationId xmlns:a16="http://schemas.microsoft.com/office/drawing/2014/main" id="{1A3EF5F5-F908-7632-3BA9-EA8E32D19887}"/>
+          <p:cNvPr id="8" name="圖說文字: 折線 7">
+            <a:extLst>
+              <a:ext uri="{FF2B5EF4-FFF2-40B4-BE49-F238E27FC236}">
+                <a16:creationId xmlns:a16="http://schemas.microsoft.com/office/drawing/2014/main" id="{880373AA-7FDD-63D8-3F68-D7EF7BEE7A7C}"/>
               </a:ext>
             </a:extLst>
           </p:cNvPr>
@@ -9712,7 +12352,7 @@
         </p:nvSpPr>
         <p:spPr>
           <a:xfrm>
-            <a:off x="1390650" y="8694915"/>
+            <a:off x="1390650" y="8466658"/>
             <a:ext cx="4076700" cy="649110"/>
           </a:xfrm>
           <a:prstGeom prst="borderCallout2">
@@ -9773,10 +12413,10 @@
       </p:sp>
       <p:sp>
         <p:nvSpPr>
-          <p:cNvPr id="10" name="圖說文字: 折線 9">
-            <a:extLst>
-              <a:ext uri="{FF2B5EF4-FFF2-40B4-BE49-F238E27FC236}">
-                <a16:creationId xmlns:a16="http://schemas.microsoft.com/office/drawing/2014/main" id="{13D4ECD5-93DC-F2F2-C01F-84FFAE58C5B7}"/>
+          <p:cNvPr id="9" name="圖說文字: 折線 8">
+            <a:extLst>
+              <a:ext uri="{FF2B5EF4-FFF2-40B4-BE49-F238E27FC236}">
+                <a16:creationId xmlns:a16="http://schemas.microsoft.com/office/drawing/2014/main" id="{8558CDC0-907B-87C0-C0B7-D40DF81263C4}"/>
               </a:ext>
             </a:extLst>
           </p:cNvPr>
@@ -9835,7 +12475,7 @@
           <p:cNvPr id="11" name="圖說文字: 折線 10">
             <a:extLst>
               <a:ext uri="{FF2B5EF4-FFF2-40B4-BE49-F238E27FC236}">
-                <a16:creationId xmlns:a16="http://schemas.microsoft.com/office/drawing/2014/main" id="{CF0B09C8-4AB5-8EDA-A771-74571FCF6262}"/>
+                <a16:creationId xmlns:a16="http://schemas.microsoft.com/office/drawing/2014/main" id="{60A27480-03E9-6431-8520-C86DE5D90A36}"/>
               </a:ext>
             </a:extLst>
           </p:cNvPr>
@@ -9889,912 +12529,6 @@
           </a:p>
         </p:txBody>
       </p:sp>
-      <p:sp>
-        <p:nvSpPr>
-          <p:cNvPr id="2" name="文字方塊 1">
-            <a:extLst>
-              <a:ext uri="{FF2B5EF4-FFF2-40B4-BE49-F238E27FC236}">
-                <a16:creationId xmlns:a16="http://schemas.microsoft.com/office/drawing/2014/main" id="{71B5A379-40B0-E6A9-DB34-02535B4B34D4}"/>
-              </a:ext>
-            </a:extLst>
-          </p:cNvPr>
-          <p:cNvSpPr txBox="1"/>
-          <p:nvPr/>
-        </p:nvSpPr>
-        <p:spPr>
-          <a:xfrm>
-            <a:off x="449262" y="1725223"/>
-            <a:ext cx="5789613" cy="461665"/>
-          </a:xfrm>
-          <a:prstGeom prst="rect">
-            <a:avLst/>
-          </a:prstGeom>
-          <a:noFill/>
-        </p:spPr>
-        <p:txBody>
-          <a:bodyPr wrap="square" rtlCol="0">
-            <a:spAutoFit/>
-          </a:bodyPr>
-          <a:lstStyle/>
-          <a:p>
-            <a:r>
-              <a:rPr lang="zh-TW" altLang="en-US" sz="2400" dirty="0">
-                <a:latin typeface="Noto Sans TC Medium" panose="020B0200000000000000" pitchFamily="34" charset="-128"/>
-                <a:ea typeface="Noto Sans TC Medium" panose="020B0200000000000000" pitchFamily="34" charset="-128"/>
-              </a:rPr>
-              <a:t>漢字標音 ＝ </a:t>
-            </a:r>
-            <a:r>
-              <a:rPr lang="zh-TW" altLang="en-US" sz="2400" dirty="0">
-                <a:solidFill>
-                  <a:schemeClr val="accent5"/>
-                </a:solidFill>
-                <a:latin typeface="Noto Sans TC Medium" panose="020B0200000000000000" pitchFamily="34" charset="-128"/>
-                <a:ea typeface="Noto Sans TC Medium" panose="020B0200000000000000" pitchFamily="34" charset="-128"/>
-              </a:rPr>
-              <a:t>聲母</a:t>
-            </a:r>
-            <a:r>
-              <a:rPr lang="zh-TW" altLang="en-US" sz="2400" dirty="0">
-                <a:latin typeface="Noto Sans TC Medium" panose="020B0200000000000000" pitchFamily="34" charset="-128"/>
-                <a:ea typeface="Noto Sans TC Medium" panose="020B0200000000000000" pitchFamily="34" charset="-128"/>
-              </a:rPr>
-              <a:t> ＋ </a:t>
-            </a:r>
-            <a:r>
-              <a:rPr lang="zh-TW" altLang="en-US" sz="2400" dirty="0">
-                <a:solidFill>
-                  <a:schemeClr val="accent2"/>
-                </a:solidFill>
-                <a:latin typeface="Noto Sans TC Medium" panose="020B0200000000000000" pitchFamily="34" charset="-128"/>
-                <a:ea typeface="Noto Sans TC Medium" panose="020B0200000000000000" pitchFamily="34" charset="-128"/>
-              </a:rPr>
-              <a:t>韻母</a:t>
-            </a:r>
-            <a:r>
-              <a:rPr lang="zh-TW" altLang="en-US" sz="2400" dirty="0">
-                <a:latin typeface="Noto Sans TC Medium" panose="020B0200000000000000" pitchFamily="34" charset="-128"/>
-                <a:ea typeface="Noto Sans TC Medium" panose="020B0200000000000000" pitchFamily="34" charset="-128"/>
-              </a:rPr>
-              <a:t> ＋ </a:t>
-            </a:r>
-            <a:r>
-              <a:rPr lang="zh-TW" altLang="en-US" sz="2400" dirty="0">
-                <a:solidFill>
-                  <a:srgbClr val="00B050"/>
-                </a:solidFill>
-                <a:latin typeface="Noto Sans TC Medium" panose="020B0200000000000000" pitchFamily="34" charset="-128"/>
-                <a:ea typeface="Noto Sans TC Medium" panose="020B0200000000000000" pitchFamily="34" charset="-128"/>
-              </a:rPr>
-              <a:t>聲調</a:t>
-            </a:r>
-          </a:p>
-        </p:txBody>
-      </p:sp>
-    </p:spTree>
-    <p:extLst>
-      <p:ext uri="{BB962C8B-B14F-4D97-AF65-F5344CB8AC3E}">
-        <p14:creationId xmlns:p14="http://schemas.microsoft.com/office/powerpoint/2010/main" val="2350106372"/>
-      </p:ext>
-    </p:extLst>
-  </p:cSld>
-  <p:clrMapOvr>
-    <a:masterClrMapping/>
-  </p:clrMapOvr>
-</p:sld>
-</file>
-
-<file path=ppt/slides/slide4.xml><?xml version="1.0" encoding="utf-8"?>
-<p:sld xmlns:a="http://schemas.openxmlformats.org/drawingml/2006/main" xmlns:r="http://schemas.openxmlformats.org/officeDocument/2006/relationships" xmlns:p="http://schemas.openxmlformats.org/presentationml/2006/main">
-  <p:cSld>
-    <p:spTree>
-      <p:nvGrpSpPr>
-        <p:cNvPr id="1" name="">
-          <a:extLst>
-            <a:ext uri="{FF2B5EF4-FFF2-40B4-BE49-F238E27FC236}">
-              <a16:creationId xmlns:a16="http://schemas.microsoft.com/office/drawing/2014/main" id="{7511E677-309A-15E1-6359-B7FD01BD154A}"/>
-            </a:ext>
-          </a:extLst>
-        </p:cNvPr>
-        <p:cNvGrpSpPr/>
-        <p:nvPr/>
-      </p:nvGrpSpPr>
-      <p:grpSpPr>
-        <a:xfrm>
-          <a:off x="0" y="0"/>
-          <a:ext cx="0" cy="0"/>
-          <a:chOff x="0" y="0"/>
-          <a:chExt cx="0" cy="0"/>
-        </a:xfrm>
-      </p:grpSpPr>
-      <p:sp>
-        <p:nvSpPr>
-          <p:cNvPr id="7" name="標題 6">
-            <a:extLst>
-              <a:ext uri="{FF2B5EF4-FFF2-40B4-BE49-F238E27FC236}">
-                <a16:creationId xmlns:a16="http://schemas.microsoft.com/office/drawing/2014/main" id="{390B4DA8-FDE8-201F-361E-84D9C0D0853B}"/>
-              </a:ext>
-            </a:extLst>
-          </p:cNvPr>
-          <p:cNvSpPr>
-            <a:spLocks noGrp="1"/>
-          </p:cNvSpPr>
-          <p:nvPr>
-            <p:ph type="title"/>
-          </p:nvPr>
-        </p:nvSpPr>
-        <p:spPr>
-          <a:xfrm>
-            <a:off x="237490" y="885138"/>
-            <a:ext cx="3482149" cy="509524"/>
-          </a:xfrm>
-        </p:spPr>
-        <p:txBody>
-          <a:bodyPr vert="horz" lIns="60960" tIns="30480" rIns="60960" bIns="30480" rtlCol="0" anchor="b">
-            <a:normAutofit/>
-          </a:bodyPr>
-          <a:lstStyle/>
-          <a:p>
-            <a:r>
-              <a:rPr lang="zh-TW" altLang="en-US" dirty="0">
-                <a:latin typeface="Noto Serif TC Black" panose="02020200000000000000" pitchFamily="18" charset="-128"/>
-                <a:ea typeface="Noto Serif TC Black" panose="02020200000000000000" pitchFamily="18" charset="-128"/>
-              </a:rPr>
-              <a:t>漢字標音</a:t>
-            </a:r>
-          </a:p>
-        </p:txBody>
-      </p:sp>
-      <p:sp>
-        <p:nvSpPr>
-          <p:cNvPr id="14" name="文字方塊 13">
-            <a:extLst>
-              <a:ext uri="{FF2B5EF4-FFF2-40B4-BE49-F238E27FC236}">
-                <a16:creationId xmlns:a16="http://schemas.microsoft.com/office/drawing/2014/main" id="{FAAAB036-A6D1-C811-22C0-BCA29211CE47}"/>
-              </a:ext>
-            </a:extLst>
-          </p:cNvPr>
-          <p:cNvSpPr txBox="1"/>
-          <p:nvPr/>
-        </p:nvSpPr>
-        <p:spPr>
-          <a:xfrm>
-            <a:off x="2138354" y="3494580"/>
-            <a:ext cx="1362774" cy="1405641"/>
-          </a:xfrm>
-          <a:prstGeom prst="rect">
-            <a:avLst/>
-          </a:prstGeom>
-          <a:noFill/>
-        </p:spPr>
-        <p:txBody>
-          <a:bodyPr wrap="square" rtlCol="0">
-            <a:spAutoFit/>
-          </a:bodyPr>
-          <a:lstStyle/>
-          <a:p>
-            <a:pPr algn="just"/>
-            <a:r>
-              <a:rPr lang="zh-TW" altLang="en-US" sz="8534" dirty="0">
-                <a:latin typeface="Noto Serif TC Black" panose="02020200000000000000" pitchFamily="18" charset="-128"/>
-                <a:ea typeface="Noto Serif TC Black" panose="02020200000000000000" pitchFamily="18" charset="-128"/>
-              </a:rPr>
-              <a:t>貨</a:t>
-            </a:r>
-          </a:p>
-        </p:txBody>
-      </p:sp>
-      <p:sp>
-        <p:nvSpPr>
-          <p:cNvPr id="20" name="文字方塊 19">
-            <a:extLst>
-              <a:ext uri="{FF2B5EF4-FFF2-40B4-BE49-F238E27FC236}">
-                <a16:creationId xmlns:a16="http://schemas.microsoft.com/office/drawing/2014/main" id="{58FA5F53-AB84-6D04-29CB-F3B218927BE2}"/>
-              </a:ext>
-            </a:extLst>
-          </p:cNvPr>
-          <p:cNvSpPr txBox="1"/>
-          <p:nvPr/>
-        </p:nvSpPr>
-        <p:spPr>
-          <a:xfrm>
-            <a:off x="441325" y="5739254"/>
-            <a:ext cx="6134826" cy="2144177"/>
-          </a:xfrm>
-          <a:prstGeom prst="rect">
-            <a:avLst/>
-          </a:prstGeom>
-          <a:noFill/>
-        </p:spPr>
-        <p:txBody>
-          <a:bodyPr wrap="square" rtlCol="0">
-            <a:spAutoFit/>
-          </a:bodyPr>
-          <a:lstStyle/>
-          <a:p>
-            <a:pPr marL="381019" indent="-381019">
-              <a:spcBef>
-                <a:spcPts val="400"/>
-              </a:spcBef>
-              <a:buFont typeface="Arial" panose="020B0604020202020204" pitchFamily="34" charset="0"/>
-              <a:buChar char="•"/>
-            </a:pPr>
-            <a:r>
-              <a:rPr lang="zh-TW" altLang="en-US" sz="2400" dirty="0">
-                <a:latin typeface="Noto Sans TC Medium" panose="020B0200000000000000" pitchFamily="34" charset="-128"/>
-                <a:ea typeface="Noto Sans TC Medium" panose="020B0200000000000000" pitchFamily="34" charset="-128"/>
-              </a:rPr>
-              <a:t>台羅拼音：</a:t>
-            </a:r>
-            <a:r>
-              <a:rPr lang="en-US" altLang="zh-TW" sz="2400" dirty="0">
-                <a:latin typeface="Noto Sans TC Medium" panose="020B0200000000000000" pitchFamily="34" charset="-128"/>
-                <a:ea typeface="Noto Sans TC Medium" panose="020B0200000000000000" pitchFamily="34" charset="-128"/>
-              </a:rPr>
-              <a:t>		</a:t>
-            </a:r>
-            <a:r>
-              <a:rPr lang="en-US" altLang="zh-TW" sz="2400" b="1" dirty="0" err="1">
-                <a:solidFill>
-                  <a:srgbClr val="7030A0"/>
-                </a:solidFill>
-                <a:latin typeface="Arial" panose="020B0604020202020204" pitchFamily="34" charset="0"/>
-              </a:rPr>
-              <a:t>h</a:t>
-            </a:r>
-            <a:r>
-              <a:rPr lang="en-US" altLang="zh-TW" sz="2400" b="1" dirty="0" err="1">
-                <a:solidFill>
-                  <a:schemeClr val="accent2"/>
-                </a:solidFill>
-                <a:latin typeface="Arial" panose="020B0604020202020204" pitchFamily="34" charset="0"/>
-              </a:rPr>
-              <a:t>uè</a:t>
-            </a:r>
-            <a:r>
-              <a:rPr lang="zh-TW" altLang="en-US" sz="2400" b="1" dirty="0">
-                <a:solidFill>
-                  <a:srgbClr val="4D4E51"/>
-                </a:solidFill>
-                <a:latin typeface="Arial" panose="020B0604020202020204" pitchFamily="34" charset="0"/>
-              </a:rPr>
-              <a:t>（</a:t>
-            </a:r>
-            <a:r>
-              <a:rPr lang="en-US" altLang="zh-TW" sz="2400" dirty="0">
-                <a:solidFill>
-                  <a:schemeClr val="accent5"/>
-                </a:solidFill>
-                <a:latin typeface="Noto Sans TC Medium" panose="020B0200000000000000" pitchFamily="34" charset="-128"/>
-                <a:ea typeface="Noto Sans TC Medium" panose="020B0200000000000000" pitchFamily="34" charset="-128"/>
-              </a:rPr>
-              <a:t> h</a:t>
-            </a:r>
-            <a:r>
-              <a:rPr lang="en-US" altLang="zh-TW" sz="2400" dirty="0">
-                <a:solidFill>
-                  <a:schemeClr val="accent2"/>
-                </a:solidFill>
-                <a:latin typeface="Noto Sans TC Medium" panose="020B0200000000000000" pitchFamily="34" charset="-128"/>
-                <a:ea typeface="Noto Sans TC Medium" panose="020B0200000000000000" pitchFamily="34" charset="-128"/>
-              </a:rPr>
-              <a:t>ue</a:t>
-            </a:r>
-            <a:r>
-              <a:rPr lang="en-US" altLang="zh-TW" sz="2400" dirty="0">
-                <a:solidFill>
-                  <a:srgbClr val="00B050"/>
-                </a:solidFill>
-                <a:latin typeface="Noto Sans TC Medium" panose="020B0200000000000000" pitchFamily="34" charset="-128"/>
-                <a:ea typeface="Noto Sans TC Medium" panose="020B0200000000000000" pitchFamily="34" charset="-128"/>
-              </a:rPr>
-              <a:t>3 </a:t>
-            </a:r>
-            <a:r>
-              <a:rPr lang="zh-TW" altLang="en-US" sz="2400" b="1" dirty="0">
-                <a:solidFill>
-                  <a:srgbClr val="4D4E51"/>
-                </a:solidFill>
-                <a:latin typeface="Arial" panose="020B0604020202020204" pitchFamily="34" charset="0"/>
-              </a:rPr>
-              <a:t>）</a:t>
-            </a:r>
-            <a:endParaRPr lang="en-US" altLang="zh-TW" sz="2400" dirty="0">
-              <a:latin typeface="Noto Sans TC Medium" panose="020B0200000000000000" pitchFamily="34" charset="-128"/>
-              <a:ea typeface="Noto Sans TC Medium" panose="020B0200000000000000" pitchFamily="34" charset="-128"/>
-            </a:endParaRPr>
-          </a:p>
-          <a:p>
-            <a:pPr marL="381019" indent="-381019">
-              <a:spcBef>
-                <a:spcPts val="400"/>
-              </a:spcBef>
-              <a:buFont typeface="Arial" panose="020B0604020202020204" pitchFamily="34" charset="0"/>
-              <a:buChar char="•"/>
-            </a:pPr>
-            <a:r>
-              <a:rPr lang="zh-TW" altLang="en-US" sz="2400" dirty="0">
-                <a:latin typeface="Noto Sans TC Medium" panose="020B0200000000000000" pitchFamily="34" charset="-128"/>
-                <a:ea typeface="Noto Sans TC Medium" panose="020B0200000000000000" pitchFamily="34" charset="-128"/>
-              </a:rPr>
-              <a:t>寬式國際音標：</a:t>
-            </a:r>
-            <a:r>
-              <a:rPr lang="en-US" altLang="zh-TW" sz="2400" dirty="0">
-                <a:latin typeface="Noto Sans TC Medium" panose="020B0200000000000000" pitchFamily="34" charset="-128"/>
-                <a:ea typeface="Noto Sans TC Medium" panose="020B0200000000000000" pitchFamily="34" charset="-128"/>
-              </a:rPr>
-              <a:t>	</a:t>
-            </a:r>
-            <a:r>
-              <a:rPr lang="en-US" altLang="zh-TW" sz="2400" dirty="0">
-                <a:solidFill>
-                  <a:schemeClr val="accent5"/>
-                </a:solidFill>
-                <a:latin typeface="Noto Sans TC Medium" panose="020B0200000000000000" pitchFamily="34" charset="-128"/>
-                <a:ea typeface="Noto Sans TC Medium" panose="020B0200000000000000" pitchFamily="34" charset="-128"/>
-              </a:rPr>
-              <a:t>h</a:t>
-            </a:r>
-            <a:r>
-              <a:rPr lang="en-US" altLang="zh-TW" sz="2400" dirty="0">
-                <a:solidFill>
-                  <a:schemeClr val="accent2"/>
-                </a:solidFill>
-                <a:latin typeface="Noto Sans TC Medium" panose="020B0200000000000000" pitchFamily="34" charset="-128"/>
-                <a:ea typeface="Noto Sans TC Medium" panose="020B0200000000000000" pitchFamily="34" charset="-128"/>
-              </a:rPr>
-              <a:t>ue</a:t>
-            </a:r>
-            <a:r>
-              <a:rPr lang="en-US" altLang="zh-TW" sz="2400" dirty="0">
-                <a:solidFill>
-                  <a:srgbClr val="00B050"/>
-                </a:solidFill>
-                <a:latin typeface="Noto Sans TC Medium" panose="020B0200000000000000" pitchFamily="34" charset="-128"/>
-                <a:ea typeface="Noto Sans TC Medium" panose="020B0200000000000000" pitchFamily="34" charset="-128"/>
-              </a:rPr>
-              <a:t>3</a:t>
-            </a:r>
-            <a:endParaRPr lang="en-US" altLang="zh-TW" sz="2400" dirty="0">
-              <a:latin typeface="Noto Sans TC Medium" panose="020B0200000000000000" pitchFamily="34" charset="-128"/>
-              <a:ea typeface="Noto Sans TC Medium" panose="020B0200000000000000" pitchFamily="34" charset="-128"/>
-            </a:endParaRPr>
-          </a:p>
-          <a:p>
-            <a:pPr marL="381019" indent="-381019">
-              <a:spcBef>
-                <a:spcPts val="400"/>
-              </a:spcBef>
-              <a:buFont typeface="Arial" panose="020B0604020202020204" pitchFamily="34" charset="0"/>
-              <a:buChar char="•"/>
-            </a:pPr>
-            <a:r>
-              <a:rPr lang="zh-TW" altLang="en-US" sz="2400" dirty="0">
-                <a:latin typeface="Noto Sans TC Medium" panose="020B0200000000000000" pitchFamily="34" charset="-128"/>
-                <a:ea typeface="Noto Sans TC Medium" panose="020B0200000000000000" pitchFamily="34" charset="-128"/>
-              </a:rPr>
-              <a:t>十五音反切：</a:t>
-            </a:r>
-            <a:r>
-              <a:rPr lang="en-US" altLang="zh-TW" sz="2400" dirty="0">
-                <a:latin typeface="Noto Sans TC Medium" panose="020B0200000000000000" pitchFamily="34" charset="-128"/>
-                <a:ea typeface="Noto Sans TC Medium" panose="020B0200000000000000" pitchFamily="34" charset="-128"/>
-              </a:rPr>
-              <a:t>		</a:t>
-            </a:r>
-            <a:r>
-              <a:rPr lang="zh-TW" altLang="en-US" sz="2400" dirty="0">
-                <a:solidFill>
-                  <a:schemeClr val="accent2"/>
-                </a:solidFill>
-                <a:latin typeface="Noto Sans TC Medium" panose="020B0200000000000000" pitchFamily="34" charset="-128"/>
-                <a:ea typeface="Noto Sans TC Medium" panose="020B0200000000000000" pitchFamily="34" charset="-128"/>
-              </a:rPr>
-              <a:t>檜</a:t>
-            </a:r>
-            <a:r>
-              <a:rPr lang="zh-TW" altLang="en-US" sz="2400" dirty="0">
-                <a:solidFill>
-                  <a:srgbClr val="00B050"/>
-                </a:solidFill>
-                <a:latin typeface="Noto Sans TC Medium" panose="020B0200000000000000" pitchFamily="34" charset="-128"/>
-                <a:ea typeface="Noto Sans TC Medium" panose="020B0200000000000000" pitchFamily="34" charset="-128"/>
-              </a:rPr>
-              <a:t>三</a:t>
-            </a:r>
-            <a:r>
-              <a:rPr lang="zh-TW" altLang="en-US" sz="2400" dirty="0">
-                <a:solidFill>
-                  <a:schemeClr val="accent5"/>
-                </a:solidFill>
-                <a:latin typeface="Noto Sans TC Medium" panose="020B0200000000000000" pitchFamily="34" charset="-128"/>
-                <a:ea typeface="Noto Sans TC Medium" panose="020B0200000000000000" pitchFamily="34" charset="-128"/>
-              </a:rPr>
-              <a:t>喜</a:t>
-            </a:r>
-            <a:endParaRPr lang="en-US" altLang="zh-TW" sz="2400" dirty="0">
-              <a:latin typeface="Noto Sans TC Medium" panose="020B0200000000000000" pitchFamily="34" charset="-128"/>
-              <a:ea typeface="Noto Sans TC Medium" panose="020B0200000000000000" pitchFamily="34" charset="-128"/>
-            </a:endParaRPr>
-          </a:p>
-          <a:p>
-            <a:pPr marL="381019" indent="-381019">
-              <a:spcBef>
-                <a:spcPts val="400"/>
-              </a:spcBef>
-              <a:buFont typeface="Arial" panose="020B0604020202020204" pitchFamily="34" charset="0"/>
-              <a:buChar char="•"/>
-            </a:pPr>
-            <a:r>
-              <a:rPr lang="zh-TW" altLang="en-US" sz="2400" dirty="0">
-                <a:latin typeface="Noto Sans TC Medium" panose="020B0200000000000000" pitchFamily="34" charset="-128"/>
-                <a:ea typeface="Noto Sans TC Medium" panose="020B0200000000000000" pitchFamily="34" charset="-128"/>
-              </a:rPr>
-              <a:t>方音符號： </a:t>
-            </a:r>
-            <a:r>
-              <a:rPr lang="en-US" altLang="zh-TW" sz="2400" dirty="0">
-                <a:latin typeface="Noto Sans TC Medium" panose="020B0200000000000000" pitchFamily="34" charset="-128"/>
-                <a:ea typeface="Noto Sans TC Medium" panose="020B0200000000000000" pitchFamily="34" charset="-128"/>
-              </a:rPr>
-              <a:t>		</a:t>
-            </a:r>
-            <a:r>
-              <a:rPr lang="zh-CN" altLang="en-US" sz="2400" dirty="0">
-                <a:solidFill>
-                  <a:schemeClr val="accent5"/>
-                </a:solidFill>
-                <a:latin typeface="Noto Sans TC Medium" panose="020B0200000000000000" pitchFamily="34" charset="-128"/>
-                <a:ea typeface="Noto Sans TC Medium" panose="020B0200000000000000" pitchFamily="34" charset="-128"/>
-              </a:rPr>
-              <a:t>ㄏ</a:t>
-            </a:r>
-            <a:r>
-              <a:rPr lang="zh-TW" altLang="en-US" sz="2400" dirty="0">
-                <a:solidFill>
-                  <a:schemeClr val="accent2"/>
-                </a:solidFill>
-                <a:latin typeface="Noto Sans TC Medium" panose="020B0200000000000000" pitchFamily="34" charset="-128"/>
-                <a:ea typeface="Noto Sans TC Medium" panose="020B0200000000000000" pitchFamily="34" charset="-128"/>
-              </a:rPr>
-              <a:t>ㄨ</a:t>
-            </a:r>
-            <a:r>
-              <a:rPr lang="zh-CN" altLang="en-US" sz="2400" dirty="0">
-                <a:solidFill>
-                  <a:schemeClr val="accent2"/>
-                </a:solidFill>
-                <a:latin typeface="Noto Sans TC Medium" panose="020B0200000000000000" pitchFamily="34" charset="-128"/>
-                <a:ea typeface="Noto Sans TC Medium" panose="020B0200000000000000" pitchFamily="34" charset="-128"/>
-              </a:rPr>
-              <a:t>ㄚ</a:t>
-            </a:r>
-            <a:r>
-              <a:rPr lang="zh-CN" altLang="en-US" sz="2400" b="1" dirty="0">
-                <a:solidFill>
-                  <a:srgbClr val="00B050"/>
-                </a:solidFill>
-                <a:latin typeface="Noto Sans TC Medium" panose="020B0200000000000000" pitchFamily="34" charset="-128"/>
-                <a:ea typeface="Noto Sans TC Medium" panose="020B0200000000000000" pitchFamily="34" charset="-128"/>
-              </a:rPr>
-              <a:t>└ </a:t>
-            </a:r>
-            <a:endParaRPr lang="en-US" altLang="zh-TW" sz="2400" dirty="0">
-              <a:latin typeface="Noto Sans TC Medium" panose="020B0200000000000000" pitchFamily="34" charset="-128"/>
-              <a:ea typeface="Noto Sans TC Medium" panose="020B0200000000000000" pitchFamily="34" charset="-128"/>
-            </a:endParaRPr>
-          </a:p>
-          <a:p>
-            <a:pPr marL="381019" indent="-381019">
-              <a:spcBef>
-                <a:spcPts val="400"/>
-              </a:spcBef>
-              <a:buFont typeface="Arial" panose="020B0604020202020204" pitchFamily="34" charset="0"/>
-              <a:buChar char="•"/>
-            </a:pPr>
-            <a:endParaRPr lang="en-US" altLang="zh-TW" sz="2400" dirty="0">
-              <a:latin typeface="Noto Sans TC Medium" panose="020B0200000000000000" pitchFamily="34" charset="-128"/>
-              <a:ea typeface="Noto Sans TC Medium" panose="020B0200000000000000" pitchFamily="34" charset="-128"/>
-            </a:endParaRPr>
-          </a:p>
-        </p:txBody>
-      </p:sp>
-      <p:sp>
-        <p:nvSpPr>
-          <p:cNvPr id="2" name="文字方塊 1">
-            <a:extLst>
-              <a:ext uri="{FF2B5EF4-FFF2-40B4-BE49-F238E27FC236}">
-                <a16:creationId xmlns:a16="http://schemas.microsoft.com/office/drawing/2014/main" id="{2DF6E5F4-2F16-2BE9-1D2B-9DD8F87A327F}"/>
-              </a:ext>
-            </a:extLst>
-          </p:cNvPr>
-          <p:cNvSpPr txBox="1"/>
-          <p:nvPr/>
-        </p:nvSpPr>
-        <p:spPr>
-          <a:xfrm>
-            <a:off x="3336131" y="3513765"/>
-            <a:ext cx="553998" cy="1200329"/>
-          </a:xfrm>
-          <a:prstGeom prst="rect">
-            <a:avLst/>
-          </a:prstGeom>
-          <a:noFill/>
-        </p:spPr>
-        <p:txBody>
-          <a:bodyPr vert="horz" wrap="square" rtlCol="0">
-            <a:spAutoFit/>
-          </a:bodyPr>
-          <a:lstStyle/>
-          <a:p>
-            <a:pPr algn="ctr"/>
-            <a:r>
-              <a:rPr lang="zh-CN" altLang="en-US" sz="2400" dirty="0">
-                <a:solidFill>
-                  <a:schemeClr val="accent5"/>
-                </a:solidFill>
-                <a:latin typeface="Noto Sans TC Medium" panose="020B0200000000000000" pitchFamily="34" charset="-128"/>
-                <a:ea typeface="Noto Sans TC Medium" panose="020B0200000000000000" pitchFamily="34" charset="-128"/>
-              </a:rPr>
-              <a:t>ㄏ</a:t>
-            </a:r>
-            <a:r>
-              <a:rPr lang="zh-CN" altLang="en-US" sz="2400" dirty="0">
-                <a:solidFill>
-                  <a:schemeClr val="accent2"/>
-                </a:solidFill>
-                <a:latin typeface="Noto Sans TC Medium" panose="020B0200000000000000" pitchFamily="34" charset="-128"/>
-                <a:ea typeface="Noto Sans TC Medium" panose="020B0200000000000000" pitchFamily="34" charset="-128"/>
-              </a:rPr>
-              <a:t>ㄨㆤ</a:t>
-            </a:r>
-            <a:endParaRPr lang="zh-TW" altLang="en-US" sz="2400" dirty="0">
-              <a:solidFill>
-                <a:schemeClr val="accent5"/>
-              </a:solidFill>
-              <a:latin typeface="Noto Sans TC Medium" panose="020B0200000000000000" pitchFamily="34" charset="-128"/>
-              <a:ea typeface="Noto Sans TC Medium" panose="020B0200000000000000" pitchFamily="34" charset="-128"/>
-            </a:endParaRPr>
-          </a:p>
-        </p:txBody>
-      </p:sp>
-      <p:sp>
-        <p:nvSpPr>
-          <p:cNvPr id="3" name="文字方塊 2">
-            <a:extLst>
-              <a:ext uri="{FF2B5EF4-FFF2-40B4-BE49-F238E27FC236}">
-                <a16:creationId xmlns:a16="http://schemas.microsoft.com/office/drawing/2014/main" id="{1AE414BE-0CD8-A70D-DB23-9783ACC00679}"/>
-              </a:ext>
-            </a:extLst>
-          </p:cNvPr>
-          <p:cNvSpPr txBox="1"/>
-          <p:nvPr/>
-        </p:nvSpPr>
-        <p:spPr>
-          <a:xfrm>
-            <a:off x="2027927" y="4840888"/>
-            <a:ext cx="1473200" cy="461665"/>
-          </a:xfrm>
-          <a:prstGeom prst="rect">
-            <a:avLst/>
-          </a:prstGeom>
-          <a:noFill/>
-        </p:spPr>
-        <p:txBody>
-          <a:bodyPr wrap="square" rtlCol="0">
-            <a:spAutoFit/>
-          </a:bodyPr>
-          <a:lstStyle/>
-          <a:p>
-            <a:pPr algn="ctr"/>
-            <a:r>
-              <a:rPr lang="en-US" altLang="zh-TW" sz="2400" dirty="0">
-                <a:solidFill>
-                  <a:schemeClr val="accent5"/>
-                </a:solidFill>
-                <a:latin typeface="Noto Sans TC Medium" panose="020B0200000000000000" pitchFamily="34" charset="-128"/>
-                <a:ea typeface="Noto Sans TC Medium" panose="020B0200000000000000" pitchFamily="34" charset="-128"/>
-              </a:rPr>
-              <a:t>h</a:t>
-            </a:r>
-            <a:r>
-              <a:rPr lang="en-US" altLang="zh-TW" sz="2400" dirty="0">
-                <a:solidFill>
-                  <a:schemeClr val="accent2"/>
-                </a:solidFill>
-                <a:latin typeface="Noto Sans TC Medium" panose="020B0200000000000000" pitchFamily="34" charset="-128"/>
-                <a:ea typeface="Noto Sans TC Medium" panose="020B0200000000000000" pitchFamily="34" charset="-128"/>
-              </a:rPr>
-              <a:t>ue</a:t>
-            </a:r>
-            <a:r>
-              <a:rPr lang="en-US" altLang="zh-TW" sz="2400" baseline="30000" dirty="0">
-                <a:solidFill>
-                  <a:srgbClr val="00B050"/>
-                </a:solidFill>
-                <a:latin typeface="Noto Sans TC Medium" panose="020B0200000000000000" pitchFamily="34" charset="-128"/>
-                <a:ea typeface="Noto Sans TC Medium" panose="020B0200000000000000" pitchFamily="34" charset="-128"/>
-              </a:rPr>
-              <a:t>3</a:t>
-            </a:r>
-            <a:endParaRPr lang="zh-TW" altLang="en-US" sz="2400" baseline="30000" dirty="0">
-              <a:latin typeface="Noto Sans TC Medium" panose="020B0200000000000000" pitchFamily="34" charset="-128"/>
-              <a:ea typeface="Noto Sans TC Medium" panose="020B0200000000000000" pitchFamily="34" charset="-128"/>
-            </a:endParaRPr>
-          </a:p>
-        </p:txBody>
-      </p:sp>
-      <p:sp>
-        <p:nvSpPr>
-          <p:cNvPr id="5" name="文字方塊 4">
-            <a:extLst>
-              <a:ext uri="{FF2B5EF4-FFF2-40B4-BE49-F238E27FC236}">
-                <a16:creationId xmlns:a16="http://schemas.microsoft.com/office/drawing/2014/main" id="{D7B52540-4E74-18A7-8883-C81AEE98B044}"/>
-              </a:ext>
-            </a:extLst>
-          </p:cNvPr>
-          <p:cNvSpPr txBox="1"/>
-          <p:nvPr/>
-        </p:nvSpPr>
-        <p:spPr>
-          <a:xfrm>
-            <a:off x="441325" y="1980323"/>
-            <a:ext cx="5789613" cy="461665"/>
-          </a:xfrm>
-          <a:prstGeom prst="rect">
-            <a:avLst/>
-          </a:prstGeom>
-          <a:noFill/>
-        </p:spPr>
-        <p:txBody>
-          <a:bodyPr wrap="square" rtlCol="0">
-            <a:spAutoFit/>
-          </a:bodyPr>
-          <a:lstStyle/>
-          <a:p>
-            <a:r>
-              <a:rPr lang="zh-TW" altLang="en-US" sz="2400" dirty="0">
-                <a:latin typeface="Noto Sans TC Medium" panose="020B0200000000000000" pitchFamily="34" charset="-128"/>
-                <a:ea typeface="Noto Sans TC Medium" panose="020B0200000000000000" pitchFamily="34" charset="-128"/>
-              </a:rPr>
-              <a:t>漢字標音 ＝ </a:t>
-            </a:r>
-            <a:r>
-              <a:rPr lang="zh-TW" altLang="en-US" sz="2400" dirty="0">
-                <a:solidFill>
-                  <a:schemeClr val="accent5"/>
-                </a:solidFill>
-                <a:latin typeface="Noto Sans TC Medium" panose="020B0200000000000000" pitchFamily="34" charset="-128"/>
-                <a:ea typeface="Noto Sans TC Medium" panose="020B0200000000000000" pitchFamily="34" charset="-128"/>
-              </a:rPr>
-              <a:t>聲母</a:t>
-            </a:r>
-            <a:r>
-              <a:rPr lang="zh-TW" altLang="en-US" sz="2400" dirty="0">
-                <a:latin typeface="Noto Sans TC Medium" panose="020B0200000000000000" pitchFamily="34" charset="-128"/>
-                <a:ea typeface="Noto Sans TC Medium" panose="020B0200000000000000" pitchFamily="34" charset="-128"/>
-              </a:rPr>
-              <a:t> ＋ </a:t>
-            </a:r>
-            <a:r>
-              <a:rPr lang="zh-TW" altLang="en-US" sz="2400" dirty="0">
-                <a:solidFill>
-                  <a:schemeClr val="accent2"/>
-                </a:solidFill>
-                <a:latin typeface="Noto Sans TC Medium" panose="020B0200000000000000" pitchFamily="34" charset="-128"/>
-                <a:ea typeface="Noto Sans TC Medium" panose="020B0200000000000000" pitchFamily="34" charset="-128"/>
-              </a:rPr>
-              <a:t>韻母</a:t>
-            </a:r>
-            <a:r>
-              <a:rPr lang="zh-TW" altLang="en-US" sz="2400" dirty="0">
-                <a:latin typeface="Noto Sans TC Medium" panose="020B0200000000000000" pitchFamily="34" charset="-128"/>
-                <a:ea typeface="Noto Sans TC Medium" panose="020B0200000000000000" pitchFamily="34" charset="-128"/>
-              </a:rPr>
-              <a:t> ＋ </a:t>
-            </a:r>
-            <a:r>
-              <a:rPr lang="zh-TW" altLang="en-US" sz="2400" dirty="0">
-                <a:solidFill>
-                  <a:srgbClr val="00B050"/>
-                </a:solidFill>
-                <a:latin typeface="Noto Sans TC Medium" panose="020B0200000000000000" pitchFamily="34" charset="-128"/>
-                <a:ea typeface="Noto Sans TC Medium" panose="020B0200000000000000" pitchFamily="34" charset="-128"/>
-              </a:rPr>
-              <a:t>聲調</a:t>
-            </a:r>
-          </a:p>
-        </p:txBody>
-      </p:sp>
-      <p:sp>
-        <p:nvSpPr>
-          <p:cNvPr id="4" name="文字方塊 3">
-            <a:extLst>
-              <a:ext uri="{FF2B5EF4-FFF2-40B4-BE49-F238E27FC236}">
-                <a16:creationId xmlns:a16="http://schemas.microsoft.com/office/drawing/2014/main" id="{39A6B4A1-546A-08C3-98FE-F99123CDB9B2}"/>
-              </a:ext>
-            </a:extLst>
-          </p:cNvPr>
-          <p:cNvSpPr txBox="1"/>
-          <p:nvPr/>
-        </p:nvSpPr>
-        <p:spPr>
-          <a:xfrm>
-            <a:off x="2027927" y="3027649"/>
-            <a:ext cx="1473200" cy="461665"/>
-          </a:xfrm>
-          <a:prstGeom prst="rect">
-            <a:avLst/>
-          </a:prstGeom>
-          <a:noFill/>
-        </p:spPr>
-        <p:txBody>
-          <a:bodyPr wrap="square" rtlCol="0">
-            <a:spAutoFit/>
-          </a:bodyPr>
-          <a:lstStyle/>
-          <a:p>
-            <a:pPr algn="ctr"/>
-            <a:r>
-              <a:rPr lang="en-US" altLang="zh-TW" sz="2400" b="1" dirty="0" err="1">
-                <a:solidFill>
-                  <a:schemeClr val="accent5"/>
-                </a:solidFill>
-                <a:latin typeface="Arial" panose="020B0604020202020204" pitchFamily="34" charset="0"/>
-              </a:rPr>
-              <a:t>h</a:t>
-            </a:r>
-            <a:r>
-              <a:rPr lang="en-US" altLang="zh-TW" sz="2400" b="1" dirty="0" err="1">
-                <a:solidFill>
-                  <a:schemeClr val="accent2"/>
-                </a:solidFill>
-                <a:latin typeface="Arial" panose="020B0604020202020204" pitchFamily="34" charset="0"/>
-              </a:rPr>
-              <a:t>uè</a:t>
-            </a:r>
-            <a:endParaRPr lang="zh-TW" altLang="en-US" sz="2400" dirty="0">
-              <a:solidFill>
-                <a:schemeClr val="accent2"/>
-              </a:solidFill>
-              <a:latin typeface="Noto Sans TC Medium" panose="020B0200000000000000" pitchFamily="34" charset="-128"/>
-              <a:ea typeface="Noto Sans TC Medium" panose="020B0200000000000000" pitchFamily="34" charset="-128"/>
-            </a:endParaRPr>
-          </a:p>
-        </p:txBody>
-      </p:sp>
-      <p:sp>
-        <p:nvSpPr>
-          <p:cNvPr id="10" name="文字方塊 9">
-            <a:extLst>
-              <a:ext uri="{FF2B5EF4-FFF2-40B4-BE49-F238E27FC236}">
-                <a16:creationId xmlns:a16="http://schemas.microsoft.com/office/drawing/2014/main" id="{9171564A-D963-48D2-4ABD-491C152439F9}"/>
-              </a:ext>
-            </a:extLst>
-          </p:cNvPr>
-          <p:cNvSpPr txBox="1"/>
-          <p:nvPr/>
-        </p:nvSpPr>
-        <p:spPr>
-          <a:xfrm>
-            <a:off x="3611555" y="4084994"/>
-            <a:ext cx="553998" cy="461665"/>
-          </a:xfrm>
-          <a:prstGeom prst="rect">
-            <a:avLst/>
-          </a:prstGeom>
-          <a:noFill/>
-        </p:spPr>
-        <p:txBody>
-          <a:bodyPr vert="horz" wrap="square" rtlCol="0">
-            <a:spAutoFit/>
-          </a:bodyPr>
-          <a:lstStyle/>
-          <a:p>
-            <a:pPr algn="ctr"/>
-            <a:r>
-              <a:rPr lang="zh-CN" altLang="en-US" sz="2400" b="1" dirty="0">
-                <a:solidFill>
-                  <a:srgbClr val="00B050"/>
-                </a:solidFill>
-                <a:latin typeface="Noto Sans TC Medium" panose="020B0200000000000000" pitchFamily="34" charset="-128"/>
-                <a:ea typeface="Noto Sans TC Medium" panose="020B0200000000000000" pitchFamily="34" charset="-128"/>
-              </a:rPr>
-              <a:t>└</a:t>
-            </a:r>
-            <a:endParaRPr lang="zh-TW" altLang="en-US" sz="2400" b="1" dirty="0">
-              <a:solidFill>
-                <a:srgbClr val="00B050"/>
-              </a:solidFill>
-              <a:latin typeface="Noto Sans TC Medium" panose="020B0200000000000000" pitchFamily="34" charset="-128"/>
-              <a:ea typeface="Noto Sans TC Medium" panose="020B0200000000000000" pitchFamily="34" charset="-128"/>
-            </a:endParaRPr>
-          </a:p>
-        </p:txBody>
-      </p:sp>
-      <p:sp>
-        <p:nvSpPr>
-          <p:cNvPr id="12" name="文字方塊 11">
-            <a:extLst>
-              <a:ext uri="{FF2B5EF4-FFF2-40B4-BE49-F238E27FC236}">
-                <a16:creationId xmlns:a16="http://schemas.microsoft.com/office/drawing/2014/main" id="{37AAE250-B75E-0959-110B-492296173F04}"/>
-              </a:ext>
-            </a:extLst>
-          </p:cNvPr>
-          <p:cNvSpPr txBox="1"/>
-          <p:nvPr/>
-        </p:nvSpPr>
-        <p:spPr>
-          <a:xfrm>
-            <a:off x="1626043" y="3497945"/>
-            <a:ext cx="553998" cy="1200329"/>
-          </a:xfrm>
-          <a:prstGeom prst="rect">
-            <a:avLst/>
-          </a:prstGeom>
-          <a:noFill/>
-        </p:spPr>
-        <p:txBody>
-          <a:bodyPr vert="horz" wrap="square" rtlCol="0">
-            <a:spAutoFit/>
-          </a:bodyPr>
-          <a:lstStyle/>
-          <a:p>
-            <a:pPr algn="ctr"/>
-            <a:r>
-              <a:rPr lang="zh-TW" altLang="en-US" sz="2400" dirty="0">
-                <a:solidFill>
-                  <a:schemeClr val="accent2"/>
-                </a:solidFill>
-                <a:latin typeface="Noto Sans TC Medium" panose="020B0200000000000000" pitchFamily="34" charset="-128"/>
-                <a:ea typeface="Noto Sans TC Medium" panose="020B0200000000000000" pitchFamily="34" charset="-128"/>
-              </a:rPr>
-              <a:t>檜</a:t>
-            </a:r>
-            <a:endParaRPr lang="en-US" altLang="zh-TW" sz="2400" dirty="0">
-              <a:solidFill>
-                <a:schemeClr val="accent2"/>
-              </a:solidFill>
-              <a:latin typeface="Noto Sans TC Medium" panose="020B0200000000000000" pitchFamily="34" charset="-128"/>
-              <a:ea typeface="Noto Sans TC Medium" panose="020B0200000000000000" pitchFamily="34" charset="-128"/>
-            </a:endParaRPr>
-          </a:p>
-          <a:p>
-            <a:pPr algn="ctr"/>
-            <a:r>
-              <a:rPr lang="zh-TW" altLang="en-US" sz="2400" dirty="0">
-                <a:solidFill>
-                  <a:srgbClr val="00B050"/>
-                </a:solidFill>
-                <a:latin typeface="Noto Sans TC Medium" panose="020B0200000000000000" pitchFamily="34" charset="-128"/>
-                <a:ea typeface="Noto Sans TC Medium" panose="020B0200000000000000" pitchFamily="34" charset="-128"/>
-              </a:rPr>
-              <a:t>三</a:t>
-            </a:r>
-            <a:endParaRPr lang="en-US" altLang="zh-TW" sz="2400" dirty="0">
-              <a:solidFill>
-                <a:srgbClr val="00B050"/>
-              </a:solidFill>
-              <a:latin typeface="Noto Sans TC Medium" panose="020B0200000000000000" pitchFamily="34" charset="-128"/>
-              <a:ea typeface="Noto Sans TC Medium" panose="020B0200000000000000" pitchFamily="34" charset="-128"/>
-            </a:endParaRPr>
-          </a:p>
-          <a:p>
-            <a:pPr algn="ctr"/>
-            <a:r>
-              <a:rPr lang="zh-TW" altLang="en-US" sz="2400" dirty="0">
-                <a:solidFill>
-                  <a:schemeClr val="accent5"/>
-                </a:solidFill>
-                <a:latin typeface="Noto Sans TC Medium" panose="020B0200000000000000" pitchFamily="34" charset="-128"/>
-                <a:ea typeface="Noto Sans TC Medium" panose="020B0200000000000000" pitchFamily="34" charset="-128"/>
-              </a:rPr>
-              <a:t>喜</a:t>
-            </a:r>
-          </a:p>
-        </p:txBody>
-      </p:sp>
     </p:spTree>
     <p:extLst>
       <p:ext uri="{BB962C8B-B14F-4D97-AF65-F5344CB8AC3E}">
@@ -10808,7 +12542,7 @@
 </p:sld>
 </file>
 
-<file path=ppt/slides/slide5.xml><?xml version="1.0" encoding="utf-8"?>
+<file path=ppt/slides/slide4.xml><?xml version="1.0" encoding="utf-8"?>
 <p:sld xmlns:a="http://schemas.openxmlformats.org/drawingml/2006/main" xmlns:r="http://schemas.openxmlformats.org/officeDocument/2006/relationships" xmlns:p="http://schemas.openxmlformats.org/presentationml/2006/main">
   <p:cSld>
     <p:spTree>
@@ -10932,7 +12666,7 @@
 </p:sld>
 </file>
 
-<file path=ppt/slides/slide6.xml><?xml version="1.0" encoding="utf-8"?>
+<file path=ppt/slides/slide5.xml><?xml version="1.0" encoding="utf-8"?>
 <p:sld xmlns:a="http://schemas.openxmlformats.org/drawingml/2006/main" xmlns:r="http://schemas.openxmlformats.org/officeDocument/2006/relationships" xmlns:p="http://schemas.openxmlformats.org/presentationml/2006/main">
   <p:cSld>
     <p:spTree>
@@ -11446,7 +13180,7 @@
 </p:sld>
 </file>
 
-<file path=ppt/slides/slide7.xml><?xml version="1.0" encoding="utf-8"?>
+<file path=ppt/slides/slide6.xml><?xml version="1.0" encoding="utf-8"?>
 <p:sld xmlns:a="http://schemas.openxmlformats.org/drawingml/2006/main" xmlns:r="http://schemas.openxmlformats.org/officeDocument/2006/relationships" xmlns:p="http://schemas.openxmlformats.org/presentationml/2006/main">
   <p:cSld>
     <p:spTree>
@@ -11540,7 +13274,7 @@
 </p:sld>
 </file>
 
-<file path=ppt/slides/slide8.xml><?xml version="1.0" encoding="utf-8"?>
+<file path=ppt/slides/slide7.xml><?xml version="1.0" encoding="utf-8"?>
 <p:sld xmlns:a="http://schemas.openxmlformats.org/drawingml/2006/main" xmlns:r="http://schemas.openxmlformats.org/officeDocument/2006/relationships" xmlns:p="http://schemas.openxmlformats.org/presentationml/2006/main">
   <p:cSld>
     <p:spTree>
@@ -11655,7 +13389,7 @@
 </p:sld>
 </file>
 
-<file path=ppt/slides/slide9.xml><?xml version="1.0" encoding="utf-8"?>
+<file path=ppt/slides/slide8.xml><?xml version="1.0" encoding="utf-8"?>
 <p:sld xmlns:a="http://schemas.openxmlformats.org/drawingml/2006/main" xmlns:r="http://schemas.openxmlformats.org/officeDocument/2006/relationships" xmlns:p="http://schemas.openxmlformats.org/presentationml/2006/main">
   <p:cSld>
     <p:spTree>
@@ -11706,7 +13440,7 @@
                 <a:ea typeface="Microsoft JhengHei UI" panose="020B0604030504040204" pitchFamily="34" charset="-120"/>
               </a:rPr>
               <a:pPr rtl="0"/>
-              <a:t>9</a:t>
+              <a:t>8</a:t>
             </a:fld>
             <a:endParaRPr lang="zh-TW" altLang="en-US">
               <a:latin typeface="Microsoft JhengHei UI" panose="020B0604030504040204" pitchFamily="34" charset="-120"/>
@@ -11850,6 +13584,182 @@
     <p:extLst>
       <p:ext uri="{BB962C8B-B14F-4D97-AF65-F5344CB8AC3E}">
         <p14:creationId xmlns:p14="http://schemas.microsoft.com/office/powerpoint/2010/main" val="3663518561"/>
+      </p:ext>
+    </p:extLst>
+  </p:cSld>
+  <p:clrMapOvr>
+    <a:masterClrMapping/>
+  </p:clrMapOvr>
+</p:sld>
+</file>
+
+<file path=ppt/slides/slide9.xml><?xml version="1.0" encoding="utf-8"?>
+<p:sld xmlns:a="http://schemas.openxmlformats.org/drawingml/2006/main" xmlns:r="http://schemas.openxmlformats.org/officeDocument/2006/relationships" xmlns:p="http://schemas.openxmlformats.org/presentationml/2006/main">
+  <p:cSld>
+    <p:spTree>
+      <p:nvGrpSpPr>
+        <p:cNvPr id="1" name="">
+          <a:extLst>
+            <a:ext uri="{FF2B5EF4-FFF2-40B4-BE49-F238E27FC236}">
+              <a16:creationId xmlns:a16="http://schemas.microsoft.com/office/drawing/2014/main" id="{D235AC59-D32E-93C6-A856-5410CCFDC6A8}"/>
+            </a:ext>
+          </a:extLst>
+        </p:cNvPr>
+        <p:cNvGrpSpPr/>
+        <p:nvPr/>
+      </p:nvGrpSpPr>
+      <p:grpSpPr>
+        <a:xfrm>
+          <a:off x="0" y="0"/>
+          <a:ext cx="0" cy="0"/>
+          <a:chOff x="0" y="0"/>
+          <a:chExt cx="0" cy="0"/>
+        </a:xfrm>
+      </p:grpSpPr>
+      <p:sp>
+        <p:nvSpPr>
+          <p:cNvPr id="11" name="投影片編號版面配置區 10">
+            <a:extLst>
+              <a:ext uri="{FF2B5EF4-FFF2-40B4-BE49-F238E27FC236}">
+                <a16:creationId xmlns:a16="http://schemas.microsoft.com/office/drawing/2014/main" id="{9E34CAED-452E-6B73-4DFB-C2F3B1121A4B}"/>
+              </a:ext>
+            </a:extLst>
+          </p:cNvPr>
+          <p:cNvSpPr>
+            <a:spLocks noGrp="1"/>
+          </p:cNvSpPr>
+          <p:nvPr>
+            <p:ph type="sldNum" sz="quarter" idx="12"/>
+          </p:nvPr>
+        </p:nvSpPr>
+        <p:spPr/>
+        <p:txBody>
+          <a:bodyPr rtlCol="0"/>
+          <a:lstStyle/>
+          <a:p>
+            <a:pPr rtl="0"/>
+            <a:fld id="{D8DA9DAA-006C-4F4B-980E-E3DF019B24E2}" type="slidenum">
+              <a:rPr lang="en-US" altLang="zh-TW" smtClean="0">
+                <a:latin typeface="Microsoft JhengHei UI" panose="020B0604030504040204" pitchFamily="34" charset="-120"/>
+                <a:ea typeface="Microsoft JhengHei UI" panose="020B0604030504040204" pitchFamily="34" charset="-120"/>
+              </a:rPr>
+              <a:pPr rtl="0"/>
+              <a:t>9</a:t>
+            </a:fld>
+            <a:endParaRPr lang="zh-TW" altLang="en-US">
+              <a:latin typeface="Microsoft JhengHei UI" panose="020B0604030504040204" pitchFamily="34" charset="-120"/>
+              <a:ea typeface="Microsoft JhengHei UI" panose="020B0604030504040204" pitchFamily="34" charset="-120"/>
+            </a:endParaRPr>
+          </a:p>
+        </p:txBody>
+      </p:sp>
+      <p:sp>
+        <p:nvSpPr>
+          <p:cNvPr id="7" name="標題 6">
+            <a:extLst>
+              <a:ext uri="{FF2B5EF4-FFF2-40B4-BE49-F238E27FC236}">
+                <a16:creationId xmlns:a16="http://schemas.microsoft.com/office/drawing/2014/main" id="{16009C93-8C9D-A033-4FE4-2B9415132115}"/>
+              </a:ext>
+            </a:extLst>
+          </p:cNvPr>
+          <p:cNvSpPr>
+            <a:spLocks noGrp="1"/>
+          </p:cNvSpPr>
+          <p:nvPr>
+            <p:ph type="title"/>
+          </p:nvPr>
+        </p:nvSpPr>
+        <p:spPr>
+          <a:xfrm>
+            <a:off x="237490" y="885138"/>
+            <a:ext cx="4228184" cy="509524"/>
+          </a:xfrm>
+        </p:spPr>
+        <p:txBody>
+          <a:bodyPr>
+            <a:normAutofit/>
+          </a:bodyPr>
+          <a:lstStyle/>
+          <a:p>
+            <a:r>
+              <a:rPr lang="zh-TW" altLang="en-US" dirty="0">
+                <a:latin typeface="Noto Serif TC Black" panose="02020200000000000000" pitchFamily="18" charset="-128"/>
+                <a:ea typeface="Noto Serif TC Black" panose="02020200000000000000" pitchFamily="18" charset="-128"/>
+              </a:rPr>
+              <a:t>台羅拼音之四聲八調</a:t>
+            </a:r>
+            <a:endParaRPr lang="zh-TW" altLang="en-US" dirty="0">
+              <a:solidFill>
+                <a:schemeClr val="accent5"/>
+              </a:solidFill>
+            </a:endParaRPr>
+          </a:p>
+        </p:txBody>
+      </p:sp>
+      <p:pic>
+        <p:nvPicPr>
+          <p:cNvPr id="8" name="圖片 7">
+            <a:extLst>
+              <a:ext uri="{FF2B5EF4-FFF2-40B4-BE49-F238E27FC236}">
+                <a16:creationId xmlns:a16="http://schemas.microsoft.com/office/drawing/2014/main" id="{53AA9489-2E6C-38B9-8D76-E30AB1F8FE7B}"/>
+              </a:ext>
+            </a:extLst>
+          </p:cNvPr>
+          <p:cNvPicPr>
+            <a:picLocks noChangeAspect="1"/>
+          </p:cNvPicPr>
+          <p:nvPr/>
+        </p:nvPicPr>
+        <p:blipFill>
+          <a:blip r:embed="rId3"/>
+          <a:stretch>
+            <a:fillRect/>
+          </a:stretch>
+        </p:blipFill>
+        <p:spPr>
+          <a:xfrm>
+            <a:off x="0" y="6713130"/>
+            <a:ext cx="6858000" cy="2276900"/>
+          </a:xfrm>
+          <a:prstGeom prst="rect">
+            <a:avLst/>
+          </a:prstGeom>
+        </p:spPr>
+      </p:pic>
+      <p:pic>
+        <p:nvPicPr>
+          <p:cNvPr id="9" name="圖片 8">
+            <a:extLst>
+              <a:ext uri="{FF2B5EF4-FFF2-40B4-BE49-F238E27FC236}">
+                <a16:creationId xmlns:a16="http://schemas.microsoft.com/office/drawing/2014/main" id="{E5C958BB-33FD-F036-3512-3C0EB60001CC}"/>
+              </a:ext>
+            </a:extLst>
+          </p:cNvPr>
+          <p:cNvPicPr>
+            <a:picLocks noChangeAspect="1"/>
+          </p:cNvPicPr>
+          <p:nvPr/>
+        </p:nvPicPr>
+        <p:blipFill>
+          <a:blip r:embed="rId4"/>
+          <a:stretch>
+            <a:fillRect/>
+          </a:stretch>
+        </p:blipFill>
+        <p:spPr>
+          <a:xfrm>
+            <a:off x="237490" y="1823166"/>
+            <a:ext cx="6250396" cy="4363726"/>
+          </a:xfrm>
+          <a:prstGeom prst="rect">
+            <a:avLst/>
+          </a:prstGeom>
+        </p:spPr>
+      </p:pic>
+    </p:spTree>
+    <p:extLst>
+      <p:ext uri="{BB962C8B-B14F-4D97-AF65-F5344CB8AC3E}">
+        <p14:creationId xmlns:p14="http://schemas.microsoft.com/office/powerpoint/2010/main" val="133098972"/>
       </p:ext>
     </p:extLst>
   </p:cSld>

--- a/Documents/十五音教材/閩南語之四聲八調與變調規則.pptx
+++ b/Documents/十五音教材/閩南語之四聲八調與變調規則.pptx
@@ -5,37 +5,36 @@
     <p:sldMasterId id="2147483660" r:id="rId1"/>
   </p:sldMasterIdLst>
   <p:notesMasterIdLst>
-    <p:notesMasterId r:id="rId30"/>
+    <p:notesMasterId r:id="rId29"/>
   </p:notesMasterIdLst>
   <p:sldIdLst>
     <p:sldId id="306" r:id="rId2"/>
     <p:sldId id="367" r:id="rId3"/>
     <p:sldId id="344" r:id="rId4"/>
     <p:sldId id="382" r:id="rId5"/>
-    <p:sldId id="376" r:id="rId6"/>
-    <p:sldId id="379" r:id="rId7"/>
-    <p:sldId id="380" r:id="rId8"/>
-    <p:sldId id="381" r:id="rId9"/>
-    <p:sldId id="373" r:id="rId10"/>
-    <p:sldId id="375" r:id="rId11"/>
-    <p:sldId id="369" r:id="rId12"/>
-    <p:sldId id="358" r:id="rId13"/>
-    <p:sldId id="357" r:id="rId14"/>
-    <p:sldId id="359" r:id="rId15"/>
-    <p:sldId id="365" r:id="rId16"/>
-    <p:sldId id="322" r:id="rId17"/>
-    <p:sldId id="321" r:id="rId18"/>
-    <p:sldId id="320" r:id="rId19"/>
-    <p:sldId id="360" r:id="rId20"/>
-    <p:sldId id="366" r:id="rId21"/>
-    <p:sldId id="355" r:id="rId22"/>
-    <p:sldId id="356" r:id="rId23"/>
-    <p:sldId id="368" r:id="rId24"/>
-    <p:sldId id="362" r:id="rId25"/>
-    <p:sldId id="363" r:id="rId26"/>
-    <p:sldId id="374" r:id="rId27"/>
-    <p:sldId id="364" r:id="rId28"/>
-    <p:sldId id="372" r:id="rId29"/>
+    <p:sldId id="383" r:id="rId6"/>
+    <p:sldId id="376" r:id="rId7"/>
+    <p:sldId id="379" r:id="rId8"/>
+    <p:sldId id="380" r:id="rId9"/>
+    <p:sldId id="381" r:id="rId10"/>
+    <p:sldId id="373" r:id="rId11"/>
+    <p:sldId id="375" r:id="rId12"/>
+    <p:sldId id="369" r:id="rId13"/>
+    <p:sldId id="358" r:id="rId14"/>
+    <p:sldId id="357" r:id="rId15"/>
+    <p:sldId id="359" r:id="rId16"/>
+    <p:sldId id="365" r:id="rId17"/>
+    <p:sldId id="322" r:id="rId18"/>
+    <p:sldId id="321" r:id="rId19"/>
+    <p:sldId id="320" r:id="rId20"/>
+    <p:sldId id="360" r:id="rId21"/>
+    <p:sldId id="366" r:id="rId22"/>
+    <p:sldId id="362" r:id="rId23"/>
+    <p:sldId id="363" r:id="rId24"/>
+    <p:sldId id="374" r:id="rId25"/>
+    <p:sldId id="364" r:id="rId26"/>
+    <p:sldId id="384" r:id="rId27"/>
+    <p:sldId id="372" r:id="rId28"/>
   </p:sldIdLst>
   <p:sldSz cx="6858000" cy="12192000"/>
   <p:notesSz cx="6858000" cy="9144000"/>
@@ -137,7 +136,7 @@
   <p:extLst>
     <p:ext uri="{EFAFB233-063F-42B5-8137-9DF3F51BA10A}">
       <p15:sldGuideLst xmlns:p15="http://schemas.microsoft.com/office/powerpoint/2012/main">
-        <p15:guide id="1" orient="horz" pos="4634" userDrawn="1">
+        <p15:guide id="1" orient="horz" pos="4294" userDrawn="1">
           <p15:clr>
             <a:srgbClr val="A4A3A4"/>
           </p15:clr>
@@ -147,7 +146,7 @@
             <a:srgbClr val="A4A3A4"/>
           </p15:clr>
         </p15:guide>
-        <p15:guide id="3" orient="horz" pos="1527" userDrawn="1">
+        <p15:guide id="3" orient="horz" pos="1118" userDrawn="1">
           <p15:clr>
             <a:srgbClr val="A4A3A4"/>
           </p15:clr>
@@ -707,7 +706,7 @@
                 <a:latin typeface="Microsoft JhengHei UI" panose="020B0604030504040204" pitchFamily="34" charset="-120"/>
                 <a:ea typeface="Microsoft JhengHei UI" panose="020B0604030504040204" pitchFamily="34" charset="-120"/>
               </a:rPr>
-              <a:t>19</a:t>
+              <a:t>20</a:t>
             </a:fld>
             <a:endParaRPr lang="zh-TW" altLang="en-US">
               <a:latin typeface="Microsoft JhengHei UI" panose="020B0604030504040204" pitchFamily="34" charset="-120"/>
@@ -830,7 +829,7 @@
                 <a:latin typeface="Microsoft JhengHei UI" panose="020B0604030504040204" pitchFamily="34" charset="-120"/>
                 <a:ea typeface="Microsoft JhengHei UI" panose="020B0604030504040204" pitchFamily="34" charset="-120"/>
               </a:rPr>
-              <a:t>24</a:t>
+              <a:t>22</a:t>
             </a:fld>
             <a:endParaRPr lang="zh-TW" altLang="en-US">
               <a:latin typeface="Microsoft JhengHei UI" panose="020B0604030504040204" pitchFamily="34" charset="-120"/>
@@ -953,7 +952,7 @@
                 <a:latin typeface="Microsoft JhengHei UI" panose="020B0604030504040204" pitchFamily="34" charset="-120"/>
                 <a:ea typeface="Microsoft JhengHei UI" panose="020B0604030504040204" pitchFamily="34" charset="-120"/>
               </a:rPr>
-              <a:t>25</a:t>
+              <a:t>23</a:t>
             </a:fld>
             <a:endParaRPr lang="zh-TW" altLang="en-US">
               <a:latin typeface="Microsoft JhengHei UI" panose="020B0604030504040204" pitchFamily="34" charset="-120"/>
@@ -1076,7 +1075,7 @@
                 <a:latin typeface="Microsoft JhengHei UI" panose="020B0604030504040204" pitchFamily="34" charset="-120"/>
                 <a:ea typeface="Microsoft JhengHei UI" panose="020B0604030504040204" pitchFamily="34" charset="-120"/>
               </a:rPr>
-              <a:t>26</a:t>
+              <a:t>24</a:t>
             </a:fld>
             <a:endParaRPr lang="zh-TW" altLang="en-US">
               <a:latin typeface="Microsoft JhengHei UI" panose="020B0604030504040204" pitchFamily="34" charset="-120"/>
@@ -1199,7 +1198,7 @@
                 <a:latin typeface="Microsoft JhengHei UI" panose="020B0604030504040204" pitchFamily="34" charset="-120"/>
                 <a:ea typeface="Microsoft JhengHei UI" panose="020B0604030504040204" pitchFamily="34" charset="-120"/>
               </a:rPr>
-              <a:t>27</a:t>
+              <a:t>25</a:t>
             </a:fld>
             <a:endParaRPr lang="zh-TW" altLang="en-US">
               <a:latin typeface="Microsoft JhengHei UI" panose="020B0604030504040204" pitchFamily="34" charset="-120"/>
@@ -1222,6 +1221,129 @@
 </file>
 
 <file path=ppt/notesSlides/notesSlide15.xml><?xml version="1.0" encoding="utf-8"?>
+<p:notes xmlns:a="http://schemas.openxmlformats.org/drawingml/2006/main" xmlns:r="http://schemas.openxmlformats.org/officeDocument/2006/relationships" xmlns:p="http://schemas.openxmlformats.org/presentationml/2006/main">
+  <p:cSld>
+    <p:spTree>
+      <p:nvGrpSpPr>
+        <p:cNvPr id="1" name="">
+          <a:extLst>
+            <a:ext uri="{FF2B5EF4-FFF2-40B4-BE49-F238E27FC236}">
+              <a16:creationId xmlns:a16="http://schemas.microsoft.com/office/drawing/2014/main" id="{21F1C17A-143A-04BB-4863-87BEDB6B404A}"/>
+            </a:ext>
+          </a:extLst>
+        </p:cNvPr>
+        <p:cNvGrpSpPr/>
+        <p:nvPr/>
+      </p:nvGrpSpPr>
+      <p:grpSpPr>
+        <a:xfrm>
+          <a:off x="0" y="0"/>
+          <a:ext cx="0" cy="0"/>
+          <a:chOff x="0" y="0"/>
+          <a:chExt cx="0" cy="0"/>
+        </a:xfrm>
+      </p:grpSpPr>
+      <p:sp>
+        <p:nvSpPr>
+          <p:cNvPr id="2" name="投影片影像版面配置區 1">
+            <a:extLst>
+              <a:ext uri="{FF2B5EF4-FFF2-40B4-BE49-F238E27FC236}">
+                <a16:creationId xmlns:a16="http://schemas.microsoft.com/office/drawing/2014/main" id="{34217864-EB27-F9D7-AAAB-0853C9742CD5}"/>
+              </a:ext>
+            </a:extLst>
+          </p:cNvPr>
+          <p:cNvSpPr>
+            <a:spLocks noGrp="1" noRot="1" noChangeAspect="1"/>
+          </p:cNvSpPr>
+          <p:nvPr>
+            <p:ph type="sldImg"/>
+          </p:nvPr>
+        </p:nvSpPr>
+        <p:spPr>
+          <a:xfrm>
+            <a:off x="2560638" y="1143000"/>
+            <a:ext cx="1736725" cy="3086100"/>
+          </a:xfrm>
+        </p:spPr>
+      </p:sp>
+      <p:sp>
+        <p:nvSpPr>
+          <p:cNvPr id="3" name="備忘稿版面配置區 2">
+            <a:extLst>
+              <a:ext uri="{FF2B5EF4-FFF2-40B4-BE49-F238E27FC236}">
+                <a16:creationId xmlns:a16="http://schemas.microsoft.com/office/drawing/2014/main" id="{08C3A777-FC51-5C11-CBA5-95C09FA4C421}"/>
+              </a:ext>
+            </a:extLst>
+          </p:cNvPr>
+          <p:cNvSpPr>
+            <a:spLocks noGrp="1"/>
+          </p:cNvSpPr>
+          <p:nvPr>
+            <p:ph type="body" idx="1"/>
+          </p:nvPr>
+        </p:nvSpPr>
+        <p:spPr/>
+        <p:txBody>
+          <a:bodyPr/>
+          <a:lstStyle/>
+          <a:p>
+            <a:endParaRPr lang="zh-TW" altLang="en-US">
+              <a:latin typeface="Microsoft JhengHei UI" panose="020B0604030504040204" pitchFamily="34" charset="-120"/>
+              <a:ea typeface="Microsoft JhengHei UI" panose="020B0604030504040204" pitchFamily="34" charset="-120"/>
+            </a:endParaRPr>
+          </a:p>
+        </p:txBody>
+      </p:sp>
+      <p:sp>
+        <p:nvSpPr>
+          <p:cNvPr id="4" name="投影片編號版面配置區 3">
+            <a:extLst>
+              <a:ext uri="{FF2B5EF4-FFF2-40B4-BE49-F238E27FC236}">
+                <a16:creationId xmlns:a16="http://schemas.microsoft.com/office/drawing/2014/main" id="{8CC462D9-85B2-E96B-4579-0BE14FA56857}"/>
+              </a:ext>
+            </a:extLst>
+          </p:cNvPr>
+          <p:cNvSpPr>
+            <a:spLocks noGrp="1"/>
+          </p:cNvSpPr>
+          <p:nvPr>
+            <p:ph type="sldNum" sz="quarter" idx="5"/>
+          </p:nvPr>
+        </p:nvSpPr>
+        <p:spPr/>
+        <p:txBody>
+          <a:bodyPr/>
+          <a:lstStyle/>
+          <a:p>
+            <a:pPr rtl="0"/>
+            <a:fld id="{D5939589-3E79-4C82-AA4A-FE78234FAA59}" type="slidenum">
+              <a:rPr lang="en-US" altLang="zh-TW" smtClean="0">
+                <a:latin typeface="Microsoft JhengHei UI" panose="020B0604030504040204" pitchFamily="34" charset="-120"/>
+                <a:ea typeface="Microsoft JhengHei UI" panose="020B0604030504040204" pitchFamily="34" charset="-120"/>
+              </a:rPr>
+              <a:t>26</a:t>
+            </a:fld>
+            <a:endParaRPr lang="zh-TW" altLang="en-US">
+              <a:latin typeface="Microsoft JhengHei UI" panose="020B0604030504040204" pitchFamily="34" charset="-120"/>
+              <a:ea typeface="Microsoft JhengHei UI" panose="020B0604030504040204" pitchFamily="34" charset="-120"/>
+            </a:endParaRPr>
+          </a:p>
+        </p:txBody>
+      </p:sp>
+    </p:spTree>
+    <p:extLst>
+      <p:ext uri="{BB962C8B-B14F-4D97-AF65-F5344CB8AC3E}">
+        <p14:creationId xmlns:p14="http://schemas.microsoft.com/office/powerpoint/2010/main" val="668875351"/>
+      </p:ext>
+    </p:extLst>
+  </p:cSld>
+  <p:clrMapOvr>
+    <a:masterClrMapping/>
+  </p:clrMapOvr>
+</p:notes>
+</file>
+
+<file path=ppt/notesSlides/notesSlide16.xml><?xml version="1.0" encoding="utf-8"?>
 <p:notes xmlns:a="http://schemas.openxmlformats.org/drawingml/2006/main" xmlns:r="http://schemas.openxmlformats.org/officeDocument/2006/relationships" xmlns:p="http://schemas.openxmlformats.org/presentationml/2006/main">
   <p:cSld>
     <p:spTree>
@@ -1322,7 +1444,7 @@
                 <a:latin typeface="Microsoft JhengHei UI" panose="020B0604030504040204" pitchFamily="34" charset="-120"/>
                 <a:ea typeface="Microsoft JhengHei UI" panose="020B0604030504040204" pitchFamily="34" charset="-120"/>
               </a:rPr>
-              <a:t>28</a:t>
+              <a:t>27</a:t>
             </a:fld>
             <a:endParaRPr lang="zh-TW" altLang="en-US">
               <a:latin typeface="Microsoft JhengHei UI" panose="020B0604030504040204" pitchFamily="34" charset="-120"/>
@@ -1691,7 +1813,7 @@
                 <a:latin typeface="Microsoft JhengHei UI" panose="020B0604030504040204" pitchFamily="34" charset="-120"/>
                 <a:ea typeface="Microsoft JhengHei UI" panose="020B0604030504040204" pitchFamily="34" charset="-120"/>
               </a:rPr>
-              <a:t>12</a:t>
+              <a:t>13</a:t>
             </a:fld>
             <a:endParaRPr lang="zh-TW" altLang="en-US">
               <a:latin typeface="Microsoft JhengHei UI" panose="020B0604030504040204" pitchFamily="34" charset="-120"/>
@@ -1814,7 +1936,7 @@
                 <a:latin typeface="Microsoft JhengHei UI" panose="020B0604030504040204" pitchFamily="34" charset="-120"/>
                 <a:ea typeface="Microsoft JhengHei UI" panose="020B0604030504040204" pitchFamily="34" charset="-120"/>
               </a:rPr>
-              <a:t>13</a:t>
+              <a:t>14</a:t>
             </a:fld>
             <a:endParaRPr lang="zh-TW" altLang="en-US">
               <a:latin typeface="Microsoft JhengHei UI" panose="020B0604030504040204" pitchFamily="34" charset="-120"/>
@@ -1937,7 +2059,7 @@
                 <a:latin typeface="Microsoft JhengHei UI" panose="020B0604030504040204" pitchFamily="34" charset="-120"/>
                 <a:ea typeface="Microsoft JhengHei UI" panose="020B0604030504040204" pitchFamily="34" charset="-120"/>
               </a:rPr>
-              <a:t>14</a:t>
+              <a:t>15</a:t>
             </a:fld>
             <a:endParaRPr lang="zh-TW" altLang="en-US">
               <a:latin typeface="Microsoft JhengHei UI" panose="020B0604030504040204" pitchFamily="34" charset="-120"/>
@@ -2060,7 +2182,7 @@
                 <a:latin typeface="Microsoft JhengHei UI" panose="020B0604030504040204" pitchFamily="34" charset="-120"/>
                 <a:ea typeface="Microsoft JhengHei UI" panose="020B0604030504040204" pitchFamily="34" charset="-120"/>
               </a:rPr>
-              <a:t>16</a:t>
+              <a:t>17</a:t>
             </a:fld>
             <a:endParaRPr lang="zh-TW" altLang="en-US">
               <a:latin typeface="Microsoft JhengHei UI" panose="020B0604030504040204" pitchFamily="34" charset="-120"/>
@@ -2183,7 +2305,7 @@
                 <a:latin typeface="Microsoft JhengHei UI" panose="020B0604030504040204" pitchFamily="34" charset="-120"/>
                 <a:ea typeface="Microsoft JhengHei UI" panose="020B0604030504040204" pitchFamily="34" charset="-120"/>
               </a:rPr>
-              <a:t>17</a:t>
+              <a:t>18</a:t>
             </a:fld>
             <a:endParaRPr lang="zh-TW" altLang="en-US">
               <a:latin typeface="Microsoft JhengHei UI" panose="020B0604030504040204" pitchFamily="34" charset="-120"/>
@@ -2306,7 +2428,7 @@
                 <a:latin typeface="Microsoft JhengHei UI" panose="020B0604030504040204" pitchFamily="34" charset="-120"/>
                 <a:ea typeface="Microsoft JhengHei UI" panose="020B0604030504040204" pitchFamily="34" charset="-120"/>
               </a:rPr>
-              <a:t>18</a:t>
+              <a:t>19</a:t>
             </a:fld>
             <a:endParaRPr lang="zh-TW" altLang="en-US">
               <a:latin typeface="Microsoft JhengHei UI" panose="020B0604030504040204" pitchFamily="34" charset="-120"/>
@@ -5976,6 +6098,757 @@
         <p:cNvPr id="1" name="">
           <a:extLst>
             <a:ext uri="{FF2B5EF4-FFF2-40B4-BE49-F238E27FC236}">
+              <a16:creationId xmlns:a16="http://schemas.microsoft.com/office/drawing/2014/main" id="{B0B58E76-8D5E-6B5A-F8D6-214963EC9638}"/>
+            </a:ext>
+          </a:extLst>
+        </p:cNvPr>
+        <p:cNvGrpSpPr/>
+        <p:nvPr/>
+      </p:nvGrpSpPr>
+      <p:grpSpPr>
+        <a:xfrm>
+          <a:off x="0" y="0"/>
+          <a:ext cx="0" cy="0"/>
+          <a:chOff x="0" y="0"/>
+          <a:chExt cx="0" cy="0"/>
+        </a:xfrm>
+      </p:grpSpPr>
+      <p:sp>
+        <p:nvSpPr>
+          <p:cNvPr id="3" name="標題 2">
+            <a:extLst>
+              <a:ext uri="{FF2B5EF4-FFF2-40B4-BE49-F238E27FC236}">
+                <a16:creationId xmlns:a16="http://schemas.microsoft.com/office/drawing/2014/main" id="{2907A350-B701-8BCA-A227-CB0488CE08F5}"/>
+              </a:ext>
+            </a:extLst>
+          </p:cNvPr>
+          <p:cNvSpPr>
+            <a:spLocks noGrp="1"/>
+          </p:cNvSpPr>
+          <p:nvPr>
+            <p:ph type="title"/>
+          </p:nvPr>
+        </p:nvSpPr>
+        <p:spPr>
+          <a:xfrm>
+            <a:off x="80963" y="741391"/>
+            <a:ext cx="6437283" cy="649110"/>
+          </a:xfrm>
+        </p:spPr>
+        <p:txBody>
+          <a:bodyPr/>
+          <a:lstStyle/>
+          <a:p>
+            <a:r>
+              <a:rPr lang="zh-TW" altLang="en-US" dirty="0"/>
+              <a:t>台羅拼音：聲調（一）</a:t>
+            </a:r>
+          </a:p>
+        </p:txBody>
+      </p:sp>
+      <p:sp>
+        <p:nvSpPr>
+          <p:cNvPr id="7" name="文字方塊 6">
+            <a:extLst>
+              <a:ext uri="{FF2B5EF4-FFF2-40B4-BE49-F238E27FC236}">
+                <a16:creationId xmlns:a16="http://schemas.microsoft.com/office/drawing/2014/main" id="{BADD7C54-F1C9-5A57-2902-71690EEF7428}"/>
+              </a:ext>
+            </a:extLst>
+          </p:cNvPr>
+          <p:cNvSpPr txBox="1"/>
+          <p:nvPr/>
+        </p:nvSpPr>
+        <p:spPr>
+          <a:xfrm>
+            <a:off x="0" y="1722723"/>
+            <a:ext cx="6071634" cy="523220"/>
+          </a:xfrm>
+          <a:prstGeom prst="rect">
+            <a:avLst/>
+          </a:prstGeom>
+          <a:noFill/>
+        </p:spPr>
+        <p:txBody>
+          <a:bodyPr wrap="square" rtlCol="0">
+            <a:spAutoFit/>
+          </a:bodyPr>
+          <a:lstStyle/>
+          <a:p>
+            <a:r>
+              <a:rPr lang="en-US" altLang="zh-TW" sz="2800" dirty="0">
+                <a:solidFill>
+                  <a:schemeClr val="accent1"/>
+                </a:solidFill>
+                <a:latin typeface="Noto Serif TC Black" panose="02020200000000000000" pitchFamily="18" charset="-128"/>
+                <a:ea typeface="Noto Serif TC Black" panose="02020200000000000000" pitchFamily="18" charset="-128"/>
+              </a:rPr>
+              <a:t>【</a:t>
+            </a:r>
+            <a:r>
+              <a:rPr lang="zh-TW" altLang="en-US" sz="2800" dirty="0">
+                <a:solidFill>
+                  <a:schemeClr val="accent1"/>
+                </a:solidFill>
+                <a:latin typeface="Noto Serif TC Black" panose="02020200000000000000" pitchFamily="18" charset="-128"/>
+                <a:ea typeface="Noto Serif TC Black" panose="02020200000000000000" pitchFamily="18" charset="-128"/>
+              </a:rPr>
+              <a:t>聲調標註</a:t>
+            </a:r>
+            <a:r>
+              <a:rPr lang="en-US" altLang="zh-TW" sz="2800" dirty="0">
+                <a:solidFill>
+                  <a:schemeClr val="accent1"/>
+                </a:solidFill>
+                <a:latin typeface="Noto Serif TC Black" panose="02020200000000000000" pitchFamily="18" charset="-128"/>
+                <a:ea typeface="Noto Serif TC Black" panose="02020200000000000000" pitchFamily="18" charset="-128"/>
+              </a:rPr>
+              <a:t>】</a:t>
+            </a:r>
+            <a:r>
+              <a:rPr lang="zh-TW" altLang="en-US" sz="2800" dirty="0">
+                <a:solidFill>
+                  <a:schemeClr val="accent1"/>
+                </a:solidFill>
+                <a:latin typeface="Noto Serif TC Black" panose="02020200000000000000" pitchFamily="18" charset="-128"/>
+                <a:ea typeface="Noto Serif TC Black" panose="02020200000000000000" pitchFamily="18" charset="-128"/>
+              </a:rPr>
+              <a:t>：</a:t>
+            </a:r>
+          </a:p>
+        </p:txBody>
+      </p:sp>
+      <p:sp>
+        <p:nvSpPr>
+          <p:cNvPr id="8" name="文字方塊 7">
+            <a:extLst>
+              <a:ext uri="{FF2B5EF4-FFF2-40B4-BE49-F238E27FC236}">
+                <a16:creationId xmlns:a16="http://schemas.microsoft.com/office/drawing/2014/main" id="{C6E56190-6696-BCF2-1598-17202FBEDA88}"/>
+              </a:ext>
+            </a:extLst>
+          </p:cNvPr>
+          <p:cNvSpPr txBox="1"/>
+          <p:nvPr/>
+        </p:nvSpPr>
+        <p:spPr>
+          <a:xfrm>
+            <a:off x="395287" y="2245943"/>
+            <a:ext cx="6071634" cy="3139321"/>
+          </a:xfrm>
+          <a:prstGeom prst="rect">
+            <a:avLst/>
+          </a:prstGeom>
+          <a:noFill/>
+        </p:spPr>
+        <p:txBody>
+          <a:bodyPr wrap="square" rtlCol="0">
+            <a:spAutoFit/>
+          </a:bodyPr>
+          <a:lstStyle/>
+          <a:p>
+            <a:pPr marL="285750" indent="-285750">
+              <a:buFont typeface="Arial" panose="020B0604020202020204" pitchFamily="34" charset="0"/>
+              <a:buChar char="•"/>
+            </a:pPr>
+            <a:r>
+              <a:rPr lang="zh-TW" altLang="en-US" dirty="0">
+                <a:latin typeface="Noto Sans TC Medium" panose="020B0200000000000000" pitchFamily="34" charset="-128"/>
+                <a:ea typeface="Noto Sans TC Medium" panose="020B0200000000000000" pitchFamily="34" charset="-128"/>
+              </a:rPr>
+              <a:t>閩南語的</a:t>
+            </a:r>
+            <a:r>
+              <a:rPr lang="en-US" altLang="zh-TW" dirty="0">
+                <a:latin typeface="Noto Sans TC Medium" panose="020B0200000000000000" pitchFamily="34" charset="-128"/>
+                <a:ea typeface="Noto Sans TC Medium" panose="020B0200000000000000" pitchFamily="34" charset="-128"/>
+              </a:rPr>
+              <a:t>【</a:t>
+            </a:r>
+            <a:r>
+              <a:rPr lang="zh-TW" altLang="en-US" dirty="0">
+                <a:latin typeface="Noto Sans TC Medium" panose="020B0200000000000000" pitchFamily="34" charset="-128"/>
+                <a:ea typeface="Noto Sans TC Medium" panose="020B0200000000000000" pitchFamily="34" charset="-128"/>
+              </a:rPr>
+              <a:t>四聲八調</a:t>
+            </a:r>
+            <a:r>
+              <a:rPr lang="en-US" altLang="zh-TW" dirty="0">
+                <a:latin typeface="Noto Sans TC Medium" panose="020B0200000000000000" pitchFamily="34" charset="-128"/>
+                <a:ea typeface="Noto Sans TC Medium" panose="020B0200000000000000" pitchFamily="34" charset="-128"/>
+              </a:rPr>
+              <a:t>】</a:t>
+            </a:r>
+            <a:r>
+              <a:rPr lang="zh-TW" altLang="en-US" dirty="0">
+                <a:latin typeface="Noto Sans TC Medium" panose="020B0200000000000000" pitchFamily="34" charset="-128"/>
+                <a:ea typeface="Noto Sans TC Medium" panose="020B0200000000000000" pitchFamily="34" charset="-128"/>
+              </a:rPr>
+              <a:t>，實際僅有</a:t>
+            </a:r>
+            <a:r>
+              <a:rPr lang="en-US" altLang="zh-TW" dirty="0">
+                <a:latin typeface="Noto Sans TC Medium" panose="020B0200000000000000" pitchFamily="34" charset="-128"/>
+                <a:ea typeface="Noto Sans TC Medium" panose="020B0200000000000000" pitchFamily="34" charset="-128"/>
+              </a:rPr>
+              <a:t>【7</a:t>
+            </a:r>
+            <a:r>
+              <a:rPr lang="zh-TW" altLang="en-US" dirty="0">
+                <a:latin typeface="Noto Sans TC Medium" panose="020B0200000000000000" pitchFamily="34" charset="-128"/>
+                <a:ea typeface="Noto Sans TC Medium" panose="020B0200000000000000" pitchFamily="34" charset="-128"/>
+              </a:rPr>
+              <a:t>個聲調</a:t>
+            </a:r>
+            <a:r>
+              <a:rPr lang="en-US" altLang="zh-TW" dirty="0">
+                <a:latin typeface="Noto Sans TC Medium" panose="020B0200000000000000" pitchFamily="34" charset="-128"/>
+                <a:ea typeface="Noto Sans TC Medium" panose="020B0200000000000000" pitchFamily="34" charset="-128"/>
+              </a:rPr>
+              <a:t>】</a:t>
+            </a:r>
+          </a:p>
+          <a:p>
+            <a:pPr marL="285750" indent="-285750">
+              <a:buFont typeface="Arial" panose="020B0604020202020204" pitchFamily="34" charset="0"/>
+              <a:buChar char="•"/>
+            </a:pPr>
+            <a:r>
+              <a:rPr lang="zh-TW" altLang="en-US" dirty="0">
+                <a:latin typeface="Noto Sans TC Medium" panose="020B0200000000000000" pitchFamily="34" charset="-128"/>
+                <a:ea typeface="Noto Sans TC Medium" panose="020B0200000000000000" pitchFamily="34" charset="-128"/>
+              </a:rPr>
+              <a:t>閩南語的八聲調，其</a:t>
+            </a:r>
+            <a:r>
+              <a:rPr lang="en-US" altLang="zh-TW" dirty="0">
+                <a:latin typeface="Noto Sans TC Medium" panose="020B0200000000000000" pitchFamily="34" charset="-128"/>
+                <a:ea typeface="Noto Sans TC Medium" panose="020B0200000000000000" pitchFamily="34" charset="-128"/>
+              </a:rPr>
+              <a:t>【</a:t>
+            </a:r>
+            <a:r>
+              <a:rPr lang="zh-TW" altLang="en-US" dirty="0">
+                <a:latin typeface="Noto Sans TC Medium" panose="020B0200000000000000" pitchFamily="34" charset="-128"/>
+                <a:ea typeface="Noto Sans TC Medium" panose="020B0200000000000000" pitchFamily="34" charset="-128"/>
+              </a:rPr>
+              <a:t>調名</a:t>
+            </a:r>
+            <a:r>
+              <a:rPr lang="en-US" altLang="zh-TW" dirty="0">
+                <a:latin typeface="Noto Sans TC Medium" panose="020B0200000000000000" pitchFamily="34" charset="-128"/>
+                <a:ea typeface="Noto Sans TC Medium" panose="020B0200000000000000" pitchFamily="34" charset="-128"/>
+              </a:rPr>
+              <a:t>】</a:t>
+            </a:r>
+            <a:r>
+              <a:rPr lang="zh-TW" altLang="en-US" dirty="0">
+                <a:latin typeface="Noto Sans TC Medium" panose="020B0200000000000000" pitchFamily="34" charset="-128"/>
+                <a:ea typeface="Noto Sans TC Medium" panose="020B0200000000000000" pitchFamily="34" charset="-128"/>
+              </a:rPr>
+              <a:t>分別為：</a:t>
+            </a:r>
+            <a:endParaRPr lang="en-US" altLang="zh-TW" dirty="0">
+              <a:latin typeface="Noto Sans TC Medium" panose="020B0200000000000000" pitchFamily="34" charset="-128"/>
+              <a:ea typeface="Noto Sans TC Medium" panose="020B0200000000000000" pitchFamily="34" charset="-128"/>
+            </a:endParaRPr>
+          </a:p>
+          <a:p>
+            <a:pPr marL="742950" lvl="1" indent="-285750">
+              <a:buFont typeface="Arial" panose="020B0604020202020204" pitchFamily="34" charset="0"/>
+              <a:buChar char="•"/>
+            </a:pPr>
+            <a:r>
+              <a:rPr lang="zh-TW" altLang="en-US" dirty="0">
+                <a:latin typeface="Noto Sans TC Medium" panose="020B0200000000000000" pitchFamily="34" charset="-128"/>
+                <a:ea typeface="Noto Sans TC Medium" panose="020B0200000000000000" pitchFamily="34" charset="-128"/>
+              </a:rPr>
+              <a:t>陰平、陰上、陰去、陰入；</a:t>
+            </a:r>
+            <a:endParaRPr lang="en-US" altLang="zh-TW" dirty="0">
+              <a:latin typeface="Noto Sans TC Medium" panose="020B0200000000000000" pitchFamily="34" charset="-128"/>
+              <a:ea typeface="Noto Sans TC Medium" panose="020B0200000000000000" pitchFamily="34" charset="-128"/>
+            </a:endParaRPr>
+          </a:p>
+          <a:p>
+            <a:pPr marL="742950" lvl="1" indent="-285750">
+              <a:buFont typeface="Arial" panose="020B0604020202020204" pitchFamily="34" charset="0"/>
+              <a:buChar char="•"/>
+            </a:pPr>
+            <a:r>
+              <a:rPr lang="zh-TW" altLang="en-US" dirty="0">
+                <a:latin typeface="Noto Sans TC Medium" panose="020B0200000000000000" pitchFamily="34" charset="-128"/>
+                <a:ea typeface="Noto Sans TC Medium" panose="020B0200000000000000" pitchFamily="34" charset="-128"/>
+              </a:rPr>
+              <a:t>陽平、陽上、陽去、陽入</a:t>
+            </a:r>
+            <a:endParaRPr lang="en-US" altLang="zh-TW" dirty="0">
+              <a:latin typeface="Noto Sans TC Medium" panose="020B0200000000000000" pitchFamily="34" charset="-128"/>
+              <a:ea typeface="Noto Sans TC Medium" panose="020B0200000000000000" pitchFamily="34" charset="-128"/>
+            </a:endParaRPr>
+          </a:p>
+          <a:p>
+            <a:pPr marL="285750" indent="-285750">
+              <a:buFont typeface="Arial" panose="020B0604020202020204" pitchFamily="34" charset="0"/>
+              <a:buChar char="•"/>
+            </a:pPr>
+            <a:r>
+              <a:rPr lang="zh-TW" altLang="en-US" dirty="0">
+                <a:latin typeface="Noto Sans TC Medium" panose="020B0200000000000000" pitchFamily="34" charset="-128"/>
+                <a:ea typeface="Noto Sans TC Medium" panose="020B0200000000000000" pitchFamily="34" charset="-128"/>
+              </a:rPr>
+              <a:t>在</a:t>
+            </a:r>
+            <a:r>
+              <a:rPr lang="en-US" altLang="zh-TW" dirty="0">
+                <a:latin typeface="Noto Sans TC Medium" panose="020B0200000000000000" pitchFamily="34" charset="-128"/>
+                <a:ea typeface="Noto Sans TC Medium" panose="020B0200000000000000" pitchFamily="34" charset="-128"/>
+              </a:rPr>
+              <a:t>【</a:t>
+            </a:r>
+            <a:r>
+              <a:rPr lang="zh-TW" altLang="en-US" dirty="0">
+                <a:latin typeface="Noto Sans TC Medium" panose="020B0200000000000000" pitchFamily="34" charset="-128"/>
+                <a:ea typeface="Noto Sans TC Medium" panose="020B0200000000000000" pitchFamily="34" charset="-128"/>
+              </a:rPr>
+              <a:t>漳州</a:t>
+            </a:r>
+            <a:r>
+              <a:rPr lang="en-US" altLang="zh-TW" dirty="0">
+                <a:latin typeface="Noto Sans TC Medium" panose="020B0200000000000000" pitchFamily="34" charset="-128"/>
+                <a:ea typeface="Noto Sans TC Medium" panose="020B0200000000000000" pitchFamily="34" charset="-128"/>
+              </a:rPr>
+              <a:t>/</a:t>
+            </a:r>
+            <a:r>
+              <a:rPr lang="zh-TW" altLang="en-US" dirty="0">
+                <a:latin typeface="Noto Sans TC Medium" panose="020B0200000000000000" pitchFamily="34" charset="-128"/>
+                <a:ea typeface="Noto Sans TC Medium" panose="020B0200000000000000" pitchFamily="34" charset="-128"/>
+              </a:rPr>
+              <a:t>廈門</a:t>
+            </a:r>
+            <a:r>
+              <a:rPr lang="en-US" altLang="zh-TW" dirty="0">
+                <a:latin typeface="Noto Sans TC Medium" panose="020B0200000000000000" pitchFamily="34" charset="-128"/>
+                <a:ea typeface="Noto Sans TC Medium" panose="020B0200000000000000" pitchFamily="34" charset="-128"/>
+              </a:rPr>
+              <a:t>/</a:t>
+            </a:r>
+            <a:r>
+              <a:rPr lang="zh-TW" altLang="en-US" dirty="0">
+                <a:latin typeface="Noto Sans TC Medium" panose="020B0200000000000000" pitchFamily="34" charset="-128"/>
+                <a:ea typeface="Noto Sans TC Medium" panose="020B0200000000000000" pitchFamily="34" charset="-128"/>
+              </a:rPr>
+              <a:t>台灣</a:t>
+            </a:r>
+            <a:r>
+              <a:rPr lang="en-US" altLang="zh-TW" dirty="0">
+                <a:latin typeface="Noto Sans TC Medium" panose="020B0200000000000000" pitchFamily="34" charset="-128"/>
+                <a:ea typeface="Noto Sans TC Medium" panose="020B0200000000000000" pitchFamily="34" charset="-128"/>
+              </a:rPr>
+              <a:t>】</a:t>
+            </a:r>
+            <a:r>
+              <a:rPr lang="zh-TW" altLang="en-US" dirty="0">
+                <a:latin typeface="Noto Sans TC Medium" panose="020B0200000000000000" pitchFamily="34" charset="-128"/>
+                <a:ea typeface="Noto Sans TC Medium" panose="020B0200000000000000" pitchFamily="34" charset="-128"/>
+              </a:rPr>
+              <a:t>之地方腔，己無</a:t>
+            </a:r>
+            <a:r>
+              <a:rPr lang="en-US" altLang="zh-TW" dirty="0">
+                <a:latin typeface="Noto Sans TC Medium" panose="020B0200000000000000" pitchFamily="34" charset="-128"/>
+                <a:ea typeface="Noto Sans TC Medium" panose="020B0200000000000000" pitchFamily="34" charset="-128"/>
+              </a:rPr>
+              <a:t>【</a:t>
+            </a:r>
+            <a:r>
+              <a:rPr lang="zh-TW" altLang="en-US" dirty="0">
+                <a:latin typeface="Noto Sans TC Medium" panose="020B0200000000000000" pitchFamily="34" charset="-128"/>
+                <a:ea typeface="Noto Sans TC Medium" panose="020B0200000000000000" pitchFamily="34" charset="-128"/>
+              </a:rPr>
+              <a:t>陽上</a:t>
+            </a:r>
+            <a:r>
+              <a:rPr lang="en-US" altLang="zh-TW" dirty="0">
+                <a:latin typeface="Noto Sans TC Medium" panose="020B0200000000000000" pitchFamily="34" charset="-128"/>
+                <a:ea typeface="Noto Sans TC Medium" panose="020B0200000000000000" pitchFamily="34" charset="-128"/>
+              </a:rPr>
+              <a:t>】</a:t>
+            </a:r>
+            <a:r>
+              <a:rPr lang="zh-TW" altLang="en-US" dirty="0">
+                <a:latin typeface="Noto Sans TC Medium" panose="020B0200000000000000" pitchFamily="34" charset="-128"/>
+                <a:ea typeface="Noto Sans TC Medium" panose="020B0200000000000000" pitchFamily="34" charset="-128"/>
+              </a:rPr>
+              <a:t>調，故有些人將</a:t>
+            </a:r>
+            <a:r>
+              <a:rPr lang="en-US" altLang="zh-TW" dirty="0">
+                <a:latin typeface="Noto Sans TC Medium" panose="020B0200000000000000" pitchFamily="34" charset="-128"/>
+                <a:ea typeface="Noto Sans TC Medium" panose="020B0200000000000000" pitchFamily="34" charset="-128"/>
+              </a:rPr>
+              <a:t>【</a:t>
+            </a:r>
+            <a:r>
+              <a:rPr lang="zh-TW" altLang="en-US" dirty="0">
+                <a:latin typeface="Noto Sans TC Medium" panose="020B0200000000000000" pitchFamily="34" charset="-128"/>
+                <a:ea typeface="Noto Sans TC Medium" panose="020B0200000000000000" pitchFamily="34" charset="-128"/>
+              </a:rPr>
+              <a:t>陰上</a:t>
+            </a:r>
+            <a:r>
+              <a:rPr lang="en-US" altLang="zh-TW" dirty="0">
+                <a:latin typeface="Noto Sans TC Medium" panose="020B0200000000000000" pitchFamily="34" charset="-128"/>
+                <a:ea typeface="Noto Sans TC Medium" panose="020B0200000000000000" pitchFamily="34" charset="-128"/>
+              </a:rPr>
+              <a:t>】</a:t>
+            </a:r>
+            <a:r>
+              <a:rPr lang="zh-TW" altLang="en-US" dirty="0">
+                <a:latin typeface="Noto Sans TC Medium" panose="020B0200000000000000" pitchFamily="34" charset="-128"/>
+                <a:ea typeface="Noto Sans TC Medium" panose="020B0200000000000000" pitchFamily="34" charset="-128"/>
+              </a:rPr>
+              <a:t>、</a:t>
+            </a:r>
+            <a:r>
+              <a:rPr lang="en-US" altLang="zh-TW" dirty="0">
+                <a:latin typeface="Noto Sans TC Medium" panose="020B0200000000000000" pitchFamily="34" charset="-128"/>
+                <a:ea typeface="Noto Sans TC Medium" panose="020B0200000000000000" pitchFamily="34" charset="-128"/>
+              </a:rPr>
+              <a:t> 【</a:t>
+            </a:r>
+            <a:r>
+              <a:rPr lang="zh-TW" altLang="en-US" dirty="0">
+                <a:latin typeface="Noto Sans TC Medium" panose="020B0200000000000000" pitchFamily="34" charset="-128"/>
+                <a:ea typeface="Noto Sans TC Medium" panose="020B0200000000000000" pitchFamily="34" charset="-128"/>
+              </a:rPr>
+              <a:t>陽上</a:t>
+            </a:r>
+            <a:r>
+              <a:rPr lang="en-US" altLang="zh-TW" dirty="0">
+                <a:latin typeface="Noto Sans TC Medium" panose="020B0200000000000000" pitchFamily="34" charset="-128"/>
+                <a:ea typeface="Noto Sans TC Medium" panose="020B0200000000000000" pitchFamily="34" charset="-128"/>
+              </a:rPr>
+              <a:t>】</a:t>
+            </a:r>
+            <a:r>
+              <a:rPr lang="zh-TW" altLang="en-US" dirty="0">
+                <a:latin typeface="Noto Sans TC Medium" panose="020B0200000000000000" pitchFamily="34" charset="-128"/>
+                <a:ea typeface="Noto Sans TC Medium" panose="020B0200000000000000" pitchFamily="34" charset="-128"/>
+              </a:rPr>
+              <a:t>，統稱為：</a:t>
+            </a:r>
+            <a:r>
+              <a:rPr lang="en-US" altLang="zh-TW" dirty="0">
+                <a:latin typeface="Noto Sans TC Medium" panose="020B0200000000000000" pitchFamily="34" charset="-128"/>
+                <a:ea typeface="Noto Sans TC Medium" panose="020B0200000000000000" pitchFamily="34" charset="-128"/>
+              </a:rPr>
+              <a:t>【</a:t>
+            </a:r>
+            <a:r>
+              <a:rPr lang="zh-TW" altLang="en-US" dirty="0">
+                <a:latin typeface="Noto Sans TC Medium" panose="020B0200000000000000" pitchFamily="34" charset="-128"/>
+                <a:ea typeface="Noto Sans TC Medium" panose="020B0200000000000000" pitchFamily="34" charset="-128"/>
+              </a:rPr>
+              <a:t>上聲</a:t>
+            </a:r>
+            <a:r>
+              <a:rPr lang="en-US" altLang="zh-TW" dirty="0">
+                <a:latin typeface="Noto Sans TC Medium" panose="020B0200000000000000" pitchFamily="34" charset="-128"/>
+                <a:ea typeface="Noto Sans TC Medium" panose="020B0200000000000000" pitchFamily="34" charset="-128"/>
+              </a:rPr>
+              <a:t>】</a:t>
+            </a:r>
+            <a:r>
+              <a:rPr lang="zh-TW" altLang="en-US" dirty="0">
+                <a:latin typeface="Noto Sans TC Medium" panose="020B0200000000000000" pitchFamily="34" charset="-128"/>
+                <a:ea typeface="Noto Sans TC Medium" panose="020B0200000000000000" pitchFamily="34" charset="-128"/>
+              </a:rPr>
+              <a:t>調；</a:t>
+            </a:r>
+            <a:endParaRPr lang="en-US" altLang="zh-TW" dirty="0">
+              <a:latin typeface="Noto Sans TC Medium" panose="020B0200000000000000" pitchFamily="34" charset="-128"/>
+              <a:ea typeface="Noto Sans TC Medium" panose="020B0200000000000000" pitchFamily="34" charset="-128"/>
+            </a:endParaRPr>
+          </a:p>
+          <a:p>
+            <a:pPr marL="285750" indent="-285750">
+              <a:buFont typeface="Arial" panose="020B0604020202020204" pitchFamily="34" charset="0"/>
+              <a:buChar char="•"/>
+            </a:pPr>
+            <a:r>
+              <a:rPr lang="zh-TW" altLang="en-US" dirty="0">
+                <a:latin typeface="Noto Sans TC Medium" panose="020B0200000000000000" pitchFamily="34" charset="-128"/>
+                <a:ea typeface="Noto Sans TC Medium" panose="020B0200000000000000" pitchFamily="34" charset="-128"/>
+              </a:rPr>
+              <a:t>台羅拼音標示</a:t>
+            </a:r>
+            <a:r>
+              <a:rPr lang="en-US" altLang="zh-TW" dirty="0">
+                <a:latin typeface="Noto Sans TC Medium" panose="020B0200000000000000" pitchFamily="34" charset="-128"/>
+                <a:ea typeface="Noto Sans TC Medium" panose="020B0200000000000000" pitchFamily="34" charset="-128"/>
+              </a:rPr>
+              <a:t>【</a:t>
+            </a:r>
+            <a:r>
+              <a:rPr lang="zh-TW" altLang="en-US" dirty="0">
+                <a:latin typeface="Noto Sans TC Medium" panose="020B0200000000000000" pitchFamily="34" charset="-128"/>
+                <a:ea typeface="Noto Sans TC Medium" panose="020B0200000000000000" pitchFamily="34" charset="-128"/>
+              </a:rPr>
+              <a:t>聲調</a:t>
+            </a:r>
+            <a:r>
+              <a:rPr lang="en-US" altLang="zh-TW" dirty="0">
+                <a:latin typeface="Noto Sans TC Medium" panose="020B0200000000000000" pitchFamily="34" charset="-128"/>
+                <a:ea typeface="Noto Sans TC Medium" panose="020B0200000000000000" pitchFamily="34" charset="-128"/>
+              </a:rPr>
+              <a:t>】</a:t>
+            </a:r>
+            <a:r>
+              <a:rPr lang="zh-TW" altLang="en-US" dirty="0">
+                <a:latin typeface="Noto Sans TC Medium" panose="020B0200000000000000" pitchFamily="34" charset="-128"/>
+                <a:ea typeface="Noto Sans TC Medium" panose="020B0200000000000000" pitchFamily="34" charset="-128"/>
+              </a:rPr>
+              <a:t>，標準用</a:t>
+            </a:r>
+            <a:r>
+              <a:rPr lang="en-US" altLang="zh-TW" dirty="0">
+                <a:latin typeface="Noto Sans TC Medium" panose="020B0200000000000000" pitchFamily="34" charset="-128"/>
+                <a:ea typeface="Noto Sans TC Medium" panose="020B0200000000000000" pitchFamily="34" charset="-128"/>
+              </a:rPr>
+              <a:t>【</a:t>
+            </a:r>
+            <a:r>
+              <a:rPr lang="zh-TW" altLang="en-US" dirty="0">
+                <a:latin typeface="Noto Sans TC Medium" panose="020B0200000000000000" pitchFamily="34" charset="-128"/>
+                <a:ea typeface="Noto Sans TC Medium" panose="020B0200000000000000" pitchFamily="34" charset="-128"/>
+              </a:rPr>
+              <a:t>調符</a:t>
+            </a:r>
+            <a:r>
+              <a:rPr lang="en-US" altLang="zh-TW" dirty="0">
+                <a:latin typeface="Noto Sans TC Medium" panose="020B0200000000000000" pitchFamily="34" charset="-128"/>
+                <a:ea typeface="Noto Sans TC Medium" panose="020B0200000000000000" pitchFamily="34" charset="-128"/>
+              </a:rPr>
+              <a:t>】</a:t>
+            </a:r>
+            <a:r>
+              <a:rPr lang="zh-TW" altLang="en-US" dirty="0">
+                <a:latin typeface="Noto Sans TC Medium" panose="020B0200000000000000" pitchFamily="34" charset="-128"/>
+                <a:ea typeface="Noto Sans TC Medium" panose="020B0200000000000000" pitchFamily="34" charset="-128"/>
+              </a:rPr>
+              <a:t>（聲調符號）（與</a:t>
+            </a:r>
+            <a:r>
+              <a:rPr lang="en-US" altLang="zh-TW" dirty="0">
+                <a:latin typeface="Noto Sans TC Medium" panose="020B0200000000000000" pitchFamily="34" charset="-128"/>
+                <a:ea typeface="Noto Sans TC Medium" panose="020B0200000000000000" pitchFamily="34" charset="-128"/>
+              </a:rPr>
+              <a:t>【</a:t>
+            </a:r>
+            <a:r>
+              <a:rPr lang="zh-TW" altLang="en-US" dirty="0">
+                <a:latin typeface="Noto Sans TC Medium" panose="020B0200000000000000" pitchFamily="34" charset="-128"/>
+                <a:ea typeface="Noto Sans TC Medium" panose="020B0200000000000000" pitchFamily="34" charset="-128"/>
+              </a:rPr>
+              <a:t>白話字</a:t>
+            </a:r>
+            <a:r>
+              <a:rPr lang="en-US" altLang="zh-TW" dirty="0">
+                <a:latin typeface="Noto Sans TC Medium" panose="020B0200000000000000" pitchFamily="34" charset="-128"/>
+                <a:ea typeface="Noto Sans TC Medium" panose="020B0200000000000000" pitchFamily="34" charset="-128"/>
+              </a:rPr>
+              <a:t>】</a:t>
+            </a:r>
+            <a:r>
+              <a:rPr lang="zh-TW" altLang="en-US" dirty="0">
+                <a:latin typeface="Noto Sans TC Medium" panose="020B0200000000000000" pitchFamily="34" charset="-128"/>
+                <a:ea typeface="Noto Sans TC Medium" panose="020B0200000000000000" pitchFamily="34" charset="-128"/>
+              </a:rPr>
+              <a:t>同）；</a:t>
+            </a:r>
+            <a:endParaRPr lang="en-US" altLang="zh-TW" dirty="0">
+              <a:latin typeface="Noto Sans TC Medium" panose="020B0200000000000000" pitchFamily="34" charset="-128"/>
+              <a:ea typeface="Noto Sans TC Medium" panose="020B0200000000000000" pitchFamily="34" charset="-128"/>
+            </a:endParaRPr>
+          </a:p>
+          <a:p>
+            <a:pPr marL="285750" indent="-285750">
+              <a:buFont typeface="Arial" panose="020B0604020202020204" pitchFamily="34" charset="0"/>
+              <a:buChar char="•"/>
+            </a:pPr>
+            <a:r>
+              <a:rPr lang="zh-TW" altLang="en-US" dirty="0">
+                <a:latin typeface="Noto Sans TC Medium" panose="020B0200000000000000" pitchFamily="34" charset="-128"/>
+                <a:ea typeface="Noto Sans TC Medium" panose="020B0200000000000000" pitchFamily="34" charset="-128"/>
+              </a:rPr>
+              <a:t>顧及電腦輸入之便利性，亦可使用</a:t>
+            </a:r>
+            <a:r>
+              <a:rPr lang="en-US" altLang="zh-TW" dirty="0">
+                <a:latin typeface="Noto Sans TC Medium" panose="020B0200000000000000" pitchFamily="34" charset="-128"/>
+                <a:ea typeface="Noto Sans TC Medium" panose="020B0200000000000000" pitchFamily="34" charset="-128"/>
+              </a:rPr>
+              <a:t>【</a:t>
+            </a:r>
+            <a:r>
+              <a:rPr lang="zh-TW" altLang="en-US" dirty="0">
+                <a:latin typeface="Noto Sans TC Medium" panose="020B0200000000000000" pitchFamily="34" charset="-128"/>
+                <a:ea typeface="Noto Sans TC Medium" panose="020B0200000000000000" pitchFamily="34" charset="-128"/>
+              </a:rPr>
+              <a:t>調號</a:t>
+            </a:r>
+            <a:r>
+              <a:rPr lang="en-US" altLang="zh-TW" dirty="0">
+                <a:latin typeface="Noto Sans TC Medium" panose="020B0200000000000000" pitchFamily="34" charset="-128"/>
+                <a:ea typeface="Noto Sans TC Medium" panose="020B0200000000000000" pitchFamily="34" charset="-128"/>
+              </a:rPr>
+              <a:t>】</a:t>
+            </a:r>
+            <a:r>
+              <a:rPr lang="zh-TW" altLang="en-US" dirty="0">
+                <a:latin typeface="Noto Sans TC Medium" panose="020B0200000000000000" pitchFamily="34" charset="-128"/>
+                <a:ea typeface="Noto Sans TC Medium" panose="020B0200000000000000" pitchFamily="34" charset="-128"/>
+              </a:rPr>
+              <a:t>（數值）代替；</a:t>
+            </a:r>
+            <a:r>
+              <a:rPr lang="en-US" altLang="zh-TW" dirty="0">
+                <a:latin typeface="Noto Sans TC Medium" panose="020B0200000000000000" pitchFamily="34" charset="-128"/>
+                <a:ea typeface="Noto Sans TC Medium" panose="020B0200000000000000" pitchFamily="34" charset="-128"/>
+              </a:rPr>
+              <a:t>【</a:t>
+            </a:r>
+            <a:r>
+              <a:rPr lang="zh-TW" altLang="en-US" dirty="0">
+                <a:latin typeface="Noto Sans TC Medium" panose="020B0200000000000000" pitchFamily="34" charset="-128"/>
+                <a:ea typeface="Noto Sans TC Medium" panose="020B0200000000000000" pitchFamily="34" charset="-128"/>
+              </a:rPr>
+              <a:t>陰平</a:t>
+            </a:r>
+            <a:r>
+              <a:rPr lang="en-US" altLang="zh-TW" dirty="0">
+                <a:latin typeface="Noto Sans TC Medium" panose="020B0200000000000000" pitchFamily="34" charset="-128"/>
+                <a:ea typeface="Noto Sans TC Medium" panose="020B0200000000000000" pitchFamily="34" charset="-128"/>
+              </a:rPr>
+              <a:t>】</a:t>
+            </a:r>
+            <a:r>
+              <a:rPr lang="zh-TW" altLang="en-US" dirty="0">
+                <a:latin typeface="Noto Sans TC Medium" panose="020B0200000000000000" pitchFamily="34" charset="-128"/>
+                <a:ea typeface="Noto Sans TC Medium" panose="020B0200000000000000" pitchFamily="34" charset="-128"/>
+              </a:rPr>
+              <a:t>之調號</a:t>
+            </a:r>
+            <a:r>
+              <a:rPr lang="en-US" altLang="zh-TW" dirty="0">
+                <a:latin typeface="Noto Sans TC Medium" panose="020B0200000000000000" pitchFamily="34" charset="-128"/>
+                <a:ea typeface="Noto Sans TC Medium" panose="020B0200000000000000" pitchFamily="34" charset="-128"/>
+              </a:rPr>
+              <a:t>【1】</a:t>
+            </a:r>
+            <a:r>
+              <a:rPr lang="zh-TW" altLang="en-US" dirty="0">
+                <a:latin typeface="Noto Sans TC Medium" panose="020B0200000000000000" pitchFamily="34" charset="-128"/>
+                <a:ea typeface="Noto Sans TC Medium" panose="020B0200000000000000" pitchFamily="34" charset="-128"/>
+              </a:rPr>
+              <a:t>，與</a:t>
+            </a:r>
+            <a:r>
+              <a:rPr lang="en-US" altLang="zh-TW" dirty="0">
+                <a:latin typeface="Noto Sans TC Medium" panose="020B0200000000000000" pitchFamily="34" charset="-128"/>
+                <a:ea typeface="Noto Sans TC Medium" panose="020B0200000000000000" pitchFamily="34" charset="-128"/>
+              </a:rPr>
+              <a:t>【</a:t>
+            </a:r>
+            <a:r>
+              <a:rPr lang="zh-TW" altLang="en-US" dirty="0">
+                <a:latin typeface="Noto Sans TC Medium" panose="020B0200000000000000" pitchFamily="34" charset="-128"/>
+                <a:ea typeface="Noto Sans TC Medium" panose="020B0200000000000000" pitchFamily="34" charset="-128"/>
+              </a:rPr>
+              <a:t>陰入</a:t>
+            </a:r>
+            <a:r>
+              <a:rPr lang="en-US" altLang="zh-TW" dirty="0">
+                <a:latin typeface="Noto Sans TC Medium" panose="020B0200000000000000" pitchFamily="34" charset="-128"/>
+                <a:ea typeface="Noto Sans TC Medium" panose="020B0200000000000000" pitchFamily="34" charset="-128"/>
+              </a:rPr>
+              <a:t>】</a:t>
+            </a:r>
+            <a:r>
+              <a:rPr lang="zh-TW" altLang="en-US" dirty="0">
+                <a:latin typeface="Noto Sans TC Medium" panose="020B0200000000000000" pitchFamily="34" charset="-128"/>
+                <a:ea typeface="Noto Sans TC Medium" panose="020B0200000000000000" pitchFamily="34" charset="-128"/>
+              </a:rPr>
+              <a:t>之調號</a:t>
+            </a:r>
+            <a:r>
+              <a:rPr lang="en-US" altLang="zh-TW" dirty="0">
+                <a:latin typeface="Noto Sans TC Medium" panose="020B0200000000000000" pitchFamily="34" charset="-128"/>
+                <a:ea typeface="Noto Sans TC Medium" panose="020B0200000000000000" pitchFamily="34" charset="-128"/>
+              </a:rPr>
+              <a:t>【4】</a:t>
+            </a:r>
+            <a:r>
+              <a:rPr lang="zh-TW" altLang="en-US" dirty="0">
+                <a:latin typeface="Noto Sans TC Medium" panose="020B0200000000000000" pitchFamily="34" charset="-128"/>
+                <a:ea typeface="Noto Sans TC Medium" panose="020B0200000000000000" pitchFamily="34" charset="-128"/>
+              </a:rPr>
+              <a:t>，允許省略不標示。</a:t>
+            </a:r>
+          </a:p>
+        </p:txBody>
+      </p:sp>
+      <p:pic>
+        <p:nvPicPr>
+          <p:cNvPr id="14" name="圖片 13">
+            <a:extLst>
+              <a:ext uri="{FF2B5EF4-FFF2-40B4-BE49-F238E27FC236}">
+                <a16:creationId xmlns:a16="http://schemas.microsoft.com/office/drawing/2014/main" id="{1A37D72A-40E3-8A58-1EAE-86E84FE68F56}"/>
+              </a:ext>
+            </a:extLst>
+          </p:cNvPr>
+          <p:cNvPicPr>
+            <a:picLocks noChangeAspect="1"/>
+          </p:cNvPicPr>
+          <p:nvPr/>
+        </p:nvPicPr>
+        <p:blipFill>
+          <a:blip r:embed="rId2"/>
+          <a:stretch>
+            <a:fillRect/>
+          </a:stretch>
+        </p:blipFill>
+        <p:spPr>
+          <a:xfrm>
+            <a:off x="735259" y="5385264"/>
+            <a:ext cx="5429601" cy="4875461"/>
+          </a:xfrm>
+          <a:prstGeom prst="rect">
+            <a:avLst/>
+          </a:prstGeom>
+        </p:spPr>
+      </p:pic>
+    </p:spTree>
+    <p:extLst>
+      <p:ext uri="{BB962C8B-B14F-4D97-AF65-F5344CB8AC3E}">
+        <p14:creationId xmlns:p14="http://schemas.microsoft.com/office/powerpoint/2010/main" val="2885367717"/>
+      </p:ext>
+    </p:extLst>
+  </p:cSld>
+  <p:clrMapOvr>
+    <a:masterClrMapping/>
+  </p:clrMapOvr>
+</p:sld>
+</file>
+
+<file path=ppt/slides/slide11.xml><?xml version="1.0" encoding="utf-8"?>
+<p:sld xmlns:a="http://schemas.openxmlformats.org/drawingml/2006/main" xmlns:r="http://schemas.openxmlformats.org/officeDocument/2006/relationships" xmlns:p="http://schemas.openxmlformats.org/presentationml/2006/main">
+  <p:cSld>
+    <p:spTree>
+      <p:nvGrpSpPr>
+        <p:cNvPr id="1" name="">
+          <a:extLst>
+            <a:ext uri="{FF2B5EF4-FFF2-40B4-BE49-F238E27FC236}">
               <a16:creationId xmlns:a16="http://schemas.microsoft.com/office/drawing/2014/main" id="{A9584CCD-9727-E372-4B91-642BACC66C8B}"/>
             </a:ext>
           </a:extLst>
@@ -6019,7 +6892,7 @@
           <a:p>
             <a:r>
               <a:rPr lang="zh-TW" altLang="en-US" dirty="0"/>
-              <a:t>漢字標音：台羅拼音摘要（六）</a:t>
+              <a:t>台羅拼音：聲調（二）</a:t>
             </a:r>
           </a:p>
         </p:txBody>
@@ -6683,7 +7556,7 @@
 </p:sld>
 </file>
 
-<file path=ppt/slides/slide11.xml><?xml version="1.0" encoding="utf-8"?>
+<file path=ppt/slides/slide12.xml><?xml version="1.0" encoding="utf-8"?>
 <p:sld xmlns:a="http://schemas.openxmlformats.org/drawingml/2006/main" xmlns:r="http://schemas.openxmlformats.org/officeDocument/2006/relationships" xmlns:p="http://schemas.openxmlformats.org/presentationml/2006/main">
   <p:cSld>
     <p:spTree>
@@ -6798,7 +7671,7 @@
 </p:sld>
 </file>
 
-<file path=ppt/slides/slide12.xml><?xml version="1.0" encoding="utf-8"?>
+<file path=ppt/slides/slide13.xml><?xml version="1.0" encoding="utf-8"?>
 <p:sld xmlns:a="http://schemas.openxmlformats.org/drawingml/2006/main" xmlns:r="http://schemas.openxmlformats.org/officeDocument/2006/relationships" xmlns:p="http://schemas.openxmlformats.org/presentationml/2006/main">
   <p:cSld>
     <p:spTree>
@@ -6849,7 +7722,7 @@
                 <a:ea typeface="Microsoft JhengHei UI" panose="020B0604030504040204" pitchFamily="34" charset="-120"/>
               </a:rPr>
               <a:pPr rtl="0"/>
-              <a:t>12</a:t>
+              <a:t>13</a:t>
             </a:fld>
             <a:endParaRPr lang="zh-TW" altLang="en-US">
               <a:latin typeface="Microsoft JhengHei UI" panose="020B0604030504040204" pitchFamily="34" charset="-120"/>
@@ -7002,7 +7875,7 @@
 </p:sld>
 </file>
 
-<file path=ppt/slides/slide13.xml><?xml version="1.0" encoding="utf-8"?>
+<file path=ppt/slides/slide14.xml><?xml version="1.0" encoding="utf-8"?>
 <p:sld xmlns:a="http://schemas.openxmlformats.org/drawingml/2006/main" xmlns:r="http://schemas.openxmlformats.org/officeDocument/2006/relationships" xmlns:p="http://schemas.openxmlformats.org/presentationml/2006/main">
   <p:cSld>
     <p:spTree>
@@ -7053,7 +7926,7 @@
                 <a:ea typeface="Microsoft JhengHei UI" panose="020B0604030504040204" pitchFamily="34" charset="-120"/>
               </a:rPr>
               <a:pPr rtl="0"/>
-              <a:t>13</a:t>
+              <a:t>14</a:t>
             </a:fld>
             <a:endParaRPr lang="zh-TW" altLang="en-US">
               <a:latin typeface="Microsoft JhengHei UI" panose="020B0604030504040204" pitchFamily="34" charset="-120"/>
@@ -7178,7 +8051,7 @@
 </p:sld>
 </file>
 
-<file path=ppt/slides/slide14.xml><?xml version="1.0" encoding="utf-8"?>
+<file path=ppt/slides/slide15.xml><?xml version="1.0" encoding="utf-8"?>
 <p:sld xmlns:a="http://schemas.openxmlformats.org/drawingml/2006/main" xmlns:r="http://schemas.openxmlformats.org/officeDocument/2006/relationships" xmlns:p="http://schemas.openxmlformats.org/presentationml/2006/main">
   <p:cSld>
     <p:spTree>
@@ -7229,7 +8102,7 @@
                 <a:ea typeface="Microsoft JhengHei UI" panose="020B0604030504040204" pitchFamily="34" charset="-120"/>
               </a:rPr>
               <a:pPr rtl="0"/>
-              <a:t>14</a:t>
+              <a:t>15</a:t>
             </a:fld>
             <a:endParaRPr lang="zh-TW" altLang="en-US">
               <a:latin typeface="Microsoft JhengHei UI" panose="020B0604030504040204" pitchFamily="34" charset="-120"/>
@@ -7402,7 +8275,7 @@
 </p:sld>
 </file>
 
-<file path=ppt/slides/slide15.xml><?xml version="1.0" encoding="utf-8"?>
+<file path=ppt/slides/slide16.xml><?xml version="1.0" encoding="utf-8"?>
 <p:sld xmlns:a="http://schemas.openxmlformats.org/drawingml/2006/main" xmlns:r="http://schemas.openxmlformats.org/officeDocument/2006/relationships" xmlns:p="http://schemas.openxmlformats.org/presentationml/2006/main">
   <p:cSld>
     <p:spTree>
@@ -7514,7 +8387,7 @@
 </p:sld>
 </file>
 
-<file path=ppt/slides/slide16.xml><?xml version="1.0" encoding="utf-8"?>
+<file path=ppt/slides/slide17.xml><?xml version="1.0" encoding="utf-8"?>
 <p:sld xmlns:a="http://schemas.openxmlformats.org/drawingml/2006/main" xmlns:r="http://schemas.openxmlformats.org/officeDocument/2006/relationships" xmlns:p="http://schemas.openxmlformats.org/presentationml/2006/main">
   <p:cSld>
     <p:spTree>
@@ -7565,7 +8438,7 @@
                 <a:ea typeface="Microsoft JhengHei UI" panose="020B0604030504040204" pitchFamily="34" charset="-120"/>
               </a:rPr>
               <a:pPr rtl="0"/>
-              <a:t>16</a:t>
+              <a:t>17</a:t>
             </a:fld>
             <a:endParaRPr lang="zh-TW" altLang="en-US">
               <a:latin typeface="Microsoft JhengHei UI" panose="020B0604030504040204" pitchFamily="34" charset="-120"/>
@@ -7894,7 +8767,7 @@
 </p:sld>
 </file>
 
-<file path=ppt/slides/slide17.xml><?xml version="1.0" encoding="utf-8"?>
+<file path=ppt/slides/slide18.xml><?xml version="1.0" encoding="utf-8"?>
 <p:sld xmlns:a="http://schemas.openxmlformats.org/drawingml/2006/main" xmlns:r="http://schemas.openxmlformats.org/officeDocument/2006/relationships" xmlns:p="http://schemas.openxmlformats.org/presentationml/2006/main">
   <p:cSld>
     <p:spTree>
@@ -7945,7 +8818,7 @@
                 <a:ea typeface="Microsoft JhengHei UI" panose="020B0604030504040204" pitchFamily="34" charset="-120"/>
               </a:rPr>
               <a:pPr rtl="0"/>
-              <a:t>17</a:t>
+              <a:t>18</a:t>
             </a:fld>
             <a:endParaRPr lang="zh-TW" altLang="en-US">
               <a:latin typeface="Microsoft JhengHei UI" panose="020B0604030504040204" pitchFamily="34" charset="-120"/>
@@ -8137,7 +9010,7 @@
 </p:sld>
 </file>
 
-<file path=ppt/slides/slide18.xml><?xml version="1.0" encoding="utf-8"?>
+<file path=ppt/slides/slide19.xml><?xml version="1.0" encoding="utf-8"?>
 <p:sld xmlns:a="http://schemas.openxmlformats.org/drawingml/2006/main" xmlns:r="http://schemas.openxmlformats.org/officeDocument/2006/relationships" xmlns:p="http://schemas.openxmlformats.org/presentationml/2006/main">
   <p:cSld>
     <p:spTree>
@@ -8261,7 +9134,7 @@
                 <a:ea typeface="Microsoft JhengHei UI" panose="020B0604030504040204" pitchFamily="34" charset="-120"/>
               </a:rPr>
               <a:pPr rtl="0"/>
-              <a:t>18</a:t>
+              <a:t>19</a:t>
             </a:fld>
             <a:endParaRPr lang="zh-TW" altLang="en-US">
               <a:latin typeface="Microsoft JhengHei UI" panose="020B0604030504040204" pitchFamily="34" charset="-120"/>
@@ -8390,7 +9263,122 @@
 </p:sld>
 </file>
 
-<file path=ppt/slides/slide19.xml><?xml version="1.0" encoding="utf-8"?>
+<file path=ppt/slides/slide2.xml><?xml version="1.0" encoding="utf-8"?>
+<p:sld xmlns:a="http://schemas.openxmlformats.org/drawingml/2006/main" xmlns:r="http://schemas.openxmlformats.org/officeDocument/2006/relationships" xmlns:p="http://schemas.openxmlformats.org/presentationml/2006/main">
+  <p:cSld>
+    <p:spTree>
+      <p:nvGrpSpPr>
+        <p:cNvPr id="1" name="">
+          <a:extLst>
+            <a:ext uri="{FF2B5EF4-FFF2-40B4-BE49-F238E27FC236}">
+              <a16:creationId xmlns:a16="http://schemas.microsoft.com/office/drawing/2014/main" id="{B6ECE55A-5EEF-8CF8-E0E2-E10BA02B2B27}"/>
+            </a:ext>
+          </a:extLst>
+        </p:cNvPr>
+        <p:cNvGrpSpPr/>
+        <p:nvPr/>
+      </p:nvGrpSpPr>
+      <p:grpSpPr>
+        <a:xfrm>
+          <a:off x="0" y="0"/>
+          <a:ext cx="0" cy="0"/>
+          <a:chOff x="0" y="0"/>
+          <a:chExt cx="0" cy="0"/>
+        </a:xfrm>
+      </p:grpSpPr>
+      <p:sp>
+        <p:nvSpPr>
+          <p:cNvPr id="5" name="標題 4">
+            <a:extLst>
+              <a:ext uri="{FF2B5EF4-FFF2-40B4-BE49-F238E27FC236}">
+                <a16:creationId xmlns:a16="http://schemas.microsoft.com/office/drawing/2014/main" id="{1920E05B-5FC2-EEF8-EFC1-70925335C81C}"/>
+              </a:ext>
+            </a:extLst>
+          </p:cNvPr>
+          <p:cNvSpPr>
+            <a:spLocks noGrp="1"/>
+          </p:cNvSpPr>
+          <p:nvPr>
+            <p:ph type="title"/>
+          </p:nvPr>
+        </p:nvSpPr>
+        <p:spPr>
+          <a:xfrm>
+            <a:off x="467916" y="3039537"/>
+            <a:ext cx="5915025" cy="1297332"/>
+          </a:xfrm>
+        </p:spPr>
+        <p:txBody>
+          <a:bodyPr/>
+          <a:lstStyle/>
+          <a:p>
+            <a:r>
+              <a:rPr lang="zh-TW" altLang="en-US" dirty="0">
+                <a:solidFill>
+                  <a:srgbClr val="002060"/>
+                </a:solidFill>
+                <a:latin typeface="Noto Serif TC Black" panose="02020200000000000000" pitchFamily="18" charset="-128"/>
+                <a:ea typeface="Noto Serif TC Black" panose="02020200000000000000" pitchFamily="18" charset="-128"/>
+              </a:rPr>
+              <a:t>漢字標音</a:t>
+            </a:r>
+          </a:p>
+        </p:txBody>
+      </p:sp>
+      <p:sp>
+        <p:nvSpPr>
+          <p:cNvPr id="6" name="文字版面配置區 5">
+            <a:extLst>
+              <a:ext uri="{FF2B5EF4-FFF2-40B4-BE49-F238E27FC236}">
+                <a16:creationId xmlns:a16="http://schemas.microsoft.com/office/drawing/2014/main" id="{D9F158EC-38F4-324E-1331-4B4A12909804}"/>
+              </a:ext>
+            </a:extLst>
+          </p:cNvPr>
+          <p:cNvSpPr>
+            <a:spLocks noGrp="1"/>
+          </p:cNvSpPr>
+          <p:nvPr>
+            <p:ph type="body" idx="1"/>
+          </p:nvPr>
+        </p:nvSpPr>
+        <p:spPr>
+          <a:xfrm>
+            <a:off x="467915" y="4762500"/>
+            <a:ext cx="5915025" cy="2666999"/>
+          </a:xfrm>
+        </p:spPr>
+        <p:txBody>
+          <a:bodyPr/>
+          <a:lstStyle/>
+          <a:p>
+            <a:endParaRPr lang="zh-TW" altLang="en-US" b="1" dirty="0">
+              <a:effectLst>
+                <a:outerShdw blurRad="38100" dist="38100" dir="2700000" algn="tl">
+                  <a:srgbClr val="000000">
+                    <a:alpha val="43137"/>
+                  </a:srgbClr>
+                </a:outerShdw>
+              </a:effectLst>
+              <a:latin typeface="霞鶩文楷 TC" panose="02020500000000000000" pitchFamily="18" charset="-120"/>
+              <a:ea typeface="霞鶩文楷 TC" panose="02020500000000000000" pitchFamily="18" charset="-120"/>
+            </a:endParaRPr>
+          </a:p>
+        </p:txBody>
+      </p:sp>
+    </p:spTree>
+    <p:extLst>
+      <p:ext uri="{BB962C8B-B14F-4D97-AF65-F5344CB8AC3E}">
+        <p14:creationId xmlns:p14="http://schemas.microsoft.com/office/powerpoint/2010/main" val="1972069389"/>
+      </p:ext>
+    </p:extLst>
+  </p:cSld>
+  <p:clrMapOvr>
+    <a:masterClrMapping/>
+  </p:clrMapOvr>
+</p:sld>
+</file>
+
+<file path=ppt/slides/slide20.xml><?xml version="1.0" encoding="utf-8"?>
 <p:sld xmlns:a="http://schemas.openxmlformats.org/drawingml/2006/main" xmlns:r="http://schemas.openxmlformats.org/officeDocument/2006/relationships" xmlns:p="http://schemas.openxmlformats.org/presentationml/2006/main">
   <p:cSld>
     <p:spTree>
@@ -8441,7 +9429,7 @@
                 <a:ea typeface="Microsoft JhengHei UI" panose="020B0604030504040204" pitchFamily="34" charset="-120"/>
               </a:rPr>
               <a:pPr rtl="0"/>
-              <a:t>19</a:t>
+              <a:t>20</a:t>
             </a:fld>
             <a:endParaRPr lang="zh-TW" altLang="en-US">
               <a:latin typeface="Microsoft JhengHei UI" panose="020B0604030504040204" pitchFamily="34" charset="-120"/>
@@ -8578,122 +9566,7 @@
 </p:sld>
 </file>
 
-<file path=ppt/slides/slide2.xml><?xml version="1.0" encoding="utf-8"?>
-<p:sld xmlns:a="http://schemas.openxmlformats.org/drawingml/2006/main" xmlns:r="http://schemas.openxmlformats.org/officeDocument/2006/relationships" xmlns:p="http://schemas.openxmlformats.org/presentationml/2006/main">
-  <p:cSld>
-    <p:spTree>
-      <p:nvGrpSpPr>
-        <p:cNvPr id="1" name="">
-          <a:extLst>
-            <a:ext uri="{FF2B5EF4-FFF2-40B4-BE49-F238E27FC236}">
-              <a16:creationId xmlns:a16="http://schemas.microsoft.com/office/drawing/2014/main" id="{B6ECE55A-5EEF-8CF8-E0E2-E10BA02B2B27}"/>
-            </a:ext>
-          </a:extLst>
-        </p:cNvPr>
-        <p:cNvGrpSpPr/>
-        <p:nvPr/>
-      </p:nvGrpSpPr>
-      <p:grpSpPr>
-        <a:xfrm>
-          <a:off x="0" y="0"/>
-          <a:ext cx="0" cy="0"/>
-          <a:chOff x="0" y="0"/>
-          <a:chExt cx="0" cy="0"/>
-        </a:xfrm>
-      </p:grpSpPr>
-      <p:sp>
-        <p:nvSpPr>
-          <p:cNvPr id="5" name="標題 4">
-            <a:extLst>
-              <a:ext uri="{FF2B5EF4-FFF2-40B4-BE49-F238E27FC236}">
-                <a16:creationId xmlns:a16="http://schemas.microsoft.com/office/drawing/2014/main" id="{1920E05B-5FC2-EEF8-EFC1-70925335C81C}"/>
-              </a:ext>
-            </a:extLst>
-          </p:cNvPr>
-          <p:cNvSpPr>
-            <a:spLocks noGrp="1"/>
-          </p:cNvSpPr>
-          <p:nvPr>
-            <p:ph type="title"/>
-          </p:nvPr>
-        </p:nvSpPr>
-        <p:spPr>
-          <a:xfrm>
-            <a:off x="467916" y="3039537"/>
-            <a:ext cx="5915025" cy="1297332"/>
-          </a:xfrm>
-        </p:spPr>
-        <p:txBody>
-          <a:bodyPr/>
-          <a:lstStyle/>
-          <a:p>
-            <a:r>
-              <a:rPr lang="zh-TW" altLang="en-US" dirty="0">
-                <a:solidFill>
-                  <a:srgbClr val="002060"/>
-                </a:solidFill>
-                <a:latin typeface="Noto Serif TC Black" panose="02020200000000000000" pitchFamily="18" charset="-128"/>
-                <a:ea typeface="Noto Serif TC Black" panose="02020200000000000000" pitchFamily="18" charset="-128"/>
-              </a:rPr>
-              <a:t>漢字標音</a:t>
-            </a:r>
-          </a:p>
-        </p:txBody>
-      </p:sp>
-      <p:sp>
-        <p:nvSpPr>
-          <p:cNvPr id="6" name="文字版面配置區 5">
-            <a:extLst>
-              <a:ext uri="{FF2B5EF4-FFF2-40B4-BE49-F238E27FC236}">
-                <a16:creationId xmlns:a16="http://schemas.microsoft.com/office/drawing/2014/main" id="{D9F158EC-38F4-324E-1331-4B4A12909804}"/>
-              </a:ext>
-            </a:extLst>
-          </p:cNvPr>
-          <p:cNvSpPr>
-            <a:spLocks noGrp="1"/>
-          </p:cNvSpPr>
-          <p:nvPr>
-            <p:ph type="body" idx="1"/>
-          </p:nvPr>
-        </p:nvSpPr>
-        <p:spPr>
-          <a:xfrm>
-            <a:off x="467915" y="4762500"/>
-            <a:ext cx="5915025" cy="2666999"/>
-          </a:xfrm>
-        </p:spPr>
-        <p:txBody>
-          <a:bodyPr/>
-          <a:lstStyle/>
-          <a:p>
-            <a:endParaRPr lang="zh-TW" altLang="en-US" b="1" dirty="0">
-              <a:effectLst>
-                <a:outerShdw blurRad="38100" dist="38100" dir="2700000" algn="tl">
-                  <a:srgbClr val="000000">
-                    <a:alpha val="43137"/>
-                  </a:srgbClr>
-                </a:outerShdw>
-              </a:effectLst>
-              <a:latin typeface="霞鶩文楷 TC" panose="02020500000000000000" pitchFamily="18" charset="-120"/>
-              <a:ea typeface="霞鶩文楷 TC" panose="02020500000000000000" pitchFamily="18" charset="-120"/>
-            </a:endParaRPr>
-          </a:p>
-        </p:txBody>
-      </p:sp>
-    </p:spTree>
-    <p:extLst>
-      <p:ext uri="{BB962C8B-B14F-4D97-AF65-F5344CB8AC3E}">
-        <p14:creationId xmlns:p14="http://schemas.microsoft.com/office/powerpoint/2010/main" val="1972069389"/>
-      </p:ext>
-    </p:extLst>
-  </p:cSld>
-  <p:clrMapOvr>
-    <a:masterClrMapping/>
-  </p:clrMapOvr>
-</p:sld>
-</file>
-
-<file path=ppt/slides/slide20.xml><?xml version="1.0" encoding="utf-8"?>
+<file path=ppt/slides/slide21.xml><?xml version="1.0" encoding="utf-8"?>
 <p:sld xmlns:a="http://schemas.openxmlformats.org/drawingml/2006/main" xmlns:r="http://schemas.openxmlformats.org/officeDocument/2006/relationships" xmlns:p="http://schemas.openxmlformats.org/presentationml/2006/main">
   <p:cSld>
     <p:spTree>
@@ -9616,739 +10489,7 @@
 </p:sld>
 </file>
 
-<file path=ppt/slides/slide21.xml><?xml version="1.0" encoding="utf-8"?>
-<p:sld xmlns:a="http://schemas.openxmlformats.org/drawingml/2006/main" xmlns:r="http://schemas.openxmlformats.org/officeDocument/2006/relationships" xmlns:p="http://schemas.openxmlformats.org/presentationml/2006/main">
-  <p:cSld>
-    <p:spTree>
-      <p:nvGrpSpPr>
-        <p:cNvPr id="1" name="">
-          <a:extLst>
-            <a:ext uri="{FF2B5EF4-FFF2-40B4-BE49-F238E27FC236}">
-              <a16:creationId xmlns:a16="http://schemas.microsoft.com/office/drawing/2014/main" id="{6F0678E7-5925-7808-EEAB-E71934D009C7}"/>
-            </a:ext>
-          </a:extLst>
-        </p:cNvPr>
-        <p:cNvGrpSpPr/>
-        <p:nvPr/>
-      </p:nvGrpSpPr>
-      <p:grpSpPr>
-        <a:xfrm>
-          <a:off x="0" y="0"/>
-          <a:ext cx="0" cy="0"/>
-          <a:chOff x="0" y="0"/>
-          <a:chExt cx="0" cy="0"/>
-        </a:xfrm>
-      </p:grpSpPr>
-      <p:sp>
-        <p:nvSpPr>
-          <p:cNvPr id="3" name="標題 2">
-            <a:extLst>
-              <a:ext uri="{FF2B5EF4-FFF2-40B4-BE49-F238E27FC236}">
-                <a16:creationId xmlns:a16="http://schemas.microsoft.com/office/drawing/2014/main" id="{8E3FF31D-5395-0C70-4A03-25908CF57FF2}"/>
-              </a:ext>
-            </a:extLst>
-          </p:cNvPr>
-          <p:cNvSpPr>
-            <a:spLocks noGrp="1"/>
-          </p:cNvSpPr>
-          <p:nvPr>
-            <p:ph type="title"/>
-          </p:nvPr>
-        </p:nvSpPr>
-        <p:spPr/>
-        <p:txBody>
-          <a:bodyPr/>
-          <a:lstStyle/>
-          <a:p>
-            <a:r>
-              <a:rPr lang="zh-TW" altLang="en-US" dirty="0"/>
-              <a:t>漢字標音：單字標音</a:t>
-            </a:r>
-          </a:p>
-        </p:txBody>
-      </p:sp>
-      <p:pic>
-        <p:nvPicPr>
-          <p:cNvPr id="5" name="圖片 4">
-            <a:extLst>
-              <a:ext uri="{FF2B5EF4-FFF2-40B4-BE49-F238E27FC236}">
-                <a16:creationId xmlns:a16="http://schemas.microsoft.com/office/drawing/2014/main" id="{6B81484C-0C23-0675-E001-3530A2B8EF33}"/>
-              </a:ext>
-            </a:extLst>
-          </p:cNvPr>
-          <p:cNvPicPr>
-            <a:picLocks noChangeAspect="1"/>
-          </p:cNvPicPr>
-          <p:nvPr/>
-        </p:nvPicPr>
-        <p:blipFill>
-          <a:blip r:embed="rId2"/>
-          <a:stretch>
-            <a:fillRect/>
-          </a:stretch>
-        </p:blipFill>
-        <p:spPr>
-          <a:xfrm>
-            <a:off x="1562100" y="1847850"/>
-            <a:ext cx="4076700" cy="4495800"/>
-          </a:xfrm>
-          <a:prstGeom prst="rect">
-            <a:avLst/>
-          </a:prstGeom>
-        </p:spPr>
-      </p:pic>
-      <p:pic>
-        <p:nvPicPr>
-          <p:cNvPr id="6" name="圖片 5">
-            <a:extLst>
-              <a:ext uri="{FF2B5EF4-FFF2-40B4-BE49-F238E27FC236}">
-                <a16:creationId xmlns:a16="http://schemas.microsoft.com/office/drawing/2014/main" id="{C21F1722-8786-59E4-8CDB-CBB9B430FEE3}"/>
-              </a:ext>
-            </a:extLst>
-          </p:cNvPr>
-          <p:cNvPicPr>
-            <a:picLocks noChangeAspect="1"/>
-          </p:cNvPicPr>
-          <p:nvPr/>
-        </p:nvPicPr>
-        <p:blipFill>
-          <a:blip r:embed="rId3"/>
-          <a:stretch>
-            <a:fillRect/>
-          </a:stretch>
-        </p:blipFill>
-        <p:spPr>
-          <a:xfrm>
-            <a:off x="1562100" y="7047087"/>
-            <a:ext cx="4076700" cy="4495800"/>
-          </a:xfrm>
-          <a:prstGeom prst="rect">
-            <a:avLst/>
-          </a:prstGeom>
-        </p:spPr>
-      </p:pic>
-    </p:spTree>
-    <p:extLst>
-      <p:ext uri="{BB962C8B-B14F-4D97-AF65-F5344CB8AC3E}">
-        <p14:creationId xmlns:p14="http://schemas.microsoft.com/office/powerpoint/2010/main" val="2735280275"/>
-      </p:ext>
-    </p:extLst>
-  </p:cSld>
-  <p:clrMapOvr>
-    <a:masterClrMapping/>
-  </p:clrMapOvr>
-</p:sld>
-</file>
-
 <file path=ppt/slides/slide22.xml><?xml version="1.0" encoding="utf-8"?>
-<p:sld xmlns:a="http://schemas.openxmlformats.org/drawingml/2006/main" xmlns:r="http://schemas.openxmlformats.org/officeDocument/2006/relationships" xmlns:p="http://schemas.openxmlformats.org/presentationml/2006/main">
-  <p:cSld>
-    <p:spTree>
-      <p:nvGrpSpPr>
-        <p:cNvPr id="1" name="">
-          <a:extLst>
-            <a:ext uri="{FF2B5EF4-FFF2-40B4-BE49-F238E27FC236}">
-              <a16:creationId xmlns:a16="http://schemas.microsoft.com/office/drawing/2014/main" id="{1876AD14-AD02-7F47-16D6-B49DFB96403D}"/>
-            </a:ext>
-          </a:extLst>
-        </p:cNvPr>
-        <p:cNvGrpSpPr/>
-        <p:nvPr/>
-      </p:nvGrpSpPr>
-      <p:grpSpPr>
-        <a:xfrm>
-          <a:off x="0" y="0"/>
-          <a:ext cx="0" cy="0"/>
-          <a:chOff x="0" y="0"/>
-          <a:chExt cx="0" cy="0"/>
-        </a:xfrm>
-      </p:grpSpPr>
-      <p:sp>
-        <p:nvSpPr>
-          <p:cNvPr id="3" name="標題 2">
-            <a:extLst>
-              <a:ext uri="{FF2B5EF4-FFF2-40B4-BE49-F238E27FC236}">
-                <a16:creationId xmlns:a16="http://schemas.microsoft.com/office/drawing/2014/main" id="{80F0CD9E-1C0A-31ED-184D-22E5232000F7}"/>
-              </a:ext>
-            </a:extLst>
-          </p:cNvPr>
-          <p:cNvSpPr>
-            <a:spLocks noGrp="1"/>
-          </p:cNvSpPr>
-          <p:nvPr>
-            <p:ph type="title"/>
-          </p:nvPr>
-        </p:nvSpPr>
-        <p:spPr/>
-        <p:txBody>
-          <a:bodyPr/>
-          <a:lstStyle/>
-          <a:p>
-            <a:r>
-              <a:rPr lang="zh-TW" altLang="en-US" dirty="0"/>
-              <a:t>漢字標音：詞彙標音</a:t>
-            </a:r>
-          </a:p>
-        </p:txBody>
-      </p:sp>
-      <p:pic>
-        <p:nvPicPr>
-          <p:cNvPr id="7" name="圖片 6">
-            <a:extLst>
-              <a:ext uri="{FF2B5EF4-FFF2-40B4-BE49-F238E27FC236}">
-                <a16:creationId xmlns:a16="http://schemas.microsoft.com/office/drawing/2014/main" id="{47234219-911E-474D-C053-565F2288A96B}"/>
-              </a:ext>
-            </a:extLst>
-          </p:cNvPr>
-          <p:cNvPicPr>
-            <a:picLocks noChangeAspect="1"/>
-          </p:cNvPicPr>
-          <p:nvPr/>
-        </p:nvPicPr>
-        <p:blipFill>
-          <a:blip r:embed="rId2"/>
-          <a:stretch>
-            <a:fillRect/>
-          </a:stretch>
-        </p:blipFill>
-        <p:spPr>
-          <a:xfrm>
-            <a:off x="3638552" y="2457448"/>
-            <a:ext cx="2876548" cy="3172268"/>
-          </a:xfrm>
-          <a:prstGeom prst="rect">
-            <a:avLst/>
-          </a:prstGeom>
-        </p:spPr>
-      </p:pic>
-      <p:pic>
-        <p:nvPicPr>
-          <p:cNvPr id="9" name="圖片 8">
-            <a:extLst>
-              <a:ext uri="{FF2B5EF4-FFF2-40B4-BE49-F238E27FC236}">
-                <a16:creationId xmlns:a16="http://schemas.microsoft.com/office/drawing/2014/main" id="{8DF8D146-1174-DC78-E5FC-5BC0B842CA75}"/>
-              </a:ext>
-            </a:extLst>
-          </p:cNvPr>
-          <p:cNvPicPr>
-            <a:picLocks noChangeAspect="1"/>
-          </p:cNvPicPr>
-          <p:nvPr/>
-        </p:nvPicPr>
-        <p:blipFill>
-          <a:blip r:embed="rId3"/>
-          <a:stretch>
-            <a:fillRect/>
-          </a:stretch>
-        </p:blipFill>
-        <p:spPr>
-          <a:xfrm>
-            <a:off x="552450" y="8593091"/>
-            <a:ext cx="4971317" cy="1685925"/>
-          </a:xfrm>
-          <a:prstGeom prst="rect">
-            <a:avLst/>
-          </a:prstGeom>
-        </p:spPr>
-      </p:pic>
-      <p:sp>
-        <p:nvSpPr>
-          <p:cNvPr id="10" name="文字方塊 9">
-            <a:extLst>
-              <a:ext uri="{FF2B5EF4-FFF2-40B4-BE49-F238E27FC236}">
-                <a16:creationId xmlns:a16="http://schemas.microsoft.com/office/drawing/2014/main" id="{5CC86A35-D783-D36E-C89E-7FC1974161FB}"/>
-              </a:ext>
-            </a:extLst>
-          </p:cNvPr>
-          <p:cNvSpPr txBox="1"/>
-          <p:nvPr/>
-        </p:nvSpPr>
-        <p:spPr>
-          <a:xfrm>
-            <a:off x="552450" y="10565219"/>
-            <a:ext cx="6071634" cy="646331"/>
-          </a:xfrm>
-          <a:prstGeom prst="rect">
-            <a:avLst/>
-          </a:prstGeom>
-          <a:noFill/>
-        </p:spPr>
-        <p:txBody>
-          <a:bodyPr wrap="square" rtlCol="0">
-            <a:spAutoFit/>
-          </a:bodyPr>
-          <a:lstStyle/>
-          <a:p>
-            <a:pPr marL="285750" indent="-285750">
-              <a:buFont typeface="Arial" panose="020B0604020202020204" pitchFamily="34" charset="0"/>
-              <a:buChar char="•"/>
-            </a:pPr>
-            <a:r>
-              <a:rPr lang="en-US" altLang="zh-TW" dirty="0">
-                <a:latin typeface="Noto Sans TC Medium" panose="020B0200000000000000" pitchFamily="34" charset="-128"/>
-                <a:ea typeface="Noto Sans TC Medium" panose="020B0200000000000000" pitchFamily="34" charset="-128"/>
-              </a:rPr>
-              <a:t>3 </a:t>
-            </a:r>
-            <a:r>
-              <a:rPr lang="zh-TW" altLang="en-US" dirty="0">
-                <a:latin typeface="Noto Sans TC Medium" panose="020B0200000000000000" pitchFamily="34" charset="-128"/>
-                <a:ea typeface="Noto Sans TC Medium" panose="020B0200000000000000" pitchFamily="34" charset="-128"/>
-              </a:rPr>
-              <a:t>為</a:t>
-            </a:r>
-            <a:r>
-              <a:rPr lang="en-US" altLang="zh-TW" dirty="0">
-                <a:latin typeface="Noto Sans TC Medium" panose="020B0200000000000000" pitchFamily="34" charset="-128"/>
-                <a:ea typeface="Noto Sans TC Medium" panose="020B0200000000000000" pitchFamily="34" charset="-128"/>
-              </a:rPr>
-              <a:t>【</a:t>
-            </a:r>
-            <a:r>
-              <a:rPr lang="zh-TW" altLang="en-US" dirty="0">
-                <a:latin typeface="Noto Sans TC Medium" panose="020B0200000000000000" pitchFamily="34" charset="-128"/>
-                <a:ea typeface="Noto Sans TC Medium" panose="020B0200000000000000" pitchFamily="34" charset="-128"/>
-              </a:rPr>
-              <a:t>本調</a:t>
-            </a:r>
-            <a:r>
-              <a:rPr lang="en-US" altLang="zh-TW" dirty="0">
-                <a:latin typeface="Noto Sans TC Medium" panose="020B0200000000000000" pitchFamily="34" charset="-128"/>
-                <a:ea typeface="Noto Sans TC Medium" panose="020B0200000000000000" pitchFamily="34" charset="-128"/>
-              </a:rPr>
-              <a:t>】</a:t>
-            </a:r>
-            <a:r>
-              <a:rPr lang="zh-TW" altLang="en-US" dirty="0">
-                <a:latin typeface="Noto Sans TC Medium" panose="020B0200000000000000" pitchFamily="34" charset="-128"/>
-                <a:ea typeface="Noto Sans TC Medium" panose="020B0200000000000000" pitchFamily="34" charset="-128"/>
-              </a:rPr>
-              <a:t>：台羅拼音之三聲調，亦即：</a:t>
-            </a:r>
-            <a:r>
-              <a:rPr lang="en-US" altLang="zh-TW" dirty="0">
-                <a:latin typeface="Noto Sans TC Medium" panose="020B0200000000000000" pitchFamily="34" charset="-128"/>
-                <a:ea typeface="Noto Sans TC Medium" panose="020B0200000000000000" pitchFamily="34" charset="-128"/>
-              </a:rPr>
-              <a:t>【</a:t>
-            </a:r>
-            <a:r>
-              <a:rPr lang="zh-TW" altLang="en-US" dirty="0">
-                <a:latin typeface="Noto Sans TC Medium" panose="020B0200000000000000" pitchFamily="34" charset="-128"/>
-                <a:ea typeface="Noto Sans TC Medium" panose="020B0200000000000000" pitchFamily="34" charset="-128"/>
-              </a:rPr>
-              <a:t>陰入調</a:t>
-            </a:r>
-            <a:r>
-              <a:rPr lang="en-US" altLang="zh-TW" dirty="0">
-                <a:latin typeface="Noto Sans TC Medium" panose="020B0200000000000000" pitchFamily="34" charset="-128"/>
-                <a:ea typeface="Noto Sans TC Medium" panose="020B0200000000000000" pitchFamily="34" charset="-128"/>
-              </a:rPr>
-              <a:t>】</a:t>
-            </a:r>
-          </a:p>
-          <a:p>
-            <a:pPr marL="285750" indent="-285750">
-              <a:buFont typeface="Arial" panose="020B0604020202020204" pitchFamily="34" charset="0"/>
-              <a:buChar char="•"/>
-            </a:pPr>
-            <a:r>
-              <a:rPr lang="en-US" altLang="zh-TW" dirty="0">
-                <a:latin typeface="Noto Sans TC Medium" panose="020B0200000000000000" pitchFamily="34" charset="-128"/>
-                <a:ea typeface="Noto Sans TC Medium" panose="020B0200000000000000" pitchFamily="34" charset="-128"/>
-              </a:rPr>
-              <a:t>2 </a:t>
-            </a:r>
-            <a:r>
-              <a:rPr lang="zh-TW" altLang="en-US" dirty="0">
-                <a:latin typeface="Noto Sans TC Medium" panose="020B0200000000000000" pitchFamily="34" charset="-128"/>
-                <a:ea typeface="Noto Sans TC Medium" panose="020B0200000000000000" pitchFamily="34" charset="-128"/>
-              </a:rPr>
-              <a:t>為</a:t>
-            </a:r>
-            <a:r>
-              <a:rPr lang="en-US" altLang="zh-TW" dirty="0">
-                <a:latin typeface="Noto Sans TC Medium" panose="020B0200000000000000" pitchFamily="34" charset="-128"/>
-                <a:ea typeface="Noto Sans TC Medium" panose="020B0200000000000000" pitchFamily="34" charset="-128"/>
-              </a:rPr>
-              <a:t>【</a:t>
-            </a:r>
-            <a:r>
-              <a:rPr lang="zh-TW" altLang="en-US" dirty="0">
-                <a:latin typeface="Noto Sans TC Medium" panose="020B0200000000000000" pitchFamily="34" charset="-128"/>
-                <a:ea typeface="Noto Sans TC Medium" panose="020B0200000000000000" pitchFamily="34" charset="-128"/>
-              </a:rPr>
-              <a:t>變調</a:t>
-            </a:r>
-            <a:r>
-              <a:rPr lang="en-US" altLang="zh-TW" dirty="0">
-                <a:latin typeface="Noto Sans TC Medium" panose="020B0200000000000000" pitchFamily="34" charset="-128"/>
-                <a:ea typeface="Noto Sans TC Medium" panose="020B0200000000000000" pitchFamily="34" charset="-128"/>
-              </a:rPr>
-              <a:t>】</a:t>
-            </a:r>
-            <a:r>
-              <a:rPr lang="zh-TW" altLang="en-US" dirty="0">
-                <a:latin typeface="Noto Sans TC Medium" panose="020B0200000000000000" pitchFamily="34" charset="-128"/>
-                <a:ea typeface="Noto Sans TC Medium" panose="020B0200000000000000" pitchFamily="34" charset="-128"/>
-              </a:rPr>
-              <a:t>：台羅拼音之二聲調，亦即：</a:t>
-            </a:r>
-            <a:r>
-              <a:rPr lang="en-US" altLang="zh-TW" dirty="0">
-                <a:latin typeface="Noto Sans TC Medium" panose="020B0200000000000000" pitchFamily="34" charset="-128"/>
-                <a:ea typeface="Noto Sans TC Medium" panose="020B0200000000000000" pitchFamily="34" charset="-128"/>
-              </a:rPr>
-              <a:t>【</a:t>
-            </a:r>
-            <a:r>
-              <a:rPr lang="zh-TW" altLang="en-US" dirty="0">
-                <a:latin typeface="Noto Sans TC Medium" panose="020B0200000000000000" pitchFamily="34" charset="-128"/>
-                <a:ea typeface="Noto Sans TC Medium" panose="020B0200000000000000" pitchFamily="34" charset="-128"/>
-              </a:rPr>
-              <a:t>陰上調</a:t>
-            </a:r>
-            <a:r>
-              <a:rPr lang="en-US" altLang="zh-TW" dirty="0">
-                <a:latin typeface="Noto Sans TC Medium" panose="020B0200000000000000" pitchFamily="34" charset="-128"/>
-                <a:ea typeface="Noto Sans TC Medium" panose="020B0200000000000000" pitchFamily="34" charset="-128"/>
-              </a:rPr>
-              <a:t>】</a:t>
-            </a:r>
-            <a:endParaRPr lang="zh-TW" altLang="en-US" dirty="0">
-              <a:latin typeface="Noto Sans TC Medium" panose="020B0200000000000000" pitchFamily="34" charset="-128"/>
-              <a:ea typeface="Noto Sans TC Medium" panose="020B0200000000000000" pitchFamily="34" charset="-128"/>
-            </a:endParaRPr>
-          </a:p>
-        </p:txBody>
-      </p:sp>
-      <p:sp>
-        <p:nvSpPr>
-          <p:cNvPr id="11" name="文字方塊 10">
-            <a:extLst>
-              <a:ext uri="{FF2B5EF4-FFF2-40B4-BE49-F238E27FC236}">
-                <a16:creationId xmlns:a16="http://schemas.microsoft.com/office/drawing/2014/main" id="{D77D26B8-CB9A-A6FB-9FE0-C3777CE066BD}"/>
-              </a:ext>
-            </a:extLst>
-          </p:cNvPr>
-          <p:cNvSpPr txBox="1"/>
-          <p:nvPr/>
-        </p:nvSpPr>
-        <p:spPr>
-          <a:xfrm>
-            <a:off x="342900" y="6788240"/>
-            <a:ext cx="6071634" cy="646331"/>
-          </a:xfrm>
-          <a:prstGeom prst="rect">
-            <a:avLst/>
-          </a:prstGeom>
-          <a:noFill/>
-        </p:spPr>
-        <p:txBody>
-          <a:bodyPr wrap="square" rtlCol="0">
-            <a:spAutoFit/>
-          </a:bodyPr>
-          <a:lstStyle/>
-          <a:p>
-            <a:r>
-              <a:rPr lang="en-US" altLang="zh-TW" sz="3600" dirty="0">
-                <a:solidFill>
-                  <a:srgbClr val="FF0000"/>
-                </a:solidFill>
-                <a:latin typeface="Noto Serif TC Black" panose="02020200000000000000" pitchFamily="18" charset="-128"/>
-                <a:ea typeface="Noto Serif TC Black" panose="02020200000000000000" pitchFamily="18" charset="-128"/>
-              </a:rPr>
-              <a:t>【</a:t>
-            </a:r>
-            <a:r>
-              <a:rPr lang="zh-TW" altLang="en-US" sz="3600" dirty="0">
-                <a:solidFill>
-                  <a:srgbClr val="FF0000"/>
-                </a:solidFill>
-                <a:latin typeface="Noto Serif TC Black" panose="02020200000000000000" pitchFamily="18" charset="-128"/>
-                <a:ea typeface="Noto Serif TC Black" panose="02020200000000000000" pitchFamily="18" charset="-128"/>
-              </a:rPr>
-              <a:t>變調標註</a:t>
-            </a:r>
-            <a:r>
-              <a:rPr lang="en-US" altLang="zh-TW" sz="3600" dirty="0">
-                <a:solidFill>
-                  <a:srgbClr val="FF0000"/>
-                </a:solidFill>
-                <a:latin typeface="Noto Serif TC Black" panose="02020200000000000000" pitchFamily="18" charset="-128"/>
-                <a:ea typeface="Noto Serif TC Black" panose="02020200000000000000" pitchFamily="18" charset="-128"/>
-              </a:rPr>
-              <a:t>】</a:t>
-            </a:r>
-            <a:r>
-              <a:rPr lang="zh-TW" altLang="en-US" sz="3600" dirty="0">
-                <a:solidFill>
-                  <a:srgbClr val="FF0000"/>
-                </a:solidFill>
-                <a:latin typeface="Noto Serif TC Black" panose="02020200000000000000" pitchFamily="18" charset="-128"/>
-                <a:ea typeface="Noto Serif TC Black" panose="02020200000000000000" pitchFamily="18" charset="-128"/>
-              </a:rPr>
-              <a:t>：</a:t>
-            </a:r>
-          </a:p>
-        </p:txBody>
-      </p:sp>
-      <p:sp>
-        <p:nvSpPr>
-          <p:cNvPr id="12" name="圖說文字: 折線 11">
-            <a:extLst>
-              <a:ext uri="{FF2B5EF4-FFF2-40B4-BE49-F238E27FC236}">
-                <a16:creationId xmlns:a16="http://schemas.microsoft.com/office/drawing/2014/main" id="{DE54BB6A-3C65-1814-2BEB-24B4036046C7}"/>
-              </a:ext>
-            </a:extLst>
-          </p:cNvPr>
-          <p:cNvSpPr/>
-          <p:nvPr/>
-        </p:nvSpPr>
-        <p:spPr>
-          <a:xfrm>
-            <a:off x="2166238" y="7772912"/>
-            <a:ext cx="871870" cy="500767"/>
-          </a:xfrm>
-          <a:prstGeom prst="borderCallout2">
-            <a:avLst>
-              <a:gd name="adj1" fmla="val 51613"/>
-              <a:gd name="adj2" fmla="val 102671"/>
-              <a:gd name="adj3" fmla="val 97853"/>
-              <a:gd name="adj4" fmla="val 162515"/>
-              <a:gd name="adj5" fmla="val 212410"/>
-              <a:gd name="adj6" fmla="val 162444"/>
-            </a:avLst>
-          </a:prstGeom>
-        </p:spPr>
-        <p:style>
-          <a:lnRef idx="2">
-            <a:schemeClr val="accent1">
-              <a:shade val="15000"/>
-            </a:schemeClr>
-          </a:lnRef>
-          <a:fillRef idx="1">
-            <a:schemeClr val="accent1"/>
-          </a:fillRef>
-          <a:effectRef idx="0">
-            <a:schemeClr val="accent1"/>
-          </a:effectRef>
-          <a:fontRef idx="minor">
-            <a:schemeClr val="lt1"/>
-          </a:fontRef>
-        </p:style>
-        <p:txBody>
-          <a:bodyPr rtlCol="0" anchor="ctr"/>
-          <a:lstStyle/>
-          <a:p>
-            <a:pPr algn="ctr"/>
-            <a:r>
-              <a:rPr lang="zh-TW" altLang="en-US" dirty="0">
-                <a:latin typeface="Noto Sans TC Black" panose="020B0200000000000000" pitchFamily="34" charset="-128"/>
-                <a:ea typeface="Noto Sans TC Black" panose="020B0200000000000000" pitchFamily="34" charset="-128"/>
-              </a:rPr>
-              <a:t>本調</a:t>
-            </a:r>
-          </a:p>
-        </p:txBody>
-      </p:sp>
-      <p:sp>
-        <p:nvSpPr>
-          <p:cNvPr id="13" name="圖說文字: 折線 12">
-            <a:extLst>
-              <a:ext uri="{FF2B5EF4-FFF2-40B4-BE49-F238E27FC236}">
-                <a16:creationId xmlns:a16="http://schemas.microsoft.com/office/drawing/2014/main" id="{23B4D5A7-22CD-FF07-E31B-37DFB50D0DD1}"/>
-              </a:ext>
-            </a:extLst>
-          </p:cNvPr>
-          <p:cNvSpPr/>
-          <p:nvPr/>
-        </p:nvSpPr>
-        <p:spPr>
-          <a:xfrm>
-            <a:off x="4487681" y="7772912"/>
-            <a:ext cx="871870" cy="500767"/>
-          </a:xfrm>
-          <a:prstGeom prst="borderCallout2">
-            <a:avLst>
-              <a:gd name="adj1" fmla="val 56527"/>
-              <a:gd name="adj2" fmla="val -3426"/>
-              <a:gd name="adj3" fmla="val 115871"/>
-              <a:gd name="adj4" fmla="val -33826"/>
-              <a:gd name="adj5" fmla="val 211986"/>
-              <a:gd name="adj6" fmla="val -32678"/>
-            </a:avLst>
-          </a:prstGeom>
-        </p:spPr>
-        <p:style>
-          <a:lnRef idx="2">
-            <a:schemeClr val="accent1">
-              <a:shade val="15000"/>
-            </a:schemeClr>
-          </a:lnRef>
-          <a:fillRef idx="1">
-            <a:schemeClr val="accent1"/>
-          </a:fillRef>
-          <a:effectRef idx="0">
-            <a:schemeClr val="accent1"/>
-          </a:effectRef>
-          <a:fontRef idx="minor">
-            <a:schemeClr val="lt1"/>
-          </a:fontRef>
-        </p:style>
-        <p:txBody>
-          <a:bodyPr rtlCol="0" anchor="ctr"/>
-          <a:lstStyle/>
-          <a:p>
-            <a:pPr algn="ctr"/>
-            <a:r>
-              <a:rPr lang="zh-TW" altLang="en-US" dirty="0">
-                <a:latin typeface="Noto Sans TC Black" panose="020B0200000000000000" pitchFamily="34" charset="-128"/>
-                <a:ea typeface="Noto Sans TC Black" panose="020B0200000000000000" pitchFamily="34" charset="-128"/>
-              </a:rPr>
-              <a:t>變調</a:t>
-            </a:r>
-          </a:p>
-        </p:txBody>
-      </p:sp>
-      <p:pic>
-        <p:nvPicPr>
-          <p:cNvPr id="2" name="圖片 1">
-            <a:extLst>
-              <a:ext uri="{FF2B5EF4-FFF2-40B4-BE49-F238E27FC236}">
-                <a16:creationId xmlns:a16="http://schemas.microsoft.com/office/drawing/2014/main" id="{9C00A572-F4FE-3AE2-3E0D-70003D18C007}"/>
-              </a:ext>
-            </a:extLst>
-          </p:cNvPr>
-          <p:cNvPicPr>
-            <a:picLocks noChangeAspect="1"/>
-          </p:cNvPicPr>
-          <p:nvPr/>
-        </p:nvPicPr>
-        <p:blipFill>
-          <a:blip r:embed="rId4"/>
-          <a:stretch>
-            <a:fillRect/>
-          </a:stretch>
-        </p:blipFill>
-        <p:spPr>
-          <a:xfrm>
-            <a:off x="476250" y="2457448"/>
-            <a:ext cx="2876548" cy="3172268"/>
-          </a:xfrm>
-          <a:prstGeom prst="rect">
-            <a:avLst/>
-          </a:prstGeom>
-        </p:spPr>
-      </p:pic>
-    </p:spTree>
-    <p:extLst>
-      <p:ext uri="{BB962C8B-B14F-4D97-AF65-F5344CB8AC3E}">
-        <p14:creationId xmlns:p14="http://schemas.microsoft.com/office/powerpoint/2010/main" val="2242179867"/>
-      </p:ext>
-    </p:extLst>
-  </p:cSld>
-  <p:clrMapOvr>
-    <a:masterClrMapping/>
-  </p:clrMapOvr>
-</p:sld>
-</file>
-
-<file path=ppt/slides/slide23.xml><?xml version="1.0" encoding="utf-8"?>
-<p:sld xmlns:a="http://schemas.openxmlformats.org/drawingml/2006/main" xmlns:r="http://schemas.openxmlformats.org/officeDocument/2006/relationships" xmlns:p="http://schemas.openxmlformats.org/presentationml/2006/main">
-  <p:cSld>
-    <p:spTree>
-      <p:nvGrpSpPr>
-        <p:cNvPr id="1" name="">
-          <a:extLst>
-            <a:ext uri="{FF2B5EF4-FFF2-40B4-BE49-F238E27FC236}">
-              <a16:creationId xmlns:a16="http://schemas.microsoft.com/office/drawing/2014/main" id="{80B89651-F956-6160-7DE8-E0815665FD36}"/>
-            </a:ext>
-          </a:extLst>
-        </p:cNvPr>
-        <p:cNvGrpSpPr/>
-        <p:nvPr/>
-      </p:nvGrpSpPr>
-      <p:grpSpPr>
-        <a:xfrm>
-          <a:off x="0" y="0"/>
-          <a:ext cx="0" cy="0"/>
-          <a:chOff x="0" y="0"/>
-          <a:chExt cx="0" cy="0"/>
-        </a:xfrm>
-      </p:grpSpPr>
-      <p:sp>
-        <p:nvSpPr>
-          <p:cNvPr id="3" name="標題 2">
-            <a:extLst>
-              <a:ext uri="{FF2B5EF4-FFF2-40B4-BE49-F238E27FC236}">
-                <a16:creationId xmlns:a16="http://schemas.microsoft.com/office/drawing/2014/main" id="{BA7D2BF6-BEC2-4A0A-4D1B-9877003BE727}"/>
-              </a:ext>
-            </a:extLst>
-          </p:cNvPr>
-          <p:cNvSpPr>
-            <a:spLocks noGrp="1"/>
-          </p:cNvSpPr>
-          <p:nvPr>
-            <p:ph type="title"/>
-          </p:nvPr>
-        </p:nvSpPr>
-        <p:spPr/>
-        <p:txBody>
-          <a:bodyPr/>
-          <a:lstStyle/>
-          <a:p>
-            <a:r>
-              <a:rPr lang="zh-TW" altLang="en-US" dirty="0"/>
-              <a:t>漢字標音：詞彙標音</a:t>
-            </a:r>
-          </a:p>
-        </p:txBody>
-      </p:sp>
-      <p:pic>
-        <p:nvPicPr>
-          <p:cNvPr id="8" name="圖片 7">
-            <a:extLst>
-              <a:ext uri="{FF2B5EF4-FFF2-40B4-BE49-F238E27FC236}">
-                <a16:creationId xmlns:a16="http://schemas.microsoft.com/office/drawing/2014/main" id="{F74CD3B1-4037-E88F-6F73-ADEE4939F776}"/>
-              </a:ext>
-            </a:extLst>
-          </p:cNvPr>
-          <p:cNvPicPr>
-            <a:picLocks noChangeAspect="1"/>
-          </p:cNvPicPr>
-          <p:nvPr/>
-        </p:nvPicPr>
-        <p:blipFill>
-          <a:blip r:embed="rId2"/>
-          <a:stretch>
-            <a:fillRect/>
-          </a:stretch>
-        </p:blipFill>
-        <p:spPr>
-          <a:xfrm>
-            <a:off x="0" y="1905868"/>
-            <a:ext cx="6858000" cy="4548494"/>
-          </a:xfrm>
-          <a:prstGeom prst="rect">
-            <a:avLst/>
-          </a:prstGeom>
-        </p:spPr>
-      </p:pic>
-    </p:spTree>
-    <p:extLst>
-      <p:ext uri="{BB962C8B-B14F-4D97-AF65-F5344CB8AC3E}">
-        <p14:creationId xmlns:p14="http://schemas.microsoft.com/office/powerpoint/2010/main" val="1762523306"/>
-      </p:ext>
-    </p:extLst>
-  </p:cSld>
-  <p:clrMapOvr>
-    <a:masterClrMapping/>
-  </p:clrMapOvr>
-</p:sld>
-</file>
-
-<file path=ppt/slides/slide24.xml><?xml version="1.0" encoding="utf-8"?>
 <p:sld xmlns:a="http://schemas.openxmlformats.org/drawingml/2006/main" xmlns:r="http://schemas.openxmlformats.org/officeDocument/2006/relationships" xmlns:p="http://schemas.openxmlformats.org/presentationml/2006/main">
   <p:cSld>
     <p:spTree>
@@ -10399,7 +10540,7 @@
                 <a:ea typeface="Microsoft JhengHei UI" panose="020B0604030504040204" pitchFamily="34" charset="-120"/>
               </a:rPr>
               <a:pPr rtl="0"/>
-              <a:t>24</a:t>
+              <a:t>22</a:t>
             </a:fld>
             <a:endParaRPr lang="zh-TW" altLang="en-US">
               <a:latin typeface="Microsoft JhengHei UI" panose="020B0604030504040204" pitchFamily="34" charset="-120"/>
@@ -10508,7 +10649,7 @@
 </p:sld>
 </file>
 
-<file path=ppt/slides/slide25.xml><?xml version="1.0" encoding="utf-8"?>
+<file path=ppt/slides/slide23.xml><?xml version="1.0" encoding="utf-8"?>
 <p:sld xmlns:a="http://schemas.openxmlformats.org/drawingml/2006/main" xmlns:r="http://schemas.openxmlformats.org/officeDocument/2006/relationships" xmlns:p="http://schemas.openxmlformats.org/presentationml/2006/main">
   <p:cSld>
     <p:spTree>
@@ -10559,7 +10700,7 @@
                 <a:ea typeface="Microsoft JhengHei UI" panose="020B0604030504040204" pitchFamily="34" charset="-120"/>
               </a:rPr>
               <a:pPr rtl="0"/>
-              <a:t>25</a:t>
+              <a:t>23</a:t>
             </a:fld>
             <a:endParaRPr lang="zh-TW" altLang="en-US">
               <a:latin typeface="Microsoft JhengHei UI" panose="020B0604030504040204" pitchFamily="34" charset="-120"/>
@@ -11511,7 +11652,7 @@
 </p:sld>
 </file>
 
-<file path=ppt/slides/slide26.xml><?xml version="1.0" encoding="utf-8"?>
+<file path=ppt/slides/slide24.xml><?xml version="1.0" encoding="utf-8"?>
 <p:sld xmlns:a="http://schemas.openxmlformats.org/drawingml/2006/main" xmlns:r="http://schemas.openxmlformats.org/officeDocument/2006/relationships" xmlns:p="http://schemas.openxmlformats.org/presentationml/2006/main">
   <p:cSld>
     <p:spTree>
@@ -12739,7 +12880,7 @@
 </p:sld>
 </file>
 
-<file path=ppt/slides/slide27.xml><?xml version="1.0" encoding="utf-8"?>
+<file path=ppt/slides/slide25.xml><?xml version="1.0" encoding="utf-8"?>
 <p:sld xmlns:a="http://schemas.openxmlformats.org/drawingml/2006/main" xmlns:r="http://schemas.openxmlformats.org/officeDocument/2006/relationships" xmlns:p="http://schemas.openxmlformats.org/presentationml/2006/main">
   <p:cSld>
     <p:spTree>
@@ -12821,10 +12962,10 @@
       </p:sp>
       <p:pic>
         <p:nvPicPr>
-          <p:cNvPr id="13" name="圖片 12">
+          <p:cNvPr id="3" name="圖片 2">
             <a:extLst>
               <a:ext uri="{FF2B5EF4-FFF2-40B4-BE49-F238E27FC236}">
-                <a16:creationId xmlns:a16="http://schemas.microsoft.com/office/drawing/2014/main" id="{BBB375D8-0E76-1580-9F43-23A2D7703F2F}"/>
+                <a16:creationId xmlns:a16="http://schemas.microsoft.com/office/drawing/2014/main" id="{B4F51F55-66F0-51AF-FBFB-8662FF6402BD}"/>
               </a:ext>
             </a:extLst>
           </p:cNvPr>
@@ -12841,8 +12982,8 @@
         </p:blipFill>
         <p:spPr>
           <a:xfrm>
-            <a:off x="441325" y="1535184"/>
-            <a:ext cx="3892132" cy="10572925"/>
+            <a:off x="476250" y="1694576"/>
+            <a:ext cx="3508392" cy="10195420"/>
           </a:xfrm>
           <a:prstGeom prst="rect">
             <a:avLst/>
@@ -12862,7 +13003,130 @@
 </p:sld>
 </file>
 
-<file path=ppt/slides/slide28.xml><?xml version="1.0" encoding="utf-8"?>
+<file path=ppt/slides/slide26.xml><?xml version="1.0" encoding="utf-8"?>
+<p:sld xmlns:a="http://schemas.openxmlformats.org/drawingml/2006/main" xmlns:r="http://schemas.openxmlformats.org/officeDocument/2006/relationships" xmlns:p="http://schemas.openxmlformats.org/presentationml/2006/main">
+  <p:cSld>
+    <p:spTree>
+      <p:nvGrpSpPr>
+        <p:cNvPr id="1" name="">
+          <a:extLst>
+            <a:ext uri="{FF2B5EF4-FFF2-40B4-BE49-F238E27FC236}">
+              <a16:creationId xmlns:a16="http://schemas.microsoft.com/office/drawing/2014/main" id="{8390F7D3-104F-6083-826D-E0F73B99EA08}"/>
+            </a:ext>
+          </a:extLst>
+        </p:cNvPr>
+        <p:cNvGrpSpPr/>
+        <p:nvPr/>
+      </p:nvGrpSpPr>
+      <p:grpSpPr>
+        <a:xfrm>
+          <a:off x="0" y="0"/>
+          <a:ext cx="0" cy="0"/>
+          <a:chOff x="0" y="0"/>
+          <a:chExt cx="0" cy="0"/>
+        </a:xfrm>
+      </p:grpSpPr>
+      <p:sp>
+        <p:nvSpPr>
+          <p:cNvPr id="7" name="標題 6">
+            <a:extLst>
+              <a:ext uri="{FF2B5EF4-FFF2-40B4-BE49-F238E27FC236}">
+                <a16:creationId xmlns:a16="http://schemas.microsoft.com/office/drawing/2014/main" id="{7C7C1668-9FDE-DA98-ACE7-39DC87FB6D0D}"/>
+              </a:ext>
+            </a:extLst>
+          </p:cNvPr>
+          <p:cNvSpPr>
+            <a:spLocks noGrp="1"/>
+          </p:cNvSpPr>
+          <p:nvPr>
+            <p:ph type="title"/>
+          </p:nvPr>
+        </p:nvSpPr>
+        <p:spPr>
+          <a:xfrm>
+            <a:off x="441325" y="893527"/>
+            <a:ext cx="5280808" cy="509524"/>
+          </a:xfrm>
+        </p:spPr>
+        <p:txBody>
+          <a:bodyPr>
+            <a:normAutofit/>
+          </a:bodyPr>
+          <a:lstStyle/>
+          <a:p>
+            <a:r>
+              <a:rPr lang="zh-TW" altLang="en-US" dirty="0">
+                <a:latin typeface="Noto Serif TC Black" panose="02020200000000000000" pitchFamily="18" charset="-128"/>
+                <a:ea typeface="Noto Serif TC Black" panose="02020200000000000000" pitchFamily="18" charset="-128"/>
+              </a:rPr>
+              <a:t>變調實例（台灣</a:t>
+            </a:r>
+            <a:r>
+              <a:rPr lang="en-US" altLang="zh-TW" dirty="0">
+                <a:latin typeface="Noto Serif TC Black" panose="02020200000000000000" pitchFamily="18" charset="-128"/>
+                <a:ea typeface="Noto Serif TC Black" panose="02020200000000000000" pitchFamily="18" charset="-128"/>
+              </a:rPr>
+              <a:t>/</a:t>
+            </a:r>
+            <a:r>
+              <a:rPr lang="zh-TW" altLang="en-US" dirty="0">
+                <a:latin typeface="Noto Serif TC Black" panose="02020200000000000000" pitchFamily="18" charset="-128"/>
+                <a:ea typeface="Noto Serif TC Black" panose="02020200000000000000" pitchFamily="18" charset="-128"/>
+              </a:rPr>
+              <a:t>廈門腔）</a:t>
+            </a:r>
+            <a:endParaRPr lang="zh-TW" altLang="en-US" dirty="0">
+              <a:solidFill>
+                <a:schemeClr val="accent5"/>
+              </a:solidFill>
+            </a:endParaRPr>
+          </a:p>
+        </p:txBody>
+      </p:sp>
+      <p:pic>
+        <p:nvPicPr>
+          <p:cNvPr id="5" name="圖片 4">
+            <a:extLst>
+              <a:ext uri="{FF2B5EF4-FFF2-40B4-BE49-F238E27FC236}">
+                <a16:creationId xmlns:a16="http://schemas.microsoft.com/office/drawing/2014/main" id="{F48C0786-1CD8-C7F7-CBC9-95BDF0C66030}"/>
+              </a:ext>
+            </a:extLst>
+          </p:cNvPr>
+          <p:cNvPicPr>
+            <a:picLocks noChangeAspect="1"/>
+          </p:cNvPicPr>
+          <p:nvPr/>
+        </p:nvPicPr>
+        <p:blipFill>
+          <a:blip r:embed="rId3"/>
+          <a:stretch>
+            <a:fillRect/>
+          </a:stretch>
+        </p:blipFill>
+        <p:spPr>
+          <a:xfrm>
+            <a:off x="476250" y="1785018"/>
+            <a:ext cx="6030568" cy="5035232"/>
+          </a:xfrm>
+          <a:prstGeom prst="rect">
+            <a:avLst/>
+          </a:prstGeom>
+        </p:spPr>
+      </p:pic>
+    </p:spTree>
+    <p:extLst>
+      <p:ext uri="{BB962C8B-B14F-4D97-AF65-F5344CB8AC3E}">
+        <p14:creationId xmlns:p14="http://schemas.microsoft.com/office/powerpoint/2010/main" val="2478874906"/>
+      </p:ext>
+    </p:extLst>
+  </p:cSld>
+  <p:clrMapOvr>
+    <a:masterClrMapping/>
+  </p:clrMapOvr>
+</p:sld>
+</file>
+
+<file path=ppt/slides/slide27.xml><?xml version="1.0" encoding="utf-8"?>
 <p:sld xmlns:a="http://schemas.openxmlformats.org/drawingml/2006/main" xmlns:r="http://schemas.openxmlformats.org/officeDocument/2006/relationships" xmlns:p="http://schemas.openxmlformats.org/presentationml/2006/main">
   <p:cSld>
     <p:spTree>
@@ -12942,897 +13206,939 @@
           </a:p>
         </p:txBody>
       </p:sp>
-      <p:sp>
-        <p:nvSpPr>
-          <p:cNvPr id="2" name="文字方塊 1">
+      <p:grpSp>
+        <p:nvGrpSpPr>
+          <p:cNvPr id="18" name="群組 17">
             <a:extLst>
               <a:ext uri="{FF2B5EF4-FFF2-40B4-BE49-F238E27FC236}">
-                <a16:creationId xmlns:a16="http://schemas.microsoft.com/office/drawing/2014/main" id="{3D1E7738-D367-D8ED-0A15-FA99C2BE2075}"/>
+                <a16:creationId xmlns:a16="http://schemas.microsoft.com/office/drawing/2014/main" id="{75DE3569-D975-F782-9900-223C1E4DEFA9}"/>
               </a:ext>
             </a:extLst>
           </p:cNvPr>
-          <p:cNvSpPr txBox="1"/>
+          <p:cNvGrpSpPr/>
           <p:nvPr/>
-        </p:nvSpPr>
-        <p:spPr>
+        </p:nvGrpSpPr>
+        <p:grpSpPr>
           <a:xfrm>
-            <a:off x="476250" y="2212538"/>
-            <a:ext cx="5830388" cy="646331"/>
+            <a:off x="217895" y="6951175"/>
+            <a:ext cx="6261282" cy="4385649"/>
+            <a:chOff x="217895" y="7378683"/>
+            <a:chExt cx="6261282" cy="4385649"/>
           </a:xfrm>
-          <a:prstGeom prst="rect">
-            <a:avLst/>
-          </a:prstGeom>
-          <a:noFill/>
-        </p:spPr>
-        <p:txBody>
-          <a:bodyPr wrap="square" rtlCol="0">
-            <a:spAutoFit/>
-          </a:bodyPr>
-          <a:lstStyle/>
-          <a:p>
-            <a:r>
-              <a:rPr lang="zh-TW" altLang="en-US" sz="3600" dirty="0">
-                <a:solidFill>
-                  <a:srgbClr val="0070C0"/>
-                </a:solidFill>
-                <a:latin typeface="Noto Serif TC Black" panose="02020200000000000000" pitchFamily="18" charset="-128"/>
-                <a:ea typeface="Noto Serif TC Black" panose="02020200000000000000" pitchFamily="18" charset="-128"/>
-              </a:rPr>
-              <a:t>人情留一線，日後好相看。</a:t>
-            </a:r>
-          </a:p>
-        </p:txBody>
-      </p:sp>
-      <p:sp>
-        <p:nvSpPr>
-          <p:cNvPr id="3" name="文字方塊 2">
-            <a:extLst>
-              <a:ext uri="{FF2B5EF4-FFF2-40B4-BE49-F238E27FC236}">
-                <a16:creationId xmlns:a16="http://schemas.microsoft.com/office/drawing/2014/main" id="{27FA9315-58C9-A1F0-2681-C3E2F954D633}"/>
-              </a:ext>
-            </a:extLst>
-          </p:cNvPr>
-          <p:cNvSpPr txBox="1"/>
-          <p:nvPr/>
-        </p:nvSpPr>
-        <p:spPr>
-          <a:xfrm>
-            <a:off x="476250" y="4331864"/>
-            <a:ext cx="5830388" cy="830997"/>
-          </a:xfrm>
-          <a:prstGeom prst="rect">
-            <a:avLst/>
-          </a:prstGeom>
-          <a:noFill/>
-        </p:spPr>
-        <p:txBody>
-          <a:bodyPr wrap="square" rtlCol="0">
-            <a:spAutoFit/>
-          </a:bodyPr>
-          <a:lstStyle/>
-          <a:p>
-            <a:r>
-              <a:rPr lang="en-US" altLang="zh-TW" sz="2400" dirty="0">
+        </p:grpSpPr>
+        <p:sp>
+          <p:nvSpPr>
+            <p:cNvPr id="8" name="文字方塊 7">
+              <a:extLst>
+                <a:ext uri="{FF2B5EF4-FFF2-40B4-BE49-F238E27FC236}">
+                  <a16:creationId xmlns:a16="http://schemas.microsoft.com/office/drawing/2014/main" id="{7AF22ACE-C733-83B6-77AA-9D90A4CF77A6}"/>
+                </a:ext>
+              </a:extLst>
+            </p:cNvPr>
+            <p:cNvSpPr txBox="1"/>
+            <p:nvPr/>
+          </p:nvSpPr>
+          <p:spPr>
+            <a:xfrm>
+              <a:off x="476250" y="7378683"/>
+              <a:ext cx="5830388" cy="646331"/>
+            </a:xfrm>
+            <a:prstGeom prst="rect">
+              <a:avLst/>
+            </a:prstGeom>
+            <a:noFill/>
+          </p:spPr>
+          <p:txBody>
+            <a:bodyPr wrap="square" rtlCol="0">
+              <a:spAutoFit/>
+            </a:bodyPr>
+            <a:lstStyle/>
+            <a:p>
+              <a:r>
+                <a:rPr lang="zh-TW" altLang="en-US" sz="3600" dirty="0">
+                  <a:solidFill>
+                    <a:srgbClr val="0070C0"/>
+                  </a:solidFill>
+                  <a:latin typeface="Noto Serif TC Black" panose="02020200000000000000" pitchFamily="18" charset="-128"/>
+                  <a:ea typeface="Noto Serif TC Black" panose="02020200000000000000" pitchFamily="18" charset="-128"/>
+                </a:rPr>
+                <a:t>三百六十行，行行出狀元。</a:t>
+              </a:r>
+            </a:p>
+          </p:txBody>
+        </p:sp>
+        <p:sp>
+          <p:nvSpPr>
+            <p:cNvPr id="9" name="文字方塊 8">
+              <a:extLst>
+                <a:ext uri="{FF2B5EF4-FFF2-40B4-BE49-F238E27FC236}">
+                  <a16:creationId xmlns:a16="http://schemas.microsoft.com/office/drawing/2014/main" id="{2D57FA94-007F-0AF6-90AC-951592D436D2}"/>
+                </a:ext>
+              </a:extLst>
+            </p:cNvPr>
+            <p:cNvSpPr txBox="1"/>
+            <p:nvPr/>
+          </p:nvSpPr>
+          <p:spPr>
+            <a:xfrm>
+              <a:off x="476250" y="9643365"/>
+              <a:ext cx="5830388" cy="830997"/>
+            </a:xfrm>
+            <a:prstGeom prst="rect">
+              <a:avLst/>
+            </a:prstGeom>
+            <a:noFill/>
+          </p:spPr>
+          <p:txBody>
+            <a:bodyPr wrap="square" rtlCol="0">
+              <a:spAutoFit/>
+            </a:bodyPr>
+            <a:lstStyle/>
+            <a:p>
+              <a:r>
+                <a:rPr lang="en-US" altLang="zh-TW" sz="2400" dirty="0">
+                  <a:solidFill>
+                    <a:srgbClr val="7030A0"/>
+                  </a:solidFill>
+                  <a:latin typeface="Chiron Sung HK ExtraLight" pitchFamily="2" charset="-128"/>
+                  <a:ea typeface="Chiron Sung HK ExtraLight" pitchFamily="2" charset="-128"/>
+                </a:rPr>
+                <a:t>Sann1-pah4 lak8-tsap8 hang5,</a:t>
+              </a:r>
+              <a:br>
+                <a:rPr lang="en-US" altLang="zh-TW" sz="2400" dirty="0">
+                  <a:solidFill>
+                    <a:srgbClr val="7030A0"/>
+                  </a:solidFill>
+                  <a:latin typeface="Chiron Sung HK ExtraLight" pitchFamily="2" charset="-128"/>
+                  <a:ea typeface="Chiron Sung HK ExtraLight" pitchFamily="2" charset="-128"/>
+                </a:rPr>
+              </a:br>
+              <a:r>
+                <a:rPr lang="en-US" altLang="zh-TW" sz="2400" dirty="0">
+                  <a:solidFill>
+                    <a:srgbClr val="7030A0"/>
+                  </a:solidFill>
+                  <a:latin typeface="Chiron Sung HK ExtraLight" pitchFamily="2" charset="-128"/>
+                  <a:ea typeface="Chiron Sung HK ExtraLight" pitchFamily="2" charset="-128"/>
+                </a:rPr>
+                <a:t>hang-hang5 tshut4 tsiong7-guan5.</a:t>
+              </a:r>
+              <a:endParaRPr lang="zh-TW" altLang="en-US" sz="2400" dirty="0">
                 <a:solidFill>
                   <a:srgbClr val="7030A0"/>
                 </a:solidFill>
                 <a:latin typeface="Chiron Sung HK ExtraLight" pitchFamily="2" charset="-128"/>
                 <a:ea typeface="Chiron Sung HK ExtraLight" pitchFamily="2" charset="-128"/>
-              </a:rPr>
-              <a:t>Jin5-tsing5 lau5 tsit8 suann3, </a:t>
-            </a:r>
-            <a:br>
-              <a:rPr lang="en-US" altLang="zh-TW" sz="2400" dirty="0">
+              </a:endParaRPr>
+            </a:p>
+          </p:txBody>
+        </p:sp>
+        <p:sp>
+          <p:nvSpPr>
+            <p:cNvPr id="10" name="文字方塊 9">
+              <a:extLst>
+                <a:ext uri="{FF2B5EF4-FFF2-40B4-BE49-F238E27FC236}">
+                  <a16:creationId xmlns:a16="http://schemas.microsoft.com/office/drawing/2014/main" id="{15C37831-BB78-7CB5-3AD2-C8F5C5E1225E}"/>
+                </a:ext>
+              </a:extLst>
+            </p:cNvPr>
+            <p:cNvSpPr txBox="1"/>
+            <p:nvPr/>
+          </p:nvSpPr>
+          <p:spPr>
+            <a:xfrm>
+              <a:off x="476250" y="10933335"/>
+              <a:ext cx="6002927" cy="830997"/>
+            </a:xfrm>
+            <a:prstGeom prst="rect">
+              <a:avLst/>
+            </a:prstGeom>
+            <a:noFill/>
+          </p:spPr>
+          <p:txBody>
+            <a:bodyPr wrap="square" rtlCol="0">
+              <a:spAutoFit/>
+            </a:bodyPr>
+            <a:lstStyle/>
+            <a:p>
+              <a:r>
+                <a:rPr lang="en-US" altLang="zh-TW" sz="2400" dirty="0">
+                  <a:solidFill>
+                    <a:schemeClr val="accent2"/>
+                  </a:solidFill>
+                  <a:latin typeface="Chiron Sung HK ExtraLight" pitchFamily="2" charset="-128"/>
+                  <a:ea typeface="Chiron Sung HK ExtraLight" pitchFamily="2" charset="-128"/>
+                </a:rPr>
+                <a:t>Sann1~7 pah4~2 lak8~4 tsap8~4 hang5, </a:t>
+              </a:r>
+              <a:br>
+                <a:rPr lang="en-US" altLang="zh-TW" sz="2400">
+                  <a:solidFill>
+                    <a:schemeClr val="accent2"/>
+                  </a:solidFill>
+                  <a:latin typeface="Chiron Sung HK ExtraLight" pitchFamily="2" charset="-128"/>
+                  <a:ea typeface="Chiron Sung HK ExtraLight" pitchFamily="2" charset="-128"/>
+                </a:rPr>
+              </a:br>
+              <a:r>
+                <a:rPr lang="en-US" altLang="zh-TW" sz="2400">
+                  <a:solidFill>
+                    <a:schemeClr val="accent2"/>
+                  </a:solidFill>
+                  <a:latin typeface="Chiron Sung HK ExtraLight" pitchFamily="2" charset="-128"/>
+                  <a:ea typeface="Chiron Sung HK ExtraLight" pitchFamily="2" charset="-128"/>
+                </a:rPr>
+                <a:t>hang5~7 hang5 tshut4~8 tsiong7~3 guan5.</a:t>
+              </a:r>
+              <a:endParaRPr lang="zh-TW" altLang="en-US" sz="2400" dirty="0">
+                <a:solidFill>
+                  <a:schemeClr val="accent2"/>
+                </a:solidFill>
+                <a:latin typeface="Chiron Sung HK ExtraLight" pitchFamily="2" charset="-128"/>
+                <a:ea typeface="Chiron Sung HK ExtraLight" pitchFamily="2" charset="-128"/>
+              </a:endParaRPr>
+            </a:p>
+          </p:txBody>
+        </p:sp>
+        <p:sp>
+          <p:nvSpPr>
+            <p:cNvPr id="11" name="文字方塊 10">
+              <a:extLst>
+                <a:ext uri="{FF2B5EF4-FFF2-40B4-BE49-F238E27FC236}">
+                  <a16:creationId xmlns:a16="http://schemas.microsoft.com/office/drawing/2014/main" id="{7D3FA136-174E-3949-6DFD-378133D57ABF}"/>
+                </a:ext>
+              </a:extLst>
+            </p:cNvPr>
+            <p:cNvSpPr txBox="1"/>
+            <p:nvPr/>
+          </p:nvSpPr>
+          <p:spPr>
+            <a:xfrm>
+              <a:off x="217895" y="8078918"/>
+              <a:ext cx="3259818" cy="461665"/>
+            </a:xfrm>
+            <a:prstGeom prst="rect">
+              <a:avLst/>
+            </a:prstGeom>
+            <a:noFill/>
+          </p:spPr>
+          <p:txBody>
+            <a:bodyPr wrap="square" rtlCol="0">
+              <a:spAutoFit/>
+            </a:bodyPr>
+            <a:lstStyle/>
+            <a:p>
+              <a:r>
+                <a:rPr lang="en-US" altLang="zh-TW" sz="2400" dirty="0">
+                  <a:latin typeface="Noto Sans TC SemiBold" panose="020B0200000000000000" pitchFamily="34" charset="-128"/>
+                  <a:ea typeface="Noto Sans TC SemiBold" panose="020B0200000000000000" pitchFamily="34" charset="-128"/>
+                </a:rPr>
+                <a:t>【</a:t>
+              </a:r>
+              <a:r>
+                <a:rPr lang="zh-TW" altLang="en-US" sz="2400" dirty="0">
+                  <a:latin typeface="Noto Sans TC SemiBold" panose="020B0200000000000000" pitchFamily="34" charset="-128"/>
+                  <a:ea typeface="Noto Sans TC SemiBold" panose="020B0200000000000000" pitchFamily="34" charset="-128"/>
+                </a:rPr>
+                <a:t>台羅拼音</a:t>
+              </a:r>
+              <a:r>
+                <a:rPr lang="en-US" altLang="zh-TW" sz="2400" dirty="0">
+                  <a:latin typeface="Noto Sans TC SemiBold" panose="020B0200000000000000" pitchFamily="34" charset="-128"/>
+                  <a:ea typeface="Noto Sans TC SemiBold" panose="020B0200000000000000" pitchFamily="34" charset="-128"/>
+                </a:rPr>
+                <a:t>】</a:t>
+              </a:r>
+              <a:r>
+                <a:rPr lang="zh-TW" altLang="en-US" sz="2400" dirty="0">
+                  <a:latin typeface="Noto Sans TC SemiBold" panose="020B0200000000000000" pitchFamily="34" charset="-128"/>
+                  <a:ea typeface="Noto Sans TC SemiBold" panose="020B0200000000000000" pitchFamily="34" charset="-128"/>
+                </a:rPr>
+                <a:t>：</a:t>
+              </a:r>
+            </a:p>
+          </p:txBody>
+        </p:sp>
+        <p:sp>
+          <p:nvSpPr>
+            <p:cNvPr id="12" name="文字方塊 11">
+              <a:extLst>
+                <a:ext uri="{FF2B5EF4-FFF2-40B4-BE49-F238E27FC236}">
+                  <a16:creationId xmlns:a16="http://schemas.microsoft.com/office/drawing/2014/main" id="{57D514EA-5E04-861A-60EA-287DF7A756E1}"/>
+                </a:ext>
+              </a:extLst>
+            </p:cNvPr>
+            <p:cNvSpPr txBox="1"/>
+            <p:nvPr/>
+          </p:nvSpPr>
+          <p:spPr>
+            <a:xfrm>
+              <a:off x="217895" y="10574432"/>
+              <a:ext cx="4789534" cy="461665"/>
+            </a:xfrm>
+            <a:prstGeom prst="rect">
+              <a:avLst/>
+            </a:prstGeom>
+            <a:noFill/>
+          </p:spPr>
+          <p:txBody>
+            <a:bodyPr wrap="square" rtlCol="0">
+              <a:spAutoFit/>
+            </a:bodyPr>
+            <a:lstStyle/>
+            <a:p>
+              <a:r>
+                <a:rPr lang="en-US" altLang="zh-TW" sz="2400" dirty="0">
+                  <a:latin typeface="Noto Sans TC SemiBold" panose="020B0200000000000000" pitchFamily="34" charset="-128"/>
+                  <a:ea typeface="Noto Sans TC SemiBold" panose="020B0200000000000000" pitchFamily="34" charset="-128"/>
+                </a:rPr>
+                <a:t>【</a:t>
+              </a:r>
+              <a:r>
+                <a:rPr lang="zh-TW" altLang="en-US" sz="2400" dirty="0">
+                  <a:latin typeface="Noto Sans TC SemiBold" panose="020B0200000000000000" pitchFamily="34" charset="-128"/>
+                  <a:ea typeface="Noto Sans TC SemiBold" panose="020B0200000000000000" pitchFamily="34" charset="-128"/>
+                </a:rPr>
+                <a:t>台羅拼音</a:t>
+              </a:r>
+              <a:r>
+                <a:rPr lang="zh-TW" altLang="en-US" sz="2400" dirty="0">
+                  <a:solidFill>
+                    <a:srgbClr val="FF0000"/>
+                  </a:solidFill>
+                  <a:latin typeface="Noto Sans TC SemiBold" panose="020B0200000000000000" pitchFamily="34" charset="-128"/>
+                  <a:ea typeface="Noto Sans TC SemiBold" panose="020B0200000000000000" pitchFamily="34" charset="-128"/>
+                </a:rPr>
+                <a:t>用調號標變調</a:t>
+              </a:r>
+              <a:r>
+                <a:rPr lang="en-US" altLang="zh-TW" sz="2400" dirty="0">
+                  <a:latin typeface="Noto Sans TC SemiBold" panose="020B0200000000000000" pitchFamily="34" charset="-128"/>
+                  <a:ea typeface="Noto Sans TC SemiBold" panose="020B0200000000000000" pitchFamily="34" charset="-128"/>
+                </a:rPr>
+                <a:t>】</a:t>
+              </a:r>
+              <a:r>
+                <a:rPr lang="zh-TW" altLang="en-US" sz="2400" dirty="0">
+                  <a:latin typeface="Noto Sans TC SemiBold" panose="020B0200000000000000" pitchFamily="34" charset="-128"/>
+                  <a:ea typeface="Noto Sans TC SemiBold" panose="020B0200000000000000" pitchFamily="34" charset="-128"/>
+                </a:rPr>
+                <a:t>：</a:t>
+              </a:r>
+            </a:p>
+          </p:txBody>
+        </p:sp>
+        <p:sp>
+          <p:nvSpPr>
+            <p:cNvPr id="14" name="文字方塊 13">
+              <a:extLst>
+                <a:ext uri="{FF2B5EF4-FFF2-40B4-BE49-F238E27FC236}">
+                  <a16:creationId xmlns:a16="http://schemas.microsoft.com/office/drawing/2014/main" id="{D856A1FE-0B41-43DE-B7CA-05C84E807B0B}"/>
+                </a:ext>
+              </a:extLst>
+            </p:cNvPr>
+            <p:cNvSpPr txBox="1"/>
+            <p:nvPr/>
+          </p:nvSpPr>
+          <p:spPr>
+            <a:xfrm>
+              <a:off x="217895" y="9312462"/>
+              <a:ext cx="4240894" cy="461665"/>
+            </a:xfrm>
+            <a:prstGeom prst="rect">
+              <a:avLst/>
+            </a:prstGeom>
+            <a:noFill/>
+          </p:spPr>
+          <p:txBody>
+            <a:bodyPr wrap="square" rtlCol="0">
+              <a:spAutoFit/>
+            </a:bodyPr>
+            <a:lstStyle/>
+            <a:p>
+              <a:r>
+                <a:rPr lang="en-US" altLang="zh-TW" sz="2400" dirty="0">
+                  <a:latin typeface="Noto Sans TC SemiBold" panose="020B0200000000000000" pitchFamily="34" charset="-128"/>
+                  <a:ea typeface="Noto Sans TC SemiBold" panose="020B0200000000000000" pitchFamily="34" charset="-128"/>
+                </a:rPr>
+                <a:t>【</a:t>
+              </a:r>
+              <a:r>
+                <a:rPr lang="zh-TW" altLang="en-US" sz="2400" dirty="0">
+                  <a:latin typeface="Noto Sans TC SemiBold" panose="020B0200000000000000" pitchFamily="34" charset="-128"/>
+                  <a:ea typeface="Noto Sans TC SemiBold" panose="020B0200000000000000" pitchFamily="34" charset="-128"/>
+                </a:rPr>
+                <a:t>台羅拼音</a:t>
+              </a:r>
+              <a:r>
+                <a:rPr lang="zh-TW" altLang="en-US" sz="2400" dirty="0">
+                  <a:solidFill>
+                    <a:srgbClr val="FF0000"/>
+                  </a:solidFill>
+                  <a:latin typeface="Noto Sans TC SemiBold" panose="020B0200000000000000" pitchFamily="34" charset="-128"/>
+                  <a:ea typeface="Noto Sans TC SemiBold" panose="020B0200000000000000" pitchFamily="34" charset="-128"/>
+                </a:rPr>
+                <a:t>用調號標本調</a:t>
+              </a:r>
+              <a:r>
+                <a:rPr lang="en-US" altLang="zh-TW" sz="2400" dirty="0">
+                  <a:latin typeface="Noto Sans TC SemiBold" panose="020B0200000000000000" pitchFamily="34" charset="-128"/>
+                  <a:ea typeface="Noto Sans TC SemiBold" panose="020B0200000000000000" pitchFamily="34" charset="-128"/>
+                </a:rPr>
+                <a:t>】</a:t>
+              </a:r>
+              <a:r>
+                <a:rPr lang="zh-TW" altLang="en-US" sz="2400" dirty="0">
+                  <a:latin typeface="Noto Sans TC SemiBold" panose="020B0200000000000000" pitchFamily="34" charset="-128"/>
+                  <a:ea typeface="Noto Sans TC SemiBold" panose="020B0200000000000000" pitchFamily="34" charset="-128"/>
+                </a:rPr>
+                <a:t>：</a:t>
+              </a:r>
+            </a:p>
+          </p:txBody>
+        </p:sp>
+        <p:sp>
+          <p:nvSpPr>
+            <p:cNvPr id="15" name="文字方塊 14">
+              <a:extLst>
+                <a:ext uri="{FF2B5EF4-FFF2-40B4-BE49-F238E27FC236}">
+                  <a16:creationId xmlns:a16="http://schemas.microsoft.com/office/drawing/2014/main" id="{BB2E15B6-F50A-E4A7-F884-8EBF9D9BF943}"/>
+                </a:ext>
+              </a:extLst>
+            </p:cNvPr>
+            <p:cNvSpPr txBox="1"/>
+            <p:nvPr/>
+          </p:nvSpPr>
+          <p:spPr>
+            <a:xfrm>
+              <a:off x="441325" y="8391654"/>
+              <a:ext cx="5830388" cy="830997"/>
+            </a:xfrm>
+            <a:prstGeom prst="rect">
+              <a:avLst/>
+            </a:prstGeom>
+            <a:noFill/>
+          </p:spPr>
+          <p:txBody>
+            <a:bodyPr wrap="square" rtlCol="0">
+              <a:spAutoFit/>
+            </a:bodyPr>
+            <a:lstStyle/>
+            <a:p>
+              <a:r>
+                <a:rPr lang="en-US" altLang="zh-TW" sz="2400" dirty="0">
+                  <a:solidFill>
+                    <a:srgbClr val="7030A0"/>
+                  </a:solidFill>
+                  <a:latin typeface="Chiron Sung HK ExtraLight" pitchFamily="2" charset="-128"/>
+                  <a:ea typeface="Chiron Sung HK ExtraLight" pitchFamily="2" charset="-128"/>
+                </a:rPr>
+                <a:t>Sann-</a:t>
+              </a:r>
+              <a:r>
+                <a:rPr lang="en-US" altLang="zh-TW" sz="2400" dirty="0" err="1">
+                  <a:solidFill>
+                    <a:srgbClr val="7030A0"/>
+                  </a:solidFill>
+                  <a:latin typeface="Chiron Sung HK ExtraLight" pitchFamily="2" charset="-128"/>
+                  <a:ea typeface="Chiron Sung HK ExtraLight" pitchFamily="2" charset="-128"/>
+                </a:rPr>
+                <a:t>pah</a:t>
+              </a:r>
+              <a:r>
+                <a:rPr lang="en-US" altLang="zh-TW" sz="2400" dirty="0">
+                  <a:solidFill>
+                    <a:srgbClr val="7030A0"/>
+                  </a:solidFill>
+                  <a:latin typeface="Chiron Sung HK ExtraLight" pitchFamily="2" charset="-128"/>
+                  <a:ea typeface="Chiron Sung HK ExtraLight" pitchFamily="2" charset="-128"/>
+                </a:rPr>
+                <a:t> la̍k-tsa̍p hâng ,</a:t>
+              </a:r>
+            </a:p>
+            <a:p>
+              <a:r>
+                <a:rPr lang="en-US" altLang="zh-TW" sz="2400" dirty="0">
+                  <a:solidFill>
+                    <a:srgbClr val="7030A0"/>
+                  </a:solidFill>
+                  <a:latin typeface="Chiron Sung HK ExtraLight" pitchFamily="2" charset="-128"/>
+                  <a:ea typeface="Chiron Sung HK ExtraLight" pitchFamily="2" charset="-128"/>
+                </a:rPr>
+                <a:t>hâng-hâng tshut tsiōng-guân.</a:t>
+              </a:r>
+              <a:endParaRPr lang="zh-TW" altLang="en-US" sz="2400" dirty="0">
                 <a:solidFill>
                   <a:srgbClr val="7030A0"/>
                 </a:solidFill>
                 <a:latin typeface="Chiron Sung HK ExtraLight" pitchFamily="2" charset="-128"/>
                 <a:ea typeface="Chiron Sung HK ExtraLight" pitchFamily="2" charset="-128"/>
-              </a:rPr>
-            </a:br>
-            <a:r>
-              <a:rPr lang="en-US" altLang="zh-TW" sz="2400" dirty="0">
+              </a:endParaRPr>
+            </a:p>
+          </p:txBody>
+        </p:sp>
+      </p:grpSp>
+      <p:grpSp>
+        <p:nvGrpSpPr>
+          <p:cNvPr id="13" name="群組 12">
+            <a:extLst>
+              <a:ext uri="{FF2B5EF4-FFF2-40B4-BE49-F238E27FC236}">
+                <a16:creationId xmlns:a16="http://schemas.microsoft.com/office/drawing/2014/main" id="{F6B6CAB8-D346-B024-7025-374E3CC9D48D}"/>
+              </a:ext>
+            </a:extLst>
+          </p:cNvPr>
+          <p:cNvGrpSpPr/>
+          <p:nvPr/>
+        </p:nvGrpSpPr>
+        <p:grpSpPr>
+          <a:xfrm>
+            <a:off x="217895" y="1894061"/>
+            <a:ext cx="6261282" cy="4240293"/>
+            <a:chOff x="217895" y="2212538"/>
+            <a:chExt cx="6261282" cy="4240293"/>
+          </a:xfrm>
+        </p:grpSpPr>
+        <p:sp>
+          <p:nvSpPr>
+            <p:cNvPr id="2" name="文字方塊 1">
+              <a:extLst>
+                <a:ext uri="{FF2B5EF4-FFF2-40B4-BE49-F238E27FC236}">
+                  <a16:creationId xmlns:a16="http://schemas.microsoft.com/office/drawing/2014/main" id="{3D1E7738-D367-D8ED-0A15-FA99C2BE2075}"/>
+                </a:ext>
+              </a:extLst>
+            </p:cNvPr>
+            <p:cNvSpPr txBox="1"/>
+            <p:nvPr/>
+          </p:nvSpPr>
+          <p:spPr>
+            <a:xfrm>
+              <a:off x="476250" y="2212538"/>
+              <a:ext cx="5830388" cy="646331"/>
+            </a:xfrm>
+            <a:prstGeom prst="rect">
+              <a:avLst/>
+            </a:prstGeom>
+            <a:noFill/>
+          </p:spPr>
+          <p:txBody>
+            <a:bodyPr wrap="square" rtlCol="0">
+              <a:spAutoFit/>
+            </a:bodyPr>
+            <a:lstStyle/>
+            <a:p>
+              <a:r>
+                <a:rPr lang="zh-TW" altLang="en-US" sz="3600" dirty="0">
+                  <a:solidFill>
+                    <a:srgbClr val="0070C0"/>
+                  </a:solidFill>
+                  <a:latin typeface="Noto Serif TC Black" panose="02020200000000000000" pitchFamily="18" charset="-128"/>
+                  <a:ea typeface="Noto Serif TC Black" panose="02020200000000000000" pitchFamily="18" charset="-128"/>
+                </a:rPr>
+                <a:t>人情留一線，日後好相看。</a:t>
+              </a:r>
+            </a:p>
+          </p:txBody>
+        </p:sp>
+        <p:sp>
+          <p:nvSpPr>
+            <p:cNvPr id="3" name="文字方塊 2">
+              <a:extLst>
+                <a:ext uri="{FF2B5EF4-FFF2-40B4-BE49-F238E27FC236}">
+                  <a16:creationId xmlns:a16="http://schemas.microsoft.com/office/drawing/2014/main" id="{27FA9315-58C9-A1F0-2681-C3E2F954D633}"/>
+                </a:ext>
+              </a:extLst>
+            </p:cNvPr>
+            <p:cNvSpPr txBox="1"/>
+            <p:nvPr/>
+          </p:nvSpPr>
+          <p:spPr>
+            <a:xfrm>
+              <a:off x="476250" y="4331864"/>
+              <a:ext cx="5830388" cy="830997"/>
+            </a:xfrm>
+            <a:prstGeom prst="rect">
+              <a:avLst/>
+            </a:prstGeom>
+            <a:noFill/>
+          </p:spPr>
+          <p:txBody>
+            <a:bodyPr wrap="square" rtlCol="0">
+              <a:spAutoFit/>
+            </a:bodyPr>
+            <a:lstStyle/>
+            <a:p>
+              <a:r>
+                <a:rPr lang="en-US" altLang="zh-TW" sz="2400" dirty="0">
+                  <a:solidFill>
+                    <a:srgbClr val="7030A0"/>
+                  </a:solidFill>
+                  <a:latin typeface="Chiron Sung HK ExtraLight" pitchFamily="2" charset="-128"/>
+                  <a:ea typeface="Chiron Sung HK ExtraLight" pitchFamily="2" charset="-128"/>
+                </a:rPr>
+                <a:t>Jin5-tsing5 lau5 tsit8 suann3, </a:t>
+              </a:r>
+              <a:br>
+                <a:rPr lang="en-US" altLang="zh-TW" sz="2400" dirty="0">
+                  <a:solidFill>
+                    <a:srgbClr val="7030A0"/>
+                  </a:solidFill>
+                  <a:latin typeface="Chiron Sung HK ExtraLight" pitchFamily="2" charset="-128"/>
+                  <a:ea typeface="Chiron Sung HK ExtraLight" pitchFamily="2" charset="-128"/>
+                </a:rPr>
+              </a:br>
+              <a:r>
+                <a:rPr lang="en-US" altLang="zh-TW" sz="2400" dirty="0">
+                  <a:solidFill>
+                    <a:srgbClr val="7030A0"/>
+                  </a:solidFill>
+                  <a:latin typeface="Chiron Sung HK ExtraLight" pitchFamily="2" charset="-128"/>
+                  <a:ea typeface="Chiron Sung HK ExtraLight" pitchFamily="2" charset="-128"/>
+                </a:rPr>
+                <a:t>jit8-au7 ho2 sio1 khuann3.</a:t>
+              </a:r>
+              <a:endParaRPr lang="zh-TW" altLang="en-US" sz="2400" dirty="0">
                 <a:solidFill>
                   <a:srgbClr val="7030A0"/>
                 </a:solidFill>
                 <a:latin typeface="Chiron Sung HK ExtraLight" pitchFamily="2" charset="-128"/>
                 <a:ea typeface="Chiron Sung HK ExtraLight" pitchFamily="2" charset="-128"/>
-              </a:rPr>
-              <a:t>jit8-au7 ho2 sio1 khuann3.</a:t>
-            </a:r>
-            <a:endParaRPr lang="zh-TW" altLang="en-US" sz="2400" dirty="0">
-              <a:solidFill>
-                <a:srgbClr val="7030A0"/>
-              </a:solidFill>
-              <a:latin typeface="Chiron Sung HK ExtraLight" pitchFamily="2" charset="-128"/>
-              <a:ea typeface="Chiron Sung HK ExtraLight" pitchFamily="2" charset="-128"/>
-            </a:endParaRPr>
-          </a:p>
-        </p:txBody>
-      </p:sp>
-      <p:sp>
-        <p:nvSpPr>
-          <p:cNvPr id="4" name="文字方塊 3">
-            <a:extLst>
-              <a:ext uri="{FF2B5EF4-FFF2-40B4-BE49-F238E27FC236}">
-                <a16:creationId xmlns:a16="http://schemas.microsoft.com/office/drawing/2014/main" id="{0B7DDD18-D5B4-CE9E-324A-8265AAF740C0}"/>
-              </a:ext>
-            </a:extLst>
-          </p:cNvPr>
-          <p:cNvSpPr txBox="1"/>
-          <p:nvPr/>
-        </p:nvSpPr>
-        <p:spPr>
-          <a:xfrm>
-            <a:off x="476250" y="5621834"/>
-            <a:ext cx="6002927" cy="830997"/>
-          </a:xfrm>
-          <a:prstGeom prst="rect">
-            <a:avLst/>
-          </a:prstGeom>
-          <a:noFill/>
-        </p:spPr>
-        <p:txBody>
-          <a:bodyPr wrap="square" rtlCol="0">
-            <a:spAutoFit/>
-          </a:bodyPr>
-          <a:lstStyle/>
-          <a:p>
-            <a:r>
-              <a:rPr lang="en-US" altLang="zh-TW" sz="2400" dirty="0">
+              </a:endParaRPr>
+            </a:p>
+          </p:txBody>
+        </p:sp>
+        <p:sp>
+          <p:nvSpPr>
+            <p:cNvPr id="4" name="文字方塊 3">
+              <a:extLst>
+                <a:ext uri="{FF2B5EF4-FFF2-40B4-BE49-F238E27FC236}">
+                  <a16:creationId xmlns:a16="http://schemas.microsoft.com/office/drawing/2014/main" id="{0B7DDD18-D5B4-CE9E-324A-8265AAF740C0}"/>
+                </a:ext>
+              </a:extLst>
+            </p:cNvPr>
+            <p:cNvSpPr txBox="1"/>
+            <p:nvPr/>
+          </p:nvSpPr>
+          <p:spPr>
+            <a:xfrm>
+              <a:off x="476250" y="5621834"/>
+              <a:ext cx="6002927" cy="830997"/>
+            </a:xfrm>
+            <a:prstGeom prst="rect">
+              <a:avLst/>
+            </a:prstGeom>
+            <a:noFill/>
+          </p:spPr>
+          <p:txBody>
+            <a:bodyPr wrap="square" rtlCol="0">
+              <a:spAutoFit/>
+            </a:bodyPr>
+            <a:lstStyle/>
+            <a:p>
+              <a:r>
+                <a:rPr lang="en-US" altLang="zh-TW" sz="2400" dirty="0">
+                  <a:solidFill>
+                    <a:schemeClr val="accent2"/>
+                  </a:solidFill>
+                  <a:latin typeface="Chiron Sung HK ExtraLight" pitchFamily="2" charset="-128"/>
+                  <a:ea typeface="Chiron Sung HK ExtraLight" pitchFamily="2" charset="-128"/>
+                </a:rPr>
+                <a:t>Jin5~7 tsing5 lau5~7 tsit8~4 suann3, </a:t>
+              </a:r>
+              <a:br>
+                <a:rPr lang="en-US" altLang="zh-TW" sz="2400" dirty="0">
+                  <a:solidFill>
+                    <a:schemeClr val="accent2"/>
+                  </a:solidFill>
+                  <a:latin typeface="Chiron Sung HK ExtraLight" pitchFamily="2" charset="-128"/>
+                  <a:ea typeface="Chiron Sung HK ExtraLight" pitchFamily="2" charset="-128"/>
+                </a:rPr>
+              </a:br>
+              <a:r>
+                <a:rPr lang="en-US" altLang="zh-TW" sz="2400" dirty="0">
+                  <a:solidFill>
+                    <a:schemeClr val="accent2"/>
+                  </a:solidFill>
+                  <a:latin typeface="Chiron Sung HK ExtraLight" pitchFamily="2" charset="-128"/>
+                  <a:ea typeface="Chiron Sung HK ExtraLight" pitchFamily="2" charset="-128"/>
+                </a:rPr>
+                <a:t>jit8~4 au7 ho2~1 sio1~7 khuann3.</a:t>
+              </a:r>
+              <a:endParaRPr lang="zh-TW" altLang="en-US" sz="2400" dirty="0">
                 <a:solidFill>
                   <a:schemeClr val="accent2"/>
                 </a:solidFill>
                 <a:latin typeface="Chiron Sung HK ExtraLight" pitchFamily="2" charset="-128"/>
                 <a:ea typeface="Chiron Sung HK ExtraLight" pitchFamily="2" charset="-128"/>
-              </a:rPr>
-              <a:t>Jin5~7 tsing5 lau5~7 tsit8~4 suann3, </a:t>
-            </a:r>
-            <a:br>
-              <a:rPr lang="en-US" altLang="zh-TW" sz="2400" dirty="0">
-                <a:solidFill>
-                  <a:schemeClr val="accent2"/>
-                </a:solidFill>
-                <a:latin typeface="Chiron Sung HK ExtraLight" pitchFamily="2" charset="-128"/>
-                <a:ea typeface="Chiron Sung HK ExtraLight" pitchFamily="2" charset="-128"/>
-              </a:rPr>
-            </a:br>
-            <a:r>
-              <a:rPr lang="en-US" altLang="zh-TW" sz="2400" dirty="0">
-                <a:solidFill>
-                  <a:schemeClr val="accent2"/>
-                </a:solidFill>
-                <a:latin typeface="Chiron Sung HK ExtraLight" pitchFamily="2" charset="-128"/>
-                <a:ea typeface="Chiron Sung HK ExtraLight" pitchFamily="2" charset="-128"/>
-              </a:rPr>
-              <a:t>jit8~4 au7 ho2~1 sio1~7 khuann3.</a:t>
-            </a:r>
-            <a:endParaRPr lang="zh-TW" altLang="en-US" sz="2400" dirty="0">
-              <a:solidFill>
-                <a:schemeClr val="accent2"/>
-              </a:solidFill>
-              <a:latin typeface="Chiron Sung HK ExtraLight" pitchFamily="2" charset="-128"/>
-              <a:ea typeface="Chiron Sung HK ExtraLight" pitchFamily="2" charset="-128"/>
-            </a:endParaRPr>
-          </a:p>
-        </p:txBody>
-      </p:sp>
-      <p:sp>
-        <p:nvSpPr>
-          <p:cNvPr id="5" name="文字方塊 4">
-            <a:extLst>
-              <a:ext uri="{FF2B5EF4-FFF2-40B4-BE49-F238E27FC236}">
-                <a16:creationId xmlns:a16="http://schemas.microsoft.com/office/drawing/2014/main" id="{C8B13AF7-43C2-C1AA-7DD6-7ED7AD53B989}"/>
-              </a:ext>
-            </a:extLst>
-          </p:cNvPr>
-          <p:cNvSpPr txBox="1"/>
-          <p:nvPr/>
-        </p:nvSpPr>
-        <p:spPr>
-          <a:xfrm>
-            <a:off x="217895" y="4000961"/>
-            <a:ext cx="4676322" cy="461665"/>
-          </a:xfrm>
-          <a:prstGeom prst="rect">
-            <a:avLst/>
-          </a:prstGeom>
-          <a:noFill/>
-        </p:spPr>
-        <p:txBody>
-          <a:bodyPr wrap="square" rtlCol="0">
-            <a:spAutoFit/>
-          </a:bodyPr>
-          <a:lstStyle/>
-          <a:p>
-            <a:r>
-              <a:rPr lang="en-US" altLang="zh-TW" sz="2400" dirty="0">
-                <a:latin typeface="Noto Sans TC SemiBold" panose="020B0200000000000000" pitchFamily="34" charset="-128"/>
-                <a:ea typeface="Noto Sans TC SemiBold" panose="020B0200000000000000" pitchFamily="34" charset="-128"/>
-              </a:rPr>
-              <a:t>【</a:t>
-            </a:r>
-            <a:r>
-              <a:rPr lang="zh-TW" altLang="en-US" sz="2400" dirty="0">
-                <a:latin typeface="Noto Sans TC SemiBold" panose="020B0200000000000000" pitchFamily="34" charset="-128"/>
-                <a:ea typeface="Noto Sans TC SemiBold" panose="020B0200000000000000" pitchFamily="34" charset="-128"/>
-              </a:rPr>
-              <a:t>台羅拼音</a:t>
-            </a:r>
-            <a:r>
-              <a:rPr lang="zh-TW" altLang="en-US" sz="2400" dirty="0">
-                <a:solidFill>
-                  <a:srgbClr val="FF0000"/>
-                </a:solidFill>
-                <a:latin typeface="Noto Sans TC SemiBold" panose="020B0200000000000000" pitchFamily="34" charset="-128"/>
-                <a:ea typeface="Noto Sans TC SemiBold" panose="020B0200000000000000" pitchFamily="34" charset="-128"/>
-              </a:rPr>
-              <a:t>用調號標本調</a:t>
-            </a:r>
-            <a:r>
-              <a:rPr lang="en-US" altLang="zh-TW" sz="2400" dirty="0">
-                <a:latin typeface="Noto Sans TC SemiBold" panose="020B0200000000000000" pitchFamily="34" charset="-128"/>
-                <a:ea typeface="Noto Sans TC SemiBold" panose="020B0200000000000000" pitchFamily="34" charset="-128"/>
-              </a:rPr>
-              <a:t>】</a:t>
-            </a:r>
-            <a:r>
-              <a:rPr lang="zh-TW" altLang="en-US" sz="2400" dirty="0">
-                <a:latin typeface="Noto Sans TC SemiBold" panose="020B0200000000000000" pitchFamily="34" charset="-128"/>
-                <a:ea typeface="Noto Sans TC SemiBold" panose="020B0200000000000000" pitchFamily="34" charset="-128"/>
-              </a:rPr>
-              <a:t>：</a:t>
-            </a:r>
-          </a:p>
-        </p:txBody>
-      </p:sp>
-      <p:sp>
-        <p:nvSpPr>
-          <p:cNvPr id="6" name="文字方塊 5">
-            <a:extLst>
-              <a:ext uri="{FF2B5EF4-FFF2-40B4-BE49-F238E27FC236}">
-                <a16:creationId xmlns:a16="http://schemas.microsoft.com/office/drawing/2014/main" id="{38D0EC12-78B6-5443-7186-76B88F5D40BB}"/>
-              </a:ext>
-            </a:extLst>
-          </p:cNvPr>
-          <p:cNvSpPr txBox="1"/>
-          <p:nvPr/>
-        </p:nvSpPr>
-        <p:spPr>
-          <a:xfrm>
-            <a:off x="217895" y="5262931"/>
-            <a:ext cx="4676322" cy="461665"/>
-          </a:xfrm>
-          <a:prstGeom prst="rect">
-            <a:avLst/>
-          </a:prstGeom>
-          <a:noFill/>
-        </p:spPr>
-        <p:txBody>
-          <a:bodyPr wrap="square" rtlCol="0">
-            <a:spAutoFit/>
-          </a:bodyPr>
-          <a:lstStyle/>
-          <a:p>
-            <a:r>
-              <a:rPr lang="en-US" altLang="zh-TW" sz="2400" dirty="0">
-                <a:latin typeface="Noto Sans TC SemiBold" panose="020B0200000000000000" pitchFamily="34" charset="-128"/>
-                <a:ea typeface="Noto Sans TC SemiBold" panose="020B0200000000000000" pitchFamily="34" charset="-128"/>
-              </a:rPr>
-              <a:t>【</a:t>
-            </a:r>
-            <a:r>
-              <a:rPr lang="zh-TW" altLang="en-US" sz="2400" dirty="0">
-                <a:latin typeface="Noto Sans TC SemiBold" panose="020B0200000000000000" pitchFamily="34" charset="-128"/>
-                <a:ea typeface="Noto Sans TC SemiBold" panose="020B0200000000000000" pitchFamily="34" charset="-128"/>
-              </a:rPr>
-              <a:t>台羅拼音</a:t>
-            </a:r>
-            <a:r>
-              <a:rPr lang="zh-TW" altLang="en-US" sz="2400" dirty="0">
-                <a:solidFill>
-                  <a:srgbClr val="FF0000"/>
-                </a:solidFill>
-                <a:latin typeface="Noto Sans TC SemiBold" panose="020B0200000000000000" pitchFamily="34" charset="-128"/>
-                <a:ea typeface="Noto Sans TC SemiBold" panose="020B0200000000000000" pitchFamily="34" charset="-128"/>
-              </a:rPr>
-              <a:t>用調號標變調</a:t>
-            </a:r>
-            <a:r>
-              <a:rPr lang="en-US" altLang="zh-TW" sz="2400" dirty="0">
-                <a:latin typeface="Noto Sans TC SemiBold" panose="020B0200000000000000" pitchFamily="34" charset="-128"/>
-                <a:ea typeface="Noto Sans TC SemiBold" panose="020B0200000000000000" pitchFamily="34" charset="-128"/>
-              </a:rPr>
-              <a:t>】</a:t>
-            </a:r>
-            <a:r>
-              <a:rPr lang="zh-TW" altLang="en-US" sz="2400" dirty="0">
-                <a:latin typeface="Noto Sans TC SemiBold" panose="020B0200000000000000" pitchFamily="34" charset="-128"/>
-                <a:ea typeface="Noto Sans TC SemiBold" panose="020B0200000000000000" pitchFamily="34" charset="-128"/>
-              </a:rPr>
-              <a:t>：</a:t>
-            </a:r>
-          </a:p>
-        </p:txBody>
-      </p:sp>
-      <p:sp>
-        <p:nvSpPr>
-          <p:cNvPr id="8" name="文字方塊 7">
-            <a:extLst>
-              <a:ext uri="{FF2B5EF4-FFF2-40B4-BE49-F238E27FC236}">
-                <a16:creationId xmlns:a16="http://schemas.microsoft.com/office/drawing/2014/main" id="{7AF22ACE-C733-83B6-77AA-9D90A4CF77A6}"/>
-              </a:ext>
-            </a:extLst>
-          </p:cNvPr>
-          <p:cNvSpPr txBox="1"/>
-          <p:nvPr/>
-        </p:nvSpPr>
-        <p:spPr>
-          <a:xfrm>
-            <a:off x="476250" y="7378683"/>
-            <a:ext cx="5830388" cy="646331"/>
-          </a:xfrm>
-          <a:prstGeom prst="rect">
-            <a:avLst/>
-          </a:prstGeom>
-          <a:noFill/>
-        </p:spPr>
-        <p:txBody>
-          <a:bodyPr wrap="square" rtlCol="0">
-            <a:spAutoFit/>
-          </a:bodyPr>
-          <a:lstStyle/>
-          <a:p>
-            <a:r>
-              <a:rPr lang="zh-TW" altLang="en-US" sz="3600" dirty="0">
-                <a:solidFill>
-                  <a:srgbClr val="0070C0"/>
-                </a:solidFill>
-                <a:latin typeface="Noto Serif TC Black" panose="02020200000000000000" pitchFamily="18" charset="-128"/>
-                <a:ea typeface="Noto Serif TC Black" panose="02020200000000000000" pitchFamily="18" charset="-128"/>
-              </a:rPr>
-              <a:t>三百六十行，行行出狀元。</a:t>
-            </a:r>
-          </a:p>
-        </p:txBody>
-      </p:sp>
-      <p:sp>
-        <p:nvSpPr>
-          <p:cNvPr id="9" name="文字方塊 8">
-            <a:extLst>
-              <a:ext uri="{FF2B5EF4-FFF2-40B4-BE49-F238E27FC236}">
-                <a16:creationId xmlns:a16="http://schemas.microsoft.com/office/drawing/2014/main" id="{2D57FA94-007F-0AF6-90AC-951592D436D2}"/>
-              </a:ext>
-            </a:extLst>
-          </p:cNvPr>
-          <p:cNvSpPr txBox="1"/>
-          <p:nvPr/>
-        </p:nvSpPr>
-        <p:spPr>
-          <a:xfrm>
-            <a:off x="476250" y="9643365"/>
-            <a:ext cx="5830388" cy="830997"/>
-          </a:xfrm>
-          <a:prstGeom prst="rect">
-            <a:avLst/>
-          </a:prstGeom>
-          <a:noFill/>
-        </p:spPr>
-        <p:txBody>
-          <a:bodyPr wrap="square" rtlCol="0">
-            <a:spAutoFit/>
-          </a:bodyPr>
-          <a:lstStyle/>
-          <a:p>
-            <a:r>
-              <a:rPr lang="en-US" altLang="zh-TW" sz="2400" dirty="0">
+              </a:endParaRPr>
+            </a:p>
+          </p:txBody>
+        </p:sp>
+        <p:sp>
+          <p:nvSpPr>
+            <p:cNvPr id="5" name="文字方塊 4">
+              <a:extLst>
+                <a:ext uri="{FF2B5EF4-FFF2-40B4-BE49-F238E27FC236}">
+                  <a16:creationId xmlns:a16="http://schemas.microsoft.com/office/drawing/2014/main" id="{C8B13AF7-43C2-C1AA-7DD6-7ED7AD53B989}"/>
+                </a:ext>
+              </a:extLst>
+            </p:cNvPr>
+            <p:cNvSpPr txBox="1"/>
+            <p:nvPr/>
+          </p:nvSpPr>
+          <p:spPr>
+            <a:xfrm>
+              <a:off x="217895" y="4000961"/>
+              <a:ext cx="4676322" cy="461665"/>
+            </a:xfrm>
+            <a:prstGeom prst="rect">
+              <a:avLst/>
+            </a:prstGeom>
+            <a:noFill/>
+          </p:spPr>
+          <p:txBody>
+            <a:bodyPr wrap="square" rtlCol="0">
+              <a:spAutoFit/>
+            </a:bodyPr>
+            <a:lstStyle/>
+            <a:p>
+              <a:r>
+                <a:rPr lang="en-US" altLang="zh-TW" sz="2400" dirty="0">
+                  <a:latin typeface="Noto Sans TC SemiBold" panose="020B0200000000000000" pitchFamily="34" charset="-128"/>
+                  <a:ea typeface="Noto Sans TC SemiBold" panose="020B0200000000000000" pitchFamily="34" charset="-128"/>
+                </a:rPr>
+                <a:t>【</a:t>
+              </a:r>
+              <a:r>
+                <a:rPr lang="zh-TW" altLang="en-US" sz="2400" dirty="0">
+                  <a:latin typeface="Noto Sans TC SemiBold" panose="020B0200000000000000" pitchFamily="34" charset="-128"/>
+                  <a:ea typeface="Noto Sans TC SemiBold" panose="020B0200000000000000" pitchFamily="34" charset="-128"/>
+                </a:rPr>
+                <a:t>台羅拼音</a:t>
+              </a:r>
+              <a:r>
+                <a:rPr lang="zh-TW" altLang="en-US" sz="2400" dirty="0">
+                  <a:solidFill>
+                    <a:srgbClr val="FF0000"/>
+                  </a:solidFill>
+                  <a:latin typeface="Noto Sans TC SemiBold" panose="020B0200000000000000" pitchFamily="34" charset="-128"/>
+                  <a:ea typeface="Noto Sans TC SemiBold" panose="020B0200000000000000" pitchFamily="34" charset="-128"/>
+                </a:rPr>
+                <a:t>用調號標本調</a:t>
+              </a:r>
+              <a:r>
+                <a:rPr lang="en-US" altLang="zh-TW" sz="2400" dirty="0">
+                  <a:latin typeface="Noto Sans TC SemiBold" panose="020B0200000000000000" pitchFamily="34" charset="-128"/>
+                  <a:ea typeface="Noto Sans TC SemiBold" panose="020B0200000000000000" pitchFamily="34" charset="-128"/>
+                </a:rPr>
+                <a:t>】</a:t>
+              </a:r>
+              <a:r>
+                <a:rPr lang="zh-TW" altLang="en-US" sz="2400" dirty="0">
+                  <a:latin typeface="Noto Sans TC SemiBold" panose="020B0200000000000000" pitchFamily="34" charset="-128"/>
+                  <a:ea typeface="Noto Sans TC SemiBold" panose="020B0200000000000000" pitchFamily="34" charset="-128"/>
+                </a:rPr>
+                <a:t>：</a:t>
+              </a:r>
+            </a:p>
+          </p:txBody>
+        </p:sp>
+        <p:sp>
+          <p:nvSpPr>
+            <p:cNvPr id="6" name="文字方塊 5">
+              <a:extLst>
+                <a:ext uri="{FF2B5EF4-FFF2-40B4-BE49-F238E27FC236}">
+                  <a16:creationId xmlns:a16="http://schemas.microsoft.com/office/drawing/2014/main" id="{38D0EC12-78B6-5443-7186-76B88F5D40BB}"/>
+                </a:ext>
+              </a:extLst>
+            </p:cNvPr>
+            <p:cNvSpPr txBox="1"/>
+            <p:nvPr/>
+          </p:nvSpPr>
+          <p:spPr>
+            <a:xfrm>
+              <a:off x="217895" y="5262931"/>
+              <a:ext cx="4676322" cy="461665"/>
+            </a:xfrm>
+            <a:prstGeom prst="rect">
+              <a:avLst/>
+            </a:prstGeom>
+            <a:noFill/>
+          </p:spPr>
+          <p:txBody>
+            <a:bodyPr wrap="square" rtlCol="0">
+              <a:spAutoFit/>
+            </a:bodyPr>
+            <a:lstStyle/>
+            <a:p>
+              <a:r>
+                <a:rPr lang="en-US" altLang="zh-TW" sz="2400" dirty="0">
+                  <a:latin typeface="Noto Sans TC SemiBold" panose="020B0200000000000000" pitchFamily="34" charset="-128"/>
+                  <a:ea typeface="Noto Sans TC SemiBold" panose="020B0200000000000000" pitchFamily="34" charset="-128"/>
+                </a:rPr>
+                <a:t>【</a:t>
+              </a:r>
+              <a:r>
+                <a:rPr lang="zh-TW" altLang="en-US" sz="2400" dirty="0">
+                  <a:latin typeface="Noto Sans TC SemiBold" panose="020B0200000000000000" pitchFamily="34" charset="-128"/>
+                  <a:ea typeface="Noto Sans TC SemiBold" panose="020B0200000000000000" pitchFamily="34" charset="-128"/>
+                </a:rPr>
+                <a:t>台羅拼音</a:t>
+              </a:r>
+              <a:r>
+                <a:rPr lang="zh-TW" altLang="en-US" sz="2400" dirty="0">
+                  <a:solidFill>
+                    <a:srgbClr val="FF0000"/>
+                  </a:solidFill>
+                  <a:latin typeface="Noto Sans TC SemiBold" panose="020B0200000000000000" pitchFamily="34" charset="-128"/>
+                  <a:ea typeface="Noto Sans TC SemiBold" panose="020B0200000000000000" pitchFamily="34" charset="-128"/>
+                </a:rPr>
+                <a:t>用調號標變調</a:t>
+              </a:r>
+              <a:r>
+                <a:rPr lang="en-US" altLang="zh-TW" sz="2400" dirty="0">
+                  <a:latin typeface="Noto Sans TC SemiBold" panose="020B0200000000000000" pitchFamily="34" charset="-128"/>
+                  <a:ea typeface="Noto Sans TC SemiBold" panose="020B0200000000000000" pitchFamily="34" charset="-128"/>
+                </a:rPr>
+                <a:t>】</a:t>
+              </a:r>
+              <a:r>
+                <a:rPr lang="zh-TW" altLang="en-US" sz="2400" dirty="0">
+                  <a:latin typeface="Noto Sans TC SemiBold" panose="020B0200000000000000" pitchFamily="34" charset="-128"/>
+                  <a:ea typeface="Noto Sans TC SemiBold" panose="020B0200000000000000" pitchFamily="34" charset="-128"/>
+                </a:rPr>
+                <a:t>：</a:t>
+              </a:r>
+            </a:p>
+          </p:txBody>
+        </p:sp>
+        <p:sp>
+          <p:nvSpPr>
+            <p:cNvPr id="16" name="文字方塊 15">
+              <a:extLst>
+                <a:ext uri="{FF2B5EF4-FFF2-40B4-BE49-F238E27FC236}">
+                  <a16:creationId xmlns:a16="http://schemas.microsoft.com/office/drawing/2014/main" id="{C4CC40AA-3A9D-800E-19D0-A7E522BED571}"/>
+                </a:ext>
+              </a:extLst>
+            </p:cNvPr>
+            <p:cNvSpPr txBox="1"/>
+            <p:nvPr/>
+          </p:nvSpPr>
+          <p:spPr>
+            <a:xfrm>
+              <a:off x="217895" y="2865345"/>
+              <a:ext cx="3259818" cy="461665"/>
+            </a:xfrm>
+            <a:prstGeom prst="rect">
+              <a:avLst/>
+            </a:prstGeom>
+            <a:noFill/>
+          </p:spPr>
+          <p:txBody>
+            <a:bodyPr wrap="square" rtlCol="0">
+              <a:spAutoFit/>
+            </a:bodyPr>
+            <a:lstStyle/>
+            <a:p>
+              <a:r>
+                <a:rPr lang="en-US" altLang="zh-TW" sz="2400" dirty="0">
+                  <a:latin typeface="Noto Sans TC SemiBold" panose="020B0200000000000000" pitchFamily="34" charset="-128"/>
+                  <a:ea typeface="Noto Sans TC SemiBold" panose="020B0200000000000000" pitchFamily="34" charset="-128"/>
+                </a:rPr>
+                <a:t>【</a:t>
+              </a:r>
+              <a:r>
+                <a:rPr lang="zh-TW" altLang="en-US" sz="2400" dirty="0">
+                  <a:latin typeface="Noto Sans TC SemiBold" panose="020B0200000000000000" pitchFamily="34" charset="-128"/>
+                  <a:ea typeface="Noto Sans TC SemiBold" panose="020B0200000000000000" pitchFamily="34" charset="-128"/>
+                </a:rPr>
+                <a:t>台羅拼音</a:t>
+              </a:r>
+              <a:r>
+                <a:rPr lang="en-US" altLang="zh-TW" sz="2400" dirty="0">
+                  <a:latin typeface="Noto Sans TC SemiBold" panose="020B0200000000000000" pitchFamily="34" charset="-128"/>
+                  <a:ea typeface="Noto Sans TC SemiBold" panose="020B0200000000000000" pitchFamily="34" charset="-128"/>
+                </a:rPr>
+                <a:t>】</a:t>
+              </a:r>
+              <a:r>
+                <a:rPr lang="zh-TW" altLang="en-US" sz="2400" dirty="0">
+                  <a:latin typeface="Noto Sans TC SemiBold" panose="020B0200000000000000" pitchFamily="34" charset="-128"/>
+                  <a:ea typeface="Noto Sans TC SemiBold" panose="020B0200000000000000" pitchFamily="34" charset="-128"/>
+                </a:rPr>
+                <a:t>：</a:t>
+              </a:r>
+            </a:p>
+          </p:txBody>
+        </p:sp>
+        <p:sp>
+          <p:nvSpPr>
+            <p:cNvPr id="17" name="文字方塊 16">
+              <a:extLst>
+                <a:ext uri="{FF2B5EF4-FFF2-40B4-BE49-F238E27FC236}">
+                  <a16:creationId xmlns:a16="http://schemas.microsoft.com/office/drawing/2014/main" id="{14BF1160-8D41-FDD8-1D82-D8BF9819C7D3}"/>
+                </a:ext>
+              </a:extLst>
+            </p:cNvPr>
+            <p:cNvSpPr txBox="1"/>
+            <p:nvPr/>
+          </p:nvSpPr>
+          <p:spPr>
+            <a:xfrm>
+              <a:off x="441325" y="3178081"/>
+              <a:ext cx="5830388" cy="830997"/>
+            </a:xfrm>
+            <a:prstGeom prst="rect">
+              <a:avLst/>
+            </a:prstGeom>
+            <a:noFill/>
+          </p:spPr>
+          <p:txBody>
+            <a:bodyPr wrap="square" rtlCol="0">
+              <a:spAutoFit/>
+            </a:bodyPr>
+            <a:lstStyle/>
+            <a:p>
+              <a:r>
+                <a:rPr lang="en-US" altLang="zh-TW" sz="2400" dirty="0">
+                  <a:solidFill>
+                    <a:srgbClr val="7030A0"/>
+                  </a:solidFill>
+                  <a:latin typeface="Chiron Sung HK ExtraLight" pitchFamily="2" charset="-128"/>
+                  <a:ea typeface="Chiron Sung HK ExtraLight" pitchFamily="2" charset="-128"/>
+                </a:rPr>
+                <a:t>Jîn-tsîng lâu tsi̍t suànn,</a:t>
+              </a:r>
+              <a:br>
+                <a:rPr lang="en-US" altLang="zh-TW" sz="2400" dirty="0">
+                  <a:solidFill>
+                    <a:srgbClr val="7030A0"/>
+                  </a:solidFill>
+                  <a:latin typeface="Chiron Sung HK ExtraLight" pitchFamily="2" charset="-128"/>
+                  <a:ea typeface="Chiron Sung HK ExtraLight" pitchFamily="2" charset="-128"/>
+                </a:rPr>
+              </a:br>
+              <a:r>
+                <a:rPr lang="en-US" altLang="zh-TW" sz="2400" dirty="0">
+                  <a:solidFill>
+                    <a:srgbClr val="7030A0"/>
+                  </a:solidFill>
+                  <a:latin typeface="Chiron Sung HK ExtraLight" pitchFamily="2" charset="-128"/>
+                  <a:ea typeface="Chiron Sung HK ExtraLight" pitchFamily="2" charset="-128"/>
+                </a:rPr>
+                <a:t>ji̍t-āu hó sio khuànn.</a:t>
+              </a:r>
+              <a:endParaRPr lang="zh-TW" altLang="en-US" sz="2400" dirty="0">
                 <a:solidFill>
                   <a:srgbClr val="7030A0"/>
                 </a:solidFill>
                 <a:latin typeface="Chiron Sung HK ExtraLight" pitchFamily="2" charset="-128"/>
                 <a:ea typeface="Chiron Sung HK ExtraLight" pitchFamily="2" charset="-128"/>
-              </a:rPr>
-              <a:t>Sann1-pah4 lak8-tsap8 hang5,</a:t>
-            </a:r>
-            <a:br>
-              <a:rPr lang="en-US" altLang="zh-TW" sz="2400" dirty="0">
-                <a:solidFill>
-                  <a:srgbClr val="7030A0"/>
-                </a:solidFill>
-                <a:latin typeface="Chiron Sung HK ExtraLight" pitchFamily="2" charset="-128"/>
-                <a:ea typeface="Chiron Sung HK ExtraLight" pitchFamily="2" charset="-128"/>
-              </a:rPr>
-            </a:br>
-            <a:r>
-              <a:rPr lang="en-US" altLang="zh-TW" sz="2400" dirty="0">
-                <a:solidFill>
-                  <a:srgbClr val="7030A0"/>
-                </a:solidFill>
-                <a:latin typeface="Chiron Sung HK ExtraLight" pitchFamily="2" charset="-128"/>
-                <a:ea typeface="Chiron Sung HK ExtraLight" pitchFamily="2" charset="-128"/>
-              </a:rPr>
-              <a:t>hang-hang5 tshut4 tsiong7-guan5.</a:t>
-            </a:r>
-            <a:endParaRPr lang="zh-TW" altLang="en-US" sz="2400" dirty="0">
-              <a:solidFill>
-                <a:srgbClr val="7030A0"/>
-              </a:solidFill>
-              <a:latin typeface="Chiron Sung HK ExtraLight" pitchFamily="2" charset="-128"/>
-              <a:ea typeface="Chiron Sung HK ExtraLight" pitchFamily="2" charset="-128"/>
-            </a:endParaRPr>
-          </a:p>
-        </p:txBody>
-      </p:sp>
-      <p:sp>
-        <p:nvSpPr>
-          <p:cNvPr id="10" name="文字方塊 9">
-            <a:extLst>
-              <a:ext uri="{FF2B5EF4-FFF2-40B4-BE49-F238E27FC236}">
-                <a16:creationId xmlns:a16="http://schemas.microsoft.com/office/drawing/2014/main" id="{15C37831-BB78-7CB5-3AD2-C8F5C5E1225E}"/>
-              </a:ext>
-            </a:extLst>
-          </p:cNvPr>
-          <p:cNvSpPr txBox="1"/>
-          <p:nvPr/>
-        </p:nvSpPr>
-        <p:spPr>
-          <a:xfrm>
-            <a:off x="476250" y="10933335"/>
-            <a:ext cx="6002927" cy="830997"/>
-          </a:xfrm>
-          <a:prstGeom prst="rect">
-            <a:avLst/>
-          </a:prstGeom>
-          <a:noFill/>
-        </p:spPr>
-        <p:txBody>
-          <a:bodyPr wrap="square" rtlCol="0">
-            <a:spAutoFit/>
-          </a:bodyPr>
-          <a:lstStyle/>
-          <a:p>
-            <a:r>
-              <a:rPr lang="en-US" altLang="zh-TW" sz="2400" dirty="0">
-                <a:solidFill>
-                  <a:schemeClr val="accent2"/>
-                </a:solidFill>
-                <a:latin typeface="Chiron Sung HK ExtraLight" pitchFamily="2" charset="-128"/>
-                <a:ea typeface="Chiron Sung HK ExtraLight" pitchFamily="2" charset="-128"/>
-              </a:rPr>
-              <a:t>Sann1~7 pah4~2 lak8~4 tsap8~4 hang5, </a:t>
-            </a:r>
-            <a:br>
-              <a:rPr lang="en-US" altLang="zh-TW" sz="2400">
-                <a:solidFill>
-                  <a:schemeClr val="accent2"/>
-                </a:solidFill>
-                <a:latin typeface="Chiron Sung HK ExtraLight" pitchFamily="2" charset="-128"/>
-                <a:ea typeface="Chiron Sung HK ExtraLight" pitchFamily="2" charset="-128"/>
-              </a:rPr>
-            </a:br>
-            <a:r>
-              <a:rPr lang="en-US" altLang="zh-TW" sz="2400">
-                <a:solidFill>
-                  <a:schemeClr val="accent2"/>
-                </a:solidFill>
-                <a:latin typeface="Chiron Sung HK ExtraLight" pitchFamily="2" charset="-128"/>
-                <a:ea typeface="Chiron Sung HK ExtraLight" pitchFamily="2" charset="-128"/>
-              </a:rPr>
-              <a:t>hang5~7 hang5 tshut4~8 tsiong7~3 guan5.</a:t>
-            </a:r>
-            <a:endParaRPr lang="zh-TW" altLang="en-US" sz="2400" dirty="0">
-              <a:solidFill>
-                <a:schemeClr val="accent2"/>
-              </a:solidFill>
-              <a:latin typeface="Chiron Sung HK ExtraLight" pitchFamily="2" charset="-128"/>
-              <a:ea typeface="Chiron Sung HK ExtraLight" pitchFamily="2" charset="-128"/>
-            </a:endParaRPr>
-          </a:p>
-        </p:txBody>
-      </p:sp>
-      <p:sp>
-        <p:nvSpPr>
-          <p:cNvPr id="11" name="文字方塊 10">
-            <a:extLst>
-              <a:ext uri="{FF2B5EF4-FFF2-40B4-BE49-F238E27FC236}">
-                <a16:creationId xmlns:a16="http://schemas.microsoft.com/office/drawing/2014/main" id="{7D3FA136-174E-3949-6DFD-378133D57ABF}"/>
-              </a:ext>
-            </a:extLst>
-          </p:cNvPr>
-          <p:cNvSpPr txBox="1"/>
-          <p:nvPr/>
-        </p:nvSpPr>
-        <p:spPr>
-          <a:xfrm>
-            <a:off x="217895" y="8078918"/>
-            <a:ext cx="3259818" cy="461665"/>
-          </a:xfrm>
-          <a:prstGeom prst="rect">
-            <a:avLst/>
-          </a:prstGeom>
-          <a:noFill/>
-        </p:spPr>
-        <p:txBody>
-          <a:bodyPr wrap="square" rtlCol="0">
-            <a:spAutoFit/>
-          </a:bodyPr>
-          <a:lstStyle/>
-          <a:p>
-            <a:r>
-              <a:rPr lang="en-US" altLang="zh-TW" sz="2400" dirty="0">
-                <a:latin typeface="Noto Sans TC SemiBold" panose="020B0200000000000000" pitchFamily="34" charset="-128"/>
-                <a:ea typeface="Noto Sans TC SemiBold" panose="020B0200000000000000" pitchFamily="34" charset="-128"/>
-              </a:rPr>
-              <a:t>【</a:t>
-            </a:r>
-            <a:r>
-              <a:rPr lang="zh-TW" altLang="en-US" sz="2400" dirty="0">
-                <a:latin typeface="Noto Sans TC SemiBold" panose="020B0200000000000000" pitchFamily="34" charset="-128"/>
-                <a:ea typeface="Noto Sans TC SemiBold" panose="020B0200000000000000" pitchFamily="34" charset="-128"/>
-              </a:rPr>
-              <a:t>台羅拼音</a:t>
-            </a:r>
-            <a:r>
-              <a:rPr lang="en-US" altLang="zh-TW" sz="2400" dirty="0">
-                <a:latin typeface="Noto Sans TC SemiBold" panose="020B0200000000000000" pitchFamily="34" charset="-128"/>
-                <a:ea typeface="Noto Sans TC SemiBold" panose="020B0200000000000000" pitchFamily="34" charset="-128"/>
-              </a:rPr>
-              <a:t>】</a:t>
-            </a:r>
-            <a:r>
-              <a:rPr lang="zh-TW" altLang="en-US" sz="2400" dirty="0">
-                <a:latin typeface="Noto Sans TC SemiBold" panose="020B0200000000000000" pitchFamily="34" charset="-128"/>
-                <a:ea typeface="Noto Sans TC SemiBold" panose="020B0200000000000000" pitchFamily="34" charset="-128"/>
-              </a:rPr>
-              <a:t>：</a:t>
-            </a:r>
-          </a:p>
-        </p:txBody>
-      </p:sp>
-      <p:sp>
-        <p:nvSpPr>
-          <p:cNvPr id="12" name="文字方塊 11">
-            <a:extLst>
-              <a:ext uri="{FF2B5EF4-FFF2-40B4-BE49-F238E27FC236}">
-                <a16:creationId xmlns:a16="http://schemas.microsoft.com/office/drawing/2014/main" id="{57D514EA-5E04-861A-60EA-287DF7A756E1}"/>
-              </a:ext>
-            </a:extLst>
-          </p:cNvPr>
-          <p:cNvSpPr txBox="1"/>
-          <p:nvPr/>
-        </p:nvSpPr>
-        <p:spPr>
-          <a:xfrm>
-            <a:off x="217895" y="10574432"/>
-            <a:ext cx="4789534" cy="461665"/>
-          </a:xfrm>
-          <a:prstGeom prst="rect">
-            <a:avLst/>
-          </a:prstGeom>
-          <a:noFill/>
-        </p:spPr>
-        <p:txBody>
-          <a:bodyPr wrap="square" rtlCol="0">
-            <a:spAutoFit/>
-          </a:bodyPr>
-          <a:lstStyle/>
-          <a:p>
-            <a:r>
-              <a:rPr lang="en-US" altLang="zh-TW" sz="2400" dirty="0">
-                <a:latin typeface="Noto Sans TC SemiBold" panose="020B0200000000000000" pitchFamily="34" charset="-128"/>
-                <a:ea typeface="Noto Sans TC SemiBold" panose="020B0200000000000000" pitchFamily="34" charset="-128"/>
-              </a:rPr>
-              <a:t>【</a:t>
-            </a:r>
-            <a:r>
-              <a:rPr lang="zh-TW" altLang="en-US" sz="2400" dirty="0">
-                <a:latin typeface="Noto Sans TC SemiBold" panose="020B0200000000000000" pitchFamily="34" charset="-128"/>
-                <a:ea typeface="Noto Sans TC SemiBold" panose="020B0200000000000000" pitchFamily="34" charset="-128"/>
-              </a:rPr>
-              <a:t>台羅拼音</a:t>
-            </a:r>
-            <a:r>
-              <a:rPr lang="zh-TW" altLang="en-US" sz="2400" dirty="0">
-                <a:solidFill>
-                  <a:srgbClr val="FF0000"/>
-                </a:solidFill>
-                <a:latin typeface="Noto Sans TC SemiBold" panose="020B0200000000000000" pitchFamily="34" charset="-128"/>
-                <a:ea typeface="Noto Sans TC SemiBold" panose="020B0200000000000000" pitchFamily="34" charset="-128"/>
-              </a:rPr>
-              <a:t>用調號標變調</a:t>
-            </a:r>
-            <a:r>
-              <a:rPr lang="en-US" altLang="zh-TW" sz="2400" dirty="0">
-                <a:latin typeface="Noto Sans TC SemiBold" panose="020B0200000000000000" pitchFamily="34" charset="-128"/>
-                <a:ea typeface="Noto Sans TC SemiBold" panose="020B0200000000000000" pitchFamily="34" charset="-128"/>
-              </a:rPr>
-              <a:t>】</a:t>
-            </a:r>
-            <a:r>
-              <a:rPr lang="zh-TW" altLang="en-US" sz="2400" dirty="0">
-                <a:latin typeface="Noto Sans TC SemiBold" panose="020B0200000000000000" pitchFamily="34" charset="-128"/>
-                <a:ea typeface="Noto Sans TC SemiBold" panose="020B0200000000000000" pitchFamily="34" charset="-128"/>
-              </a:rPr>
-              <a:t>：</a:t>
-            </a:r>
-          </a:p>
-        </p:txBody>
-      </p:sp>
-      <p:sp>
-        <p:nvSpPr>
-          <p:cNvPr id="14" name="文字方塊 13">
-            <a:extLst>
-              <a:ext uri="{FF2B5EF4-FFF2-40B4-BE49-F238E27FC236}">
-                <a16:creationId xmlns:a16="http://schemas.microsoft.com/office/drawing/2014/main" id="{D856A1FE-0B41-43DE-B7CA-05C84E807B0B}"/>
-              </a:ext>
-            </a:extLst>
-          </p:cNvPr>
-          <p:cNvSpPr txBox="1"/>
-          <p:nvPr/>
-        </p:nvSpPr>
-        <p:spPr>
-          <a:xfrm>
-            <a:off x="217895" y="9312462"/>
-            <a:ext cx="4240894" cy="461665"/>
-          </a:xfrm>
-          <a:prstGeom prst="rect">
-            <a:avLst/>
-          </a:prstGeom>
-          <a:noFill/>
-        </p:spPr>
-        <p:txBody>
-          <a:bodyPr wrap="square" rtlCol="0">
-            <a:spAutoFit/>
-          </a:bodyPr>
-          <a:lstStyle/>
-          <a:p>
-            <a:r>
-              <a:rPr lang="en-US" altLang="zh-TW" sz="2400" dirty="0">
-                <a:latin typeface="Noto Sans TC SemiBold" panose="020B0200000000000000" pitchFamily="34" charset="-128"/>
-                <a:ea typeface="Noto Sans TC SemiBold" panose="020B0200000000000000" pitchFamily="34" charset="-128"/>
-              </a:rPr>
-              <a:t>【</a:t>
-            </a:r>
-            <a:r>
-              <a:rPr lang="zh-TW" altLang="en-US" sz="2400" dirty="0">
-                <a:latin typeface="Noto Sans TC SemiBold" panose="020B0200000000000000" pitchFamily="34" charset="-128"/>
-                <a:ea typeface="Noto Sans TC SemiBold" panose="020B0200000000000000" pitchFamily="34" charset="-128"/>
-              </a:rPr>
-              <a:t>台羅拼音</a:t>
-            </a:r>
-            <a:r>
-              <a:rPr lang="zh-TW" altLang="en-US" sz="2400" dirty="0">
-                <a:solidFill>
-                  <a:srgbClr val="FF0000"/>
-                </a:solidFill>
-                <a:latin typeface="Noto Sans TC SemiBold" panose="020B0200000000000000" pitchFamily="34" charset="-128"/>
-                <a:ea typeface="Noto Sans TC SemiBold" panose="020B0200000000000000" pitchFamily="34" charset="-128"/>
-              </a:rPr>
-              <a:t>用調號標本調</a:t>
-            </a:r>
-            <a:r>
-              <a:rPr lang="en-US" altLang="zh-TW" sz="2400" dirty="0">
-                <a:latin typeface="Noto Sans TC SemiBold" panose="020B0200000000000000" pitchFamily="34" charset="-128"/>
-                <a:ea typeface="Noto Sans TC SemiBold" panose="020B0200000000000000" pitchFamily="34" charset="-128"/>
-              </a:rPr>
-              <a:t>】</a:t>
-            </a:r>
-            <a:r>
-              <a:rPr lang="zh-TW" altLang="en-US" sz="2400" dirty="0">
-                <a:latin typeface="Noto Sans TC SemiBold" panose="020B0200000000000000" pitchFamily="34" charset="-128"/>
-                <a:ea typeface="Noto Sans TC SemiBold" panose="020B0200000000000000" pitchFamily="34" charset="-128"/>
-              </a:rPr>
-              <a:t>：</a:t>
-            </a:r>
-          </a:p>
-        </p:txBody>
-      </p:sp>
-      <p:sp>
-        <p:nvSpPr>
-          <p:cNvPr id="15" name="文字方塊 14">
-            <a:extLst>
-              <a:ext uri="{FF2B5EF4-FFF2-40B4-BE49-F238E27FC236}">
-                <a16:creationId xmlns:a16="http://schemas.microsoft.com/office/drawing/2014/main" id="{BB2E15B6-F50A-E4A7-F884-8EBF9D9BF943}"/>
-              </a:ext>
-            </a:extLst>
-          </p:cNvPr>
-          <p:cNvSpPr txBox="1"/>
-          <p:nvPr/>
-        </p:nvSpPr>
-        <p:spPr>
-          <a:xfrm>
-            <a:off x="441325" y="8391654"/>
-            <a:ext cx="5830388" cy="830997"/>
-          </a:xfrm>
-          <a:prstGeom prst="rect">
-            <a:avLst/>
-          </a:prstGeom>
-          <a:noFill/>
-        </p:spPr>
-        <p:txBody>
-          <a:bodyPr wrap="square" rtlCol="0">
-            <a:spAutoFit/>
-          </a:bodyPr>
-          <a:lstStyle/>
-          <a:p>
-            <a:r>
-              <a:rPr lang="en-US" altLang="zh-TW" sz="2400" dirty="0">
-                <a:solidFill>
-                  <a:srgbClr val="7030A0"/>
-                </a:solidFill>
-                <a:latin typeface="Chiron Sung HK ExtraLight" pitchFamily="2" charset="-128"/>
-                <a:ea typeface="Chiron Sung HK ExtraLight" pitchFamily="2" charset="-128"/>
-              </a:rPr>
-              <a:t>Sann-</a:t>
-            </a:r>
-            <a:r>
-              <a:rPr lang="en-US" altLang="zh-TW" sz="2400" dirty="0" err="1">
-                <a:solidFill>
-                  <a:srgbClr val="7030A0"/>
-                </a:solidFill>
-                <a:latin typeface="Chiron Sung HK ExtraLight" pitchFamily="2" charset="-128"/>
-                <a:ea typeface="Chiron Sung HK ExtraLight" pitchFamily="2" charset="-128"/>
-              </a:rPr>
-              <a:t>pah</a:t>
-            </a:r>
-            <a:r>
-              <a:rPr lang="en-US" altLang="zh-TW" sz="2400" dirty="0">
-                <a:solidFill>
-                  <a:srgbClr val="7030A0"/>
-                </a:solidFill>
-                <a:latin typeface="Chiron Sung HK ExtraLight" pitchFamily="2" charset="-128"/>
-                <a:ea typeface="Chiron Sung HK ExtraLight" pitchFamily="2" charset="-128"/>
-              </a:rPr>
-              <a:t> la̍k-tsa̍p hâng ,</a:t>
-            </a:r>
-          </a:p>
-          <a:p>
-            <a:r>
-              <a:rPr lang="en-US" altLang="zh-TW" sz="2400" dirty="0">
-                <a:solidFill>
-                  <a:srgbClr val="7030A0"/>
-                </a:solidFill>
-                <a:latin typeface="Chiron Sung HK ExtraLight" pitchFamily="2" charset="-128"/>
-                <a:ea typeface="Chiron Sung HK ExtraLight" pitchFamily="2" charset="-128"/>
-              </a:rPr>
-              <a:t>hâng-hâng tshut tsiōng-guân.</a:t>
-            </a:r>
-            <a:endParaRPr lang="zh-TW" altLang="en-US" sz="2400" dirty="0">
-              <a:solidFill>
-                <a:srgbClr val="7030A0"/>
-              </a:solidFill>
-              <a:latin typeface="Chiron Sung HK ExtraLight" pitchFamily="2" charset="-128"/>
-              <a:ea typeface="Chiron Sung HK ExtraLight" pitchFamily="2" charset="-128"/>
-            </a:endParaRPr>
-          </a:p>
-        </p:txBody>
-      </p:sp>
-      <p:sp>
-        <p:nvSpPr>
-          <p:cNvPr id="16" name="文字方塊 15">
-            <a:extLst>
-              <a:ext uri="{FF2B5EF4-FFF2-40B4-BE49-F238E27FC236}">
-                <a16:creationId xmlns:a16="http://schemas.microsoft.com/office/drawing/2014/main" id="{C4CC40AA-3A9D-800E-19D0-A7E522BED571}"/>
-              </a:ext>
-            </a:extLst>
-          </p:cNvPr>
-          <p:cNvSpPr txBox="1"/>
-          <p:nvPr/>
-        </p:nvSpPr>
-        <p:spPr>
-          <a:xfrm>
-            <a:off x="217895" y="2865345"/>
-            <a:ext cx="3259818" cy="461665"/>
-          </a:xfrm>
-          <a:prstGeom prst="rect">
-            <a:avLst/>
-          </a:prstGeom>
-          <a:noFill/>
-        </p:spPr>
-        <p:txBody>
-          <a:bodyPr wrap="square" rtlCol="0">
-            <a:spAutoFit/>
-          </a:bodyPr>
-          <a:lstStyle/>
-          <a:p>
-            <a:r>
-              <a:rPr lang="en-US" altLang="zh-TW" sz="2400" dirty="0">
-                <a:latin typeface="Noto Sans TC SemiBold" panose="020B0200000000000000" pitchFamily="34" charset="-128"/>
-                <a:ea typeface="Noto Sans TC SemiBold" panose="020B0200000000000000" pitchFamily="34" charset="-128"/>
-              </a:rPr>
-              <a:t>【</a:t>
-            </a:r>
-            <a:r>
-              <a:rPr lang="zh-TW" altLang="en-US" sz="2400" dirty="0">
-                <a:latin typeface="Noto Sans TC SemiBold" panose="020B0200000000000000" pitchFamily="34" charset="-128"/>
-                <a:ea typeface="Noto Sans TC SemiBold" panose="020B0200000000000000" pitchFamily="34" charset="-128"/>
-              </a:rPr>
-              <a:t>台羅拼音</a:t>
-            </a:r>
-            <a:r>
-              <a:rPr lang="en-US" altLang="zh-TW" sz="2400" dirty="0">
-                <a:latin typeface="Noto Sans TC SemiBold" panose="020B0200000000000000" pitchFamily="34" charset="-128"/>
-                <a:ea typeface="Noto Sans TC SemiBold" panose="020B0200000000000000" pitchFamily="34" charset="-128"/>
-              </a:rPr>
-              <a:t>】</a:t>
-            </a:r>
-            <a:r>
-              <a:rPr lang="zh-TW" altLang="en-US" sz="2400" dirty="0">
-                <a:latin typeface="Noto Sans TC SemiBold" panose="020B0200000000000000" pitchFamily="34" charset="-128"/>
-                <a:ea typeface="Noto Sans TC SemiBold" panose="020B0200000000000000" pitchFamily="34" charset="-128"/>
-              </a:rPr>
-              <a:t>：</a:t>
-            </a:r>
-          </a:p>
-        </p:txBody>
-      </p:sp>
-      <p:sp>
-        <p:nvSpPr>
-          <p:cNvPr id="17" name="文字方塊 16">
-            <a:extLst>
-              <a:ext uri="{FF2B5EF4-FFF2-40B4-BE49-F238E27FC236}">
-                <a16:creationId xmlns:a16="http://schemas.microsoft.com/office/drawing/2014/main" id="{14BF1160-8D41-FDD8-1D82-D8BF9819C7D3}"/>
-              </a:ext>
-            </a:extLst>
-          </p:cNvPr>
-          <p:cNvSpPr txBox="1"/>
-          <p:nvPr/>
-        </p:nvSpPr>
-        <p:spPr>
-          <a:xfrm>
-            <a:off x="441325" y="3178081"/>
-            <a:ext cx="5830388" cy="830997"/>
-          </a:xfrm>
-          <a:prstGeom prst="rect">
-            <a:avLst/>
-          </a:prstGeom>
-          <a:noFill/>
-        </p:spPr>
-        <p:txBody>
-          <a:bodyPr wrap="square" rtlCol="0">
-            <a:spAutoFit/>
-          </a:bodyPr>
-          <a:lstStyle/>
-          <a:p>
-            <a:r>
-              <a:rPr lang="en-US" altLang="zh-TW" sz="2400" dirty="0">
-                <a:solidFill>
-                  <a:srgbClr val="7030A0"/>
-                </a:solidFill>
-                <a:latin typeface="Chiron Sung HK ExtraLight" pitchFamily="2" charset="-128"/>
-                <a:ea typeface="Chiron Sung HK ExtraLight" pitchFamily="2" charset="-128"/>
-              </a:rPr>
-              <a:t>Jîn-tsîng lâu tsi̍t suànn,</a:t>
-            </a:r>
-            <a:br>
-              <a:rPr lang="en-US" altLang="zh-TW" sz="2400" dirty="0">
-                <a:solidFill>
-                  <a:srgbClr val="7030A0"/>
-                </a:solidFill>
-                <a:latin typeface="Chiron Sung HK ExtraLight" pitchFamily="2" charset="-128"/>
-                <a:ea typeface="Chiron Sung HK ExtraLight" pitchFamily="2" charset="-128"/>
-              </a:rPr>
-            </a:br>
-            <a:r>
-              <a:rPr lang="en-US" altLang="zh-TW" sz="2400" dirty="0">
-                <a:solidFill>
-                  <a:srgbClr val="7030A0"/>
-                </a:solidFill>
-                <a:latin typeface="Chiron Sung HK ExtraLight" pitchFamily="2" charset="-128"/>
-                <a:ea typeface="Chiron Sung HK ExtraLight" pitchFamily="2" charset="-128"/>
-              </a:rPr>
-              <a:t>ji̍t-āu hó sio khuànn.</a:t>
-            </a:r>
-            <a:endParaRPr lang="zh-TW" altLang="en-US" sz="2400" dirty="0">
-              <a:solidFill>
-                <a:srgbClr val="7030A0"/>
-              </a:solidFill>
-              <a:latin typeface="Chiron Sung HK ExtraLight" pitchFamily="2" charset="-128"/>
-              <a:ea typeface="Chiron Sung HK ExtraLight" pitchFamily="2" charset="-128"/>
-            </a:endParaRPr>
-          </a:p>
-        </p:txBody>
-      </p:sp>
+              </a:endParaRPr>
+            </a:p>
+          </p:txBody>
+        </p:sp>
+      </p:grpSp>
     </p:spTree>
     <p:extLst>
       <p:ext uri="{BB962C8B-B14F-4D97-AF65-F5344CB8AC3E}">
@@ -16056,6 +16362,121 @@
         <p:cNvPr id="1" name="">
           <a:extLst>
             <a:ext uri="{FF2B5EF4-FFF2-40B4-BE49-F238E27FC236}">
+              <a16:creationId xmlns:a16="http://schemas.microsoft.com/office/drawing/2014/main" id="{8B6DC217-61C3-9459-A49B-B77A04142C26}"/>
+            </a:ext>
+          </a:extLst>
+        </p:cNvPr>
+        <p:cNvGrpSpPr/>
+        <p:nvPr/>
+      </p:nvGrpSpPr>
+      <p:grpSpPr>
+        <a:xfrm>
+          <a:off x="0" y="0"/>
+          <a:ext cx="0" cy="0"/>
+          <a:chOff x="0" y="0"/>
+          <a:chExt cx="0" cy="0"/>
+        </a:xfrm>
+      </p:grpSpPr>
+      <p:sp>
+        <p:nvSpPr>
+          <p:cNvPr id="5" name="標題 4">
+            <a:extLst>
+              <a:ext uri="{FF2B5EF4-FFF2-40B4-BE49-F238E27FC236}">
+                <a16:creationId xmlns:a16="http://schemas.microsoft.com/office/drawing/2014/main" id="{B4700293-77CD-A326-1E0D-69EECAC0292F}"/>
+              </a:ext>
+            </a:extLst>
+          </p:cNvPr>
+          <p:cNvSpPr>
+            <a:spLocks noGrp="1"/>
+          </p:cNvSpPr>
+          <p:nvPr>
+            <p:ph type="title"/>
+          </p:nvPr>
+        </p:nvSpPr>
+        <p:spPr>
+          <a:xfrm>
+            <a:off x="467916" y="3039537"/>
+            <a:ext cx="5915025" cy="1297332"/>
+          </a:xfrm>
+        </p:spPr>
+        <p:txBody>
+          <a:bodyPr/>
+          <a:lstStyle/>
+          <a:p>
+            <a:r>
+              <a:rPr lang="zh-TW" altLang="en-US" dirty="0">
+                <a:solidFill>
+                  <a:srgbClr val="002060"/>
+                </a:solidFill>
+                <a:latin typeface="Noto Serif TC Black" panose="02020200000000000000" pitchFamily="18" charset="-128"/>
+                <a:ea typeface="Noto Serif TC Black" panose="02020200000000000000" pitchFamily="18" charset="-128"/>
+              </a:rPr>
+              <a:t>台羅拼音</a:t>
+            </a:r>
+          </a:p>
+        </p:txBody>
+      </p:sp>
+      <p:sp>
+        <p:nvSpPr>
+          <p:cNvPr id="6" name="文字版面配置區 5">
+            <a:extLst>
+              <a:ext uri="{FF2B5EF4-FFF2-40B4-BE49-F238E27FC236}">
+                <a16:creationId xmlns:a16="http://schemas.microsoft.com/office/drawing/2014/main" id="{89643FA0-9052-3B0E-F0E4-2D8F0F70728B}"/>
+              </a:ext>
+            </a:extLst>
+          </p:cNvPr>
+          <p:cNvSpPr>
+            <a:spLocks noGrp="1"/>
+          </p:cNvSpPr>
+          <p:nvPr>
+            <p:ph type="body" idx="1"/>
+          </p:nvPr>
+        </p:nvSpPr>
+        <p:spPr>
+          <a:xfrm>
+            <a:off x="467915" y="4762500"/>
+            <a:ext cx="5915025" cy="2666999"/>
+          </a:xfrm>
+        </p:spPr>
+        <p:txBody>
+          <a:bodyPr/>
+          <a:lstStyle/>
+          <a:p>
+            <a:endParaRPr lang="zh-TW" altLang="en-US" b="1" dirty="0">
+              <a:effectLst>
+                <a:outerShdw blurRad="38100" dist="38100" dir="2700000" algn="tl">
+                  <a:srgbClr val="000000">
+                    <a:alpha val="43137"/>
+                  </a:srgbClr>
+                </a:outerShdw>
+              </a:effectLst>
+              <a:latin typeface="霞鶩文楷 TC" panose="02020500000000000000" pitchFamily="18" charset="-120"/>
+              <a:ea typeface="霞鶩文楷 TC" panose="02020500000000000000" pitchFamily="18" charset="-120"/>
+            </a:endParaRPr>
+          </a:p>
+        </p:txBody>
+      </p:sp>
+    </p:spTree>
+    <p:extLst>
+      <p:ext uri="{BB962C8B-B14F-4D97-AF65-F5344CB8AC3E}">
+        <p14:creationId xmlns:p14="http://schemas.microsoft.com/office/powerpoint/2010/main" val="2673223391"/>
+      </p:ext>
+    </p:extLst>
+  </p:cSld>
+  <p:clrMapOvr>
+    <a:masterClrMapping/>
+  </p:clrMapOvr>
+</p:sld>
+</file>
+
+<file path=ppt/slides/slide6.xml><?xml version="1.0" encoding="utf-8"?>
+<p:sld xmlns:a="http://schemas.openxmlformats.org/drawingml/2006/main" xmlns:r="http://schemas.openxmlformats.org/officeDocument/2006/relationships" xmlns:p="http://schemas.openxmlformats.org/presentationml/2006/main">
+  <p:cSld>
+    <p:spTree>
+      <p:nvGrpSpPr>
+        <p:cNvPr id="1" name="">
+          <a:extLst>
+            <a:ext uri="{FF2B5EF4-FFF2-40B4-BE49-F238E27FC236}">
               <a16:creationId xmlns:a16="http://schemas.microsoft.com/office/drawing/2014/main" id="{8B2CBCF2-F9BE-7353-C103-F741DF0B808A}"/>
             </a:ext>
           </a:extLst>
@@ -16099,7 +16520,7 @@
           <a:p>
             <a:r>
               <a:rPr lang="zh-TW" altLang="en-US" dirty="0"/>
-              <a:t>漢字標音：台羅拼音摘要（一）</a:t>
+              <a:t>台羅拼音：聲母</a:t>
             </a:r>
           </a:p>
         </p:txBody>
@@ -16118,8 +16539,8 @@
         </p:nvSpPr>
         <p:spPr>
           <a:xfrm>
-            <a:off x="80963" y="1855513"/>
-            <a:ext cx="6071634" cy="523220"/>
+            <a:off x="0" y="1621333"/>
+            <a:ext cx="6071634" cy="461665"/>
           </a:xfrm>
           <a:prstGeom prst="rect">
             <a:avLst/>
@@ -16133,7 +16554,7 @@
           <a:lstStyle/>
           <a:p>
             <a:r>
-              <a:rPr lang="en-US" altLang="zh-TW" sz="2800" dirty="0">
+              <a:rPr lang="en-US" altLang="zh-TW" sz="2400" dirty="0">
                 <a:solidFill>
                   <a:schemeClr val="accent1"/>
                 </a:solidFill>
@@ -16143,47 +16564,27 @@
               <a:t>【</a:t>
             </a:r>
             <a:r>
-              <a:rPr lang="zh-TW" altLang="en-US" sz="2800" dirty="0">
+              <a:rPr lang="zh-TW" altLang="en-US" sz="2400" dirty="0">
                 <a:solidFill>
                   <a:schemeClr val="accent1"/>
                 </a:solidFill>
                 <a:latin typeface="Noto Serif TC Black" panose="02020200000000000000" pitchFamily="18" charset="-128"/>
                 <a:ea typeface="Noto Serif TC Black" panose="02020200000000000000" pitchFamily="18" charset="-128"/>
               </a:rPr>
-              <a:t>羅馬拼音</a:t>
-            </a:r>
-            <a:r>
-              <a:rPr lang="en-US" altLang="zh-TW" sz="2800" dirty="0">
+              <a:t>聲母</a:t>
+            </a:r>
+            <a:r>
+              <a:rPr lang="en-US" altLang="zh-TW" sz="2400" dirty="0">
                 <a:solidFill>
                   <a:schemeClr val="accent1"/>
                 </a:solidFill>
                 <a:latin typeface="Noto Serif TC Black" panose="02020200000000000000" pitchFamily="18" charset="-128"/>
                 <a:ea typeface="Noto Serif TC Black" panose="02020200000000000000" pitchFamily="18" charset="-128"/>
               </a:rPr>
-              <a:t>/</a:t>
-            </a:r>
-            <a:r>
-              <a:rPr lang="zh-TW" altLang="en-US" sz="2800" dirty="0">
-                <a:solidFill>
-                  <a:schemeClr val="accent1"/>
-                </a:solidFill>
-                <a:latin typeface="Noto Serif TC Black" panose="02020200000000000000" pitchFamily="18" charset="-128"/>
-                <a:ea typeface="Noto Serif TC Black" panose="02020200000000000000" pitchFamily="18" charset="-128"/>
-              </a:rPr>
-              <a:t>聲母</a:t>
-            </a:r>
-            <a:r>
-              <a:rPr lang="en-US" altLang="zh-TW" sz="2800" dirty="0">
-                <a:solidFill>
-                  <a:schemeClr val="accent1"/>
-                </a:solidFill>
-                <a:latin typeface="Noto Serif TC Black" panose="02020200000000000000" pitchFamily="18" charset="-128"/>
-                <a:ea typeface="Noto Serif TC Black" panose="02020200000000000000" pitchFamily="18" charset="-128"/>
-              </a:rPr>
               <a:t>】</a:t>
             </a:r>
             <a:r>
-              <a:rPr lang="zh-TW" altLang="en-US" sz="2800" dirty="0">
+              <a:rPr lang="zh-TW" altLang="en-US" sz="2400" dirty="0">
                 <a:solidFill>
                   <a:schemeClr val="accent1"/>
                 </a:solidFill>
@@ -16217,7 +16618,7 @@
         </p:blipFill>
         <p:spPr>
           <a:xfrm>
-            <a:off x="253000" y="2378733"/>
+            <a:off x="206269" y="2082998"/>
             <a:ext cx="6335638" cy="5641142"/>
           </a:xfrm>
           <a:prstGeom prst="rect">
@@ -16225,318 +16626,390 @@
           </a:prstGeom>
         </p:spPr>
       </p:pic>
-      <p:sp>
-        <p:nvSpPr>
-          <p:cNvPr id="5" name="文字方塊 4">
+      <p:grpSp>
+        <p:nvGrpSpPr>
+          <p:cNvPr id="11" name="群組 10">
             <a:extLst>
               <a:ext uri="{FF2B5EF4-FFF2-40B4-BE49-F238E27FC236}">
-                <a16:creationId xmlns:a16="http://schemas.microsoft.com/office/drawing/2014/main" id="{EB4EFC1E-6DA0-BBBC-E5F2-E2244B72C434}"/>
+                <a16:creationId xmlns:a16="http://schemas.microsoft.com/office/drawing/2014/main" id="{7EB4B5F9-FC98-1E8A-AE24-A627FC13EAE5}"/>
               </a:ext>
             </a:extLst>
           </p:cNvPr>
-          <p:cNvSpPr txBox="1"/>
+          <p:cNvGrpSpPr/>
           <p:nvPr/>
-        </p:nvSpPr>
+        </p:nvGrpSpPr>
+        <p:grpSpPr>
+          <a:xfrm>
+            <a:off x="80963" y="10683784"/>
+            <a:ext cx="6414213" cy="1384995"/>
+            <a:chOff x="80963" y="8481540"/>
+            <a:chExt cx="6414213" cy="1384995"/>
+          </a:xfrm>
+        </p:grpSpPr>
+        <p:sp>
+          <p:nvSpPr>
+            <p:cNvPr id="5" name="文字方塊 4">
+              <a:extLst>
+                <a:ext uri="{FF2B5EF4-FFF2-40B4-BE49-F238E27FC236}">
+                  <a16:creationId xmlns:a16="http://schemas.microsoft.com/office/drawing/2014/main" id="{EB4EFC1E-6DA0-BBBC-E5F2-E2244B72C434}"/>
+                </a:ext>
+              </a:extLst>
+            </p:cNvPr>
+            <p:cNvSpPr txBox="1"/>
+            <p:nvPr/>
+          </p:nvSpPr>
+          <p:spPr>
+            <a:xfrm>
+              <a:off x="253000" y="8943205"/>
+              <a:ext cx="6242176" cy="923330"/>
+            </a:xfrm>
+            <a:prstGeom prst="rect">
+              <a:avLst/>
+            </a:prstGeom>
+            <a:noFill/>
+          </p:spPr>
+          <p:txBody>
+            <a:bodyPr wrap="square" rtlCol="0">
+              <a:spAutoFit/>
+            </a:bodyPr>
+            <a:lstStyle/>
+            <a:p>
+              <a:pPr marL="285750" indent="-285750">
+                <a:buFont typeface="Arial" panose="020B0604020202020204" pitchFamily="34" charset="0"/>
+                <a:buChar char="•"/>
+              </a:pPr>
+              <a:r>
+                <a:rPr lang="en-US" altLang="zh-TW" dirty="0">
+                  <a:latin typeface="Noto Sans TC Medium" panose="020B0200000000000000" pitchFamily="34" charset="-128"/>
+                  <a:ea typeface="Noto Sans TC Medium" panose="020B0200000000000000" pitchFamily="34" charset="-128"/>
+                </a:rPr>
+                <a:t>【</a:t>
+              </a:r>
+              <a:r>
+                <a:rPr lang="zh-TW" altLang="en-US" dirty="0">
+                  <a:latin typeface="Noto Sans TC Medium" panose="020B0200000000000000" pitchFamily="34" charset="-128"/>
+                  <a:ea typeface="Noto Sans TC Medium" panose="020B0200000000000000" pitchFamily="34" charset="-128"/>
+                </a:rPr>
+                <a:t>羅馬拼音字母</a:t>
+              </a:r>
+              <a:r>
+                <a:rPr lang="en-US" altLang="zh-TW" dirty="0">
+                  <a:latin typeface="Noto Sans TC Medium" panose="020B0200000000000000" pitchFamily="34" charset="-128"/>
+                  <a:ea typeface="Noto Sans TC Medium" panose="020B0200000000000000" pitchFamily="34" charset="-128"/>
+                </a:rPr>
+                <a:t>】</a:t>
+              </a:r>
+              <a:r>
+                <a:rPr lang="zh-TW" altLang="en-US" dirty="0">
+                  <a:latin typeface="Noto Sans TC Medium" panose="020B0200000000000000" pitchFamily="34" charset="-128"/>
+                  <a:ea typeface="Noto Sans TC Medium" panose="020B0200000000000000" pitchFamily="34" charset="-128"/>
+                </a:rPr>
+                <a:t>之</a:t>
+              </a:r>
+              <a:r>
+                <a:rPr lang="en-US" altLang="zh-TW" dirty="0">
+                  <a:latin typeface="Noto Sans TC Medium" panose="020B0200000000000000" pitchFamily="34" charset="-128"/>
+                  <a:ea typeface="Noto Sans TC Medium" panose="020B0200000000000000" pitchFamily="34" charset="-128"/>
+                </a:rPr>
+                <a:t>【</a:t>
+              </a:r>
+              <a:r>
+                <a:rPr lang="zh-TW" altLang="en-US" dirty="0">
+                  <a:latin typeface="Noto Sans TC Medium" panose="020B0200000000000000" pitchFamily="34" charset="-128"/>
+                  <a:ea typeface="Noto Sans TC Medium" panose="020B0200000000000000" pitchFamily="34" charset="-128"/>
+                </a:rPr>
+                <a:t>發音</a:t>
+              </a:r>
+              <a:r>
+                <a:rPr lang="en-US" altLang="zh-TW" dirty="0">
+                  <a:latin typeface="Noto Sans TC Medium" panose="020B0200000000000000" pitchFamily="34" charset="-128"/>
+                  <a:ea typeface="Noto Sans TC Medium" panose="020B0200000000000000" pitchFamily="34" charset="-128"/>
+                </a:rPr>
+                <a:t>】</a:t>
+              </a:r>
+              <a:r>
+                <a:rPr lang="zh-TW" altLang="en-US" dirty="0">
+                  <a:latin typeface="Noto Sans TC Medium" panose="020B0200000000000000" pitchFamily="34" charset="-128"/>
+                  <a:ea typeface="Noto Sans TC Medium" panose="020B0200000000000000" pitchFamily="34" charset="-128"/>
+                </a:rPr>
+                <a:t>，不同於</a:t>
+              </a:r>
+              <a:r>
+                <a:rPr lang="en-US" altLang="zh-TW" dirty="0">
+                  <a:latin typeface="Noto Sans TC Medium" panose="020B0200000000000000" pitchFamily="34" charset="-128"/>
+                  <a:ea typeface="Noto Sans TC Medium" panose="020B0200000000000000" pitchFamily="34" charset="-128"/>
+                </a:rPr>
+                <a:t>【</a:t>
+              </a:r>
+              <a:r>
+                <a:rPr lang="zh-TW" altLang="en-US" dirty="0">
+                  <a:latin typeface="Noto Sans TC Medium" panose="020B0200000000000000" pitchFamily="34" charset="-128"/>
+                  <a:ea typeface="Noto Sans TC Medium" panose="020B0200000000000000" pitchFamily="34" charset="-128"/>
+                </a:rPr>
+                <a:t>英文字母</a:t>
+              </a:r>
+              <a:r>
+                <a:rPr lang="en-US" altLang="zh-TW" dirty="0">
+                  <a:latin typeface="Noto Sans TC Medium" panose="020B0200000000000000" pitchFamily="34" charset="-128"/>
+                  <a:ea typeface="Noto Sans TC Medium" panose="020B0200000000000000" pitchFamily="34" charset="-128"/>
+                </a:rPr>
+                <a:t>】</a:t>
+              </a:r>
+              <a:r>
+                <a:rPr lang="zh-TW" altLang="en-US" dirty="0">
+                  <a:latin typeface="Noto Sans TC Medium" panose="020B0200000000000000" pitchFamily="34" charset="-128"/>
+                  <a:ea typeface="Noto Sans TC Medium" panose="020B0200000000000000" pitchFamily="34" charset="-128"/>
+                </a:rPr>
+                <a:t>；</a:t>
+              </a:r>
+              <a:endParaRPr lang="en-US" altLang="zh-TW" dirty="0">
+                <a:latin typeface="Noto Sans TC Medium" panose="020B0200000000000000" pitchFamily="34" charset="-128"/>
+                <a:ea typeface="Noto Sans TC Medium" panose="020B0200000000000000" pitchFamily="34" charset="-128"/>
+              </a:endParaRPr>
+            </a:p>
+            <a:p>
+              <a:pPr marL="285750" indent="-285750">
+                <a:buFont typeface="Arial" panose="020B0604020202020204" pitchFamily="34" charset="0"/>
+                <a:buChar char="•"/>
+              </a:pPr>
+              <a:r>
+                <a:rPr lang="zh-TW" altLang="en-US" dirty="0">
+                  <a:latin typeface="Noto Sans TC Medium" panose="020B0200000000000000" pitchFamily="34" charset="-128"/>
+                  <a:ea typeface="Noto Sans TC Medium" panose="020B0200000000000000" pitchFamily="34" charset="-128"/>
+                </a:rPr>
+                <a:t>羅馬拼音字母</a:t>
+              </a:r>
+              <a:r>
+                <a:rPr lang="en-US" altLang="zh-TW" dirty="0">
+                  <a:latin typeface="Noto Sans TC Medium" panose="020B0200000000000000" pitchFamily="34" charset="-128"/>
+                  <a:ea typeface="Noto Sans TC Medium" panose="020B0200000000000000" pitchFamily="34" charset="-128"/>
+                </a:rPr>
+                <a:t>【t】</a:t>
+              </a:r>
+              <a:r>
+                <a:rPr lang="zh-TW" altLang="en-US" dirty="0">
+                  <a:latin typeface="Noto Sans TC Medium" panose="020B0200000000000000" pitchFamily="34" charset="-128"/>
+                  <a:ea typeface="Noto Sans TC Medium" panose="020B0200000000000000" pitchFamily="34" charset="-128"/>
+                </a:rPr>
+                <a:t>之</a:t>
+              </a:r>
+              <a:r>
+                <a:rPr lang="en-US" altLang="zh-TW" dirty="0">
+                  <a:latin typeface="Noto Sans TC Medium" panose="020B0200000000000000" pitchFamily="34" charset="-128"/>
+                  <a:ea typeface="Noto Sans TC Medium" panose="020B0200000000000000" pitchFamily="34" charset="-128"/>
+                </a:rPr>
+                <a:t>【</a:t>
+              </a:r>
+              <a:r>
+                <a:rPr lang="zh-TW" altLang="en-US" dirty="0">
+                  <a:latin typeface="Noto Sans TC Medium" panose="020B0200000000000000" pitchFamily="34" charset="-128"/>
+                  <a:ea typeface="Noto Sans TC Medium" panose="020B0200000000000000" pitchFamily="34" charset="-128"/>
+                </a:rPr>
+                <a:t>發音</a:t>
+              </a:r>
+              <a:r>
+                <a:rPr lang="en-US" altLang="zh-TW" dirty="0">
+                  <a:latin typeface="Noto Sans TC Medium" panose="020B0200000000000000" pitchFamily="34" charset="-128"/>
+                  <a:ea typeface="Noto Sans TC Medium" panose="020B0200000000000000" pitchFamily="34" charset="-128"/>
+                </a:rPr>
+                <a:t>】</a:t>
+              </a:r>
+              <a:r>
+                <a:rPr lang="zh-TW" altLang="en-US" dirty="0">
+                  <a:latin typeface="Noto Sans TC Medium" panose="020B0200000000000000" pitchFamily="34" charset="-128"/>
+                  <a:ea typeface="Noto Sans TC Medium" panose="020B0200000000000000" pitchFamily="34" charset="-128"/>
+                </a:rPr>
+                <a:t>不是</a:t>
+              </a:r>
+              <a:r>
+                <a:rPr lang="en-US" altLang="zh-TW" dirty="0">
+                  <a:latin typeface="Noto Sans TC Medium" panose="020B0200000000000000" pitchFamily="34" charset="-128"/>
+                  <a:ea typeface="Noto Sans TC Medium" panose="020B0200000000000000" pitchFamily="34" charset="-128"/>
+                </a:rPr>
+                <a:t>【KK</a:t>
+              </a:r>
+              <a:r>
+                <a:rPr lang="zh-TW" altLang="en-US" dirty="0">
+                  <a:latin typeface="Noto Sans TC Medium" panose="020B0200000000000000" pitchFamily="34" charset="-128"/>
+                  <a:ea typeface="Noto Sans TC Medium" panose="020B0200000000000000" pitchFamily="34" charset="-128"/>
+                </a:rPr>
+                <a:t>音標</a:t>
+              </a:r>
+              <a:r>
+                <a:rPr lang="en-US" altLang="zh-TW" dirty="0">
+                  <a:latin typeface="Noto Sans TC Medium" panose="020B0200000000000000" pitchFamily="34" charset="-128"/>
+                  <a:ea typeface="Noto Sans TC Medium" panose="020B0200000000000000" pitchFamily="34" charset="-128"/>
+                </a:rPr>
+                <a:t>】</a:t>
+              </a:r>
+              <a:r>
+                <a:rPr lang="zh-TW" altLang="en-US" dirty="0">
+                  <a:latin typeface="Noto Sans TC Medium" panose="020B0200000000000000" pitchFamily="34" charset="-128"/>
+                  <a:ea typeface="Noto Sans TC Medium" panose="020B0200000000000000" pitchFamily="34" charset="-128"/>
+                </a:rPr>
+                <a:t>的</a:t>
+              </a:r>
+              <a:r>
+                <a:rPr lang="en-US" altLang="zh-TW" dirty="0">
+                  <a:latin typeface="Noto Sans TC Medium" panose="020B0200000000000000" pitchFamily="34" charset="-128"/>
+                  <a:ea typeface="Noto Sans TC Medium" panose="020B0200000000000000" pitchFamily="34" charset="-128"/>
+                </a:rPr>
+                <a:t>【t】</a:t>
+              </a:r>
+              <a:r>
+                <a:rPr lang="zh-TW" altLang="en-US" dirty="0">
+                  <a:latin typeface="Noto Sans TC Medium" panose="020B0200000000000000" pitchFamily="34" charset="-128"/>
+                  <a:ea typeface="Noto Sans TC Medium" panose="020B0200000000000000" pitchFamily="34" charset="-128"/>
+                </a:rPr>
+                <a:t>；而是</a:t>
+              </a:r>
+              <a:r>
+                <a:rPr lang="en-US" altLang="zh-TW" dirty="0">
+                  <a:latin typeface="Noto Sans TC Medium" panose="020B0200000000000000" pitchFamily="34" charset="-128"/>
+                  <a:ea typeface="Noto Sans TC Medium" panose="020B0200000000000000" pitchFamily="34" charset="-128"/>
+                </a:rPr>
+                <a:t>【</a:t>
+              </a:r>
+              <a:r>
+                <a:rPr lang="zh-TW" altLang="en-US" dirty="0">
+                  <a:latin typeface="Noto Sans TC Medium" panose="020B0200000000000000" pitchFamily="34" charset="-128"/>
+                  <a:ea typeface="Noto Sans TC Medium" panose="020B0200000000000000" pitchFamily="34" charset="-128"/>
+                </a:rPr>
+                <a:t>漢語拼音</a:t>
+              </a:r>
+              <a:r>
+                <a:rPr lang="en-US" altLang="zh-TW" dirty="0">
+                  <a:latin typeface="Noto Sans TC Medium" panose="020B0200000000000000" pitchFamily="34" charset="-128"/>
+                  <a:ea typeface="Noto Sans TC Medium" panose="020B0200000000000000" pitchFamily="34" charset="-128"/>
+                </a:rPr>
+                <a:t>】</a:t>
+              </a:r>
+              <a:r>
+                <a:rPr lang="zh-TW" altLang="en-US" dirty="0">
+                  <a:latin typeface="Noto Sans TC Medium" panose="020B0200000000000000" pitchFamily="34" charset="-128"/>
+                  <a:ea typeface="Noto Sans TC Medium" panose="020B0200000000000000" pitchFamily="34" charset="-128"/>
+                </a:rPr>
+                <a:t>之</a:t>
+              </a:r>
+              <a:r>
+                <a:rPr lang="en-US" altLang="zh-TW" dirty="0">
+                  <a:latin typeface="Noto Sans TC Medium" panose="020B0200000000000000" pitchFamily="34" charset="-128"/>
+                  <a:ea typeface="Noto Sans TC Medium" panose="020B0200000000000000" pitchFamily="34" charset="-128"/>
+                </a:rPr>
+                <a:t>【d】</a:t>
+              </a:r>
+              <a:r>
+                <a:rPr lang="zh-TW" altLang="en-US" dirty="0">
+                  <a:latin typeface="Noto Sans TC Medium" panose="020B0200000000000000" pitchFamily="34" charset="-128"/>
+                  <a:ea typeface="Noto Sans TC Medium" panose="020B0200000000000000" pitchFamily="34" charset="-128"/>
+                </a:rPr>
+                <a:t>發音。</a:t>
+              </a:r>
+            </a:p>
+          </p:txBody>
+        </p:sp>
+        <p:sp>
+          <p:nvSpPr>
+            <p:cNvPr id="6" name="文字方塊 5">
+              <a:extLst>
+                <a:ext uri="{FF2B5EF4-FFF2-40B4-BE49-F238E27FC236}">
+                  <a16:creationId xmlns:a16="http://schemas.microsoft.com/office/drawing/2014/main" id="{CFD0B117-A851-67C3-7C5F-86841D0D610C}"/>
+                </a:ext>
+              </a:extLst>
+            </p:cNvPr>
+            <p:cNvSpPr txBox="1"/>
+            <p:nvPr/>
+          </p:nvSpPr>
+          <p:spPr>
+            <a:xfrm>
+              <a:off x="80963" y="8481540"/>
+              <a:ext cx="6071634" cy="461665"/>
+            </a:xfrm>
+            <a:prstGeom prst="rect">
+              <a:avLst/>
+            </a:prstGeom>
+            <a:noFill/>
+          </p:spPr>
+          <p:txBody>
+            <a:bodyPr wrap="square" rtlCol="0">
+              <a:spAutoFit/>
+            </a:bodyPr>
+            <a:lstStyle/>
+            <a:p>
+              <a:r>
+                <a:rPr lang="en-US" altLang="zh-TW" sz="2400" dirty="0">
+                  <a:solidFill>
+                    <a:schemeClr val="accent1"/>
+                  </a:solidFill>
+                  <a:latin typeface="Noto Serif TC Black" panose="02020200000000000000" pitchFamily="18" charset="-128"/>
+                  <a:ea typeface="Noto Serif TC Black" panose="02020200000000000000" pitchFamily="18" charset="-128"/>
+                </a:rPr>
+                <a:t>【</a:t>
+              </a:r>
+              <a:r>
+                <a:rPr lang="zh-TW" altLang="en-US" sz="2400" dirty="0">
+                  <a:solidFill>
+                    <a:schemeClr val="accent1"/>
+                  </a:solidFill>
+                  <a:latin typeface="Noto Serif TC Black" panose="02020200000000000000" pitchFamily="18" charset="-128"/>
+                  <a:ea typeface="Noto Serif TC Black" panose="02020200000000000000" pitchFamily="18" charset="-128"/>
+                </a:rPr>
+                <a:t>羅馬拼音字母發音</a:t>
+              </a:r>
+              <a:r>
+                <a:rPr lang="en-US" altLang="zh-TW" sz="2400" dirty="0">
+                  <a:solidFill>
+                    <a:schemeClr val="accent1"/>
+                  </a:solidFill>
+                  <a:latin typeface="Noto Serif TC Black" panose="02020200000000000000" pitchFamily="18" charset="-128"/>
+                  <a:ea typeface="Noto Serif TC Black" panose="02020200000000000000" pitchFamily="18" charset="-128"/>
+                </a:rPr>
+                <a:t>】</a:t>
+              </a:r>
+              <a:r>
+                <a:rPr lang="zh-TW" altLang="en-US" sz="2400" dirty="0">
+                  <a:solidFill>
+                    <a:schemeClr val="accent1"/>
+                  </a:solidFill>
+                  <a:latin typeface="Noto Serif TC Black" panose="02020200000000000000" pitchFamily="18" charset="-128"/>
+                  <a:ea typeface="Noto Serif TC Black" panose="02020200000000000000" pitchFamily="18" charset="-128"/>
+                </a:rPr>
+                <a:t>：</a:t>
+              </a:r>
+            </a:p>
+          </p:txBody>
+        </p:sp>
+      </p:grpSp>
+      <p:pic>
+        <p:nvPicPr>
+          <p:cNvPr id="10" name="圖片 9">
+            <a:extLst>
+              <a:ext uri="{FF2B5EF4-FFF2-40B4-BE49-F238E27FC236}">
+                <a16:creationId xmlns:a16="http://schemas.microsoft.com/office/drawing/2014/main" id="{B218C6A4-9971-58BB-1672-37C8429AA7F5}"/>
+              </a:ext>
+            </a:extLst>
+          </p:cNvPr>
+          <p:cNvPicPr>
+            <a:picLocks noChangeAspect="1"/>
+          </p:cNvPicPr>
+          <p:nvPr/>
+        </p:nvPicPr>
+        <p:blipFill>
+          <a:blip r:embed="rId3"/>
+          <a:stretch>
+            <a:fillRect/>
+          </a:stretch>
+        </p:blipFill>
         <p:spPr>
           <a:xfrm>
-            <a:off x="253000" y="9004760"/>
-            <a:ext cx="6242176" cy="923330"/>
+            <a:off x="206269" y="7972019"/>
+            <a:ext cx="6332797" cy="2463886"/>
           </a:xfrm>
           <a:prstGeom prst="rect">
             <a:avLst/>
           </a:prstGeom>
-          <a:noFill/>
         </p:spPr>
-        <p:txBody>
-          <a:bodyPr wrap="square" rtlCol="0">
-            <a:spAutoFit/>
-          </a:bodyPr>
-          <a:lstStyle/>
-          <a:p>
-            <a:pPr marL="285750" indent="-285750">
-              <a:buFont typeface="Arial" panose="020B0604020202020204" pitchFamily="34" charset="0"/>
-              <a:buChar char="•"/>
-            </a:pPr>
-            <a:r>
-              <a:rPr lang="zh-TW" altLang="en-US" dirty="0">
-                <a:latin typeface="Noto Sans TC Medium" panose="020B0200000000000000" pitchFamily="34" charset="-128"/>
-                <a:ea typeface="Noto Sans TC Medium" panose="020B0200000000000000" pitchFamily="34" charset="-128"/>
-              </a:rPr>
-              <a:t>不是</a:t>
-            </a:r>
-            <a:r>
-              <a:rPr lang="en-US" altLang="zh-TW" dirty="0">
-                <a:latin typeface="Noto Sans TC Medium" panose="020B0200000000000000" pitchFamily="34" charset="-128"/>
-                <a:ea typeface="Noto Sans TC Medium" panose="020B0200000000000000" pitchFamily="34" charset="-128"/>
-              </a:rPr>
-              <a:t>【</a:t>
-            </a:r>
-            <a:r>
-              <a:rPr lang="zh-TW" altLang="en-US" dirty="0">
-                <a:latin typeface="Noto Sans TC Medium" panose="020B0200000000000000" pitchFamily="34" charset="-128"/>
-                <a:ea typeface="Noto Sans TC Medium" panose="020B0200000000000000" pitchFamily="34" charset="-128"/>
-              </a:rPr>
-              <a:t>英文</a:t>
-            </a:r>
-            <a:r>
-              <a:rPr lang="en-US" altLang="zh-TW" dirty="0">
-                <a:latin typeface="Noto Sans TC Medium" panose="020B0200000000000000" pitchFamily="34" charset="-128"/>
-                <a:ea typeface="Noto Sans TC Medium" panose="020B0200000000000000" pitchFamily="34" charset="-128"/>
-              </a:rPr>
-              <a:t>】</a:t>
-            </a:r>
-            <a:r>
-              <a:rPr lang="zh-TW" altLang="en-US" dirty="0">
-                <a:latin typeface="Noto Sans TC Medium" panose="020B0200000000000000" pitchFamily="34" charset="-128"/>
-                <a:ea typeface="Noto Sans TC Medium" panose="020B0200000000000000" pitchFamily="34" charset="-128"/>
-              </a:rPr>
-              <a:t>字母；而是</a:t>
-            </a:r>
-            <a:r>
-              <a:rPr lang="en-US" altLang="zh-TW" dirty="0">
-                <a:latin typeface="Noto Sans TC Medium" panose="020B0200000000000000" pitchFamily="34" charset="-128"/>
-                <a:ea typeface="Noto Sans TC Medium" panose="020B0200000000000000" pitchFamily="34" charset="-128"/>
-              </a:rPr>
-              <a:t>【</a:t>
-            </a:r>
-            <a:r>
-              <a:rPr lang="zh-TW" altLang="en-US" dirty="0">
-                <a:latin typeface="Noto Sans TC Medium" panose="020B0200000000000000" pitchFamily="34" charset="-128"/>
-                <a:ea typeface="Noto Sans TC Medium" panose="020B0200000000000000" pitchFamily="34" charset="-128"/>
-              </a:rPr>
-              <a:t>羅馬拼音</a:t>
-            </a:r>
-            <a:r>
-              <a:rPr lang="en-US" altLang="zh-TW" dirty="0">
-                <a:latin typeface="Noto Sans TC Medium" panose="020B0200000000000000" pitchFamily="34" charset="-128"/>
-                <a:ea typeface="Noto Sans TC Medium" panose="020B0200000000000000" pitchFamily="34" charset="-128"/>
-              </a:rPr>
-              <a:t>】</a:t>
-            </a:r>
-            <a:r>
-              <a:rPr lang="zh-TW" altLang="en-US" dirty="0">
-                <a:latin typeface="Noto Sans TC Medium" panose="020B0200000000000000" pitchFamily="34" charset="-128"/>
-                <a:ea typeface="Noto Sans TC Medium" panose="020B0200000000000000" pitchFamily="34" charset="-128"/>
-              </a:rPr>
-              <a:t>字母；</a:t>
-            </a:r>
-            <a:endParaRPr lang="en-US" altLang="zh-TW" dirty="0">
-              <a:latin typeface="Noto Sans TC Medium" panose="020B0200000000000000" pitchFamily="34" charset="-128"/>
-              <a:ea typeface="Noto Sans TC Medium" panose="020B0200000000000000" pitchFamily="34" charset="-128"/>
-            </a:endParaRPr>
-          </a:p>
-          <a:p>
-            <a:pPr marL="285750" indent="-285750">
-              <a:buFont typeface="Arial" panose="020B0604020202020204" pitchFamily="34" charset="0"/>
-              <a:buChar char="•"/>
-            </a:pPr>
-            <a:r>
-              <a:rPr lang="zh-TW" altLang="en-US" dirty="0">
-                <a:latin typeface="Noto Sans TC Medium" panose="020B0200000000000000" pitchFamily="34" charset="-128"/>
-                <a:ea typeface="Noto Sans TC Medium" panose="020B0200000000000000" pitchFamily="34" charset="-128"/>
-              </a:rPr>
-              <a:t>羅馬拼音字母</a:t>
-            </a:r>
-            <a:r>
-              <a:rPr lang="en-US" altLang="zh-TW" dirty="0">
-                <a:latin typeface="Noto Sans TC Medium" panose="020B0200000000000000" pitchFamily="34" charset="-128"/>
-                <a:ea typeface="Noto Sans TC Medium" panose="020B0200000000000000" pitchFamily="34" charset="-128"/>
-              </a:rPr>
-              <a:t>【t】</a:t>
-            </a:r>
-            <a:r>
-              <a:rPr lang="zh-TW" altLang="en-US" dirty="0">
-                <a:latin typeface="Noto Sans TC Medium" panose="020B0200000000000000" pitchFamily="34" charset="-128"/>
-                <a:ea typeface="Noto Sans TC Medium" panose="020B0200000000000000" pitchFamily="34" charset="-128"/>
-              </a:rPr>
-              <a:t>，其</a:t>
-            </a:r>
-            <a:r>
-              <a:rPr lang="en-US" altLang="zh-TW" dirty="0">
-                <a:latin typeface="Noto Sans TC Medium" panose="020B0200000000000000" pitchFamily="34" charset="-128"/>
-                <a:ea typeface="Noto Sans TC Medium" panose="020B0200000000000000" pitchFamily="34" charset="-128"/>
-              </a:rPr>
-              <a:t>【</a:t>
-            </a:r>
-            <a:r>
-              <a:rPr lang="zh-TW" altLang="en-US" dirty="0">
-                <a:latin typeface="Noto Sans TC Medium" panose="020B0200000000000000" pitchFamily="34" charset="-128"/>
-                <a:ea typeface="Noto Sans TC Medium" panose="020B0200000000000000" pitchFamily="34" charset="-128"/>
-              </a:rPr>
-              <a:t>發音</a:t>
-            </a:r>
-            <a:r>
-              <a:rPr lang="en-US" altLang="zh-TW" dirty="0">
-                <a:latin typeface="Noto Sans TC Medium" panose="020B0200000000000000" pitchFamily="34" charset="-128"/>
-                <a:ea typeface="Noto Sans TC Medium" panose="020B0200000000000000" pitchFamily="34" charset="-128"/>
-              </a:rPr>
-              <a:t>】</a:t>
-            </a:r>
-            <a:r>
-              <a:rPr lang="zh-TW" altLang="en-US" dirty="0">
-                <a:latin typeface="Noto Sans TC Medium" panose="020B0200000000000000" pitchFamily="34" charset="-128"/>
-                <a:ea typeface="Noto Sans TC Medium" panose="020B0200000000000000" pitchFamily="34" charset="-128"/>
-              </a:rPr>
-              <a:t>不要唸成</a:t>
-            </a:r>
-            <a:r>
-              <a:rPr lang="en-US" altLang="zh-TW" dirty="0">
-                <a:latin typeface="Noto Sans TC Medium" panose="020B0200000000000000" pitchFamily="34" charset="-128"/>
-                <a:ea typeface="Noto Sans TC Medium" panose="020B0200000000000000" pitchFamily="34" charset="-128"/>
-              </a:rPr>
-              <a:t>【KK</a:t>
-            </a:r>
-            <a:r>
-              <a:rPr lang="zh-TW" altLang="en-US" dirty="0">
-                <a:latin typeface="Noto Sans TC Medium" panose="020B0200000000000000" pitchFamily="34" charset="-128"/>
-                <a:ea typeface="Noto Sans TC Medium" panose="020B0200000000000000" pitchFamily="34" charset="-128"/>
-              </a:rPr>
-              <a:t>音標</a:t>
-            </a:r>
-            <a:r>
-              <a:rPr lang="en-US" altLang="zh-TW" dirty="0">
-                <a:latin typeface="Noto Sans TC Medium" panose="020B0200000000000000" pitchFamily="34" charset="-128"/>
-                <a:ea typeface="Noto Sans TC Medium" panose="020B0200000000000000" pitchFamily="34" charset="-128"/>
-              </a:rPr>
-              <a:t>】</a:t>
-            </a:r>
-            <a:r>
-              <a:rPr lang="zh-TW" altLang="en-US" dirty="0">
-                <a:latin typeface="Noto Sans TC Medium" panose="020B0200000000000000" pitchFamily="34" charset="-128"/>
-                <a:ea typeface="Noto Sans TC Medium" panose="020B0200000000000000" pitchFamily="34" charset="-128"/>
-              </a:rPr>
-              <a:t>的</a:t>
-            </a:r>
-            <a:r>
-              <a:rPr lang="en-US" altLang="zh-TW" dirty="0">
-                <a:latin typeface="Noto Sans TC Medium" panose="020B0200000000000000" pitchFamily="34" charset="-128"/>
-                <a:ea typeface="Noto Sans TC Medium" panose="020B0200000000000000" pitchFamily="34" charset="-128"/>
-              </a:rPr>
-              <a:t>【t】</a:t>
-            </a:r>
-            <a:r>
-              <a:rPr lang="zh-TW" altLang="en-US" dirty="0">
-                <a:latin typeface="Noto Sans TC Medium" panose="020B0200000000000000" pitchFamily="34" charset="-128"/>
-                <a:ea typeface="Noto Sans TC Medium" panose="020B0200000000000000" pitchFamily="34" charset="-128"/>
-              </a:rPr>
-              <a:t>；而要唸成</a:t>
-            </a:r>
-            <a:r>
-              <a:rPr lang="en-US" altLang="zh-TW" dirty="0">
-                <a:latin typeface="Noto Sans TC Medium" panose="020B0200000000000000" pitchFamily="34" charset="-128"/>
-                <a:ea typeface="Noto Sans TC Medium" panose="020B0200000000000000" pitchFamily="34" charset="-128"/>
-              </a:rPr>
-              <a:t>【</a:t>
-            </a:r>
-            <a:r>
-              <a:rPr lang="zh-TW" altLang="en-US" dirty="0">
-                <a:latin typeface="Noto Sans TC Medium" panose="020B0200000000000000" pitchFamily="34" charset="-128"/>
-                <a:ea typeface="Noto Sans TC Medium" panose="020B0200000000000000" pitchFamily="34" charset="-128"/>
-              </a:rPr>
-              <a:t>漢語拼音</a:t>
-            </a:r>
-            <a:r>
-              <a:rPr lang="en-US" altLang="zh-TW" dirty="0">
-                <a:latin typeface="Noto Sans TC Medium" panose="020B0200000000000000" pitchFamily="34" charset="-128"/>
-                <a:ea typeface="Noto Sans TC Medium" panose="020B0200000000000000" pitchFamily="34" charset="-128"/>
-              </a:rPr>
-              <a:t>】</a:t>
-            </a:r>
-            <a:r>
-              <a:rPr lang="zh-TW" altLang="en-US" dirty="0">
-                <a:latin typeface="Noto Sans TC Medium" panose="020B0200000000000000" pitchFamily="34" charset="-128"/>
-                <a:ea typeface="Noto Sans TC Medium" panose="020B0200000000000000" pitchFamily="34" charset="-128"/>
-              </a:rPr>
-              <a:t>的</a:t>
-            </a:r>
-            <a:r>
-              <a:rPr lang="en-US" altLang="zh-TW" dirty="0">
-                <a:latin typeface="Noto Sans TC Medium" panose="020B0200000000000000" pitchFamily="34" charset="-128"/>
-                <a:ea typeface="Noto Sans TC Medium" panose="020B0200000000000000" pitchFamily="34" charset="-128"/>
-              </a:rPr>
-              <a:t>【d】</a:t>
-            </a:r>
-            <a:r>
-              <a:rPr lang="zh-TW" altLang="en-US" dirty="0">
-                <a:latin typeface="Noto Sans TC Medium" panose="020B0200000000000000" pitchFamily="34" charset="-128"/>
-                <a:ea typeface="Noto Sans TC Medium" panose="020B0200000000000000" pitchFamily="34" charset="-128"/>
-              </a:rPr>
-              <a:t>。</a:t>
-            </a:r>
-          </a:p>
-        </p:txBody>
-      </p:sp>
-      <p:sp>
-        <p:nvSpPr>
-          <p:cNvPr id="6" name="文字方塊 5">
-            <a:extLst>
-              <a:ext uri="{FF2B5EF4-FFF2-40B4-BE49-F238E27FC236}">
-                <a16:creationId xmlns:a16="http://schemas.microsoft.com/office/drawing/2014/main" id="{CFD0B117-A851-67C3-7C5F-86841D0D610C}"/>
-              </a:ext>
-            </a:extLst>
-          </p:cNvPr>
-          <p:cNvSpPr txBox="1"/>
-          <p:nvPr/>
-        </p:nvSpPr>
-        <p:spPr>
-          <a:xfrm>
-            <a:off x="80963" y="8481540"/>
-            <a:ext cx="6071634" cy="523220"/>
-          </a:xfrm>
-          <a:prstGeom prst="rect">
-            <a:avLst/>
-          </a:prstGeom>
-          <a:noFill/>
-        </p:spPr>
-        <p:txBody>
-          <a:bodyPr wrap="square" rtlCol="0">
-            <a:spAutoFit/>
-          </a:bodyPr>
-          <a:lstStyle/>
-          <a:p>
-            <a:r>
-              <a:rPr lang="en-US" altLang="zh-TW" sz="2800" dirty="0">
-                <a:solidFill>
-                  <a:schemeClr val="accent1"/>
-                </a:solidFill>
-                <a:latin typeface="Noto Serif TC Black" panose="02020200000000000000" pitchFamily="18" charset="-128"/>
-                <a:ea typeface="Noto Serif TC Black" panose="02020200000000000000" pitchFamily="18" charset="-128"/>
-              </a:rPr>
-              <a:t>【</a:t>
-            </a:r>
-            <a:r>
-              <a:rPr lang="zh-TW" altLang="en-US" sz="2800" dirty="0">
-                <a:solidFill>
-                  <a:schemeClr val="accent1"/>
-                </a:solidFill>
-                <a:latin typeface="Noto Serif TC Black" panose="02020200000000000000" pitchFamily="18" charset="-128"/>
-                <a:ea typeface="Noto Serif TC Black" panose="02020200000000000000" pitchFamily="18" charset="-128"/>
-              </a:rPr>
-              <a:t>羅馬拼音字母</a:t>
-            </a:r>
-            <a:r>
-              <a:rPr lang="en-US" altLang="zh-TW" sz="2800" dirty="0">
-                <a:solidFill>
-                  <a:schemeClr val="accent1"/>
-                </a:solidFill>
-                <a:latin typeface="Noto Serif TC Black" panose="02020200000000000000" pitchFamily="18" charset="-128"/>
-                <a:ea typeface="Noto Serif TC Black" panose="02020200000000000000" pitchFamily="18" charset="-128"/>
-              </a:rPr>
-              <a:t>】</a:t>
-            </a:r>
-            <a:r>
-              <a:rPr lang="zh-TW" altLang="en-US" sz="2800" dirty="0">
-                <a:solidFill>
-                  <a:schemeClr val="accent1"/>
-                </a:solidFill>
-                <a:latin typeface="Noto Serif TC Black" panose="02020200000000000000" pitchFamily="18" charset="-128"/>
-                <a:ea typeface="Noto Serif TC Black" panose="02020200000000000000" pitchFamily="18" charset="-128"/>
-              </a:rPr>
-              <a:t>：</a:t>
-            </a:r>
-          </a:p>
-        </p:txBody>
-      </p:sp>
+      </p:pic>
     </p:spTree>
     <p:extLst>
       <p:ext uri="{BB962C8B-B14F-4D97-AF65-F5344CB8AC3E}">
@@ -16550,7 +17023,7 @@
 </p:sld>
 </file>
 
-<file path=ppt/slides/slide6.xml><?xml version="1.0" encoding="utf-8"?>
+<file path=ppt/slides/slide7.xml><?xml version="1.0" encoding="utf-8"?>
 <p:sld xmlns:a="http://schemas.openxmlformats.org/drawingml/2006/main" xmlns:r="http://schemas.openxmlformats.org/officeDocument/2006/relationships" xmlns:p="http://schemas.openxmlformats.org/presentationml/2006/main">
   <p:cSld>
     <p:spTree>
@@ -16601,7 +17074,7 @@
           <a:p>
             <a:r>
               <a:rPr lang="zh-TW" altLang="en-US" dirty="0"/>
-              <a:t>漢字標音：台羅拼音摘要（二）</a:t>
+              <a:t>台羅拼音：韻母（一）</a:t>
             </a:r>
           </a:p>
         </p:txBody>
@@ -16643,46 +17116,6 @@
                 <a:ea typeface="Noto Serif TC Black" panose="02020200000000000000" pitchFamily="18" charset="-128"/>
               </a:rPr>
               <a:t>【</a:t>
-            </a:r>
-            <a:r>
-              <a:rPr lang="zh-TW" altLang="en-US" sz="2800" dirty="0">
-                <a:solidFill>
-                  <a:schemeClr val="accent1"/>
-                </a:solidFill>
-                <a:latin typeface="Noto Serif TC Black" panose="02020200000000000000" pitchFamily="18" charset="-128"/>
-                <a:ea typeface="Noto Serif TC Black" panose="02020200000000000000" pitchFamily="18" charset="-128"/>
-              </a:rPr>
-              <a:t>羅馬拼音</a:t>
-            </a:r>
-            <a:r>
-              <a:rPr lang="en-US" altLang="zh-TW" sz="2800" dirty="0">
-                <a:solidFill>
-                  <a:schemeClr val="accent1"/>
-                </a:solidFill>
-                <a:latin typeface="Noto Serif TC Black" panose="02020200000000000000" pitchFamily="18" charset="-128"/>
-                <a:ea typeface="Noto Serif TC Black" panose="02020200000000000000" pitchFamily="18" charset="-128"/>
-              </a:rPr>
-              <a:t>/</a:t>
-            </a:r>
-            <a:r>
-              <a:rPr lang="zh-TW" altLang="en-US" sz="2800" dirty="0">
-                <a:solidFill>
-                  <a:schemeClr val="accent1"/>
-                </a:solidFill>
-                <a:latin typeface="Noto Serif TC Black" panose="02020200000000000000" pitchFamily="18" charset="-128"/>
-                <a:ea typeface="Noto Serif TC Black" panose="02020200000000000000" pitchFamily="18" charset="-128"/>
-              </a:rPr>
-              <a:t>韻母</a:t>
-            </a:r>
-            <a:r>
-              <a:rPr lang="en-US" altLang="zh-TW" sz="2800" dirty="0">
-                <a:solidFill>
-                  <a:schemeClr val="accent1"/>
-                </a:solidFill>
-                <a:latin typeface="Noto Serif TC Black" panose="02020200000000000000" pitchFamily="18" charset="-128"/>
-                <a:ea typeface="Noto Serif TC Black" panose="02020200000000000000" pitchFamily="18" charset="-128"/>
-              </a:rPr>
-              <a:t>/</a:t>
             </a:r>
             <a:r>
               <a:rPr lang="zh-TW" altLang="en-US" sz="2800" dirty="0">
@@ -16793,46 +17226,6 @@
                 <a:latin typeface="Noto Serif TC Black" panose="02020200000000000000" pitchFamily="18" charset="-128"/>
                 <a:ea typeface="Noto Serif TC Black" panose="02020200000000000000" pitchFamily="18" charset="-128"/>
               </a:rPr>
-              <a:t>羅馬拼音</a:t>
-            </a:r>
-            <a:r>
-              <a:rPr lang="en-US" altLang="zh-TW" sz="2800" dirty="0">
-                <a:solidFill>
-                  <a:schemeClr val="accent1"/>
-                </a:solidFill>
-                <a:latin typeface="Noto Serif TC Black" panose="02020200000000000000" pitchFamily="18" charset="-128"/>
-                <a:ea typeface="Noto Serif TC Black" panose="02020200000000000000" pitchFamily="18" charset="-128"/>
-              </a:rPr>
-              <a:t>/</a:t>
-            </a:r>
-            <a:r>
-              <a:rPr lang="zh-TW" altLang="en-US" sz="2800" dirty="0">
-                <a:solidFill>
-                  <a:schemeClr val="accent1"/>
-                </a:solidFill>
-                <a:latin typeface="Noto Serif TC Black" panose="02020200000000000000" pitchFamily="18" charset="-128"/>
-                <a:ea typeface="Noto Serif TC Black" panose="02020200000000000000" pitchFamily="18" charset="-128"/>
-              </a:rPr>
-              <a:t>韻母</a:t>
-            </a:r>
-            <a:r>
-              <a:rPr lang="en-US" altLang="zh-TW" sz="2800" dirty="0">
-                <a:solidFill>
-                  <a:schemeClr val="accent1"/>
-                </a:solidFill>
-                <a:latin typeface="Noto Serif TC Black" panose="02020200000000000000" pitchFamily="18" charset="-128"/>
-                <a:ea typeface="Noto Serif TC Black" panose="02020200000000000000" pitchFamily="18" charset="-128"/>
-              </a:rPr>
-              <a:t>/</a:t>
-            </a:r>
-            <a:r>
-              <a:rPr lang="zh-TW" altLang="en-US" sz="2800" dirty="0">
-                <a:solidFill>
-                  <a:schemeClr val="accent1"/>
-                </a:solidFill>
-                <a:latin typeface="Noto Serif TC Black" panose="02020200000000000000" pitchFamily="18" charset="-128"/>
-                <a:ea typeface="Noto Serif TC Black" panose="02020200000000000000" pitchFamily="18" charset="-128"/>
-              </a:rPr>
               <a:t>韻尾</a:t>
             </a:r>
             <a:r>
@@ -17099,7 +17492,7 @@
 </p:sld>
 </file>
 
-<file path=ppt/slides/slide7.xml><?xml version="1.0" encoding="utf-8"?>
+<file path=ppt/slides/slide8.xml><?xml version="1.0" encoding="utf-8"?>
 <p:sld xmlns:a="http://schemas.openxmlformats.org/drawingml/2006/main" xmlns:r="http://schemas.openxmlformats.org/officeDocument/2006/relationships" xmlns:p="http://schemas.openxmlformats.org/presentationml/2006/main">
   <p:cSld>
     <p:spTree>
@@ -17150,7 +17543,7 @@
           <a:p>
             <a:r>
               <a:rPr lang="zh-TW" altLang="en-US" dirty="0"/>
-              <a:t>漢字標音：台羅拼音摘要（三）</a:t>
+              <a:t>台羅拼音：韻母（二）</a:t>
             </a:r>
           </a:p>
         </p:txBody>
@@ -17201,47 +17594,7 @@
                 <a:latin typeface="Noto Serif TC Black" panose="02020200000000000000" pitchFamily="18" charset="-128"/>
                 <a:ea typeface="Noto Serif TC Black" panose="02020200000000000000" pitchFamily="18" charset="-128"/>
               </a:rPr>
-              <a:t>羅馬拼音</a:t>
-            </a:r>
-            <a:r>
-              <a:rPr lang="en-US" altLang="zh-TW" sz="2800" dirty="0">
-                <a:solidFill>
-                  <a:schemeClr val="accent1"/>
-                </a:solidFill>
-                <a:latin typeface="Noto Serif TC Black" panose="02020200000000000000" pitchFamily="18" charset="-128"/>
-                <a:ea typeface="Noto Serif TC Black" panose="02020200000000000000" pitchFamily="18" charset="-128"/>
-              </a:rPr>
-              <a:t>/</a:t>
-            </a:r>
-            <a:r>
-              <a:rPr lang="zh-TW" altLang="en-US" sz="2800" dirty="0">
-                <a:solidFill>
-                  <a:schemeClr val="accent1"/>
-                </a:solidFill>
-                <a:latin typeface="Noto Serif TC Black" panose="02020200000000000000" pitchFamily="18" charset="-128"/>
-                <a:ea typeface="Noto Serif TC Black" panose="02020200000000000000" pitchFamily="18" charset="-128"/>
-              </a:rPr>
-              <a:t>韻母</a:t>
-            </a:r>
-            <a:r>
-              <a:rPr lang="en-US" altLang="zh-TW" sz="2800" dirty="0">
-                <a:solidFill>
-                  <a:schemeClr val="accent1"/>
-                </a:solidFill>
-                <a:latin typeface="Noto Serif TC Black" panose="02020200000000000000" pitchFamily="18" charset="-128"/>
-                <a:ea typeface="Noto Serif TC Black" panose="02020200000000000000" pitchFamily="18" charset="-128"/>
-              </a:rPr>
-              <a:t>/</a:t>
-            </a:r>
-            <a:r>
-              <a:rPr lang="zh-TW" altLang="en-US" sz="2800" dirty="0">
-                <a:solidFill>
-                  <a:schemeClr val="accent1"/>
-                </a:solidFill>
-                <a:latin typeface="Noto Serif TC Black" panose="02020200000000000000" pitchFamily="18" charset="-128"/>
-                <a:ea typeface="Noto Serif TC Black" panose="02020200000000000000" pitchFamily="18" charset="-128"/>
-              </a:rPr>
-              <a:t>韻母列表一</a:t>
+              <a:t>韻母列表上</a:t>
             </a:r>
             <a:r>
               <a:rPr lang="en-US" altLang="zh-TW" sz="2800" dirty="0">
@@ -17309,7 +17662,7 @@
 </p:sld>
 </file>
 
-<file path=ppt/slides/slide8.xml><?xml version="1.0" encoding="utf-8"?>
+<file path=ppt/slides/slide9.xml><?xml version="1.0" encoding="utf-8"?>
 <p:sld xmlns:a="http://schemas.openxmlformats.org/drawingml/2006/main" xmlns:r="http://schemas.openxmlformats.org/officeDocument/2006/relationships" xmlns:p="http://schemas.openxmlformats.org/presentationml/2006/main">
   <p:cSld>
     <p:spTree>
@@ -17360,7 +17713,7 @@
           <a:p>
             <a:r>
               <a:rPr lang="zh-TW" altLang="en-US" dirty="0"/>
-              <a:t>漢字標音：台羅拼音摘要（四）</a:t>
+              <a:t>台羅拼音：韻母（三）</a:t>
             </a:r>
           </a:p>
         </p:txBody>
@@ -17411,47 +17764,7 @@
                 <a:latin typeface="Noto Serif TC Black" panose="02020200000000000000" pitchFamily="18" charset="-128"/>
                 <a:ea typeface="Noto Serif TC Black" panose="02020200000000000000" pitchFamily="18" charset="-128"/>
               </a:rPr>
-              <a:t>羅馬拼音</a:t>
-            </a:r>
-            <a:r>
-              <a:rPr lang="en-US" altLang="zh-TW" sz="2800" dirty="0">
-                <a:solidFill>
-                  <a:schemeClr val="accent1"/>
-                </a:solidFill>
-                <a:latin typeface="Noto Serif TC Black" panose="02020200000000000000" pitchFamily="18" charset="-128"/>
-                <a:ea typeface="Noto Serif TC Black" panose="02020200000000000000" pitchFamily="18" charset="-128"/>
-              </a:rPr>
-              <a:t>/</a:t>
-            </a:r>
-            <a:r>
-              <a:rPr lang="zh-TW" altLang="en-US" sz="2800" dirty="0">
-                <a:solidFill>
-                  <a:schemeClr val="accent1"/>
-                </a:solidFill>
-                <a:latin typeface="Noto Serif TC Black" panose="02020200000000000000" pitchFamily="18" charset="-128"/>
-                <a:ea typeface="Noto Serif TC Black" panose="02020200000000000000" pitchFamily="18" charset="-128"/>
-              </a:rPr>
-              <a:t>韻母</a:t>
-            </a:r>
-            <a:r>
-              <a:rPr lang="en-US" altLang="zh-TW" sz="2800" dirty="0">
-                <a:solidFill>
-                  <a:schemeClr val="accent1"/>
-                </a:solidFill>
-                <a:latin typeface="Noto Serif TC Black" panose="02020200000000000000" pitchFamily="18" charset="-128"/>
-                <a:ea typeface="Noto Serif TC Black" panose="02020200000000000000" pitchFamily="18" charset="-128"/>
-              </a:rPr>
-              <a:t>/</a:t>
-            </a:r>
-            <a:r>
-              <a:rPr lang="zh-TW" altLang="en-US" sz="2800" dirty="0">
-                <a:solidFill>
-                  <a:schemeClr val="accent1"/>
-                </a:solidFill>
-                <a:latin typeface="Noto Serif TC Black" panose="02020200000000000000" pitchFamily="18" charset="-128"/>
-                <a:ea typeface="Noto Serif TC Black" panose="02020200000000000000" pitchFamily="18" charset="-128"/>
-              </a:rPr>
-              <a:t>韻母列表二</a:t>
+              <a:t>韻母列表下</a:t>
             </a:r>
             <a:r>
               <a:rPr lang="en-US" altLang="zh-TW" sz="2800" dirty="0">
@@ -17510,757 +17823,6 @@
     <p:extLst>
       <p:ext uri="{BB962C8B-B14F-4D97-AF65-F5344CB8AC3E}">
         <p14:creationId xmlns:p14="http://schemas.microsoft.com/office/powerpoint/2010/main" val="432499225"/>
-      </p:ext>
-    </p:extLst>
-  </p:cSld>
-  <p:clrMapOvr>
-    <a:masterClrMapping/>
-  </p:clrMapOvr>
-</p:sld>
-</file>
-
-<file path=ppt/slides/slide9.xml><?xml version="1.0" encoding="utf-8"?>
-<p:sld xmlns:a="http://schemas.openxmlformats.org/drawingml/2006/main" xmlns:r="http://schemas.openxmlformats.org/officeDocument/2006/relationships" xmlns:p="http://schemas.openxmlformats.org/presentationml/2006/main">
-  <p:cSld>
-    <p:spTree>
-      <p:nvGrpSpPr>
-        <p:cNvPr id="1" name="">
-          <a:extLst>
-            <a:ext uri="{FF2B5EF4-FFF2-40B4-BE49-F238E27FC236}">
-              <a16:creationId xmlns:a16="http://schemas.microsoft.com/office/drawing/2014/main" id="{B0B58E76-8D5E-6B5A-F8D6-214963EC9638}"/>
-            </a:ext>
-          </a:extLst>
-        </p:cNvPr>
-        <p:cNvGrpSpPr/>
-        <p:nvPr/>
-      </p:nvGrpSpPr>
-      <p:grpSpPr>
-        <a:xfrm>
-          <a:off x="0" y="0"/>
-          <a:ext cx="0" cy="0"/>
-          <a:chOff x="0" y="0"/>
-          <a:chExt cx="0" cy="0"/>
-        </a:xfrm>
-      </p:grpSpPr>
-      <p:sp>
-        <p:nvSpPr>
-          <p:cNvPr id="3" name="標題 2">
-            <a:extLst>
-              <a:ext uri="{FF2B5EF4-FFF2-40B4-BE49-F238E27FC236}">
-                <a16:creationId xmlns:a16="http://schemas.microsoft.com/office/drawing/2014/main" id="{2907A350-B701-8BCA-A227-CB0488CE08F5}"/>
-              </a:ext>
-            </a:extLst>
-          </p:cNvPr>
-          <p:cNvSpPr>
-            <a:spLocks noGrp="1"/>
-          </p:cNvSpPr>
-          <p:nvPr>
-            <p:ph type="title"/>
-          </p:nvPr>
-        </p:nvSpPr>
-        <p:spPr>
-          <a:xfrm>
-            <a:off x="80963" y="741391"/>
-            <a:ext cx="6437283" cy="649110"/>
-          </a:xfrm>
-        </p:spPr>
-        <p:txBody>
-          <a:bodyPr/>
-          <a:lstStyle/>
-          <a:p>
-            <a:r>
-              <a:rPr lang="zh-TW" altLang="en-US" dirty="0"/>
-              <a:t>漢字標音：台羅拼音摘要（五）</a:t>
-            </a:r>
-          </a:p>
-        </p:txBody>
-      </p:sp>
-      <p:sp>
-        <p:nvSpPr>
-          <p:cNvPr id="7" name="文字方塊 6">
-            <a:extLst>
-              <a:ext uri="{FF2B5EF4-FFF2-40B4-BE49-F238E27FC236}">
-                <a16:creationId xmlns:a16="http://schemas.microsoft.com/office/drawing/2014/main" id="{BADD7C54-F1C9-5A57-2902-71690EEF7428}"/>
-              </a:ext>
-            </a:extLst>
-          </p:cNvPr>
-          <p:cNvSpPr txBox="1"/>
-          <p:nvPr/>
-        </p:nvSpPr>
-        <p:spPr>
-          <a:xfrm>
-            <a:off x="0" y="1722723"/>
-            <a:ext cx="6071634" cy="523220"/>
-          </a:xfrm>
-          <a:prstGeom prst="rect">
-            <a:avLst/>
-          </a:prstGeom>
-          <a:noFill/>
-        </p:spPr>
-        <p:txBody>
-          <a:bodyPr wrap="square" rtlCol="0">
-            <a:spAutoFit/>
-          </a:bodyPr>
-          <a:lstStyle/>
-          <a:p>
-            <a:r>
-              <a:rPr lang="en-US" altLang="zh-TW" sz="2800" dirty="0">
-                <a:solidFill>
-                  <a:schemeClr val="accent1"/>
-                </a:solidFill>
-                <a:latin typeface="Noto Serif TC Black" panose="02020200000000000000" pitchFamily="18" charset="-128"/>
-                <a:ea typeface="Noto Serif TC Black" panose="02020200000000000000" pitchFamily="18" charset="-128"/>
-              </a:rPr>
-              <a:t>【</a:t>
-            </a:r>
-            <a:r>
-              <a:rPr lang="zh-TW" altLang="en-US" sz="2800" dirty="0">
-                <a:solidFill>
-                  <a:schemeClr val="accent1"/>
-                </a:solidFill>
-                <a:latin typeface="Noto Serif TC Black" panose="02020200000000000000" pitchFamily="18" charset="-128"/>
-                <a:ea typeface="Noto Serif TC Black" panose="02020200000000000000" pitchFamily="18" charset="-128"/>
-              </a:rPr>
-              <a:t>聲調標註</a:t>
-            </a:r>
-            <a:r>
-              <a:rPr lang="en-US" altLang="zh-TW" sz="2800" dirty="0">
-                <a:solidFill>
-                  <a:schemeClr val="accent1"/>
-                </a:solidFill>
-                <a:latin typeface="Noto Serif TC Black" panose="02020200000000000000" pitchFamily="18" charset="-128"/>
-                <a:ea typeface="Noto Serif TC Black" panose="02020200000000000000" pitchFamily="18" charset="-128"/>
-              </a:rPr>
-              <a:t>】</a:t>
-            </a:r>
-            <a:r>
-              <a:rPr lang="zh-TW" altLang="en-US" sz="2800" dirty="0">
-                <a:solidFill>
-                  <a:schemeClr val="accent1"/>
-                </a:solidFill>
-                <a:latin typeface="Noto Serif TC Black" panose="02020200000000000000" pitchFamily="18" charset="-128"/>
-                <a:ea typeface="Noto Serif TC Black" panose="02020200000000000000" pitchFamily="18" charset="-128"/>
-              </a:rPr>
-              <a:t>：</a:t>
-            </a:r>
-          </a:p>
-        </p:txBody>
-      </p:sp>
-      <p:sp>
-        <p:nvSpPr>
-          <p:cNvPr id="8" name="文字方塊 7">
-            <a:extLst>
-              <a:ext uri="{FF2B5EF4-FFF2-40B4-BE49-F238E27FC236}">
-                <a16:creationId xmlns:a16="http://schemas.microsoft.com/office/drawing/2014/main" id="{C6E56190-6696-BCF2-1598-17202FBEDA88}"/>
-              </a:ext>
-            </a:extLst>
-          </p:cNvPr>
-          <p:cNvSpPr txBox="1"/>
-          <p:nvPr/>
-        </p:nvSpPr>
-        <p:spPr>
-          <a:xfrm>
-            <a:off x="395287" y="2245943"/>
-            <a:ext cx="6071634" cy="3139321"/>
-          </a:xfrm>
-          <a:prstGeom prst="rect">
-            <a:avLst/>
-          </a:prstGeom>
-          <a:noFill/>
-        </p:spPr>
-        <p:txBody>
-          <a:bodyPr wrap="square" rtlCol="0">
-            <a:spAutoFit/>
-          </a:bodyPr>
-          <a:lstStyle/>
-          <a:p>
-            <a:pPr marL="285750" indent="-285750">
-              <a:buFont typeface="Arial" panose="020B0604020202020204" pitchFamily="34" charset="0"/>
-              <a:buChar char="•"/>
-            </a:pPr>
-            <a:r>
-              <a:rPr lang="zh-TW" altLang="en-US" dirty="0">
-                <a:latin typeface="Noto Sans TC Medium" panose="020B0200000000000000" pitchFamily="34" charset="-128"/>
-                <a:ea typeface="Noto Sans TC Medium" panose="020B0200000000000000" pitchFamily="34" charset="-128"/>
-              </a:rPr>
-              <a:t>閩南語的</a:t>
-            </a:r>
-            <a:r>
-              <a:rPr lang="en-US" altLang="zh-TW" dirty="0">
-                <a:latin typeface="Noto Sans TC Medium" panose="020B0200000000000000" pitchFamily="34" charset="-128"/>
-                <a:ea typeface="Noto Sans TC Medium" panose="020B0200000000000000" pitchFamily="34" charset="-128"/>
-              </a:rPr>
-              <a:t>【</a:t>
-            </a:r>
-            <a:r>
-              <a:rPr lang="zh-TW" altLang="en-US" dirty="0">
-                <a:latin typeface="Noto Sans TC Medium" panose="020B0200000000000000" pitchFamily="34" charset="-128"/>
-                <a:ea typeface="Noto Sans TC Medium" panose="020B0200000000000000" pitchFamily="34" charset="-128"/>
-              </a:rPr>
-              <a:t>四聲八調</a:t>
-            </a:r>
-            <a:r>
-              <a:rPr lang="en-US" altLang="zh-TW" dirty="0">
-                <a:latin typeface="Noto Sans TC Medium" panose="020B0200000000000000" pitchFamily="34" charset="-128"/>
-                <a:ea typeface="Noto Sans TC Medium" panose="020B0200000000000000" pitchFamily="34" charset="-128"/>
-              </a:rPr>
-              <a:t>】</a:t>
-            </a:r>
-            <a:r>
-              <a:rPr lang="zh-TW" altLang="en-US" dirty="0">
-                <a:latin typeface="Noto Sans TC Medium" panose="020B0200000000000000" pitchFamily="34" charset="-128"/>
-                <a:ea typeface="Noto Sans TC Medium" panose="020B0200000000000000" pitchFamily="34" charset="-128"/>
-              </a:rPr>
-              <a:t>，實際僅有</a:t>
-            </a:r>
-            <a:r>
-              <a:rPr lang="en-US" altLang="zh-TW" dirty="0">
-                <a:latin typeface="Noto Sans TC Medium" panose="020B0200000000000000" pitchFamily="34" charset="-128"/>
-                <a:ea typeface="Noto Sans TC Medium" panose="020B0200000000000000" pitchFamily="34" charset="-128"/>
-              </a:rPr>
-              <a:t>【7</a:t>
-            </a:r>
-            <a:r>
-              <a:rPr lang="zh-TW" altLang="en-US" dirty="0">
-                <a:latin typeface="Noto Sans TC Medium" panose="020B0200000000000000" pitchFamily="34" charset="-128"/>
-                <a:ea typeface="Noto Sans TC Medium" panose="020B0200000000000000" pitchFamily="34" charset="-128"/>
-              </a:rPr>
-              <a:t>個聲調</a:t>
-            </a:r>
-            <a:r>
-              <a:rPr lang="en-US" altLang="zh-TW" dirty="0">
-                <a:latin typeface="Noto Sans TC Medium" panose="020B0200000000000000" pitchFamily="34" charset="-128"/>
-                <a:ea typeface="Noto Sans TC Medium" panose="020B0200000000000000" pitchFamily="34" charset="-128"/>
-              </a:rPr>
-              <a:t>】</a:t>
-            </a:r>
-          </a:p>
-          <a:p>
-            <a:pPr marL="285750" indent="-285750">
-              <a:buFont typeface="Arial" panose="020B0604020202020204" pitchFamily="34" charset="0"/>
-              <a:buChar char="•"/>
-            </a:pPr>
-            <a:r>
-              <a:rPr lang="zh-TW" altLang="en-US" dirty="0">
-                <a:latin typeface="Noto Sans TC Medium" panose="020B0200000000000000" pitchFamily="34" charset="-128"/>
-                <a:ea typeface="Noto Sans TC Medium" panose="020B0200000000000000" pitchFamily="34" charset="-128"/>
-              </a:rPr>
-              <a:t>閩南語的八聲調，其</a:t>
-            </a:r>
-            <a:r>
-              <a:rPr lang="en-US" altLang="zh-TW" dirty="0">
-                <a:latin typeface="Noto Sans TC Medium" panose="020B0200000000000000" pitchFamily="34" charset="-128"/>
-                <a:ea typeface="Noto Sans TC Medium" panose="020B0200000000000000" pitchFamily="34" charset="-128"/>
-              </a:rPr>
-              <a:t>【</a:t>
-            </a:r>
-            <a:r>
-              <a:rPr lang="zh-TW" altLang="en-US" dirty="0">
-                <a:latin typeface="Noto Sans TC Medium" panose="020B0200000000000000" pitchFamily="34" charset="-128"/>
-                <a:ea typeface="Noto Sans TC Medium" panose="020B0200000000000000" pitchFamily="34" charset="-128"/>
-              </a:rPr>
-              <a:t>調名</a:t>
-            </a:r>
-            <a:r>
-              <a:rPr lang="en-US" altLang="zh-TW" dirty="0">
-                <a:latin typeface="Noto Sans TC Medium" panose="020B0200000000000000" pitchFamily="34" charset="-128"/>
-                <a:ea typeface="Noto Sans TC Medium" panose="020B0200000000000000" pitchFamily="34" charset="-128"/>
-              </a:rPr>
-              <a:t>】</a:t>
-            </a:r>
-            <a:r>
-              <a:rPr lang="zh-TW" altLang="en-US" dirty="0">
-                <a:latin typeface="Noto Sans TC Medium" panose="020B0200000000000000" pitchFamily="34" charset="-128"/>
-                <a:ea typeface="Noto Sans TC Medium" panose="020B0200000000000000" pitchFamily="34" charset="-128"/>
-              </a:rPr>
-              <a:t>分別為：</a:t>
-            </a:r>
-            <a:endParaRPr lang="en-US" altLang="zh-TW" dirty="0">
-              <a:latin typeface="Noto Sans TC Medium" panose="020B0200000000000000" pitchFamily="34" charset="-128"/>
-              <a:ea typeface="Noto Sans TC Medium" panose="020B0200000000000000" pitchFamily="34" charset="-128"/>
-            </a:endParaRPr>
-          </a:p>
-          <a:p>
-            <a:pPr marL="742950" lvl="1" indent="-285750">
-              <a:buFont typeface="Arial" panose="020B0604020202020204" pitchFamily="34" charset="0"/>
-              <a:buChar char="•"/>
-            </a:pPr>
-            <a:r>
-              <a:rPr lang="zh-TW" altLang="en-US" dirty="0">
-                <a:latin typeface="Noto Sans TC Medium" panose="020B0200000000000000" pitchFamily="34" charset="-128"/>
-                <a:ea typeface="Noto Sans TC Medium" panose="020B0200000000000000" pitchFamily="34" charset="-128"/>
-              </a:rPr>
-              <a:t>陰平、陰上、陰去、陰入；</a:t>
-            </a:r>
-            <a:endParaRPr lang="en-US" altLang="zh-TW" dirty="0">
-              <a:latin typeface="Noto Sans TC Medium" panose="020B0200000000000000" pitchFamily="34" charset="-128"/>
-              <a:ea typeface="Noto Sans TC Medium" panose="020B0200000000000000" pitchFamily="34" charset="-128"/>
-            </a:endParaRPr>
-          </a:p>
-          <a:p>
-            <a:pPr marL="742950" lvl="1" indent="-285750">
-              <a:buFont typeface="Arial" panose="020B0604020202020204" pitchFamily="34" charset="0"/>
-              <a:buChar char="•"/>
-            </a:pPr>
-            <a:r>
-              <a:rPr lang="zh-TW" altLang="en-US" dirty="0">
-                <a:latin typeface="Noto Sans TC Medium" panose="020B0200000000000000" pitchFamily="34" charset="-128"/>
-                <a:ea typeface="Noto Sans TC Medium" panose="020B0200000000000000" pitchFamily="34" charset="-128"/>
-              </a:rPr>
-              <a:t>陽平、陽上、陽去、陽入</a:t>
-            </a:r>
-            <a:endParaRPr lang="en-US" altLang="zh-TW" dirty="0">
-              <a:latin typeface="Noto Sans TC Medium" panose="020B0200000000000000" pitchFamily="34" charset="-128"/>
-              <a:ea typeface="Noto Sans TC Medium" panose="020B0200000000000000" pitchFamily="34" charset="-128"/>
-            </a:endParaRPr>
-          </a:p>
-          <a:p>
-            <a:pPr marL="285750" indent="-285750">
-              <a:buFont typeface="Arial" panose="020B0604020202020204" pitchFamily="34" charset="0"/>
-              <a:buChar char="•"/>
-            </a:pPr>
-            <a:r>
-              <a:rPr lang="zh-TW" altLang="en-US" dirty="0">
-                <a:latin typeface="Noto Sans TC Medium" panose="020B0200000000000000" pitchFamily="34" charset="-128"/>
-                <a:ea typeface="Noto Sans TC Medium" panose="020B0200000000000000" pitchFamily="34" charset="-128"/>
-              </a:rPr>
-              <a:t>在</a:t>
-            </a:r>
-            <a:r>
-              <a:rPr lang="en-US" altLang="zh-TW" dirty="0">
-                <a:latin typeface="Noto Sans TC Medium" panose="020B0200000000000000" pitchFamily="34" charset="-128"/>
-                <a:ea typeface="Noto Sans TC Medium" panose="020B0200000000000000" pitchFamily="34" charset="-128"/>
-              </a:rPr>
-              <a:t>【</a:t>
-            </a:r>
-            <a:r>
-              <a:rPr lang="zh-TW" altLang="en-US" dirty="0">
-                <a:latin typeface="Noto Sans TC Medium" panose="020B0200000000000000" pitchFamily="34" charset="-128"/>
-                <a:ea typeface="Noto Sans TC Medium" panose="020B0200000000000000" pitchFamily="34" charset="-128"/>
-              </a:rPr>
-              <a:t>漳州</a:t>
-            </a:r>
-            <a:r>
-              <a:rPr lang="en-US" altLang="zh-TW" dirty="0">
-                <a:latin typeface="Noto Sans TC Medium" panose="020B0200000000000000" pitchFamily="34" charset="-128"/>
-                <a:ea typeface="Noto Sans TC Medium" panose="020B0200000000000000" pitchFamily="34" charset="-128"/>
-              </a:rPr>
-              <a:t>/</a:t>
-            </a:r>
-            <a:r>
-              <a:rPr lang="zh-TW" altLang="en-US" dirty="0">
-                <a:latin typeface="Noto Sans TC Medium" panose="020B0200000000000000" pitchFamily="34" charset="-128"/>
-                <a:ea typeface="Noto Sans TC Medium" panose="020B0200000000000000" pitchFamily="34" charset="-128"/>
-              </a:rPr>
-              <a:t>廈門</a:t>
-            </a:r>
-            <a:r>
-              <a:rPr lang="en-US" altLang="zh-TW" dirty="0">
-                <a:latin typeface="Noto Sans TC Medium" panose="020B0200000000000000" pitchFamily="34" charset="-128"/>
-                <a:ea typeface="Noto Sans TC Medium" panose="020B0200000000000000" pitchFamily="34" charset="-128"/>
-              </a:rPr>
-              <a:t>/</a:t>
-            </a:r>
-            <a:r>
-              <a:rPr lang="zh-TW" altLang="en-US" dirty="0">
-                <a:latin typeface="Noto Sans TC Medium" panose="020B0200000000000000" pitchFamily="34" charset="-128"/>
-                <a:ea typeface="Noto Sans TC Medium" panose="020B0200000000000000" pitchFamily="34" charset="-128"/>
-              </a:rPr>
-              <a:t>台灣</a:t>
-            </a:r>
-            <a:r>
-              <a:rPr lang="en-US" altLang="zh-TW" dirty="0">
-                <a:latin typeface="Noto Sans TC Medium" panose="020B0200000000000000" pitchFamily="34" charset="-128"/>
-                <a:ea typeface="Noto Sans TC Medium" panose="020B0200000000000000" pitchFamily="34" charset="-128"/>
-              </a:rPr>
-              <a:t>】</a:t>
-            </a:r>
-            <a:r>
-              <a:rPr lang="zh-TW" altLang="en-US" dirty="0">
-                <a:latin typeface="Noto Sans TC Medium" panose="020B0200000000000000" pitchFamily="34" charset="-128"/>
-                <a:ea typeface="Noto Sans TC Medium" panose="020B0200000000000000" pitchFamily="34" charset="-128"/>
-              </a:rPr>
-              <a:t>之地方腔，己無</a:t>
-            </a:r>
-            <a:r>
-              <a:rPr lang="en-US" altLang="zh-TW" dirty="0">
-                <a:latin typeface="Noto Sans TC Medium" panose="020B0200000000000000" pitchFamily="34" charset="-128"/>
-                <a:ea typeface="Noto Sans TC Medium" panose="020B0200000000000000" pitchFamily="34" charset="-128"/>
-              </a:rPr>
-              <a:t>【</a:t>
-            </a:r>
-            <a:r>
-              <a:rPr lang="zh-TW" altLang="en-US" dirty="0">
-                <a:latin typeface="Noto Sans TC Medium" panose="020B0200000000000000" pitchFamily="34" charset="-128"/>
-                <a:ea typeface="Noto Sans TC Medium" panose="020B0200000000000000" pitchFamily="34" charset="-128"/>
-              </a:rPr>
-              <a:t>陽上</a:t>
-            </a:r>
-            <a:r>
-              <a:rPr lang="en-US" altLang="zh-TW" dirty="0">
-                <a:latin typeface="Noto Sans TC Medium" panose="020B0200000000000000" pitchFamily="34" charset="-128"/>
-                <a:ea typeface="Noto Sans TC Medium" panose="020B0200000000000000" pitchFamily="34" charset="-128"/>
-              </a:rPr>
-              <a:t>】</a:t>
-            </a:r>
-            <a:r>
-              <a:rPr lang="zh-TW" altLang="en-US" dirty="0">
-                <a:latin typeface="Noto Sans TC Medium" panose="020B0200000000000000" pitchFamily="34" charset="-128"/>
-                <a:ea typeface="Noto Sans TC Medium" panose="020B0200000000000000" pitchFamily="34" charset="-128"/>
-              </a:rPr>
-              <a:t>調，故有些人將</a:t>
-            </a:r>
-            <a:r>
-              <a:rPr lang="en-US" altLang="zh-TW" dirty="0">
-                <a:latin typeface="Noto Sans TC Medium" panose="020B0200000000000000" pitchFamily="34" charset="-128"/>
-                <a:ea typeface="Noto Sans TC Medium" panose="020B0200000000000000" pitchFamily="34" charset="-128"/>
-              </a:rPr>
-              <a:t>【</a:t>
-            </a:r>
-            <a:r>
-              <a:rPr lang="zh-TW" altLang="en-US" dirty="0">
-                <a:latin typeface="Noto Sans TC Medium" panose="020B0200000000000000" pitchFamily="34" charset="-128"/>
-                <a:ea typeface="Noto Sans TC Medium" panose="020B0200000000000000" pitchFamily="34" charset="-128"/>
-              </a:rPr>
-              <a:t>陰上</a:t>
-            </a:r>
-            <a:r>
-              <a:rPr lang="en-US" altLang="zh-TW" dirty="0">
-                <a:latin typeface="Noto Sans TC Medium" panose="020B0200000000000000" pitchFamily="34" charset="-128"/>
-                <a:ea typeface="Noto Sans TC Medium" panose="020B0200000000000000" pitchFamily="34" charset="-128"/>
-              </a:rPr>
-              <a:t>】</a:t>
-            </a:r>
-            <a:r>
-              <a:rPr lang="zh-TW" altLang="en-US" dirty="0">
-                <a:latin typeface="Noto Sans TC Medium" panose="020B0200000000000000" pitchFamily="34" charset="-128"/>
-                <a:ea typeface="Noto Sans TC Medium" panose="020B0200000000000000" pitchFamily="34" charset="-128"/>
-              </a:rPr>
-              <a:t>、</a:t>
-            </a:r>
-            <a:r>
-              <a:rPr lang="en-US" altLang="zh-TW" dirty="0">
-                <a:latin typeface="Noto Sans TC Medium" panose="020B0200000000000000" pitchFamily="34" charset="-128"/>
-                <a:ea typeface="Noto Sans TC Medium" panose="020B0200000000000000" pitchFamily="34" charset="-128"/>
-              </a:rPr>
-              <a:t> 【</a:t>
-            </a:r>
-            <a:r>
-              <a:rPr lang="zh-TW" altLang="en-US" dirty="0">
-                <a:latin typeface="Noto Sans TC Medium" panose="020B0200000000000000" pitchFamily="34" charset="-128"/>
-                <a:ea typeface="Noto Sans TC Medium" panose="020B0200000000000000" pitchFamily="34" charset="-128"/>
-              </a:rPr>
-              <a:t>陽上</a:t>
-            </a:r>
-            <a:r>
-              <a:rPr lang="en-US" altLang="zh-TW" dirty="0">
-                <a:latin typeface="Noto Sans TC Medium" panose="020B0200000000000000" pitchFamily="34" charset="-128"/>
-                <a:ea typeface="Noto Sans TC Medium" panose="020B0200000000000000" pitchFamily="34" charset="-128"/>
-              </a:rPr>
-              <a:t>】</a:t>
-            </a:r>
-            <a:r>
-              <a:rPr lang="zh-TW" altLang="en-US" dirty="0">
-                <a:latin typeface="Noto Sans TC Medium" panose="020B0200000000000000" pitchFamily="34" charset="-128"/>
-                <a:ea typeface="Noto Sans TC Medium" panose="020B0200000000000000" pitchFamily="34" charset="-128"/>
-              </a:rPr>
-              <a:t>，統稱為：</a:t>
-            </a:r>
-            <a:r>
-              <a:rPr lang="en-US" altLang="zh-TW" dirty="0">
-                <a:latin typeface="Noto Sans TC Medium" panose="020B0200000000000000" pitchFamily="34" charset="-128"/>
-                <a:ea typeface="Noto Sans TC Medium" panose="020B0200000000000000" pitchFamily="34" charset="-128"/>
-              </a:rPr>
-              <a:t>【</a:t>
-            </a:r>
-            <a:r>
-              <a:rPr lang="zh-TW" altLang="en-US" dirty="0">
-                <a:latin typeface="Noto Sans TC Medium" panose="020B0200000000000000" pitchFamily="34" charset="-128"/>
-                <a:ea typeface="Noto Sans TC Medium" panose="020B0200000000000000" pitchFamily="34" charset="-128"/>
-              </a:rPr>
-              <a:t>上聲</a:t>
-            </a:r>
-            <a:r>
-              <a:rPr lang="en-US" altLang="zh-TW" dirty="0">
-                <a:latin typeface="Noto Sans TC Medium" panose="020B0200000000000000" pitchFamily="34" charset="-128"/>
-                <a:ea typeface="Noto Sans TC Medium" panose="020B0200000000000000" pitchFamily="34" charset="-128"/>
-              </a:rPr>
-              <a:t>】</a:t>
-            </a:r>
-            <a:r>
-              <a:rPr lang="zh-TW" altLang="en-US" dirty="0">
-                <a:latin typeface="Noto Sans TC Medium" panose="020B0200000000000000" pitchFamily="34" charset="-128"/>
-                <a:ea typeface="Noto Sans TC Medium" panose="020B0200000000000000" pitchFamily="34" charset="-128"/>
-              </a:rPr>
-              <a:t>調；</a:t>
-            </a:r>
-            <a:endParaRPr lang="en-US" altLang="zh-TW" dirty="0">
-              <a:latin typeface="Noto Sans TC Medium" panose="020B0200000000000000" pitchFamily="34" charset="-128"/>
-              <a:ea typeface="Noto Sans TC Medium" panose="020B0200000000000000" pitchFamily="34" charset="-128"/>
-            </a:endParaRPr>
-          </a:p>
-          <a:p>
-            <a:pPr marL="285750" indent="-285750">
-              <a:buFont typeface="Arial" panose="020B0604020202020204" pitchFamily="34" charset="0"/>
-              <a:buChar char="•"/>
-            </a:pPr>
-            <a:r>
-              <a:rPr lang="zh-TW" altLang="en-US" dirty="0">
-                <a:latin typeface="Noto Sans TC Medium" panose="020B0200000000000000" pitchFamily="34" charset="-128"/>
-                <a:ea typeface="Noto Sans TC Medium" panose="020B0200000000000000" pitchFamily="34" charset="-128"/>
-              </a:rPr>
-              <a:t>台羅拼音標示</a:t>
-            </a:r>
-            <a:r>
-              <a:rPr lang="en-US" altLang="zh-TW" dirty="0">
-                <a:latin typeface="Noto Sans TC Medium" panose="020B0200000000000000" pitchFamily="34" charset="-128"/>
-                <a:ea typeface="Noto Sans TC Medium" panose="020B0200000000000000" pitchFamily="34" charset="-128"/>
-              </a:rPr>
-              <a:t>【</a:t>
-            </a:r>
-            <a:r>
-              <a:rPr lang="zh-TW" altLang="en-US" dirty="0">
-                <a:latin typeface="Noto Sans TC Medium" panose="020B0200000000000000" pitchFamily="34" charset="-128"/>
-                <a:ea typeface="Noto Sans TC Medium" panose="020B0200000000000000" pitchFamily="34" charset="-128"/>
-              </a:rPr>
-              <a:t>聲調</a:t>
-            </a:r>
-            <a:r>
-              <a:rPr lang="en-US" altLang="zh-TW" dirty="0">
-                <a:latin typeface="Noto Sans TC Medium" panose="020B0200000000000000" pitchFamily="34" charset="-128"/>
-                <a:ea typeface="Noto Sans TC Medium" panose="020B0200000000000000" pitchFamily="34" charset="-128"/>
-              </a:rPr>
-              <a:t>】</a:t>
-            </a:r>
-            <a:r>
-              <a:rPr lang="zh-TW" altLang="en-US" dirty="0">
-                <a:latin typeface="Noto Sans TC Medium" panose="020B0200000000000000" pitchFamily="34" charset="-128"/>
-                <a:ea typeface="Noto Sans TC Medium" panose="020B0200000000000000" pitchFamily="34" charset="-128"/>
-              </a:rPr>
-              <a:t>，標準用</a:t>
-            </a:r>
-            <a:r>
-              <a:rPr lang="en-US" altLang="zh-TW" dirty="0">
-                <a:latin typeface="Noto Sans TC Medium" panose="020B0200000000000000" pitchFamily="34" charset="-128"/>
-                <a:ea typeface="Noto Sans TC Medium" panose="020B0200000000000000" pitchFamily="34" charset="-128"/>
-              </a:rPr>
-              <a:t>【</a:t>
-            </a:r>
-            <a:r>
-              <a:rPr lang="zh-TW" altLang="en-US" dirty="0">
-                <a:latin typeface="Noto Sans TC Medium" panose="020B0200000000000000" pitchFamily="34" charset="-128"/>
-                <a:ea typeface="Noto Sans TC Medium" panose="020B0200000000000000" pitchFamily="34" charset="-128"/>
-              </a:rPr>
-              <a:t>調符</a:t>
-            </a:r>
-            <a:r>
-              <a:rPr lang="en-US" altLang="zh-TW" dirty="0">
-                <a:latin typeface="Noto Sans TC Medium" panose="020B0200000000000000" pitchFamily="34" charset="-128"/>
-                <a:ea typeface="Noto Sans TC Medium" panose="020B0200000000000000" pitchFamily="34" charset="-128"/>
-              </a:rPr>
-              <a:t>】</a:t>
-            </a:r>
-            <a:r>
-              <a:rPr lang="zh-TW" altLang="en-US" dirty="0">
-                <a:latin typeface="Noto Sans TC Medium" panose="020B0200000000000000" pitchFamily="34" charset="-128"/>
-                <a:ea typeface="Noto Sans TC Medium" panose="020B0200000000000000" pitchFamily="34" charset="-128"/>
-              </a:rPr>
-              <a:t>（聲調符號）（與</a:t>
-            </a:r>
-            <a:r>
-              <a:rPr lang="en-US" altLang="zh-TW" dirty="0">
-                <a:latin typeface="Noto Sans TC Medium" panose="020B0200000000000000" pitchFamily="34" charset="-128"/>
-                <a:ea typeface="Noto Sans TC Medium" panose="020B0200000000000000" pitchFamily="34" charset="-128"/>
-              </a:rPr>
-              <a:t>【</a:t>
-            </a:r>
-            <a:r>
-              <a:rPr lang="zh-TW" altLang="en-US" dirty="0">
-                <a:latin typeface="Noto Sans TC Medium" panose="020B0200000000000000" pitchFamily="34" charset="-128"/>
-                <a:ea typeface="Noto Sans TC Medium" panose="020B0200000000000000" pitchFamily="34" charset="-128"/>
-              </a:rPr>
-              <a:t>白話字</a:t>
-            </a:r>
-            <a:r>
-              <a:rPr lang="en-US" altLang="zh-TW" dirty="0">
-                <a:latin typeface="Noto Sans TC Medium" panose="020B0200000000000000" pitchFamily="34" charset="-128"/>
-                <a:ea typeface="Noto Sans TC Medium" panose="020B0200000000000000" pitchFamily="34" charset="-128"/>
-              </a:rPr>
-              <a:t>】</a:t>
-            </a:r>
-            <a:r>
-              <a:rPr lang="zh-TW" altLang="en-US" dirty="0">
-                <a:latin typeface="Noto Sans TC Medium" panose="020B0200000000000000" pitchFamily="34" charset="-128"/>
-                <a:ea typeface="Noto Sans TC Medium" panose="020B0200000000000000" pitchFamily="34" charset="-128"/>
-              </a:rPr>
-              <a:t>同）；</a:t>
-            </a:r>
-            <a:endParaRPr lang="en-US" altLang="zh-TW" dirty="0">
-              <a:latin typeface="Noto Sans TC Medium" panose="020B0200000000000000" pitchFamily="34" charset="-128"/>
-              <a:ea typeface="Noto Sans TC Medium" panose="020B0200000000000000" pitchFamily="34" charset="-128"/>
-            </a:endParaRPr>
-          </a:p>
-          <a:p>
-            <a:pPr marL="285750" indent="-285750">
-              <a:buFont typeface="Arial" panose="020B0604020202020204" pitchFamily="34" charset="0"/>
-              <a:buChar char="•"/>
-            </a:pPr>
-            <a:r>
-              <a:rPr lang="zh-TW" altLang="en-US" dirty="0">
-                <a:latin typeface="Noto Sans TC Medium" panose="020B0200000000000000" pitchFamily="34" charset="-128"/>
-                <a:ea typeface="Noto Sans TC Medium" panose="020B0200000000000000" pitchFamily="34" charset="-128"/>
-              </a:rPr>
-              <a:t>顧及電腦輸入之便利性，亦可使用</a:t>
-            </a:r>
-            <a:r>
-              <a:rPr lang="en-US" altLang="zh-TW" dirty="0">
-                <a:latin typeface="Noto Sans TC Medium" panose="020B0200000000000000" pitchFamily="34" charset="-128"/>
-                <a:ea typeface="Noto Sans TC Medium" panose="020B0200000000000000" pitchFamily="34" charset="-128"/>
-              </a:rPr>
-              <a:t>【</a:t>
-            </a:r>
-            <a:r>
-              <a:rPr lang="zh-TW" altLang="en-US" dirty="0">
-                <a:latin typeface="Noto Sans TC Medium" panose="020B0200000000000000" pitchFamily="34" charset="-128"/>
-                <a:ea typeface="Noto Sans TC Medium" panose="020B0200000000000000" pitchFamily="34" charset="-128"/>
-              </a:rPr>
-              <a:t>調號</a:t>
-            </a:r>
-            <a:r>
-              <a:rPr lang="en-US" altLang="zh-TW" dirty="0">
-                <a:latin typeface="Noto Sans TC Medium" panose="020B0200000000000000" pitchFamily="34" charset="-128"/>
-                <a:ea typeface="Noto Sans TC Medium" panose="020B0200000000000000" pitchFamily="34" charset="-128"/>
-              </a:rPr>
-              <a:t>】</a:t>
-            </a:r>
-            <a:r>
-              <a:rPr lang="zh-TW" altLang="en-US" dirty="0">
-                <a:latin typeface="Noto Sans TC Medium" panose="020B0200000000000000" pitchFamily="34" charset="-128"/>
-                <a:ea typeface="Noto Sans TC Medium" panose="020B0200000000000000" pitchFamily="34" charset="-128"/>
-              </a:rPr>
-              <a:t>（數值）代替；</a:t>
-            </a:r>
-            <a:r>
-              <a:rPr lang="en-US" altLang="zh-TW" dirty="0">
-                <a:latin typeface="Noto Sans TC Medium" panose="020B0200000000000000" pitchFamily="34" charset="-128"/>
-                <a:ea typeface="Noto Sans TC Medium" panose="020B0200000000000000" pitchFamily="34" charset="-128"/>
-              </a:rPr>
-              <a:t>【</a:t>
-            </a:r>
-            <a:r>
-              <a:rPr lang="zh-TW" altLang="en-US" dirty="0">
-                <a:latin typeface="Noto Sans TC Medium" panose="020B0200000000000000" pitchFamily="34" charset="-128"/>
-                <a:ea typeface="Noto Sans TC Medium" panose="020B0200000000000000" pitchFamily="34" charset="-128"/>
-              </a:rPr>
-              <a:t>陰平</a:t>
-            </a:r>
-            <a:r>
-              <a:rPr lang="en-US" altLang="zh-TW" dirty="0">
-                <a:latin typeface="Noto Sans TC Medium" panose="020B0200000000000000" pitchFamily="34" charset="-128"/>
-                <a:ea typeface="Noto Sans TC Medium" panose="020B0200000000000000" pitchFamily="34" charset="-128"/>
-              </a:rPr>
-              <a:t>】</a:t>
-            </a:r>
-            <a:r>
-              <a:rPr lang="zh-TW" altLang="en-US" dirty="0">
-                <a:latin typeface="Noto Sans TC Medium" panose="020B0200000000000000" pitchFamily="34" charset="-128"/>
-                <a:ea typeface="Noto Sans TC Medium" panose="020B0200000000000000" pitchFamily="34" charset="-128"/>
-              </a:rPr>
-              <a:t>之調號</a:t>
-            </a:r>
-            <a:r>
-              <a:rPr lang="en-US" altLang="zh-TW" dirty="0">
-                <a:latin typeface="Noto Sans TC Medium" panose="020B0200000000000000" pitchFamily="34" charset="-128"/>
-                <a:ea typeface="Noto Sans TC Medium" panose="020B0200000000000000" pitchFamily="34" charset="-128"/>
-              </a:rPr>
-              <a:t>【1】</a:t>
-            </a:r>
-            <a:r>
-              <a:rPr lang="zh-TW" altLang="en-US" dirty="0">
-                <a:latin typeface="Noto Sans TC Medium" panose="020B0200000000000000" pitchFamily="34" charset="-128"/>
-                <a:ea typeface="Noto Sans TC Medium" panose="020B0200000000000000" pitchFamily="34" charset="-128"/>
-              </a:rPr>
-              <a:t>，與</a:t>
-            </a:r>
-            <a:r>
-              <a:rPr lang="en-US" altLang="zh-TW" dirty="0">
-                <a:latin typeface="Noto Sans TC Medium" panose="020B0200000000000000" pitchFamily="34" charset="-128"/>
-                <a:ea typeface="Noto Sans TC Medium" panose="020B0200000000000000" pitchFamily="34" charset="-128"/>
-              </a:rPr>
-              <a:t>【</a:t>
-            </a:r>
-            <a:r>
-              <a:rPr lang="zh-TW" altLang="en-US" dirty="0">
-                <a:latin typeface="Noto Sans TC Medium" panose="020B0200000000000000" pitchFamily="34" charset="-128"/>
-                <a:ea typeface="Noto Sans TC Medium" panose="020B0200000000000000" pitchFamily="34" charset="-128"/>
-              </a:rPr>
-              <a:t>陰入</a:t>
-            </a:r>
-            <a:r>
-              <a:rPr lang="en-US" altLang="zh-TW" dirty="0">
-                <a:latin typeface="Noto Sans TC Medium" panose="020B0200000000000000" pitchFamily="34" charset="-128"/>
-                <a:ea typeface="Noto Sans TC Medium" panose="020B0200000000000000" pitchFamily="34" charset="-128"/>
-              </a:rPr>
-              <a:t>】</a:t>
-            </a:r>
-            <a:r>
-              <a:rPr lang="zh-TW" altLang="en-US" dirty="0">
-                <a:latin typeface="Noto Sans TC Medium" panose="020B0200000000000000" pitchFamily="34" charset="-128"/>
-                <a:ea typeface="Noto Sans TC Medium" panose="020B0200000000000000" pitchFamily="34" charset="-128"/>
-              </a:rPr>
-              <a:t>之調號</a:t>
-            </a:r>
-            <a:r>
-              <a:rPr lang="en-US" altLang="zh-TW" dirty="0">
-                <a:latin typeface="Noto Sans TC Medium" panose="020B0200000000000000" pitchFamily="34" charset="-128"/>
-                <a:ea typeface="Noto Sans TC Medium" panose="020B0200000000000000" pitchFamily="34" charset="-128"/>
-              </a:rPr>
-              <a:t>【4】</a:t>
-            </a:r>
-            <a:r>
-              <a:rPr lang="zh-TW" altLang="en-US" dirty="0">
-                <a:latin typeface="Noto Sans TC Medium" panose="020B0200000000000000" pitchFamily="34" charset="-128"/>
-                <a:ea typeface="Noto Sans TC Medium" panose="020B0200000000000000" pitchFamily="34" charset="-128"/>
-              </a:rPr>
-              <a:t>，允許省略不標示。</a:t>
-            </a:r>
-          </a:p>
-        </p:txBody>
-      </p:sp>
-      <p:pic>
-        <p:nvPicPr>
-          <p:cNvPr id="14" name="圖片 13">
-            <a:extLst>
-              <a:ext uri="{FF2B5EF4-FFF2-40B4-BE49-F238E27FC236}">
-                <a16:creationId xmlns:a16="http://schemas.microsoft.com/office/drawing/2014/main" id="{1A37D72A-40E3-8A58-1EAE-86E84FE68F56}"/>
-              </a:ext>
-            </a:extLst>
-          </p:cNvPr>
-          <p:cNvPicPr>
-            <a:picLocks noChangeAspect="1"/>
-          </p:cNvPicPr>
-          <p:nvPr/>
-        </p:nvPicPr>
-        <p:blipFill>
-          <a:blip r:embed="rId2"/>
-          <a:stretch>
-            <a:fillRect/>
-          </a:stretch>
-        </p:blipFill>
-        <p:spPr>
-          <a:xfrm>
-            <a:off x="735259" y="5385264"/>
-            <a:ext cx="5429601" cy="4875461"/>
-          </a:xfrm>
-          <a:prstGeom prst="rect">
-            <a:avLst/>
-          </a:prstGeom>
-        </p:spPr>
-      </p:pic>
-    </p:spTree>
-    <p:extLst>
-      <p:ext uri="{BB962C8B-B14F-4D97-AF65-F5344CB8AC3E}">
-        <p14:creationId xmlns:p14="http://schemas.microsoft.com/office/powerpoint/2010/main" val="2885367717"/>
       </p:ext>
     </p:extLst>
   </p:cSld>

--- a/Documents/十五音教材/閩南語之四聲八調與變調規則.pptx
+++ b/Documents/十五音教材/閩南語之四聲八調與變調規則.pptx
@@ -241,7 +241,7 @@
           <a:p>
             <a:fld id="{75388558-F828-4BF6-B408-79D0AC865840}" type="datetimeFigureOut">
               <a:rPr lang="zh-TW" altLang="en-US" smtClean="0"/>
-              <a:t>2025/7/28</a:t>
+              <a:t>2025/10/6</a:t>
             </a:fld>
             <a:endParaRPr lang="zh-TW" altLang="en-US"/>
           </a:p>
@@ -2706,7 +2706,7 @@
           <a:p>
             <a:fld id="{E5BB4C20-2C23-4F1D-9433-4A3CB5968FD6}" type="datetimeFigureOut">
               <a:rPr lang="zh-TW" altLang="en-US" smtClean="0"/>
-              <a:t>2025/7/28</a:t>
+              <a:t>2025/10/6</a:t>
             </a:fld>
             <a:endParaRPr lang="zh-TW" altLang="en-US"/>
           </a:p>
@@ -2892,7 +2892,7 @@
           <a:p>
             <a:fld id="{E5BB4C20-2C23-4F1D-9433-4A3CB5968FD6}" type="datetimeFigureOut">
               <a:rPr lang="zh-TW" altLang="en-US" smtClean="0"/>
-              <a:t>2025/7/28</a:t>
+              <a:t>2025/10/6</a:t>
             </a:fld>
             <a:endParaRPr lang="zh-TW" altLang="en-US"/>
           </a:p>
@@ -3088,7 +3088,7 @@
           <a:p>
             <a:fld id="{E5BB4C20-2C23-4F1D-9433-4A3CB5968FD6}" type="datetimeFigureOut">
               <a:rPr lang="zh-TW" altLang="en-US" smtClean="0"/>
-              <a:t>2025/7/28</a:t>
+              <a:t>2025/10/6</a:t>
             </a:fld>
             <a:endParaRPr lang="zh-TW" altLang="en-US"/>
           </a:p>
@@ -3740,7 +3740,7 @@
           <a:p>
             <a:fld id="{E5BB4C20-2C23-4F1D-9433-4A3CB5968FD6}" type="datetimeFigureOut">
               <a:rPr lang="zh-TW" altLang="en-US" smtClean="0"/>
-              <a:t>2025/7/28</a:t>
+              <a:t>2025/10/6</a:t>
             </a:fld>
             <a:endParaRPr lang="zh-TW" altLang="en-US"/>
           </a:p>
@@ -3986,7 +3986,7 @@
           <a:p>
             <a:fld id="{E5BB4C20-2C23-4F1D-9433-4A3CB5968FD6}" type="datetimeFigureOut">
               <a:rPr lang="zh-TW" altLang="en-US" smtClean="0"/>
-              <a:t>2025/7/28</a:t>
+              <a:t>2025/10/6</a:t>
             </a:fld>
             <a:endParaRPr lang="zh-TW" altLang="en-US"/>
           </a:p>
@@ -4218,7 +4218,7 @@
           <a:p>
             <a:fld id="{E5BB4C20-2C23-4F1D-9433-4A3CB5968FD6}" type="datetimeFigureOut">
               <a:rPr lang="zh-TW" altLang="en-US" smtClean="0"/>
-              <a:t>2025/7/28</a:t>
+              <a:t>2025/10/6</a:t>
             </a:fld>
             <a:endParaRPr lang="zh-TW" altLang="en-US"/>
           </a:p>
@@ -4585,7 +4585,7 @@
           <a:p>
             <a:fld id="{E5BB4C20-2C23-4F1D-9433-4A3CB5968FD6}" type="datetimeFigureOut">
               <a:rPr lang="zh-TW" altLang="en-US" smtClean="0"/>
-              <a:t>2025/7/28</a:t>
+              <a:t>2025/10/6</a:t>
             </a:fld>
             <a:endParaRPr lang="zh-TW" altLang="en-US"/>
           </a:p>
@@ -4703,7 +4703,7 @@
           <a:p>
             <a:fld id="{E5BB4C20-2C23-4F1D-9433-4A3CB5968FD6}" type="datetimeFigureOut">
               <a:rPr lang="zh-TW" altLang="en-US" smtClean="0"/>
-              <a:t>2025/7/28</a:t>
+              <a:t>2025/10/6</a:t>
             </a:fld>
             <a:endParaRPr lang="zh-TW" altLang="en-US"/>
           </a:p>
@@ -4814,7 +4814,7 @@
           <a:p>
             <a:fld id="{E5BB4C20-2C23-4F1D-9433-4A3CB5968FD6}" type="datetimeFigureOut">
               <a:rPr lang="zh-TW" altLang="en-US" smtClean="0"/>
-              <a:t>2025/7/28</a:t>
+              <a:t>2025/10/6</a:t>
             </a:fld>
             <a:endParaRPr lang="zh-TW" altLang="en-US"/>
           </a:p>
@@ -5203,7 +5203,7 @@
           <a:p>
             <a:fld id="{E5BB4C20-2C23-4F1D-9433-4A3CB5968FD6}" type="datetimeFigureOut">
               <a:rPr lang="zh-TW" altLang="en-US" smtClean="0"/>
-              <a:t>2025/7/28</a:t>
+              <a:t>2025/10/6</a:t>
             </a:fld>
             <a:endParaRPr lang="zh-TW" altLang="en-US"/>
           </a:p>
@@ -5476,7 +5476,7 @@
           <a:p>
             <a:fld id="{E5BB4C20-2C23-4F1D-9433-4A3CB5968FD6}" type="datetimeFigureOut">
               <a:rPr lang="zh-TW" altLang="en-US" smtClean="0"/>
-              <a:t>2025/7/28</a:t>
+              <a:t>2025/10/6</a:t>
             </a:fld>
             <a:endParaRPr lang="zh-TW" altLang="en-US"/>
           </a:p>
@@ -5705,7 +5705,7 @@
           <a:p>
             <a:fld id="{E5BB4C20-2C23-4F1D-9433-4A3CB5968FD6}" type="datetimeFigureOut">
               <a:rPr lang="zh-TW" altLang="en-US" smtClean="0"/>
-              <a:t>2025/7/28</a:t>
+              <a:t>2025/10/6</a:t>
             </a:fld>
             <a:endParaRPr lang="zh-TW" altLang="en-US"/>
           </a:p>
@@ -7350,10 +7350,10 @@
       </p:sp>
       <p:pic>
         <p:nvPicPr>
-          <p:cNvPr id="3" name="圖片 2">
+          <p:cNvPr id="4" name="圖片 3">
             <a:extLst>
               <a:ext uri="{FF2B5EF4-FFF2-40B4-BE49-F238E27FC236}">
-                <a16:creationId xmlns:a16="http://schemas.microsoft.com/office/drawing/2014/main" id="{03AD46BB-BE86-48E6-8D57-7AA089E40B97}"/>
+                <a16:creationId xmlns:a16="http://schemas.microsoft.com/office/drawing/2014/main" id="{E551D755-1A0B-9283-E1F8-F1FDC38DD796}"/>
               </a:ext>
             </a:extLst>
           </p:cNvPr>
@@ -7370,8 +7370,8 @@
         </p:blipFill>
         <p:spPr>
           <a:xfrm>
-            <a:off x="-91177" y="8151984"/>
-            <a:ext cx="6866909" cy="3797308"/>
+            <a:off x="441325" y="2482850"/>
+            <a:ext cx="5810250" cy="4219575"/>
           </a:xfrm>
           <a:prstGeom prst="rect">
             <a:avLst/>
@@ -7380,10 +7380,10 @@
       </p:pic>
       <p:pic>
         <p:nvPicPr>
-          <p:cNvPr id="4" name="圖片 3">
+          <p:cNvPr id="5" name="圖片 4" descr="一張含有 文字, 行, 螢幕擷取畫面, 圖表 的圖片&#10;&#10;AI 產生的內容可能不正確。">
             <a:extLst>
               <a:ext uri="{FF2B5EF4-FFF2-40B4-BE49-F238E27FC236}">
-                <a16:creationId xmlns:a16="http://schemas.microsoft.com/office/drawing/2014/main" id="{E551D755-1A0B-9283-E1F8-F1FDC38DD796}"/>
+                <a16:creationId xmlns:a16="http://schemas.microsoft.com/office/drawing/2014/main" id="{BD26EB20-4BCE-8B16-A05B-427783E6D765}"/>
               </a:ext>
             </a:extLst>
           </p:cNvPr>
@@ -7393,15 +7393,21 @@
           <p:nvPr/>
         </p:nvPicPr>
         <p:blipFill>
-          <a:blip r:embed="rId4"/>
+          <a:blip r:embed="rId4">
+            <a:extLst>
+              <a:ext uri="{28A0092B-C50C-407E-A947-70E740481C1C}">
+                <a14:useLocalDpi xmlns:a14="http://schemas.microsoft.com/office/drawing/2010/main" val="0"/>
+              </a:ext>
+            </a:extLst>
+          </a:blip>
           <a:stretch>
             <a:fillRect/>
           </a:stretch>
         </p:blipFill>
         <p:spPr>
           <a:xfrm>
-            <a:off x="441325" y="2482850"/>
-            <a:ext cx="5810250" cy="4219575"/>
+            <a:off x="0" y="7072490"/>
+            <a:ext cx="6858000" cy="3857625"/>
           </a:xfrm>
           <a:prstGeom prst="rect">
             <a:avLst/>
@@ -9129,7 +9135,7 @@
                 <a:latin typeface="Noto Sans TC Medium" panose="020B0200000000000000" pitchFamily="34" charset="-128"/>
                 <a:ea typeface="Noto Sans TC Medium" panose="020B0200000000000000" pitchFamily="34" charset="-128"/>
               </a:rPr>
-              <a:t>低入升高入</a:t>
+              <a:t>低促升高促</a:t>
             </a:r>
             <a:r>
               <a:rPr lang="en-US" altLang="zh-TW" dirty="0">
@@ -9205,7 +9211,7 @@
                 <a:latin typeface="Noto Sans TC Medium" panose="020B0200000000000000" pitchFamily="34" charset="-128"/>
                 <a:ea typeface="Noto Sans TC Medium" panose="020B0200000000000000" pitchFamily="34" charset="-128"/>
               </a:rPr>
-              <a:t>高入降低入</a:t>
+              <a:t>高促降低促</a:t>
             </a:r>
             <a:r>
               <a:rPr lang="en-US" altLang="zh-TW" dirty="0">
@@ -9313,7 +9319,7 @@
                 <a:latin typeface="Noto Sans TC Medium" panose="020B0200000000000000" pitchFamily="34" charset="-128"/>
                 <a:ea typeface="Noto Sans TC Medium" panose="020B0200000000000000" pitchFamily="34" charset="-128"/>
               </a:rPr>
-              <a:t>低入變高降</a:t>
+              <a:t>低促變高降</a:t>
             </a:r>
             <a:r>
               <a:rPr lang="en-US" altLang="zh-TW" dirty="0">
@@ -9389,7 +9395,7 @@
                 <a:latin typeface="Noto Sans TC Medium" panose="020B0200000000000000" pitchFamily="34" charset="-128"/>
                 <a:ea typeface="Noto Sans TC Medium" panose="020B0200000000000000" pitchFamily="34" charset="-128"/>
               </a:rPr>
-              <a:t>高入變低音</a:t>
+              <a:t>高促變低音</a:t>
             </a:r>
             <a:r>
               <a:rPr lang="en-US" altLang="zh-TW" dirty="0">
@@ -9466,10 +9472,10 @@
       </p:sp>
       <p:pic>
         <p:nvPicPr>
-          <p:cNvPr id="23" name="圖片 22">
+          <p:cNvPr id="3" name="圖片 2" descr="一張含有 文字, 行, 螢幕擷取畫面, 圖表 的圖片&#10;&#10;AI 產生的內容可能不正確。">
             <a:extLst>
               <a:ext uri="{FF2B5EF4-FFF2-40B4-BE49-F238E27FC236}">
-                <a16:creationId xmlns:a16="http://schemas.microsoft.com/office/drawing/2014/main" id="{736298EF-11A9-A6C8-F0A3-05FB85C0A69E}"/>
+                <a16:creationId xmlns:a16="http://schemas.microsoft.com/office/drawing/2014/main" id="{DCF5C821-9FB8-691B-E67D-FE8DAEF9FFFD}"/>
               </a:ext>
             </a:extLst>
           </p:cNvPr>
@@ -9479,15 +9485,21 @@
           <p:nvPr/>
         </p:nvPicPr>
         <p:blipFill>
-          <a:blip r:embed="rId3"/>
+          <a:blip r:embed="rId3">
+            <a:extLst>
+              <a:ext uri="{28A0092B-C50C-407E-A947-70E740481C1C}">
+                <a14:useLocalDpi xmlns:a14="http://schemas.microsoft.com/office/drawing/2010/main" val="0"/>
+              </a:ext>
+            </a:extLst>
+          </a:blip>
           <a:stretch>
             <a:fillRect/>
           </a:stretch>
         </p:blipFill>
         <p:spPr>
           <a:xfrm>
-            <a:off x="-8909" y="1402922"/>
-            <a:ext cx="6866909" cy="3797308"/>
+            <a:off x="0" y="1519888"/>
+            <a:ext cx="6858000" cy="3857625"/>
           </a:xfrm>
           <a:prstGeom prst="rect">
             <a:avLst/>
@@ -9587,36 +9599,6 @@
           </a:p>
         </p:txBody>
       </p:sp>
-      <p:pic>
-        <p:nvPicPr>
-          <p:cNvPr id="23" name="圖片 22">
-            <a:extLst>
-              <a:ext uri="{FF2B5EF4-FFF2-40B4-BE49-F238E27FC236}">
-                <a16:creationId xmlns:a16="http://schemas.microsoft.com/office/drawing/2014/main" id="{EB757086-4291-7317-0897-FA819AA71734}"/>
-              </a:ext>
-            </a:extLst>
-          </p:cNvPr>
-          <p:cNvPicPr>
-            <a:picLocks noChangeAspect="1"/>
-          </p:cNvPicPr>
-          <p:nvPr/>
-        </p:nvPicPr>
-        <p:blipFill>
-          <a:blip r:embed="rId3"/>
-          <a:stretch>
-            <a:fillRect/>
-          </a:stretch>
-        </p:blipFill>
-        <p:spPr>
-          <a:xfrm>
-            <a:off x="-8909" y="1402922"/>
-            <a:ext cx="6866909" cy="3797308"/>
-          </a:xfrm>
-          <a:prstGeom prst="rect">
-            <a:avLst/>
-          </a:prstGeom>
-        </p:spPr>
-      </p:pic>
       <p:grpSp>
         <p:nvGrpSpPr>
           <p:cNvPr id="38" name="群組 37">
@@ -10722,6 +10704,42 @@
           </p:txBody>
         </p:sp>
       </p:grpSp>
+      <p:pic>
+        <p:nvPicPr>
+          <p:cNvPr id="8" name="圖片 7" descr="一張含有 文字, 行, 螢幕擷取畫面, 圖表 的圖片&#10;&#10;AI 產生的內容可能不正確。">
+            <a:extLst>
+              <a:ext uri="{FF2B5EF4-FFF2-40B4-BE49-F238E27FC236}">
+                <a16:creationId xmlns:a16="http://schemas.microsoft.com/office/drawing/2014/main" id="{E3167808-452E-CA6E-31CB-7B57CA4DE46B}"/>
+              </a:ext>
+            </a:extLst>
+          </p:cNvPr>
+          <p:cNvPicPr>
+            <a:picLocks noChangeAspect="1"/>
+          </p:cNvPicPr>
+          <p:nvPr/>
+        </p:nvPicPr>
+        <p:blipFill>
+          <a:blip r:embed="rId3">
+            <a:extLst>
+              <a:ext uri="{28A0092B-C50C-407E-A947-70E740481C1C}">
+                <a14:useLocalDpi xmlns:a14="http://schemas.microsoft.com/office/drawing/2010/main" val="0"/>
+              </a:ext>
+            </a:extLst>
+          </a:blip>
+          <a:stretch>
+            <a:fillRect/>
+          </a:stretch>
+        </p:blipFill>
+        <p:spPr>
+          <a:xfrm>
+            <a:off x="-1236" y="1595644"/>
+            <a:ext cx="6858000" cy="3857625"/>
+          </a:xfrm>
+          <a:prstGeom prst="rect">
+            <a:avLst/>
+          </a:prstGeom>
+        </p:spPr>
+      </p:pic>
     </p:spTree>
     <p:extLst>
       <p:ext uri="{BB962C8B-B14F-4D97-AF65-F5344CB8AC3E}">
@@ -11259,7 +11277,7 @@
                 <a:latin typeface="Noto Sans TC Medium" panose="020B0200000000000000" pitchFamily="34" charset="-128"/>
                 <a:ea typeface="Noto Sans TC Medium" panose="020B0200000000000000" pitchFamily="34" charset="-128"/>
               </a:rPr>
-              <a:t>低入變高降</a:t>
+              <a:t>低促變高降</a:t>
             </a:r>
             <a:r>
               <a:rPr lang="en-US" altLang="zh-TW" dirty="0">
@@ -11293,7 +11311,7 @@
                 <a:latin typeface="Noto Sans TC Medium" panose="020B0200000000000000" pitchFamily="34" charset="-128"/>
                 <a:ea typeface="Noto Sans TC Medium" panose="020B0200000000000000" pitchFamily="34" charset="-128"/>
               </a:rPr>
-              <a:t>高入變低音</a:t>
+              <a:t>高促變低音</a:t>
             </a:r>
             <a:r>
               <a:rPr lang="en-US" altLang="zh-TW" dirty="0">
@@ -11328,10 +11346,10 @@
       </p:sp>
       <p:pic>
         <p:nvPicPr>
-          <p:cNvPr id="9" name="圖片 8">
+          <p:cNvPr id="6" name="圖片 5" descr="一張含有 文字, 行, 螢幕擷取畫面, 圖表 的圖片&#10;&#10;AI 產生的內容可能不正確。">
             <a:extLst>
               <a:ext uri="{FF2B5EF4-FFF2-40B4-BE49-F238E27FC236}">
-                <a16:creationId xmlns:a16="http://schemas.microsoft.com/office/drawing/2014/main" id="{445756FA-BA55-4F6A-D409-4687EF112A01}"/>
+                <a16:creationId xmlns:a16="http://schemas.microsoft.com/office/drawing/2014/main" id="{CD9A12B9-2A12-D2CD-C284-A6A8AF52B0A9}"/>
               </a:ext>
             </a:extLst>
           </p:cNvPr>
@@ -11341,15 +11359,21 @@
           <p:nvPr/>
         </p:nvPicPr>
         <p:blipFill>
-          <a:blip r:embed="rId5"/>
+          <a:blip r:embed="rId5">
+            <a:extLst>
+              <a:ext uri="{28A0092B-C50C-407E-A947-70E740481C1C}">
+                <a14:useLocalDpi xmlns:a14="http://schemas.microsoft.com/office/drawing/2010/main" val="0"/>
+              </a:ext>
+            </a:extLst>
+          </a:blip>
           <a:stretch>
             <a:fillRect/>
           </a:stretch>
         </p:blipFill>
         <p:spPr>
           <a:xfrm>
-            <a:off x="208140" y="1553770"/>
-            <a:ext cx="2477589" cy="1370815"/>
+            <a:off x="156668" y="1521380"/>
+            <a:ext cx="2729090" cy="1535113"/>
           </a:xfrm>
           <a:prstGeom prst="rect">
             <a:avLst/>
@@ -11596,10 +11620,10 @@
       </p:pic>
       <p:pic>
         <p:nvPicPr>
-          <p:cNvPr id="2" name="圖片 1">
+          <p:cNvPr id="4" name="圖片 3" descr="一張含有 文字, 行, 螢幕擷取畫面, 圖表 的圖片&#10;&#10;AI 產生的內容可能不正確。">
             <a:extLst>
               <a:ext uri="{FF2B5EF4-FFF2-40B4-BE49-F238E27FC236}">
-                <a16:creationId xmlns:a16="http://schemas.microsoft.com/office/drawing/2014/main" id="{8B0C10DC-79E1-F959-D8F8-E7DDFFF9E53A}"/>
+                <a16:creationId xmlns:a16="http://schemas.microsoft.com/office/drawing/2014/main" id="{A9C32DAD-2434-E596-DA1E-A57EB51C572F}"/>
               </a:ext>
             </a:extLst>
           </p:cNvPr>
@@ -11609,15 +11633,21 @@
           <p:nvPr/>
         </p:nvPicPr>
         <p:blipFill>
-          <a:blip r:embed="rId4"/>
+          <a:blip r:embed="rId4">
+            <a:extLst>
+              <a:ext uri="{28A0092B-C50C-407E-A947-70E740481C1C}">
+                <a14:useLocalDpi xmlns:a14="http://schemas.microsoft.com/office/drawing/2010/main" val="0"/>
+              </a:ext>
+            </a:extLst>
+          </a:blip>
           <a:stretch>
             <a:fillRect/>
           </a:stretch>
         </p:blipFill>
         <p:spPr>
           <a:xfrm>
-            <a:off x="-87287" y="7501165"/>
-            <a:ext cx="6866909" cy="3797308"/>
+            <a:off x="0" y="7202217"/>
+            <a:ext cx="6858000" cy="3857625"/>
           </a:xfrm>
           <a:prstGeom prst="rect">
             <a:avLst/>
@@ -17053,10 +17083,10 @@
       </p:grpSp>
       <p:pic>
         <p:nvPicPr>
-          <p:cNvPr id="17" name="圖片 16">
+          <p:cNvPr id="4" name="圖片 3" descr="一張含有 文字, 行, 螢幕擷取畫面, 圖表 的圖片&#10;&#10;AI 產生的內容可能不正確。">
             <a:extLst>
               <a:ext uri="{FF2B5EF4-FFF2-40B4-BE49-F238E27FC236}">
-                <a16:creationId xmlns:a16="http://schemas.microsoft.com/office/drawing/2014/main" id="{6248C7CC-6FA9-F79F-F0E5-E2BD27DF5FDE}"/>
+                <a16:creationId xmlns:a16="http://schemas.microsoft.com/office/drawing/2014/main" id="{33AC3A3E-41F9-FE1B-D9E3-9760801CAE32}"/>
               </a:ext>
             </a:extLst>
           </p:cNvPr>
@@ -17066,15 +17096,21 @@
           <p:nvPr/>
         </p:nvPicPr>
         <p:blipFill>
-          <a:blip r:embed="rId2"/>
+          <a:blip r:embed="rId2">
+            <a:extLst>
+              <a:ext uri="{28A0092B-C50C-407E-A947-70E740481C1C}">
+                <a14:useLocalDpi xmlns:a14="http://schemas.microsoft.com/office/drawing/2010/main" val="0"/>
+              </a:ext>
+            </a:extLst>
+          </a:blip>
           <a:stretch>
             <a:fillRect/>
           </a:stretch>
         </p:blipFill>
         <p:spPr>
           <a:xfrm>
-            <a:off x="0" y="8005458"/>
-            <a:ext cx="6866909" cy="3797308"/>
+            <a:off x="0" y="7721539"/>
+            <a:ext cx="6858000" cy="3857625"/>
           </a:xfrm>
           <a:prstGeom prst="rect">
             <a:avLst/>

--- a/Documents/十五音教材/閩南語之四聲八調與變調規則.pptx
+++ b/Documents/十五音教材/閩南語之四聲八調與變調規則.pptx
@@ -5,7 +5,7 @@
     <p:sldMasterId id="2147483660" r:id="rId1"/>
   </p:sldMasterIdLst>
   <p:notesMasterIdLst>
-    <p:notesMasterId r:id="rId31"/>
+    <p:notesMasterId r:id="rId32"/>
   </p:notesMasterIdLst>
   <p:sldIdLst>
     <p:sldId id="306" r:id="rId2"/>
@@ -19,24 +19,25 @@
     <p:sldId id="359" r:id="rId10"/>
     <p:sldId id="365" r:id="rId11"/>
     <p:sldId id="322" r:id="rId12"/>
-    <p:sldId id="321" r:id="rId13"/>
-    <p:sldId id="320" r:id="rId14"/>
-    <p:sldId id="360" r:id="rId15"/>
-    <p:sldId id="366" r:id="rId16"/>
-    <p:sldId id="362" r:id="rId17"/>
-    <p:sldId id="363" r:id="rId18"/>
-    <p:sldId id="374" r:id="rId19"/>
-    <p:sldId id="364" r:id="rId20"/>
-    <p:sldId id="384" r:id="rId21"/>
-    <p:sldId id="372" r:id="rId22"/>
-    <p:sldId id="383" r:id="rId23"/>
-    <p:sldId id="376" r:id="rId24"/>
-    <p:sldId id="379" r:id="rId25"/>
-    <p:sldId id="380" r:id="rId26"/>
-    <p:sldId id="381" r:id="rId27"/>
-    <p:sldId id="385" r:id="rId28"/>
-    <p:sldId id="373" r:id="rId29"/>
-    <p:sldId id="375" r:id="rId30"/>
+    <p:sldId id="387" r:id="rId13"/>
+    <p:sldId id="321" r:id="rId14"/>
+    <p:sldId id="320" r:id="rId15"/>
+    <p:sldId id="360" r:id="rId16"/>
+    <p:sldId id="366" r:id="rId17"/>
+    <p:sldId id="362" r:id="rId18"/>
+    <p:sldId id="363" r:id="rId19"/>
+    <p:sldId id="374" r:id="rId20"/>
+    <p:sldId id="364" r:id="rId21"/>
+    <p:sldId id="384" r:id="rId22"/>
+    <p:sldId id="372" r:id="rId23"/>
+    <p:sldId id="383" r:id="rId24"/>
+    <p:sldId id="376" r:id="rId25"/>
+    <p:sldId id="379" r:id="rId26"/>
+    <p:sldId id="380" r:id="rId27"/>
+    <p:sldId id="381" r:id="rId28"/>
+    <p:sldId id="385" r:id="rId29"/>
+    <p:sldId id="373" r:id="rId30"/>
+    <p:sldId id="375" r:id="rId31"/>
   </p:sldIdLst>
   <p:sldSz cx="6858000" cy="12192000"/>
   <p:notesSz cx="6858000" cy="9144000"/>
@@ -241,7 +242,7 @@
           <a:p>
             <a:fld id="{75388558-F828-4BF6-B408-79D0AC865840}" type="datetimeFigureOut">
               <a:rPr lang="zh-TW" altLang="en-US" smtClean="0"/>
-              <a:t>2025/10/6</a:t>
+              <a:t>2026/1/24</a:t>
             </a:fld>
             <a:endParaRPr lang="zh-TW" altLang="en-US"/>
           </a:p>
@@ -615,6 +616,129 @@
         <p:cNvPr id="1" name="">
           <a:extLst>
             <a:ext uri="{FF2B5EF4-FFF2-40B4-BE49-F238E27FC236}">
+              <a16:creationId xmlns:a16="http://schemas.microsoft.com/office/drawing/2014/main" id="{EB0214F7-C885-7571-F324-75DCF957699A}"/>
+            </a:ext>
+          </a:extLst>
+        </p:cNvPr>
+        <p:cNvGrpSpPr/>
+        <p:nvPr/>
+      </p:nvGrpSpPr>
+      <p:grpSpPr>
+        <a:xfrm>
+          <a:off x="0" y="0"/>
+          <a:ext cx="0" cy="0"/>
+          <a:chOff x="0" y="0"/>
+          <a:chExt cx="0" cy="0"/>
+        </a:xfrm>
+      </p:grpSpPr>
+      <p:sp>
+        <p:nvSpPr>
+          <p:cNvPr id="2" name="投影片影像版面配置區 1">
+            <a:extLst>
+              <a:ext uri="{FF2B5EF4-FFF2-40B4-BE49-F238E27FC236}">
+                <a16:creationId xmlns:a16="http://schemas.microsoft.com/office/drawing/2014/main" id="{3865388D-F065-E295-08DD-8AC44B7A9CE4}"/>
+              </a:ext>
+            </a:extLst>
+          </p:cNvPr>
+          <p:cNvSpPr>
+            <a:spLocks noGrp="1" noRot="1" noChangeAspect="1"/>
+          </p:cNvSpPr>
+          <p:nvPr>
+            <p:ph type="sldImg"/>
+          </p:nvPr>
+        </p:nvSpPr>
+        <p:spPr>
+          <a:xfrm>
+            <a:off x="2560638" y="1143000"/>
+            <a:ext cx="1736725" cy="3086100"/>
+          </a:xfrm>
+        </p:spPr>
+      </p:sp>
+      <p:sp>
+        <p:nvSpPr>
+          <p:cNvPr id="3" name="備忘稿版面配置區 2">
+            <a:extLst>
+              <a:ext uri="{FF2B5EF4-FFF2-40B4-BE49-F238E27FC236}">
+                <a16:creationId xmlns:a16="http://schemas.microsoft.com/office/drawing/2014/main" id="{781B2A56-0E53-1ADC-1A86-0037F1F1D7DA}"/>
+              </a:ext>
+            </a:extLst>
+          </p:cNvPr>
+          <p:cNvSpPr>
+            <a:spLocks noGrp="1"/>
+          </p:cNvSpPr>
+          <p:nvPr>
+            <p:ph type="body" idx="1"/>
+          </p:nvPr>
+        </p:nvSpPr>
+        <p:spPr/>
+        <p:txBody>
+          <a:bodyPr/>
+          <a:lstStyle/>
+          <a:p>
+            <a:endParaRPr lang="zh-TW" altLang="en-US">
+              <a:latin typeface="Microsoft JhengHei UI" panose="020B0604030504040204" pitchFamily="34" charset="-120"/>
+              <a:ea typeface="Microsoft JhengHei UI" panose="020B0604030504040204" pitchFamily="34" charset="-120"/>
+            </a:endParaRPr>
+          </a:p>
+        </p:txBody>
+      </p:sp>
+      <p:sp>
+        <p:nvSpPr>
+          <p:cNvPr id="4" name="投影片編號版面配置區 3">
+            <a:extLst>
+              <a:ext uri="{FF2B5EF4-FFF2-40B4-BE49-F238E27FC236}">
+                <a16:creationId xmlns:a16="http://schemas.microsoft.com/office/drawing/2014/main" id="{F82B517D-C2EF-C965-FB16-EFBBD4D4B464}"/>
+              </a:ext>
+            </a:extLst>
+          </p:cNvPr>
+          <p:cNvSpPr>
+            <a:spLocks noGrp="1"/>
+          </p:cNvSpPr>
+          <p:nvPr>
+            <p:ph type="sldNum" sz="quarter" idx="5"/>
+          </p:nvPr>
+        </p:nvSpPr>
+        <p:spPr/>
+        <p:txBody>
+          <a:bodyPr/>
+          <a:lstStyle/>
+          <a:p>
+            <a:pPr rtl="0"/>
+            <a:fld id="{D5939589-3E79-4C82-AA4A-FE78234FAA59}" type="slidenum">
+              <a:rPr lang="en-US" altLang="zh-TW" smtClean="0">
+                <a:latin typeface="Microsoft JhengHei UI" panose="020B0604030504040204" pitchFamily="34" charset="-120"/>
+                <a:ea typeface="Microsoft JhengHei UI" panose="020B0604030504040204" pitchFamily="34" charset="-120"/>
+              </a:rPr>
+              <a:t>13</a:t>
+            </a:fld>
+            <a:endParaRPr lang="zh-TW" altLang="en-US">
+              <a:latin typeface="Microsoft JhengHei UI" panose="020B0604030504040204" pitchFamily="34" charset="-120"/>
+              <a:ea typeface="Microsoft JhengHei UI" panose="020B0604030504040204" pitchFamily="34" charset="-120"/>
+            </a:endParaRPr>
+          </a:p>
+        </p:txBody>
+      </p:sp>
+    </p:spTree>
+    <p:extLst>
+      <p:ext uri="{BB962C8B-B14F-4D97-AF65-F5344CB8AC3E}">
+        <p14:creationId xmlns:p14="http://schemas.microsoft.com/office/powerpoint/2010/main" val="1844432652"/>
+      </p:ext>
+    </p:extLst>
+  </p:cSld>
+  <p:clrMapOvr>
+    <a:masterClrMapping/>
+  </p:clrMapOvr>
+</p:notes>
+</file>
+
+<file path=ppt/notesSlides/notesSlide11.xml><?xml version="1.0" encoding="utf-8"?>
+<p:notes xmlns:a="http://schemas.openxmlformats.org/drawingml/2006/main" xmlns:r="http://schemas.openxmlformats.org/officeDocument/2006/relationships" xmlns:p="http://schemas.openxmlformats.org/presentationml/2006/main">
+  <p:cSld>
+    <p:spTree>
+      <p:nvGrpSpPr>
+        <p:cNvPr id="1" name="">
+          <a:extLst>
+            <a:ext uri="{FF2B5EF4-FFF2-40B4-BE49-F238E27FC236}">
               <a16:creationId xmlns:a16="http://schemas.microsoft.com/office/drawing/2014/main" id="{BD3AD049-2D58-ADED-07C2-3B7E0DE0ED37}"/>
             </a:ext>
           </a:extLst>
@@ -708,7 +832,7 @@
                 <a:latin typeface="Microsoft JhengHei UI" panose="020B0604030504040204" pitchFamily="34" charset="-120"/>
                 <a:ea typeface="Microsoft JhengHei UI" panose="020B0604030504040204" pitchFamily="34" charset="-120"/>
               </a:rPr>
-              <a:t>13</a:t>
+              <a:t>14</a:t>
             </a:fld>
             <a:endParaRPr lang="zh-TW" altLang="en-US">
               <a:latin typeface="Microsoft JhengHei UI" panose="020B0604030504040204" pitchFamily="34" charset="-120"/>
@@ -730,7 +854,7 @@
 </p:notes>
 </file>
 
-<file path=ppt/notesSlides/notesSlide11.xml><?xml version="1.0" encoding="utf-8"?>
+<file path=ppt/notesSlides/notesSlide12.xml><?xml version="1.0" encoding="utf-8"?>
 <p:notes xmlns:a="http://schemas.openxmlformats.org/drawingml/2006/main" xmlns:r="http://schemas.openxmlformats.org/officeDocument/2006/relationships" xmlns:p="http://schemas.openxmlformats.org/presentationml/2006/main">
   <p:cSld>
     <p:spTree>
@@ -831,7 +955,7 @@
                 <a:latin typeface="Microsoft JhengHei UI" panose="020B0604030504040204" pitchFamily="34" charset="-120"/>
                 <a:ea typeface="Microsoft JhengHei UI" panose="020B0604030504040204" pitchFamily="34" charset="-120"/>
               </a:rPr>
-              <a:t>14</a:t>
+              <a:t>15</a:t>
             </a:fld>
             <a:endParaRPr lang="zh-TW" altLang="en-US">
               <a:latin typeface="Microsoft JhengHei UI" panose="020B0604030504040204" pitchFamily="34" charset="-120"/>
@@ -853,7 +977,7 @@
 </p:notes>
 </file>
 
-<file path=ppt/notesSlides/notesSlide12.xml><?xml version="1.0" encoding="utf-8"?>
+<file path=ppt/notesSlides/notesSlide13.xml><?xml version="1.0" encoding="utf-8"?>
 <p:notes xmlns:a="http://schemas.openxmlformats.org/drawingml/2006/main" xmlns:r="http://schemas.openxmlformats.org/officeDocument/2006/relationships" xmlns:p="http://schemas.openxmlformats.org/presentationml/2006/main">
   <p:cSld>
     <p:spTree>
@@ -954,7 +1078,7 @@
                 <a:latin typeface="Microsoft JhengHei UI" panose="020B0604030504040204" pitchFamily="34" charset="-120"/>
                 <a:ea typeface="Microsoft JhengHei UI" panose="020B0604030504040204" pitchFamily="34" charset="-120"/>
               </a:rPr>
-              <a:t>16</a:t>
+              <a:t>17</a:t>
             </a:fld>
             <a:endParaRPr lang="zh-TW" altLang="en-US">
               <a:latin typeface="Microsoft JhengHei UI" panose="020B0604030504040204" pitchFamily="34" charset="-120"/>
@@ -976,7 +1100,7 @@
 </p:notes>
 </file>
 
-<file path=ppt/notesSlides/notesSlide13.xml><?xml version="1.0" encoding="utf-8"?>
+<file path=ppt/notesSlides/notesSlide14.xml><?xml version="1.0" encoding="utf-8"?>
 <p:notes xmlns:a="http://schemas.openxmlformats.org/drawingml/2006/main" xmlns:r="http://schemas.openxmlformats.org/officeDocument/2006/relationships" xmlns:p="http://schemas.openxmlformats.org/presentationml/2006/main">
   <p:cSld>
     <p:spTree>
@@ -1077,7 +1201,7 @@
                 <a:latin typeface="Microsoft JhengHei UI" panose="020B0604030504040204" pitchFamily="34" charset="-120"/>
                 <a:ea typeface="Microsoft JhengHei UI" panose="020B0604030504040204" pitchFamily="34" charset="-120"/>
               </a:rPr>
-              <a:t>17</a:t>
+              <a:t>18</a:t>
             </a:fld>
             <a:endParaRPr lang="zh-TW" altLang="en-US">
               <a:latin typeface="Microsoft JhengHei UI" panose="020B0604030504040204" pitchFamily="34" charset="-120"/>
@@ -1099,7 +1223,7 @@
 </p:notes>
 </file>
 
-<file path=ppt/notesSlides/notesSlide14.xml><?xml version="1.0" encoding="utf-8"?>
+<file path=ppt/notesSlides/notesSlide15.xml><?xml version="1.0" encoding="utf-8"?>
 <p:notes xmlns:a="http://schemas.openxmlformats.org/drawingml/2006/main" xmlns:r="http://schemas.openxmlformats.org/officeDocument/2006/relationships" xmlns:p="http://schemas.openxmlformats.org/presentationml/2006/main">
   <p:cSld>
     <p:spTree>
@@ -1200,7 +1324,7 @@
                 <a:latin typeface="Microsoft JhengHei UI" panose="020B0604030504040204" pitchFamily="34" charset="-120"/>
                 <a:ea typeface="Microsoft JhengHei UI" panose="020B0604030504040204" pitchFamily="34" charset="-120"/>
               </a:rPr>
-              <a:t>18</a:t>
+              <a:t>19</a:t>
             </a:fld>
             <a:endParaRPr lang="zh-TW" altLang="en-US">
               <a:latin typeface="Microsoft JhengHei UI" panose="020B0604030504040204" pitchFamily="34" charset="-120"/>
@@ -1222,7 +1346,7 @@
 </p:notes>
 </file>
 
-<file path=ppt/notesSlides/notesSlide15.xml><?xml version="1.0" encoding="utf-8"?>
+<file path=ppt/notesSlides/notesSlide16.xml><?xml version="1.0" encoding="utf-8"?>
 <p:notes xmlns:a="http://schemas.openxmlformats.org/drawingml/2006/main" xmlns:r="http://schemas.openxmlformats.org/officeDocument/2006/relationships" xmlns:p="http://schemas.openxmlformats.org/presentationml/2006/main">
   <p:cSld>
     <p:spTree>
@@ -1323,7 +1447,7 @@
                 <a:latin typeface="Microsoft JhengHei UI" panose="020B0604030504040204" pitchFamily="34" charset="-120"/>
                 <a:ea typeface="Microsoft JhengHei UI" panose="020B0604030504040204" pitchFamily="34" charset="-120"/>
               </a:rPr>
-              <a:t>19</a:t>
+              <a:t>20</a:t>
             </a:fld>
             <a:endParaRPr lang="zh-TW" altLang="en-US">
               <a:latin typeface="Microsoft JhengHei UI" panose="020B0604030504040204" pitchFamily="34" charset="-120"/>
@@ -1345,7 +1469,7 @@
 </p:notes>
 </file>
 
-<file path=ppt/notesSlides/notesSlide16.xml><?xml version="1.0" encoding="utf-8"?>
+<file path=ppt/notesSlides/notesSlide17.xml><?xml version="1.0" encoding="utf-8"?>
 <p:notes xmlns:a="http://schemas.openxmlformats.org/drawingml/2006/main" xmlns:r="http://schemas.openxmlformats.org/officeDocument/2006/relationships" xmlns:p="http://schemas.openxmlformats.org/presentationml/2006/main">
   <p:cSld>
     <p:spTree>
@@ -1446,7 +1570,7 @@
                 <a:latin typeface="Microsoft JhengHei UI" panose="020B0604030504040204" pitchFamily="34" charset="-120"/>
                 <a:ea typeface="Microsoft JhengHei UI" panose="020B0604030504040204" pitchFamily="34" charset="-120"/>
               </a:rPr>
-              <a:t>20</a:t>
+              <a:t>21</a:t>
             </a:fld>
             <a:endParaRPr lang="zh-TW" altLang="en-US">
               <a:latin typeface="Microsoft JhengHei UI" panose="020B0604030504040204" pitchFamily="34" charset="-120"/>
@@ -1468,7 +1592,7 @@
 </p:notes>
 </file>
 
-<file path=ppt/notesSlides/notesSlide17.xml><?xml version="1.0" encoding="utf-8"?>
+<file path=ppt/notesSlides/notesSlide18.xml><?xml version="1.0" encoding="utf-8"?>
 <p:notes xmlns:a="http://schemas.openxmlformats.org/drawingml/2006/main" xmlns:r="http://schemas.openxmlformats.org/officeDocument/2006/relationships" xmlns:p="http://schemas.openxmlformats.org/presentationml/2006/main">
   <p:cSld>
     <p:spTree>
@@ -1569,7 +1693,7 @@
                 <a:latin typeface="Microsoft JhengHei UI" panose="020B0604030504040204" pitchFamily="34" charset="-120"/>
                 <a:ea typeface="Microsoft JhengHei UI" panose="020B0604030504040204" pitchFamily="34" charset="-120"/>
               </a:rPr>
-              <a:t>21</a:t>
+              <a:t>22</a:t>
             </a:fld>
             <a:endParaRPr lang="zh-TW" altLang="en-US">
               <a:latin typeface="Microsoft JhengHei UI" panose="020B0604030504040204" pitchFamily="34" charset="-120"/>
@@ -2460,7 +2584,7 @@
         <p:cNvPr id="1" name="">
           <a:extLst>
             <a:ext uri="{FF2B5EF4-FFF2-40B4-BE49-F238E27FC236}">
-              <a16:creationId xmlns:a16="http://schemas.microsoft.com/office/drawing/2014/main" id="{EB0214F7-C885-7571-F324-75DCF957699A}"/>
+              <a16:creationId xmlns:a16="http://schemas.microsoft.com/office/drawing/2014/main" id="{90BC1A68-74A2-DA1C-290C-50E4FFE40596}"/>
             </a:ext>
           </a:extLst>
         </p:cNvPr>
@@ -2480,7 +2604,7 @@
           <p:cNvPr id="2" name="投影片影像版面配置區 1">
             <a:extLst>
               <a:ext uri="{FF2B5EF4-FFF2-40B4-BE49-F238E27FC236}">
-                <a16:creationId xmlns:a16="http://schemas.microsoft.com/office/drawing/2014/main" id="{3865388D-F065-E295-08DD-8AC44B7A9CE4}"/>
+                <a16:creationId xmlns:a16="http://schemas.microsoft.com/office/drawing/2014/main" id="{15AF29DF-5373-4F81-8FAA-CCF5F8BC4DF2}"/>
               </a:ext>
             </a:extLst>
           </p:cNvPr>
@@ -2503,7 +2627,7 @@
           <p:cNvPr id="3" name="備忘稿版面配置區 2">
             <a:extLst>
               <a:ext uri="{FF2B5EF4-FFF2-40B4-BE49-F238E27FC236}">
-                <a16:creationId xmlns:a16="http://schemas.microsoft.com/office/drawing/2014/main" id="{781B2A56-0E53-1ADC-1A86-0037F1F1D7DA}"/>
+                <a16:creationId xmlns:a16="http://schemas.microsoft.com/office/drawing/2014/main" id="{4361BCBB-2128-F46D-3717-C98DDCDC0481}"/>
               </a:ext>
             </a:extLst>
           </p:cNvPr>
@@ -2531,7 +2655,7 @@
           <p:cNvPr id="4" name="投影片編號版面配置區 3">
             <a:extLst>
               <a:ext uri="{FF2B5EF4-FFF2-40B4-BE49-F238E27FC236}">
-                <a16:creationId xmlns:a16="http://schemas.microsoft.com/office/drawing/2014/main" id="{F82B517D-C2EF-C965-FB16-EFBBD4D4B464}"/>
+                <a16:creationId xmlns:a16="http://schemas.microsoft.com/office/drawing/2014/main" id="{56670F3C-6D41-0323-36DB-7AD578E468B8}"/>
               </a:ext>
             </a:extLst>
           </p:cNvPr>
@@ -2565,7 +2689,7 @@
     </p:spTree>
     <p:extLst>
       <p:ext uri="{BB962C8B-B14F-4D97-AF65-F5344CB8AC3E}">
-        <p14:creationId xmlns:p14="http://schemas.microsoft.com/office/powerpoint/2010/main" val="1844432652"/>
+        <p14:creationId xmlns:p14="http://schemas.microsoft.com/office/powerpoint/2010/main" val="2595576918"/>
       </p:ext>
     </p:extLst>
   </p:cSld>
@@ -2706,7 +2830,7 @@
           <a:p>
             <a:fld id="{E5BB4C20-2C23-4F1D-9433-4A3CB5968FD6}" type="datetimeFigureOut">
               <a:rPr lang="zh-TW" altLang="en-US" smtClean="0"/>
-              <a:t>2025/10/6</a:t>
+              <a:t>2026/1/24</a:t>
             </a:fld>
             <a:endParaRPr lang="zh-TW" altLang="en-US"/>
           </a:p>
@@ -2892,7 +3016,7 @@
           <a:p>
             <a:fld id="{E5BB4C20-2C23-4F1D-9433-4A3CB5968FD6}" type="datetimeFigureOut">
               <a:rPr lang="zh-TW" altLang="en-US" smtClean="0"/>
-              <a:t>2025/10/6</a:t>
+              <a:t>2026/1/24</a:t>
             </a:fld>
             <a:endParaRPr lang="zh-TW" altLang="en-US"/>
           </a:p>
@@ -3088,7 +3212,7 @@
           <a:p>
             <a:fld id="{E5BB4C20-2C23-4F1D-9433-4A3CB5968FD6}" type="datetimeFigureOut">
               <a:rPr lang="zh-TW" altLang="en-US" smtClean="0"/>
-              <a:t>2025/10/6</a:t>
+              <a:t>2026/1/24</a:t>
             </a:fld>
             <a:endParaRPr lang="zh-TW" altLang="en-US"/>
           </a:p>
@@ -3740,7 +3864,7 @@
           <a:p>
             <a:fld id="{E5BB4C20-2C23-4F1D-9433-4A3CB5968FD6}" type="datetimeFigureOut">
               <a:rPr lang="zh-TW" altLang="en-US" smtClean="0"/>
-              <a:t>2025/10/6</a:t>
+              <a:t>2026/1/24</a:t>
             </a:fld>
             <a:endParaRPr lang="zh-TW" altLang="en-US"/>
           </a:p>
@@ -3986,7 +4110,7 @@
           <a:p>
             <a:fld id="{E5BB4C20-2C23-4F1D-9433-4A3CB5968FD6}" type="datetimeFigureOut">
               <a:rPr lang="zh-TW" altLang="en-US" smtClean="0"/>
-              <a:t>2025/10/6</a:t>
+              <a:t>2026/1/24</a:t>
             </a:fld>
             <a:endParaRPr lang="zh-TW" altLang="en-US"/>
           </a:p>
@@ -4218,7 +4342,7 @@
           <a:p>
             <a:fld id="{E5BB4C20-2C23-4F1D-9433-4A3CB5968FD6}" type="datetimeFigureOut">
               <a:rPr lang="zh-TW" altLang="en-US" smtClean="0"/>
-              <a:t>2025/10/6</a:t>
+              <a:t>2026/1/24</a:t>
             </a:fld>
             <a:endParaRPr lang="zh-TW" altLang="en-US"/>
           </a:p>
@@ -4585,7 +4709,7 @@
           <a:p>
             <a:fld id="{E5BB4C20-2C23-4F1D-9433-4A3CB5968FD6}" type="datetimeFigureOut">
               <a:rPr lang="zh-TW" altLang="en-US" smtClean="0"/>
-              <a:t>2025/10/6</a:t>
+              <a:t>2026/1/24</a:t>
             </a:fld>
             <a:endParaRPr lang="zh-TW" altLang="en-US"/>
           </a:p>
@@ -4703,7 +4827,7 @@
           <a:p>
             <a:fld id="{E5BB4C20-2C23-4F1D-9433-4A3CB5968FD6}" type="datetimeFigureOut">
               <a:rPr lang="zh-TW" altLang="en-US" smtClean="0"/>
-              <a:t>2025/10/6</a:t>
+              <a:t>2026/1/24</a:t>
             </a:fld>
             <a:endParaRPr lang="zh-TW" altLang="en-US"/>
           </a:p>
@@ -4814,7 +4938,7 @@
           <a:p>
             <a:fld id="{E5BB4C20-2C23-4F1D-9433-4A3CB5968FD6}" type="datetimeFigureOut">
               <a:rPr lang="zh-TW" altLang="en-US" smtClean="0"/>
-              <a:t>2025/10/6</a:t>
+              <a:t>2026/1/24</a:t>
             </a:fld>
             <a:endParaRPr lang="zh-TW" altLang="en-US"/>
           </a:p>
@@ -5203,7 +5327,7 @@
           <a:p>
             <a:fld id="{E5BB4C20-2C23-4F1D-9433-4A3CB5968FD6}" type="datetimeFigureOut">
               <a:rPr lang="zh-TW" altLang="en-US" smtClean="0"/>
-              <a:t>2025/10/6</a:t>
+              <a:t>2026/1/24</a:t>
             </a:fld>
             <a:endParaRPr lang="zh-TW" altLang="en-US"/>
           </a:p>
@@ -5476,7 +5600,7 @@
           <a:p>
             <a:fld id="{E5BB4C20-2C23-4F1D-9433-4A3CB5968FD6}" type="datetimeFigureOut">
               <a:rPr lang="zh-TW" altLang="en-US" smtClean="0"/>
-              <a:t>2025/10/6</a:t>
+              <a:t>2026/1/24</a:t>
             </a:fld>
             <a:endParaRPr lang="zh-TW" altLang="en-US"/>
           </a:p>
@@ -5705,7 +5829,7 @@
           <a:p>
             <a:fld id="{E5BB4C20-2C23-4F1D-9433-4A3CB5968FD6}" type="datetimeFigureOut">
               <a:rPr lang="zh-TW" altLang="en-US" smtClean="0"/>
-              <a:t>2025/10/6</a:t>
+              <a:t>2026/1/24</a:t>
             </a:fld>
             <a:endParaRPr lang="zh-TW" altLang="en-US"/>
           </a:p>
@@ -6458,212 +6582,6 @@
           </a:p>
         </p:txBody>
       </p:sp>
-      <p:grpSp>
-        <p:nvGrpSpPr>
-          <p:cNvPr id="17" name="群組 16">
-            <a:extLst>
-              <a:ext uri="{FF2B5EF4-FFF2-40B4-BE49-F238E27FC236}">
-                <a16:creationId xmlns:a16="http://schemas.microsoft.com/office/drawing/2014/main" id="{B7876EC0-F9E5-03C1-F90D-4BF6E6093954}"/>
-              </a:ext>
-            </a:extLst>
-          </p:cNvPr>
-          <p:cNvGrpSpPr/>
-          <p:nvPr/>
-        </p:nvGrpSpPr>
-        <p:grpSpPr>
-          <a:xfrm>
-            <a:off x="453284" y="7347647"/>
-            <a:ext cx="203835" cy="1070858"/>
-            <a:chOff x="453284" y="7347647"/>
-            <a:chExt cx="203835" cy="1070858"/>
-          </a:xfrm>
-        </p:grpSpPr>
-        <p:sp>
-          <p:nvSpPr>
-            <p:cNvPr id="4" name="文字方塊 3">
-              <a:extLst>
-                <a:ext uri="{FF2B5EF4-FFF2-40B4-BE49-F238E27FC236}">
-                  <a16:creationId xmlns:a16="http://schemas.microsoft.com/office/drawing/2014/main" id="{CAA7574F-2D59-38E0-8AB0-B9F6D18DB8B5}"/>
-                </a:ext>
-              </a:extLst>
-            </p:cNvPr>
-            <p:cNvSpPr txBox="1"/>
-            <p:nvPr/>
-          </p:nvSpPr>
-          <p:spPr>
-            <a:xfrm>
-              <a:off x="453284" y="7347647"/>
-              <a:ext cx="203835" cy="246221"/>
-            </a:xfrm>
-            <a:prstGeom prst="rect">
-              <a:avLst/>
-            </a:prstGeom>
-            <a:noFill/>
-          </p:spPr>
-          <p:txBody>
-            <a:bodyPr wrap="square" lIns="36000" tIns="0" rIns="36000" bIns="0" rtlCol="0">
-              <a:spAutoFit/>
-            </a:bodyPr>
-            <a:lstStyle/>
-            <a:p>
-              <a:pPr algn="ctr"/>
-              <a:r>
-                <a:rPr lang="en-US" altLang="zh-TW" sz="1600" dirty="0"/>
-                <a:t>5</a:t>
-              </a:r>
-              <a:endParaRPr lang="zh-TW" altLang="en-US" sz="1600" dirty="0"/>
-            </a:p>
-          </p:txBody>
-        </p:sp>
-        <p:sp>
-          <p:nvSpPr>
-            <p:cNvPr id="5" name="文字方塊 4">
-              <a:extLst>
-                <a:ext uri="{FF2B5EF4-FFF2-40B4-BE49-F238E27FC236}">
-                  <a16:creationId xmlns:a16="http://schemas.microsoft.com/office/drawing/2014/main" id="{526BD331-F6A9-84D9-D241-D22E9FB59CFD}"/>
-                </a:ext>
-              </a:extLst>
-            </p:cNvPr>
-            <p:cNvSpPr txBox="1"/>
-            <p:nvPr/>
-          </p:nvSpPr>
-          <p:spPr>
-            <a:xfrm>
-              <a:off x="453284" y="7553806"/>
-              <a:ext cx="203835" cy="246221"/>
-            </a:xfrm>
-            <a:prstGeom prst="rect">
-              <a:avLst/>
-            </a:prstGeom>
-            <a:noFill/>
-          </p:spPr>
-          <p:txBody>
-            <a:bodyPr wrap="square" lIns="36000" tIns="0" rIns="36000" bIns="0" rtlCol="0">
-              <a:spAutoFit/>
-            </a:bodyPr>
-            <a:lstStyle/>
-            <a:p>
-              <a:pPr algn="ctr"/>
-              <a:r>
-                <a:rPr lang="en-US" altLang="zh-TW" sz="1600" dirty="0"/>
-                <a:t>4</a:t>
-              </a:r>
-              <a:endParaRPr lang="zh-TW" altLang="en-US" sz="1600" dirty="0"/>
-            </a:p>
-          </p:txBody>
-        </p:sp>
-        <p:sp>
-          <p:nvSpPr>
-            <p:cNvPr id="8" name="文字方塊 7">
-              <a:extLst>
-                <a:ext uri="{FF2B5EF4-FFF2-40B4-BE49-F238E27FC236}">
-                  <a16:creationId xmlns:a16="http://schemas.microsoft.com/office/drawing/2014/main" id="{3007C983-F8E8-F7D9-6C8C-E080231E793B}"/>
-                </a:ext>
-              </a:extLst>
-            </p:cNvPr>
-            <p:cNvSpPr txBox="1"/>
-            <p:nvPr/>
-          </p:nvSpPr>
-          <p:spPr>
-            <a:xfrm>
-              <a:off x="453284" y="7966124"/>
-              <a:ext cx="203835" cy="246221"/>
-            </a:xfrm>
-            <a:prstGeom prst="rect">
-              <a:avLst/>
-            </a:prstGeom>
-            <a:noFill/>
-          </p:spPr>
-          <p:txBody>
-            <a:bodyPr wrap="square" lIns="36000" tIns="0" rIns="36000" bIns="0" rtlCol="0">
-              <a:spAutoFit/>
-            </a:bodyPr>
-            <a:lstStyle/>
-            <a:p>
-              <a:pPr algn="ctr"/>
-              <a:r>
-                <a:rPr lang="en-US" altLang="zh-TW" sz="1600" dirty="0"/>
-                <a:t>2</a:t>
-              </a:r>
-              <a:endParaRPr lang="zh-TW" altLang="en-US" sz="1600" dirty="0"/>
-            </a:p>
-          </p:txBody>
-        </p:sp>
-        <p:sp>
-          <p:nvSpPr>
-            <p:cNvPr id="9" name="文字方塊 8">
-              <a:extLst>
-                <a:ext uri="{FF2B5EF4-FFF2-40B4-BE49-F238E27FC236}">
-                  <a16:creationId xmlns:a16="http://schemas.microsoft.com/office/drawing/2014/main" id="{9E7795D3-BB4F-A026-3ED1-7D5D6E22402F}"/>
-                </a:ext>
-              </a:extLst>
-            </p:cNvPr>
-            <p:cNvSpPr txBox="1"/>
-            <p:nvPr/>
-          </p:nvSpPr>
-          <p:spPr>
-            <a:xfrm>
-              <a:off x="453284" y="7759965"/>
-              <a:ext cx="203835" cy="246221"/>
-            </a:xfrm>
-            <a:prstGeom prst="rect">
-              <a:avLst/>
-            </a:prstGeom>
-            <a:noFill/>
-          </p:spPr>
-          <p:txBody>
-            <a:bodyPr wrap="square" lIns="36000" tIns="0" rIns="36000" bIns="0" rtlCol="0">
-              <a:spAutoFit/>
-            </a:bodyPr>
-            <a:lstStyle/>
-            <a:p>
-              <a:pPr algn="ctr"/>
-              <a:r>
-                <a:rPr lang="en-US" altLang="zh-TW" sz="1600" dirty="0"/>
-                <a:t>3</a:t>
-              </a:r>
-              <a:endParaRPr lang="zh-TW" altLang="en-US" sz="1600" dirty="0"/>
-            </a:p>
-          </p:txBody>
-        </p:sp>
-        <p:sp>
-          <p:nvSpPr>
-            <p:cNvPr id="12" name="文字方塊 11">
-              <a:extLst>
-                <a:ext uri="{FF2B5EF4-FFF2-40B4-BE49-F238E27FC236}">
-                  <a16:creationId xmlns:a16="http://schemas.microsoft.com/office/drawing/2014/main" id="{6B34DF4F-CB9C-6F69-7F29-69CC9DFFF8CA}"/>
-                </a:ext>
-              </a:extLst>
-            </p:cNvPr>
-            <p:cNvSpPr txBox="1"/>
-            <p:nvPr/>
-          </p:nvSpPr>
-          <p:spPr>
-            <a:xfrm>
-              <a:off x="453284" y="8172284"/>
-              <a:ext cx="203835" cy="246221"/>
-            </a:xfrm>
-            <a:prstGeom prst="rect">
-              <a:avLst/>
-            </a:prstGeom>
-            <a:noFill/>
-          </p:spPr>
-          <p:txBody>
-            <a:bodyPr wrap="square" lIns="36000" tIns="0" rIns="36000" bIns="0" rtlCol="0">
-              <a:spAutoFit/>
-            </a:bodyPr>
-            <a:lstStyle/>
-            <a:p>
-              <a:pPr algn="ctr"/>
-              <a:r>
-                <a:rPr lang="en-US" altLang="zh-TW" sz="1600" dirty="0"/>
-                <a:t>1</a:t>
-              </a:r>
-              <a:endParaRPr lang="zh-TW" altLang="en-US" sz="1600" dirty="0"/>
-            </a:p>
-          </p:txBody>
-        </p:sp>
-      </p:grpSp>
       <p:pic>
         <p:nvPicPr>
           <p:cNvPr id="15" name="圖片 14">
@@ -6694,36 +6612,263 @@
           </a:prstGeom>
         </p:spPr>
       </p:pic>
-      <p:pic>
-        <p:nvPicPr>
-          <p:cNvPr id="19" name="圖片 18">
+      <p:grpSp>
+        <p:nvGrpSpPr>
+          <p:cNvPr id="2" name="群組 1">
             <a:extLst>
               <a:ext uri="{FF2B5EF4-FFF2-40B4-BE49-F238E27FC236}">
-                <a16:creationId xmlns:a16="http://schemas.microsoft.com/office/drawing/2014/main" id="{C3F22DFE-3711-C8DB-14A1-3479CE2FE7F4}"/>
+                <a16:creationId xmlns:a16="http://schemas.microsoft.com/office/drawing/2014/main" id="{86CFA333-8F79-D188-9641-785103D1CE00}"/>
               </a:ext>
             </a:extLst>
           </p:cNvPr>
-          <p:cNvPicPr>
-            <a:picLocks noChangeAspect="1"/>
-          </p:cNvPicPr>
+          <p:cNvGrpSpPr/>
           <p:nvPr/>
-        </p:nvPicPr>
-        <p:blipFill>
-          <a:blip r:embed="rId4"/>
-          <a:stretch>
-            <a:fillRect/>
-          </a:stretch>
-        </p:blipFill>
-        <p:spPr>
+        </p:nvGrpSpPr>
+        <p:grpSpPr>
           <a:xfrm>
-            <a:off x="615084" y="7347647"/>
-            <a:ext cx="5771429" cy="1657143"/>
+            <a:off x="453284" y="7347647"/>
+            <a:ext cx="5933229" cy="1657143"/>
+            <a:chOff x="453284" y="7347647"/>
+            <a:chExt cx="5933229" cy="1657143"/>
           </a:xfrm>
-          <a:prstGeom prst="rect">
-            <a:avLst/>
-          </a:prstGeom>
-        </p:spPr>
-      </p:pic>
+        </p:grpSpPr>
+        <p:grpSp>
+          <p:nvGrpSpPr>
+            <p:cNvPr id="17" name="群組 16">
+              <a:extLst>
+                <a:ext uri="{FF2B5EF4-FFF2-40B4-BE49-F238E27FC236}">
+                  <a16:creationId xmlns:a16="http://schemas.microsoft.com/office/drawing/2014/main" id="{B7876EC0-F9E5-03C1-F90D-4BF6E6093954}"/>
+                </a:ext>
+              </a:extLst>
+            </p:cNvPr>
+            <p:cNvGrpSpPr/>
+            <p:nvPr/>
+          </p:nvGrpSpPr>
+          <p:grpSpPr>
+            <a:xfrm>
+              <a:off x="453284" y="7347647"/>
+              <a:ext cx="203835" cy="1070858"/>
+              <a:chOff x="453284" y="7347647"/>
+              <a:chExt cx="203835" cy="1070858"/>
+            </a:xfrm>
+          </p:grpSpPr>
+          <p:sp>
+            <p:nvSpPr>
+              <p:cNvPr id="4" name="文字方塊 3">
+                <a:extLst>
+                  <a:ext uri="{FF2B5EF4-FFF2-40B4-BE49-F238E27FC236}">
+                    <a16:creationId xmlns:a16="http://schemas.microsoft.com/office/drawing/2014/main" id="{CAA7574F-2D59-38E0-8AB0-B9F6D18DB8B5}"/>
+                  </a:ext>
+                </a:extLst>
+              </p:cNvPr>
+              <p:cNvSpPr txBox="1"/>
+              <p:nvPr/>
+            </p:nvSpPr>
+            <p:spPr>
+              <a:xfrm>
+                <a:off x="453284" y="7347647"/>
+                <a:ext cx="203835" cy="246221"/>
+              </a:xfrm>
+              <a:prstGeom prst="rect">
+                <a:avLst/>
+              </a:prstGeom>
+              <a:noFill/>
+            </p:spPr>
+            <p:txBody>
+              <a:bodyPr wrap="square" lIns="36000" tIns="0" rIns="36000" bIns="0" rtlCol="0">
+                <a:spAutoFit/>
+              </a:bodyPr>
+              <a:lstStyle/>
+              <a:p>
+                <a:pPr algn="ctr"/>
+                <a:r>
+                  <a:rPr lang="en-US" altLang="zh-TW" sz="1600" dirty="0"/>
+                  <a:t>5</a:t>
+                </a:r>
+                <a:endParaRPr lang="zh-TW" altLang="en-US" sz="1600" dirty="0"/>
+              </a:p>
+            </p:txBody>
+          </p:sp>
+          <p:sp>
+            <p:nvSpPr>
+              <p:cNvPr id="5" name="文字方塊 4">
+                <a:extLst>
+                  <a:ext uri="{FF2B5EF4-FFF2-40B4-BE49-F238E27FC236}">
+                    <a16:creationId xmlns:a16="http://schemas.microsoft.com/office/drawing/2014/main" id="{526BD331-F6A9-84D9-D241-D22E9FB59CFD}"/>
+                  </a:ext>
+                </a:extLst>
+              </p:cNvPr>
+              <p:cNvSpPr txBox="1"/>
+              <p:nvPr/>
+            </p:nvSpPr>
+            <p:spPr>
+              <a:xfrm>
+                <a:off x="453284" y="7553806"/>
+                <a:ext cx="203835" cy="246221"/>
+              </a:xfrm>
+              <a:prstGeom prst="rect">
+                <a:avLst/>
+              </a:prstGeom>
+              <a:noFill/>
+            </p:spPr>
+            <p:txBody>
+              <a:bodyPr wrap="square" lIns="36000" tIns="0" rIns="36000" bIns="0" rtlCol="0">
+                <a:spAutoFit/>
+              </a:bodyPr>
+              <a:lstStyle/>
+              <a:p>
+                <a:pPr algn="ctr"/>
+                <a:r>
+                  <a:rPr lang="en-US" altLang="zh-TW" sz="1600" dirty="0"/>
+                  <a:t>4</a:t>
+                </a:r>
+                <a:endParaRPr lang="zh-TW" altLang="en-US" sz="1600" dirty="0"/>
+              </a:p>
+            </p:txBody>
+          </p:sp>
+          <p:sp>
+            <p:nvSpPr>
+              <p:cNvPr id="8" name="文字方塊 7">
+                <a:extLst>
+                  <a:ext uri="{FF2B5EF4-FFF2-40B4-BE49-F238E27FC236}">
+                    <a16:creationId xmlns:a16="http://schemas.microsoft.com/office/drawing/2014/main" id="{3007C983-F8E8-F7D9-6C8C-E080231E793B}"/>
+                  </a:ext>
+                </a:extLst>
+              </p:cNvPr>
+              <p:cNvSpPr txBox="1"/>
+              <p:nvPr/>
+            </p:nvSpPr>
+            <p:spPr>
+              <a:xfrm>
+                <a:off x="453284" y="7966124"/>
+                <a:ext cx="203835" cy="246221"/>
+              </a:xfrm>
+              <a:prstGeom prst="rect">
+                <a:avLst/>
+              </a:prstGeom>
+              <a:noFill/>
+            </p:spPr>
+            <p:txBody>
+              <a:bodyPr wrap="square" lIns="36000" tIns="0" rIns="36000" bIns="0" rtlCol="0">
+                <a:spAutoFit/>
+              </a:bodyPr>
+              <a:lstStyle/>
+              <a:p>
+                <a:pPr algn="ctr"/>
+                <a:r>
+                  <a:rPr lang="en-US" altLang="zh-TW" sz="1600" dirty="0"/>
+                  <a:t>2</a:t>
+                </a:r>
+                <a:endParaRPr lang="zh-TW" altLang="en-US" sz="1600" dirty="0"/>
+              </a:p>
+            </p:txBody>
+          </p:sp>
+          <p:sp>
+            <p:nvSpPr>
+              <p:cNvPr id="9" name="文字方塊 8">
+                <a:extLst>
+                  <a:ext uri="{FF2B5EF4-FFF2-40B4-BE49-F238E27FC236}">
+                    <a16:creationId xmlns:a16="http://schemas.microsoft.com/office/drawing/2014/main" id="{9E7795D3-BB4F-A026-3ED1-7D5D6E22402F}"/>
+                  </a:ext>
+                </a:extLst>
+              </p:cNvPr>
+              <p:cNvSpPr txBox="1"/>
+              <p:nvPr/>
+            </p:nvSpPr>
+            <p:spPr>
+              <a:xfrm>
+                <a:off x="453284" y="7759965"/>
+                <a:ext cx="203835" cy="246221"/>
+              </a:xfrm>
+              <a:prstGeom prst="rect">
+                <a:avLst/>
+              </a:prstGeom>
+              <a:noFill/>
+            </p:spPr>
+            <p:txBody>
+              <a:bodyPr wrap="square" lIns="36000" tIns="0" rIns="36000" bIns="0" rtlCol="0">
+                <a:spAutoFit/>
+              </a:bodyPr>
+              <a:lstStyle/>
+              <a:p>
+                <a:pPr algn="ctr"/>
+                <a:r>
+                  <a:rPr lang="en-US" altLang="zh-TW" sz="1600" dirty="0"/>
+                  <a:t>3</a:t>
+                </a:r>
+                <a:endParaRPr lang="zh-TW" altLang="en-US" sz="1600" dirty="0"/>
+              </a:p>
+            </p:txBody>
+          </p:sp>
+          <p:sp>
+            <p:nvSpPr>
+              <p:cNvPr id="12" name="文字方塊 11">
+                <a:extLst>
+                  <a:ext uri="{FF2B5EF4-FFF2-40B4-BE49-F238E27FC236}">
+                    <a16:creationId xmlns:a16="http://schemas.microsoft.com/office/drawing/2014/main" id="{6B34DF4F-CB9C-6F69-7F29-69CC9DFFF8CA}"/>
+                  </a:ext>
+                </a:extLst>
+              </p:cNvPr>
+              <p:cNvSpPr txBox="1"/>
+              <p:nvPr/>
+            </p:nvSpPr>
+            <p:spPr>
+              <a:xfrm>
+                <a:off x="453284" y="8172284"/>
+                <a:ext cx="203835" cy="246221"/>
+              </a:xfrm>
+              <a:prstGeom prst="rect">
+                <a:avLst/>
+              </a:prstGeom>
+              <a:noFill/>
+            </p:spPr>
+            <p:txBody>
+              <a:bodyPr wrap="square" lIns="36000" tIns="0" rIns="36000" bIns="0" rtlCol="0">
+                <a:spAutoFit/>
+              </a:bodyPr>
+              <a:lstStyle/>
+              <a:p>
+                <a:pPr algn="ctr"/>
+                <a:r>
+                  <a:rPr lang="en-US" altLang="zh-TW" sz="1600" dirty="0"/>
+                  <a:t>1</a:t>
+                </a:r>
+                <a:endParaRPr lang="zh-TW" altLang="en-US" sz="1600" dirty="0"/>
+              </a:p>
+            </p:txBody>
+          </p:sp>
+        </p:grpSp>
+        <p:pic>
+          <p:nvPicPr>
+            <p:cNvPr id="19" name="圖片 18">
+              <a:extLst>
+                <a:ext uri="{FF2B5EF4-FFF2-40B4-BE49-F238E27FC236}">
+                  <a16:creationId xmlns:a16="http://schemas.microsoft.com/office/drawing/2014/main" id="{C3F22DFE-3711-C8DB-14A1-3479CE2FE7F4}"/>
+                </a:ext>
+              </a:extLst>
+            </p:cNvPr>
+            <p:cNvPicPr>
+              <a:picLocks noChangeAspect="1"/>
+            </p:cNvPicPr>
+            <p:nvPr/>
+          </p:nvPicPr>
+          <p:blipFill>
+            <a:blip r:embed="rId4"/>
+            <a:stretch>
+              <a:fillRect/>
+            </a:stretch>
+          </p:blipFill>
+          <p:spPr>
+            <a:xfrm>
+              <a:off x="615084" y="7347647"/>
+              <a:ext cx="5771429" cy="1657143"/>
+            </a:xfrm>
+            <a:prstGeom prst="rect">
+              <a:avLst/>
+            </a:prstGeom>
+          </p:spPr>
+        </p:pic>
+      </p:grpSp>
     </p:spTree>
     <p:extLst>
       <p:ext uri="{BB962C8B-B14F-4D97-AF65-F5344CB8AC3E}">
@@ -6738,6 +6883,479 @@
 </file>
 
 <file path=ppt/slides/slide12.xml><?xml version="1.0" encoding="utf-8"?>
+<p:sld xmlns:a="http://schemas.openxmlformats.org/drawingml/2006/main" xmlns:r="http://schemas.openxmlformats.org/officeDocument/2006/relationships" xmlns:p="http://schemas.openxmlformats.org/presentationml/2006/main">
+  <p:cSld>
+    <p:spTree>
+      <p:nvGrpSpPr>
+        <p:cNvPr id="1" name="">
+          <a:extLst>
+            <a:ext uri="{FF2B5EF4-FFF2-40B4-BE49-F238E27FC236}">
+              <a16:creationId xmlns:a16="http://schemas.microsoft.com/office/drawing/2014/main" id="{B4C6A33D-8EE4-B0B6-D893-FB02FF9A6C05}"/>
+            </a:ext>
+          </a:extLst>
+        </p:cNvPr>
+        <p:cNvGrpSpPr/>
+        <p:nvPr/>
+      </p:nvGrpSpPr>
+      <p:grpSpPr>
+        <a:xfrm>
+          <a:off x="0" y="0"/>
+          <a:ext cx="0" cy="0"/>
+          <a:chOff x="0" y="0"/>
+          <a:chExt cx="0" cy="0"/>
+        </a:xfrm>
+      </p:grpSpPr>
+      <p:sp>
+        <p:nvSpPr>
+          <p:cNvPr id="11" name="投影片編號版面配置區 10">
+            <a:extLst>
+              <a:ext uri="{FF2B5EF4-FFF2-40B4-BE49-F238E27FC236}">
+                <a16:creationId xmlns:a16="http://schemas.microsoft.com/office/drawing/2014/main" id="{1D5544D7-96B9-3436-3571-ED80094B0413}"/>
+              </a:ext>
+            </a:extLst>
+          </p:cNvPr>
+          <p:cNvSpPr>
+            <a:spLocks noGrp="1"/>
+          </p:cNvSpPr>
+          <p:nvPr>
+            <p:ph type="sldNum" sz="quarter" idx="12"/>
+          </p:nvPr>
+        </p:nvSpPr>
+        <p:spPr/>
+        <p:txBody>
+          <a:bodyPr rtlCol="0"/>
+          <a:lstStyle/>
+          <a:p>
+            <a:pPr rtl="0"/>
+            <a:fld id="{D8DA9DAA-006C-4F4B-980E-E3DF019B24E2}" type="slidenum">
+              <a:rPr lang="en-US" altLang="zh-TW" smtClean="0">
+                <a:latin typeface="Microsoft JhengHei UI" panose="020B0604030504040204" pitchFamily="34" charset="-120"/>
+                <a:ea typeface="Microsoft JhengHei UI" panose="020B0604030504040204" pitchFamily="34" charset="-120"/>
+              </a:rPr>
+              <a:pPr rtl="0"/>
+              <a:t>12</a:t>
+            </a:fld>
+            <a:endParaRPr lang="zh-TW" altLang="en-US">
+              <a:latin typeface="Microsoft JhengHei UI" panose="020B0604030504040204" pitchFamily="34" charset="-120"/>
+              <a:ea typeface="Microsoft JhengHei UI" panose="020B0604030504040204" pitchFamily="34" charset="-120"/>
+            </a:endParaRPr>
+          </a:p>
+        </p:txBody>
+      </p:sp>
+      <p:sp>
+        <p:nvSpPr>
+          <p:cNvPr id="7" name="標題 6">
+            <a:extLst>
+              <a:ext uri="{FF2B5EF4-FFF2-40B4-BE49-F238E27FC236}">
+                <a16:creationId xmlns:a16="http://schemas.microsoft.com/office/drawing/2014/main" id="{3E76039A-D5B8-7818-1519-2F088E04F0CB}"/>
+              </a:ext>
+            </a:extLst>
+          </p:cNvPr>
+          <p:cNvSpPr>
+            <a:spLocks noGrp="1"/>
+          </p:cNvSpPr>
+          <p:nvPr>
+            <p:ph type="title"/>
+          </p:nvPr>
+        </p:nvSpPr>
+        <p:spPr>
+          <a:xfrm>
+            <a:off x="327025" y="883284"/>
+            <a:ext cx="5945188" cy="547307"/>
+          </a:xfrm>
+        </p:spPr>
+        <p:txBody>
+          <a:bodyPr>
+            <a:normAutofit fontScale="90000"/>
+          </a:bodyPr>
+          <a:lstStyle/>
+          <a:p>
+            <a:r>
+              <a:rPr lang="zh-TW" altLang="en-US" dirty="0">
+                <a:latin typeface="Noto Serif TC Black" panose="02020200000000000000" pitchFamily="18" charset="-128"/>
+                <a:ea typeface="Noto Serif TC Black" panose="02020200000000000000" pitchFamily="18" charset="-128"/>
+              </a:rPr>
+              <a:t>泉州</a:t>
+            </a:r>
+            <a:r>
+              <a:rPr lang="en-US" altLang="zh-TW" dirty="0">
+                <a:latin typeface="Noto Serif TC Black" panose="02020200000000000000" pitchFamily="18" charset="-128"/>
+                <a:ea typeface="Noto Serif TC Black" panose="02020200000000000000" pitchFamily="18" charset="-128"/>
+              </a:rPr>
+              <a:t>/</a:t>
+            </a:r>
+            <a:r>
+              <a:rPr lang="zh-TW" altLang="en-US" dirty="0">
+                <a:latin typeface="Noto Serif TC Black" panose="02020200000000000000" pitchFamily="18" charset="-128"/>
+                <a:ea typeface="Noto Serif TC Black" panose="02020200000000000000" pitchFamily="18" charset="-128"/>
+              </a:rPr>
+              <a:t>漳州</a:t>
+            </a:r>
+            <a:r>
+              <a:rPr lang="en-US" altLang="zh-TW" dirty="0">
+                <a:latin typeface="Noto Serif TC Black" panose="02020200000000000000" pitchFamily="18" charset="-128"/>
+                <a:ea typeface="Noto Serif TC Black" panose="02020200000000000000" pitchFamily="18" charset="-128"/>
+              </a:rPr>
+              <a:t>/</a:t>
+            </a:r>
+            <a:r>
+              <a:rPr lang="zh-TW" altLang="en-US" dirty="0">
+                <a:latin typeface="Noto Serif TC Black" panose="02020200000000000000" pitchFamily="18" charset="-128"/>
+                <a:ea typeface="Noto Serif TC Black" panose="02020200000000000000" pitchFamily="18" charset="-128"/>
+              </a:rPr>
+              <a:t>廈門</a:t>
+            </a:r>
+            <a:r>
+              <a:rPr lang="en-US" altLang="zh-TW" dirty="0">
+                <a:latin typeface="Noto Serif TC Black" panose="02020200000000000000" pitchFamily="18" charset="-128"/>
+                <a:ea typeface="Noto Serif TC Black" panose="02020200000000000000" pitchFamily="18" charset="-128"/>
+              </a:rPr>
+              <a:t>/</a:t>
+            </a:r>
+            <a:r>
+              <a:rPr lang="zh-TW" altLang="en-US" dirty="0">
+                <a:latin typeface="Noto Serif TC Black" panose="02020200000000000000" pitchFamily="18" charset="-128"/>
+                <a:ea typeface="Noto Serif TC Black" panose="02020200000000000000" pitchFamily="18" charset="-128"/>
+              </a:rPr>
+              <a:t>台灣腔</a:t>
+            </a:r>
+            <a:r>
+              <a:rPr lang="en-US" altLang="zh-TW" dirty="0">
+                <a:latin typeface="Noto Serif TC Black" panose="02020200000000000000" pitchFamily="18" charset="-128"/>
+                <a:ea typeface="Noto Serif TC Black" panose="02020200000000000000" pitchFamily="18" charset="-128"/>
+              </a:rPr>
+              <a:t>【</a:t>
+            </a:r>
+            <a:r>
+              <a:rPr lang="zh-TW" altLang="en-US" dirty="0">
+                <a:latin typeface="Noto Serif TC Black" panose="02020200000000000000" pitchFamily="18" charset="-128"/>
+                <a:ea typeface="Noto Serif TC Black" panose="02020200000000000000" pitchFamily="18" charset="-128"/>
+              </a:rPr>
+              <a:t>調值</a:t>
+            </a:r>
+            <a:r>
+              <a:rPr lang="en-US" altLang="zh-TW" dirty="0">
+                <a:latin typeface="Noto Serif TC Black" panose="02020200000000000000" pitchFamily="18" charset="-128"/>
+                <a:ea typeface="Noto Serif TC Black" panose="02020200000000000000" pitchFamily="18" charset="-128"/>
+              </a:rPr>
+              <a:t>】</a:t>
+            </a:r>
+            <a:r>
+              <a:rPr lang="zh-TW" altLang="en-US" dirty="0">
+                <a:latin typeface="Noto Serif TC Black" panose="02020200000000000000" pitchFamily="18" charset="-128"/>
+                <a:ea typeface="Noto Serif TC Black" panose="02020200000000000000" pitchFamily="18" charset="-128"/>
+              </a:rPr>
+              <a:t>比較</a:t>
+            </a:r>
+            <a:endParaRPr lang="zh-TW" altLang="en-US" dirty="0">
+              <a:solidFill>
+                <a:schemeClr val="accent5"/>
+              </a:solidFill>
+            </a:endParaRPr>
+          </a:p>
+        </p:txBody>
+      </p:sp>
+      <p:pic>
+        <p:nvPicPr>
+          <p:cNvPr id="2" name="圖片 1">
+            <a:extLst>
+              <a:ext uri="{FF2B5EF4-FFF2-40B4-BE49-F238E27FC236}">
+                <a16:creationId xmlns:a16="http://schemas.microsoft.com/office/drawing/2014/main" id="{1172C7A1-6701-A132-C14C-B1FAB6E464B7}"/>
+              </a:ext>
+            </a:extLst>
+          </p:cNvPr>
+          <p:cNvPicPr>
+            <a:picLocks noChangeAspect="1"/>
+          </p:cNvPicPr>
+          <p:nvPr/>
+        </p:nvPicPr>
+        <p:blipFill>
+          <a:blip r:embed="rId3"/>
+          <a:stretch>
+            <a:fillRect/>
+          </a:stretch>
+        </p:blipFill>
+        <p:spPr>
+          <a:xfrm>
+            <a:off x="441325" y="1659612"/>
+            <a:ext cx="5765206" cy="6093307"/>
+          </a:xfrm>
+          <a:prstGeom prst="rect">
+            <a:avLst/>
+          </a:prstGeom>
+        </p:spPr>
+      </p:pic>
+      <p:grpSp>
+        <p:nvGrpSpPr>
+          <p:cNvPr id="4" name="群組 3">
+            <a:extLst>
+              <a:ext uri="{FF2B5EF4-FFF2-40B4-BE49-F238E27FC236}">
+                <a16:creationId xmlns:a16="http://schemas.microsoft.com/office/drawing/2014/main" id="{A4482111-6D27-7520-D096-69EA4B242804}"/>
+              </a:ext>
+            </a:extLst>
+          </p:cNvPr>
+          <p:cNvGrpSpPr/>
+          <p:nvPr/>
+        </p:nvGrpSpPr>
+        <p:grpSpPr>
+          <a:xfrm>
+            <a:off x="441325" y="8697978"/>
+            <a:ext cx="5933229" cy="1657143"/>
+            <a:chOff x="453284" y="7347647"/>
+            <a:chExt cx="5933229" cy="1657143"/>
+          </a:xfrm>
+        </p:grpSpPr>
+        <p:grpSp>
+          <p:nvGrpSpPr>
+            <p:cNvPr id="5" name="群組 4">
+              <a:extLst>
+                <a:ext uri="{FF2B5EF4-FFF2-40B4-BE49-F238E27FC236}">
+                  <a16:creationId xmlns:a16="http://schemas.microsoft.com/office/drawing/2014/main" id="{53C63EFF-02AA-3320-EE0D-5D9413050B6D}"/>
+                </a:ext>
+              </a:extLst>
+            </p:cNvPr>
+            <p:cNvGrpSpPr/>
+            <p:nvPr/>
+          </p:nvGrpSpPr>
+          <p:grpSpPr>
+            <a:xfrm>
+              <a:off x="453284" y="7347647"/>
+              <a:ext cx="203835" cy="1070858"/>
+              <a:chOff x="453284" y="7347647"/>
+              <a:chExt cx="203835" cy="1070858"/>
+            </a:xfrm>
+          </p:grpSpPr>
+          <p:sp>
+            <p:nvSpPr>
+              <p:cNvPr id="8" name="文字方塊 7">
+                <a:extLst>
+                  <a:ext uri="{FF2B5EF4-FFF2-40B4-BE49-F238E27FC236}">
+                    <a16:creationId xmlns:a16="http://schemas.microsoft.com/office/drawing/2014/main" id="{8C3DEEF2-56CA-A618-BC13-155C6E62F8FD}"/>
+                  </a:ext>
+                </a:extLst>
+              </p:cNvPr>
+              <p:cNvSpPr txBox="1"/>
+              <p:nvPr/>
+            </p:nvSpPr>
+            <p:spPr>
+              <a:xfrm>
+                <a:off x="453284" y="7347647"/>
+                <a:ext cx="203835" cy="246221"/>
+              </a:xfrm>
+              <a:prstGeom prst="rect">
+                <a:avLst/>
+              </a:prstGeom>
+              <a:noFill/>
+            </p:spPr>
+            <p:txBody>
+              <a:bodyPr wrap="square" lIns="36000" tIns="0" rIns="36000" bIns="0" rtlCol="0">
+                <a:spAutoFit/>
+              </a:bodyPr>
+              <a:lstStyle/>
+              <a:p>
+                <a:pPr algn="ctr"/>
+                <a:r>
+                  <a:rPr lang="en-US" altLang="zh-TW" sz="1600" dirty="0"/>
+                  <a:t>5</a:t>
+                </a:r>
+                <a:endParaRPr lang="zh-TW" altLang="en-US" sz="1600" dirty="0"/>
+              </a:p>
+            </p:txBody>
+          </p:sp>
+          <p:sp>
+            <p:nvSpPr>
+              <p:cNvPr id="9" name="文字方塊 8">
+                <a:extLst>
+                  <a:ext uri="{FF2B5EF4-FFF2-40B4-BE49-F238E27FC236}">
+                    <a16:creationId xmlns:a16="http://schemas.microsoft.com/office/drawing/2014/main" id="{0AF65B51-81D0-05CC-D92A-52DEE36831E6}"/>
+                  </a:ext>
+                </a:extLst>
+              </p:cNvPr>
+              <p:cNvSpPr txBox="1"/>
+              <p:nvPr/>
+            </p:nvSpPr>
+            <p:spPr>
+              <a:xfrm>
+                <a:off x="453284" y="7553806"/>
+                <a:ext cx="203835" cy="246221"/>
+              </a:xfrm>
+              <a:prstGeom prst="rect">
+                <a:avLst/>
+              </a:prstGeom>
+              <a:noFill/>
+            </p:spPr>
+            <p:txBody>
+              <a:bodyPr wrap="square" lIns="36000" tIns="0" rIns="36000" bIns="0" rtlCol="0">
+                <a:spAutoFit/>
+              </a:bodyPr>
+              <a:lstStyle/>
+              <a:p>
+                <a:pPr algn="ctr"/>
+                <a:r>
+                  <a:rPr lang="en-US" altLang="zh-TW" sz="1600" dirty="0"/>
+                  <a:t>4</a:t>
+                </a:r>
+                <a:endParaRPr lang="zh-TW" altLang="en-US" sz="1600" dirty="0"/>
+              </a:p>
+            </p:txBody>
+          </p:sp>
+          <p:sp>
+            <p:nvSpPr>
+              <p:cNvPr id="10" name="文字方塊 9">
+                <a:extLst>
+                  <a:ext uri="{FF2B5EF4-FFF2-40B4-BE49-F238E27FC236}">
+                    <a16:creationId xmlns:a16="http://schemas.microsoft.com/office/drawing/2014/main" id="{44E23D85-6487-CB21-F655-34EA0A85E89F}"/>
+                  </a:ext>
+                </a:extLst>
+              </p:cNvPr>
+              <p:cNvSpPr txBox="1"/>
+              <p:nvPr/>
+            </p:nvSpPr>
+            <p:spPr>
+              <a:xfrm>
+                <a:off x="453284" y="7966124"/>
+                <a:ext cx="203835" cy="246221"/>
+              </a:xfrm>
+              <a:prstGeom prst="rect">
+                <a:avLst/>
+              </a:prstGeom>
+              <a:noFill/>
+            </p:spPr>
+            <p:txBody>
+              <a:bodyPr wrap="square" lIns="36000" tIns="0" rIns="36000" bIns="0" rtlCol="0">
+                <a:spAutoFit/>
+              </a:bodyPr>
+              <a:lstStyle/>
+              <a:p>
+                <a:pPr algn="ctr"/>
+                <a:r>
+                  <a:rPr lang="en-US" altLang="zh-TW" sz="1600" dirty="0"/>
+                  <a:t>2</a:t>
+                </a:r>
+                <a:endParaRPr lang="zh-TW" altLang="en-US" sz="1600" dirty="0"/>
+              </a:p>
+            </p:txBody>
+          </p:sp>
+          <p:sp>
+            <p:nvSpPr>
+              <p:cNvPr id="12" name="文字方塊 11">
+                <a:extLst>
+                  <a:ext uri="{FF2B5EF4-FFF2-40B4-BE49-F238E27FC236}">
+                    <a16:creationId xmlns:a16="http://schemas.microsoft.com/office/drawing/2014/main" id="{779A124C-85A6-43EB-9BA0-CD97CD0AE197}"/>
+                  </a:ext>
+                </a:extLst>
+              </p:cNvPr>
+              <p:cNvSpPr txBox="1"/>
+              <p:nvPr/>
+            </p:nvSpPr>
+            <p:spPr>
+              <a:xfrm>
+                <a:off x="453284" y="7759965"/>
+                <a:ext cx="203835" cy="246221"/>
+              </a:xfrm>
+              <a:prstGeom prst="rect">
+                <a:avLst/>
+              </a:prstGeom>
+              <a:noFill/>
+            </p:spPr>
+            <p:txBody>
+              <a:bodyPr wrap="square" lIns="36000" tIns="0" rIns="36000" bIns="0" rtlCol="0">
+                <a:spAutoFit/>
+              </a:bodyPr>
+              <a:lstStyle/>
+              <a:p>
+                <a:pPr algn="ctr"/>
+                <a:r>
+                  <a:rPr lang="en-US" altLang="zh-TW" sz="1600" dirty="0"/>
+                  <a:t>3</a:t>
+                </a:r>
+                <a:endParaRPr lang="zh-TW" altLang="en-US" sz="1600" dirty="0"/>
+              </a:p>
+            </p:txBody>
+          </p:sp>
+          <p:sp>
+            <p:nvSpPr>
+              <p:cNvPr id="13" name="文字方塊 12">
+                <a:extLst>
+                  <a:ext uri="{FF2B5EF4-FFF2-40B4-BE49-F238E27FC236}">
+                    <a16:creationId xmlns:a16="http://schemas.microsoft.com/office/drawing/2014/main" id="{EAD05D2F-949B-5B78-EF96-DC93CB2204A8}"/>
+                  </a:ext>
+                </a:extLst>
+              </p:cNvPr>
+              <p:cNvSpPr txBox="1"/>
+              <p:nvPr/>
+            </p:nvSpPr>
+            <p:spPr>
+              <a:xfrm>
+                <a:off x="453284" y="8172284"/>
+                <a:ext cx="203835" cy="246221"/>
+              </a:xfrm>
+              <a:prstGeom prst="rect">
+                <a:avLst/>
+              </a:prstGeom>
+              <a:noFill/>
+            </p:spPr>
+            <p:txBody>
+              <a:bodyPr wrap="square" lIns="36000" tIns="0" rIns="36000" bIns="0" rtlCol="0">
+                <a:spAutoFit/>
+              </a:bodyPr>
+              <a:lstStyle/>
+              <a:p>
+                <a:pPr algn="ctr"/>
+                <a:r>
+                  <a:rPr lang="en-US" altLang="zh-TW" sz="1600" dirty="0"/>
+                  <a:t>1</a:t>
+                </a:r>
+                <a:endParaRPr lang="zh-TW" altLang="en-US" sz="1600" dirty="0"/>
+              </a:p>
+            </p:txBody>
+          </p:sp>
+        </p:grpSp>
+        <p:pic>
+          <p:nvPicPr>
+            <p:cNvPr id="6" name="圖片 5">
+              <a:extLst>
+                <a:ext uri="{FF2B5EF4-FFF2-40B4-BE49-F238E27FC236}">
+                  <a16:creationId xmlns:a16="http://schemas.microsoft.com/office/drawing/2014/main" id="{0B78C010-5764-F5D5-6F26-1CA49C4AE525}"/>
+                </a:ext>
+              </a:extLst>
+            </p:cNvPr>
+            <p:cNvPicPr>
+              <a:picLocks noChangeAspect="1"/>
+            </p:cNvPicPr>
+            <p:nvPr/>
+          </p:nvPicPr>
+          <p:blipFill>
+            <a:blip r:embed="rId4"/>
+            <a:stretch>
+              <a:fillRect/>
+            </a:stretch>
+          </p:blipFill>
+          <p:spPr>
+            <a:xfrm>
+              <a:off x="615084" y="7347647"/>
+              <a:ext cx="5771429" cy="1657143"/>
+            </a:xfrm>
+            <a:prstGeom prst="rect">
+              <a:avLst/>
+            </a:prstGeom>
+          </p:spPr>
+        </p:pic>
+      </p:grpSp>
+    </p:spTree>
+    <p:extLst>
+      <p:ext uri="{BB962C8B-B14F-4D97-AF65-F5344CB8AC3E}">
+        <p14:creationId xmlns:p14="http://schemas.microsoft.com/office/powerpoint/2010/main" val="2371879590"/>
+      </p:ext>
+    </p:extLst>
+  </p:cSld>
+  <p:clrMapOvr>
+    <a:masterClrMapping/>
+  </p:clrMapOvr>
+</p:sld>
+</file>
+
+<file path=ppt/slides/slide13.xml><?xml version="1.0" encoding="utf-8"?>
 <p:sld xmlns:a="http://schemas.openxmlformats.org/drawingml/2006/main" xmlns:r="http://schemas.openxmlformats.org/officeDocument/2006/relationships" xmlns:p="http://schemas.openxmlformats.org/presentationml/2006/main">
   <p:cSld>
     <p:spTree>
@@ -6788,7 +7406,7 @@
                 <a:ea typeface="Microsoft JhengHei UI" panose="020B0604030504040204" pitchFamily="34" charset="-120"/>
               </a:rPr>
               <a:pPr rtl="0"/>
-              <a:t>12</a:t>
+              <a:t>13</a:t>
             </a:fld>
             <a:endParaRPr lang="zh-TW" altLang="en-US">
               <a:latin typeface="Microsoft JhengHei UI" panose="020B0604030504040204" pitchFamily="34" charset="-120"/>
@@ -6980,7 +7598,7 @@
 </p:sld>
 </file>
 
-<file path=ppt/slides/slide13.xml><?xml version="1.0" encoding="utf-8"?>
+<file path=ppt/slides/slide14.xml><?xml version="1.0" encoding="utf-8"?>
 <p:sld xmlns:a="http://schemas.openxmlformats.org/drawingml/2006/main" xmlns:r="http://schemas.openxmlformats.org/officeDocument/2006/relationships" xmlns:p="http://schemas.openxmlformats.org/presentationml/2006/main">
   <p:cSld>
     <p:spTree>
@@ -7104,7 +7722,7 @@
                 <a:ea typeface="Microsoft JhengHei UI" panose="020B0604030504040204" pitchFamily="34" charset="-120"/>
               </a:rPr>
               <a:pPr rtl="0"/>
-              <a:t>13</a:t>
+              <a:t>14</a:t>
             </a:fld>
             <a:endParaRPr lang="zh-TW" altLang="en-US">
               <a:latin typeface="Microsoft JhengHei UI" panose="020B0604030504040204" pitchFamily="34" charset="-120"/>
@@ -7233,7 +7851,7 @@
 </p:sld>
 </file>
 
-<file path=ppt/slides/slide14.xml><?xml version="1.0" encoding="utf-8"?>
+<file path=ppt/slides/slide15.xml><?xml version="1.0" encoding="utf-8"?>
 <p:sld xmlns:a="http://schemas.openxmlformats.org/drawingml/2006/main" xmlns:r="http://schemas.openxmlformats.org/officeDocument/2006/relationships" xmlns:p="http://schemas.openxmlformats.org/presentationml/2006/main">
   <p:cSld>
     <p:spTree>
@@ -7284,7 +7902,7 @@
                 <a:ea typeface="Microsoft JhengHei UI" panose="020B0604030504040204" pitchFamily="34" charset="-120"/>
               </a:rPr>
               <a:pPr rtl="0"/>
-              <a:t>14</a:t>
+              <a:t>15</a:t>
             </a:fld>
             <a:endParaRPr lang="zh-TW" altLang="en-US">
               <a:latin typeface="Microsoft JhengHei UI" panose="020B0604030504040204" pitchFamily="34" charset="-120"/>
@@ -7427,7 +8045,7 @@
 </p:sld>
 </file>
 
-<file path=ppt/slides/slide15.xml><?xml version="1.0" encoding="utf-8"?>
+<file path=ppt/slides/slide16.xml><?xml version="1.0" encoding="utf-8"?>
 <p:sld xmlns:a="http://schemas.openxmlformats.org/drawingml/2006/main" xmlns:r="http://schemas.openxmlformats.org/officeDocument/2006/relationships" xmlns:p="http://schemas.openxmlformats.org/presentationml/2006/main">
   <p:cSld>
     <p:spTree>
@@ -8350,7 +8968,7 @@
 </p:sld>
 </file>
 
-<file path=ppt/slides/slide16.xml><?xml version="1.0" encoding="utf-8"?>
+<file path=ppt/slides/slide17.xml><?xml version="1.0" encoding="utf-8"?>
 <p:sld xmlns:a="http://schemas.openxmlformats.org/drawingml/2006/main" xmlns:r="http://schemas.openxmlformats.org/officeDocument/2006/relationships" xmlns:p="http://schemas.openxmlformats.org/presentationml/2006/main">
   <p:cSld>
     <p:spTree>
@@ -8401,7 +9019,7 @@
                 <a:ea typeface="Microsoft JhengHei UI" panose="020B0604030504040204" pitchFamily="34" charset="-120"/>
               </a:rPr>
               <a:pPr rtl="0"/>
-              <a:t>16</a:t>
+              <a:t>17</a:t>
             </a:fld>
             <a:endParaRPr lang="zh-TW" altLang="en-US">
               <a:latin typeface="Microsoft JhengHei UI" panose="020B0604030504040204" pitchFamily="34" charset="-120"/>
@@ -8510,7 +9128,7 @@
 </p:sld>
 </file>
 
-<file path=ppt/slides/slide17.xml><?xml version="1.0" encoding="utf-8"?>
+<file path=ppt/slides/slide18.xml><?xml version="1.0" encoding="utf-8"?>
 <p:sld xmlns:a="http://schemas.openxmlformats.org/drawingml/2006/main" xmlns:r="http://schemas.openxmlformats.org/officeDocument/2006/relationships" xmlns:p="http://schemas.openxmlformats.org/presentationml/2006/main">
   <p:cSld>
     <p:spTree>
@@ -8561,7 +9179,7 @@
                 <a:ea typeface="Microsoft JhengHei UI" panose="020B0604030504040204" pitchFamily="34" charset="-120"/>
               </a:rPr>
               <a:pPr rtl="0"/>
-              <a:t>17</a:t>
+              <a:t>18</a:t>
             </a:fld>
             <a:endParaRPr lang="zh-TW" altLang="en-US">
               <a:latin typeface="Microsoft JhengHei UI" panose="020B0604030504040204" pitchFamily="34" charset="-120"/>
@@ -9519,7 +10137,7 @@
 </p:sld>
 </file>
 
-<file path=ppt/slides/slide18.xml><?xml version="1.0" encoding="utf-8"?>
+<file path=ppt/slides/slide19.xml><?xml version="1.0" encoding="utf-8"?>
 <p:sld xmlns:a="http://schemas.openxmlformats.org/drawingml/2006/main" xmlns:r="http://schemas.openxmlformats.org/officeDocument/2006/relationships" xmlns:p="http://schemas.openxmlformats.org/presentationml/2006/main">
   <p:cSld>
     <p:spTree>
@@ -10753,7 +11371,122 @@
 </p:sld>
 </file>
 
-<file path=ppt/slides/slide19.xml><?xml version="1.0" encoding="utf-8"?>
+<file path=ppt/slides/slide2.xml><?xml version="1.0" encoding="utf-8"?>
+<p:sld xmlns:a="http://schemas.openxmlformats.org/drawingml/2006/main" xmlns:r="http://schemas.openxmlformats.org/officeDocument/2006/relationships" xmlns:p="http://schemas.openxmlformats.org/presentationml/2006/main">
+  <p:cSld>
+    <p:spTree>
+      <p:nvGrpSpPr>
+        <p:cNvPr id="1" name="">
+          <a:extLst>
+            <a:ext uri="{FF2B5EF4-FFF2-40B4-BE49-F238E27FC236}">
+              <a16:creationId xmlns:a16="http://schemas.microsoft.com/office/drawing/2014/main" id="{B6ECE55A-5EEF-8CF8-E0E2-E10BA02B2B27}"/>
+            </a:ext>
+          </a:extLst>
+        </p:cNvPr>
+        <p:cNvGrpSpPr/>
+        <p:nvPr/>
+      </p:nvGrpSpPr>
+      <p:grpSpPr>
+        <a:xfrm>
+          <a:off x="0" y="0"/>
+          <a:ext cx="0" cy="0"/>
+          <a:chOff x="0" y="0"/>
+          <a:chExt cx="0" cy="0"/>
+        </a:xfrm>
+      </p:grpSpPr>
+      <p:sp>
+        <p:nvSpPr>
+          <p:cNvPr id="5" name="標題 4">
+            <a:extLst>
+              <a:ext uri="{FF2B5EF4-FFF2-40B4-BE49-F238E27FC236}">
+                <a16:creationId xmlns:a16="http://schemas.microsoft.com/office/drawing/2014/main" id="{1920E05B-5FC2-EEF8-EFC1-70925335C81C}"/>
+              </a:ext>
+            </a:extLst>
+          </p:cNvPr>
+          <p:cNvSpPr>
+            <a:spLocks noGrp="1"/>
+          </p:cNvSpPr>
+          <p:nvPr>
+            <p:ph type="title"/>
+          </p:nvPr>
+        </p:nvSpPr>
+        <p:spPr>
+          <a:xfrm>
+            <a:off x="467916" y="3039537"/>
+            <a:ext cx="5915025" cy="1297332"/>
+          </a:xfrm>
+        </p:spPr>
+        <p:txBody>
+          <a:bodyPr/>
+          <a:lstStyle/>
+          <a:p>
+            <a:r>
+              <a:rPr lang="zh-TW" altLang="en-US" dirty="0">
+                <a:solidFill>
+                  <a:srgbClr val="002060"/>
+                </a:solidFill>
+                <a:latin typeface="Noto Serif TC Black" panose="02020200000000000000" pitchFamily="18" charset="-128"/>
+                <a:ea typeface="Noto Serif TC Black" panose="02020200000000000000" pitchFamily="18" charset="-128"/>
+              </a:rPr>
+              <a:t>漢字標音</a:t>
+            </a:r>
+          </a:p>
+        </p:txBody>
+      </p:sp>
+      <p:sp>
+        <p:nvSpPr>
+          <p:cNvPr id="6" name="文字版面配置區 5">
+            <a:extLst>
+              <a:ext uri="{FF2B5EF4-FFF2-40B4-BE49-F238E27FC236}">
+                <a16:creationId xmlns:a16="http://schemas.microsoft.com/office/drawing/2014/main" id="{D9F158EC-38F4-324E-1331-4B4A12909804}"/>
+              </a:ext>
+            </a:extLst>
+          </p:cNvPr>
+          <p:cNvSpPr>
+            <a:spLocks noGrp="1"/>
+          </p:cNvSpPr>
+          <p:nvPr>
+            <p:ph type="body" idx="1"/>
+          </p:nvPr>
+        </p:nvSpPr>
+        <p:spPr>
+          <a:xfrm>
+            <a:off x="467915" y="4762500"/>
+            <a:ext cx="5915025" cy="2666999"/>
+          </a:xfrm>
+        </p:spPr>
+        <p:txBody>
+          <a:bodyPr/>
+          <a:lstStyle/>
+          <a:p>
+            <a:endParaRPr lang="zh-TW" altLang="en-US" b="1" dirty="0">
+              <a:effectLst>
+                <a:outerShdw blurRad="38100" dist="38100" dir="2700000" algn="tl">
+                  <a:srgbClr val="000000">
+                    <a:alpha val="43137"/>
+                  </a:srgbClr>
+                </a:outerShdw>
+              </a:effectLst>
+              <a:latin typeface="霞鶩文楷 TC" panose="02020500000000000000" pitchFamily="18" charset="-120"/>
+              <a:ea typeface="霞鶩文楷 TC" panose="02020500000000000000" pitchFamily="18" charset="-120"/>
+            </a:endParaRPr>
+          </a:p>
+        </p:txBody>
+      </p:sp>
+    </p:spTree>
+    <p:extLst>
+      <p:ext uri="{BB962C8B-B14F-4D97-AF65-F5344CB8AC3E}">
+        <p14:creationId xmlns:p14="http://schemas.microsoft.com/office/powerpoint/2010/main" val="1972069389"/>
+      </p:ext>
+    </p:extLst>
+  </p:cSld>
+  <p:clrMapOvr>
+    <a:masterClrMapping/>
+  </p:clrMapOvr>
+</p:sld>
+</file>
+
+<file path=ppt/slides/slide20.xml><?xml version="1.0" encoding="utf-8"?>
 <p:sld xmlns:a="http://schemas.openxmlformats.org/drawingml/2006/main" xmlns:r="http://schemas.openxmlformats.org/officeDocument/2006/relationships" xmlns:p="http://schemas.openxmlformats.org/presentationml/2006/main">
   <p:cSld>
     <p:spTree>
@@ -11393,122 +12126,7 @@
 </p:sld>
 </file>
 
-<file path=ppt/slides/slide2.xml><?xml version="1.0" encoding="utf-8"?>
-<p:sld xmlns:a="http://schemas.openxmlformats.org/drawingml/2006/main" xmlns:r="http://schemas.openxmlformats.org/officeDocument/2006/relationships" xmlns:p="http://schemas.openxmlformats.org/presentationml/2006/main">
-  <p:cSld>
-    <p:spTree>
-      <p:nvGrpSpPr>
-        <p:cNvPr id="1" name="">
-          <a:extLst>
-            <a:ext uri="{FF2B5EF4-FFF2-40B4-BE49-F238E27FC236}">
-              <a16:creationId xmlns:a16="http://schemas.microsoft.com/office/drawing/2014/main" id="{B6ECE55A-5EEF-8CF8-E0E2-E10BA02B2B27}"/>
-            </a:ext>
-          </a:extLst>
-        </p:cNvPr>
-        <p:cNvGrpSpPr/>
-        <p:nvPr/>
-      </p:nvGrpSpPr>
-      <p:grpSpPr>
-        <a:xfrm>
-          <a:off x="0" y="0"/>
-          <a:ext cx="0" cy="0"/>
-          <a:chOff x="0" y="0"/>
-          <a:chExt cx="0" cy="0"/>
-        </a:xfrm>
-      </p:grpSpPr>
-      <p:sp>
-        <p:nvSpPr>
-          <p:cNvPr id="5" name="標題 4">
-            <a:extLst>
-              <a:ext uri="{FF2B5EF4-FFF2-40B4-BE49-F238E27FC236}">
-                <a16:creationId xmlns:a16="http://schemas.microsoft.com/office/drawing/2014/main" id="{1920E05B-5FC2-EEF8-EFC1-70925335C81C}"/>
-              </a:ext>
-            </a:extLst>
-          </p:cNvPr>
-          <p:cNvSpPr>
-            <a:spLocks noGrp="1"/>
-          </p:cNvSpPr>
-          <p:nvPr>
-            <p:ph type="title"/>
-          </p:nvPr>
-        </p:nvSpPr>
-        <p:spPr>
-          <a:xfrm>
-            <a:off x="467916" y="3039537"/>
-            <a:ext cx="5915025" cy="1297332"/>
-          </a:xfrm>
-        </p:spPr>
-        <p:txBody>
-          <a:bodyPr/>
-          <a:lstStyle/>
-          <a:p>
-            <a:r>
-              <a:rPr lang="zh-TW" altLang="en-US" dirty="0">
-                <a:solidFill>
-                  <a:srgbClr val="002060"/>
-                </a:solidFill>
-                <a:latin typeface="Noto Serif TC Black" panose="02020200000000000000" pitchFamily="18" charset="-128"/>
-                <a:ea typeface="Noto Serif TC Black" panose="02020200000000000000" pitchFamily="18" charset="-128"/>
-              </a:rPr>
-              <a:t>漢字標音</a:t>
-            </a:r>
-          </a:p>
-        </p:txBody>
-      </p:sp>
-      <p:sp>
-        <p:nvSpPr>
-          <p:cNvPr id="6" name="文字版面配置區 5">
-            <a:extLst>
-              <a:ext uri="{FF2B5EF4-FFF2-40B4-BE49-F238E27FC236}">
-                <a16:creationId xmlns:a16="http://schemas.microsoft.com/office/drawing/2014/main" id="{D9F158EC-38F4-324E-1331-4B4A12909804}"/>
-              </a:ext>
-            </a:extLst>
-          </p:cNvPr>
-          <p:cNvSpPr>
-            <a:spLocks noGrp="1"/>
-          </p:cNvSpPr>
-          <p:nvPr>
-            <p:ph type="body" idx="1"/>
-          </p:nvPr>
-        </p:nvSpPr>
-        <p:spPr>
-          <a:xfrm>
-            <a:off x="467915" y="4762500"/>
-            <a:ext cx="5915025" cy="2666999"/>
-          </a:xfrm>
-        </p:spPr>
-        <p:txBody>
-          <a:bodyPr/>
-          <a:lstStyle/>
-          <a:p>
-            <a:endParaRPr lang="zh-TW" altLang="en-US" b="1" dirty="0">
-              <a:effectLst>
-                <a:outerShdw blurRad="38100" dist="38100" dir="2700000" algn="tl">
-                  <a:srgbClr val="000000">
-                    <a:alpha val="43137"/>
-                  </a:srgbClr>
-                </a:outerShdw>
-              </a:effectLst>
-              <a:latin typeface="霞鶩文楷 TC" panose="02020500000000000000" pitchFamily="18" charset="-120"/>
-              <a:ea typeface="霞鶩文楷 TC" panose="02020500000000000000" pitchFamily="18" charset="-120"/>
-            </a:endParaRPr>
-          </a:p>
-        </p:txBody>
-      </p:sp>
-    </p:spTree>
-    <p:extLst>
-      <p:ext uri="{BB962C8B-B14F-4D97-AF65-F5344CB8AC3E}">
-        <p14:creationId xmlns:p14="http://schemas.microsoft.com/office/powerpoint/2010/main" val="1972069389"/>
-      </p:ext>
-    </p:extLst>
-  </p:cSld>
-  <p:clrMapOvr>
-    <a:masterClrMapping/>
-  </p:clrMapOvr>
-</p:sld>
-</file>
-
-<file path=ppt/slides/slide20.xml><?xml version="1.0" encoding="utf-8"?>
+<file path=ppt/slides/slide21.xml><?xml version="1.0" encoding="utf-8"?>
 <p:sld xmlns:a="http://schemas.openxmlformats.org/drawingml/2006/main" xmlns:r="http://schemas.openxmlformats.org/officeDocument/2006/relationships" xmlns:p="http://schemas.openxmlformats.org/presentationml/2006/main">
   <p:cSld>
     <p:spTree>
@@ -11667,7 +12285,7 @@
 </p:sld>
 </file>
 
-<file path=ppt/slides/slide21.xml><?xml version="1.0" encoding="utf-8"?>
+<file path=ppt/slides/slide22.xml><?xml version="1.0" encoding="utf-8"?>
 <p:sld xmlns:a="http://schemas.openxmlformats.org/drawingml/2006/main" xmlns:r="http://schemas.openxmlformats.org/officeDocument/2006/relationships" xmlns:p="http://schemas.openxmlformats.org/presentationml/2006/main">
   <p:cSld>
     <p:spTree>
@@ -12693,7 +13311,7 @@
 </p:sld>
 </file>
 
-<file path=ppt/slides/slide22.xml><?xml version="1.0" encoding="utf-8"?>
+<file path=ppt/slides/slide23.xml><?xml version="1.0" encoding="utf-8"?>
 <p:sld xmlns:a="http://schemas.openxmlformats.org/drawingml/2006/main" xmlns:r="http://schemas.openxmlformats.org/officeDocument/2006/relationships" xmlns:p="http://schemas.openxmlformats.org/presentationml/2006/main">
   <p:cSld>
     <p:spTree>
@@ -12808,7 +13426,7 @@
 </p:sld>
 </file>
 
-<file path=ppt/slides/slide23.xml><?xml version="1.0" encoding="utf-8"?>
+<file path=ppt/slides/slide24.xml><?xml version="1.0" encoding="utf-8"?>
 <p:sld xmlns:a="http://schemas.openxmlformats.org/drawingml/2006/main" xmlns:r="http://schemas.openxmlformats.org/officeDocument/2006/relationships" xmlns:p="http://schemas.openxmlformats.org/presentationml/2006/main">
   <p:cSld>
     <p:spTree>
@@ -13362,7 +13980,7 @@
 </p:sld>
 </file>
 
-<file path=ppt/slides/slide24.xml><?xml version="1.0" encoding="utf-8"?>
+<file path=ppt/slides/slide25.xml><?xml version="1.0" encoding="utf-8"?>
 <p:sld xmlns:a="http://schemas.openxmlformats.org/drawingml/2006/main" xmlns:r="http://schemas.openxmlformats.org/officeDocument/2006/relationships" xmlns:p="http://schemas.openxmlformats.org/presentationml/2006/main">
   <p:cSld>
     <p:spTree>
@@ -13831,7 +14449,7 @@
 </p:sld>
 </file>
 
-<file path=ppt/slides/slide25.xml><?xml version="1.0" encoding="utf-8"?>
+<file path=ppt/slides/slide26.xml><?xml version="1.0" encoding="utf-8"?>
 <p:sld xmlns:a="http://schemas.openxmlformats.org/drawingml/2006/main" xmlns:r="http://schemas.openxmlformats.org/officeDocument/2006/relationships" xmlns:p="http://schemas.openxmlformats.org/presentationml/2006/main">
   <p:cSld>
     <p:spTree>
@@ -14001,7 +14619,7 @@
 </p:sld>
 </file>
 
-<file path=ppt/slides/slide26.xml><?xml version="1.0" encoding="utf-8"?>
+<file path=ppt/slides/slide27.xml><?xml version="1.0" encoding="utf-8"?>
 <p:sld xmlns:a="http://schemas.openxmlformats.org/drawingml/2006/main" xmlns:r="http://schemas.openxmlformats.org/officeDocument/2006/relationships" xmlns:p="http://schemas.openxmlformats.org/presentationml/2006/main">
   <p:cSld>
     <p:spTree>
@@ -14171,7 +14789,7 @@
 </p:sld>
 </file>
 
-<file path=ppt/slides/slide27.xml><?xml version="1.0" encoding="utf-8"?>
+<file path=ppt/slides/slide28.xml><?xml version="1.0" encoding="utf-8"?>
 <p:sld xmlns:a="http://schemas.openxmlformats.org/drawingml/2006/main" xmlns:r="http://schemas.openxmlformats.org/officeDocument/2006/relationships" xmlns:p="http://schemas.openxmlformats.org/presentationml/2006/main">
   <p:cSld>
     <p:spTree>
@@ -15658,7 +16276,7 @@
 </p:sld>
 </file>
 
-<file path=ppt/slides/slide28.xml><?xml version="1.0" encoding="utf-8"?>
+<file path=ppt/slides/slide29.xml><?xml version="1.0" encoding="utf-8"?>
 <p:sld xmlns:a="http://schemas.openxmlformats.org/drawingml/2006/main" xmlns:r="http://schemas.openxmlformats.org/officeDocument/2006/relationships" xmlns:p="http://schemas.openxmlformats.org/presentationml/2006/main">
   <p:cSld>
     <p:spTree>
@@ -16409,7 +17027,1071 @@
 </p:sld>
 </file>
 
-<file path=ppt/slides/slide29.xml><?xml version="1.0" encoding="utf-8"?>
+<file path=ppt/slides/slide3.xml><?xml version="1.0" encoding="utf-8"?>
+<p:sld xmlns:a="http://schemas.openxmlformats.org/drawingml/2006/main" xmlns:r="http://schemas.openxmlformats.org/officeDocument/2006/relationships" xmlns:p="http://schemas.openxmlformats.org/presentationml/2006/main">
+  <p:cSld>
+    <p:spTree>
+      <p:nvGrpSpPr>
+        <p:cNvPr id="1" name="">
+          <a:extLst>
+            <a:ext uri="{FF2B5EF4-FFF2-40B4-BE49-F238E27FC236}">
+              <a16:creationId xmlns:a16="http://schemas.microsoft.com/office/drawing/2014/main" id="{7511E677-309A-15E1-6359-B7FD01BD154A}"/>
+            </a:ext>
+          </a:extLst>
+        </p:cNvPr>
+        <p:cNvGrpSpPr/>
+        <p:nvPr/>
+      </p:nvGrpSpPr>
+      <p:grpSpPr>
+        <a:xfrm>
+          <a:off x="0" y="0"/>
+          <a:ext cx="0" cy="0"/>
+          <a:chOff x="0" y="0"/>
+          <a:chExt cx="0" cy="0"/>
+        </a:xfrm>
+      </p:grpSpPr>
+      <p:sp>
+        <p:nvSpPr>
+          <p:cNvPr id="7" name="標題 6">
+            <a:extLst>
+              <a:ext uri="{FF2B5EF4-FFF2-40B4-BE49-F238E27FC236}">
+                <a16:creationId xmlns:a16="http://schemas.microsoft.com/office/drawing/2014/main" id="{390B4DA8-FDE8-201F-361E-84D9C0D0853B}"/>
+              </a:ext>
+            </a:extLst>
+          </p:cNvPr>
+          <p:cNvSpPr>
+            <a:spLocks noGrp="1"/>
+          </p:cNvSpPr>
+          <p:nvPr>
+            <p:ph type="title"/>
+          </p:nvPr>
+        </p:nvSpPr>
+        <p:spPr>
+          <a:xfrm>
+            <a:off x="237490" y="885138"/>
+            <a:ext cx="3482149" cy="509524"/>
+          </a:xfrm>
+        </p:spPr>
+        <p:txBody>
+          <a:bodyPr vert="horz" lIns="60960" tIns="30480" rIns="60960" bIns="30480" rtlCol="0" anchor="b">
+            <a:normAutofit/>
+          </a:bodyPr>
+          <a:lstStyle/>
+          <a:p>
+            <a:r>
+              <a:rPr lang="zh-TW" altLang="en-US" dirty="0">
+                <a:latin typeface="Noto Serif TC Black" panose="02020200000000000000" pitchFamily="18" charset="-128"/>
+                <a:ea typeface="Noto Serif TC Black" panose="02020200000000000000" pitchFamily="18" charset="-128"/>
+              </a:rPr>
+              <a:t>漢字標音</a:t>
+            </a:r>
+          </a:p>
+        </p:txBody>
+      </p:sp>
+      <p:sp>
+        <p:nvSpPr>
+          <p:cNvPr id="14" name="文字方塊 13">
+            <a:extLst>
+              <a:ext uri="{FF2B5EF4-FFF2-40B4-BE49-F238E27FC236}">
+                <a16:creationId xmlns:a16="http://schemas.microsoft.com/office/drawing/2014/main" id="{FAAAB036-A6D1-C811-22C0-BCA29211CE47}"/>
+              </a:ext>
+            </a:extLst>
+          </p:cNvPr>
+          <p:cNvSpPr txBox="1"/>
+          <p:nvPr/>
+        </p:nvSpPr>
+        <p:spPr>
+          <a:xfrm>
+            <a:off x="2722964" y="5229117"/>
+            <a:ext cx="1362774" cy="1405641"/>
+          </a:xfrm>
+          <a:prstGeom prst="rect">
+            <a:avLst/>
+          </a:prstGeom>
+          <a:noFill/>
+        </p:spPr>
+        <p:txBody>
+          <a:bodyPr wrap="square" rtlCol="0">
+            <a:spAutoFit/>
+          </a:bodyPr>
+          <a:lstStyle/>
+          <a:p>
+            <a:pPr algn="just"/>
+            <a:r>
+              <a:rPr lang="zh-TW" altLang="en-US" sz="8534" dirty="0">
+                <a:latin typeface="Noto Serif TC Black" panose="02020200000000000000" pitchFamily="18" charset="-128"/>
+                <a:ea typeface="Noto Serif TC Black" panose="02020200000000000000" pitchFamily="18" charset="-128"/>
+              </a:rPr>
+              <a:t>洞</a:t>
+            </a:r>
+          </a:p>
+        </p:txBody>
+      </p:sp>
+      <p:sp>
+        <p:nvSpPr>
+          <p:cNvPr id="20" name="文字方塊 19">
+            <a:extLst>
+              <a:ext uri="{FF2B5EF4-FFF2-40B4-BE49-F238E27FC236}">
+                <a16:creationId xmlns:a16="http://schemas.microsoft.com/office/drawing/2014/main" id="{58FA5F53-AB84-6D04-29CB-F3B218927BE2}"/>
+              </a:ext>
+            </a:extLst>
+          </p:cNvPr>
+          <p:cNvSpPr txBox="1"/>
+          <p:nvPr/>
+        </p:nvSpPr>
+        <p:spPr>
+          <a:xfrm>
+            <a:off x="619125" y="9846310"/>
+            <a:ext cx="6134826" cy="1723549"/>
+          </a:xfrm>
+          <a:prstGeom prst="rect">
+            <a:avLst/>
+          </a:prstGeom>
+          <a:noFill/>
+        </p:spPr>
+        <p:txBody>
+          <a:bodyPr wrap="square" rtlCol="0">
+            <a:spAutoFit/>
+          </a:bodyPr>
+          <a:lstStyle/>
+          <a:p>
+            <a:pPr marL="381019" indent="-381019">
+              <a:spcBef>
+                <a:spcPts val="400"/>
+              </a:spcBef>
+              <a:buFont typeface="Arial" panose="020B0604020202020204" pitchFamily="34" charset="0"/>
+              <a:buChar char="•"/>
+            </a:pPr>
+            <a:r>
+              <a:rPr lang="zh-TW" altLang="en-US" sz="2400" dirty="0">
+                <a:latin typeface="Noto Sans TC Medium" panose="020B0200000000000000" pitchFamily="34" charset="-128"/>
+                <a:ea typeface="Noto Sans TC Medium" panose="020B0200000000000000" pitchFamily="34" charset="-128"/>
+              </a:rPr>
+              <a:t>台羅拼音：</a:t>
+            </a:r>
+            <a:r>
+              <a:rPr lang="en-US" altLang="zh-TW" sz="2400" dirty="0">
+                <a:latin typeface="Noto Sans TC Medium" panose="020B0200000000000000" pitchFamily="34" charset="-128"/>
+                <a:ea typeface="Noto Sans TC Medium" panose="020B0200000000000000" pitchFamily="34" charset="-128"/>
+              </a:rPr>
+              <a:t>		</a:t>
+            </a:r>
+            <a:r>
+              <a:rPr lang="en-US" altLang="zh-TW" sz="2400" b="1" dirty="0" err="1">
+                <a:solidFill>
+                  <a:srgbClr val="7030A0"/>
+                </a:solidFill>
+                <a:latin typeface="Arial" panose="020B0604020202020204" pitchFamily="34" charset="0"/>
+              </a:rPr>
+              <a:t>t</a:t>
+            </a:r>
+            <a:r>
+              <a:rPr lang="en-US" altLang="zh-TW" sz="2400" dirty="0" err="1">
+                <a:solidFill>
+                  <a:schemeClr val="accent2"/>
+                </a:solidFill>
+                <a:latin typeface="Noto Sans TC Medium" panose="020B0200000000000000" pitchFamily="34" charset="-128"/>
+                <a:ea typeface="Noto Sans TC Medium" panose="020B0200000000000000" pitchFamily="34" charset="-128"/>
+              </a:rPr>
+              <a:t>ōng</a:t>
+            </a:r>
+            <a:r>
+              <a:rPr lang="zh-TW" altLang="en-US" sz="2400" b="1" dirty="0">
+                <a:solidFill>
+                  <a:srgbClr val="4D4E51"/>
+                </a:solidFill>
+                <a:latin typeface="Arial" panose="020B0604020202020204" pitchFamily="34" charset="0"/>
+              </a:rPr>
+              <a:t>（</a:t>
+            </a:r>
+            <a:r>
+              <a:rPr lang="en-US" altLang="zh-TW" sz="2400" dirty="0">
+                <a:solidFill>
+                  <a:schemeClr val="accent5"/>
+                </a:solidFill>
+                <a:latin typeface="Noto Sans TC Medium" panose="020B0200000000000000" pitchFamily="34" charset="-128"/>
+                <a:ea typeface="Noto Sans TC Medium" panose="020B0200000000000000" pitchFamily="34" charset="-128"/>
+              </a:rPr>
+              <a:t> tong</a:t>
+            </a:r>
+            <a:r>
+              <a:rPr lang="en-US" altLang="zh-TW" sz="2400" dirty="0">
+                <a:solidFill>
+                  <a:srgbClr val="00B050"/>
+                </a:solidFill>
+                <a:latin typeface="Noto Sans TC Medium" panose="020B0200000000000000" pitchFamily="34" charset="-128"/>
+                <a:ea typeface="Noto Sans TC Medium" panose="020B0200000000000000" pitchFamily="34" charset="-128"/>
+              </a:rPr>
+              <a:t>7 </a:t>
+            </a:r>
+            <a:r>
+              <a:rPr lang="zh-TW" altLang="en-US" sz="2400" b="1" dirty="0">
+                <a:solidFill>
+                  <a:srgbClr val="4D4E51"/>
+                </a:solidFill>
+                <a:latin typeface="Arial" panose="020B0604020202020204" pitchFamily="34" charset="0"/>
+              </a:rPr>
+              <a:t>）</a:t>
+            </a:r>
+            <a:endParaRPr lang="en-US" altLang="zh-TW" sz="2400" dirty="0">
+              <a:latin typeface="Noto Sans TC Medium" panose="020B0200000000000000" pitchFamily="34" charset="-128"/>
+              <a:ea typeface="Noto Sans TC Medium" panose="020B0200000000000000" pitchFamily="34" charset="-128"/>
+            </a:endParaRPr>
+          </a:p>
+          <a:p>
+            <a:pPr marL="381019" indent="-381019">
+              <a:spcBef>
+                <a:spcPts val="400"/>
+              </a:spcBef>
+              <a:buFont typeface="Arial" panose="020B0604020202020204" pitchFamily="34" charset="0"/>
+              <a:buChar char="•"/>
+            </a:pPr>
+            <a:r>
+              <a:rPr lang="zh-TW" altLang="en-US" sz="2400" dirty="0">
+                <a:latin typeface="Noto Sans TC Medium" panose="020B0200000000000000" pitchFamily="34" charset="-128"/>
+                <a:ea typeface="Noto Sans TC Medium" panose="020B0200000000000000" pitchFamily="34" charset="-128"/>
+              </a:rPr>
+              <a:t>寬式國際音標：</a:t>
+            </a:r>
+            <a:r>
+              <a:rPr lang="en-US" altLang="zh-TW" sz="2400" dirty="0">
+                <a:latin typeface="Noto Sans TC Medium" panose="020B0200000000000000" pitchFamily="34" charset="-128"/>
+                <a:ea typeface="Noto Sans TC Medium" panose="020B0200000000000000" pitchFamily="34" charset="-128"/>
+              </a:rPr>
+              <a:t>	</a:t>
+            </a:r>
+            <a:r>
+              <a:rPr lang="en-US" altLang="zh-TW" sz="2400" dirty="0">
+                <a:solidFill>
+                  <a:schemeClr val="accent5"/>
+                </a:solidFill>
+                <a:latin typeface="Noto Sans TC Medium" panose="020B0200000000000000" pitchFamily="34" charset="-128"/>
+                <a:ea typeface="Noto Sans TC Medium" panose="020B0200000000000000" pitchFamily="34" charset="-128"/>
+              </a:rPr>
+              <a:t>t</a:t>
+            </a:r>
+            <a:r>
+              <a:rPr lang="en-US" altLang="zh-TW" sz="2400" dirty="0">
+                <a:solidFill>
+                  <a:schemeClr val="accent2"/>
+                </a:solidFill>
+                <a:latin typeface="Noto Sans TC Medium" panose="020B0200000000000000" pitchFamily="34" charset="-128"/>
+                <a:ea typeface="Noto Sans TC Medium" panose="020B0200000000000000" pitchFamily="34" charset="-128"/>
+              </a:rPr>
+              <a:t>ɔŋ</a:t>
+            </a:r>
+            <a:r>
+              <a:rPr lang="en-US" altLang="zh-TW" sz="2400" baseline="30000" dirty="0">
+                <a:solidFill>
+                  <a:srgbClr val="00B050"/>
+                </a:solidFill>
+                <a:latin typeface="Noto Sans TC Medium" panose="020B0200000000000000" pitchFamily="34" charset="-128"/>
+                <a:ea typeface="Noto Sans TC Medium" panose="020B0200000000000000" pitchFamily="34" charset="-128"/>
+              </a:rPr>
+              <a:t>7</a:t>
+            </a:r>
+            <a:endParaRPr lang="en-US" altLang="zh-TW" sz="2400" baseline="30000" dirty="0">
+              <a:latin typeface="Noto Sans TC Medium" panose="020B0200000000000000" pitchFamily="34" charset="-128"/>
+              <a:ea typeface="Noto Sans TC Medium" panose="020B0200000000000000" pitchFamily="34" charset="-128"/>
+            </a:endParaRPr>
+          </a:p>
+          <a:p>
+            <a:pPr marL="381019" indent="-381019">
+              <a:spcBef>
+                <a:spcPts val="400"/>
+              </a:spcBef>
+              <a:buFont typeface="Arial" panose="020B0604020202020204" pitchFamily="34" charset="0"/>
+              <a:buChar char="•"/>
+            </a:pPr>
+            <a:r>
+              <a:rPr lang="zh-TW" altLang="en-US" sz="2400" dirty="0">
+                <a:latin typeface="Noto Sans TC Medium" panose="020B0200000000000000" pitchFamily="34" charset="-128"/>
+                <a:ea typeface="Noto Sans TC Medium" panose="020B0200000000000000" pitchFamily="34" charset="-128"/>
+              </a:rPr>
+              <a:t>十五音反切：</a:t>
+            </a:r>
+            <a:r>
+              <a:rPr lang="en-US" altLang="zh-TW" sz="2400" dirty="0">
+                <a:latin typeface="Noto Sans TC Medium" panose="020B0200000000000000" pitchFamily="34" charset="-128"/>
+                <a:ea typeface="Noto Sans TC Medium" panose="020B0200000000000000" pitchFamily="34" charset="-128"/>
+              </a:rPr>
+              <a:t>		</a:t>
+            </a:r>
+            <a:r>
+              <a:rPr lang="zh-TW" altLang="en-US" sz="2400" dirty="0">
+                <a:solidFill>
+                  <a:schemeClr val="accent2"/>
+                </a:solidFill>
+                <a:latin typeface="Noto Sans TC Medium" panose="020B0200000000000000" pitchFamily="34" charset="-128"/>
+                <a:ea typeface="Noto Sans TC Medium" panose="020B0200000000000000" pitchFamily="34" charset="-128"/>
+              </a:rPr>
+              <a:t>公</a:t>
+            </a:r>
+            <a:r>
+              <a:rPr lang="zh-TW" altLang="en-US" sz="2400" dirty="0">
+                <a:solidFill>
+                  <a:srgbClr val="00B050"/>
+                </a:solidFill>
+                <a:latin typeface="Noto Sans TC Medium" panose="020B0200000000000000" pitchFamily="34" charset="-128"/>
+                <a:ea typeface="Noto Sans TC Medium" panose="020B0200000000000000" pitchFamily="34" charset="-128"/>
+              </a:rPr>
+              <a:t>七</a:t>
+            </a:r>
+            <a:r>
+              <a:rPr lang="zh-TW" altLang="en-US" sz="2400" dirty="0">
+                <a:solidFill>
+                  <a:schemeClr val="accent5"/>
+                </a:solidFill>
+                <a:latin typeface="Noto Sans TC Medium" panose="020B0200000000000000" pitchFamily="34" charset="-128"/>
+                <a:ea typeface="Noto Sans TC Medium" panose="020B0200000000000000" pitchFamily="34" charset="-128"/>
+              </a:rPr>
+              <a:t>地</a:t>
+            </a:r>
+            <a:endParaRPr lang="en-US" altLang="zh-TW" sz="2400" dirty="0">
+              <a:latin typeface="Noto Sans TC Medium" panose="020B0200000000000000" pitchFamily="34" charset="-128"/>
+              <a:ea typeface="Noto Sans TC Medium" panose="020B0200000000000000" pitchFamily="34" charset="-128"/>
+            </a:endParaRPr>
+          </a:p>
+          <a:p>
+            <a:pPr marL="381019" indent="-381019">
+              <a:spcBef>
+                <a:spcPts val="400"/>
+              </a:spcBef>
+              <a:buFont typeface="Arial" panose="020B0604020202020204" pitchFamily="34" charset="0"/>
+              <a:buChar char="•"/>
+            </a:pPr>
+            <a:r>
+              <a:rPr lang="zh-TW" altLang="en-US" sz="2400" dirty="0">
+                <a:latin typeface="Noto Sans TC Medium" panose="020B0200000000000000" pitchFamily="34" charset="-128"/>
+                <a:ea typeface="Noto Sans TC Medium" panose="020B0200000000000000" pitchFamily="34" charset="-128"/>
+              </a:rPr>
+              <a:t>方音符號： </a:t>
+            </a:r>
+            <a:r>
+              <a:rPr lang="en-US" altLang="zh-TW" sz="2400" dirty="0">
+                <a:latin typeface="Noto Sans TC Medium" panose="020B0200000000000000" pitchFamily="34" charset="-128"/>
+                <a:ea typeface="Noto Sans TC Medium" panose="020B0200000000000000" pitchFamily="34" charset="-128"/>
+              </a:rPr>
+              <a:t>		</a:t>
+            </a:r>
+            <a:r>
+              <a:rPr lang="zh-CN" altLang="en-US" sz="2400" dirty="0">
+                <a:solidFill>
+                  <a:schemeClr val="accent5"/>
+                </a:solidFill>
+                <a:latin typeface="Noto Sans TC Medium" panose="020B0200000000000000" pitchFamily="34" charset="-128"/>
+                <a:ea typeface="Noto Sans TC Medium" panose="020B0200000000000000" pitchFamily="34" charset="-128"/>
+              </a:rPr>
+              <a:t>ㄉ</a:t>
+            </a:r>
+            <a:r>
+              <a:rPr lang="zh-CN" altLang="en-US" sz="2400" dirty="0">
+                <a:solidFill>
+                  <a:schemeClr val="accent2"/>
+                </a:solidFill>
+                <a:latin typeface="Noto Sans TC Medium" panose="020B0200000000000000" pitchFamily="34" charset="-128"/>
+                <a:ea typeface="Noto Sans TC Medium" panose="020B0200000000000000" pitchFamily="34" charset="-128"/>
+              </a:rPr>
+              <a:t>ㆲ</a:t>
+            </a:r>
+            <a:r>
+              <a:rPr lang="zh-CN" altLang="en-US" sz="2400" b="1" dirty="0">
+                <a:solidFill>
+                  <a:srgbClr val="00B050"/>
+                </a:solidFill>
+                <a:latin typeface="Noto Sans TC Medium" panose="020B0200000000000000" pitchFamily="34" charset="-128"/>
+                <a:ea typeface="Noto Sans TC Medium" panose="020B0200000000000000" pitchFamily="34" charset="-128"/>
+              </a:rPr>
+              <a:t>├</a:t>
+            </a:r>
+            <a:endParaRPr lang="zh-TW" altLang="en-US" sz="2400" dirty="0">
+              <a:solidFill>
+                <a:schemeClr val="accent5"/>
+              </a:solidFill>
+              <a:latin typeface="Noto Sans TC Medium" panose="020B0200000000000000" pitchFamily="34" charset="-128"/>
+              <a:ea typeface="Noto Sans TC Medium" panose="020B0200000000000000" pitchFamily="34" charset="-128"/>
+            </a:endParaRPr>
+          </a:p>
+        </p:txBody>
+      </p:sp>
+      <p:sp>
+        <p:nvSpPr>
+          <p:cNvPr id="2" name="文字方塊 1">
+            <a:extLst>
+              <a:ext uri="{FF2B5EF4-FFF2-40B4-BE49-F238E27FC236}">
+                <a16:creationId xmlns:a16="http://schemas.microsoft.com/office/drawing/2014/main" id="{2DF6E5F4-2F16-2BE9-1D2B-9DD8F87A327F}"/>
+              </a:ext>
+            </a:extLst>
+          </p:cNvPr>
+          <p:cNvSpPr txBox="1"/>
+          <p:nvPr/>
+        </p:nvSpPr>
+        <p:spPr>
+          <a:xfrm>
+            <a:off x="3899866" y="5552020"/>
+            <a:ext cx="553998" cy="830997"/>
+          </a:xfrm>
+          <a:prstGeom prst="rect">
+            <a:avLst/>
+          </a:prstGeom>
+          <a:noFill/>
+        </p:spPr>
+        <p:txBody>
+          <a:bodyPr vert="horz" wrap="square" rtlCol="0">
+            <a:spAutoFit/>
+          </a:bodyPr>
+          <a:lstStyle/>
+          <a:p>
+            <a:pPr algn="ctr"/>
+            <a:r>
+              <a:rPr lang="zh-CN" altLang="en-US" sz="2400" dirty="0">
+                <a:solidFill>
+                  <a:schemeClr val="accent5"/>
+                </a:solidFill>
+                <a:latin typeface="Noto Sans TC Medium" panose="020B0200000000000000" pitchFamily="34" charset="-128"/>
+                <a:ea typeface="Noto Sans TC Medium" panose="020B0200000000000000" pitchFamily="34" charset="-128"/>
+              </a:rPr>
+              <a:t>ㄉ</a:t>
+            </a:r>
+            <a:r>
+              <a:rPr lang="zh-CN" altLang="en-US" sz="2400" dirty="0">
+                <a:solidFill>
+                  <a:schemeClr val="accent2"/>
+                </a:solidFill>
+                <a:latin typeface="Noto Sans TC Medium" panose="020B0200000000000000" pitchFamily="34" charset="-128"/>
+                <a:ea typeface="Noto Sans TC Medium" panose="020B0200000000000000" pitchFamily="34" charset="-128"/>
+              </a:rPr>
+              <a:t>ㆲ</a:t>
+            </a:r>
+            <a:endParaRPr lang="zh-TW" altLang="en-US" sz="2400" dirty="0">
+              <a:solidFill>
+                <a:schemeClr val="accent5"/>
+              </a:solidFill>
+              <a:latin typeface="Noto Sans TC Medium" panose="020B0200000000000000" pitchFamily="34" charset="-128"/>
+              <a:ea typeface="Noto Sans TC Medium" panose="020B0200000000000000" pitchFamily="34" charset="-128"/>
+            </a:endParaRPr>
+          </a:p>
+        </p:txBody>
+      </p:sp>
+      <p:sp>
+        <p:nvSpPr>
+          <p:cNvPr id="3" name="文字方塊 2">
+            <a:extLst>
+              <a:ext uri="{FF2B5EF4-FFF2-40B4-BE49-F238E27FC236}">
+                <a16:creationId xmlns:a16="http://schemas.microsoft.com/office/drawing/2014/main" id="{1AE414BE-0CD8-A70D-DB23-9783ACC00679}"/>
+              </a:ext>
+            </a:extLst>
+          </p:cNvPr>
+          <p:cNvSpPr txBox="1"/>
+          <p:nvPr/>
+        </p:nvSpPr>
+        <p:spPr>
+          <a:xfrm>
+            <a:off x="2612537" y="6575425"/>
+            <a:ext cx="1473200" cy="461665"/>
+          </a:xfrm>
+          <a:prstGeom prst="rect">
+            <a:avLst/>
+          </a:prstGeom>
+          <a:noFill/>
+        </p:spPr>
+        <p:txBody>
+          <a:bodyPr wrap="square" rtlCol="0">
+            <a:spAutoFit/>
+          </a:bodyPr>
+          <a:lstStyle/>
+          <a:p>
+            <a:pPr algn="ctr"/>
+            <a:r>
+              <a:rPr lang="en-US" altLang="zh-TW" sz="2400" dirty="0">
+                <a:solidFill>
+                  <a:schemeClr val="accent5"/>
+                </a:solidFill>
+                <a:latin typeface="Noto Sans TC Medium" panose="020B0200000000000000" pitchFamily="34" charset="-128"/>
+                <a:ea typeface="Noto Sans TC Medium" panose="020B0200000000000000" pitchFamily="34" charset="-128"/>
+              </a:rPr>
+              <a:t>t</a:t>
+            </a:r>
+            <a:r>
+              <a:rPr lang="en-US" altLang="zh-TW" sz="2400" dirty="0">
+                <a:solidFill>
+                  <a:schemeClr val="accent2"/>
+                </a:solidFill>
+                <a:latin typeface="Noto Sans TC Medium" panose="020B0200000000000000" pitchFamily="34" charset="-128"/>
+                <a:ea typeface="Noto Sans TC Medium" panose="020B0200000000000000" pitchFamily="34" charset="-128"/>
+              </a:rPr>
+              <a:t>ɔŋ</a:t>
+            </a:r>
+            <a:r>
+              <a:rPr lang="en-US" altLang="zh-TW" sz="2400" baseline="30000" dirty="0">
+                <a:solidFill>
+                  <a:srgbClr val="00B050"/>
+                </a:solidFill>
+                <a:latin typeface="Noto Sans TC Medium" panose="020B0200000000000000" pitchFamily="34" charset="-128"/>
+                <a:ea typeface="Noto Sans TC Medium" panose="020B0200000000000000" pitchFamily="34" charset="-128"/>
+              </a:rPr>
+              <a:t>7</a:t>
+            </a:r>
+            <a:endParaRPr lang="zh-TW" altLang="en-US" sz="2400" baseline="30000" dirty="0">
+              <a:latin typeface="Noto Sans TC Medium" panose="020B0200000000000000" pitchFamily="34" charset="-128"/>
+              <a:ea typeface="Noto Sans TC Medium" panose="020B0200000000000000" pitchFamily="34" charset="-128"/>
+            </a:endParaRPr>
+          </a:p>
+        </p:txBody>
+      </p:sp>
+      <p:sp>
+        <p:nvSpPr>
+          <p:cNvPr id="5" name="文字方塊 4">
+            <a:extLst>
+              <a:ext uri="{FF2B5EF4-FFF2-40B4-BE49-F238E27FC236}">
+                <a16:creationId xmlns:a16="http://schemas.microsoft.com/office/drawing/2014/main" id="{D7B52540-4E74-18A7-8883-C81AEE98B044}"/>
+              </a:ext>
+            </a:extLst>
+          </p:cNvPr>
+          <p:cNvSpPr txBox="1"/>
+          <p:nvPr/>
+        </p:nvSpPr>
+        <p:spPr>
+          <a:xfrm>
+            <a:off x="441325" y="1980323"/>
+            <a:ext cx="5789613" cy="461665"/>
+          </a:xfrm>
+          <a:prstGeom prst="rect">
+            <a:avLst/>
+          </a:prstGeom>
+          <a:noFill/>
+        </p:spPr>
+        <p:txBody>
+          <a:bodyPr wrap="square" rtlCol="0">
+            <a:spAutoFit/>
+          </a:bodyPr>
+          <a:lstStyle/>
+          <a:p>
+            <a:r>
+              <a:rPr lang="zh-TW" altLang="en-US" sz="2400" dirty="0">
+                <a:latin typeface="Noto Sans TC Medium" panose="020B0200000000000000" pitchFamily="34" charset="-128"/>
+                <a:ea typeface="Noto Sans TC Medium" panose="020B0200000000000000" pitchFamily="34" charset="-128"/>
+              </a:rPr>
+              <a:t>漢字標音 ＝ </a:t>
+            </a:r>
+            <a:r>
+              <a:rPr lang="zh-TW" altLang="en-US" sz="2400" dirty="0">
+                <a:solidFill>
+                  <a:schemeClr val="accent5"/>
+                </a:solidFill>
+                <a:latin typeface="Noto Sans TC Medium" panose="020B0200000000000000" pitchFamily="34" charset="-128"/>
+                <a:ea typeface="Noto Sans TC Medium" panose="020B0200000000000000" pitchFamily="34" charset="-128"/>
+              </a:rPr>
+              <a:t>聲母</a:t>
+            </a:r>
+            <a:r>
+              <a:rPr lang="zh-TW" altLang="en-US" sz="2400" dirty="0">
+                <a:latin typeface="Noto Sans TC Medium" panose="020B0200000000000000" pitchFamily="34" charset="-128"/>
+                <a:ea typeface="Noto Sans TC Medium" panose="020B0200000000000000" pitchFamily="34" charset="-128"/>
+              </a:rPr>
+              <a:t> ＋ </a:t>
+            </a:r>
+            <a:r>
+              <a:rPr lang="zh-TW" altLang="en-US" sz="2400" dirty="0">
+                <a:solidFill>
+                  <a:schemeClr val="accent2"/>
+                </a:solidFill>
+                <a:latin typeface="Noto Sans TC Medium" panose="020B0200000000000000" pitchFamily="34" charset="-128"/>
+                <a:ea typeface="Noto Sans TC Medium" panose="020B0200000000000000" pitchFamily="34" charset="-128"/>
+              </a:rPr>
+              <a:t>韻母</a:t>
+            </a:r>
+            <a:r>
+              <a:rPr lang="zh-TW" altLang="en-US" sz="2400" dirty="0">
+                <a:latin typeface="Noto Sans TC Medium" panose="020B0200000000000000" pitchFamily="34" charset="-128"/>
+                <a:ea typeface="Noto Sans TC Medium" panose="020B0200000000000000" pitchFamily="34" charset="-128"/>
+              </a:rPr>
+              <a:t> ＋ </a:t>
+            </a:r>
+            <a:r>
+              <a:rPr lang="zh-TW" altLang="en-US" sz="2400" dirty="0">
+                <a:solidFill>
+                  <a:srgbClr val="00B050"/>
+                </a:solidFill>
+                <a:latin typeface="Noto Sans TC Medium" panose="020B0200000000000000" pitchFamily="34" charset="-128"/>
+                <a:ea typeface="Noto Sans TC Medium" panose="020B0200000000000000" pitchFamily="34" charset="-128"/>
+              </a:rPr>
+              <a:t>聲調</a:t>
+            </a:r>
+          </a:p>
+        </p:txBody>
+      </p:sp>
+      <p:sp>
+        <p:nvSpPr>
+          <p:cNvPr id="4" name="文字方塊 3">
+            <a:extLst>
+              <a:ext uri="{FF2B5EF4-FFF2-40B4-BE49-F238E27FC236}">
+                <a16:creationId xmlns:a16="http://schemas.microsoft.com/office/drawing/2014/main" id="{39A6B4A1-546A-08C3-98FE-F99123CDB9B2}"/>
+              </a:ext>
+            </a:extLst>
+          </p:cNvPr>
+          <p:cNvSpPr txBox="1"/>
+          <p:nvPr/>
+        </p:nvSpPr>
+        <p:spPr>
+          <a:xfrm>
+            <a:off x="2612537" y="4762186"/>
+            <a:ext cx="1473200" cy="461665"/>
+          </a:xfrm>
+          <a:prstGeom prst="rect">
+            <a:avLst/>
+          </a:prstGeom>
+          <a:noFill/>
+        </p:spPr>
+        <p:txBody>
+          <a:bodyPr wrap="square" rtlCol="0">
+            <a:spAutoFit/>
+          </a:bodyPr>
+          <a:lstStyle/>
+          <a:p>
+            <a:pPr algn="ctr"/>
+            <a:r>
+              <a:rPr lang="en-US" altLang="zh-TW" sz="2400" b="1" dirty="0">
+                <a:solidFill>
+                  <a:schemeClr val="accent5"/>
+                </a:solidFill>
+                <a:latin typeface="Arial" panose="020B0604020202020204" pitchFamily="34" charset="0"/>
+              </a:rPr>
+              <a:t> </a:t>
+            </a:r>
+            <a:r>
+              <a:rPr lang="en-US" altLang="zh-TW" sz="2400" b="1" dirty="0" err="1">
+                <a:solidFill>
+                  <a:schemeClr val="accent5"/>
+                </a:solidFill>
+                <a:latin typeface="Arial" panose="020B0604020202020204" pitchFamily="34" charset="0"/>
+              </a:rPr>
+              <a:t>t</a:t>
+            </a:r>
+            <a:r>
+              <a:rPr lang="en-US" altLang="zh-TW" sz="2400" dirty="0" err="1">
+                <a:solidFill>
+                  <a:schemeClr val="accent2"/>
+                </a:solidFill>
+                <a:latin typeface="Noto Sans TC Medium" panose="020B0200000000000000" pitchFamily="34" charset="-128"/>
+                <a:ea typeface="Noto Sans TC Medium" panose="020B0200000000000000" pitchFamily="34" charset="-128"/>
+              </a:rPr>
+              <a:t>ōng</a:t>
+            </a:r>
+            <a:r>
+              <a:rPr lang="en-US" altLang="zh-TW" sz="2400" b="1" dirty="0">
+                <a:solidFill>
+                  <a:schemeClr val="accent5"/>
+                </a:solidFill>
+                <a:latin typeface="Arial" panose="020B0604020202020204" pitchFamily="34" charset="0"/>
+              </a:rPr>
+              <a:t> </a:t>
+            </a:r>
+            <a:endParaRPr lang="zh-TW" altLang="en-US" sz="2400" dirty="0">
+              <a:solidFill>
+                <a:schemeClr val="accent2"/>
+              </a:solidFill>
+              <a:latin typeface="Noto Sans TC Medium" panose="020B0200000000000000" pitchFamily="34" charset="-128"/>
+              <a:ea typeface="Noto Sans TC Medium" panose="020B0200000000000000" pitchFamily="34" charset="-128"/>
+            </a:endParaRPr>
+          </a:p>
+        </p:txBody>
+      </p:sp>
+      <p:sp>
+        <p:nvSpPr>
+          <p:cNvPr id="10" name="文字方塊 9">
+            <a:extLst>
+              <a:ext uri="{FF2B5EF4-FFF2-40B4-BE49-F238E27FC236}">
+                <a16:creationId xmlns:a16="http://schemas.microsoft.com/office/drawing/2014/main" id="{9171564A-D963-48D2-4ABD-491C152439F9}"/>
+              </a:ext>
+            </a:extLst>
+          </p:cNvPr>
+          <p:cNvSpPr txBox="1"/>
+          <p:nvPr/>
+        </p:nvSpPr>
+        <p:spPr>
+          <a:xfrm>
+            <a:off x="4093348" y="5736685"/>
+            <a:ext cx="553998" cy="461665"/>
+          </a:xfrm>
+          <a:prstGeom prst="rect">
+            <a:avLst/>
+          </a:prstGeom>
+          <a:noFill/>
+        </p:spPr>
+        <p:txBody>
+          <a:bodyPr vert="horz" wrap="square" rtlCol="0">
+            <a:spAutoFit/>
+          </a:bodyPr>
+          <a:lstStyle/>
+          <a:p>
+            <a:pPr algn="ctr"/>
+            <a:r>
+              <a:rPr lang="zh-CN" altLang="en-US" sz="2400" b="1" dirty="0">
+                <a:solidFill>
+                  <a:srgbClr val="00B050"/>
+                </a:solidFill>
+                <a:latin typeface="Noto Sans TC Medium" panose="020B0200000000000000" pitchFamily="34" charset="-128"/>
+                <a:ea typeface="Noto Sans TC Medium" panose="020B0200000000000000" pitchFamily="34" charset="-128"/>
+              </a:rPr>
+              <a:t>├</a:t>
+            </a:r>
+            <a:endParaRPr lang="zh-TW" altLang="en-US" sz="2400" b="1" dirty="0">
+              <a:solidFill>
+                <a:srgbClr val="00B050"/>
+              </a:solidFill>
+              <a:latin typeface="Noto Sans TC Medium" panose="020B0200000000000000" pitchFamily="34" charset="-128"/>
+              <a:ea typeface="Noto Sans TC Medium" panose="020B0200000000000000" pitchFamily="34" charset="-128"/>
+            </a:endParaRPr>
+          </a:p>
+        </p:txBody>
+      </p:sp>
+      <p:sp>
+        <p:nvSpPr>
+          <p:cNvPr id="12" name="文字方塊 11">
+            <a:extLst>
+              <a:ext uri="{FF2B5EF4-FFF2-40B4-BE49-F238E27FC236}">
+                <a16:creationId xmlns:a16="http://schemas.microsoft.com/office/drawing/2014/main" id="{37AAE250-B75E-0959-110B-492296173F04}"/>
+              </a:ext>
+            </a:extLst>
+          </p:cNvPr>
+          <p:cNvSpPr txBox="1"/>
+          <p:nvPr/>
+        </p:nvSpPr>
+        <p:spPr>
+          <a:xfrm>
+            <a:off x="2210653" y="5293445"/>
+            <a:ext cx="553998" cy="1200329"/>
+          </a:xfrm>
+          <a:prstGeom prst="rect">
+            <a:avLst/>
+          </a:prstGeom>
+          <a:noFill/>
+        </p:spPr>
+        <p:txBody>
+          <a:bodyPr vert="horz" wrap="square" rtlCol="0">
+            <a:spAutoFit/>
+          </a:bodyPr>
+          <a:lstStyle/>
+          <a:p>
+            <a:pPr algn="ctr"/>
+            <a:r>
+              <a:rPr lang="zh-TW" altLang="en-US" sz="2400" dirty="0">
+                <a:solidFill>
+                  <a:schemeClr val="accent2"/>
+                </a:solidFill>
+                <a:latin typeface="Noto Sans TC Medium" panose="020B0200000000000000" pitchFamily="34" charset="-128"/>
+                <a:ea typeface="Noto Sans TC Medium" panose="020B0200000000000000" pitchFamily="34" charset="-128"/>
+              </a:rPr>
+              <a:t>公</a:t>
+            </a:r>
+            <a:endParaRPr lang="en-US" altLang="zh-TW" sz="2400" dirty="0">
+              <a:solidFill>
+                <a:schemeClr val="accent2"/>
+              </a:solidFill>
+              <a:latin typeface="Noto Sans TC Medium" panose="020B0200000000000000" pitchFamily="34" charset="-128"/>
+              <a:ea typeface="Noto Sans TC Medium" panose="020B0200000000000000" pitchFamily="34" charset="-128"/>
+            </a:endParaRPr>
+          </a:p>
+          <a:p>
+            <a:pPr algn="ctr"/>
+            <a:r>
+              <a:rPr lang="zh-TW" altLang="en-US" sz="2400" dirty="0">
+                <a:solidFill>
+                  <a:srgbClr val="00B050"/>
+                </a:solidFill>
+                <a:latin typeface="Noto Sans TC Medium" panose="020B0200000000000000" pitchFamily="34" charset="-128"/>
+                <a:ea typeface="Noto Sans TC Medium" panose="020B0200000000000000" pitchFamily="34" charset="-128"/>
+              </a:rPr>
+              <a:t>七</a:t>
+            </a:r>
+            <a:endParaRPr lang="en-US" altLang="zh-TW" sz="2400" dirty="0">
+              <a:solidFill>
+                <a:srgbClr val="00B050"/>
+              </a:solidFill>
+              <a:latin typeface="Noto Sans TC Medium" panose="020B0200000000000000" pitchFamily="34" charset="-128"/>
+              <a:ea typeface="Noto Sans TC Medium" panose="020B0200000000000000" pitchFamily="34" charset="-128"/>
+            </a:endParaRPr>
+          </a:p>
+          <a:p>
+            <a:pPr algn="ctr"/>
+            <a:r>
+              <a:rPr lang="zh-TW" altLang="en-US" sz="2400" dirty="0">
+                <a:solidFill>
+                  <a:schemeClr val="accent5"/>
+                </a:solidFill>
+                <a:latin typeface="Noto Sans TC Medium" panose="020B0200000000000000" pitchFamily="34" charset="-128"/>
+                <a:ea typeface="Noto Sans TC Medium" panose="020B0200000000000000" pitchFamily="34" charset="-128"/>
+              </a:rPr>
+              <a:t>地</a:t>
+            </a:r>
+          </a:p>
+        </p:txBody>
+      </p:sp>
+      <p:sp>
+        <p:nvSpPr>
+          <p:cNvPr id="6" name="圖說文字: 折線 5">
+            <a:extLst>
+              <a:ext uri="{FF2B5EF4-FFF2-40B4-BE49-F238E27FC236}">
+                <a16:creationId xmlns:a16="http://schemas.microsoft.com/office/drawing/2014/main" id="{375B8A2B-1CF7-47EA-A074-5130CF6F8596}"/>
+              </a:ext>
+            </a:extLst>
+          </p:cNvPr>
+          <p:cNvSpPr/>
+          <p:nvPr/>
+        </p:nvSpPr>
+        <p:spPr>
+          <a:xfrm>
+            <a:off x="1390650" y="3042384"/>
+            <a:ext cx="4076700" cy="649110"/>
+          </a:xfrm>
+          <a:prstGeom prst="borderCallout2">
+            <a:avLst>
+              <a:gd name="adj1" fmla="val 102392"/>
+              <a:gd name="adj2" fmla="val 44134"/>
+              <a:gd name="adj3" fmla="val 127337"/>
+              <a:gd name="adj4" fmla="val 50320"/>
+              <a:gd name="adj5" fmla="val 221087"/>
+              <a:gd name="adj6" fmla="val 50247"/>
+            </a:avLst>
+          </a:prstGeom>
+        </p:spPr>
+        <p:style>
+          <a:lnRef idx="2">
+            <a:schemeClr val="accent1">
+              <a:shade val="15000"/>
+            </a:schemeClr>
+          </a:lnRef>
+          <a:fillRef idx="1">
+            <a:schemeClr val="accent1"/>
+          </a:fillRef>
+          <a:effectRef idx="0">
+            <a:schemeClr val="accent1"/>
+          </a:effectRef>
+          <a:fontRef idx="minor">
+            <a:schemeClr val="lt1"/>
+          </a:fontRef>
+        </p:style>
+        <p:txBody>
+          <a:bodyPr rtlCol="0" anchor="ctr"/>
+          <a:lstStyle/>
+          <a:p>
+            <a:pPr algn="ctr"/>
+            <a:r>
+              <a:rPr lang="zh-TW" altLang="en-US" dirty="0">
+                <a:latin typeface="Noto Sans TC Black" panose="020B0200000000000000" pitchFamily="34" charset="-128"/>
+                <a:ea typeface="Noto Sans TC Black" panose="020B0200000000000000" pitchFamily="34" charset="-128"/>
+              </a:rPr>
+              <a:t>台羅拼音（聲調符號）</a:t>
+            </a:r>
+          </a:p>
+        </p:txBody>
+      </p:sp>
+      <p:sp>
+        <p:nvSpPr>
+          <p:cNvPr id="8" name="圖說文字: 折線 7">
+            <a:extLst>
+              <a:ext uri="{FF2B5EF4-FFF2-40B4-BE49-F238E27FC236}">
+                <a16:creationId xmlns:a16="http://schemas.microsoft.com/office/drawing/2014/main" id="{880373AA-7FDD-63D8-3F68-D7EF7BEE7A7C}"/>
+              </a:ext>
+            </a:extLst>
+          </p:cNvPr>
+          <p:cNvSpPr/>
+          <p:nvPr/>
+        </p:nvSpPr>
+        <p:spPr>
+          <a:xfrm>
+            <a:off x="1390650" y="8466658"/>
+            <a:ext cx="4076700" cy="649110"/>
+          </a:xfrm>
+          <a:prstGeom prst="borderCallout2">
+            <a:avLst>
+              <a:gd name="adj1" fmla="val -326"/>
+              <a:gd name="adj2" fmla="val 44368"/>
+              <a:gd name="adj3" fmla="val -25272"/>
+              <a:gd name="adj4" fmla="val 50553"/>
+              <a:gd name="adj5" fmla="val -128153"/>
+              <a:gd name="adj6" fmla="val 50481"/>
+            </a:avLst>
+          </a:prstGeom>
+        </p:spPr>
+        <p:style>
+          <a:lnRef idx="2">
+            <a:schemeClr val="accent1">
+              <a:shade val="15000"/>
+            </a:schemeClr>
+          </a:lnRef>
+          <a:fillRef idx="1">
+            <a:schemeClr val="accent1"/>
+          </a:fillRef>
+          <a:effectRef idx="0">
+            <a:schemeClr val="accent1"/>
+          </a:effectRef>
+          <a:fontRef idx="minor">
+            <a:schemeClr val="lt1"/>
+          </a:fontRef>
+        </p:style>
+        <p:txBody>
+          <a:bodyPr rtlCol="0" anchor="ctr"/>
+          <a:lstStyle/>
+          <a:p>
+            <a:pPr algn="ctr"/>
+            <a:r>
+              <a:rPr lang="zh-TW" altLang="en-US" dirty="0">
+                <a:latin typeface="Noto Sans TC Black" panose="020B0200000000000000" pitchFamily="34" charset="-128"/>
+                <a:ea typeface="Noto Sans TC Black" panose="020B0200000000000000" pitchFamily="34" charset="-128"/>
+              </a:rPr>
+              <a:t>寬式國際音標（</a:t>
+            </a:r>
+            <a:r>
+              <a:rPr lang="en-US" altLang="zh-TW" dirty="0">
+                <a:latin typeface="Noto Sans TC Black" panose="020B0200000000000000" pitchFamily="34" charset="-128"/>
+                <a:ea typeface="Noto Sans TC Black" panose="020B0200000000000000" pitchFamily="34" charset="-128"/>
+              </a:rPr>
+              <a:t>IPA</a:t>
+            </a:r>
+            <a:r>
+              <a:rPr lang="zh-TW" altLang="en-US" dirty="0">
+                <a:latin typeface="Noto Sans TC Black" panose="020B0200000000000000" pitchFamily="34" charset="-128"/>
+                <a:ea typeface="Noto Sans TC Black" panose="020B0200000000000000" pitchFamily="34" charset="-128"/>
+              </a:rPr>
+              <a:t>）</a:t>
+            </a:r>
+          </a:p>
+        </p:txBody>
+      </p:sp>
+      <p:sp>
+        <p:nvSpPr>
+          <p:cNvPr id="9" name="圖說文字: 折線 8">
+            <a:extLst>
+              <a:ext uri="{FF2B5EF4-FFF2-40B4-BE49-F238E27FC236}">
+                <a16:creationId xmlns:a16="http://schemas.microsoft.com/office/drawing/2014/main" id="{8558CDC0-907B-87C0-C0B7-D40DF81263C4}"/>
+              </a:ext>
+            </a:extLst>
+          </p:cNvPr>
+          <p:cNvSpPr/>
+          <p:nvPr/>
+        </p:nvSpPr>
+        <p:spPr>
+          <a:xfrm>
+            <a:off x="5747004" y="3848099"/>
+            <a:ext cx="491871" cy="4495800"/>
+          </a:xfrm>
+          <a:prstGeom prst="borderCallout2">
+            <a:avLst>
+              <a:gd name="adj1" fmla="val 55358"/>
+              <a:gd name="adj2" fmla="val -2342"/>
+              <a:gd name="adj3" fmla="val 50218"/>
+              <a:gd name="adj4" fmla="val -61996"/>
+              <a:gd name="adj5" fmla="val 50324"/>
+              <a:gd name="adj6" fmla="val -145339"/>
+            </a:avLst>
+          </a:prstGeom>
+        </p:spPr>
+        <p:style>
+          <a:lnRef idx="2">
+            <a:schemeClr val="accent1">
+              <a:shade val="15000"/>
+            </a:schemeClr>
+          </a:lnRef>
+          <a:fillRef idx="1">
+            <a:schemeClr val="accent1"/>
+          </a:fillRef>
+          <a:effectRef idx="0">
+            <a:schemeClr val="accent1"/>
+          </a:effectRef>
+          <a:fontRef idx="minor">
+            <a:schemeClr val="lt1"/>
+          </a:fontRef>
+        </p:style>
+        <p:txBody>
+          <a:bodyPr vert="eaVert" rtlCol="0" anchor="ctr"/>
+          <a:lstStyle/>
+          <a:p>
+            <a:pPr algn="ctr"/>
+            <a:r>
+              <a:rPr lang="zh-TW" altLang="en-US" dirty="0">
+                <a:latin typeface="Noto Sans TC Black" panose="020B0200000000000000" pitchFamily="34" charset="-128"/>
+                <a:ea typeface="Noto Sans TC Black" panose="020B0200000000000000" pitchFamily="34" charset="-128"/>
+              </a:rPr>
+              <a:t>方音符號</a:t>
+            </a:r>
+          </a:p>
+        </p:txBody>
+      </p:sp>
+      <p:sp>
+        <p:nvSpPr>
+          <p:cNvPr id="11" name="圖說文字: 折線 10">
+            <a:extLst>
+              <a:ext uri="{FF2B5EF4-FFF2-40B4-BE49-F238E27FC236}">
+                <a16:creationId xmlns:a16="http://schemas.microsoft.com/office/drawing/2014/main" id="{60A27480-03E9-6431-8520-C86DE5D90A36}"/>
+              </a:ext>
+            </a:extLst>
+          </p:cNvPr>
+          <p:cNvSpPr/>
+          <p:nvPr/>
+        </p:nvSpPr>
+        <p:spPr>
+          <a:xfrm>
+            <a:off x="619125" y="3848100"/>
+            <a:ext cx="491871" cy="4495800"/>
+          </a:xfrm>
+          <a:prstGeom prst="borderCallout2">
+            <a:avLst>
+              <a:gd name="adj1" fmla="val 43917"/>
+              <a:gd name="adj2" fmla="val 92546"/>
+              <a:gd name="adj3" fmla="val 50642"/>
+              <a:gd name="adj4" fmla="val 158764"/>
+              <a:gd name="adj5" fmla="val 50536"/>
+              <a:gd name="adj6" fmla="val 238085"/>
+            </a:avLst>
+          </a:prstGeom>
+        </p:spPr>
+        <p:style>
+          <a:lnRef idx="2">
+            <a:schemeClr val="accent1">
+              <a:shade val="15000"/>
+            </a:schemeClr>
+          </a:lnRef>
+          <a:fillRef idx="1">
+            <a:schemeClr val="accent1"/>
+          </a:fillRef>
+          <a:effectRef idx="0">
+            <a:schemeClr val="accent1"/>
+          </a:effectRef>
+          <a:fontRef idx="minor">
+            <a:schemeClr val="lt1"/>
+          </a:fontRef>
+        </p:style>
+        <p:txBody>
+          <a:bodyPr vert="eaVert" rtlCol="0" anchor="ctr"/>
+          <a:lstStyle/>
+          <a:p>
+            <a:pPr algn="ctr"/>
+            <a:r>
+              <a:rPr lang="zh-TW" altLang="en-US" dirty="0">
+                <a:latin typeface="Noto Sans TC Black" panose="020B0200000000000000" pitchFamily="34" charset="-128"/>
+                <a:ea typeface="Noto Sans TC Black" panose="020B0200000000000000" pitchFamily="34" charset="-128"/>
+              </a:rPr>
+              <a:t>十五音反切</a:t>
+            </a:r>
+          </a:p>
+        </p:txBody>
+      </p:sp>
+    </p:spTree>
+    <p:extLst>
+      <p:ext uri="{BB962C8B-B14F-4D97-AF65-F5344CB8AC3E}">
+        <p14:creationId xmlns:p14="http://schemas.microsoft.com/office/powerpoint/2010/main" val="2398846336"/>
+      </p:ext>
+    </p:extLst>
+  </p:cSld>
+  <p:clrMapOvr>
+    <a:masterClrMapping/>
+  </p:clrMapOvr>
+</p:sld>
+</file>
+
+<file path=ppt/slides/slide30.xml><?xml version="1.0" encoding="utf-8"?>
 <p:sld xmlns:a="http://schemas.openxmlformats.org/drawingml/2006/main" xmlns:r="http://schemas.openxmlformats.org/officeDocument/2006/relationships" xmlns:p="http://schemas.openxmlformats.org/presentationml/2006/main">
   <p:cSld>
     <p:spTree>
@@ -17121,1070 +18803,6 @@
     <p:extLst>
       <p:ext uri="{BB962C8B-B14F-4D97-AF65-F5344CB8AC3E}">
         <p14:creationId xmlns:p14="http://schemas.microsoft.com/office/powerpoint/2010/main" val="3900981781"/>
-      </p:ext>
-    </p:extLst>
-  </p:cSld>
-  <p:clrMapOvr>
-    <a:masterClrMapping/>
-  </p:clrMapOvr>
-</p:sld>
-</file>
-
-<file path=ppt/slides/slide3.xml><?xml version="1.0" encoding="utf-8"?>
-<p:sld xmlns:a="http://schemas.openxmlformats.org/drawingml/2006/main" xmlns:r="http://schemas.openxmlformats.org/officeDocument/2006/relationships" xmlns:p="http://schemas.openxmlformats.org/presentationml/2006/main">
-  <p:cSld>
-    <p:spTree>
-      <p:nvGrpSpPr>
-        <p:cNvPr id="1" name="">
-          <a:extLst>
-            <a:ext uri="{FF2B5EF4-FFF2-40B4-BE49-F238E27FC236}">
-              <a16:creationId xmlns:a16="http://schemas.microsoft.com/office/drawing/2014/main" id="{7511E677-309A-15E1-6359-B7FD01BD154A}"/>
-            </a:ext>
-          </a:extLst>
-        </p:cNvPr>
-        <p:cNvGrpSpPr/>
-        <p:nvPr/>
-      </p:nvGrpSpPr>
-      <p:grpSpPr>
-        <a:xfrm>
-          <a:off x="0" y="0"/>
-          <a:ext cx="0" cy="0"/>
-          <a:chOff x="0" y="0"/>
-          <a:chExt cx="0" cy="0"/>
-        </a:xfrm>
-      </p:grpSpPr>
-      <p:sp>
-        <p:nvSpPr>
-          <p:cNvPr id="7" name="標題 6">
-            <a:extLst>
-              <a:ext uri="{FF2B5EF4-FFF2-40B4-BE49-F238E27FC236}">
-                <a16:creationId xmlns:a16="http://schemas.microsoft.com/office/drawing/2014/main" id="{390B4DA8-FDE8-201F-361E-84D9C0D0853B}"/>
-              </a:ext>
-            </a:extLst>
-          </p:cNvPr>
-          <p:cNvSpPr>
-            <a:spLocks noGrp="1"/>
-          </p:cNvSpPr>
-          <p:nvPr>
-            <p:ph type="title"/>
-          </p:nvPr>
-        </p:nvSpPr>
-        <p:spPr>
-          <a:xfrm>
-            <a:off x="237490" y="885138"/>
-            <a:ext cx="3482149" cy="509524"/>
-          </a:xfrm>
-        </p:spPr>
-        <p:txBody>
-          <a:bodyPr vert="horz" lIns="60960" tIns="30480" rIns="60960" bIns="30480" rtlCol="0" anchor="b">
-            <a:normAutofit/>
-          </a:bodyPr>
-          <a:lstStyle/>
-          <a:p>
-            <a:r>
-              <a:rPr lang="zh-TW" altLang="en-US" dirty="0">
-                <a:latin typeface="Noto Serif TC Black" panose="02020200000000000000" pitchFamily="18" charset="-128"/>
-                <a:ea typeface="Noto Serif TC Black" panose="02020200000000000000" pitchFamily="18" charset="-128"/>
-              </a:rPr>
-              <a:t>漢字標音</a:t>
-            </a:r>
-          </a:p>
-        </p:txBody>
-      </p:sp>
-      <p:sp>
-        <p:nvSpPr>
-          <p:cNvPr id="14" name="文字方塊 13">
-            <a:extLst>
-              <a:ext uri="{FF2B5EF4-FFF2-40B4-BE49-F238E27FC236}">
-                <a16:creationId xmlns:a16="http://schemas.microsoft.com/office/drawing/2014/main" id="{FAAAB036-A6D1-C811-22C0-BCA29211CE47}"/>
-              </a:ext>
-            </a:extLst>
-          </p:cNvPr>
-          <p:cNvSpPr txBox="1"/>
-          <p:nvPr/>
-        </p:nvSpPr>
-        <p:spPr>
-          <a:xfrm>
-            <a:off x="2722964" y="5229117"/>
-            <a:ext cx="1362774" cy="1405641"/>
-          </a:xfrm>
-          <a:prstGeom prst="rect">
-            <a:avLst/>
-          </a:prstGeom>
-          <a:noFill/>
-        </p:spPr>
-        <p:txBody>
-          <a:bodyPr wrap="square" rtlCol="0">
-            <a:spAutoFit/>
-          </a:bodyPr>
-          <a:lstStyle/>
-          <a:p>
-            <a:pPr algn="just"/>
-            <a:r>
-              <a:rPr lang="zh-TW" altLang="en-US" sz="8534" dirty="0">
-                <a:latin typeface="Noto Serif TC Black" panose="02020200000000000000" pitchFamily="18" charset="-128"/>
-                <a:ea typeface="Noto Serif TC Black" panose="02020200000000000000" pitchFamily="18" charset="-128"/>
-              </a:rPr>
-              <a:t>洞</a:t>
-            </a:r>
-          </a:p>
-        </p:txBody>
-      </p:sp>
-      <p:sp>
-        <p:nvSpPr>
-          <p:cNvPr id="20" name="文字方塊 19">
-            <a:extLst>
-              <a:ext uri="{FF2B5EF4-FFF2-40B4-BE49-F238E27FC236}">
-                <a16:creationId xmlns:a16="http://schemas.microsoft.com/office/drawing/2014/main" id="{58FA5F53-AB84-6D04-29CB-F3B218927BE2}"/>
-              </a:ext>
-            </a:extLst>
-          </p:cNvPr>
-          <p:cNvSpPr txBox="1"/>
-          <p:nvPr/>
-        </p:nvSpPr>
-        <p:spPr>
-          <a:xfrm>
-            <a:off x="619125" y="9846310"/>
-            <a:ext cx="6134826" cy="1723549"/>
-          </a:xfrm>
-          <a:prstGeom prst="rect">
-            <a:avLst/>
-          </a:prstGeom>
-          <a:noFill/>
-        </p:spPr>
-        <p:txBody>
-          <a:bodyPr wrap="square" rtlCol="0">
-            <a:spAutoFit/>
-          </a:bodyPr>
-          <a:lstStyle/>
-          <a:p>
-            <a:pPr marL="381019" indent="-381019">
-              <a:spcBef>
-                <a:spcPts val="400"/>
-              </a:spcBef>
-              <a:buFont typeface="Arial" panose="020B0604020202020204" pitchFamily="34" charset="0"/>
-              <a:buChar char="•"/>
-            </a:pPr>
-            <a:r>
-              <a:rPr lang="zh-TW" altLang="en-US" sz="2400" dirty="0">
-                <a:latin typeface="Noto Sans TC Medium" panose="020B0200000000000000" pitchFamily="34" charset="-128"/>
-                <a:ea typeface="Noto Sans TC Medium" panose="020B0200000000000000" pitchFamily="34" charset="-128"/>
-              </a:rPr>
-              <a:t>台羅拼音：</a:t>
-            </a:r>
-            <a:r>
-              <a:rPr lang="en-US" altLang="zh-TW" sz="2400" dirty="0">
-                <a:latin typeface="Noto Sans TC Medium" panose="020B0200000000000000" pitchFamily="34" charset="-128"/>
-                <a:ea typeface="Noto Sans TC Medium" panose="020B0200000000000000" pitchFamily="34" charset="-128"/>
-              </a:rPr>
-              <a:t>		</a:t>
-            </a:r>
-            <a:r>
-              <a:rPr lang="en-US" altLang="zh-TW" sz="2400" b="1" dirty="0" err="1">
-                <a:solidFill>
-                  <a:srgbClr val="7030A0"/>
-                </a:solidFill>
-                <a:latin typeface="Arial" panose="020B0604020202020204" pitchFamily="34" charset="0"/>
-              </a:rPr>
-              <a:t>t</a:t>
-            </a:r>
-            <a:r>
-              <a:rPr lang="en-US" altLang="zh-TW" sz="2400" dirty="0" err="1">
-                <a:solidFill>
-                  <a:schemeClr val="accent2"/>
-                </a:solidFill>
-                <a:latin typeface="Noto Sans TC Medium" panose="020B0200000000000000" pitchFamily="34" charset="-128"/>
-                <a:ea typeface="Noto Sans TC Medium" panose="020B0200000000000000" pitchFamily="34" charset="-128"/>
-              </a:rPr>
-              <a:t>ōng</a:t>
-            </a:r>
-            <a:r>
-              <a:rPr lang="zh-TW" altLang="en-US" sz="2400" b="1" dirty="0">
-                <a:solidFill>
-                  <a:srgbClr val="4D4E51"/>
-                </a:solidFill>
-                <a:latin typeface="Arial" panose="020B0604020202020204" pitchFamily="34" charset="0"/>
-              </a:rPr>
-              <a:t>（</a:t>
-            </a:r>
-            <a:r>
-              <a:rPr lang="en-US" altLang="zh-TW" sz="2400" dirty="0">
-                <a:solidFill>
-                  <a:schemeClr val="accent5"/>
-                </a:solidFill>
-                <a:latin typeface="Noto Sans TC Medium" panose="020B0200000000000000" pitchFamily="34" charset="-128"/>
-                <a:ea typeface="Noto Sans TC Medium" panose="020B0200000000000000" pitchFamily="34" charset="-128"/>
-              </a:rPr>
-              <a:t> tong</a:t>
-            </a:r>
-            <a:r>
-              <a:rPr lang="en-US" altLang="zh-TW" sz="2400" dirty="0">
-                <a:solidFill>
-                  <a:srgbClr val="00B050"/>
-                </a:solidFill>
-                <a:latin typeface="Noto Sans TC Medium" panose="020B0200000000000000" pitchFamily="34" charset="-128"/>
-                <a:ea typeface="Noto Sans TC Medium" panose="020B0200000000000000" pitchFamily="34" charset="-128"/>
-              </a:rPr>
-              <a:t>7 </a:t>
-            </a:r>
-            <a:r>
-              <a:rPr lang="zh-TW" altLang="en-US" sz="2400" b="1" dirty="0">
-                <a:solidFill>
-                  <a:srgbClr val="4D4E51"/>
-                </a:solidFill>
-                <a:latin typeface="Arial" panose="020B0604020202020204" pitchFamily="34" charset="0"/>
-              </a:rPr>
-              <a:t>）</a:t>
-            </a:r>
-            <a:endParaRPr lang="en-US" altLang="zh-TW" sz="2400" dirty="0">
-              <a:latin typeface="Noto Sans TC Medium" panose="020B0200000000000000" pitchFamily="34" charset="-128"/>
-              <a:ea typeface="Noto Sans TC Medium" panose="020B0200000000000000" pitchFamily="34" charset="-128"/>
-            </a:endParaRPr>
-          </a:p>
-          <a:p>
-            <a:pPr marL="381019" indent="-381019">
-              <a:spcBef>
-                <a:spcPts val="400"/>
-              </a:spcBef>
-              <a:buFont typeface="Arial" panose="020B0604020202020204" pitchFamily="34" charset="0"/>
-              <a:buChar char="•"/>
-            </a:pPr>
-            <a:r>
-              <a:rPr lang="zh-TW" altLang="en-US" sz="2400" dirty="0">
-                <a:latin typeface="Noto Sans TC Medium" panose="020B0200000000000000" pitchFamily="34" charset="-128"/>
-                <a:ea typeface="Noto Sans TC Medium" panose="020B0200000000000000" pitchFamily="34" charset="-128"/>
-              </a:rPr>
-              <a:t>寬式國際音標：</a:t>
-            </a:r>
-            <a:r>
-              <a:rPr lang="en-US" altLang="zh-TW" sz="2400" dirty="0">
-                <a:latin typeface="Noto Sans TC Medium" panose="020B0200000000000000" pitchFamily="34" charset="-128"/>
-                <a:ea typeface="Noto Sans TC Medium" panose="020B0200000000000000" pitchFamily="34" charset="-128"/>
-              </a:rPr>
-              <a:t>	</a:t>
-            </a:r>
-            <a:r>
-              <a:rPr lang="en-US" altLang="zh-TW" sz="2400" dirty="0">
-                <a:solidFill>
-                  <a:schemeClr val="accent5"/>
-                </a:solidFill>
-                <a:latin typeface="Noto Sans TC Medium" panose="020B0200000000000000" pitchFamily="34" charset="-128"/>
-                <a:ea typeface="Noto Sans TC Medium" panose="020B0200000000000000" pitchFamily="34" charset="-128"/>
-              </a:rPr>
-              <a:t>t</a:t>
-            </a:r>
-            <a:r>
-              <a:rPr lang="en-US" altLang="zh-TW" sz="2400" dirty="0">
-                <a:solidFill>
-                  <a:schemeClr val="accent2"/>
-                </a:solidFill>
-                <a:latin typeface="Noto Sans TC Medium" panose="020B0200000000000000" pitchFamily="34" charset="-128"/>
-                <a:ea typeface="Noto Sans TC Medium" panose="020B0200000000000000" pitchFamily="34" charset="-128"/>
-              </a:rPr>
-              <a:t>ɔŋ</a:t>
-            </a:r>
-            <a:r>
-              <a:rPr lang="en-US" altLang="zh-TW" sz="2400" baseline="30000" dirty="0">
-                <a:solidFill>
-                  <a:srgbClr val="00B050"/>
-                </a:solidFill>
-                <a:latin typeface="Noto Sans TC Medium" panose="020B0200000000000000" pitchFamily="34" charset="-128"/>
-                <a:ea typeface="Noto Sans TC Medium" panose="020B0200000000000000" pitchFamily="34" charset="-128"/>
-              </a:rPr>
-              <a:t>7</a:t>
-            </a:r>
-            <a:endParaRPr lang="en-US" altLang="zh-TW" sz="2400" baseline="30000" dirty="0">
-              <a:latin typeface="Noto Sans TC Medium" panose="020B0200000000000000" pitchFamily="34" charset="-128"/>
-              <a:ea typeface="Noto Sans TC Medium" panose="020B0200000000000000" pitchFamily="34" charset="-128"/>
-            </a:endParaRPr>
-          </a:p>
-          <a:p>
-            <a:pPr marL="381019" indent="-381019">
-              <a:spcBef>
-                <a:spcPts val="400"/>
-              </a:spcBef>
-              <a:buFont typeface="Arial" panose="020B0604020202020204" pitchFamily="34" charset="0"/>
-              <a:buChar char="•"/>
-            </a:pPr>
-            <a:r>
-              <a:rPr lang="zh-TW" altLang="en-US" sz="2400" dirty="0">
-                <a:latin typeface="Noto Sans TC Medium" panose="020B0200000000000000" pitchFamily="34" charset="-128"/>
-                <a:ea typeface="Noto Sans TC Medium" panose="020B0200000000000000" pitchFamily="34" charset="-128"/>
-              </a:rPr>
-              <a:t>十五音反切：</a:t>
-            </a:r>
-            <a:r>
-              <a:rPr lang="en-US" altLang="zh-TW" sz="2400" dirty="0">
-                <a:latin typeface="Noto Sans TC Medium" panose="020B0200000000000000" pitchFamily="34" charset="-128"/>
-                <a:ea typeface="Noto Sans TC Medium" panose="020B0200000000000000" pitchFamily="34" charset="-128"/>
-              </a:rPr>
-              <a:t>		</a:t>
-            </a:r>
-            <a:r>
-              <a:rPr lang="zh-TW" altLang="en-US" sz="2400" dirty="0">
-                <a:solidFill>
-                  <a:schemeClr val="accent2"/>
-                </a:solidFill>
-                <a:latin typeface="Noto Sans TC Medium" panose="020B0200000000000000" pitchFamily="34" charset="-128"/>
-                <a:ea typeface="Noto Sans TC Medium" panose="020B0200000000000000" pitchFamily="34" charset="-128"/>
-              </a:rPr>
-              <a:t>公</a:t>
-            </a:r>
-            <a:r>
-              <a:rPr lang="zh-TW" altLang="en-US" sz="2400" dirty="0">
-                <a:solidFill>
-                  <a:srgbClr val="00B050"/>
-                </a:solidFill>
-                <a:latin typeface="Noto Sans TC Medium" panose="020B0200000000000000" pitchFamily="34" charset="-128"/>
-                <a:ea typeface="Noto Sans TC Medium" panose="020B0200000000000000" pitchFamily="34" charset="-128"/>
-              </a:rPr>
-              <a:t>七</a:t>
-            </a:r>
-            <a:r>
-              <a:rPr lang="zh-TW" altLang="en-US" sz="2400" dirty="0">
-                <a:solidFill>
-                  <a:schemeClr val="accent5"/>
-                </a:solidFill>
-                <a:latin typeface="Noto Sans TC Medium" panose="020B0200000000000000" pitchFamily="34" charset="-128"/>
-                <a:ea typeface="Noto Sans TC Medium" panose="020B0200000000000000" pitchFamily="34" charset="-128"/>
-              </a:rPr>
-              <a:t>地</a:t>
-            </a:r>
-            <a:endParaRPr lang="en-US" altLang="zh-TW" sz="2400" dirty="0">
-              <a:latin typeface="Noto Sans TC Medium" panose="020B0200000000000000" pitchFamily="34" charset="-128"/>
-              <a:ea typeface="Noto Sans TC Medium" panose="020B0200000000000000" pitchFamily="34" charset="-128"/>
-            </a:endParaRPr>
-          </a:p>
-          <a:p>
-            <a:pPr marL="381019" indent="-381019">
-              <a:spcBef>
-                <a:spcPts val="400"/>
-              </a:spcBef>
-              <a:buFont typeface="Arial" panose="020B0604020202020204" pitchFamily="34" charset="0"/>
-              <a:buChar char="•"/>
-            </a:pPr>
-            <a:r>
-              <a:rPr lang="zh-TW" altLang="en-US" sz="2400" dirty="0">
-                <a:latin typeface="Noto Sans TC Medium" panose="020B0200000000000000" pitchFamily="34" charset="-128"/>
-                <a:ea typeface="Noto Sans TC Medium" panose="020B0200000000000000" pitchFamily="34" charset="-128"/>
-              </a:rPr>
-              <a:t>方音符號： </a:t>
-            </a:r>
-            <a:r>
-              <a:rPr lang="en-US" altLang="zh-TW" sz="2400" dirty="0">
-                <a:latin typeface="Noto Sans TC Medium" panose="020B0200000000000000" pitchFamily="34" charset="-128"/>
-                <a:ea typeface="Noto Sans TC Medium" panose="020B0200000000000000" pitchFamily="34" charset="-128"/>
-              </a:rPr>
-              <a:t>		</a:t>
-            </a:r>
-            <a:r>
-              <a:rPr lang="zh-CN" altLang="en-US" sz="2400" dirty="0">
-                <a:solidFill>
-                  <a:schemeClr val="accent5"/>
-                </a:solidFill>
-                <a:latin typeface="Noto Sans TC Medium" panose="020B0200000000000000" pitchFamily="34" charset="-128"/>
-                <a:ea typeface="Noto Sans TC Medium" panose="020B0200000000000000" pitchFamily="34" charset="-128"/>
-              </a:rPr>
-              <a:t>ㄉ</a:t>
-            </a:r>
-            <a:r>
-              <a:rPr lang="zh-CN" altLang="en-US" sz="2400" dirty="0">
-                <a:solidFill>
-                  <a:schemeClr val="accent2"/>
-                </a:solidFill>
-                <a:latin typeface="Noto Sans TC Medium" panose="020B0200000000000000" pitchFamily="34" charset="-128"/>
-                <a:ea typeface="Noto Sans TC Medium" panose="020B0200000000000000" pitchFamily="34" charset="-128"/>
-              </a:rPr>
-              <a:t>ㆲ</a:t>
-            </a:r>
-            <a:r>
-              <a:rPr lang="zh-CN" altLang="en-US" sz="2400" b="1" dirty="0">
-                <a:solidFill>
-                  <a:srgbClr val="00B050"/>
-                </a:solidFill>
-                <a:latin typeface="Noto Sans TC Medium" panose="020B0200000000000000" pitchFamily="34" charset="-128"/>
-                <a:ea typeface="Noto Sans TC Medium" panose="020B0200000000000000" pitchFamily="34" charset="-128"/>
-              </a:rPr>
-              <a:t>├</a:t>
-            </a:r>
-            <a:endParaRPr lang="zh-TW" altLang="en-US" sz="2400" dirty="0">
-              <a:solidFill>
-                <a:schemeClr val="accent5"/>
-              </a:solidFill>
-              <a:latin typeface="Noto Sans TC Medium" panose="020B0200000000000000" pitchFamily="34" charset="-128"/>
-              <a:ea typeface="Noto Sans TC Medium" panose="020B0200000000000000" pitchFamily="34" charset="-128"/>
-            </a:endParaRPr>
-          </a:p>
-        </p:txBody>
-      </p:sp>
-      <p:sp>
-        <p:nvSpPr>
-          <p:cNvPr id="2" name="文字方塊 1">
-            <a:extLst>
-              <a:ext uri="{FF2B5EF4-FFF2-40B4-BE49-F238E27FC236}">
-                <a16:creationId xmlns:a16="http://schemas.microsoft.com/office/drawing/2014/main" id="{2DF6E5F4-2F16-2BE9-1D2B-9DD8F87A327F}"/>
-              </a:ext>
-            </a:extLst>
-          </p:cNvPr>
-          <p:cNvSpPr txBox="1"/>
-          <p:nvPr/>
-        </p:nvSpPr>
-        <p:spPr>
-          <a:xfrm>
-            <a:off x="3899866" y="5552020"/>
-            <a:ext cx="553998" cy="830997"/>
-          </a:xfrm>
-          <a:prstGeom prst="rect">
-            <a:avLst/>
-          </a:prstGeom>
-          <a:noFill/>
-        </p:spPr>
-        <p:txBody>
-          <a:bodyPr vert="horz" wrap="square" rtlCol="0">
-            <a:spAutoFit/>
-          </a:bodyPr>
-          <a:lstStyle/>
-          <a:p>
-            <a:pPr algn="ctr"/>
-            <a:r>
-              <a:rPr lang="zh-CN" altLang="en-US" sz="2400" dirty="0">
-                <a:solidFill>
-                  <a:schemeClr val="accent5"/>
-                </a:solidFill>
-                <a:latin typeface="Noto Sans TC Medium" panose="020B0200000000000000" pitchFamily="34" charset="-128"/>
-                <a:ea typeface="Noto Sans TC Medium" panose="020B0200000000000000" pitchFamily="34" charset="-128"/>
-              </a:rPr>
-              <a:t>ㄉ</a:t>
-            </a:r>
-            <a:r>
-              <a:rPr lang="zh-CN" altLang="en-US" sz="2400" dirty="0">
-                <a:solidFill>
-                  <a:schemeClr val="accent2"/>
-                </a:solidFill>
-                <a:latin typeface="Noto Sans TC Medium" panose="020B0200000000000000" pitchFamily="34" charset="-128"/>
-                <a:ea typeface="Noto Sans TC Medium" panose="020B0200000000000000" pitchFamily="34" charset="-128"/>
-              </a:rPr>
-              <a:t>ㆲ</a:t>
-            </a:r>
-            <a:endParaRPr lang="zh-TW" altLang="en-US" sz="2400" dirty="0">
-              <a:solidFill>
-                <a:schemeClr val="accent5"/>
-              </a:solidFill>
-              <a:latin typeface="Noto Sans TC Medium" panose="020B0200000000000000" pitchFamily="34" charset="-128"/>
-              <a:ea typeface="Noto Sans TC Medium" panose="020B0200000000000000" pitchFamily="34" charset="-128"/>
-            </a:endParaRPr>
-          </a:p>
-        </p:txBody>
-      </p:sp>
-      <p:sp>
-        <p:nvSpPr>
-          <p:cNvPr id="3" name="文字方塊 2">
-            <a:extLst>
-              <a:ext uri="{FF2B5EF4-FFF2-40B4-BE49-F238E27FC236}">
-                <a16:creationId xmlns:a16="http://schemas.microsoft.com/office/drawing/2014/main" id="{1AE414BE-0CD8-A70D-DB23-9783ACC00679}"/>
-              </a:ext>
-            </a:extLst>
-          </p:cNvPr>
-          <p:cNvSpPr txBox="1"/>
-          <p:nvPr/>
-        </p:nvSpPr>
-        <p:spPr>
-          <a:xfrm>
-            <a:off x="2612537" y="6575425"/>
-            <a:ext cx="1473200" cy="461665"/>
-          </a:xfrm>
-          <a:prstGeom prst="rect">
-            <a:avLst/>
-          </a:prstGeom>
-          <a:noFill/>
-        </p:spPr>
-        <p:txBody>
-          <a:bodyPr wrap="square" rtlCol="0">
-            <a:spAutoFit/>
-          </a:bodyPr>
-          <a:lstStyle/>
-          <a:p>
-            <a:pPr algn="ctr"/>
-            <a:r>
-              <a:rPr lang="en-US" altLang="zh-TW" sz="2400" dirty="0">
-                <a:solidFill>
-                  <a:schemeClr val="accent5"/>
-                </a:solidFill>
-                <a:latin typeface="Noto Sans TC Medium" panose="020B0200000000000000" pitchFamily="34" charset="-128"/>
-                <a:ea typeface="Noto Sans TC Medium" panose="020B0200000000000000" pitchFamily="34" charset="-128"/>
-              </a:rPr>
-              <a:t>t</a:t>
-            </a:r>
-            <a:r>
-              <a:rPr lang="en-US" altLang="zh-TW" sz="2400" dirty="0">
-                <a:solidFill>
-                  <a:schemeClr val="accent2"/>
-                </a:solidFill>
-                <a:latin typeface="Noto Sans TC Medium" panose="020B0200000000000000" pitchFamily="34" charset="-128"/>
-                <a:ea typeface="Noto Sans TC Medium" panose="020B0200000000000000" pitchFamily="34" charset="-128"/>
-              </a:rPr>
-              <a:t>ɔŋ</a:t>
-            </a:r>
-            <a:r>
-              <a:rPr lang="en-US" altLang="zh-TW" sz="2400" baseline="30000" dirty="0">
-                <a:solidFill>
-                  <a:srgbClr val="00B050"/>
-                </a:solidFill>
-                <a:latin typeface="Noto Sans TC Medium" panose="020B0200000000000000" pitchFamily="34" charset="-128"/>
-                <a:ea typeface="Noto Sans TC Medium" panose="020B0200000000000000" pitchFamily="34" charset="-128"/>
-              </a:rPr>
-              <a:t>7</a:t>
-            </a:r>
-            <a:endParaRPr lang="zh-TW" altLang="en-US" sz="2400" baseline="30000" dirty="0">
-              <a:latin typeface="Noto Sans TC Medium" panose="020B0200000000000000" pitchFamily="34" charset="-128"/>
-              <a:ea typeface="Noto Sans TC Medium" panose="020B0200000000000000" pitchFamily="34" charset="-128"/>
-            </a:endParaRPr>
-          </a:p>
-        </p:txBody>
-      </p:sp>
-      <p:sp>
-        <p:nvSpPr>
-          <p:cNvPr id="5" name="文字方塊 4">
-            <a:extLst>
-              <a:ext uri="{FF2B5EF4-FFF2-40B4-BE49-F238E27FC236}">
-                <a16:creationId xmlns:a16="http://schemas.microsoft.com/office/drawing/2014/main" id="{D7B52540-4E74-18A7-8883-C81AEE98B044}"/>
-              </a:ext>
-            </a:extLst>
-          </p:cNvPr>
-          <p:cNvSpPr txBox="1"/>
-          <p:nvPr/>
-        </p:nvSpPr>
-        <p:spPr>
-          <a:xfrm>
-            <a:off x="441325" y="1980323"/>
-            <a:ext cx="5789613" cy="461665"/>
-          </a:xfrm>
-          <a:prstGeom prst="rect">
-            <a:avLst/>
-          </a:prstGeom>
-          <a:noFill/>
-        </p:spPr>
-        <p:txBody>
-          <a:bodyPr wrap="square" rtlCol="0">
-            <a:spAutoFit/>
-          </a:bodyPr>
-          <a:lstStyle/>
-          <a:p>
-            <a:r>
-              <a:rPr lang="zh-TW" altLang="en-US" sz="2400" dirty="0">
-                <a:latin typeface="Noto Sans TC Medium" panose="020B0200000000000000" pitchFamily="34" charset="-128"/>
-                <a:ea typeface="Noto Sans TC Medium" panose="020B0200000000000000" pitchFamily="34" charset="-128"/>
-              </a:rPr>
-              <a:t>漢字標音 ＝ </a:t>
-            </a:r>
-            <a:r>
-              <a:rPr lang="zh-TW" altLang="en-US" sz="2400" dirty="0">
-                <a:solidFill>
-                  <a:schemeClr val="accent5"/>
-                </a:solidFill>
-                <a:latin typeface="Noto Sans TC Medium" panose="020B0200000000000000" pitchFamily="34" charset="-128"/>
-                <a:ea typeface="Noto Sans TC Medium" panose="020B0200000000000000" pitchFamily="34" charset="-128"/>
-              </a:rPr>
-              <a:t>聲母</a:t>
-            </a:r>
-            <a:r>
-              <a:rPr lang="zh-TW" altLang="en-US" sz="2400" dirty="0">
-                <a:latin typeface="Noto Sans TC Medium" panose="020B0200000000000000" pitchFamily="34" charset="-128"/>
-                <a:ea typeface="Noto Sans TC Medium" panose="020B0200000000000000" pitchFamily="34" charset="-128"/>
-              </a:rPr>
-              <a:t> ＋ </a:t>
-            </a:r>
-            <a:r>
-              <a:rPr lang="zh-TW" altLang="en-US" sz="2400" dirty="0">
-                <a:solidFill>
-                  <a:schemeClr val="accent2"/>
-                </a:solidFill>
-                <a:latin typeface="Noto Sans TC Medium" panose="020B0200000000000000" pitchFamily="34" charset="-128"/>
-                <a:ea typeface="Noto Sans TC Medium" panose="020B0200000000000000" pitchFamily="34" charset="-128"/>
-              </a:rPr>
-              <a:t>韻母</a:t>
-            </a:r>
-            <a:r>
-              <a:rPr lang="zh-TW" altLang="en-US" sz="2400" dirty="0">
-                <a:latin typeface="Noto Sans TC Medium" panose="020B0200000000000000" pitchFamily="34" charset="-128"/>
-                <a:ea typeface="Noto Sans TC Medium" panose="020B0200000000000000" pitchFamily="34" charset="-128"/>
-              </a:rPr>
-              <a:t> ＋ </a:t>
-            </a:r>
-            <a:r>
-              <a:rPr lang="zh-TW" altLang="en-US" sz="2400" dirty="0">
-                <a:solidFill>
-                  <a:srgbClr val="00B050"/>
-                </a:solidFill>
-                <a:latin typeface="Noto Sans TC Medium" panose="020B0200000000000000" pitchFamily="34" charset="-128"/>
-                <a:ea typeface="Noto Sans TC Medium" panose="020B0200000000000000" pitchFamily="34" charset="-128"/>
-              </a:rPr>
-              <a:t>聲調</a:t>
-            </a:r>
-          </a:p>
-        </p:txBody>
-      </p:sp>
-      <p:sp>
-        <p:nvSpPr>
-          <p:cNvPr id="4" name="文字方塊 3">
-            <a:extLst>
-              <a:ext uri="{FF2B5EF4-FFF2-40B4-BE49-F238E27FC236}">
-                <a16:creationId xmlns:a16="http://schemas.microsoft.com/office/drawing/2014/main" id="{39A6B4A1-546A-08C3-98FE-F99123CDB9B2}"/>
-              </a:ext>
-            </a:extLst>
-          </p:cNvPr>
-          <p:cNvSpPr txBox="1"/>
-          <p:nvPr/>
-        </p:nvSpPr>
-        <p:spPr>
-          <a:xfrm>
-            <a:off x="2612537" y="4762186"/>
-            <a:ext cx="1473200" cy="461665"/>
-          </a:xfrm>
-          <a:prstGeom prst="rect">
-            <a:avLst/>
-          </a:prstGeom>
-          <a:noFill/>
-        </p:spPr>
-        <p:txBody>
-          <a:bodyPr wrap="square" rtlCol="0">
-            <a:spAutoFit/>
-          </a:bodyPr>
-          <a:lstStyle/>
-          <a:p>
-            <a:pPr algn="ctr"/>
-            <a:r>
-              <a:rPr lang="en-US" altLang="zh-TW" sz="2400" b="1" dirty="0">
-                <a:solidFill>
-                  <a:schemeClr val="accent5"/>
-                </a:solidFill>
-                <a:latin typeface="Arial" panose="020B0604020202020204" pitchFamily="34" charset="0"/>
-              </a:rPr>
-              <a:t> </a:t>
-            </a:r>
-            <a:r>
-              <a:rPr lang="en-US" altLang="zh-TW" sz="2400" b="1" dirty="0" err="1">
-                <a:solidFill>
-                  <a:schemeClr val="accent5"/>
-                </a:solidFill>
-                <a:latin typeface="Arial" panose="020B0604020202020204" pitchFamily="34" charset="0"/>
-              </a:rPr>
-              <a:t>t</a:t>
-            </a:r>
-            <a:r>
-              <a:rPr lang="en-US" altLang="zh-TW" sz="2400" dirty="0" err="1">
-                <a:solidFill>
-                  <a:schemeClr val="accent2"/>
-                </a:solidFill>
-                <a:latin typeface="Noto Sans TC Medium" panose="020B0200000000000000" pitchFamily="34" charset="-128"/>
-                <a:ea typeface="Noto Sans TC Medium" panose="020B0200000000000000" pitchFamily="34" charset="-128"/>
-              </a:rPr>
-              <a:t>ōng</a:t>
-            </a:r>
-            <a:r>
-              <a:rPr lang="en-US" altLang="zh-TW" sz="2400" b="1" dirty="0">
-                <a:solidFill>
-                  <a:schemeClr val="accent5"/>
-                </a:solidFill>
-                <a:latin typeface="Arial" panose="020B0604020202020204" pitchFamily="34" charset="0"/>
-              </a:rPr>
-              <a:t> </a:t>
-            </a:r>
-            <a:endParaRPr lang="zh-TW" altLang="en-US" sz="2400" dirty="0">
-              <a:solidFill>
-                <a:schemeClr val="accent2"/>
-              </a:solidFill>
-              <a:latin typeface="Noto Sans TC Medium" panose="020B0200000000000000" pitchFamily="34" charset="-128"/>
-              <a:ea typeface="Noto Sans TC Medium" panose="020B0200000000000000" pitchFamily="34" charset="-128"/>
-            </a:endParaRPr>
-          </a:p>
-        </p:txBody>
-      </p:sp>
-      <p:sp>
-        <p:nvSpPr>
-          <p:cNvPr id="10" name="文字方塊 9">
-            <a:extLst>
-              <a:ext uri="{FF2B5EF4-FFF2-40B4-BE49-F238E27FC236}">
-                <a16:creationId xmlns:a16="http://schemas.microsoft.com/office/drawing/2014/main" id="{9171564A-D963-48D2-4ABD-491C152439F9}"/>
-              </a:ext>
-            </a:extLst>
-          </p:cNvPr>
-          <p:cNvSpPr txBox="1"/>
-          <p:nvPr/>
-        </p:nvSpPr>
-        <p:spPr>
-          <a:xfrm>
-            <a:off x="4093348" y="5736685"/>
-            <a:ext cx="553998" cy="461665"/>
-          </a:xfrm>
-          <a:prstGeom prst="rect">
-            <a:avLst/>
-          </a:prstGeom>
-          <a:noFill/>
-        </p:spPr>
-        <p:txBody>
-          <a:bodyPr vert="horz" wrap="square" rtlCol="0">
-            <a:spAutoFit/>
-          </a:bodyPr>
-          <a:lstStyle/>
-          <a:p>
-            <a:pPr algn="ctr"/>
-            <a:r>
-              <a:rPr lang="zh-CN" altLang="en-US" sz="2400" b="1" dirty="0">
-                <a:solidFill>
-                  <a:srgbClr val="00B050"/>
-                </a:solidFill>
-                <a:latin typeface="Noto Sans TC Medium" panose="020B0200000000000000" pitchFamily="34" charset="-128"/>
-                <a:ea typeface="Noto Sans TC Medium" panose="020B0200000000000000" pitchFamily="34" charset="-128"/>
-              </a:rPr>
-              <a:t>├</a:t>
-            </a:r>
-            <a:endParaRPr lang="zh-TW" altLang="en-US" sz="2400" b="1" dirty="0">
-              <a:solidFill>
-                <a:srgbClr val="00B050"/>
-              </a:solidFill>
-              <a:latin typeface="Noto Sans TC Medium" panose="020B0200000000000000" pitchFamily="34" charset="-128"/>
-              <a:ea typeface="Noto Sans TC Medium" panose="020B0200000000000000" pitchFamily="34" charset="-128"/>
-            </a:endParaRPr>
-          </a:p>
-        </p:txBody>
-      </p:sp>
-      <p:sp>
-        <p:nvSpPr>
-          <p:cNvPr id="12" name="文字方塊 11">
-            <a:extLst>
-              <a:ext uri="{FF2B5EF4-FFF2-40B4-BE49-F238E27FC236}">
-                <a16:creationId xmlns:a16="http://schemas.microsoft.com/office/drawing/2014/main" id="{37AAE250-B75E-0959-110B-492296173F04}"/>
-              </a:ext>
-            </a:extLst>
-          </p:cNvPr>
-          <p:cNvSpPr txBox="1"/>
-          <p:nvPr/>
-        </p:nvSpPr>
-        <p:spPr>
-          <a:xfrm>
-            <a:off x="2210653" y="5293445"/>
-            <a:ext cx="553998" cy="1200329"/>
-          </a:xfrm>
-          <a:prstGeom prst="rect">
-            <a:avLst/>
-          </a:prstGeom>
-          <a:noFill/>
-        </p:spPr>
-        <p:txBody>
-          <a:bodyPr vert="horz" wrap="square" rtlCol="0">
-            <a:spAutoFit/>
-          </a:bodyPr>
-          <a:lstStyle/>
-          <a:p>
-            <a:pPr algn="ctr"/>
-            <a:r>
-              <a:rPr lang="zh-TW" altLang="en-US" sz="2400" dirty="0">
-                <a:solidFill>
-                  <a:schemeClr val="accent2"/>
-                </a:solidFill>
-                <a:latin typeface="Noto Sans TC Medium" panose="020B0200000000000000" pitchFamily="34" charset="-128"/>
-                <a:ea typeface="Noto Sans TC Medium" panose="020B0200000000000000" pitchFamily="34" charset="-128"/>
-              </a:rPr>
-              <a:t>公</a:t>
-            </a:r>
-            <a:endParaRPr lang="en-US" altLang="zh-TW" sz="2400" dirty="0">
-              <a:solidFill>
-                <a:schemeClr val="accent2"/>
-              </a:solidFill>
-              <a:latin typeface="Noto Sans TC Medium" panose="020B0200000000000000" pitchFamily="34" charset="-128"/>
-              <a:ea typeface="Noto Sans TC Medium" panose="020B0200000000000000" pitchFamily="34" charset="-128"/>
-            </a:endParaRPr>
-          </a:p>
-          <a:p>
-            <a:pPr algn="ctr"/>
-            <a:r>
-              <a:rPr lang="zh-TW" altLang="en-US" sz="2400" dirty="0">
-                <a:solidFill>
-                  <a:srgbClr val="00B050"/>
-                </a:solidFill>
-                <a:latin typeface="Noto Sans TC Medium" panose="020B0200000000000000" pitchFamily="34" charset="-128"/>
-                <a:ea typeface="Noto Sans TC Medium" panose="020B0200000000000000" pitchFamily="34" charset="-128"/>
-              </a:rPr>
-              <a:t>七</a:t>
-            </a:r>
-            <a:endParaRPr lang="en-US" altLang="zh-TW" sz="2400" dirty="0">
-              <a:solidFill>
-                <a:srgbClr val="00B050"/>
-              </a:solidFill>
-              <a:latin typeface="Noto Sans TC Medium" panose="020B0200000000000000" pitchFamily="34" charset="-128"/>
-              <a:ea typeface="Noto Sans TC Medium" panose="020B0200000000000000" pitchFamily="34" charset="-128"/>
-            </a:endParaRPr>
-          </a:p>
-          <a:p>
-            <a:pPr algn="ctr"/>
-            <a:r>
-              <a:rPr lang="zh-TW" altLang="en-US" sz="2400" dirty="0">
-                <a:solidFill>
-                  <a:schemeClr val="accent5"/>
-                </a:solidFill>
-                <a:latin typeface="Noto Sans TC Medium" panose="020B0200000000000000" pitchFamily="34" charset="-128"/>
-                <a:ea typeface="Noto Sans TC Medium" panose="020B0200000000000000" pitchFamily="34" charset="-128"/>
-              </a:rPr>
-              <a:t>地</a:t>
-            </a:r>
-          </a:p>
-        </p:txBody>
-      </p:sp>
-      <p:sp>
-        <p:nvSpPr>
-          <p:cNvPr id="6" name="圖說文字: 折線 5">
-            <a:extLst>
-              <a:ext uri="{FF2B5EF4-FFF2-40B4-BE49-F238E27FC236}">
-                <a16:creationId xmlns:a16="http://schemas.microsoft.com/office/drawing/2014/main" id="{375B8A2B-1CF7-47EA-A074-5130CF6F8596}"/>
-              </a:ext>
-            </a:extLst>
-          </p:cNvPr>
-          <p:cNvSpPr/>
-          <p:nvPr/>
-        </p:nvSpPr>
-        <p:spPr>
-          <a:xfrm>
-            <a:off x="1390650" y="3042384"/>
-            <a:ext cx="4076700" cy="649110"/>
-          </a:xfrm>
-          <a:prstGeom prst="borderCallout2">
-            <a:avLst>
-              <a:gd name="adj1" fmla="val 102392"/>
-              <a:gd name="adj2" fmla="val 44134"/>
-              <a:gd name="adj3" fmla="val 127337"/>
-              <a:gd name="adj4" fmla="val 50320"/>
-              <a:gd name="adj5" fmla="val 221087"/>
-              <a:gd name="adj6" fmla="val 50247"/>
-            </a:avLst>
-          </a:prstGeom>
-        </p:spPr>
-        <p:style>
-          <a:lnRef idx="2">
-            <a:schemeClr val="accent1">
-              <a:shade val="15000"/>
-            </a:schemeClr>
-          </a:lnRef>
-          <a:fillRef idx="1">
-            <a:schemeClr val="accent1"/>
-          </a:fillRef>
-          <a:effectRef idx="0">
-            <a:schemeClr val="accent1"/>
-          </a:effectRef>
-          <a:fontRef idx="minor">
-            <a:schemeClr val="lt1"/>
-          </a:fontRef>
-        </p:style>
-        <p:txBody>
-          <a:bodyPr rtlCol="0" anchor="ctr"/>
-          <a:lstStyle/>
-          <a:p>
-            <a:pPr algn="ctr"/>
-            <a:r>
-              <a:rPr lang="zh-TW" altLang="en-US" dirty="0">
-                <a:latin typeface="Noto Sans TC Black" panose="020B0200000000000000" pitchFamily="34" charset="-128"/>
-                <a:ea typeface="Noto Sans TC Black" panose="020B0200000000000000" pitchFamily="34" charset="-128"/>
-              </a:rPr>
-              <a:t>台羅拼音（聲調符號）</a:t>
-            </a:r>
-          </a:p>
-        </p:txBody>
-      </p:sp>
-      <p:sp>
-        <p:nvSpPr>
-          <p:cNvPr id="8" name="圖說文字: 折線 7">
-            <a:extLst>
-              <a:ext uri="{FF2B5EF4-FFF2-40B4-BE49-F238E27FC236}">
-                <a16:creationId xmlns:a16="http://schemas.microsoft.com/office/drawing/2014/main" id="{880373AA-7FDD-63D8-3F68-D7EF7BEE7A7C}"/>
-              </a:ext>
-            </a:extLst>
-          </p:cNvPr>
-          <p:cNvSpPr/>
-          <p:nvPr/>
-        </p:nvSpPr>
-        <p:spPr>
-          <a:xfrm>
-            <a:off x="1390650" y="8466658"/>
-            <a:ext cx="4076700" cy="649110"/>
-          </a:xfrm>
-          <a:prstGeom prst="borderCallout2">
-            <a:avLst>
-              <a:gd name="adj1" fmla="val -326"/>
-              <a:gd name="adj2" fmla="val 44368"/>
-              <a:gd name="adj3" fmla="val -25272"/>
-              <a:gd name="adj4" fmla="val 50553"/>
-              <a:gd name="adj5" fmla="val -128153"/>
-              <a:gd name="adj6" fmla="val 50481"/>
-            </a:avLst>
-          </a:prstGeom>
-        </p:spPr>
-        <p:style>
-          <a:lnRef idx="2">
-            <a:schemeClr val="accent1">
-              <a:shade val="15000"/>
-            </a:schemeClr>
-          </a:lnRef>
-          <a:fillRef idx="1">
-            <a:schemeClr val="accent1"/>
-          </a:fillRef>
-          <a:effectRef idx="0">
-            <a:schemeClr val="accent1"/>
-          </a:effectRef>
-          <a:fontRef idx="minor">
-            <a:schemeClr val="lt1"/>
-          </a:fontRef>
-        </p:style>
-        <p:txBody>
-          <a:bodyPr rtlCol="0" anchor="ctr"/>
-          <a:lstStyle/>
-          <a:p>
-            <a:pPr algn="ctr"/>
-            <a:r>
-              <a:rPr lang="zh-TW" altLang="en-US" dirty="0">
-                <a:latin typeface="Noto Sans TC Black" panose="020B0200000000000000" pitchFamily="34" charset="-128"/>
-                <a:ea typeface="Noto Sans TC Black" panose="020B0200000000000000" pitchFamily="34" charset="-128"/>
-              </a:rPr>
-              <a:t>寬式國際音標（</a:t>
-            </a:r>
-            <a:r>
-              <a:rPr lang="en-US" altLang="zh-TW" dirty="0">
-                <a:latin typeface="Noto Sans TC Black" panose="020B0200000000000000" pitchFamily="34" charset="-128"/>
-                <a:ea typeface="Noto Sans TC Black" panose="020B0200000000000000" pitchFamily="34" charset="-128"/>
-              </a:rPr>
-              <a:t>IPA</a:t>
-            </a:r>
-            <a:r>
-              <a:rPr lang="zh-TW" altLang="en-US" dirty="0">
-                <a:latin typeface="Noto Sans TC Black" panose="020B0200000000000000" pitchFamily="34" charset="-128"/>
-                <a:ea typeface="Noto Sans TC Black" panose="020B0200000000000000" pitchFamily="34" charset="-128"/>
-              </a:rPr>
-              <a:t>）</a:t>
-            </a:r>
-          </a:p>
-        </p:txBody>
-      </p:sp>
-      <p:sp>
-        <p:nvSpPr>
-          <p:cNvPr id="9" name="圖說文字: 折線 8">
-            <a:extLst>
-              <a:ext uri="{FF2B5EF4-FFF2-40B4-BE49-F238E27FC236}">
-                <a16:creationId xmlns:a16="http://schemas.microsoft.com/office/drawing/2014/main" id="{8558CDC0-907B-87C0-C0B7-D40DF81263C4}"/>
-              </a:ext>
-            </a:extLst>
-          </p:cNvPr>
-          <p:cNvSpPr/>
-          <p:nvPr/>
-        </p:nvSpPr>
-        <p:spPr>
-          <a:xfrm>
-            <a:off x="5747004" y="3848099"/>
-            <a:ext cx="491871" cy="4495800"/>
-          </a:xfrm>
-          <a:prstGeom prst="borderCallout2">
-            <a:avLst>
-              <a:gd name="adj1" fmla="val 55358"/>
-              <a:gd name="adj2" fmla="val -2342"/>
-              <a:gd name="adj3" fmla="val 50218"/>
-              <a:gd name="adj4" fmla="val -61996"/>
-              <a:gd name="adj5" fmla="val 50324"/>
-              <a:gd name="adj6" fmla="val -145339"/>
-            </a:avLst>
-          </a:prstGeom>
-        </p:spPr>
-        <p:style>
-          <a:lnRef idx="2">
-            <a:schemeClr val="accent1">
-              <a:shade val="15000"/>
-            </a:schemeClr>
-          </a:lnRef>
-          <a:fillRef idx="1">
-            <a:schemeClr val="accent1"/>
-          </a:fillRef>
-          <a:effectRef idx="0">
-            <a:schemeClr val="accent1"/>
-          </a:effectRef>
-          <a:fontRef idx="minor">
-            <a:schemeClr val="lt1"/>
-          </a:fontRef>
-        </p:style>
-        <p:txBody>
-          <a:bodyPr vert="eaVert" rtlCol="0" anchor="ctr"/>
-          <a:lstStyle/>
-          <a:p>
-            <a:pPr algn="ctr"/>
-            <a:r>
-              <a:rPr lang="zh-TW" altLang="en-US" dirty="0">
-                <a:latin typeface="Noto Sans TC Black" panose="020B0200000000000000" pitchFamily="34" charset="-128"/>
-                <a:ea typeface="Noto Sans TC Black" panose="020B0200000000000000" pitchFamily="34" charset="-128"/>
-              </a:rPr>
-              <a:t>方音符號</a:t>
-            </a:r>
-          </a:p>
-        </p:txBody>
-      </p:sp>
-      <p:sp>
-        <p:nvSpPr>
-          <p:cNvPr id="11" name="圖說文字: 折線 10">
-            <a:extLst>
-              <a:ext uri="{FF2B5EF4-FFF2-40B4-BE49-F238E27FC236}">
-                <a16:creationId xmlns:a16="http://schemas.microsoft.com/office/drawing/2014/main" id="{60A27480-03E9-6431-8520-C86DE5D90A36}"/>
-              </a:ext>
-            </a:extLst>
-          </p:cNvPr>
-          <p:cNvSpPr/>
-          <p:nvPr/>
-        </p:nvSpPr>
-        <p:spPr>
-          <a:xfrm>
-            <a:off x="619125" y="3848100"/>
-            <a:ext cx="491871" cy="4495800"/>
-          </a:xfrm>
-          <a:prstGeom prst="borderCallout2">
-            <a:avLst>
-              <a:gd name="adj1" fmla="val 43917"/>
-              <a:gd name="adj2" fmla="val 92546"/>
-              <a:gd name="adj3" fmla="val 50642"/>
-              <a:gd name="adj4" fmla="val 158764"/>
-              <a:gd name="adj5" fmla="val 50536"/>
-              <a:gd name="adj6" fmla="val 238085"/>
-            </a:avLst>
-          </a:prstGeom>
-        </p:spPr>
-        <p:style>
-          <a:lnRef idx="2">
-            <a:schemeClr val="accent1">
-              <a:shade val="15000"/>
-            </a:schemeClr>
-          </a:lnRef>
-          <a:fillRef idx="1">
-            <a:schemeClr val="accent1"/>
-          </a:fillRef>
-          <a:effectRef idx="0">
-            <a:schemeClr val="accent1"/>
-          </a:effectRef>
-          <a:fontRef idx="minor">
-            <a:schemeClr val="lt1"/>
-          </a:fontRef>
-        </p:style>
-        <p:txBody>
-          <a:bodyPr vert="eaVert" rtlCol="0" anchor="ctr"/>
-          <a:lstStyle/>
-          <a:p>
-            <a:pPr algn="ctr"/>
-            <a:r>
-              <a:rPr lang="zh-TW" altLang="en-US" dirty="0">
-                <a:latin typeface="Noto Sans TC Black" panose="020B0200000000000000" pitchFamily="34" charset="-128"/>
-                <a:ea typeface="Noto Sans TC Black" panose="020B0200000000000000" pitchFamily="34" charset="-128"/>
-              </a:rPr>
-              <a:t>十五音反切</a:t>
-            </a:r>
-          </a:p>
-        </p:txBody>
-      </p:sp>
-    </p:spTree>
-    <p:extLst>
-      <p:ext uri="{BB962C8B-B14F-4D97-AF65-F5344CB8AC3E}">
-        <p14:creationId xmlns:p14="http://schemas.microsoft.com/office/powerpoint/2010/main" val="2398846336"/>
       </p:ext>
     </p:extLst>
   </p:cSld>
